--- a/Fleetmanager.pptx
+++ b/Fleetmanager.pptx
@@ -17,8 +17,8 @@
     <p:sldId id="266" r:id="rId8"/>
     <p:sldId id="289" r:id="rId9"/>
     <p:sldId id="278" r:id="rId10"/>
-    <p:sldId id="258" r:id="rId11"/>
-    <p:sldId id="276" r:id="rId12"/>
+    <p:sldId id="276" r:id="rId11"/>
+    <p:sldId id="295" r:id="rId12"/>
   </p:sldIdLst>
   <p:sldSz cx="12192000" cy="6858000"/>
   <p:notesSz cx="6858000" cy="9144000"/>
@@ -247,7 +247,7 @@
             <a:pPr rtl="0"/>
             <a:fld id="{6BC4ED84-6EAE-4BB9-A239-A4541838CFBF}" type="datetime1">
               <a:rPr lang="fr-FR" smtClean="0"/>
-              <a:t>19/11/2023</a:t>
+              <a:t>20/11/2023</a:t>
             </a:fld>
             <a:endParaRPr lang="fr-FR"/>
           </a:p>
@@ -429,7 +429,7 @@
             <a:fld id="{30AA49DA-9B4C-4C11-AFC5-1C9CC1D3D925}" type="datetime1">
               <a:rPr lang="fr-FR" smtClean="0"/>
               <a:pPr/>
-              <a:t>19/11/2023</a:t>
+              <a:t>20/11/2023</a:t>
             </a:fld>
             <a:endParaRPr lang="fr-FR" dirty="0"/>
           </a:p>
@@ -1193,91 +1193,6 @@
             <a:fld id="{D4B9A9E5-4F7F-4A7D-9DE1-899232329269}" type="slidenum">
               <a:rPr lang="fr-FR" smtClean="0"/>
               <a:t>7</a:t>
-            </a:fld>
-            <a:endParaRPr lang="fr-FR"/>
-          </a:p>
-        </p:txBody>
-      </p:sp>
-    </p:spTree>
-    <p:extLst>
-      <p:ext uri="{BB962C8B-B14F-4D97-AF65-F5344CB8AC3E}">
-        <p14:creationId xmlns:p14="http://schemas.microsoft.com/office/powerpoint/2010/main" val="1576356939"/>
-      </p:ext>
-    </p:extLst>
-  </p:cSld>
-  <p:clrMapOvr>
-    <a:masterClrMapping/>
-  </p:clrMapOvr>
-</p:notes>
-</file>
-
-<file path=ppt/notesSlides/notesSlide7.xml><?xml version="1.0" encoding="utf-8"?>
-<p:notes xmlns:a="http://schemas.openxmlformats.org/drawingml/2006/main" xmlns:r="http://schemas.openxmlformats.org/officeDocument/2006/relationships" xmlns:p="http://schemas.openxmlformats.org/presentationml/2006/main">
-  <p:cSld>
-    <p:spTree>
-      <p:nvGrpSpPr>
-        <p:cNvPr id="1" name=""/>
-        <p:cNvGrpSpPr/>
-        <p:nvPr/>
-      </p:nvGrpSpPr>
-      <p:grpSpPr>
-        <a:xfrm>
-          <a:off x="0" y="0"/>
-          <a:ext cx="0" cy="0"/>
-          <a:chOff x="0" y="0"/>
-          <a:chExt cx="0" cy="0"/>
-        </a:xfrm>
-      </p:grpSpPr>
-      <p:sp>
-        <p:nvSpPr>
-          <p:cNvPr id="2" name="Espace réservé de l'image des diapositives 1"/>
-          <p:cNvSpPr>
-            <a:spLocks noGrp="1" noRot="1" noChangeAspect="1"/>
-          </p:cNvSpPr>
-          <p:nvPr>
-            <p:ph type="sldImg"/>
-          </p:nvPr>
-        </p:nvSpPr>
-        <p:spPr/>
-      </p:sp>
-      <p:sp>
-        <p:nvSpPr>
-          <p:cNvPr id="3" name="Espace réservé des notes 2"/>
-          <p:cNvSpPr>
-            <a:spLocks noGrp="1"/>
-          </p:cNvSpPr>
-          <p:nvPr>
-            <p:ph type="body" idx="1"/>
-          </p:nvPr>
-        </p:nvSpPr>
-        <p:spPr/>
-        <p:txBody>
-          <a:bodyPr/>
-          <a:lstStyle/>
-          <a:p>
-            <a:endParaRPr lang="fr-FR"/>
-          </a:p>
-        </p:txBody>
-      </p:sp>
-      <p:sp>
-        <p:nvSpPr>
-          <p:cNvPr id="4" name="Espace réservé du numéro de diapositive 3"/>
-          <p:cNvSpPr>
-            <a:spLocks noGrp="1"/>
-          </p:cNvSpPr>
-          <p:nvPr>
-            <p:ph type="sldNum" sz="quarter" idx="5"/>
-          </p:nvPr>
-        </p:nvSpPr>
-        <p:spPr/>
-        <p:txBody>
-          <a:bodyPr/>
-          <a:lstStyle/>
-          <a:p>
-            <a:pPr rtl="0"/>
-            <a:fld id="{D4B9A9E5-4F7F-4A7D-9DE1-899232329269}" type="slidenum">
-              <a:rPr lang="fr-FR" smtClean="0"/>
-              <a:t>8</a:t>
             </a:fld>
             <a:endParaRPr lang="fr-FR"/>
           </a:p>
@@ -16417,8 +16332,8 @@
           <a:p>
             <a:pPr rtl="0"/>
             <a:r>
-              <a:rPr lang="fr-FR" noProof="0"/>
-              <a:t>20XX</a:t>
+              <a:rPr lang="fr-FR" noProof="0" dirty="0"/>
+              <a:t>2023</a:t>
             </a:r>
           </a:p>
         </p:txBody>
@@ -16446,9 +16361,18 @@
           <a:p>
             <a:pPr rtl="0"/>
             <a:r>
-              <a:rPr lang="fr-FR" noProof="0"/>
-              <a:t>Pitch Deck</a:t>
-            </a:r>
+              <a:rPr lang="fr-FR" noProof="0" dirty="0" err="1"/>
+              <a:t>Fleetmanager</a:t>
+            </a:r>
+            <a:r>
+              <a:rPr lang="fr-FR" noProof="0" dirty="0"/>
+              <a:t> </a:t>
+            </a:r>
+            <a:r>
+              <a:rPr lang="fr-FR" noProof="0" dirty="0" err="1"/>
+              <a:t>Allphi</a:t>
+            </a:r>
+            <a:endParaRPr lang="fr-FR" noProof="0" dirty="0"/>
           </a:p>
         </p:txBody>
       </p:sp>
@@ -17034,7 +16958,7 @@
             </a:r>
             <a:r>
               <a:rPr lang="fr-FR" dirty="0" err="1"/>
-              <a:t>efficiënt</a:t>
+              <a:t>gebruiksvriendelijk</a:t>
             </a:r>
             <a:r>
               <a:rPr lang="fr-FR" dirty="0"/>
@@ -17042,7 +16966,7 @@
             </a:r>
             <a:r>
               <a:rPr lang="fr-FR" dirty="0" err="1"/>
-              <a:t>gebruiksvriendelijk</a:t>
+              <a:t>efficiënt</a:t>
             </a:r>
             <a:r>
               <a:rPr lang="fr-FR" dirty="0"/>
@@ -17087,8 +17011,8 @@
           <a:p>
             <a:pPr rtl="0"/>
             <a:r>
-              <a:rPr lang="fr-FR"/>
-              <a:t>20XX</a:t>
+              <a:rPr lang="fr-FR" dirty="0"/>
+              <a:t>2023</a:t>
             </a:r>
           </a:p>
         </p:txBody>
@@ -17121,9 +17045,18 @@
           <a:p>
             <a:pPr rtl="0"/>
             <a:r>
-              <a:rPr lang="fr-FR" dirty="0"/>
-              <a:t>Pitch Deck</a:t>
-            </a:r>
+              <a:rPr lang="fr-FR" noProof="0" dirty="0" err="1"/>
+              <a:t>Fleetmanager</a:t>
+            </a:r>
+            <a:r>
+              <a:rPr lang="fr-FR" noProof="0" dirty="0"/>
+              <a:t> </a:t>
+            </a:r>
+            <a:r>
+              <a:rPr lang="fr-FR" noProof="0" dirty="0" err="1"/>
+              <a:t>Allphi</a:t>
+            </a:r>
+            <a:endParaRPr lang="fr-FR" noProof="0" dirty="0"/>
           </a:p>
         </p:txBody>
       </p:sp>
@@ -17193,6 +17126,42 @@
           <a:chExt cx="0" cy="0"/>
         </a:xfrm>
       </p:grpSpPr>
+      <p:pic>
+        <p:nvPicPr>
+          <p:cNvPr id="28" name="Graphic 27">
+            <a:extLst>
+              <a:ext uri="{FF2B5EF4-FFF2-40B4-BE49-F238E27FC236}">
+                <a16:creationId xmlns:a16="http://schemas.microsoft.com/office/drawing/2014/main" id="{5EF2D944-6AB1-B2B4-3A4F-2FFD45946C1F}"/>
+              </a:ext>
+            </a:extLst>
+          </p:cNvPr>
+          <p:cNvPicPr>
+            <a:picLocks noChangeAspect="1"/>
+          </p:cNvPicPr>
+          <p:nvPr/>
+        </p:nvPicPr>
+        <p:blipFill>
+          <a:blip r:embed="rId3">
+            <a:extLst>
+              <a:ext uri="{96DAC541-7B7A-43D3-8B79-37D633B846F1}">
+                <asvg:svgBlip xmlns:asvg="http://schemas.microsoft.com/office/drawing/2016/SVG/main" r:embed="rId4"/>
+              </a:ext>
+            </a:extLst>
+          </a:blip>
+          <a:stretch>
+            <a:fillRect/>
+          </a:stretch>
+        </p:blipFill>
+        <p:spPr>
+          <a:xfrm>
+            <a:off x="5375128" y="4950699"/>
+            <a:ext cx="1836413" cy="1154170"/>
+          </a:xfrm>
+          <a:prstGeom prst="rect">
+            <a:avLst/>
+          </a:prstGeom>
+        </p:spPr>
+      </p:pic>
       <p:sp>
         <p:nvSpPr>
           <p:cNvPr id="2" name="Titre 1">
@@ -17264,46 +17233,6 @@
       </p:sp>
       <p:sp>
         <p:nvSpPr>
-          <p:cNvPr id="7" name="Espace réservé du contenu 6">
-            <a:extLst>
-              <a:ext uri="{FF2B5EF4-FFF2-40B4-BE49-F238E27FC236}">
-                <a16:creationId xmlns:a16="http://schemas.microsoft.com/office/drawing/2014/main" id="{6B35F89A-6CDF-41F7-BD87-18B45BD7330B}"/>
-              </a:ext>
-            </a:extLst>
-          </p:cNvPr>
-          <p:cNvSpPr>
-            <a:spLocks noGrp="1"/>
-          </p:cNvSpPr>
-          <p:nvPr>
-            <p:ph sz="half" idx="2"/>
-          </p:nvPr>
-        </p:nvSpPr>
-        <p:spPr>
-          <a:xfrm>
-            <a:off x="1243104" y="3834606"/>
-            <a:ext cx="2882475" cy="1997867"/>
-          </a:xfrm>
-        </p:spPr>
-        <p:txBody>
-          <a:bodyPr vert="horz" lIns="91440" tIns="45720" rIns="91440" bIns="45720" rtlCol="0" anchor="t">
-            <a:normAutofit/>
-          </a:bodyPr>
-          <a:lstStyle/>
-          <a:p>
-            <a:pPr rtl="0"/>
-            <a:r>
-              <a:rPr lang="fr-FR" dirty="0"/>
-              <a:t>…</a:t>
-            </a:r>
-          </a:p>
-          <a:p>
-            <a:pPr rtl="0"/>
-            <a:endParaRPr lang="fr-FR" noProof="1"/>
-          </a:p>
-        </p:txBody>
-      </p:sp>
-      <p:sp>
-        <p:nvSpPr>
           <p:cNvPr id="6" name="Espace réservé du texte 5">
             <a:extLst>
               <a:ext uri="{FF2B5EF4-FFF2-40B4-BE49-F238E27FC236}">
@@ -17331,45 +17260,59 @@
             <a:pPr rtl="0"/>
             <a:r>
               <a:rPr lang="fr-FR" dirty="0"/>
-              <a:t>C#</a:t>
-            </a:r>
-          </a:p>
-        </p:txBody>
-      </p:sp>
-      <p:sp>
-        <p:nvSpPr>
-          <p:cNvPr id="3" name="Espace réservé du texte 2">
-            <a:extLst>
-              <a:ext uri="{FF2B5EF4-FFF2-40B4-BE49-F238E27FC236}">
-                <a16:creationId xmlns:a16="http://schemas.microsoft.com/office/drawing/2014/main" id="{D5E1C399-8F48-44F5-9461-3C89866D4CE1}"/>
-              </a:ext>
-            </a:extLst>
-          </p:cNvPr>
-          <p:cNvSpPr>
-            <a:spLocks noGrp="1"/>
-          </p:cNvSpPr>
+              <a:t>C#, </a:t>
+            </a:r>
+            <a:r>
+              <a:rPr lang="fr-FR" dirty="0" err="1"/>
+              <a:t>react</a:t>
+            </a:r>
+            <a:r>
+              <a:rPr lang="fr-FR" dirty="0"/>
+              <a:t>, html, </a:t>
+            </a:r>
+            <a:r>
+              <a:rPr lang="fr-FR" dirty="0" err="1"/>
+              <a:t>css</a:t>
+            </a:r>
+            <a:endParaRPr lang="fr-FR" dirty="0"/>
+          </a:p>
+        </p:txBody>
+      </p:sp>
+      <p:pic>
+        <p:nvPicPr>
+          <p:cNvPr id="21" name="Tijdelijke aanduiding voor inhoud 20">
+            <a:extLst>
+              <a:ext uri="{FF2B5EF4-FFF2-40B4-BE49-F238E27FC236}">
+                <a16:creationId xmlns:a16="http://schemas.microsoft.com/office/drawing/2014/main" id="{F903969F-5C45-C2F4-66A6-05477F512072}"/>
+              </a:ext>
+            </a:extLst>
+          </p:cNvPr>
+          <p:cNvPicPr>
+            <a:picLocks noGrp="1" noChangeAspect="1"/>
+          </p:cNvPicPr>
           <p:nvPr>
             <p:ph sz="quarter" idx="4"/>
           </p:nvPr>
-        </p:nvSpPr>
-        <p:spPr>
-          <a:xfrm>
-            <a:off x="4647665" y="3834606"/>
-            <a:ext cx="2896671" cy="1997867"/>
-          </a:xfrm>
-        </p:spPr>
-        <p:txBody>
-          <a:bodyPr rtlCol="0"/>
-          <a:lstStyle/>
-          <a:p>
-            <a:pPr rtl="0"/>
-            <a:r>
-              <a:rPr lang="fr-FR" dirty="0"/>
-              <a:t>…</a:t>
-            </a:r>
-          </a:p>
-        </p:txBody>
-      </p:sp>
+        </p:nvPicPr>
+        <p:blipFill>
+          <a:blip r:embed="rId5">
+            <a:extLst>
+              <a:ext uri="{96DAC541-7B7A-43D3-8B79-37D633B846F1}">
+                <asvg:svgBlip xmlns:asvg="http://schemas.microsoft.com/office/drawing/2016/SVG/main" r:embed="rId6"/>
+              </a:ext>
+            </a:extLst>
+          </a:blip>
+          <a:stretch>
+            <a:fillRect/>
+          </a:stretch>
+        </p:blipFill>
+        <p:spPr>
+          <a:xfrm>
+            <a:off x="4756167" y="3822497"/>
+            <a:ext cx="711130" cy="1003300"/>
+          </a:xfrm>
+        </p:spPr>
+      </p:pic>
       <p:sp>
         <p:nvSpPr>
           <p:cNvPr id="5" name="Espace réservé du contenu 4">
@@ -17430,26 +17373,55 @@
           </a:p>
         </p:txBody>
       </p:sp>
-      <p:sp>
-        <p:nvSpPr>
-          <p:cNvPr id="8" name="Espace réservé du texte 7">
-            <a:extLst>
-              <a:ext uri="{FF2B5EF4-FFF2-40B4-BE49-F238E27FC236}">
-                <a16:creationId xmlns:a16="http://schemas.microsoft.com/office/drawing/2014/main" id="{E92B9716-8D44-4864-8986-720957B34362}"/>
-              </a:ext>
-            </a:extLst>
-          </p:cNvPr>
-          <p:cNvSpPr>
-            <a:spLocks noGrp="1"/>
-          </p:cNvSpPr>
+      <p:pic>
+        <p:nvPicPr>
+          <p:cNvPr id="30" name="Tijdelijke aanduiding voor inhoud 29" descr="Afbeelding met Graphics, schermopname, Lettertype, logo&#10;&#10;Automatisch gegenereerde beschrijving">
+            <a:extLst>
+              <a:ext uri="{FF2B5EF4-FFF2-40B4-BE49-F238E27FC236}">
+                <a16:creationId xmlns:a16="http://schemas.microsoft.com/office/drawing/2014/main" id="{FE93AFF4-B700-8F7D-49AC-4F692665BAE0}"/>
+              </a:ext>
+            </a:extLst>
+          </p:cNvPr>
+          <p:cNvPicPr>
+            <a:picLocks noGrp="1" noChangeAspect="1"/>
+          </p:cNvPicPr>
           <p:nvPr>
             <p:ph sz="half" idx="14"/>
           </p:nvPr>
-        </p:nvSpPr>
-        <p:spPr>
-          <a:xfrm>
-            <a:off x="8066421" y="3834606"/>
-            <a:ext cx="2882475" cy="1997867"/>
+        </p:nvPicPr>
+        <p:blipFill>
+          <a:blip r:embed="rId7"/>
+          <a:stretch>
+            <a:fillRect/>
+          </a:stretch>
+        </p:blipFill>
+        <p:spPr>
+          <a:xfrm>
+            <a:off x="8404952" y="3786870"/>
+            <a:ext cx="2396736" cy="1074551"/>
+          </a:xfrm>
+        </p:spPr>
+      </p:pic>
+      <p:sp>
+        <p:nvSpPr>
+          <p:cNvPr id="9" name="Espace réservé de la date 8">
+            <a:extLst>
+              <a:ext uri="{FF2B5EF4-FFF2-40B4-BE49-F238E27FC236}">
+                <a16:creationId xmlns:a16="http://schemas.microsoft.com/office/drawing/2014/main" id="{7B78F7A0-88C5-4940-B21C-099F472F39F9}"/>
+              </a:ext>
+            </a:extLst>
+          </p:cNvPr>
+          <p:cNvSpPr>
+            <a:spLocks noGrp="1"/>
+          </p:cNvSpPr>
+          <p:nvPr>
+            <p:ph type="dt" sz="half" idx="10"/>
+          </p:nvPr>
+        </p:nvSpPr>
+        <p:spPr>
+          <a:xfrm>
+            <a:off x="838200" y="6356350"/>
+            <a:ext cx="2743200" cy="365125"/>
           </a:xfrm>
         </p:spPr>
         <p:txBody>
@@ -17459,35 +17431,31 @@
             <a:pPr rtl="0"/>
             <a:r>
               <a:rPr lang="fr-FR" dirty="0"/>
-              <a:t>…</a:t>
-            </a:r>
-          </a:p>
-          <a:p>
-            <a:pPr rtl="0"/>
-            <a:endParaRPr lang="fr-FR" dirty="0"/>
-          </a:p>
-        </p:txBody>
-      </p:sp>
-      <p:sp>
-        <p:nvSpPr>
-          <p:cNvPr id="9" name="Espace réservé de la date 8">
-            <a:extLst>
-              <a:ext uri="{FF2B5EF4-FFF2-40B4-BE49-F238E27FC236}">
-                <a16:creationId xmlns:a16="http://schemas.microsoft.com/office/drawing/2014/main" id="{7B78F7A0-88C5-4940-B21C-099F472F39F9}"/>
-              </a:ext>
-            </a:extLst>
-          </p:cNvPr>
-          <p:cNvSpPr>
-            <a:spLocks noGrp="1"/>
-          </p:cNvSpPr>
-          <p:nvPr>
-            <p:ph type="dt" sz="half" idx="10"/>
-          </p:nvPr>
-        </p:nvSpPr>
-        <p:spPr>
-          <a:xfrm>
-            <a:off x="838200" y="6356350"/>
-            <a:ext cx="2743200" cy="365125"/>
+              <a:t>2023</a:t>
+            </a:r>
+          </a:p>
+        </p:txBody>
+      </p:sp>
+      <p:sp>
+        <p:nvSpPr>
+          <p:cNvPr id="10" name="Espace réservé du pied de page 9">
+            <a:extLst>
+              <a:ext uri="{FF2B5EF4-FFF2-40B4-BE49-F238E27FC236}">
+                <a16:creationId xmlns:a16="http://schemas.microsoft.com/office/drawing/2014/main" id="{D2186069-FC8E-433D-9BB4-942220CE8CFB}"/>
+              </a:ext>
+            </a:extLst>
+          </p:cNvPr>
+          <p:cNvSpPr>
+            <a:spLocks noGrp="1"/>
+          </p:cNvSpPr>
+          <p:nvPr>
+            <p:ph type="ftr" sz="quarter" idx="11"/>
+          </p:nvPr>
+        </p:nvSpPr>
+        <p:spPr>
+          <a:xfrm>
+            <a:off x="4038600" y="6356350"/>
+            <a:ext cx="4114800" cy="365125"/>
           </a:xfrm>
         </p:spPr>
         <p:txBody>
@@ -17496,45 +17464,18 @@
           <a:p>
             <a:pPr rtl="0"/>
             <a:r>
-              <a:rPr lang="fr-FR"/>
-              <a:t>20XX</a:t>
-            </a:r>
-            <a:endParaRPr lang="fr-FR" dirty="0"/>
-          </a:p>
-        </p:txBody>
-      </p:sp>
-      <p:sp>
-        <p:nvSpPr>
-          <p:cNvPr id="10" name="Espace réservé du pied de page 9">
-            <a:extLst>
-              <a:ext uri="{FF2B5EF4-FFF2-40B4-BE49-F238E27FC236}">
-                <a16:creationId xmlns:a16="http://schemas.microsoft.com/office/drawing/2014/main" id="{D2186069-FC8E-433D-9BB4-942220CE8CFB}"/>
-              </a:ext>
-            </a:extLst>
-          </p:cNvPr>
-          <p:cNvSpPr>
-            <a:spLocks noGrp="1"/>
-          </p:cNvSpPr>
-          <p:nvPr>
-            <p:ph type="ftr" sz="quarter" idx="11"/>
-          </p:nvPr>
-        </p:nvSpPr>
-        <p:spPr>
-          <a:xfrm>
-            <a:off x="4038600" y="6356350"/>
-            <a:ext cx="4114800" cy="365125"/>
-          </a:xfrm>
-        </p:spPr>
-        <p:txBody>
-          <a:bodyPr rtlCol="0"/>
-          <a:lstStyle/>
-          <a:p>
-            <a:pPr rtl="0"/>
-            <a:r>
-              <a:rPr lang="fr-FR"/>
-              <a:t>Pitch Deck</a:t>
-            </a:r>
-            <a:endParaRPr lang="fr-FR" dirty="0"/>
+              <a:rPr lang="fr-FR" noProof="0" dirty="0" err="1"/>
+              <a:t>Fleetmanager</a:t>
+            </a:r>
+            <a:r>
+              <a:rPr lang="fr-FR" noProof="0" dirty="0"/>
+              <a:t> </a:t>
+            </a:r>
+            <a:r>
+              <a:rPr lang="fr-FR" noProof="0" dirty="0" err="1"/>
+              <a:t>Allphi</a:t>
+            </a:r>
+            <a:endParaRPr lang="fr-FR" noProof="0" dirty="0"/>
           </a:p>
         </p:txBody>
       </p:sp>
@@ -17574,6 +17515,174 @@
           </a:p>
         </p:txBody>
       </p:sp>
+      <p:pic>
+        <p:nvPicPr>
+          <p:cNvPr id="1026" name="Picture 2" descr="Visual Studio Code - Wikipedia">
+            <a:extLst>
+              <a:ext uri="{FF2B5EF4-FFF2-40B4-BE49-F238E27FC236}">
+                <a16:creationId xmlns:a16="http://schemas.microsoft.com/office/drawing/2014/main" id="{9961A1BF-8DD4-0D4B-CCA3-E39B71EB05E0}"/>
+              </a:ext>
+            </a:extLst>
+          </p:cNvPr>
+          <p:cNvPicPr>
+            <a:picLocks noGrp="1" noChangeAspect="1" noChangeArrowheads="1"/>
+          </p:cNvPicPr>
+          <p:nvPr>
+            <p:ph sz="half" idx="2"/>
+          </p:nvPr>
+        </p:nvPicPr>
+        <p:blipFill>
+          <a:blip r:embed="rId8">
+            <a:extLst>
+              <a:ext uri="{28A0092B-C50C-407E-A947-70E740481C1C}">
+                <a14:useLocalDpi xmlns:a14="http://schemas.microsoft.com/office/drawing/2010/main" val="0"/>
+              </a:ext>
+            </a:extLst>
+          </a:blip>
+          <a:srcRect/>
+          <a:stretch>
+            <a:fillRect/>
+          </a:stretch>
+        </p:blipFill>
+        <p:spPr bwMode="auto">
+          <a:xfrm>
+            <a:off x="1514421" y="3965229"/>
+            <a:ext cx="1763682" cy="1763682"/>
+          </a:xfrm>
+          <a:prstGeom prst="rect">
+            <a:avLst/>
+          </a:prstGeom>
+          <a:noFill/>
+          <a:extLst>
+            <a:ext uri="{909E8E84-426E-40DD-AFC4-6F175D3DCCD1}">
+              <a14:hiddenFill xmlns:a14="http://schemas.microsoft.com/office/drawing/2010/main">
+                <a:solidFill>
+                  <a:srgbClr val="FFFFFF"/>
+                </a:solidFill>
+              </a14:hiddenFill>
+            </a:ext>
+          </a:extLst>
+        </p:spPr>
+      </p:pic>
+      <p:pic>
+        <p:nvPicPr>
+          <p:cNvPr id="24" name="Afbeelding 23" descr="Afbeelding met logo, Graphics, ontwerp, Lettertype&#10;&#10;Automatisch gegenereerde beschrijving">
+            <a:extLst>
+              <a:ext uri="{FF2B5EF4-FFF2-40B4-BE49-F238E27FC236}">
+                <a16:creationId xmlns:a16="http://schemas.microsoft.com/office/drawing/2014/main" id="{3237ACC7-BAAC-5D32-6749-19E18285EA66}"/>
+              </a:ext>
+            </a:extLst>
+          </p:cNvPr>
+          <p:cNvPicPr>
+            <a:picLocks noChangeAspect="1"/>
+          </p:cNvPicPr>
+          <p:nvPr/>
+        </p:nvPicPr>
+        <p:blipFill>
+          <a:blip r:embed="rId9"/>
+          <a:stretch>
+            <a:fillRect/>
+          </a:stretch>
+        </p:blipFill>
+        <p:spPr>
+          <a:xfrm>
+            <a:off x="5786633" y="3817444"/>
+            <a:ext cx="1013405" cy="1013405"/>
+          </a:xfrm>
+          <a:prstGeom prst="rect">
+            <a:avLst/>
+          </a:prstGeom>
+        </p:spPr>
+      </p:pic>
+      <p:pic>
+        <p:nvPicPr>
+          <p:cNvPr id="26" name="Afbeelding 25">
+            <a:extLst>
+              <a:ext uri="{FF2B5EF4-FFF2-40B4-BE49-F238E27FC236}">
+                <a16:creationId xmlns:a16="http://schemas.microsoft.com/office/drawing/2014/main" id="{AEB00C2D-A0D3-5D59-F939-2560B5FEA494}"/>
+              </a:ext>
+            </a:extLst>
+          </p:cNvPr>
+          <p:cNvPicPr>
+            <a:picLocks noChangeAspect="1"/>
+          </p:cNvPicPr>
+          <p:nvPr/>
+        </p:nvPicPr>
+        <p:blipFill>
+          <a:blip r:embed="rId10"/>
+          <a:srcRect/>
+          <a:stretch/>
+        </p:blipFill>
+        <p:spPr>
+          <a:xfrm>
+            <a:off x="4647665" y="5092476"/>
+            <a:ext cx="928007" cy="839846"/>
+          </a:xfrm>
+          <a:prstGeom prst="rect">
+            <a:avLst/>
+          </a:prstGeom>
+        </p:spPr>
+      </p:pic>
+      <p:pic>
+        <p:nvPicPr>
+          <p:cNvPr id="32" name="Afbeelding 31" descr="Afbeelding met logo, Graphics, symbool, Lettertype&#10;&#10;Automatisch gegenereerde beschrijving">
+            <a:extLst>
+              <a:ext uri="{FF2B5EF4-FFF2-40B4-BE49-F238E27FC236}">
+                <a16:creationId xmlns:a16="http://schemas.microsoft.com/office/drawing/2014/main" id="{94B8842D-277E-08C6-19F6-7F360568178E}"/>
+              </a:ext>
+            </a:extLst>
+          </p:cNvPr>
+          <p:cNvPicPr>
+            <a:picLocks noChangeAspect="1"/>
+          </p:cNvPicPr>
+          <p:nvPr/>
+        </p:nvPicPr>
+        <p:blipFill>
+          <a:blip r:embed="rId11"/>
+          <a:stretch>
+            <a:fillRect/>
+          </a:stretch>
+        </p:blipFill>
+        <p:spPr>
+          <a:xfrm>
+            <a:off x="7939004" y="4764073"/>
+            <a:ext cx="1601184" cy="1601184"/>
+          </a:xfrm>
+          <a:prstGeom prst="rect">
+            <a:avLst/>
+          </a:prstGeom>
+        </p:spPr>
+      </p:pic>
+      <p:pic>
+        <p:nvPicPr>
+          <p:cNvPr id="34" name="Afbeelding 33" descr="Afbeelding met tekenfilm, clipart, Graphics, cirkel&#10;&#10;Automatisch gegenereerde beschrijving">
+            <a:extLst>
+              <a:ext uri="{FF2B5EF4-FFF2-40B4-BE49-F238E27FC236}">
+                <a16:creationId xmlns:a16="http://schemas.microsoft.com/office/drawing/2014/main" id="{849B7704-42F5-F6D3-FE54-78D7D767FB1C}"/>
+              </a:ext>
+            </a:extLst>
+          </p:cNvPr>
+          <p:cNvPicPr>
+            <a:picLocks noChangeAspect="1"/>
+          </p:cNvPicPr>
+          <p:nvPr/>
+        </p:nvPicPr>
+        <p:blipFill>
+          <a:blip r:embed="rId12"/>
+          <a:stretch>
+            <a:fillRect/>
+          </a:stretch>
+        </p:blipFill>
+        <p:spPr>
+          <a:xfrm>
+            <a:off x="9906208" y="4847070"/>
+            <a:ext cx="1361428" cy="1361428"/>
+          </a:xfrm>
+          <a:prstGeom prst="rect">
+            <a:avLst/>
+          </a:prstGeom>
+        </p:spPr>
+      </p:pic>
     </p:spTree>
     <p:extLst>
       <p:ext uri="{BB962C8B-B14F-4D97-AF65-F5344CB8AC3E}">
@@ -17723,7 +17832,7 @@
             <a:pPr rtl="0"/>
             <a:r>
               <a:rPr lang="fr-FR" dirty="0"/>
-              <a:t>…</a:t>
+              <a:t>Post</a:t>
             </a:r>
           </a:p>
         </p:txBody>
@@ -17758,9 +17867,18 @@
           <a:p>
             <a:pPr rtl="0"/>
             <a:r>
+              <a:rPr lang="fr-FR" dirty="0" err="1"/>
+              <a:t>Stijlen</a:t>
+            </a:r>
+            <a:r>
               <a:rPr lang="fr-FR" dirty="0"/>
-              <a:t>…</a:t>
-            </a:r>
+              <a:t> van de </a:t>
+            </a:r>
+            <a:r>
+              <a:rPr lang="fr-FR" dirty="0" err="1"/>
+              <a:t>pagina’s</a:t>
+            </a:r>
+            <a:endParaRPr lang="fr-FR" dirty="0"/>
           </a:p>
         </p:txBody>
       </p:sp>
@@ -17792,8 +17910,28 @@
           <a:p>
             <a:pPr rtl="0"/>
             <a:r>
+              <a:rPr lang="fr-FR" dirty="0" err="1"/>
+              <a:t>Juiste</a:t>
+            </a:r>
+            <a:r>
               <a:rPr lang="fr-FR" dirty="0"/>
-              <a:t>…</a:t>
+              <a:t> </a:t>
+            </a:r>
+            <a:r>
+              <a:rPr lang="fr-FR" dirty="0" err="1"/>
+              <a:t>plek</a:t>
+            </a:r>
+            <a:r>
+              <a:rPr lang="fr-FR" dirty="0"/>
+              <a:t>, </a:t>
+            </a:r>
+            <a:r>
+              <a:rPr lang="fr-FR" dirty="0" err="1"/>
+              <a:t>scrolbar</a:t>
+            </a:r>
+            <a:r>
+              <a:rPr lang="fr-FR" dirty="0"/>
+              <a:t>, …</a:t>
             </a:r>
           </a:p>
         </p:txBody>
@@ -17966,8 +18104,8 @@
           <a:p>
             <a:pPr rtl="0"/>
             <a:r>
-              <a:rPr lang="fr-FR"/>
-              <a:t>20XX</a:t>
+              <a:rPr lang="fr-FR" dirty="0"/>
+              <a:t>2023</a:t>
             </a:r>
           </a:p>
         </p:txBody>
@@ -18000,9 +18138,18 @@
           <a:p>
             <a:pPr rtl="0"/>
             <a:r>
-              <a:rPr lang="fr-FR"/>
-              <a:t>Pitch Deck</a:t>
-            </a:r>
+              <a:rPr lang="fr-FR" noProof="0" dirty="0" err="1"/>
+              <a:t>Fleetmanager</a:t>
+            </a:r>
+            <a:r>
+              <a:rPr lang="fr-FR" noProof="0" dirty="0"/>
+              <a:t> </a:t>
+            </a:r>
+            <a:r>
+              <a:rPr lang="fr-FR" noProof="0" dirty="0" err="1"/>
+              <a:t>Allphi</a:t>
+            </a:r>
+            <a:endParaRPr lang="fr-FR" noProof="0" dirty="0"/>
           </a:p>
         </p:txBody>
       </p:sp>
@@ -18101,7 +18248,7 @@
             <a:pPr rtl="0"/>
             <a:r>
               <a:rPr lang="fr-FR" dirty="0" err="1"/>
-              <a:t>Database</a:t>
+              <a:t>Back-end</a:t>
             </a:r>
             <a:endParaRPr lang="fr-FR" dirty="0"/>
           </a:p>
@@ -18357,10 +18504,9 @@
           <a:p>
             <a:pPr rtl="0"/>
             <a:r>
-              <a:rPr lang="fr-FR"/>
-              <a:t>20XX</a:t>
-            </a:r>
-            <a:endParaRPr lang="fr-FR" dirty="0"/>
+              <a:rPr lang="fr-FR" dirty="0"/>
+              <a:t>2023</a:t>
+            </a:r>
           </a:p>
         </p:txBody>
       </p:sp>
@@ -18392,10 +18538,18 @@
           <a:p>
             <a:pPr rtl="0"/>
             <a:r>
-              <a:rPr lang="fr-FR"/>
-              <a:t>Pitch Deck</a:t>
-            </a:r>
-            <a:endParaRPr lang="fr-FR" dirty="0"/>
+              <a:rPr lang="fr-FR" noProof="0" dirty="0" err="1"/>
+              <a:t>Fleetmanager</a:t>
+            </a:r>
+            <a:r>
+              <a:rPr lang="fr-FR" noProof="0" dirty="0"/>
+              <a:t> </a:t>
+            </a:r>
+            <a:r>
+              <a:rPr lang="fr-FR" noProof="0" dirty="0" err="1"/>
+              <a:t>Allphi</a:t>
+            </a:r>
+            <a:endParaRPr lang="fr-FR" noProof="0" dirty="0"/>
           </a:p>
         </p:txBody>
       </p:sp>
@@ -18470,7 +18624,7 @@
           <p:cNvPr id="2" name="Titre 1">
             <a:extLst>
               <a:ext uri="{FF2B5EF4-FFF2-40B4-BE49-F238E27FC236}">
-                <a16:creationId xmlns:a16="http://schemas.microsoft.com/office/drawing/2014/main" id="{A29DE7F2-E890-4744-88DD-A75F5E300513}"/>
+                <a16:creationId xmlns:a16="http://schemas.microsoft.com/office/drawing/2014/main" id="{BCCAEE93-8585-46D4-A7EC-F184E317CB2E}"/>
               </a:ext>
             </a:extLst>
           </p:cNvPr>
@@ -18483,8 +18637,8 @@
         </p:nvSpPr>
         <p:spPr>
           <a:xfrm>
-            <a:off x="7874000" y="2571235"/>
-            <a:ext cx="3296920" cy="1715531"/>
+            <a:off x="6287043" y="1991752"/>
+            <a:ext cx="4179570" cy="1524735"/>
           </a:xfrm>
         </p:spPr>
         <p:txBody>
@@ -18493,17 +18647,130 @@
           <a:p>
             <a:pPr rtl="0"/>
             <a:r>
-              <a:rPr lang="fr-FR" dirty="0" err="1"/>
+              <a:rPr lang="fr-FR" sz="4800" dirty="0" err="1"/>
               <a:t>Demo</a:t>
             </a:r>
-            <a:endParaRPr lang="fr-FR" dirty="0"/>
+            <a:endParaRPr lang="fr-FR" sz="4800" dirty="0"/>
+          </a:p>
+        </p:txBody>
+      </p:sp>
+      <p:sp>
+        <p:nvSpPr>
+          <p:cNvPr id="4" name="Espace réservé de la date 3">
+            <a:extLst>
+              <a:ext uri="{FF2B5EF4-FFF2-40B4-BE49-F238E27FC236}">
+                <a16:creationId xmlns:a16="http://schemas.microsoft.com/office/drawing/2014/main" id="{72DA7980-C870-4C9A-84FA-4120D8AF5DE8}"/>
+              </a:ext>
+            </a:extLst>
+          </p:cNvPr>
+          <p:cNvSpPr>
+            <a:spLocks noGrp="1"/>
+          </p:cNvSpPr>
+          <p:nvPr>
+            <p:ph type="dt" sz="half" idx="10"/>
+          </p:nvPr>
+        </p:nvSpPr>
+        <p:spPr>
+          <a:xfrm>
+            <a:off x="4267200" y="6356350"/>
+            <a:ext cx="1774371" cy="365125"/>
+          </a:xfrm>
+        </p:spPr>
+        <p:txBody>
+          <a:bodyPr rtlCol="0"/>
+          <a:lstStyle/>
+          <a:p>
+            <a:pPr rtl="0"/>
+            <a:r>
+              <a:rPr lang="fr-FR" dirty="0"/>
+              <a:t>2023</a:t>
+            </a:r>
+          </a:p>
+        </p:txBody>
+      </p:sp>
+      <p:sp>
+        <p:nvSpPr>
+          <p:cNvPr id="5" name="Espace réservé du pied de page 4">
+            <a:extLst>
+              <a:ext uri="{FF2B5EF4-FFF2-40B4-BE49-F238E27FC236}">
+                <a16:creationId xmlns:a16="http://schemas.microsoft.com/office/drawing/2014/main" id="{0DFADE42-1A3F-40C8-A071-E57644F3D843}"/>
+              </a:ext>
+            </a:extLst>
+          </p:cNvPr>
+          <p:cNvSpPr>
+            <a:spLocks noGrp="1"/>
+          </p:cNvSpPr>
+          <p:nvPr>
+            <p:ph type="ftr" sz="quarter" idx="11"/>
+          </p:nvPr>
+        </p:nvSpPr>
+        <p:spPr>
+          <a:xfrm>
+            <a:off x="6479721" y="6356350"/>
+            <a:ext cx="2661557" cy="365125"/>
+          </a:xfrm>
+        </p:spPr>
+        <p:txBody>
+          <a:bodyPr rtlCol="0"/>
+          <a:lstStyle/>
+          <a:p>
+            <a:pPr rtl="0"/>
+            <a:r>
+              <a:rPr lang="fr-FR" noProof="0" dirty="0" err="1"/>
+              <a:t>Fleetmanager</a:t>
+            </a:r>
+            <a:r>
+              <a:rPr lang="fr-FR" noProof="0" dirty="0"/>
+              <a:t> </a:t>
+            </a:r>
+            <a:r>
+              <a:rPr lang="fr-FR" noProof="0" dirty="0" err="1"/>
+              <a:t>Allphi</a:t>
+            </a:r>
+            <a:endParaRPr lang="fr-FR" noProof="0" dirty="0"/>
+          </a:p>
+        </p:txBody>
+      </p:sp>
+      <p:sp>
+        <p:nvSpPr>
+          <p:cNvPr id="6" name="Espace réservé du numéro de diapositive 5">
+            <a:extLst>
+              <a:ext uri="{FF2B5EF4-FFF2-40B4-BE49-F238E27FC236}">
+                <a16:creationId xmlns:a16="http://schemas.microsoft.com/office/drawing/2014/main" id="{5EDCFF82-B70F-4971-9182-7C3AEA3CFD26}"/>
+              </a:ext>
+            </a:extLst>
+          </p:cNvPr>
+          <p:cNvSpPr>
+            <a:spLocks noGrp="1"/>
+          </p:cNvSpPr>
+          <p:nvPr>
+            <p:ph type="sldNum" sz="quarter" idx="12"/>
+          </p:nvPr>
+        </p:nvSpPr>
+        <p:spPr>
+          <a:xfrm>
+            <a:off x="9579428" y="6356350"/>
+            <a:ext cx="1774371" cy="365125"/>
+          </a:xfrm>
+        </p:spPr>
+        <p:txBody>
+          <a:bodyPr rtlCol="0"/>
+          <a:lstStyle/>
+          <a:p>
+            <a:pPr rtl="0"/>
+            <a:fld id="{B5CEABB6-07DC-46E8-9B57-56EC44A396E5}" type="slidenum">
+              <a:rPr lang="fr-FR" smtClean="0"/>
+              <a:pPr rtl="0"/>
+              <a:t>7</a:t>
+            </a:fld>
+            <a:endParaRPr lang="fr-FR"/>
           </a:p>
         </p:txBody>
       </p:sp>
     </p:spTree>
     <p:extLst>
       <p:ext uri="{BB962C8B-B14F-4D97-AF65-F5344CB8AC3E}">
-        <p14:creationId xmlns:p14="http://schemas.microsoft.com/office/powerpoint/2010/main" val="707789176"/>
+        <p14:creationId xmlns:p14="http://schemas.microsoft.com/office/powerpoint/2010/main" val="2436493926"/>
       </p:ext>
     </p:extLst>
   </p:cSld>
@@ -18532,31 +18799,51 @@
       </p:grpSpPr>
       <p:sp>
         <p:nvSpPr>
-          <p:cNvPr id="2" name="Titre 1">
-            <a:extLst>
-              <a:ext uri="{FF2B5EF4-FFF2-40B4-BE49-F238E27FC236}">
-                <a16:creationId xmlns:a16="http://schemas.microsoft.com/office/drawing/2014/main" id="{BCCAEE93-8585-46D4-A7EC-F184E317CB2E}"/>
-              </a:ext>
-            </a:extLst>
-          </p:cNvPr>
-          <p:cNvSpPr>
-            <a:spLocks noGrp="1"/>
-          </p:cNvSpPr>
-          <p:nvPr>
-            <p:ph type="ctrTitle"/>
-          </p:nvPr>
-        </p:nvSpPr>
-        <p:spPr>
-          <a:xfrm>
-            <a:off x="4267200" y="1615736"/>
+          <p:cNvPr id="3" name="Titre 1">
+            <a:extLst>
+              <a:ext uri="{FF2B5EF4-FFF2-40B4-BE49-F238E27FC236}">
+                <a16:creationId xmlns:a16="http://schemas.microsoft.com/office/drawing/2014/main" id="{74830DAF-275E-BE9D-99B8-73B8832823D0}"/>
+              </a:ext>
+            </a:extLst>
+          </p:cNvPr>
+          <p:cNvSpPr txBox="1">
+            <a:spLocks/>
+          </p:cNvSpPr>
+          <p:nvPr/>
+        </p:nvSpPr>
+        <p:spPr>
+          <a:xfrm>
+            <a:off x="7266774" y="2128485"/>
             <a:ext cx="4179570" cy="1524735"/>
           </a:xfrm>
-        </p:spPr>
-        <p:txBody>
-          <a:bodyPr rtlCol="0"/>
-          <a:lstStyle/>
-          <a:p>
-            <a:pPr rtl="0"/>
+          <a:prstGeom prst="rect">
+            <a:avLst/>
+          </a:prstGeom>
+        </p:spPr>
+        <p:txBody>
+          <a:bodyPr vert="horz" lIns="91440" tIns="45720" rIns="91440" bIns="45720" rtlCol="0" anchor="ctr">
+            <a:noAutofit/>
+          </a:bodyPr>
+          <a:lstStyle>
+            <a:lvl1pPr algn="l" defTabSz="914400" rtl="0" eaLnBrk="1" latinLnBrk="0" hangingPunct="1">
+              <a:lnSpc>
+                <a:spcPct val="90000"/>
+              </a:lnSpc>
+              <a:spcBef>
+                <a:spcPct val="0"/>
+              </a:spcBef>
+              <a:buNone/>
+              <a:defRPr sz="3600" kern="1200" cap="all" spc="150" baseline="0">
+                <a:solidFill>
+                  <a:schemeClr val="bg1"/>
+                </a:solidFill>
+                <a:latin typeface="+mj-lt"/>
+                <a:ea typeface="+mj-ea"/>
+                <a:cs typeface="+mj-cs"/>
+              </a:defRPr>
+            </a:lvl1pPr>
+          </a:lstStyle>
+          <a:p>
             <a:r>
               <a:rPr lang="fr-FR" dirty="0" err="1"/>
               <a:t>Bedankt</a:t>
@@ -18583,168 +18870,254 @@
       </p:sp>
       <p:sp>
         <p:nvSpPr>
-          <p:cNvPr id="3" name="Espace réservé du contenu 2">
-            <a:extLst>
-              <a:ext uri="{FF2B5EF4-FFF2-40B4-BE49-F238E27FC236}">
-                <a16:creationId xmlns:a16="http://schemas.microsoft.com/office/drawing/2014/main" id="{24AFFC60-19C3-4901-93F7-7AAF4C09F8C6}"/>
-              </a:ext>
-            </a:extLst>
-          </p:cNvPr>
-          <p:cNvSpPr>
-            <a:spLocks noGrp="1"/>
-          </p:cNvSpPr>
-          <p:nvPr>
-            <p:ph type="subTitle" idx="1"/>
-          </p:nvPr>
-        </p:nvSpPr>
-        <p:spPr>
-          <a:xfrm>
-            <a:off x="4267200" y="3238103"/>
+          <p:cNvPr id="4" name="Espace réservé du contenu 2">
+            <a:extLst>
+              <a:ext uri="{FF2B5EF4-FFF2-40B4-BE49-F238E27FC236}">
+                <a16:creationId xmlns:a16="http://schemas.microsoft.com/office/drawing/2014/main" id="{4B54744F-F10B-0A1D-E333-6632B1CC2E94}"/>
+              </a:ext>
+            </a:extLst>
+          </p:cNvPr>
+          <p:cNvSpPr txBox="1">
+            <a:spLocks/>
+          </p:cNvSpPr>
+          <p:nvPr/>
+        </p:nvSpPr>
+        <p:spPr>
+          <a:xfrm>
+            <a:off x="7266774" y="3750852"/>
             <a:ext cx="4179570" cy="2004161"/>
           </a:xfrm>
+          <a:prstGeom prst="rect">
+            <a:avLst/>
+          </a:prstGeom>
         </p:spPr>
         <p:txBody>
           <a:bodyPr rtlCol="0">
             <a:normAutofit/>
           </a:bodyPr>
-          <a:lstStyle/>
-          <a:p>
-            <a:pPr rtl="0"/>
-            <a:r>
-              <a:rPr lang="fr-FR" dirty="0" err="1"/>
+          <a:lstStyle>
+            <a:lvl1pPr marL="228600" indent="-228600" algn="l" defTabSz="914400" rtl="0" eaLnBrk="1" latinLnBrk="0" hangingPunct="1">
+              <a:lnSpc>
+                <a:spcPct val="90000"/>
+              </a:lnSpc>
+              <a:spcBef>
+                <a:spcPts val="1000"/>
+              </a:spcBef>
+              <a:buFont typeface="Arial" panose="020B0604020202020204" pitchFamily="34" charset="0"/>
+              <a:buChar char="•"/>
+              <a:defRPr sz="2800" kern="1200">
+                <a:solidFill>
+                  <a:schemeClr val="tx1"/>
+                </a:solidFill>
+                <a:latin typeface="+mn-lt"/>
+                <a:ea typeface="+mn-ea"/>
+                <a:cs typeface="+mn-cs"/>
+              </a:defRPr>
+            </a:lvl1pPr>
+            <a:lvl2pPr marL="685800" indent="-228600" algn="l" defTabSz="914400" rtl="0" eaLnBrk="1" latinLnBrk="0" hangingPunct="1">
+              <a:lnSpc>
+                <a:spcPct val="90000"/>
+              </a:lnSpc>
+              <a:spcBef>
+                <a:spcPts val="500"/>
+              </a:spcBef>
+              <a:buFont typeface="Arial" panose="020B0604020202020204" pitchFamily="34" charset="0"/>
+              <a:buChar char="•"/>
+              <a:defRPr sz="2400" kern="1200">
+                <a:solidFill>
+                  <a:schemeClr val="tx1"/>
+                </a:solidFill>
+                <a:latin typeface="+mn-lt"/>
+                <a:ea typeface="+mn-ea"/>
+                <a:cs typeface="+mn-cs"/>
+              </a:defRPr>
+            </a:lvl2pPr>
+            <a:lvl3pPr marL="1143000" indent="-228600" algn="l" defTabSz="914400" rtl="0" eaLnBrk="1" latinLnBrk="0" hangingPunct="1">
+              <a:lnSpc>
+                <a:spcPct val="90000"/>
+              </a:lnSpc>
+              <a:spcBef>
+                <a:spcPts val="500"/>
+              </a:spcBef>
+              <a:buFont typeface="Arial" panose="020B0604020202020204" pitchFamily="34" charset="0"/>
+              <a:buChar char="•"/>
+              <a:defRPr sz="2000" kern="1200">
+                <a:solidFill>
+                  <a:schemeClr val="tx1"/>
+                </a:solidFill>
+                <a:latin typeface="+mn-lt"/>
+                <a:ea typeface="+mn-ea"/>
+                <a:cs typeface="+mn-cs"/>
+              </a:defRPr>
+            </a:lvl3pPr>
+            <a:lvl4pPr marL="1600200" indent="-228600" algn="l" defTabSz="914400" rtl="0" eaLnBrk="1" latinLnBrk="0" hangingPunct="1">
+              <a:lnSpc>
+                <a:spcPct val="90000"/>
+              </a:lnSpc>
+              <a:spcBef>
+                <a:spcPts val="500"/>
+              </a:spcBef>
+              <a:buFont typeface="Arial" panose="020B0604020202020204" pitchFamily="34" charset="0"/>
+              <a:buChar char="•"/>
+              <a:defRPr sz="1800" kern="1200">
+                <a:solidFill>
+                  <a:schemeClr val="tx1"/>
+                </a:solidFill>
+                <a:latin typeface="+mn-lt"/>
+                <a:ea typeface="+mn-ea"/>
+                <a:cs typeface="+mn-cs"/>
+              </a:defRPr>
+            </a:lvl4pPr>
+            <a:lvl5pPr marL="2057400" indent="-228600" algn="l" defTabSz="914400" rtl="0" eaLnBrk="1" latinLnBrk="0" hangingPunct="1">
+              <a:lnSpc>
+                <a:spcPct val="90000"/>
+              </a:lnSpc>
+              <a:spcBef>
+                <a:spcPts val="500"/>
+              </a:spcBef>
+              <a:buFont typeface="Arial" panose="020B0604020202020204" pitchFamily="34" charset="0"/>
+              <a:buChar char="•"/>
+              <a:defRPr sz="1800" kern="1200">
+                <a:solidFill>
+                  <a:schemeClr val="tx1"/>
+                </a:solidFill>
+                <a:latin typeface="+mn-lt"/>
+                <a:ea typeface="+mn-ea"/>
+                <a:cs typeface="+mn-cs"/>
+              </a:defRPr>
+            </a:lvl5pPr>
+            <a:lvl6pPr marL="2514600" indent="-228600" algn="l" defTabSz="914400" rtl="0" eaLnBrk="1" latinLnBrk="0" hangingPunct="1">
+              <a:lnSpc>
+                <a:spcPct val="90000"/>
+              </a:lnSpc>
+              <a:spcBef>
+                <a:spcPts val="500"/>
+              </a:spcBef>
+              <a:buFont typeface="Arial" panose="020B0604020202020204" pitchFamily="34" charset="0"/>
+              <a:buChar char="•"/>
+              <a:defRPr sz="1800" kern="1200">
+                <a:solidFill>
+                  <a:schemeClr val="tx1"/>
+                </a:solidFill>
+                <a:latin typeface="+mn-lt"/>
+                <a:ea typeface="+mn-ea"/>
+                <a:cs typeface="+mn-cs"/>
+              </a:defRPr>
+            </a:lvl6pPr>
+            <a:lvl7pPr marL="2971800" indent="-228600" algn="l" defTabSz="914400" rtl="0" eaLnBrk="1" latinLnBrk="0" hangingPunct="1">
+              <a:lnSpc>
+                <a:spcPct val="90000"/>
+              </a:lnSpc>
+              <a:spcBef>
+                <a:spcPts val="500"/>
+              </a:spcBef>
+              <a:buFont typeface="Arial" panose="020B0604020202020204" pitchFamily="34" charset="0"/>
+              <a:buChar char="•"/>
+              <a:defRPr sz="1800" kern="1200">
+                <a:solidFill>
+                  <a:schemeClr val="tx1"/>
+                </a:solidFill>
+                <a:latin typeface="+mn-lt"/>
+                <a:ea typeface="+mn-ea"/>
+                <a:cs typeface="+mn-cs"/>
+              </a:defRPr>
+            </a:lvl7pPr>
+            <a:lvl8pPr marL="3429000" indent="-228600" algn="l" defTabSz="914400" rtl="0" eaLnBrk="1" latinLnBrk="0" hangingPunct="1">
+              <a:lnSpc>
+                <a:spcPct val="90000"/>
+              </a:lnSpc>
+              <a:spcBef>
+                <a:spcPts val="500"/>
+              </a:spcBef>
+              <a:buFont typeface="Arial" panose="020B0604020202020204" pitchFamily="34" charset="0"/>
+              <a:buChar char="•"/>
+              <a:defRPr sz="1800" kern="1200">
+                <a:solidFill>
+                  <a:schemeClr val="tx1"/>
+                </a:solidFill>
+                <a:latin typeface="+mn-lt"/>
+                <a:ea typeface="+mn-ea"/>
+                <a:cs typeface="+mn-cs"/>
+              </a:defRPr>
+            </a:lvl8pPr>
+            <a:lvl9pPr marL="3886200" indent="-228600" algn="l" defTabSz="914400" rtl="0" eaLnBrk="1" latinLnBrk="0" hangingPunct="1">
+              <a:lnSpc>
+                <a:spcPct val="90000"/>
+              </a:lnSpc>
+              <a:spcBef>
+                <a:spcPts val="500"/>
+              </a:spcBef>
+              <a:buFont typeface="Arial" panose="020B0604020202020204" pitchFamily="34" charset="0"/>
+              <a:buChar char="•"/>
+              <a:defRPr sz="1800" kern="1200">
+                <a:solidFill>
+                  <a:schemeClr val="tx1"/>
+                </a:solidFill>
+                <a:latin typeface="+mn-lt"/>
+                <a:ea typeface="+mn-ea"/>
+                <a:cs typeface="+mn-cs"/>
+              </a:defRPr>
+            </a:lvl9pPr>
+          </a:lstStyle>
+          <a:p>
+            <a:pPr marL="0" indent="0">
+              <a:buNone/>
+            </a:pPr>
+            <a:r>
+              <a:rPr lang="fr-FR" dirty="0" err="1">
+                <a:solidFill>
+                  <a:schemeClr val="bg1"/>
+                </a:solidFill>
+              </a:rPr>
               <a:t>Zijn</a:t>
             </a:r>
             <a:r>
-              <a:rPr lang="fr-FR" dirty="0"/>
+              <a:rPr lang="fr-FR" dirty="0">
+                <a:solidFill>
+                  <a:schemeClr val="bg1"/>
+                </a:solidFill>
+              </a:rPr>
               <a:t> er </a:t>
             </a:r>
             <a:r>
-              <a:rPr lang="fr-FR" dirty="0" err="1"/>
+              <a:rPr lang="fr-FR" dirty="0" err="1">
+                <a:solidFill>
+                  <a:schemeClr val="bg1"/>
+                </a:solidFill>
+              </a:rPr>
               <a:t>nog</a:t>
             </a:r>
             <a:r>
-              <a:rPr lang="fr-FR" dirty="0"/>
+              <a:rPr lang="fr-FR" dirty="0">
+                <a:solidFill>
+                  <a:schemeClr val="bg1"/>
+                </a:solidFill>
+              </a:rPr>
               <a:t> </a:t>
             </a:r>
             <a:r>
-              <a:rPr lang="fr-FR" dirty="0" err="1"/>
+              <a:rPr lang="fr-FR" dirty="0" err="1">
+                <a:solidFill>
+                  <a:schemeClr val="bg1"/>
+                </a:solidFill>
+              </a:rPr>
               <a:t>vragen</a:t>
             </a:r>
             <a:r>
-              <a:rPr lang="fr-FR" dirty="0"/>
+              <a:rPr lang="fr-FR" dirty="0">
+                <a:solidFill>
+                  <a:schemeClr val="bg1"/>
+                </a:solidFill>
+              </a:rPr>
               <a:t>? </a:t>
             </a:r>
-          </a:p>
-        </p:txBody>
-      </p:sp>
-      <p:sp>
-        <p:nvSpPr>
-          <p:cNvPr id="4" name="Espace réservé de la date 3">
-            <a:extLst>
-              <a:ext uri="{FF2B5EF4-FFF2-40B4-BE49-F238E27FC236}">
-                <a16:creationId xmlns:a16="http://schemas.microsoft.com/office/drawing/2014/main" id="{72DA7980-C870-4C9A-84FA-4120D8AF5DE8}"/>
-              </a:ext>
-            </a:extLst>
-          </p:cNvPr>
-          <p:cNvSpPr>
-            <a:spLocks noGrp="1"/>
-          </p:cNvSpPr>
-          <p:nvPr>
-            <p:ph type="dt" sz="half" idx="10"/>
-          </p:nvPr>
-        </p:nvSpPr>
-        <p:spPr>
-          <a:xfrm>
-            <a:off x="4267200" y="6356350"/>
-            <a:ext cx="1774371" cy="365125"/>
-          </a:xfrm>
-        </p:spPr>
-        <p:txBody>
-          <a:bodyPr rtlCol="0"/>
-          <a:lstStyle/>
-          <a:p>
-            <a:pPr rtl="0"/>
-            <a:r>
-              <a:rPr lang="fr-FR"/>
-              <a:t>20XX</a:t>
-            </a:r>
-          </a:p>
-        </p:txBody>
-      </p:sp>
-      <p:sp>
-        <p:nvSpPr>
-          <p:cNvPr id="5" name="Espace réservé du pied de page 4">
-            <a:extLst>
-              <a:ext uri="{FF2B5EF4-FFF2-40B4-BE49-F238E27FC236}">
-                <a16:creationId xmlns:a16="http://schemas.microsoft.com/office/drawing/2014/main" id="{0DFADE42-1A3F-40C8-A071-E57644F3D843}"/>
-              </a:ext>
-            </a:extLst>
-          </p:cNvPr>
-          <p:cNvSpPr>
-            <a:spLocks noGrp="1"/>
-          </p:cNvSpPr>
-          <p:nvPr>
-            <p:ph type="ftr" sz="quarter" idx="11"/>
-          </p:nvPr>
-        </p:nvSpPr>
-        <p:spPr>
-          <a:xfrm>
-            <a:off x="6479721" y="6356350"/>
-            <a:ext cx="2661557" cy="365125"/>
-          </a:xfrm>
-        </p:spPr>
-        <p:txBody>
-          <a:bodyPr rtlCol="0"/>
-          <a:lstStyle/>
-          <a:p>
-            <a:pPr rtl="0"/>
-            <a:r>
-              <a:rPr lang="fr-FR"/>
-              <a:t>Pitch Deck</a:t>
-            </a:r>
-          </a:p>
-        </p:txBody>
-      </p:sp>
-      <p:sp>
-        <p:nvSpPr>
-          <p:cNvPr id="6" name="Espace réservé du numéro de diapositive 5">
-            <a:extLst>
-              <a:ext uri="{FF2B5EF4-FFF2-40B4-BE49-F238E27FC236}">
-                <a16:creationId xmlns:a16="http://schemas.microsoft.com/office/drawing/2014/main" id="{5EDCFF82-B70F-4971-9182-7C3AEA3CFD26}"/>
-              </a:ext>
-            </a:extLst>
-          </p:cNvPr>
-          <p:cNvSpPr>
-            <a:spLocks noGrp="1"/>
-          </p:cNvSpPr>
-          <p:nvPr>
-            <p:ph type="sldNum" sz="quarter" idx="12"/>
-          </p:nvPr>
-        </p:nvSpPr>
-        <p:spPr>
-          <a:xfrm>
-            <a:off x="9579428" y="6356350"/>
-            <a:ext cx="1774371" cy="365125"/>
-          </a:xfrm>
-        </p:spPr>
-        <p:txBody>
-          <a:bodyPr rtlCol="0"/>
-          <a:lstStyle/>
-          <a:p>
-            <a:pPr rtl="0"/>
-            <a:fld id="{B5CEABB6-07DC-46E8-9B57-56EC44A396E5}" type="slidenum">
-              <a:rPr lang="fr-FR" smtClean="0"/>
-              <a:pPr rtl="0"/>
-              <a:t>8</a:t>
-            </a:fld>
-            <a:endParaRPr lang="fr-FR"/>
           </a:p>
         </p:txBody>
       </p:sp>
     </p:spTree>
     <p:extLst>
       <p:ext uri="{BB962C8B-B14F-4D97-AF65-F5344CB8AC3E}">
-        <p14:creationId xmlns:p14="http://schemas.microsoft.com/office/powerpoint/2010/main" val="2436493926"/>
+        <p14:creationId xmlns:p14="http://schemas.microsoft.com/office/powerpoint/2010/main" val="821941399"/>
       </p:ext>
     </p:extLst>
   </p:cSld>
@@ -19546,6 +19919,15 @@
 </file>
 
 <file path=customXml/item1.xml><?xml version="1.0" encoding="utf-8"?>
+<?mso-contentType ?>
+<FormTemplates xmlns="http://schemas.microsoft.com/sharepoint/v3/contenttype/forms">
+  <Display>DocumentLibraryForm</Display>
+  <Edit>DocumentLibraryForm</Edit>
+  <New>DocumentLibraryForm</New>
+</FormTemplates>
+</file>
+
+<file path=customXml/item2.xml><?xml version="1.0" encoding="utf-8"?>
 <ct:contentTypeSchema xmlns:ct="http://schemas.microsoft.com/office/2006/metadata/contentType" xmlns:ma="http://schemas.microsoft.com/office/2006/metadata/properties/metaAttributes" ct:_="" ma:_="" ma:contentTypeName="Document" ma:contentTypeID="0x01010079F111ED35F8CC479449609E8A0923A6" ma:contentTypeVersion="20" ma:contentTypeDescription="Create a new document." ma:contentTypeScope="" ma:versionID="1267097ee5f5874adfcc408041ae252e">
   <xsd:schema xmlns:xsd="http://www.w3.org/2001/XMLSchema" xmlns:xs="http://www.w3.org/2001/XMLSchema" xmlns:p="http://schemas.microsoft.com/office/2006/metadata/properties" xmlns:ns1="http://schemas.microsoft.com/sharepoint/v3" xmlns:ns2="71af3243-3dd4-4a8d-8c0d-dd76da1f02a5" xmlns:ns3="16c05727-aa75-4e4a-9b5f-8a80a1165891" xmlns:ns4="230e9df3-be65-4c73-a93b-d1236ebd677e" targetNamespace="http://schemas.microsoft.com/office/2006/metadata/properties" ma:root="true" ma:fieldsID="395891a93df65b14727750f2c06c306c" ns1:_="" ns2:_="" ns3:_="" ns4:_="">
     <xsd:import namespace="http://schemas.microsoft.com/sharepoint/v3"/>
@@ -19821,15 +20203,6 @@
 </ct:contentTypeSchema>
 </file>
 
-<file path=customXml/item2.xml><?xml version="1.0" encoding="utf-8"?>
-<?mso-contentType ?>
-<FormTemplates xmlns="http://schemas.microsoft.com/sharepoint/v3/contenttype/forms">
-  <Display>DocumentLibraryForm</Display>
-  <Edit>DocumentLibraryForm</Edit>
-  <New>DocumentLibraryForm</New>
-</FormTemplates>
-</file>
-
 <file path=customXml/item3.xml><?xml version="1.0" encoding="utf-8"?>
 <p:properties xmlns:p="http://schemas.microsoft.com/office/2006/metadata/properties" xmlns:xsi="http://www.w3.org/2001/XMLSchema-instance" xmlns:pc="http://schemas.microsoft.com/office/infopath/2007/PartnerControls">
   <documentManagement>
@@ -19850,6 +20223,14 @@
 </file>
 
 <file path=customXml/itemProps1.xml><?xml version="1.0" encoding="utf-8"?>
+<ds:datastoreItem xmlns:ds="http://schemas.openxmlformats.org/officeDocument/2006/customXml" ds:itemID="{2D446390-8521-40A2-A462-EA068123BED9}">
+  <ds:schemaRefs>
+    <ds:schemaRef ds:uri="http://schemas.microsoft.com/sharepoint/v3/contenttype/forms"/>
+  </ds:schemaRefs>
+</ds:datastoreItem>
+</file>
+
+<file path=customXml/itemProps2.xml><?xml version="1.0" encoding="utf-8"?>
 <ds:datastoreItem xmlns:ds="http://schemas.openxmlformats.org/officeDocument/2006/customXml" ds:itemID="{01E84A1C-2814-43A7-9448-348326113A45}">
   <ds:schemaRefs>
     <ds:schemaRef ds:uri="http://schemas.microsoft.com/office/2006/metadata/contentType"/>
@@ -19866,14 +20247,6 @@
     <ds:schemaRef ds:uri="http://purl.org/dc/elements/1.1/"/>
     <ds:schemaRef ds:uri="http://purl.org/dc/terms/"/>
     <ds:schemaRef ds:uri="http://schemas.microsoft.com/internal/obd"/>
-  </ds:schemaRefs>
-</ds:datastoreItem>
-</file>
-
-<file path=customXml/itemProps2.xml><?xml version="1.0" encoding="utf-8"?>
-<ds:datastoreItem xmlns:ds="http://schemas.openxmlformats.org/officeDocument/2006/customXml" ds:itemID="{2D446390-8521-40A2-A462-EA068123BED9}">
-  <ds:schemaRefs>
-    <ds:schemaRef ds:uri="http://schemas.microsoft.com/sharepoint/v3/contenttype/forms"/>
   </ds:schemaRefs>
 </ds:datastoreItem>
 </file>

--- a/Fleetmanager.pptx
+++ b/Fleetmanager.pptx
@@ -5,10 +5,10 @@
     <p:sldMasterId id="2147483666" r:id="rId4"/>
   </p:sldMasterIdLst>
   <p:notesMasterIdLst>
-    <p:notesMasterId r:id="rId13"/>
+    <p:notesMasterId r:id="rId14"/>
   </p:notesMasterIdLst>
   <p:handoutMasterIdLst>
-    <p:handoutMasterId r:id="rId14"/>
+    <p:handoutMasterId r:id="rId15"/>
   </p:handoutMasterIdLst>
   <p:sldIdLst>
     <p:sldId id="256" r:id="rId5"/>
@@ -17,8 +17,9 @@
     <p:sldId id="266" r:id="rId8"/>
     <p:sldId id="289" r:id="rId9"/>
     <p:sldId id="278" r:id="rId10"/>
-    <p:sldId id="276" r:id="rId11"/>
-    <p:sldId id="295" r:id="rId12"/>
+    <p:sldId id="296" r:id="rId11"/>
+    <p:sldId id="276" r:id="rId12"/>
+    <p:sldId id="295" r:id="rId13"/>
   </p:sldIdLst>
   <p:sldSz cx="12192000" cy="6858000"/>
   <p:notesSz cx="6858000" cy="9144000"/>
@@ -151,6 +152,225 @@
 </p:cmAuthorLst>
 </file>
 
+<file path=ppt/changesInfos/changesInfo1.xml><?xml version="1.0" encoding="utf-8"?>
+<pc:chgInfo xmlns:a="http://schemas.openxmlformats.org/drawingml/2006/main" xmlns:r="http://schemas.openxmlformats.org/officeDocument/2006/relationships" xmlns:ac="http://schemas.microsoft.com/office/drawing/2013/main/command" xmlns:pc="http://schemas.microsoft.com/office/powerpoint/2013/main/command">
+  <pc:docChgLst>
+    <pc:chgData name="Andy Lauwers" userId="7be6688b-968b-49c4-9bdf-941ba38dd5c5" providerId="ADAL" clId="{7CABCE64-8FF2-47BE-BDED-1FEAD6D05DA6}"/>
+    <pc:docChg chg="undo custSel addSld modSld">
+      <pc:chgData name="Andy Lauwers" userId="7be6688b-968b-49c4-9bdf-941ba38dd5c5" providerId="ADAL" clId="{7CABCE64-8FF2-47BE-BDED-1FEAD6D05DA6}" dt="2023-11-21T20:20:27.336" v="401"/>
+      <pc:docMkLst>
+        <pc:docMk/>
+      </pc:docMkLst>
+      <pc:sldChg chg="addSp delSp modSp mod">
+        <pc:chgData name="Andy Lauwers" userId="7be6688b-968b-49c4-9bdf-941ba38dd5c5" providerId="ADAL" clId="{7CABCE64-8FF2-47BE-BDED-1FEAD6D05DA6}" dt="2023-11-21T16:31:57.810" v="139" actId="1076"/>
+        <pc:sldMkLst>
+          <pc:docMk/>
+          <pc:sldMk cId="2069393026" sldId="278"/>
+        </pc:sldMkLst>
+        <pc:spChg chg="mod">
+          <ac:chgData name="Andy Lauwers" userId="7be6688b-968b-49c4-9bdf-941ba38dd5c5" providerId="ADAL" clId="{7CABCE64-8FF2-47BE-BDED-1FEAD6D05DA6}" dt="2023-11-21T16:27:01.920" v="70" actId="1076"/>
+          <ac:spMkLst>
+            <pc:docMk/>
+            <pc:sldMk cId="2069393026" sldId="278"/>
+            <ac:spMk id="2" creationId="{8A4E0A63-A388-49B1-A04E-27CE9BD622EF}"/>
+          </ac:spMkLst>
+        </pc:spChg>
+        <pc:spChg chg="del">
+          <ac:chgData name="Andy Lauwers" userId="7be6688b-968b-49c4-9bdf-941ba38dd5c5" providerId="ADAL" clId="{7CABCE64-8FF2-47BE-BDED-1FEAD6D05DA6}" dt="2023-11-21T16:21:28.437" v="0" actId="478"/>
+          <ac:spMkLst>
+            <pc:docMk/>
+            <pc:sldMk cId="2069393026" sldId="278"/>
+            <ac:spMk id="5" creationId="{06E82690-B145-4D4F-B2D1-0B2A8C50FD71}"/>
+          </ac:spMkLst>
+        </pc:spChg>
+        <pc:spChg chg="del">
+          <ac:chgData name="Andy Lauwers" userId="7be6688b-968b-49c4-9bdf-941ba38dd5c5" providerId="ADAL" clId="{7CABCE64-8FF2-47BE-BDED-1FEAD6D05DA6}" dt="2023-11-21T16:21:28.437" v="0" actId="478"/>
+          <ac:spMkLst>
+            <pc:docMk/>
+            <pc:sldMk cId="2069393026" sldId="278"/>
+            <ac:spMk id="6" creationId="{7640DF9D-0C9E-4C5D-9635-6B4DE10CCEE5}"/>
+          </ac:spMkLst>
+        </pc:spChg>
+        <pc:spChg chg="del">
+          <ac:chgData name="Andy Lauwers" userId="7be6688b-968b-49c4-9bdf-941ba38dd5c5" providerId="ADAL" clId="{7CABCE64-8FF2-47BE-BDED-1FEAD6D05DA6}" dt="2023-11-21T16:21:28.437" v="0" actId="478"/>
+          <ac:spMkLst>
+            <pc:docMk/>
+            <pc:sldMk cId="2069393026" sldId="278"/>
+            <ac:spMk id="7" creationId="{40297407-CE4E-4284-879D-AEC395713625}"/>
+          </ac:spMkLst>
+        </pc:spChg>
+        <pc:spChg chg="del">
+          <ac:chgData name="Andy Lauwers" userId="7be6688b-968b-49c4-9bdf-941ba38dd5c5" providerId="ADAL" clId="{7CABCE64-8FF2-47BE-BDED-1FEAD6D05DA6}" dt="2023-11-21T16:21:28.437" v="0" actId="478"/>
+          <ac:spMkLst>
+            <pc:docMk/>
+            <pc:sldMk cId="2069393026" sldId="278"/>
+            <ac:spMk id="8" creationId="{F5C3A7BE-F7FC-4942-A31A-491A8A806103}"/>
+          </ac:spMkLst>
+        </pc:spChg>
+        <pc:spChg chg="del">
+          <ac:chgData name="Andy Lauwers" userId="7be6688b-968b-49c4-9bdf-941ba38dd5c5" providerId="ADAL" clId="{7CABCE64-8FF2-47BE-BDED-1FEAD6D05DA6}" dt="2023-11-21T16:21:28.437" v="0" actId="478"/>
+          <ac:spMkLst>
+            <pc:docMk/>
+            <pc:sldMk cId="2069393026" sldId="278"/>
+            <ac:spMk id="9" creationId="{95CCE699-03D1-4642-B46A-B14EF17DA183}"/>
+          </ac:spMkLst>
+        </pc:spChg>
+        <pc:spChg chg="del">
+          <ac:chgData name="Andy Lauwers" userId="7be6688b-968b-49c4-9bdf-941ba38dd5c5" providerId="ADAL" clId="{7CABCE64-8FF2-47BE-BDED-1FEAD6D05DA6}" dt="2023-11-21T16:21:28.437" v="0" actId="478"/>
+          <ac:spMkLst>
+            <pc:docMk/>
+            <pc:sldMk cId="2069393026" sldId="278"/>
+            <ac:spMk id="10" creationId="{BC1DF189-6F2F-4C21-88CC-C82D3D0D147B}"/>
+          </ac:spMkLst>
+        </pc:spChg>
+        <pc:spChg chg="add del mod">
+          <ac:chgData name="Andy Lauwers" userId="7be6688b-968b-49c4-9bdf-941ba38dd5c5" providerId="ADAL" clId="{7CABCE64-8FF2-47BE-BDED-1FEAD6D05DA6}" dt="2023-11-21T16:21:30.873" v="4" actId="478"/>
+          <ac:spMkLst>
+            <pc:docMk/>
+            <pc:sldMk cId="2069393026" sldId="278"/>
+            <ac:spMk id="12" creationId="{8DF4E706-1731-8285-0DB7-EC7A8BED0BB2}"/>
+          </ac:spMkLst>
+        </pc:spChg>
+        <pc:spChg chg="add del mod">
+          <ac:chgData name="Andy Lauwers" userId="7be6688b-968b-49c4-9bdf-941ba38dd5c5" providerId="ADAL" clId="{7CABCE64-8FF2-47BE-BDED-1FEAD6D05DA6}" dt="2023-11-21T16:21:30.873" v="4" actId="478"/>
+          <ac:spMkLst>
+            <pc:docMk/>
+            <pc:sldMk cId="2069393026" sldId="278"/>
+            <ac:spMk id="14" creationId="{A487A0DE-2072-140F-0D60-19A1B9A601CE}"/>
+          </ac:spMkLst>
+        </pc:spChg>
+        <pc:spChg chg="add del mod">
+          <ac:chgData name="Andy Lauwers" userId="7be6688b-968b-49c4-9bdf-941ba38dd5c5" providerId="ADAL" clId="{7CABCE64-8FF2-47BE-BDED-1FEAD6D05DA6}" dt="2023-11-21T16:21:30.873" v="4" actId="478"/>
+          <ac:spMkLst>
+            <pc:docMk/>
+            <pc:sldMk cId="2069393026" sldId="278"/>
+            <ac:spMk id="16" creationId="{D58CC6B7-211E-1F03-8BEB-E3CE3D24E535}"/>
+          </ac:spMkLst>
+        </pc:spChg>
+        <pc:spChg chg="add del mod">
+          <ac:chgData name="Andy Lauwers" userId="7be6688b-968b-49c4-9bdf-941ba38dd5c5" providerId="ADAL" clId="{7CABCE64-8FF2-47BE-BDED-1FEAD6D05DA6}" dt="2023-11-21T16:21:30.873" v="4" actId="478"/>
+          <ac:spMkLst>
+            <pc:docMk/>
+            <pc:sldMk cId="2069393026" sldId="278"/>
+            <ac:spMk id="18" creationId="{0B4142E3-5F7A-D161-0D7E-2A0808DCF2E7}"/>
+          </ac:spMkLst>
+        </pc:spChg>
+        <pc:spChg chg="add del mod">
+          <ac:chgData name="Andy Lauwers" userId="7be6688b-968b-49c4-9bdf-941ba38dd5c5" providerId="ADAL" clId="{7CABCE64-8FF2-47BE-BDED-1FEAD6D05DA6}" dt="2023-11-21T16:21:30.873" v="4" actId="478"/>
+          <ac:spMkLst>
+            <pc:docMk/>
+            <pc:sldMk cId="2069393026" sldId="278"/>
+            <ac:spMk id="20" creationId="{6C587DE5-444E-CC57-0BD2-6553D5743AE4}"/>
+          </ac:spMkLst>
+        </pc:spChg>
+        <pc:spChg chg="add del mod">
+          <ac:chgData name="Andy Lauwers" userId="7be6688b-968b-49c4-9bdf-941ba38dd5c5" providerId="ADAL" clId="{7CABCE64-8FF2-47BE-BDED-1FEAD6D05DA6}" dt="2023-11-21T16:21:30.873" v="4" actId="478"/>
+          <ac:spMkLst>
+            <pc:docMk/>
+            <pc:sldMk cId="2069393026" sldId="278"/>
+            <ac:spMk id="22" creationId="{30573A7F-F08F-B873-F066-E455C7FEA44F}"/>
+          </ac:spMkLst>
+        </pc:spChg>
+        <pc:picChg chg="add mod">
+          <ac:chgData name="Andy Lauwers" userId="7be6688b-968b-49c4-9bdf-941ba38dd5c5" providerId="ADAL" clId="{7CABCE64-8FF2-47BE-BDED-1FEAD6D05DA6}" dt="2023-11-21T16:31:41.262" v="138" actId="1076"/>
+          <ac:picMkLst>
+            <pc:docMk/>
+            <pc:sldMk cId="2069393026" sldId="278"/>
+            <ac:picMk id="24" creationId="{FDAE47D6-4D84-7AC5-04EA-F74F0580CBC2}"/>
+          </ac:picMkLst>
+        </pc:picChg>
+        <pc:picChg chg="add mod ord">
+          <ac:chgData name="Andy Lauwers" userId="7be6688b-968b-49c4-9bdf-941ba38dd5c5" providerId="ADAL" clId="{7CABCE64-8FF2-47BE-BDED-1FEAD6D05DA6}" dt="2023-11-21T16:31:28.687" v="136" actId="1076"/>
+          <ac:picMkLst>
+            <pc:docMk/>
+            <pc:sldMk cId="2069393026" sldId="278"/>
+            <ac:picMk id="26" creationId="{39A2A588-D1A0-B1D5-885C-B131B230C2A9}"/>
+          </ac:picMkLst>
+        </pc:picChg>
+        <pc:picChg chg="add mod ord">
+          <ac:chgData name="Andy Lauwers" userId="7be6688b-968b-49c4-9bdf-941ba38dd5c5" providerId="ADAL" clId="{7CABCE64-8FF2-47BE-BDED-1FEAD6D05DA6}" dt="2023-11-21T16:30:20.512" v="129" actId="1037"/>
+          <ac:picMkLst>
+            <pc:docMk/>
+            <pc:sldMk cId="2069393026" sldId="278"/>
+            <ac:picMk id="28" creationId="{2487D7EF-2234-73EA-7432-979E8BB95317}"/>
+          </ac:picMkLst>
+        </pc:picChg>
+        <pc:picChg chg="add mod">
+          <ac:chgData name="Andy Lauwers" userId="7be6688b-968b-49c4-9bdf-941ba38dd5c5" providerId="ADAL" clId="{7CABCE64-8FF2-47BE-BDED-1FEAD6D05DA6}" dt="2023-11-21T16:31:57.810" v="139" actId="1076"/>
+          <ac:picMkLst>
+            <pc:docMk/>
+            <pc:sldMk cId="2069393026" sldId="278"/>
+            <ac:picMk id="30" creationId="{5ACB98AD-DF61-F169-376E-311211CCA5A2}"/>
+          </ac:picMkLst>
+        </pc:picChg>
+      </pc:sldChg>
+      <pc:sldChg chg="modSp mod">
+        <pc:chgData name="Andy Lauwers" userId="7be6688b-968b-49c4-9bdf-941ba38dd5c5" providerId="ADAL" clId="{7CABCE64-8FF2-47BE-BDED-1FEAD6D05DA6}" dt="2023-11-21T20:20:27.336" v="401"/>
+        <pc:sldMkLst>
+          <pc:docMk/>
+          <pc:sldMk cId="1844941827" sldId="289"/>
+        </pc:sldMkLst>
+        <pc:spChg chg="mod">
+          <ac:chgData name="Andy Lauwers" userId="7be6688b-968b-49c4-9bdf-941ba38dd5c5" providerId="ADAL" clId="{7CABCE64-8FF2-47BE-BDED-1FEAD6D05DA6}" dt="2023-11-21T20:20:27.336" v="401"/>
+          <ac:spMkLst>
+            <pc:docMk/>
+            <pc:sldMk cId="1844941827" sldId="289"/>
+            <ac:spMk id="4" creationId="{AC1C80FB-53F9-42EE-B1E6-D0F998EC5DFA}"/>
+          </ac:spMkLst>
+        </pc:spChg>
+      </pc:sldChg>
+      <pc:sldChg chg="addSp modSp add mod">
+        <pc:chgData name="Andy Lauwers" userId="7be6688b-968b-49c4-9bdf-941ba38dd5c5" providerId="ADAL" clId="{7CABCE64-8FF2-47BE-BDED-1FEAD6D05DA6}" dt="2023-11-21T20:14:39.033" v="249" actId="208"/>
+        <pc:sldMkLst>
+          <pc:docMk/>
+          <pc:sldMk cId="3902976026" sldId="296"/>
+        </pc:sldMkLst>
+        <pc:spChg chg="mod">
+          <ac:chgData name="Andy Lauwers" userId="7be6688b-968b-49c4-9bdf-941ba38dd5c5" providerId="ADAL" clId="{7CABCE64-8FF2-47BE-BDED-1FEAD6D05DA6}" dt="2023-11-21T16:27:21.474" v="72" actId="1076"/>
+          <ac:spMkLst>
+            <pc:docMk/>
+            <pc:sldMk cId="3902976026" sldId="296"/>
+            <ac:spMk id="2" creationId="{8A4E0A63-A388-49B1-A04E-27CE9BD622EF}"/>
+          </ac:spMkLst>
+        </pc:spChg>
+        <pc:picChg chg="add mod modCrop">
+          <ac:chgData name="Andy Lauwers" userId="7be6688b-968b-49c4-9bdf-941ba38dd5c5" providerId="ADAL" clId="{7CABCE64-8FF2-47BE-BDED-1FEAD6D05DA6}" dt="2023-11-21T18:35:58.540" v="229" actId="1076"/>
+          <ac:picMkLst>
+            <pc:docMk/>
+            <pc:sldMk cId="3902976026" sldId="296"/>
+            <ac:picMk id="6" creationId="{0608A728-313C-078D-45F3-F5984CCF7188}"/>
+          </ac:picMkLst>
+        </pc:picChg>
+        <pc:picChg chg="add mod">
+          <ac:chgData name="Andy Lauwers" userId="7be6688b-968b-49c4-9bdf-941ba38dd5c5" providerId="ADAL" clId="{7CABCE64-8FF2-47BE-BDED-1FEAD6D05DA6}" dt="2023-11-21T20:14:39.033" v="249" actId="208"/>
+          <ac:picMkLst>
+            <pc:docMk/>
+            <pc:sldMk cId="3902976026" sldId="296"/>
+            <ac:picMk id="7" creationId="{3EC9C497-A7AD-15BA-287A-A45A8B83A840}"/>
+          </ac:picMkLst>
+        </pc:picChg>
+        <pc:picChg chg="add mod ord modCrop">
+          <ac:chgData name="Andy Lauwers" userId="7be6688b-968b-49c4-9bdf-941ba38dd5c5" providerId="ADAL" clId="{7CABCE64-8FF2-47BE-BDED-1FEAD6D05DA6}" dt="2023-11-21T18:36:02.555" v="230" actId="1076"/>
+          <ac:picMkLst>
+            <pc:docMk/>
+            <pc:sldMk cId="3902976026" sldId="296"/>
+            <ac:picMk id="8" creationId="{C35D74DA-2272-73FF-6064-BE4FF01EFD38}"/>
+          </ac:picMkLst>
+        </pc:picChg>
+        <pc:picChg chg="add mod ord">
+          <ac:chgData name="Andy Lauwers" userId="7be6688b-968b-49c4-9bdf-941ba38dd5c5" providerId="ADAL" clId="{7CABCE64-8FF2-47BE-BDED-1FEAD6D05DA6}" dt="2023-11-21T20:14:33.301" v="247" actId="1582"/>
+          <ac:picMkLst>
+            <pc:docMk/>
+            <pc:sldMk cId="3902976026" sldId="296"/>
+            <ac:picMk id="10" creationId="{4164F6FB-5CE1-EB6B-E416-5557C6B0B504}"/>
+          </ac:picMkLst>
+        </pc:picChg>
+      </pc:sldChg>
+    </pc:docChg>
+  </pc:docChgLst>
+</pc:chgInfo>
+</file>
+
 <file path=ppt/handoutMasters/handoutMaster1.xml><?xml version="1.0" encoding="utf-8"?>
 <p:handoutMaster xmlns:a="http://schemas.openxmlformats.org/drawingml/2006/main" xmlns:r="http://schemas.openxmlformats.org/officeDocument/2006/relationships" xmlns:p="http://schemas.openxmlformats.org/presentationml/2006/main">
   <p:cSld>
@@ -247,7 +467,7 @@
             <a:pPr rtl="0"/>
             <a:fld id="{6BC4ED84-6EAE-4BB9-A239-A4541838CFBF}" type="datetime1">
               <a:rPr lang="fr-FR" smtClean="0"/>
-              <a:t>20/11/2023</a:t>
+              <a:t>21/11/2023</a:t>
             </a:fld>
             <a:endParaRPr lang="fr-FR"/>
           </a:p>
@@ -429,7 +649,7 @@
             <a:fld id="{30AA49DA-9B4C-4C11-AFC5-1C9CC1D3D925}" type="datetime1">
               <a:rPr lang="fr-FR" smtClean="0"/>
               <a:pPr/>
-              <a:t>20/11/2023</a:t>
+              <a:t>21/11/2023</a:t>
             </a:fld>
             <a:endParaRPr lang="fr-FR" dirty="0"/>
           </a:p>
@@ -1193,6 +1413,91 @@
             <a:fld id="{D4B9A9E5-4F7F-4A7D-9DE1-899232329269}" type="slidenum">
               <a:rPr lang="fr-FR" smtClean="0"/>
               <a:t>7</a:t>
+            </a:fld>
+            <a:endParaRPr lang="fr-FR"/>
+          </a:p>
+        </p:txBody>
+      </p:sp>
+    </p:spTree>
+    <p:extLst>
+      <p:ext uri="{BB962C8B-B14F-4D97-AF65-F5344CB8AC3E}">
+        <p14:creationId xmlns:p14="http://schemas.microsoft.com/office/powerpoint/2010/main" val="1981810197"/>
+      </p:ext>
+    </p:extLst>
+  </p:cSld>
+  <p:clrMapOvr>
+    <a:masterClrMapping/>
+  </p:clrMapOvr>
+</p:notes>
+</file>
+
+<file path=ppt/notesSlides/notesSlide7.xml><?xml version="1.0" encoding="utf-8"?>
+<p:notes xmlns:a="http://schemas.openxmlformats.org/drawingml/2006/main" xmlns:r="http://schemas.openxmlformats.org/officeDocument/2006/relationships" xmlns:p="http://schemas.openxmlformats.org/presentationml/2006/main">
+  <p:cSld>
+    <p:spTree>
+      <p:nvGrpSpPr>
+        <p:cNvPr id="1" name=""/>
+        <p:cNvGrpSpPr/>
+        <p:nvPr/>
+      </p:nvGrpSpPr>
+      <p:grpSpPr>
+        <a:xfrm>
+          <a:off x="0" y="0"/>
+          <a:ext cx="0" cy="0"/>
+          <a:chOff x="0" y="0"/>
+          <a:chExt cx="0" cy="0"/>
+        </a:xfrm>
+      </p:grpSpPr>
+      <p:sp>
+        <p:nvSpPr>
+          <p:cNvPr id="2" name="Espace réservé de l'image des diapositives 1"/>
+          <p:cNvSpPr>
+            <a:spLocks noGrp="1" noRot="1" noChangeAspect="1"/>
+          </p:cNvSpPr>
+          <p:nvPr>
+            <p:ph type="sldImg"/>
+          </p:nvPr>
+        </p:nvSpPr>
+        <p:spPr/>
+      </p:sp>
+      <p:sp>
+        <p:nvSpPr>
+          <p:cNvPr id="3" name="Espace réservé des notes 2"/>
+          <p:cNvSpPr>
+            <a:spLocks noGrp="1"/>
+          </p:cNvSpPr>
+          <p:nvPr>
+            <p:ph type="body" idx="1"/>
+          </p:nvPr>
+        </p:nvSpPr>
+        <p:spPr/>
+        <p:txBody>
+          <a:bodyPr/>
+          <a:lstStyle/>
+          <a:p>
+            <a:endParaRPr lang="fr-FR"/>
+          </a:p>
+        </p:txBody>
+      </p:sp>
+      <p:sp>
+        <p:nvSpPr>
+          <p:cNvPr id="4" name="Espace réservé du numéro de diapositive 3"/>
+          <p:cNvSpPr>
+            <a:spLocks noGrp="1"/>
+          </p:cNvSpPr>
+          <p:nvPr>
+            <p:ph type="sldNum" sz="quarter" idx="5"/>
+          </p:nvPr>
+        </p:nvSpPr>
+        <p:spPr/>
+        <p:txBody>
+          <a:bodyPr/>
+          <a:lstStyle/>
+          <a:p>
+            <a:pPr rtl="0"/>
+            <a:fld id="{D4B9A9E5-4F7F-4A7D-9DE1-899232329269}" type="slidenum">
+              <a:rPr lang="fr-FR" smtClean="0"/>
+              <a:t>8</a:t>
             </a:fld>
             <a:endParaRPr lang="fr-FR"/>
           </a:p>
@@ -17832,8 +18137,21 @@
             <a:pPr rtl="0"/>
             <a:r>
               <a:rPr lang="fr-FR" dirty="0"/>
-              <a:t>Post</a:t>
-            </a:r>
+              <a:t>Post </a:t>
+            </a:r>
+            <a:r>
+              <a:rPr lang="fr-FR" dirty="0" err="1"/>
+              <a:t>creëren</a:t>
+            </a:r>
+            <a:r>
+              <a:rPr lang="fr-FR" dirty="0"/>
+              <a:t>, Patch </a:t>
+            </a:r>
+            <a:r>
+              <a:rPr lang="fr-FR" dirty="0" err="1"/>
+              <a:t>creëren</a:t>
+            </a:r>
+            <a:endParaRPr lang="fr-FR" dirty="0"/>
           </a:p>
         </p:txBody>
       </p:sp>
@@ -18219,6 +18537,41 @@
           <a:chExt cx="0" cy="0"/>
         </a:xfrm>
       </p:grpSpPr>
+      <p:pic>
+        <p:nvPicPr>
+          <p:cNvPr id="28" name="Afbeelding 27">
+            <a:extLst>
+              <a:ext uri="{FF2B5EF4-FFF2-40B4-BE49-F238E27FC236}">
+                <a16:creationId xmlns:a16="http://schemas.microsoft.com/office/drawing/2014/main" id="{2487D7EF-2234-73EA-7432-979E8BB95317}"/>
+              </a:ext>
+            </a:extLst>
+          </p:cNvPr>
+          <p:cNvPicPr>
+            <a:picLocks noChangeAspect="1"/>
+          </p:cNvPicPr>
+          <p:nvPr/>
+        </p:nvPicPr>
+        <p:blipFill>
+          <a:blip r:embed="rId3"/>
+          <a:stretch>
+            <a:fillRect/>
+          </a:stretch>
+        </p:blipFill>
+        <p:spPr>
+          <a:xfrm>
+            <a:off x="6944897" y="1714400"/>
+            <a:ext cx="2528993" cy="2420418"/>
+          </a:xfrm>
+          <a:prstGeom prst="rect">
+            <a:avLst/>
+          </a:prstGeom>
+          <a:ln w="28575">
+            <a:solidFill>
+              <a:schemeClr val="tx1"/>
+            </a:solidFill>
+          </a:ln>
+        </p:spPr>
+      </p:pic>
       <p:sp>
         <p:nvSpPr>
           <p:cNvPr id="2" name="Titre 1">
@@ -18237,7 +18590,7 @@
         </p:nvSpPr>
         <p:spPr>
           <a:xfrm>
-            <a:off x="5920169" y="1152771"/>
+            <a:off x="5921828" y="868099"/>
             <a:ext cx="5431971" cy="846301"/>
           </a:xfrm>
         </p:spPr>
@@ -18248,231 +18601,9 @@
             <a:pPr rtl="0"/>
             <a:r>
               <a:rPr lang="fr-FR" dirty="0" err="1"/>
-              <a:t>Back-end</a:t>
+              <a:t>Front-end</a:t>
             </a:r>
             <a:endParaRPr lang="fr-FR" dirty="0"/>
-          </a:p>
-        </p:txBody>
-      </p:sp>
-      <p:sp>
-        <p:nvSpPr>
-          <p:cNvPr id="6" name="Espace réservé du texte 5">
-            <a:extLst>
-              <a:ext uri="{FF2B5EF4-FFF2-40B4-BE49-F238E27FC236}">
-                <a16:creationId xmlns:a16="http://schemas.microsoft.com/office/drawing/2014/main" id="{7640DF9D-0C9E-4C5D-9635-6B4DE10CCEE5}"/>
-              </a:ext>
-            </a:extLst>
-          </p:cNvPr>
-          <p:cNvSpPr>
-            <a:spLocks noGrp="1"/>
-          </p:cNvSpPr>
-          <p:nvPr>
-            <p:ph type="body" sz="quarter" idx="13"/>
-          </p:nvPr>
-        </p:nvSpPr>
-        <p:spPr>
-          <a:xfrm>
-            <a:off x="5922254" y="2469515"/>
-            <a:ext cx="5433204" cy="365125"/>
-          </a:xfrm>
-        </p:spPr>
-        <p:txBody>
-          <a:bodyPr vert="horz" lIns="91440" tIns="45720" rIns="91440" bIns="45720" rtlCol="0" anchor="t">
-            <a:noAutofit/>
-          </a:bodyPr>
-          <a:lstStyle/>
-          <a:p>
-            <a:pPr rtl="0"/>
-            <a:r>
-              <a:rPr lang="fr-FR" noProof="1"/>
-              <a:t>…</a:t>
-            </a:r>
-          </a:p>
-        </p:txBody>
-      </p:sp>
-      <p:sp>
-        <p:nvSpPr>
-          <p:cNvPr id="7" name="Espace réservé du texte 6">
-            <a:extLst>
-              <a:ext uri="{FF2B5EF4-FFF2-40B4-BE49-F238E27FC236}">
-                <a16:creationId xmlns:a16="http://schemas.microsoft.com/office/drawing/2014/main" id="{40297407-CE4E-4284-879D-AEC395713625}"/>
-              </a:ext>
-            </a:extLst>
-          </p:cNvPr>
-          <p:cNvSpPr>
-            <a:spLocks noGrp="1"/>
-          </p:cNvSpPr>
-          <p:nvPr>
-            <p:ph type="body" sz="quarter" idx="15"/>
-          </p:nvPr>
-        </p:nvSpPr>
-        <p:spPr>
-          <a:xfrm>
-            <a:off x="5921828" y="2798940"/>
-            <a:ext cx="5431971" cy="557950"/>
-          </a:xfrm>
-        </p:spPr>
-        <p:txBody>
-          <a:bodyPr rtlCol="0">
-            <a:normAutofit/>
-          </a:bodyPr>
-          <a:lstStyle/>
-          <a:p>
-            <a:pPr rtl="0"/>
-            <a:r>
-              <a:rPr lang="fr-FR" dirty="0"/>
-              <a:t>…</a:t>
-            </a:r>
-          </a:p>
-        </p:txBody>
-      </p:sp>
-      <p:sp>
-        <p:nvSpPr>
-          <p:cNvPr id="8" name="Espace réservé du texte 7">
-            <a:extLst>
-              <a:ext uri="{FF2B5EF4-FFF2-40B4-BE49-F238E27FC236}">
-                <a16:creationId xmlns:a16="http://schemas.microsoft.com/office/drawing/2014/main" id="{F5C3A7BE-F7FC-4942-A31A-491A8A806103}"/>
-              </a:ext>
-            </a:extLst>
-          </p:cNvPr>
-          <p:cNvSpPr>
-            <a:spLocks noGrp="1"/>
-          </p:cNvSpPr>
-          <p:nvPr>
-            <p:ph type="body" sz="quarter" idx="23"/>
-          </p:nvPr>
-        </p:nvSpPr>
-        <p:spPr>
-          <a:xfrm>
-            <a:off x="5922254" y="3569311"/>
-            <a:ext cx="5433204" cy="365125"/>
-          </a:xfrm>
-        </p:spPr>
-        <p:txBody>
-          <a:bodyPr vert="horz" lIns="91440" tIns="45720" rIns="91440" bIns="45720" rtlCol="0" anchor="t">
-            <a:noAutofit/>
-          </a:bodyPr>
-          <a:lstStyle/>
-          <a:p>
-            <a:r>
-              <a:rPr lang="fr-FR" dirty="0"/>
-              <a:t>…</a:t>
-            </a:r>
-          </a:p>
-          <a:p>
-            <a:pPr rtl="0"/>
-            <a:endParaRPr lang="fr-FR" noProof="1"/>
-          </a:p>
-        </p:txBody>
-      </p:sp>
-      <p:sp>
-        <p:nvSpPr>
-          <p:cNvPr id="9" name="Espace réservé du texte 8">
-            <a:extLst>
-              <a:ext uri="{FF2B5EF4-FFF2-40B4-BE49-F238E27FC236}">
-                <a16:creationId xmlns:a16="http://schemas.microsoft.com/office/drawing/2014/main" id="{95CCE699-03D1-4642-B46A-B14EF17DA183}"/>
-              </a:ext>
-            </a:extLst>
-          </p:cNvPr>
-          <p:cNvSpPr>
-            <a:spLocks noGrp="1"/>
-          </p:cNvSpPr>
-          <p:nvPr>
-            <p:ph type="body" sz="quarter" idx="24"/>
-          </p:nvPr>
-        </p:nvSpPr>
-        <p:spPr>
-          <a:xfrm>
-            <a:off x="5921828" y="3898736"/>
-            <a:ext cx="5431971" cy="557950"/>
-          </a:xfrm>
-        </p:spPr>
-        <p:txBody>
-          <a:bodyPr rtlCol="0">
-            <a:normAutofit/>
-          </a:bodyPr>
-          <a:lstStyle/>
-          <a:p>
-            <a:pPr rtl="0"/>
-            <a:r>
-              <a:rPr lang="fr-FR" dirty="0"/>
-              <a:t>…</a:t>
-            </a:r>
-          </a:p>
-        </p:txBody>
-      </p:sp>
-      <p:sp>
-        <p:nvSpPr>
-          <p:cNvPr id="10" name="Espace réservé du texte 9">
-            <a:extLst>
-              <a:ext uri="{FF2B5EF4-FFF2-40B4-BE49-F238E27FC236}">
-                <a16:creationId xmlns:a16="http://schemas.microsoft.com/office/drawing/2014/main" id="{BC1DF189-6F2F-4C21-88CC-C82D3D0D147B}"/>
-              </a:ext>
-            </a:extLst>
-          </p:cNvPr>
-          <p:cNvSpPr>
-            <a:spLocks noGrp="1"/>
-          </p:cNvSpPr>
-          <p:nvPr>
-            <p:ph type="body" sz="quarter" idx="25"/>
-          </p:nvPr>
-        </p:nvSpPr>
-        <p:spPr>
-          <a:xfrm>
-            <a:off x="5922254" y="4669107"/>
-            <a:ext cx="5433204" cy="365125"/>
-          </a:xfrm>
-        </p:spPr>
-        <p:txBody>
-          <a:bodyPr vert="horz" lIns="91440" tIns="45720" rIns="91440" bIns="45720" rtlCol="0" anchor="t">
-            <a:normAutofit lnSpcReduction="10000"/>
-          </a:bodyPr>
-          <a:lstStyle/>
-          <a:p>
-            <a:r>
-              <a:rPr lang="fr-FR" dirty="0"/>
-              <a:t>…</a:t>
-            </a:r>
-          </a:p>
-          <a:p>
-            <a:pPr rtl="0"/>
-            <a:endParaRPr lang="fr-FR" noProof="1"/>
-          </a:p>
-        </p:txBody>
-      </p:sp>
-      <p:sp>
-        <p:nvSpPr>
-          <p:cNvPr id="5" name="Espace réservé du texte 4">
-            <a:extLst>
-              <a:ext uri="{FF2B5EF4-FFF2-40B4-BE49-F238E27FC236}">
-                <a16:creationId xmlns:a16="http://schemas.microsoft.com/office/drawing/2014/main" id="{06E82690-B145-4D4F-B2D1-0B2A8C50FD71}"/>
-              </a:ext>
-            </a:extLst>
-          </p:cNvPr>
-          <p:cNvSpPr>
-            <a:spLocks noGrp="1"/>
-          </p:cNvSpPr>
-          <p:nvPr>
-            <p:ph type="body" sz="quarter" idx="26"/>
-          </p:nvPr>
-        </p:nvSpPr>
-        <p:spPr>
-          <a:xfrm>
-            <a:off x="5921828" y="4998532"/>
-            <a:ext cx="5431971" cy="557950"/>
-          </a:xfrm>
-        </p:spPr>
-        <p:txBody>
-          <a:bodyPr rtlCol="0">
-            <a:normAutofit/>
-          </a:bodyPr>
-          <a:lstStyle/>
-          <a:p>
-            <a:pPr rtl="0"/>
-            <a:r>
-              <a:rPr lang="fr-FR" dirty="0"/>
-              <a:t>…</a:t>
-            </a:r>
           </a:p>
         </p:txBody>
       </p:sp>
@@ -18589,6 +18720,111 @@
           </a:p>
         </p:txBody>
       </p:sp>
+      <p:pic>
+        <p:nvPicPr>
+          <p:cNvPr id="24" name="Afbeelding 23">
+            <a:extLst>
+              <a:ext uri="{FF2B5EF4-FFF2-40B4-BE49-F238E27FC236}">
+                <a16:creationId xmlns:a16="http://schemas.microsoft.com/office/drawing/2014/main" id="{FDAE47D6-4D84-7AC5-04EA-F74F0580CBC2}"/>
+              </a:ext>
+            </a:extLst>
+          </p:cNvPr>
+          <p:cNvPicPr>
+            <a:picLocks noChangeAspect="1"/>
+          </p:cNvPicPr>
+          <p:nvPr/>
+        </p:nvPicPr>
+        <p:blipFill>
+          <a:blip r:embed="rId4"/>
+          <a:stretch>
+            <a:fillRect/>
+          </a:stretch>
+        </p:blipFill>
+        <p:spPr>
+          <a:xfrm>
+            <a:off x="3284141" y="1714400"/>
+            <a:ext cx="2534164" cy="2420418"/>
+          </a:xfrm>
+          <a:prstGeom prst="rect">
+            <a:avLst/>
+          </a:prstGeom>
+          <a:ln w="28575">
+            <a:solidFill>
+              <a:schemeClr val="tx1"/>
+            </a:solidFill>
+          </a:ln>
+        </p:spPr>
+      </p:pic>
+      <p:pic>
+        <p:nvPicPr>
+          <p:cNvPr id="30" name="Afbeelding 29">
+            <a:extLst>
+              <a:ext uri="{FF2B5EF4-FFF2-40B4-BE49-F238E27FC236}">
+                <a16:creationId xmlns:a16="http://schemas.microsoft.com/office/drawing/2014/main" id="{5ACB98AD-DF61-F169-376E-311211CCA5A2}"/>
+              </a:ext>
+            </a:extLst>
+          </p:cNvPr>
+          <p:cNvPicPr>
+            <a:picLocks noChangeAspect="1"/>
+          </p:cNvPicPr>
+          <p:nvPr/>
+        </p:nvPicPr>
+        <p:blipFill>
+          <a:blip r:embed="rId5"/>
+          <a:stretch>
+            <a:fillRect/>
+          </a:stretch>
+        </p:blipFill>
+        <p:spPr>
+          <a:xfrm>
+            <a:off x="8783926" y="3789237"/>
+            <a:ext cx="2547948" cy="2420418"/>
+          </a:xfrm>
+          <a:prstGeom prst="rect">
+            <a:avLst/>
+          </a:prstGeom>
+          <a:ln w="28575">
+            <a:solidFill>
+              <a:schemeClr val="tx1"/>
+            </a:solidFill>
+          </a:ln>
+        </p:spPr>
+      </p:pic>
+      <p:pic>
+        <p:nvPicPr>
+          <p:cNvPr id="26" name="Afbeelding 25">
+            <a:extLst>
+              <a:ext uri="{FF2B5EF4-FFF2-40B4-BE49-F238E27FC236}">
+                <a16:creationId xmlns:a16="http://schemas.microsoft.com/office/drawing/2014/main" id="{39A2A588-D1A0-B1D5-885C-B131B230C2A9}"/>
+              </a:ext>
+            </a:extLst>
+          </p:cNvPr>
+          <p:cNvPicPr>
+            <a:picLocks noChangeAspect="1"/>
+          </p:cNvPicPr>
+          <p:nvPr/>
+        </p:nvPicPr>
+        <p:blipFill>
+          <a:blip r:embed="rId6"/>
+          <a:stretch>
+            <a:fillRect/>
+          </a:stretch>
+        </p:blipFill>
+        <p:spPr>
+          <a:xfrm>
+            <a:off x="5129541" y="3789237"/>
+            <a:ext cx="2527793" cy="2398770"/>
+          </a:xfrm>
+          <a:prstGeom prst="rect">
+            <a:avLst/>
+          </a:prstGeom>
+          <a:ln w="28575">
+            <a:solidFill>
+              <a:schemeClr val="tx1"/>
+            </a:solidFill>
+          </a:ln>
+        </p:spPr>
+      </p:pic>
     </p:spTree>
     <p:extLst>
       <p:ext uri="{BB962C8B-B14F-4D97-AF65-F5344CB8AC3E}">
@@ -18619,6 +18855,330 @@
           <a:chExt cx="0" cy="0"/>
         </a:xfrm>
       </p:grpSpPr>
+      <p:pic>
+        <p:nvPicPr>
+          <p:cNvPr id="10" name="Afbeelding 9">
+            <a:extLst>
+              <a:ext uri="{FF2B5EF4-FFF2-40B4-BE49-F238E27FC236}">
+                <a16:creationId xmlns:a16="http://schemas.microsoft.com/office/drawing/2014/main" id="{4164F6FB-5CE1-EB6B-E416-5557C6B0B504}"/>
+              </a:ext>
+            </a:extLst>
+          </p:cNvPr>
+          <p:cNvPicPr>
+            <a:picLocks noChangeAspect="1"/>
+          </p:cNvPicPr>
+          <p:nvPr/>
+        </p:nvPicPr>
+        <p:blipFill>
+          <a:blip r:embed="rId3"/>
+          <a:stretch>
+            <a:fillRect/>
+          </a:stretch>
+        </p:blipFill>
+        <p:spPr>
+          <a:xfrm>
+            <a:off x="5484915" y="1325243"/>
+            <a:ext cx="3596992" cy="2833846"/>
+          </a:xfrm>
+          <a:prstGeom prst="rect">
+            <a:avLst/>
+          </a:prstGeom>
+          <a:ln w="28575">
+            <a:solidFill>
+              <a:schemeClr val="bg1"/>
+            </a:solidFill>
+          </a:ln>
+        </p:spPr>
+      </p:pic>
+      <p:pic>
+        <p:nvPicPr>
+          <p:cNvPr id="8" name="Afbeelding 7">
+            <a:extLst>
+              <a:ext uri="{FF2B5EF4-FFF2-40B4-BE49-F238E27FC236}">
+                <a16:creationId xmlns:a16="http://schemas.microsoft.com/office/drawing/2014/main" id="{C35D74DA-2272-73FF-6064-BE4FF01EFD38}"/>
+              </a:ext>
+            </a:extLst>
+          </p:cNvPr>
+          <p:cNvPicPr>
+            <a:picLocks noChangeAspect="1"/>
+          </p:cNvPicPr>
+          <p:nvPr/>
+        </p:nvPicPr>
+        <p:blipFill rotWithShape="1">
+          <a:blip r:embed="rId4"/>
+          <a:srcRect t="17736" r="9074" b="12533"/>
+          <a:stretch/>
+        </p:blipFill>
+        <p:spPr>
+          <a:xfrm>
+            <a:off x="3264607" y="3029436"/>
+            <a:ext cx="2065032" cy="3326914"/>
+          </a:xfrm>
+          <a:prstGeom prst="rect">
+            <a:avLst/>
+          </a:prstGeom>
+          <a:ln w="28575">
+            <a:solidFill>
+              <a:schemeClr val="tx1"/>
+            </a:solidFill>
+          </a:ln>
+        </p:spPr>
+      </p:pic>
+      <p:sp>
+        <p:nvSpPr>
+          <p:cNvPr id="2" name="Titre 1">
+            <a:extLst>
+              <a:ext uri="{FF2B5EF4-FFF2-40B4-BE49-F238E27FC236}">
+                <a16:creationId xmlns:a16="http://schemas.microsoft.com/office/drawing/2014/main" id="{8A4E0A63-A388-49B1-A04E-27CE9BD622EF}"/>
+              </a:ext>
+            </a:extLst>
+          </p:cNvPr>
+          <p:cNvSpPr>
+            <a:spLocks noGrp="1"/>
+          </p:cNvSpPr>
+          <p:nvPr>
+            <p:ph type="title"/>
+          </p:nvPr>
+        </p:nvSpPr>
+        <p:spPr>
+          <a:xfrm>
+            <a:off x="5919680" y="859474"/>
+            <a:ext cx="5431971" cy="846301"/>
+          </a:xfrm>
+        </p:spPr>
+        <p:txBody>
+          <a:bodyPr rtlCol="0"/>
+          <a:lstStyle/>
+          <a:p>
+            <a:pPr rtl="0"/>
+            <a:r>
+              <a:rPr lang="fr-FR" dirty="0" err="1"/>
+              <a:t>Back-end</a:t>
+            </a:r>
+            <a:r>
+              <a:rPr lang="fr-FR" dirty="0"/>
+              <a:t> en </a:t>
+            </a:r>
+            <a:r>
+              <a:rPr lang="fr-FR" dirty="0" err="1"/>
+              <a:t>Databank</a:t>
+            </a:r>
+            <a:endParaRPr lang="fr-FR" dirty="0"/>
+          </a:p>
+        </p:txBody>
+      </p:sp>
+      <p:sp>
+        <p:nvSpPr>
+          <p:cNvPr id="32" name="Espace réservé de la date 31">
+            <a:extLst>
+              <a:ext uri="{FF2B5EF4-FFF2-40B4-BE49-F238E27FC236}">
+                <a16:creationId xmlns:a16="http://schemas.microsoft.com/office/drawing/2014/main" id="{D5DB19F8-B538-4965-BA90-ED372B99F5DC}"/>
+              </a:ext>
+            </a:extLst>
+          </p:cNvPr>
+          <p:cNvSpPr>
+            <a:spLocks noGrp="1"/>
+          </p:cNvSpPr>
+          <p:nvPr>
+            <p:ph type="dt" sz="half" idx="20"/>
+          </p:nvPr>
+        </p:nvSpPr>
+        <p:spPr>
+          <a:xfrm>
+            <a:off x="5919680" y="6356350"/>
+            <a:ext cx="947516" cy="365125"/>
+          </a:xfrm>
+        </p:spPr>
+        <p:txBody>
+          <a:bodyPr rtlCol="0"/>
+          <a:lstStyle/>
+          <a:p>
+            <a:pPr rtl="0"/>
+            <a:r>
+              <a:rPr lang="fr-FR" dirty="0"/>
+              <a:t>2023</a:t>
+            </a:r>
+          </a:p>
+        </p:txBody>
+      </p:sp>
+      <p:sp>
+        <p:nvSpPr>
+          <p:cNvPr id="3" name="Espace réservé du pied de page 2">
+            <a:extLst>
+              <a:ext uri="{FF2B5EF4-FFF2-40B4-BE49-F238E27FC236}">
+                <a16:creationId xmlns:a16="http://schemas.microsoft.com/office/drawing/2014/main" id="{005C44B1-BA82-483C-BD91-F89067442F9E}"/>
+              </a:ext>
+            </a:extLst>
+          </p:cNvPr>
+          <p:cNvSpPr>
+            <a:spLocks noGrp="1"/>
+          </p:cNvSpPr>
+          <p:nvPr>
+            <p:ph type="ftr" sz="quarter" idx="21"/>
+          </p:nvPr>
+        </p:nvSpPr>
+        <p:spPr>
+          <a:xfrm>
+            <a:off x="7161955" y="6356350"/>
+            <a:ext cx="3243942" cy="365125"/>
+          </a:xfrm>
+        </p:spPr>
+        <p:txBody>
+          <a:bodyPr rtlCol="0"/>
+          <a:lstStyle/>
+          <a:p>
+            <a:pPr rtl="0"/>
+            <a:r>
+              <a:rPr lang="fr-FR" noProof="0" dirty="0" err="1"/>
+              <a:t>Fleetmanager</a:t>
+            </a:r>
+            <a:r>
+              <a:rPr lang="fr-FR" noProof="0" dirty="0"/>
+              <a:t> </a:t>
+            </a:r>
+            <a:r>
+              <a:rPr lang="fr-FR" noProof="0" dirty="0" err="1"/>
+              <a:t>Allphi</a:t>
+            </a:r>
+            <a:endParaRPr lang="fr-FR" noProof="0" dirty="0"/>
+          </a:p>
+        </p:txBody>
+      </p:sp>
+      <p:sp>
+        <p:nvSpPr>
+          <p:cNvPr id="4" name="Espace réservé du numéro de diapositive 3">
+            <a:extLst>
+              <a:ext uri="{FF2B5EF4-FFF2-40B4-BE49-F238E27FC236}">
+                <a16:creationId xmlns:a16="http://schemas.microsoft.com/office/drawing/2014/main" id="{79ED4A67-3A46-4F54-A12A-EAE1B53E6457}"/>
+              </a:ext>
+            </a:extLst>
+          </p:cNvPr>
+          <p:cNvSpPr>
+            <a:spLocks noGrp="1"/>
+          </p:cNvSpPr>
+          <p:nvPr>
+            <p:ph type="sldNum" sz="quarter" idx="22"/>
+          </p:nvPr>
+        </p:nvSpPr>
+        <p:spPr>
+          <a:xfrm>
+            <a:off x="10700656" y="6356350"/>
+            <a:ext cx="653143" cy="365125"/>
+          </a:xfrm>
+        </p:spPr>
+        <p:txBody>
+          <a:bodyPr rtlCol="0"/>
+          <a:lstStyle/>
+          <a:p>
+            <a:pPr rtl="0"/>
+            <a:fld id="{19B51A1E-902D-48AF-9020-955120F399B6}" type="slidenum">
+              <a:rPr lang="fr-FR" smtClean="0"/>
+              <a:pPr rtl="0"/>
+              <a:t>7</a:t>
+            </a:fld>
+            <a:endParaRPr lang="fr-FR" dirty="0"/>
+          </a:p>
+        </p:txBody>
+      </p:sp>
+      <p:pic>
+        <p:nvPicPr>
+          <p:cNvPr id="6" name="Afbeelding 5">
+            <a:extLst>
+              <a:ext uri="{FF2B5EF4-FFF2-40B4-BE49-F238E27FC236}">
+                <a16:creationId xmlns:a16="http://schemas.microsoft.com/office/drawing/2014/main" id="{0608A728-313C-078D-45F3-F5984CCF7188}"/>
+              </a:ext>
+            </a:extLst>
+          </p:cNvPr>
+          <p:cNvPicPr>
+            <a:picLocks noChangeAspect="1"/>
+          </p:cNvPicPr>
+          <p:nvPr/>
+        </p:nvPicPr>
+        <p:blipFill rotWithShape="1">
+          <a:blip r:embed="rId5"/>
+          <a:srcRect t="17103" r="3249" b="13079"/>
+          <a:stretch/>
+        </p:blipFill>
+        <p:spPr>
+          <a:xfrm>
+            <a:off x="1394149" y="1325243"/>
+            <a:ext cx="2065032" cy="3326914"/>
+          </a:xfrm>
+          <a:prstGeom prst="rect">
+            <a:avLst/>
+          </a:prstGeom>
+          <a:ln w="28575">
+            <a:solidFill>
+              <a:schemeClr val="tx1"/>
+            </a:solidFill>
+          </a:ln>
+        </p:spPr>
+      </p:pic>
+      <p:pic>
+        <p:nvPicPr>
+          <p:cNvPr id="7" name="Afbeelding 6">
+            <a:extLst>
+              <a:ext uri="{FF2B5EF4-FFF2-40B4-BE49-F238E27FC236}">
+                <a16:creationId xmlns:a16="http://schemas.microsoft.com/office/drawing/2014/main" id="{3EC9C497-A7AD-15BA-287A-A45A8B83A840}"/>
+              </a:ext>
+            </a:extLst>
+          </p:cNvPr>
+          <p:cNvPicPr>
+            <a:picLocks noChangeAspect="1"/>
+          </p:cNvPicPr>
+          <p:nvPr/>
+        </p:nvPicPr>
+        <p:blipFill>
+          <a:blip r:embed="rId6"/>
+          <a:stretch>
+            <a:fillRect/>
+          </a:stretch>
+        </p:blipFill>
+        <p:spPr>
+          <a:xfrm>
+            <a:off x="7578170" y="3318476"/>
+            <a:ext cx="3596992" cy="3037874"/>
+          </a:xfrm>
+          <a:prstGeom prst="rect">
+            <a:avLst/>
+          </a:prstGeom>
+          <a:ln w="28575">
+            <a:solidFill>
+              <a:schemeClr val="bg1"/>
+            </a:solidFill>
+          </a:ln>
+        </p:spPr>
+      </p:pic>
+    </p:spTree>
+    <p:extLst>
+      <p:ext uri="{BB962C8B-B14F-4D97-AF65-F5344CB8AC3E}">
+        <p14:creationId xmlns:p14="http://schemas.microsoft.com/office/powerpoint/2010/main" val="3902976026"/>
+      </p:ext>
+    </p:extLst>
+  </p:cSld>
+  <p:clrMapOvr>
+    <a:masterClrMapping/>
+  </p:clrMapOvr>
+</p:sld>
+</file>
+
+<file path=ppt/slides/slide8.xml><?xml version="1.0" encoding="utf-8"?>
+<p:sld xmlns:a="http://schemas.openxmlformats.org/drawingml/2006/main" xmlns:r="http://schemas.openxmlformats.org/officeDocument/2006/relationships" xmlns:p="http://schemas.openxmlformats.org/presentationml/2006/main">
+  <p:cSld>
+    <p:spTree>
+      <p:nvGrpSpPr>
+        <p:cNvPr id="1" name=""/>
+        <p:cNvGrpSpPr/>
+        <p:nvPr/>
+      </p:nvGrpSpPr>
+      <p:grpSpPr>
+        <a:xfrm>
+          <a:off x="0" y="0"/>
+          <a:ext cx="0" cy="0"/>
+          <a:chOff x="0" y="0"/>
+          <a:chExt cx="0" cy="0"/>
+        </a:xfrm>
+      </p:grpSpPr>
       <p:sp>
         <p:nvSpPr>
           <p:cNvPr id="2" name="Titre 1">
@@ -18761,7 +19321,7 @@
             <a:fld id="{B5CEABB6-07DC-46E8-9B57-56EC44A396E5}" type="slidenum">
               <a:rPr lang="fr-FR" smtClean="0"/>
               <a:pPr rtl="0"/>
-              <a:t>7</a:t>
+              <a:t>8</a:t>
             </a:fld>
             <a:endParaRPr lang="fr-FR"/>
           </a:p>
@@ -18780,7 +19340,7 @@
 </p:sld>
 </file>
 
-<file path=ppt/slides/slide8.xml><?xml version="1.0" encoding="utf-8"?>
+<file path=ppt/slides/slide9.xml><?xml version="1.0" encoding="utf-8"?>
 <p:sld xmlns:a="http://schemas.openxmlformats.org/drawingml/2006/main" xmlns:r="http://schemas.openxmlformats.org/officeDocument/2006/relationships" xmlns:p="http://schemas.openxmlformats.org/presentationml/2006/main">
   <p:cSld>
     <p:spTree>
@@ -19919,6 +20479,25 @@
 </file>
 
 <file path=customXml/item1.xml><?xml version="1.0" encoding="utf-8"?>
+<p:properties xmlns:p="http://schemas.microsoft.com/office/2006/metadata/properties" xmlns:xsi="http://www.w3.org/2001/XMLSchema-instance" xmlns:pc="http://schemas.microsoft.com/office/infopath/2007/PartnerControls">
+  <documentManagement>
+    <_ip_UnifiedCompliancePolicyUIAction xmlns="http://schemas.microsoft.com/sharepoint/v3" xsi:nil="true"/>
+    <Image xmlns="71af3243-3dd4-4a8d-8c0d-dd76da1f02a5">
+      <Url xsi:nil="true"/>
+      <Description xsi:nil="true"/>
+    </Image>
+    <Status xmlns="71af3243-3dd4-4a8d-8c0d-dd76da1f02a5">Not started</Status>
+    <_ip_UnifiedCompliancePolicyProperties xmlns="http://schemas.microsoft.com/sharepoint/v3" xsi:nil="true"/>
+    <ImageTagsTaxHTField xmlns="71af3243-3dd4-4a8d-8c0d-dd76da1f02a5">
+      <Terms xmlns="http://schemas.microsoft.com/office/infopath/2007/PartnerControls"/>
+    </ImageTagsTaxHTField>
+    <TaxCatchAll xmlns="230e9df3-be65-4c73-a93b-d1236ebd677e"/>
+    <MediaServiceKeyPoints xmlns="71af3243-3dd4-4a8d-8c0d-dd76da1f02a5" xsi:nil="true"/>
+  </documentManagement>
+</p:properties>
+</file>
+
+<file path=customXml/item2.xml><?xml version="1.0" encoding="utf-8"?>
 <?mso-contentType ?>
 <FormTemplates xmlns="http://schemas.microsoft.com/sharepoint/v3/contenttype/forms">
   <Display>DocumentLibraryForm</Display>
@@ -19927,7 +20506,7 @@
 </FormTemplates>
 </file>
 
-<file path=customXml/item2.xml><?xml version="1.0" encoding="utf-8"?>
+<file path=customXml/item3.xml><?xml version="1.0" encoding="utf-8"?>
 <ct:contentTypeSchema xmlns:ct="http://schemas.microsoft.com/office/2006/metadata/contentType" xmlns:ma="http://schemas.microsoft.com/office/2006/metadata/properties/metaAttributes" ct:_="" ma:_="" ma:contentTypeName="Document" ma:contentTypeID="0x01010079F111ED35F8CC479449609E8A0923A6" ma:contentTypeVersion="20" ma:contentTypeDescription="Create a new document." ma:contentTypeScope="" ma:versionID="1267097ee5f5874adfcc408041ae252e">
   <xsd:schema xmlns:xsd="http://www.w3.org/2001/XMLSchema" xmlns:xs="http://www.w3.org/2001/XMLSchema" xmlns:p="http://schemas.microsoft.com/office/2006/metadata/properties" xmlns:ns1="http://schemas.microsoft.com/sharepoint/v3" xmlns:ns2="71af3243-3dd4-4a8d-8c0d-dd76da1f02a5" xmlns:ns3="16c05727-aa75-4e4a-9b5f-8a80a1165891" xmlns:ns4="230e9df3-be65-4c73-a93b-d1236ebd677e" targetNamespace="http://schemas.microsoft.com/office/2006/metadata/properties" ma:root="true" ma:fieldsID="395891a93df65b14727750f2c06c306c" ns1:_="" ns2:_="" ns3:_="" ns4:_="">
     <xsd:import namespace="http://schemas.microsoft.com/sharepoint/v3"/>
@@ -20203,26 +20782,19 @@
 </ct:contentTypeSchema>
 </file>
 
-<file path=customXml/item3.xml><?xml version="1.0" encoding="utf-8"?>
-<p:properties xmlns:p="http://schemas.microsoft.com/office/2006/metadata/properties" xmlns:xsi="http://www.w3.org/2001/XMLSchema-instance" xmlns:pc="http://schemas.microsoft.com/office/infopath/2007/PartnerControls">
-  <documentManagement>
-    <_ip_UnifiedCompliancePolicyUIAction xmlns="http://schemas.microsoft.com/sharepoint/v3" xsi:nil="true"/>
-    <Image xmlns="71af3243-3dd4-4a8d-8c0d-dd76da1f02a5">
-      <Url xsi:nil="true"/>
-      <Description xsi:nil="true"/>
-    </Image>
-    <Status xmlns="71af3243-3dd4-4a8d-8c0d-dd76da1f02a5">Not started</Status>
-    <_ip_UnifiedCompliancePolicyProperties xmlns="http://schemas.microsoft.com/sharepoint/v3" xsi:nil="true"/>
-    <ImageTagsTaxHTField xmlns="71af3243-3dd4-4a8d-8c0d-dd76da1f02a5">
-      <Terms xmlns="http://schemas.microsoft.com/office/infopath/2007/PartnerControls"/>
-    </ImageTagsTaxHTField>
-    <TaxCatchAll xmlns="230e9df3-be65-4c73-a93b-d1236ebd677e"/>
-    <MediaServiceKeyPoints xmlns="71af3243-3dd4-4a8d-8c0d-dd76da1f02a5" xsi:nil="true"/>
-  </documentManagement>
-</p:properties>
+<file path=customXml/itemProps1.xml><?xml version="1.0" encoding="utf-8"?>
+<ds:datastoreItem xmlns:ds="http://schemas.openxmlformats.org/officeDocument/2006/customXml" ds:itemID="{B5BA3906-9696-4247-AC0D-DD5C26B2A70A}">
+  <ds:schemaRefs>
+    <ds:schemaRef ds:uri="http://schemas.microsoft.com/office/2006/metadata/properties"/>
+    <ds:schemaRef ds:uri="http://schemas.microsoft.com/office/infopath/2007/PartnerControls"/>
+    <ds:schemaRef ds:uri="http://schemas.microsoft.com/sharepoint/v3"/>
+    <ds:schemaRef ds:uri="71af3243-3dd4-4a8d-8c0d-dd76da1f02a5"/>
+    <ds:schemaRef ds:uri="230e9df3-be65-4c73-a93b-d1236ebd677e"/>
+  </ds:schemaRefs>
+</ds:datastoreItem>
 </file>
 
-<file path=customXml/itemProps1.xml><?xml version="1.0" encoding="utf-8"?>
+<file path=customXml/itemProps2.xml><?xml version="1.0" encoding="utf-8"?>
 <ds:datastoreItem xmlns:ds="http://schemas.openxmlformats.org/officeDocument/2006/customXml" ds:itemID="{2D446390-8521-40A2-A462-EA068123BED9}">
   <ds:schemaRefs>
     <ds:schemaRef ds:uri="http://schemas.microsoft.com/sharepoint/v3/contenttype/forms"/>
@@ -20230,7 +20802,7 @@
 </ds:datastoreItem>
 </file>
 
-<file path=customXml/itemProps2.xml><?xml version="1.0" encoding="utf-8"?>
+<file path=customXml/itemProps3.xml><?xml version="1.0" encoding="utf-8"?>
 <ds:datastoreItem xmlns:ds="http://schemas.openxmlformats.org/officeDocument/2006/customXml" ds:itemID="{01E84A1C-2814-43A7-9448-348326113A45}">
   <ds:schemaRefs>
     <ds:schemaRef ds:uri="http://schemas.microsoft.com/office/2006/metadata/contentType"/>
@@ -20251,18 +20823,6 @@
 </ds:datastoreItem>
 </file>
 
-<file path=customXml/itemProps3.xml><?xml version="1.0" encoding="utf-8"?>
-<ds:datastoreItem xmlns:ds="http://schemas.openxmlformats.org/officeDocument/2006/customXml" ds:itemID="{B5BA3906-9696-4247-AC0D-DD5C26B2A70A}">
-  <ds:schemaRefs>
-    <ds:schemaRef ds:uri="http://schemas.microsoft.com/office/2006/metadata/properties"/>
-    <ds:schemaRef ds:uri="http://schemas.microsoft.com/office/infopath/2007/PartnerControls"/>
-    <ds:schemaRef ds:uri="http://schemas.microsoft.com/sharepoint/v3"/>
-    <ds:schemaRef ds:uri="71af3243-3dd4-4a8d-8c0d-dd76da1f02a5"/>
-    <ds:schemaRef ds:uri="230e9df3-be65-4c73-a93b-d1236ebd677e"/>
-  </ds:schemaRefs>
-</ds:datastoreItem>
-</file>
-
 <file path=docMetadata/LabelInfo.xml><?xml version="1.0" encoding="utf-8"?>
 <clbl:labelList xmlns:clbl="http://schemas.microsoft.com/office/2020/mipLabelMetadata">
   <clbl:label id="{f42aa342-8706-4288-bd11-ebb85995028c}" enabled="1" method="Standard" siteId="{72f988bf-86f1-41af-91ab-2d7cd011db47}" removed="0"/>

--- a/Fleetmanager.pptx
+++ b/Fleetmanager.pptx
@@ -5,10 +5,10 @@
     <p:sldMasterId id="2147483666" r:id="rId4"/>
   </p:sldMasterIdLst>
   <p:notesMasterIdLst>
-    <p:notesMasterId r:id="rId14"/>
+    <p:notesMasterId r:id="rId15"/>
   </p:notesMasterIdLst>
   <p:handoutMasterIdLst>
-    <p:handoutMasterId r:id="rId15"/>
+    <p:handoutMasterId r:id="rId16"/>
   </p:handoutMasterIdLst>
   <p:sldIdLst>
     <p:sldId id="256" r:id="rId5"/>
@@ -19,7 +19,8 @@
     <p:sldId id="278" r:id="rId10"/>
     <p:sldId id="296" r:id="rId11"/>
     <p:sldId id="276" r:id="rId12"/>
-    <p:sldId id="295" r:id="rId13"/>
+    <p:sldId id="297" r:id="rId13"/>
+    <p:sldId id="295" r:id="rId14"/>
   </p:sldIdLst>
   <p:sldSz cx="12192000" cy="6858000"/>
   <p:notesSz cx="6858000" cy="9144000"/>
@@ -467,7 +468,7 @@
             <a:pPr rtl="0"/>
             <a:fld id="{6BC4ED84-6EAE-4BB9-A239-A4541838CFBF}" type="datetime1">
               <a:rPr lang="fr-FR" smtClean="0"/>
-              <a:t>21/11/2023</a:t>
+              <a:t>22/11/2023</a:t>
             </a:fld>
             <a:endParaRPr lang="fr-FR"/>
           </a:p>
@@ -649,7 +650,7 @@
             <a:fld id="{30AA49DA-9B4C-4C11-AFC5-1C9CC1D3D925}" type="datetime1">
               <a:rPr lang="fr-FR" smtClean="0"/>
               <a:pPr/>
-              <a:t>21/11/2023</a:t>
+              <a:t>22/11/2023</a:t>
             </a:fld>
             <a:endParaRPr lang="fr-FR" dirty="0"/>
           </a:p>
@@ -16475,2872 +16476,7 @@
 </p:sld>
 </file>
 
-<file path=ppt/slides/slide2.xml><?xml version="1.0" encoding="utf-8"?>
-<p:sld xmlns:a="http://schemas.openxmlformats.org/drawingml/2006/main" xmlns:r="http://schemas.openxmlformats.org/officeDocument/2006/relationships" xmlns:p="http://schemas.openxmlformats.org/presentationml/2006/main">
-  <p:cSld>
-    <p:spTree>
-      <p:nvGrpSpPr>
-        <p:cNvPr id="1" name=""/>
-        <p:cNvGrpSpPr/>
-        <p:nvPr/>
-      </p:nvGrpSpPr>
-      <p:grpSpPr>
-        <a:xfrm>
-          <a:off x="0" y="0"/>
-          <a:ext cx="0" cy="0"/>
-          <a:chOff x="0" y="0"/>
-          <a:chExt cx="0" cy="0"/>
-        </a:xfrm>
-      </p:grpSpPr>
-      <p:sp>
-        <p:nvSpPr>
-          <p:cNvPr id="2" name="Titel 1">
-            <a:extLst>
-              <a:ext uri="{FF2B5EF4-FFF2-40B4-BE49-F238E27FC236}">
-                <a16:creationId xmlns:a16="http://schemas.microsoft.com/office/drawing/2014/main" id="{F7D4DE62-5124-24BA-A1EE-9EEB335288D3}"/>
-              </a:ext>
-            </a:extLst>
-          </p:cNvPr>
-          <p:cNvSpPr>
-            <a:spLocks noGrp="1"/>
-          </p:cNvSpPr>
-          <p:nvPr>
-            <p:ph type="title"/>
-          </p:nvPr>
-        </p:nvSpPr>
-        <p:spPr>
-          <a:xfrm>
-            <a:off x="1333499" y="1020446"/>
-            <a:ext cx="3171825" cy="666114"/>
-          </a:xfrm>
-        </p:spPr>
-        <p:txBody>
-          <a:bodyPr>
-            <a:normAutofit/>
-          </a:bodyPr>
-          <a:lstStyle/>
-          <a:p>
-            <a:r>
-              <a:rPr lang="nl-BE" dirty="0"/>
-              <a:t>Het project</a:t>
-            </a:r>
-          </a:p>
-        </p:txBody>
-      </p:sp>
-      <p:sp>
-        <p:nvSpPr>
-          <p:cNvPr id="3" name="Tijdelijke aanduiding voor inhoud 2">
-            <a:extLst>
-              <a:ext uri="{FF2B5EF4-FFF2-40B4-BE49-F238E27FC236}">
-                <a16:creationId xmlns:a16="http://schemas.microsoft.com/office/drawing/2014/main" id="{C9CC1EF5-8A35-1047-CF72-32580F3C359E}"/>
-              </a:ext>
-            </a:extLst>
-          </p:cNvPr>
-          <p:cNvSpPr>
-            <a:spLocks noGrp="1"/>
-          </p:cNvSpPr>
-          <p:nvPr>
-            <p:ph idx="1"/>
-          </p:nvPr>
-        </p:nvSpPr>
-        <p:spPr>
-          <a:xfrm>
-            <a:off x="1333499" y="1950720"/>
-            <a:ext cx="3583941" cy="3749040"/>
-          </a:xfrm>
-        </p:spPr>
-        <p:txBody>
-          <a:bodyPr/>
-          <a:lstStyle/>
-          <a:p>
-            <a:pPr marL="285750" indent="-285750">
-              <a:buFont typeface="Arial" panose="020B0604020202020204" pitchFamily="34" charset="0"/>
-              <a:buChar char="•"/>
-            </a:pPr>
-            <a:r>
-              <a:rPr lang="nl-BE" dirty="0"/>
-              <a:t>Beheren van voertuigen, tankkaarten en bestuurders</a:t>
-            </a:r>
-          </a:p>
-          <a:p>
-            <a:pPr marL="742950" lvl="1" indent="-285750">
-              <a:buFont typeface="Arial" panose="020B0604020202020204" pitchFamily="34" charset="0"/>
-              <a:buChar char="•"/>
-            </a:pPr>
-            <a:r>
-              <a:rPr lang="nl-BE" dirty="0"/>
-              <a:t>Nieuwe items kunnen toevoegen</a:t>
-            </a:r>
-          </a:p>
-          <a:p>
-            <a:pPr marL="742950" lvl="1" indent="-285750">
-              <a:buFont typeface="Arial" panose="020B0604020202020204" pitchFamily="34" charset="0"/>
-              <a:buChar char="•"/>
-            </a:pPr>
-            <a:r>
-              <a:rPr lang="nl-BE" dirty="0"/>
-              <a:t>Detailweergave openen</a:t>
-            </a:r>
-          </a:p>
-          <a:p>
-            <a:pPr marL="742950" lvl="1" indent="-285750">
-              <a:buFont typeface="Arial" panose="020B0604020202020204" pitchFamily="34" charset="0"/>
-              <a:buChar char="•"/>
-            </a:pPr>
-            <a:r>
-              <a:rPr lang="nl-BE" dirty="0"/>
-              <a:t>Bewerk weergave openen</a:t>
-            </a:r>
-          </a:p>
-          <a:p>
-            <a:pPr marL="742950" lvl="1" indent="-285750">
-              <a:buFont typeface="Arial" panose="020B0604020202020204" pitchFamily="34" charset="0"/>
-              <a:buChar char="•"/>
-            </a:pPr>
-            <a:r>
-              <a:rPr lang="nl-BE" dirty="0"/>
-              <a:t>Verwijderen van een item</a:t>
-            </a:r>
-          </a:p>
-          <a:p>
-            <a:pPr marL="285750" indent="-285750">
-              <a:buFont typeface="Arial" panose="020B0604020202020204" pitchFamily="34" charset="0"/>
-              <a:buChar char="•"/>
-            </a:pPr>
-            <a:r>
-              <a:rPr lang="nl-BE" dirty="0"/>
-              <a:t>Restricties op gegevens</a:t>
-            </a:r>
-          </a:p>
-        </p:txBody>
-      </p:sp>
-      <p:sp>
-        <p:nvSpPr>
-          <p:cNvPr id="4" name="Tijdelijke aanduiding voor datum 3">
-            <a:extLst>
-              <a:ext uri="{FF2B5EF4-FFF2-40B4-BE49-F238E27FC236}">
-                <a16:creationId xmlns:a16="http://schemas.microsoft.com/office/drawing/2014/main" id="{913874A0-D37A-3DA3-BE24-83B9D5865E74}"/>
-              </a:ext>
-            </a:extLst>
-          </p:cNvPr>
-          <p:cNvSpPr>
-            <a:spLocks noGrp="1"/>
-          </p:cNvSpPr>
-          <p:nvPr>
-            <p:ph type="dt" sz="half" idx="10"/>
-          </p:nvPr>
-        </p:nvSpPr>
-        <p:spPr/>
-        <p:txBody>
-          <a:bodyPr/>
-          <a:lstStyle/>
-          <a:p>
-            <a:pPr rtl="0"/>
-            <a:r>
-              <a:rPr lang="fr-FR" noProof="0" dirty="0"/>
-              <a:t>2023</a:t>
-            </a:r>
-          </a:p>
-        </p:txBody>
-      </p:sp>
-      <p:sp>
-        <p:nvSpPr>
-          <p:cNvPr id="5" name="Tijdelijke aanduiding voor voettekst 4">
-            <a:extLst>
-              <a:ext uri="{FF2B5EF4-FFF2-40B4-BE49-F238E27FC236}">
-                <a16:creationId xmlns:a16="http://schemas.microsoft.com/office/drawing/2014/main" id="{E6CFE0BC-8974-7494-3034-88305B05A2E3}"/>
-              </a:ext>
-            </a:extLst>
-          </p:cNvPr>
-          <p:cNvSpPr>
-            <a:spLocks noGrp="1"/>
-          </p:cNvSpPr>
-          <p:nvPr>
-            <p:ph type="ftr" sz="quarter" idx="11"/>
-          </p:nvPr>
-        </p:nvSpPr>
-        <p:spPr/>
-        <p:txBody>
-          <a:bodyPr/>
-          <a:lstStyle/>
-          <a:p>
-            <a:pPr rtl="0"/>
-            <a:r>
-              <a:rPr lang="fr-FR" noProof="0" dirty="0" err="1"/>
-              <a:t>Fleetmanager</a:t>
-            </a:r>
-            <a:r>
-              <a:rPr lang="fr-FR" noProof="0" dirty="0"/>
-              <a:t> </a:t>
-            </a:r>
-            <a:r>
-              <a:rPr lang="fr-FR" noProof="0" dirty="0" err="1"/>
-              <a:t>Allphi</a:t>
-            </a:r>
-            <a:endParaRPr lang="fr-FR" noProof="0" dirty="0"/>
-          </a:p>
-        </p:txBody>
-      </p:sp>
-      <p:sp>
-        <p:nvSpPr>
-          <p:cNvPr id="6" name="Tijdelijke aanduiding voor dianummer 5">
-            <a:extLst>
-              <a:ext uri="{FF2B5EF4-FFF2-40B4-BE49-F238E27FC236}">
-                <a16:creationId xmlns:a16="http://schemas.microsoft.com/office/drawing/2014/main" id="{836007E6-6492-A392-C148-B671D972D987}"/>
-              </a:ext>
-            </a:extLst>
-          </p:cNvPr>
-          <p:cNvSpPr>
-            <a:spLocks noGrp="1"/>
-          </p:cNvSpPr>
-          <p:nvPr>
-            <p:ph type="sldNum" sz="quarter" idx="12"/>
-          </p:nvPr>
-        </p:nvSpPr>
-        <p:spPr/>
-        <p:txBody>
-          <a:bodyPr/>
-          <a:lstStyle/>
-          <a:p>
-            <a:pPr rtl="0"/>
-            <a:fld id="{B5CEABB6-07DC-46E8-9B57-56EC44A396E5}" type="slidenum">
-              <a:rPr lang="fr-FR" noProof="0" smtClean="0"/>
-              <a:t>2</a:t>
-            </a:fld>
-            <a:endParaRPr lang="fr-FR" noProof="0"/>
-          </a:p>
-        </p:txBody>
-      </p:sp>
-    </p:spTree>
-    <p:extLst>
-      <p:ext uri="{BB962C8B-B14F-4D97-AF65-F5344CB8AC3E}">
-        <p14:creationId xmlns:p14="http://schemas.microsoft.com/office/powerpoint/2010/main" val="386849723"/>
-      </p:ext>
-    </p:extLst>
-  </p:cSld>
-  <p:clrMapOvr>
-    <a:masterClrMapping/>
-  </p:clrMapOvr>
-</p:sld>
-</file>
-
-<file path=ppt/slides/slide3.xml><?xml version="1.0" encoding="utf-8"?>
-<p:sld xmlns:a="http://schemas.openxmlformats.org/drawingml/2006/main" xmlns:r="http://schemas.openxmlformats.org/officeDocument/2006/relationships" xmlns:p="http://schemas.openxmlformats.org/presentationml/2006/main">
-  <p:cSld>
-    <p:spTree>
-      <p:nvGrpSpPr>
-        <p:cNvPr id="1" name=""/>
-        <p:cNvGrpSpPr/>
-        <p:nvPr/>
-      </p:nvGrpSpPr>
-      <p:grpSpPr>
-        <a:xfrm>
-          <a:off x="0" y="0"/>
-          <a:ext cx="0" cy="0"/>
-          <a:chOff x="0" y="0"/>
-          <a:chExt cx="0" cy="0"/>
-        </a:xfrm>
-      </p:grpSpPr>
-      <p:sp>
-        <p:nvSpPr>
-          <p:cNvPr id="2" name="Titre 1">
-            <a:extLst>
-              <a:ext uri="{FF2B5EF4-FFF2-40B4-BE49-F238E27FC236}">
-                <a16:creationId xmlns:a16="http://schemas.microsoft.com/office/drawing/2014/main" id="{75031FE9-9059-4FE8-B4AC-9771F23A1B89}"/>
-              </a:ext>
-            </a:extLst>
-          </p:cNvPr>
-          <p:cNvSpPr>
-            <a:spLocks noGrp="1"/>
-          </p:cNvSpPr>
-          <p:nvPr>
-            <p:ph type="title"/>
-          </p:nvPr>
-        </p:nvSpPr>
-        <p:spPr>
-          <a:xfrm>
-            <a:off x="1885156" y="892177"/>
-            <a:ext cx="8421688" cy="1325563"/>
-          </a:xfrm>
-        </p:spPr>
-        <p:txBody>
-          <a:bodyPr rtlCol="0"/>
-          <a:lstStyle/>
-          <a:p>
-            <a:pPr rtl="0"/>
-            <a:r>
-              <a:rPr lang="fr-FR" dirty="0"/>
-              <a:t>Onze </a:t>
-            </a:r>
-            <a:r>
-              <a:rPr lang="fr-FR" dirty="0" err="1"/>
-              <a:t>visie</a:t>
-            </a:r>
-            <a:endParaRPr lang="fr-FR" dirty="0"/>
-          </a:p>
-        </p:txBody>
-      </p:sp>
-      <p:sp>
-        <p:nvSpPr>
-          <p:cNvPr id="3" name="Espace réservé du contenu 2">
-            <a:extLst>
-              <a:ext uri="{FF2B5EF4-FFF2-40B4-BE49-F238E27FC236}">
-                <a16:creationId xmlns:a16="http://schemas.microsoft.com/office/drawing/2014/main" id="{D4A2EB3F-4D60-451F-8F45-7D6654D2FCD9}"/>
-              </a:ext>
-            </a:extLst>
-          </p:cNvPr>
-          <p:cNvSpPr>
-            <a:spLocks noGrp="1"/>
-          </p:cNvSpPr>
-          <p:nvPr>
-            <p:ph type="body" sz="quarter" idx="13"/>
-          </p:nvPr>
-        </p:nvSpPr>
-        <p:spPr>
-          <a:xfrm>
-            <a:off x="1485900" y="2563123"/>
-            <a:ext cx="4031945" cy="365125"/>
-          </a:xfrm>
-        </p:spPr>
-        <p:txBody>
-          <a:bodyPr vert="horz" lIns="91440" tIns="45720" rIns="91440" bIns="45720" rtlCol="0" anchor="t">
-            <a:normAutofit lnSpcReduction="10000"/>
-          </a:bodyPr>
-          <a:lstStyle/>
-          <a:p>
-            <a:pPr rtl="0"/>
-            <a:r>
-              <a:rPr lang="fr-FR" dirty="0"/>
-              <a:t>Login</a:t>
-            </a:r>
-          </a:p>
-        </p:txBody>
-      </p:sp>
-      <p:sp>
-        <p:nvSpPr>
-          <p:cNvPr id="4" name="Espace réservé du texte 3">
-            <a:extLst>
-              <a:ext uri="{FF2B5EF4-FFF2-40B4-BE49-F238E27FC236}">
-                <a16:creationId xmlns:a16="http://schemas.microsoft.com/office/drawing/2014/main" id="{AC1C80FB-53F9-42EE-B1E6-D0F998EC5DFA}"/>
-              </a:ext>
-            </a:extLst>
-          </p:cNvPr>
-          <p:cNvSpPr>
-            <a:spLocks noGrp="1"/>
-          </p:cNvSpPr>
-          <p:nvPr>
-            <p:ph type="body" sz="quarter" idx="15"/>
-          </p:nvPr>
-        </p:nvSpPr>
-        <p:spPr>
-          <a:xfrm>
-            <a:off x="1485664" y="3070348"/>
-            <a:ext cx="4031030" cy="1057308"/>
-          </a:xfrm>
-        </p:spPr>
-        <p:txBody>
-          <a:bodyPr rtlCol="0"/>
-          <a:lstStyle/>
-          <a:p>
-            <a:pPr rtl="0"/>
-            <a:r>
-              <a:rPr lang="fr-FR" dirty="0" err="1"/>
-              <a:t>Meerdere</a:t>
-            </a:r>
-            <a:r>
-              <a:rPr lang="fr-FR" dirty="0"/>
-              <a:t> managers </a:t>
-            </a:r>
-            <a:r>
-              <a:rPr lang="fr-FR" dirty="0" err="1"/>
-              <a:t>kunnen</a:t>
-            </a:r>
-            <a:r>
-              <a:rPr lang="fr-FR" dirty="0"/>
-              <a:t> </a:t>
-            </a:r>
-            <a:r>
-              <a:rPr lang="fr-FR" dirty="0" err="1"/>
-              <a:t>werken</a:t>
-            </a:r>
-            <a:r>
-              <a:rPr lang="fr-FR" dirty="0"/>
-              <a:t> op onze </a:t>
-            </a:r>
-            <a:r>
-              <a:rPr lang="fr-FR" dirty="0" err="1"/>
-              <a:t>applicatie</a:t>
-            </a:r>
-            <a:endParaRPr lang="fr-FR" dirty="0"/>
-          </a:p>
-        </p:txBody>
-      </p:sp>
-      <p:sp>
-        <p:nvSpPr>
-          <p:cNvPr id="5" name="Espace réservé du texte 4">
-            <a:extLst>
-              <a:ext uri="{FF2B5EF4-FFF2-40B4-BE49-F238E27FC236}">
-                <a16:creationId xmlns:a16="http://schemas.microsoft.com/office/drawing/2014/main" id="{E81BA2B5-6A90-4204-ABDD-7183FBB03A02}"/>
-              </a:ext>
-            </a:extLst>
-          </p:cNvPr>
-          <p:cNvSpPr>
-            <a:spLocks noGrp="1"/>
-          </p:cNvSpPr>
-          <p:nvPr>
-            <p:ph type="body" sz="quarter" idx="16"/>
-          </p:nvPr>
-        </p:nvSpPr>
-        <p:spPr>
-          <a:xfrm>
-            <a:off x="6673004" y="2563123"/>
-            <a:ext cx="4031945" cy="365125"/>
-          </a:xfrm>
-        </p:spPr>
-        <p:txBody>
-          <a:bodyPr rtlCol="0">
-            <a:normAutofit lnSpcReduction="10000"/>
-          </a:bodyPr>
-          <a:lstStyle/>
-          <a:p>
-            <a:pPr rtl="0"/>
-            <a:r>
-              <a:rPr lang="fr-FR" dirty="0"/>
-              <a:t>Interfaces</a:t>
-            </a:r>
-          </a:p>
-        </p:txBody>
-      </p:sp>
-      <p:sp>
-        <p:nvSpPr>
-          <p:cNvPr id="6" name="Espace réservé du texte 5">
-            <a:extLst>
-              <a:ext uri="{FF2B5EF4-FFF2-40B4-BE49-F238E27FC236}">
-                <a16:creationId xmlns:a16="http://schemas.microsoft.com/office/drawing/2014/main" id="{7E7D4C34-22A0-4D54-A07D-E1E9A11463E5}"/>
-              </a:ext>
-            </a:extLst>
-          </p:cNvPr>
-          <p:cNvSpPr>
-            <a:spLocks noGrp="1"/>
-          </p:cNvSpPr>
-          <p:nvPr>
-            <p:ph type="body" sz="quarter" idx="17"/>
-          </p:nvPr>
-        </p:nvSpPr>
-        <p:spPr>
-          <a:xfrm>
-            <a:off x="6673143" y="3070348"/>
-            <a:ext cx="4031030" cy="1057308"/>
-          </a:xfrm>
-        </p:spPr>
-        <p:txBody>
-          <a:bodyPr rtlCol="0"/>
-          <a:lstStyle/>
-          <a:p>
-            <a:pPr rtl="0"/>
-            <a:r>
-              <a:rPr lang="fr-FR" dirty="0"/>
-              <a:t>In </a:t>
-            </a:r>
-            <a:r>
-              <a:rPr lang="fr-FR" dirty="0" err="1"/>
-              <a:t>één</a:t>
-            </a:r>
-            <a:r>
-              <a:rPr lang="fr-FR" dirty="0"/>
-              <a:t> </a:t>
-            </a:r>
-            <a:r>
-              <a:rPr lang="fr-FR" dirty="0" err="1"/>
-              <a:t>oogopslag</a:t>
-            </a:r>
-            <a:r>
-              <a:rPr lang="fr-FR" dirty="0"/>
-              <a:t> </a:t>
-            </a:r>
-            <a:r>
-              <a:rPr lang="fr-FR" dirty="0" err="1"/>
-              <a:t>alle</a:t>
-            </a:r>
-            <a:r>
-              <a:rPr lang="fr-FR" dirty="0"/>
-              <a:t> </a:t>
-            </a:r>
-            <a:r>
-              <a:rPr lang="fr-FR" dirty="0" err="1"/>
-              <a:t>informatie</a:t>
-            </a:r>
-            <a:r>
-              <a:rPr lang="fr-FR" dirty="0"/>
-              <a:t> </a:t>
-            </a:r>
-            <a:r>
-              <a:rPr lang="fr-FR" dirty="0" err="1"/>
-              <a:t>zichtbaar</a:t>
-            </a:r>
-            <a:r>
-              <a:rPr lang="fr-FR" dirty="0"/>
-              <a:t> en </a:t>
-            </a:r>
-            <a:r>
-              <a:rPr lang="fr-FR" dirty="0" err="1"/>
-              <a:t>ook</a:t>
-            </a:r>
-            <a:r>
-              <a:rPr lang="fr-FR" dirty="0"/>
-              <a:t> </a:t>
-            </a:r>
-            <a:r>
-              <a:rPr lang="fr-FR" dirty="0" err="1"/>
-              <a:t>aanpasbaar</a:t>
-            </a:r>
-            <a:r>
-              <a:rPr lang="fr-FR" dirty="0"/>
-              <a:t>.</a:t>
-            </a:r>
-          </a:p>
-          <a:p>
-            <a:pPr rtl="0"/>
-            <a:r>
-              <a:rPr lang="fr-FR" dirty="0" err="1"/>
-              <a:t>Makkelijk</a:t>
-            </a:r>
-            <a:r>
-              <a:rPr lang="fr-FR" dirty="0"/>
-              <a:t> </a:t>
-            </a:r>
-            <a:r>
-              <a:rPr lang="fr-FR" dirty="0" err="1"/>
-              <a:t>overschakelen</a:t>
-            </a:r>
-            <a:r>
-              <a:rPr lang="fr-FR" dirty="0"/>
-              <a:t> </a:t>
-            </a:r>
-            <a:r>
-              <a:rPr lang="fr-FR" dirty="0" err="1"/>
-              <a:t>tussen</a:t>
-            </a:r>
-            <a:r>
-              <a:rPr lang="fr-FR" dirty="0"/>
-              <a:t> </a:t>
-            </a:r>
-            <a:r>
-              <a:rPr lang="fr-FR" dirty="0" err="1"/>
-              <a:t>schermen</a:t>
-            </a:r>
-            <a:endParaRPr lang="fr-FR" dirty="0"/>
-          </a:p>
-          <a:p>
-            <a:pPr rtl="0"/>
-            <a:endParaRPr lang="fr-FR" dirty="0"/>
-          </a:p>
-        </p:txBody>
-      </p:sp>
-      <p:sp>
-        <p:nvSpPr>
-          <p:cNvPr id="7" name="Espace réservé du texte 6">
-            <a:extLst>
-              <a:ext uri="{FF2B5EF4-FFF2-40B4-BE49-F238E27FC236}">
-                <a16:creationId xmlns:a16="http://schemas.microsoft.com/office/drawing/2014/main" id="{301D392D-FB66-47A0-B628-5ADE822A2CFF}"/>
-              </a:ext>
-            </a:extLst>
-          </p:cNvPr>
-          <p:cNvSpPr>
-            <a:spLocks noGrp="1"/>
-          </p:cNvSpPr>
-          <p:nvPr>
-            <p:ph type="body" sz="quarter" idx="18"/>
-          </p:nvPr>
-        </p:nvSpPr>
-        <p:spPr>
-          <a:xfrm>
-            <a:off x="1485899" y="4319431"/>
-            <a:ext cx="4031945" cy="365125"/>
-          </a:xfrm>
-        </p:spPr>
-        <p:txBody>
-          <a:bodyPr rtlCol="0">
-            <a:normAutofit lnSpcReduction="10000"/>
-          </a:bodyPr>
-          <a:lstStyle/>
-          <a:p>
-            <a:pPr rtl="0"/>
-            <a:r>
-              <a:rPr lang="fr-FR" dirty="0" err="1"/>
-              <a:t>Relaties</a:t>
-            </a:r>
-            <a:endParaRPr lang="fr-FR" dirty="0"/>
-          </a:p>
-        </p:txBody>
-      </p:sp>
-      <p:sp>
-        <p:nvSpPr>
-          <p:cNvPr id="8" name="Espace réservé du texte 7">
-            <a:extLst>
-              <a:ext uri="{FF2B5EF4-FFF2-40B4-BE49-F238E27FC236}">
-                <a16:creationId xmlns:a16="http://schemas.microsoft.com/office/drawing/2014/main" id="{51C26CE0-2506-4B44-A26F-C12BFA5B18B5}"/>
-              </a:ext>
-            </a:extLst>
-          </p:cNvPr>
-          <p:cNvSpPr>
-            <a:spLocks noGrp="1"/>
-          </p:cNvSpPr>
-          <p:nvPr>
-            <p:ph type="body" sz="quarter" idx="19"/>
-          </p:nvPr>
-        </p:nvSpPr>
-        <p:spPr>
-          <a:xfrm>
-            <a:off x="1486412" y="4826656"/>
-            <a:ext cx="4031030" cy="1057308"/>
-          </a:xfrm>
-        </p:spPr>
-        <p:txBody>
-          <a:bodyPr rtlCol="0"/>
-          <a:lstStyle/>
-          <a:p>
-            <a:pPr rtl="0"/>
-            <a:r>
-              <a:rPr lang="fr-FR" dirty="0"/>
-              <a:t>Het </a:t>
-            </a:r>
-            <a:r>
-              <a:rPr lang="fr-FR" dirty="0" err="1"/>
-              <a:t>zichtbaar</a:t>
-            </a:r>
-            <a:r>
-              <a:rPr lang="fr-FR" dirty="0"/>
-              <a:t> </a:t>
-            </a:r>
-            <a:r>
-              <a:rPr lang="fr-FR" dirty="0" err="1"/>
-              <a:t>maken</a:t>
-            </a:r>
-            <a:r>
-              <a:rPr lang="fr-FR" dirty="0"/>
-              <a:t> van de </a:t>
-            </a:r>
-            <a:r>
-              <a:rPr lang="fr-FR" dirty="0" err="1"/>
-              <a:t>relatie</a:t>
-            </a:r>
-            <a:r>
-              <a:rPr lang="fr-FR" dirty="0"/>
-              <a:t> </a:t>
-            </a:r>
-            <a:r>
-              <a:rPr lang="fr-FR" dirty="0" err="1"/>
-              <a:t>tussen</a:t>
-            </a:r>
-            <a:r>
-              <a:rPr lang="fr-FR" dirty="0"/>
-              <a:t> </a:t>
-            </a:r>
-            <a:r>
-              <a:rPr lang="fr-FR" dirty="0" err="1"/>
-              <a:t>bepaalde</a:t>
-            </a:r>
-            <a:r>
-              <a:rPr lang="fr-FR" dirty="0"/>
-              <a:t> </a:t>
-            </a:r>
-            <a:r>
-              <a:rPr lang="fr-FR" dirty="0" err="1"/>
-              <a:t>tankkaarten</a:t>
-            </a:r>
-            <a:r>
-              <a:rPr lang="fr-FR" dirty="0"/>
-              <a:t>, </a:t>
-            </a:r>
-            <a:r>
-              <a:rPr lang="fr-FR" dirty="0" err="1"/>
-              <a:t>bestuurders</a:t>
-            </a:r>
-            <a:r>
-              <a:rPr lang="fr-FR" dirty="0"/>
-              <a:t> en </a:t>
-            </a:r>
-            <a:r>
-              <a:rPr lang="fr-FR" dirty="0" err="1"/>
-              <a:t>voertuigen</a:t>
-            </a:r>
-            <a:endParaRPr lang="fr-FR" dirty="0"/>
-          </a:p>
-          <a:p>
-            <a:pPr rtl="0"/>
-            <a:endParaRPr lang="fr-FR" dirty="0"/>
-          </a:p>
-        </p:txBody>
-      </p:sp>
-      <p:sp>
-        <p:nvSpPr>
-          <p:cNvPr id="9" name="Espace réservé du texte 8">
-            <a:extLst>
-              <a:ext uri="{FF2B5EF4-FFF2-40B4-BE49-F238E27FC236}">
-                <a16:creationId xmlns:a16="http://schemas.microsoft.com/office/drawing/2014/main" id="{868F40F8-BF35-45E9-B3DD-5436362D746E}"/>
-              </a:ext>
-            </a:extLst>
-          </p:cNvPr>
-          <p:cNvSpPr>
-            <a:spLocks noGrp="1"/>
-          </p:cNvSpPr>
-          <p:nvPr>
-            <p:ph type="body" sz="quarter" idx="23"/>
-          </p:nvPr>
-        </p:nvSpPr>
-        <p:spPr>
-          <a:xfrm>
-            <a:off x="6672630" y="4319431"/>
-            <a:ext cx="4031945" cy="365125"/>
-          </a:xfrm>
-        </p:spPr>
-        <p:txBody>
-          <a:bodyPr rtlCol="0">
-            <a:normAutofit lnSpcReduction="10000"/>
-          </a:bodyPr>
-          <a:lstStyle/>
-          <a:p>
-            <a:pPr rtl="0"/>
-            <a:r>
-              <a:rPr lang="fr-FR" dirty="0" err="1"/>
-              <a:t>Efficiëntie</a:t>
-            </a:r>
-            <a:endParaRPr lang="fr-FR" dirty="0"/>
-          </a:p>
-        </p:txBody>
-      </p:sp>
-      <p:sp>
-        <p:nvSpPr>
-          <p:cNvPr id="10" name="Espace réservé du texte 9">
-            <a:extLst>
-              <a:ext uri="{FF2B5EF4-FFF2-40B4-BE49-F238E27FC236}">
-                <a16:creationId xmlns:a16="http://schemas.microsoft.com/office/drawing/2014/main" id="{7F39C97C-2DDC-4706-B96C-B02FAE53A426}"/>
-              </a:ext>
-            </a:extLst>
-          </p:cNvPr>
-          <p:cNvSpPr>
-            <a:spLocks noGrp="1"/>
-          </p:cNvSpPr>
-          <p:nvPr>
-            <p:ph type="body" sz="quarter" idx="24"/>
-          </p:nvPr>
-        </p:nvSpPr>
-        <p:spPr>
-          <a:xfrm>
-            <a:off x="6673143" y="4826656"/>
-            <a:ext cx="4031030" cy="1057308"/>
-          </a:xfrm>
-        </p:spPr>
-        <p:txBody>
-          <a:bodyPr rtlCol="0"/>
-          <a:lstStyle/>
-          <a:p>
-            <a:pPr rtl="0"/>
-            <a:r>
-              <a:rPr lang="fr-FR" dirty="0" err="1"/>
-              <a:t>Simpele</a:t>
-            </a:r>
-            <a:r>
-              <a:rPr lang="fr-FR" dirty="0"/>
-              <a:t> interfaces </a:t>
-            </a:r>
-            <a:r>
-              <a:rPr lang="fr-FR" dirty="0" err="1"/>
-              <a:t>zorgen</a:t>
-            </a:r>
-            <a:r>
-              <a:rPr lang="fr-FR" dirty="0"/>
-              <a:t> </a:t>
-            </a:r>
-            <a:r>
-              <a:rPr lang="fr-FR" dirty="0" err="1"/>
-              <a:t>voor</a:t>
-            </a:r>
-            <a:r>
-              <a:rPr lang="fr-FR" dirty="0"/>
-              <a:t> </a:t>
-            </a:r>
-            <a:r>
-              <a:rPr lang="fr-FR" dirty="0" err="1"/>
-              <a:t>gebruiksvriendelijk</a:t>
-            </a:r>
-            <a:r>
-              <a:rPr lang="fr-FR" dirty="0"/>
-              <a:t> en </a:t>
-            </a:r>
-            <a:r>
-              <a:rPr lang="fr-FR" dirty="0" err="1"/>
-              <a:t>efficiënt</a:t>
-            </a:r>
-            <a:r>
-              <a:rPr lang="fr-FR" dirty="0"/>
-              <a:t> </a:t>
-            </a:r>
-            <a:r>
-              <a:rPr lang="fr-FR" dirty="0" err="1"/>
-              <a:t>gebruik</a:t>
-            </a:r>
-            <a:r>
-              <a:rPr lang="fr-FR" dirty="0"/>
-              <a:t> </a:t>
-            </a:r>
-          </a:p>
-        </p:txBody>
-      </p:sp>
-      <p:sp>
-        <p:nvSpPr>
-          <p:cNvPr id="80" name="Espace réservé de la date 79">
-            <a:extLst>
-              <a:ext uri="{FF2B5EF4-FFF2-40B4-BE49-F238E27FC236}">
-                <a16:creationId xmlns:a16="http://schemas.microsoft.com/office/drawing/2014/main" id="{BC1F9D86-85D8-4FD0-B0D3-47D778722782}"/>
-              </a:ext>
-            </a:extLst>
-          </p:cNvPr>
-          <p:cNvSpPr>
-            <a:spLocks noGrp="1"/>
-          </p:cNvSpPr>
-          <p:nvPr>
-            <p:ph type="dt" sz="half" idx="20"/>
-          </p:nvPr>
-        </p:nvSpPr>
-        <p:spPr>
-          <a:xfrm>
-            <a:off x="838200" y="6356350"/>
-            <a:ext cx="2743200" cy="365125"/>
-          </a:xfrm>
-        </p:spPr>
-        <p:txBody>
-          <a:bodyPr rtlCol="0"/>
-          <a:lstStyle/>
-          <a:p>
-            <a:pPr rtl="0"/>
-            <a:r>
-              <a:rPr lang="fr-FR" dirty="0"/>
-              <a:t>2023</a:t>
-            </a:r>
-          </a:p>
-        </p:txBody>
-      </p:sp>
-      <p:sp>
-        <p:nvSpPr>
-          <p:cNvPr id="81" name="Espace réservé du pied de page 80">
-            <a:extLst>
-              <a:ext uri="{FF2B5EF4-FFF2-40B4-BE49-F238E27FC236}">
-                <a16:creationId xmlns:a16="http://schemas.microsoft.com/office/drawing/2014/main" id="{E94F1D24-E4A1-4B59-B57E-A28453963B88}"/>
-              </a:ext>
-            </a:extLst>
-          </p:cNvPr>
-          <p:cNvSpPr>
-            <a:spLocks noGrp="1"/>
-          </p:cNvSpPr>
-          <p:nvPr>
-            <p:ph type="ftr" sz="quarter" idx="21"/>
-          </p:nvPr>
-        </p:nvSpPr>
-        <p:spPr>
-          <a:xfrm>
-            <a:off x="4038600" y="6356350"/>
-            <a:ext cx="4114800" cy="365125"/>
-          </a:xfrm>
-        </p:spPr>
-        <p:txBody>
-          <a:bodyPr rtlCol="0"/>
-          <a:lstStyle/>
-          <a:p>
-            <a:pPr rtl="0"/>
-            <a:r>
-              <a:rPr lang="fr-FR" noProof="0" dirty="0" err="1"/>
-              <a:t>Fleetmanager</a:t>
-            </a:r>
-            <a:r>
-              <a:rPr lang="fr-FR" noProof="0" dirty="0"/>
-              <a:t> </a:t>
-            </a:r>
-            <a:r>
-              <a:rPr lang="fr-FR" noProof="0" dirty="0" err="1"/>
-              <a:t>Allphi</a:t>
-            </a:r>
-            <a:endParaRPr lang="fr-FR" noProof="0" dirty="0"/>
-          </a:p>
-        </p:txBody>
-      </p:sp>
-      <p:sp>
-        <p:nvSpPr>
-          <p:cNvPr id="82" name="Espace réservé du numéro de diapositive 81">
-            <a:extLst>
-              <a:ext uri="{FF2B5EF4-FFF2-40B4-BE49-F238E27FC236}">
-                <a16:creationId xmlns:a16="http://schemas.microsoft.com/office/drawing/2014/main" id="{CE36A058-BEC2-4BC5-A467-F2EB2A365051}"/>
-              </a:ext>
-            </a:extLst>
-          </p:cNvPr>
-          <p:cNvSpPr>
-            <a:spLocks noGrp="1"/>
-          </p:cNvSpPr>
-          <p:nvPr>
-            <p:ph type="sldNum" sz="quarter" idx="22"/>
-          </p:nvPr>
-        </p:nvSpPr>
-        <p:spPr>
-          <a:xfrm>
-            <a:off x="8610600" y="6356350"/>
-            <a:ext cx="2743200" cy="365125"/>
-          </a:xfrm>
-        </p:spPr>
-        <p:txBody>
-          <a:bodyPr rtlCol="0"/>
-          <a:lstStyle/>
-          <a:p>
-            <a:pPr rtl="0"/>
-            <a:fld id="{B5CEABB6-07DC-46E8-9B57-56EC44A396E5}" type="slidenum">
-              <a:rPr lang="fr-FR" smtClean="0"/>
-              <a:pPr rtl="0"/>
-              <a:t>3</a:t>
-            </a:fld>
-            <a:endParaRPr lang="fr-FR"/>
-          </a:p>
-        </p:txBody>
-      </p:sp>
-    </p:spTree>
-    <p:extLst>
-      <p:ext uri="{BB962C8B-B14F-4D97-AF65-F5344CB8AC3E}">
-        <p14:creationId xmlns:p14="http://schemas.microsoft.com/office/powerpoint/2010/main" val="1593920805"/>
-      </p:ext>
-    </p:extLst>
-  </p:cSld>
-  <p:clrMapOvr>
-    <a:masterClrMapping/>
-  </p:clrMapOvr>
-</p:sld>
-</file>
-
-<file path=ppt/slides/slide4.xml><?xml version="1.0" encoding="utf-8"?>
-<p:sld xmlns:a="http://schemas.openxmlformats.org/drawingml/2006/main" xmlns:r="http://schemas.openxmlformats.org/officeDocument/2006/relationships" xmlns:p="http://schemas.openxmlformats.org/presentationml/2006/main">
-  <p:cSld>
-    <p:spTree>
-      <p:nvGrpSpPr>
-        <p:cNvPr id="1" name=""/>
-        <p:cNvGrpSpPr/>
-        <p:nvPr/>
-      </p:nvGrpSpPr>
-      <p:grpSpPr>
-        <a:xfrm>
-          <a:off x="0" y="0"/>
-          <a:ext cx="0" cy="0"/>
-          <a:chOff x="0" y="0"/>
-          <a:chExt cx="0" cy="0"/>
-        </a:xfrm>
-      </p:grpSpPr>
-      <p:pic>
-        <p:nvPicPr>
-          <p:cNvPr id="28" name="Graphic 27">
-            <a:extLst>
-              <a:ext uri="{FF2B5EF4-FFF2-40B4-BE49-F238E27FC236}">
-                <a16:creationId xmlns:a16="http://schemas.microsoft.com/office/drawing/2014/main" id="{5EF2D944-6AB1-B2B4-3A4F-2FFD45946C1F}"/>
-              </a:ext>
-            </a:extLst>
-          </p:cNvPr>
-          <p:cNvPicPr>
-            <a:picLocks noChangeAspect="1"/>
-          </p:cNvPicPr>
-          <p:nvPr/>
-        </p:nvPicPr>
-        <p:blipFill>
-          <a:blip r:embed="rId3">
-            <a:extLst>
-              <a:ext uri="{96DAC541-7B7A-43D3-8B79-37D633B846F1}">
-                <asvg:svgBlip xmlns:asvg="http://schemas.microsoft.com/office/drawing/2016/SVG/main" r:embed="rId4"/>
-              </a:ext>
-            </a:extLst>
-          </a:blip>
-          <a:stretch>
-            <a:fillRect/>
-          </a:stretch>
-        </p:blipFill>
-        <p:spPr>
-          <a:xfrm>
-            <a:off x="5375128" y="4950699"/>
-            <a:ext cx="1836413" cy="1154170"/>
-          </a:xfrm>
-          <a:prstGeom prst="rect">
-            <a:avLst/>
-          </a:prstGeom>
-        </p:spPr>
-      </p:pic>
-      <p:sp>
-        <p:nvSpPr>
-          <p:cNvPr id="2" name="Titre 1">
-            <a:extLst>
-              <a:ext uri="{FF2B5EF4-FFF2-40B4-BE49-F238E27FC236}">
-                <a16:creationId xmlns:a16="http://schemas.microsoft.com/office/drawing/2014/main" id="{5CE54ABB-4929-4810-950B-2DAEA0A5BAB4}"/>
-              </a:ext>
-            </a:extLst>
-          </p:cNvPr>
-          <p:cNvSpPr>
-            <a:spLocks noGrp="1"/>
-          </p:cNvSpPr>
-          <p:nvPr>
-            <p:ph type="title"/>
-          </p:nvPr>
-        </p:nvSpPr>
-        <p:spPr>
-          <a:xfrm>
-            <a:off x="1885156" y="892177"/>
-            <a:ext cx="8421688" cy="1325563"/>
-          </a:xfrm>
-        </p:spPr>
-        <p:txBody>
-          <a:bodyPr rtlCol="0"/>
-          <a:lstStyle/>
-          <a:p>
-            <a:pPr rtl="0"/>
-            <a:r>
-              <a:rPr lang="nl-BE" dirty="0"/>
-              <a:t>Omgeving, talen en extensies</a:t>
-            </a:r>
-            <a:endParaRPr lang="fr-FR" dirty="0"/>
-          </a:p>
-        </p:txBody>
-      </p:sp>
-      <p:sp>
-        <p:nvSpPr>
-          <p:cNvPr id="4" name="Espace réservé du texte 3">
-            <a:extLst>
-              <a:ext uri="{FF2B5EF4-FFF2-40B4-BE49-F238E27FC236}">
-                <a16:creationId xmlns:a16="http://schemas.microsoft.com/office/drawing/2014/main" id="{A112B089-A8F9-45B1-BE6E-EAC10163F082}"/>
-              </a:ext>
-            </a:extLst>
-          </p:cNvPr>
-          <p:cNvSpPr>
-            <a:spLocks noGrp="1"/>
-          </p:cNvSpPr>
-          <p:nvPr>
-            <p:ph type="body" idx="1"/>
-          </p:nvPr>
-        </p:nvSpPr>
-        <p:spPr>
-          <a:xfrm>
-            <a:off x="1243104" y="2776936"/>
-            <a:ext cx="2882475" cy="823912"/>
-          </a:xfrm>
-        </p:spPr>
-        <p:txBody>
-          <a:bodyPr rtlCol="0"/>
-          <a:lstStyle/>
-          <a:p>
-            <a:pPr rtl="0"/>
-            <a:r>
-              <a:rPr lang="fr-FR" dirty="0"/>
-              <a:t>Visual studio code</a:t>
-            </a:r>
-          </a:p>
-        </p:txBody>
-      </p:sp>
-      <p:sp>
-        <p:nvSpPr>
-          <p:cNvPr id="6" name="Espace réservé du texte 5">
-            <a:extLst>
-              <a:ext uri="{FF2B5EF4-FFF2-40B4-BE49-F238E27FC236}">
-                <a16:creationId xmlns:a16="http://schemas.microsoft.com/office/drawing/2014/main" id="{0FE22F9B-4BF8-41DC-8F1C-836B546E59AD}"/>
-              </a:ext>
-            </a:extLst>
-          </p:cNvPr>
-          <p:cNvSpPr>
-            <a:spLocks noGrp="1"/>
-          </p:cNvSpPr>
-          <p:nvPr>
-            <p:ph type="body" sz="quarter" idx="3"/>
-          </p:nvPr>
-        </p:nvSpPr>
-        <p:spPr>
-          <a:xfrm>
-            <a:off x="4647665" y="2776936"/>
-            <a:ext cx="2896671" cy="823912"/>
-          </a:xfrm>
-        </p:spPr>
-        <p:txBody>
-          <a:bodyPr rtlCol="0"/>
-          <a:lstStyle/>
-          <a:p>
-            <a:pPr rtl="0"/>
-            <a:r>
-              <a:rPr lang="fr-FR" dirty="0"/>
-              <a:t>C#, </a:t>
-            </a:r>
-            <a:r>
-              <a:rPr lang="fr-FR" dirty="0" err="1"/>
-              <a:t>react</a:t>
-            </a:r>
-            <a:r>
-              <a:rPr lang="fr-FR" dirty="0"/>
-              <a:t>, html, </a:t>
-            </a:r>
-            <a:r>
-              <a:rPr lang="fr-FR" dirty="0" err="1"/>
-              <a:t>css</a:t>
-            </a:r>
-            <a:endParaRPr lang="fr-FR" dirty="0"/>
-          </a:p>
-        </p:txBody>
-      </p:sp>
-      <p:pic>
-        <p:nvPicPr>
-          <p:cNvPr id="21" name="Tijdelijke aanduiding voor inhoud 20">
-            <a:extLst>
-              <a:ext uri="{FF2B5EF4-FFF2-40B4-BE49-F238E27FC236}">
-                <a16:creationId xmlns:a16="http://schemas.microsoft.com/office/drawing/2014/main" id="{F903969F-5C45-C2F4-66A6-05477F512072}"/>
-              </a:ext>
-            </a:extLst>
-          </p:cNvPr>
-          <p:cNvPicPr>
-            <a:picLocks noGrp="1" noChangeAspect="1"/>
-          </p:cNvPicPr>
-          <p:nvPr>
-            <p:ph sz="quarter" idx="4"/>
-          </p:nvPr>
-        </p:nvPicPr>
-        <p:blipFill>
-          <a:blip r:embed="rId5">
-            <a:extLst>
-              <a:ext uri="{96DAC541-7B7A-43D3-8B79-37D633B846F1}">
-                <asvg:svgBlip xmlns:asvg="http://schemas.microsoft.com/office/drawing/2016/SVG/main" r:embed="rId6"/>
-              </a:ext>
-            </a:extLst>
-          </a:blip>
-          <a:stretch>
-            <a:fillRect/>
-          </a:stretch>
-        </p:blipFill>
-        <p:spPr>
-          <a:xfrm>
-            <a:off x="4756167" y="3822497"/>
-            <a:ext cx="711130" cy="1003300"/>
-          </a:xfrm>
-        </p:spPr>
-      </p:pic>
-      <p:sp>
-        <p:nvSpPr>
-          <p:cNvPr id="5" name="Espace réservé du contenu 4">
-            <a:extLst>
-              <a:ext uri="{FF2B5EF4-FFF2-40B4-BE49-F238E27FC236}">
-                <a16:creationId xmlns:a16="http://schemas.microsoft.com/office/drawing/2014/main" id="{CF515C5D-2CDB-4E66-B2B8-1451BC44247F}"/>
-              </a:ext>
-            </a:extLst>
-          </p:cNvPr>
-          <p:cNvSpPr>
-            <a:spLocks noGrp="1"/>
-          </p:cNvSpPr>
-          <p:nvPr>
-            <p:ph type="body" idx="13"/>
-          </p:nvPr>
-        </p:nvSpPr>
-        <p:spPr>
-          <a:xfrm>
-            <a:off x="8066421" y="2776936"/>
-            <a:ext cx="2882475" cy="823912"/>
-          </a:xfrm>
-        </p:spPr>
-        <p:txBody>
-          <a:bodyPr vert="horz" lIns="91440" tIns="45720" rIns="91440" bIns="45720" rtlCol="0" anchor="b">
-            <a:normAutofit/>
-          </a:bodyPr>
-          <a:lstStyle/>
-          <a:p>
-            <a:pPr rtl="0"/>
-            <a:r>
-              <a:rPr lang="fr-FR" dirty="0"/>
-              <a:t>Axios, </a:t>
-            </a:r>
-            <a:r>
-              <a:rPr lang="fr-FR" dirty="0" err="1"/>
-              <a:t>material</a:t>
-            </a:r>
-            <a:r>
-              <a:rPr lang="fr-FR" dirty="0"/>
-              <a:t> </a:t>
-            </a:r>
-            <a:r>
-              <a:rPr lang="fr-FR" dirty="0" err="1"/>
-              <a:t>ui</a:t>
-            </a:r>
-            <a:r>
-              <a:rPr lang="fr-FR" dirty="0"/>
-              <a:t>, </a:t>
-            </a:r>
-            <a:r>
-              <a:rPr lang="fr-FR" dirty="0" err="1"/>
-              <a:t>swagger</a:t>
-            </a:r>
-            <a:r>
-              <a:rPr lang="fr-FR" dirty="0"/>
-              <a:t>, … </a:t>
-            </a:r>
-          </a:p>
-        </p:txBody>
-      </p:sp>
-      <p:pic>
-        <p:nvPicPr>
-          <p:cNvPr id="30" name="Tijdelijke aanduiding voor inhoud 29" descr="Afbeelding met Graphics, schermopname, Lettertype, logo&#10;&#10;Automatisch gegenereerde beschrijving">
-            <a:extLst>
-              <a:ext uri="{FF2B5EF4-FFF2-40B4-BE49-F238E27FC236}">
-                <a16:creationId xmlns:a16="http://schemas.microsoft.com/office/drawing/2014/main" id="{FE93AFF4-B700-8F7D-49AC-4F692665BAE0}"/>
-              </a:ext>
-            </a:extLst>
-          </p:cNvPr>
-          <p:cNvPicPr>
-            <a:picLocks noGrp="1" noChangeAspect="1"/>
-          </p:cNvPicPr>
-          <p:nvPr>
-            <p:ph sz="half" idx="14"/>
-          </p:nvPr>
-        </p:nvPicPr>
-        <p:blipFill>
-          <a:blip r:embed="rId7"/>
-          <a:stretch>
-            <a:fillRect/>
-          </a:stretch>
-        </p:blipFill>
-        <p:spPr>
-          <a:xfrm>
-            <a:off x="8404952" y="3786870"/>
-            <a:ext cx="2396736" cy="1074551"/>
-          </a:xfrm>
-        </p:spPr>
-      </p:pic>
-      <p:sp>
-        <p:nvSpPr>
-          <p:cNvPr id="9" name="Espace réservé de la date 8">
-            <a:extLst>
-              <a:ext uri="{FF2B5EF4-FFF2-40B4-BE49-F238E27FC236}">
-                <a16:creationId xmlns:a16="http://schemas.microsoft.com/office/drawing/2014/main" id="{7B78F7A0-88C5-4940-B21C-099F472F39F9}"/>
-              </a:ext>
-            </a:extLst>
-          </p:cNvPr>
-          <p:cNvSpPr>
-            <a:spLocks noGrp="1"/>
-          </p:cNvSpPr>
-          <p:nvPr>
-            <p:ph type="dt" sz="half" idx="10"/>
-          </p:nvPr>
-        </p:nvSpPr>
-        <p:spPr>
-          <a:xfrm>
-            <a:off x="838200" y="6356350"/>
-            <a:ext cx="2743200" cy="365125"/>
-          </a:xfrm>
-        </p:spPr>
-        <p:txBody>
-          <a:bodyPr rtlCol="0"/>
-          <a:lstStyle/>
-          <a:p>
-            <a:pPr rtl="0"/>
-            <a:r>
-              <a:rPr lang="fr-FR" dirty="0"/>
-              <a:t>2023</a:t>
-            </a:r>
-          </a:p>
-        </p:txBody>
-      </p:sp>
-      <p:sp>
-        <p:nvSpPr>
-          <p:cNvPr id="10" name="Espace réservé du pied de page 9">
-            <a:extLst>
-              <a:ext uri="{FF2B5EF4-FFF2-40B4-BE49-F238E27FC236}">
-                <a16:creationId xmlns:a16="http://schemas.microsoft.com/office/drawing/2014/main" id="{D2186069-FC8E-433D-9BB4-942220CE8CFB}"/>
-              </a:ext>
-            </a:extLst>
-          </p:cNvPr>
-          <p:cNvSpPr>
-            <a:spLocks noGrp="1"/>
-          </p:cNvSpPr>
-          <p:nvPr>
-            <p:ph type="ftr" sz="quarter" idx="11"/>
-          </p:nvPr>
-        </p:nvSpPr>
-        <p:spPr>
-          <a:xfrm>
-            <a:off x="4038600" y="6356350"/>
-            <a:ext cx="4114800" cy="365125"/>
-          </a:xfrm>
-        </p:spPr>
-        <p:txBody>
-          <a:bodyPr rtlCol="0"/>
-          <a:lstStyle/>
-          <a:p>
-            <a:pPr rtl="0"/>
-            <a:r>
-              <a:rPr lang="fr-FR" noProof="0" dirty="0" err="1"/>
-              <a:t>Fleetmanager</a:t>
-            </a:r>
-            <a:r>
-              <a:rPr lang="fr-FR" noProof="0" dirty="0"/>
-              <a:t> </a:t>
-            </a:r>
-            <a:r>
-              <a:rPr lang="fr-FR" noProof="0" dirty="0" err="1"/>
-              <a:t>Allphi</a:t>
-            </a:r>
-            <a:endParaRPr lang="fr-FR" noProof="0" dirty="0"/>
-          </a:p>
-        </p:txBody>
-      </p:sp>
-      <p:sp>
-        <p:nvSpPr>
-          <p:cNvPr id="11" name="Espace réservé du numéro de diapositive 10">
-            <a:extLst>
-              <a:ext uri="{FF2B5EF4-FFF2-40B4-BE49-F238E27FC236}">
-                <a16:creationId xmlns:a16="http://schemas.microsoft.com/office/drawing/2014/main" id="{BAD5B6F4-0A90-447A-A1AE-D75C934B6B29}"/>
-              </a:ext>
-            </a:extLst>
-          </p:cNvPr>
-          <p:cNvSpPr>
-            <a:spLocks noGrp="1"/>
-          </p:cNvSpPr>
-          <p:nvPr>
-            <p:ph type="sldNum" sz="quarter" idx="12"/>
-          </p:nvPr>
-        </p:nvSpPr>
-        <p:spPr>
-          <a:xfrm>
-            <a:off x="8610600" y="6356350"/>
-            <a:ext cx="2743200" cy="365125"/>
-          </a:xfrm>
-        </p:spPr>
-        <p:txBody>
-          <a:bodyPr rtlCol="0"/>
-          <a:lstStyle/>
-          <a:p>
-            <a:pPr rtl="0"/>
-            <a:fld id="{B5CEABB6-07DC-46E8-9B57-56EC44A396E5}" type="slidenum">
-              <a:rPr lang="fr-FR" smtClean="0"/>
-              <a:pPr rtl="0"/>
-              <a:t>4</a:t>
-            </a:fld>
-            <a:endParaRPr lang="fr-FR" dirty="0"/>
-          </a:p>
-        </p:txBody>
-      </p:sp>
-      <p:pic>
-        <p:nvPicPr>
-          <p:cNvPr id="1026" name="Picture 2" descr="Visual Studio Code - Wikipedia">
-            <a:extLst>
-              <a:ext uri="{FF2B5EF4-FFF2-40B4-BE49-F238E27FC236}">
-                <a16:creationId xmlns:a16="http://schemas.microsoft.com/office/drawing/2014/main" id="{9961A1BF-8DD4-0D4B-CCA3-E39B71EB05E0}"/>
-              </a:ext>
-            </a:extLst>
-          </p:cNvPr>
-          <p:cNvPicPr>
-            <a:picLocks noGrp="1" noChangeAspect="1" noChangeArrowheads="1"/>
-          </p:cNvPicPr>
-          <p:nvPr>
-            <p:ph sz="half" idx="2"/>
-          </p:nvPr>
-        </p:nvPicPr>
-        <p:blipFill>
-          <a:blip r:embed="rId8">
-            <a:extLst>
-              <a:ext uri="{28A0092B-C50C-407E-A947-70E740481C1C}">
-                <a14:useLocalDpi xmlns:a14="http://schemas.microsoft.com/office/drawing/2010/main" val="0"/>
-              </a:ext>
-            </a:extLst>
-          </a:blip>
-          <a:srcRect/>
-          <a:stretch>
-            <a:fillRect/>
-          </a:stretch>
-        </p:blipFill>
-        <p:spPr bwMode="auto">
-          <a:xfrm>
-            <a:off x="1514421" y="3965229"/>
-            <a:ext cx="1763682" cy="1763682"/>
-          </a:xfrm>
-          <a:prstGeom prst="rect">
-            <a:avLst/>
-          </a:prstGeom>
-          <a:noFill/>
-          <a:extLst>
-            <a:ext uri="{909E8E84-426E-40DD-AFC4-6F175D3DCCD1}">
-              <a14:hiddenFill xmlns:a14="http://schemas.microsoft.com/office/drawing/2010/main">
-                <a:solidFill>
-                  <a:srgbClr val="FFFFFF"/>
-                </a:solidFill>
-              </a14:hiddenFill>
-            </a:ext>
-          </a:extLst>
-        </p:spPr>
-      </p:pic>
-      <p:pic>
-        <p:nvPicPr>
-          <p:cNvPr id="24" name="Afbeelding 23" descr="Afbeelding met logo, Graphics, ontwerp, Lettertype&#10;&#10;Automatisch gegenereerde beschrijving">
-            <a:extLst>
-              <a:ext uri="{FF2B5EF4-FFF2-40B4-BE49-F238E27FC236}">
-                <a16:creationId xmlns:a16="http://schemas.microsoft.com/office/drawing/2014/main" id="{3237ACC7-BAAC-5D32-6749-19E18285EA66}"/>
-              </a:ext>
-            </a:extLst>
-          </p:cNvPr>
-          <p:cNvPicPr>
-            <a:picLocks noChangeAspect="1"/>
-          </p:cNvPicPr>
-          <p:nvPr/>
-        </p:nvPicPr>
-        <p:blipFill>
-          <a:blip r:embed="rId9"/>
-          <a:stretch>
-            <a:fillRect/>
-          </a:stretch>
-        </p:blipFill>
-        <p:spPr>
-          <a:xfrm>
-            <a:off x="5786633" y="3817444"/>
-            <a:ext cx="1013405" cy="1013405"/>
-          </a:xfrm>
-          <a:prstGeom prst="rect">
-            <a:avLst/>
-          </a:prstGeom>
-        </p:spPr>
-      </p:pic>
-      <p:pic>
-        <p:nvPicPr>
-          <p:cNvPr id="26" name="Afbeelding 25">
-            <a:extLst>
-              <a:ext uri="{FF2B5EF4-FFF2-40B4-BE49-F238E27FC236}">
-                <a16:creationId xmlns:a16="http://schemas.microsoft.com/office/drawing/2014/main" id="{AEB00C2D-A0D3-5D59-F939-2560B5FEA494}"/>
-              </a:ext>
-            </a:extLst>
-          </p:cNvPr>
-          <p:cNvPicPr>
-            <a:picLocks noChangeAspect="1"/>
-          </p:cNvPicPr>
-          <p:nvPr/>
-        </p:nvPicPr>
-        <p:blipFill>
-          <a:blip r:embed="rId10"/>
-          <a:srcRect/>
-          <a:stretch/>
-        </p:blipFill>
-        <p:spPr>
-          <a:xfrm>
-            <a:off x="4647665" y="5092476"/>
-            <a:ext cx="928007" cy="839846"/>
-          </a:xfrm>
-          <a:prstGeom prst="rect">
-            <a:avLst/>
-          </a:prstGeom>
-        </p:spPr>
-      </p:pic>
-      <p:pic>
-        <p:nvPicPr>
-          <p:cNvPr id="32" name="Afbeelding 31" descr="Afbeelding met logo, Graphics, symbool, Lettertype&#10;&#10;Automatisch gegenereerde beschrijving">
-            <a:extLst>
-              <a:ext uri="{FF2B5EF4-FFF2-40B4-BE49-F238E27FC236}">
-                <a16:creationId xmlns:a16="http://schemas.microsoft.com/office/drawing/2014/main" id="{94B8842D-277E-08C6-19F6-7F360568178E}"/>
-              </a:ext>
-            </a:extLst>
-          </p:cNvPr>
-          <p:cNvPicPr>
-            <a:picLocks noChangeAspect="1"/>
-          </p:cNvPicPr>
-          <p:nvPr/>
-        </p:nvPicPr>
-        <p:blipFill>
-          <a:blip r:embed="rId11"/>
-          <a:stretch>
-            <a:fillRect/>
-          </a:stretch>
-        </p:blipFill>
-        <p:spPr>
-          <a:xfrm>
-            <a:off x="7939004" y="4764073"/>
-            <a:ext cx="1601184" cy="1601184"/>
-          </a:xfrm>
-          <a:prstGeom prst="rect">
-            <a:avLst/>
-          </a:prstGeom>
-        </p:spPr>
-      </p:pic>
-      <p:pic>
-        <p:nvPicPr>
-          <p:cNvPr id="34" name="Afbeelding 33" descr="Afbeelding met tekenfilm, clipart, Graphics, cirkel&#10;&#10;Automatisch gegenereerde beschrijving">
-            <a:extLst>
-              <a:ext uri="{FF2B5EF4-FFF2-40B4-BE49-F238E27FC236}">
-                <a16:creationId xmlns:a16="http://schemas.microsoft.com/office/drawing/2014/main" id="{849B7704-42F5-F6D3-FE54-78D7D767FB1C}"/>
-              </a:ext>
-            </a:extLst>
-          </p:cNvPr>
-          <p:cNvPicPr>
-            <a:picLocks noChangeAspect="1"/>
-          </p:cNvPicPr>
-          <p:nvPr/>
-        </p:nvPicPr>
-        <p:blipFill>
-          <a:blip r:embed="rId12"/>
-          <a:stretch>
-            <a:fillRect/>
-          </a:stretch>
-        </p:blipFill>
-        <p:spPr>
-          <a:xfrm>
-            <a:off x="9906208" y="4847070"/>
-            <a:ext cx="1361428" cy="1361428"/>
-          </a:xfrm>
-          <a:prstGeom prst="rect">
-            <a:avLst/>
-          </a:prstGeom>
-        </p:spPr>
-      </p:pic>
-    </p:spTree>
-    <p:extLst>
-      <p:ext uri="{BB962C8B-B14F-4D97-AF65-F5344CB8AC3E}">
-        <p14:creationId xmlns:p14="http://schemas.microsoft.com/office/powerpoint/2010/main" val="2121178069"/>
-      </p:ext>
-    </p:extLst>
-  </p:cSld>
-  <p:clrMapOvr>
-    <a:masterClrMapping/>
-  </p:clrMapOvr>
-</p:sld>
-</file>
-
-<file path=ppt/slides/slide5.xml><?xml version="1.0" encoding="utf-8"?>
-<p:sld xmlns:a="http://schemas.openxmlformats.org/drawingml/2006/main" xmlns:r="http://schemas.openxmlformats.org/officeDocument/2006/relationships" xmlns:p="http://schemas.openxmlformats.org/presentationml/2006/main">
-  <p:cSld>
-    <p:spTree>
-      <p:nvGrpSpPr>
-        <p:cNvPr id="1" name=""/>
-        <p:cNvGrpSpPr/>
-        <p:nvPr/>
-      </p:nvGrpSpPr>
-      <p:grpSpPr>
-        <a:xfrm>
-          <a:off x="0" y="0"/>
-          <a:ext cx="0" cy="0"/>
-          <a:chOff x="0" y="0"/>
-          <a:chExt cx="0" cy="0"/>
-        </a:xfrm>
-      </p:grpSpPr>
-      <p:sp>
-        <p:nvSpPr>
-          <p:cNvPr id="2" name="Titre 1">
-            <a:extLst>
-              <a:ext uri="{FF2B5EF4-FFF2-40B4-BE49-F238E27FC236}">
-                <a16:creationId xmlns:a16="http://schemas.microsoft.com/office/drawing/2014/main" id="{75031FE9-9059-4FE8-B4AC-9771F23A1B89}"/>
-              </a:ext>
-            </a:extLst>
-          </p:cNvPr>
-          <p:cNvSpPr>
-            <a:spLocks noGrp="1"/>
-          </p:cNvSpPr>
-          <p:nvPr>
-            <p:ph type="title"/>
-          </p:nvPr>
-        </p:nvSpPr>
-        <p:spPr>
-          <a:xfrm>
-            <a:off x="1508760" y="4156405"/>
-            <a:ext cx="3139440" cy="1325563"/>
-          </a:xfrm>
-        </p:spPr>
-        <p:txBody>
-          <a:bodyPr rtlCol="0"/>
-          <a:lstStyle/>
-          <a:p>
-            <a:pPr rtl="0"/>
-            <a:r>
-              <a:rPr lang="fr-FR" dirty="0" err="1"/>
-              <a:t>Moeilijkheden</a:t>
-            </a:r>
-            <a:endParaRPr lang="fr-FR" dirty="0"/>
-          </a:p>
-        </p:txBody>
-      </p:sp>
-      <p:sp>
-        <p:nvSpPr>
-          <p:cNvPr id="3" name="Espace réservé du contenu 2">
-            <a:extLst>
-              <a:ext uri="{FF2B5EF4-FFF2-40B4-BE49-F238E27FC236}">
-                <a16:creationId xmlns:a16="http://schemas.microsoft.com/office/drawing/2014/main" id="{D4A2EB3F-4D60-451F-8F45-7D6654D2FCD9}"/>
-              </a:ext>
-            </a:extLst>
-          </p:cNvPr>
-          <p:cNvSpPr>
-            <a:spLocks noGrp="1"/>
-          </p:cNvSpPr>
-          <p:nvPr>
-            <p:ph type="body" sz="quarter" idx="13"/>
-          </p:nvPr>
-        </p:nvSpPr>
-        <p:spPr>
-          <a:xfrm>
-            <a:off x="5922254" y="1530635"/>
-            <a:ext cx="5433204" cy="365125"/>
-          </a:xfrm>
-        </p:spPr>
-        <p:txBody>
-          <a:bodyPr vert="horz" lIns="91440" tIns="45720" rIns="91440" bIns="45720" rtlCol="0" anchor="t">
-            <a:normAutofit lnSpcReduction="10000"/>
-          </a:bodyPr>
-          <a:lstStyle/>
-          <a:p>
-            <a:pPr rtl="0"/>
-            <a:r>
-              <a:rPr lang="fr-FR" dirty="0" err="1"/>
-              <a:t>Connectie</a:t>
-            </a:r>
-            <a:r>
-              <a:rPr lang="fr-FR" dirty="0"/>
-              <a:t> </a:t>
-            </a:r>
-            <a:r>
-              <a:rPr lang="fr-FR" dirty="0" err="1"/>
-              <a:t>front-end</a:t>
-            </a:r>
-            <a:r>
-              <a:rPr lang="fr-FR" dirty="0"/>
-              <a:t> met </a:t>
-            </a:r>
-            <a:r>
-              <a:rPr lang="fr-FR" dirty="0" err="1"/>
-              <a:t>back-end</a:t>
-            </a:r>
-            <a:endParaRPr lang="fr-FR" dirty="0"/>
-          </a:p>
-        </p:txBody>
-      </p:sp>
-      <p:sp>
-        <p:nvSpPr>
-          <p:cNvPr id="4" name="Espace réservé du texte 3">
-            <a:extLst>
-              <a:ext uri="{FF2B5EF4-FFF2-40B4-BE49-F238E27FC236}">
-                <a16:creationId xmlns:a16="http://schemas.microsoft.com/office/drawing/2014/main" id="{AC1C80FB-53F9-42EE-B1E6-D0F998EC5DFA}"/>
-              </a:ext>
-            </a:extLst>
-          </p:cNvPr>
-          <p:cNvSpPr>
-            <a:spLocks noGrp="1"/>
-          </p:cNvSpPr>
-          <p:nvPr>
-            <p:ph type="body" sz="quarter" idx="15"/>
-          </p:nvPr>
-        </p:nvSpPr>
-        <p:spPr>
-          <a:xfrm>
-            <a:off x="5921828" y="1860060"/>
-            <a:ext cx="5431971" cy="557950"/>
-          </a:xfrm>
-        </p:spPr>
-        <p:txBody>
-          <a:bodyPr rtlCol="0">
-            <a:normAutofit/>
-          </a:bodyPr>
-          <a:lstStyle/>
-          <a:p>
-            <a:pPr rtl="0"/>
-            <a:r>
-              <a:rPr lang="fr-FR" dirty="0"/>
-              <a:t>Post </a:t>
-            </a:r>
-            <a:r>
-              <a:rPr lang="fr-FR" dirty="0" err="1"/>
-              <a:t>creëren</a:t>
-            </a:r>
-            <a:r>
-              <a:rPr lang="fr-FR" dirty="0"/>
-              <a:t>, Patch </a:t>
-            </a:r>
-            <a:r>
-              <a:rPr lang="fr-FR" dirty="0" err="1"/>
-              <a:t>creëren</a:t>
-            </a:r>
-            <a:endParaRPr lang="fr-FR" dirty="0"/>
-          </a:p>
-        </p:txBody>
-      </p:sp>
-      <p:sp>
-        <p:nvSpPr>
-          <p:cNvPr id="5" name="Espace réservé du texte 4">
-            <a:extLst>
-              <a:ext uri="{FF2B5EF4-FFF2-40B4-BE49-F238E27FC236}">
-                <a16:creationId xmlns:a16="http://schemas.microsoft.com/office/drawing/2014/main" id="{E81BA2B5-6A90-4204-ABDD-7183FBB03A02}"/>
-              </a:ext>
-            </a:extLst>
-          </p:cNvPr>
-          <p:cNvSpPr>
-            <a:spLocks noGrp="1"/>
-          </p:cNvSpPr>
-          <p:nvPr>
-            <p:ph type="body" sz="quarter" idx="23"/>
-          </p:nvPr>
-        </p:nvSpPr>
-        <p:spPr>
-          <a:xfrm>
-            <a:off x="5922254" y="2630431"/>
-            <a:ext cx="5433204" cy="365125"/>
-          </a:xfrm>
-        </p:spPr>
-        <p:txBody>
-          <a:bodyPr rtlCol="0">
-            <a:normAutofit lnSpcReduction="10000"/>
-          </a:bodyPr>
-          <a:lstStyle/>
-          <a:p>
-            <a:pPr rtl="0"/>
-            <a:r>
-              <a:rPr lang="fr-FR" dirty="0" err="1"/>
-              <a:t>Stijlen</a:t>
-            </a:r>
-            <a:r>
-              <a:rPr lang="fr-FR" dirty="0"/>
-              <a:t> van de </a:t>
-            </a:r>
-            <a:r>
-              <a:rPr lang="fr-FR" dirty="0" err="1"/>
-              <a:t>pagina’s</a:t>
-            </a:r>
-            <a:endParaRPr lang="fr-FR" dirty="0"/>
-          </a:p>
-        </p:txBody>
-      </p:sp>
-      <p:sp>
-        <p:nvSpPr>
-          <p:cNvPr id="6" name="Espace réservé du texte 5">
-            <a:extLst>
-              <a:ext uri="{FF2B5EF4-FFF2-40B4-BE49-F238E27FC236}">
-                <a16:creationId xmlns:a16="http://schemas.microsoft.com/office/drawing/2014/main" id="{7E7D4C34-22A0-4D54-A07D-E1E9A11463E5}"/>
-              </a:ext>
-            </a:extLst>
-          </p:cNvPr>
-          <p:cNvSpPr>
-            <a:spLocks noGrp="1"/>
-          </p:cNvSpPr>
-          <p:nvPr>
-            <p:ph type="body" sz="quarter" idx="24"/>
-          </p:nvPr>
-        </p:nvSpPr>
-        <p:spPr>
-          <a:xfrm>
-            <a:off x="5921828" y="2959856"/>
-            <a:ext cx="5431971" cy="557950"/>
-          </a:xfrm>
-        </p:spPr>
-        <p:txBody>
-          <a:bodyPr rtlCol="0"/>
-          <a:lstStyle/>
-          <a:p>
-            <a:pPr rtl="0"/>
-            <a:r>
-              <a:rPr lang="fr-FR" dirty="0" err="1"/>
-              <a:t>Juiste</a:t>
-            </a:r>
-            <a:r>
-              <a:rPr lang="fr-FR" dirty="0"/>
-              <a:t> </a:t>
-            </a:r>
-            <a:r>
-              <a:rPr lang="fr-FR" dirty="0" err="1"/>
-              <a:t>plek</a:t>
-            </a:r>
-            <a:r>
-              <a:rPr lang="fr-FR" dirty="0"/>
-              <a:t>, </a:t>
-            </a:r>
-            <a:r>
-              <a:rPr lang="fr-FR" dirty="0" err="1"/>
-              <a:t>scrolbar</a:t>
-            </a:r>
-            <a:r>
-              <a:rPr lang="fr-FR" dirty="0"/>
-              <a:t>, …</a:t>
-            </a:r>
-          </a:p>
-        </p:txBody>
-      </p:sp>
-      <p:sp>
-        <p:nvSpPr>
-          <p:cNvPr id="7" name="Espace réservé du texte 6">
-            <a:extLst>
-              <a:ext uri="{FF2B5EF4-FFF2-40B4-BE49-F238E27FC236}">
-                <a16:creationId xmlns:a16="http://schemas.microsoft.com/office/drawing/2014/main" id="{301D392D-FB66-47A0-B628-5ADE822A2CFF}"/>
-              </a:ext>
-            </a:extLst>
-          </p:cNvPr>
-          <p:cNvSpPr>
-            <a:spLocks noGrp="1"/>
-          </p:cNvSpPr>
-          <p:nvPr>
-            <p:ph type="body" sz="quarter" idx="25"/>
-          </p:nvPr>
-        </p:nvSpPr>
-        <p:spPr>
-          <a:xfrm>
-            <a:off x="5922254" y="3730227"/>
-            <a:ext cx="5433204" cy="365125"/>
-          </a:xfrm>
-        </p:spPr>
-        <p:txBody>
-          <a:bodyPr rtlCol="0">
-            <a:normAutofit lnSpcReduction="10000"/>
-          </a:bodyPr>
-          <a:lstStyle/>
-          <a:p>
-            <a:pPr rtl="0"/>
-            <a:r>
-              <a:rPr lang="fr-FR" dirty="0"/>
-              <a:t>… </a:t>
-            </a:r>
-          </a:p>
-        </p:txBody>
-      </p:sp>
-      <p:sp>
-        <p:nvSpPr>
-          <p:cNvPr id="8" name="Espace réservé du texte 7">
-            <a:extLst>
-              <a:ext uri="{FF2B5EF4-FFF2-40B4-BE49-F238E27FC236}">
-                <a16:creationId xmlns:a16="http://schemas.microsoft.com/office/drawing/2014/main" id="{51C26CE0-2506-4B44-A26F-C12BFA5B18B5}"/>
-              </a:ext>
-            </a:extLst>
-          </p:cNvPr>
-          <p:cNvSpPr>
-            <a:spLocks noGrp="1"/>
-          </p:cNvSpPr>
-          <p:nvPr>
-            <p:ph type="body" sz="quarter" idx="26"/>
-          </p:nvPr>
-        </p:nvSpPr>
-        <p:spPr>
-          <a:xfrm>
-            <a:off x="5921828" y="4059652"/>
-            <a:ext cx="5431971" cy="557950"/>
-          </a:xfrm>
-        </p:spPr>
-        <p:txBody>
-          <a:bodyPr rtlCol="0"/>
-          <a:lstStyle/>
-          <a:p>
-            <a:pPr rtl="0"/>
-            <a:r>
-              <a:rPr lang="fr-FR" dirty="0"/>
-              <a:t>…</a:t>
-            </a:r>
-          </a:p>
-        </p:txBody>
-      </p:sp>
-      <p:sp>
-        <p:nvSpPr>
-          <p:cNvPr id="9" name="Espace réservé du texte 8">
-            <a:extLst>
-              <a:ext uri="{FF2B5EF4-FFF2-40B4-BE49-F238E27FC236}">
-                <a16:creationId xmlns:a16="http://schemas.microsoft.com/office/drawing/2014/main" id="{868F40F8-BF35-45E9-B3DD-5436362D746E}"/>
-              </a:ext>
-            </a:extLst>
-          </p:cNvPr>
-          <p:cNvSpPr>
-            <a:spLocks noGrp="1"/>
-          </p:cNvSpPr>
-          <p:nvPr>
-            <p:ph type="body" sz="quarter" idx="27"/>
-          </p:nvPr>
-        </p:nvSpPr>
-        <p:spPr>
-          <a:xfrm>
-            <a:off x="5920106" y="4830024"/>
-            <a:ext cx="5433204" cy="365125"/>
-          </a:xfrm>
-        </p:spPr>
-        <p:txBody>
-          <a:bodyPr rtlCol="0">
-            <a:normAutofit lnSpcReduction="10000"/>
-          </a:bodyPr>
-          <a:lstStyle/>
-          <a:p>
-            <a:pPr rtl="0"/>
-            <a:r>
-              <a:rPr lang="fr-FR" dirty="0"/>
-              <a:t>…</a:t>
-            </a:r>
-          </a:p>
-        </p:txBody>
-      </p:sp>
-      <p:sp>
-        <p:nvSpPr>
-          <p:cNvPr id="10" name="Espace réservé du texte 9">
-            <a:extLst>
-              <a:ext uri="{FF2B5EF4-FFF2-40B4-BE49-F238E27FC236}">
-                <a16:creationId xmlns:a16="http://schemas.microsoft.com/office/drawing/2014/main" id="{7F39C97C-2DDC-4706-B96C-B02FAE53A426}"/>
-              </a:ext>
-            </a:extLst>
-          </p:cNvPr>
-          <p:cNvSpPr>
-            <a:spLocks noGrp="1"/>
-          </p:cNvSpPr>
-          <p:nvPr>
-            <p:ph type="body" sz="quarter" idx="28"/>
-          </p:nvPr>
-        </p:nvSpPr>
-        <p:spPr>
-          <a:xfrm>
-            <a:off x="5919680" y="5159449"/>
-            <a:ext cx="5431971" cy="557950"/>
-          </a:xfrm>
-        </p:spPr>
-        <p:txBody>
-          <a:bodyPr rtlCol="0"/>
-          <a:lstStyle/>
-          <a:p>
-            <a:pPr rtl="0"/>
-            <a:r>
-              <a:rPr lang="fr-FR" dirty="0"/>
-              <a:t>…</a:t>
-            </a:r>
-          </a:p>
-        </p:txBody>
-      </p:sp>
-      <p:sp>
-        <p:nvSpPr>
-          <p:cNvPr id="20" name="Espace réservé de la date 19">
-            <a:extLst>
-              <a:ext uri="{FF2B5EF4-FFF2-40B4-BE49-F238E27FC236}">
-                <a16:creationId xmlns:a16="http://schemas.microsoft.com/office/drawing/2014/main" id="{A74D661B-510C-4CF2-BF77-3EAFB649883D}"/>
-              </a:ext>
-            </a:extLst>
-          </p:cNvPr>
-          <p:cNvSpPr>
-            <a:spLocks noGrp="1"/>
-          </p:cNvSpPr>
-          <p:nvPr>
-            <p:ph type="dt" sz="half" idx="20"/>
-          </p:nvPr>
-        </p:nvSpPr>
-        <p:spPr>
-          <a:xfrm>
-            <a:off x="5919680" y="6356350"/>
-            <a:ext cx="947516" cy="365125"/>
-          </a:xfrm>
-        </p:spPr>
-        <p:txBody>
-          <a:bodyPr rtlCol="0"/>
-          <a:lstStyle/>
-          <a:p>
-            <a:pPr rtl="0"/>
-            <a:r>
-              <a:rPr lang="fr-FR" dirty="0"/>
-              <a:t>2023</a:t>
-            </a:r>
-          </a:p>
-        </p:txBody>
-      </p:sp>
-      <p:sp>
-        <p:nvSpPr>
-          <p:cNvPr id="21" name="Espace réservé du pied de page 20">
-            <a:extLst>
-              <a:ext uri="{FF2B5EF4-FFF2-40B4-BE49-F238E27FC236}">
-                <a16:creationId xmlns:a16="http://schemas.microsoft.com/office/drawing/2014/main" id="{7E44CAC0-3B5A-49F6-A2CB-0BC80D111A87}"/>
-              </a:ext>
-            </a:extLst>
-          </p:cNvPr>
-          <p:cNvSpPr>
-            <a:spLocks noGrp="1"/>
-          </p:cNvSpPr>
-          <p:nvPr>
-            <p:ph type="ftr" sz="quarter" idx="21"/>
-          </p:nvPr>
-        </p:nvSpPr>
-        <p:spPr>
-          <a:xfrm>
-            <a:off x="7161955" y="6356350"/>
-            <a:ext cx="3243942" cy="365125"/>
-          </a:xfrm>
-        </p:spPr>
-        <p:txBody>
-          <a:bodyPr rtlCol="0"/>
-          <a:lstStyle/>
-          <a:p>
-            <a:pPr rtl="0"/>
-            <a:r>
-              <a:rPr lang="fr-FR" noProof="0" dirty="0" err="1"/>
-              <a:t>Fleetmanager</a:t>
-            </a:r>
-            <a:r>
-              <a:rPr lang="fr-FR" noProof="0" dirty="0"/>
-              <a:t> </a:t>
-            </a:r>
-            <a:r>
-              <a:rPr lang="fr-FR" noProof="0" dirty="0" err="1"/>
-              <a:t>Allphi</a:t>
-            </a:r>
-            <a:endParaRPr lang="fr-FR" noProof="0" dirty="0"/>
-          </a:p>
-        </p:txBody>
-      </p:sp>
-      <p:sp>
-        <p:nvSpPr>
-          <p:cNvPr id="22" name="Espace réservé du numéro de diapositive 21">
-            <a:extLst>
-              <a:ext uri="{FF2B5EF4-FFF2-40B4-BE49-F238E27FC236}">
-                <a16:creationId xmlns:a16="http://schemas.microsoft.com/office/drawing/2014/main" id="{5D1BD041-3428-4D62-934F-F3FF6D36F90F}"/>
-              </a:ext>
-            </a:extLst>
-          </p:cNvPr>
-          <p:cNvSpPr>
-            <a:spLocks noGrp="1"/>
-          </p:cNvSpPr>
-          <p:nvPr>
-            <p:ph type="sldNum" sz="quarter" idx="22"/>
-          </p:nvPr>
-        </p:nvSpPr>
-        <p:spPr>
-          <a:xfrm>
-            <a:off x="10700656" y="6356350"/>
-            <a:ext cx="653143" cy="365125"/>
-          </a:xfrm>
-        </p:spPr>
-        <p:txBody>
-          <a:bodyPr rtlCol="0"/>
-          <a:lstStyle/>
-          <a:p>
-            <a:pPr rtl="0"/>
-            <a:fld id="{B5CEABB6-07DC-46E8-9B57-56EC44A396E5}" type="slidenum">
-              <a:rPr lang="fr-FR" smtClean="0"/>
-              <a:pPr rtl="0"/>
-              <a:t>5</a:t>
-            </a:fld>
-            <a:endParaRPr lang="fr-FR"/>
-          </a:p>
-        </p:txBody>
-      </p:sp>
-    </p:spTree>
-    <p:extLst>
-      <p:ext uri="{BB962C8B-B14F-4D97-AF65-F5344CB8AC3E}">
-        <p14:creationId xmlns:p14="http://schemas.microsoft.com/office/powerpoint/2010/main" val="1844941827"/>
-      </p:ext>
-    </p:extLst>
-  </p:cSld>
-  <p:clrMapOvr>
-    <a:masterClrMapping/>
-  </p:clrMapOvr>
-</p:sld>
-</file>
-
-<file path=ppt/slides/slide6.xml><?xml version="1.0" encoding="utf-8"?>
-<p:sld xmlns:a="http://schemas.openxmlformats.org/drawingml/2006/main" xmlns:r="http://schemas.openxmlformats.org/officeDocument/2006/relationships" xmlns:p="http://schemas.openxmlformats.org/presentationml/2006/main">
-  <p:cSld>
-    <p:spTree>
-      <p:nvGrpSpPr>
-        <p:cNvPr id="1" name=""/>
-        <p:cNvGrpSpPr/>
-        <p:nvPr/>
-      </p:nvGrpSpPr>
-      <p:grpSpPr>
-        <a:xfrm>
-          <a:off x="0" y="0"/>
-          <a:ext cx="0" cy="0"/>
-          <a:chOff x="0" y="0"/>
-          <a:chExt cx="0" cy="0"/>
-        </a:xfrm>
-      </p:grpSpPr>
-      <p:pic>
-        <p:nvPicPr>
-          <p:cNvPr id="28" name="Afbeelding 27">
-            <a:extLst>
-              <a:ext uri="{FF2B5EF4-FFF2-40B4-BE49-F238E27FC236}">
-                <a16:creationId xmlns:a16="http://schemas.microsoft.com/office/drawing/2014/main" id="{2487D7EF-2234-73EA-7432-979E8BB95317}"/>
-              </a:ext>
-            </a:extLst>
-          </p:cNvPr>
-          <p:cNvPicPr>
-            <a:picLocks noChangeAspect="1"/>
-          </p:cNvPicPr>
-          <p:nvPr/>
-        </p:nvPicPr>
-        <p:blipFill>
-          <a:blip r:embed="rId3"/>
-          <a:stretch>
-            <a:fillRect/>
-          </a:stretch>
-        </p:blipFill>
-        <p:spPr>
-          <a:xfrm>
-            <a:off x="6944897" y="1714400"/>
-            <a:ext cx="2528993" cy="2420418"/>
-          </a:xfrm>
-          <a:prstGeom prst="rect">
-            <a:avLst/>
-          </a:prstGeom>
-          <a:ln w="28575">
-            <a:solidFill>
-              <a:schemeClr val="tx1"/>
-            </a:solidFill>
-          </a:ln>
-        </p:spPr>
-      </p:pic>
-      <p:sp>
-        <p:nvSpPr>
-          <p:cNvPr id="2" name="Titre 1">
-            <a:extLst>
-              <a:ext uri="{FF2B5EF4-FFF2-40B4-BE49-F238E27FC236}">
-                <a16:creationId xmlns:a16="http://schemas.microsoft.com/office/drawing/2014/main" id="{8A4E0A63-A388-49B1-A04E-27CE9BD622EF}"/>
-              </a:ext>
-            </a:extLst>
-          </p:cNvPr>
-          <p:cNvSpPr>
-            <a:spLocks noGrp="1"/>
-          </p:cNvSpPr>
-          <p:nvPr>
-            <p:ph type="title"/>
-          </p:nvPr>
-        </p:nvSpPr>
-        <p:spPr>
-          <a:xfrm>
-            <a:off x="5921828" y="868099"/>
-            <a:ext cx="5431971" cy="846301"/>
-          </a:xfrm>
-        </p:spPr>
-        <p:txBody>
-          <a:bodyPr rtlCol="0"/>
-          <a:lstStyle/>
-          <a:p>
-            <a:pPr rtl="0"/>
-            <a:r>
-              <a:rPr lang="fr-FR" dirty="0" err="1"/>
-              <a:t>Front-end</a:t>
-            </a:r>
-            <a:endParaRPr lang="fr-FR" dirty="0"/>
-          </a:p>
-        </p:txBody>
-      </p:sp>
-      <p:sp>
-        <p:nvSpPr>
-          <p:cNvPr id="32" name="Espace réservé de la date 31">
-            <a:extLst>
-              <a:ext uri="{FF2B5EF4-FFF2-40B4-BE49-F238E27FC236}">
-                <a16:creationId xmlns:a16="http://schemas.microsoft.com/office/drawing/2014/main" id="{D5DB19F8-B538-4965-BA90-ED372B99F5DC}"/>
-              </a:ext>
-            </a:extLst>
-          </p:cNvPr>
-          <p:cNvSpPr>
-            <a:spLocks noGrp="1"/>
-          </p:cNvSpPr>
-          <p:nvPr>
-            <p:ph type="dt" sz="half" idx="20"/>
-          </p:nvPr>
-        </p:nvSpPr>
-        <p:spPr>
-          <a:xfrm>
-            <a:off x="5919680" y="6356350"/>
-            <a:ext cx="947516" cy="365125"/>
-          </a:xfrm>
-        </p:spPr>
-        <p:txBody>
-          <a:bodyPr rtlCol="0"/>
-          <a:lstStyle/>
-          <a:p>
-            <a:pPr rtl="0"/>
-            <a:r>
-              <a:rPr lang="fr-FR" dirty="0"/>
-              <a:t>2023</a:t>
-            </a:r>
-          </a:p>
-        </p:txBody>
-      </p:sp>
-      <p:sp>
-        <p:nvSpPr>
-          <p:cNvPr id="3" name="Espace réservé du pied de page 2">
-            <a:extLst>
-              <a:ext uri="{FF2B5EF4-FFF2-40B4-BE49-F238E27FC236}">
-                <a16:creationId xmlns:a16="http://schemas.microsoft.com/office/drawing/2014/main" id="{005C44B1-BA82-483C-BD91-F89067442F9E}"/>
-              </a:ext>
-            </a:extLst>
-          </p:cNvPr>
-          <p:cNvSpPr>
-            <a:spLocks noGrp="1"/>
-          </p:cNvSpPr>
-          <p:nvPr>
-            <p:ph type="ftr" sz="quarter" idx="21"/>
-          </p:nvPr>
-        </p:nvSpPr>
-        <p:spPr>
-          <a:xfrm>
-            <a:off x="7161955" y="6356350"/>
-            <a:ext cx="3243942" cy="365125"/>
-          </a:xfrm>
-        </p:spPr>
-        <p:txBody>
-          <a:bodyPr rtlCol="0"/>
-          <a:lstStyle/>
-          <a:p>
-            <a:pPr rtl="0"/>
-            <a:r>
-              <a:rPr lang="fr-FR" noProof="0" dirty="0" err="1"/>
-              <a:t>Fleetmanager</a:t>
-            </a:r>
-            <a:r>
-              <a:rPr lang="fr-FR" noProof="0" dirty="0"/>
-              <a:t> </a:t>
-            </a:r>
-            <a:r>
-              <a:rPr lang="fr-FR" noProof="0" dirty="0" err="1"/>
-              <a:t>Allphi</a:t>
-            </a:r>
-            <a:endParaRPr lang="fr-FR" noProof="0" dirty="0"/>
-          </a:p>
-        </p:txBody>
-      </p:sp>
-      <p:sp>
-        <p:nvSpPr>
-          <p:cNvPr id="4" name="Espace réservé du numéro de diapositive 3">
-            <a:extLst>
-              <a:ext uri="{FF2B5EF4-FFF2-40B4-BE49-F238E27FC236}">
-                <a16:creationId xmlns:a16="http://schemas.microsoft.com/office/drawing/2014/main" id="{79ED4A67-3A46-4F54-A12A-EAE1B53E6457}"/>
-              </a:ext>
-            </a:extLst>
-          </p:cNvPr>
-          <p:cNvSpPr>
-            <a:spLocks noGrp="1"/>
-          </p:cNvSpPr>
-          <p:nvPr>
-            <p:ph type="sldNum" sz="quarter" idx="22"/>
-          </p:nvPr>
-        </p:nvSpPr>
-        <p:spPr>
-          <a:xfrm>
-            <a:off x="10700656" y="6356350"/>
-            <a:ext cx="653143" cy="365125"/>
-          </a:xfrm>
-        </p:spPr>
-        <p:txBody>
-          <a:bodyPr rtlCol="0"/>
-          <a:lstStyle/>
-          <a:p>
-            <a:pPr rtl="0"/>
-            <a:fld id="{19B51A1E-902D-48AF-9020-955120F399B6}" type="slidenum">
-              <a:rPr lang="fr-FR" smtClean="0"/>
-              <a:pPr rtl="0"/>
-              <a:t>6</a:t>
-            </a:fld>
-            <a:endParaRPr lang="fr-FR" dirty="0"/>
-          </a:p>
-        </p:txBody>
-      </p:sp>
-      <p:pic>
-        <p:nvPicPr>
-          <p:cNvPr id="24" name="Afbeelding 23">
-            <a:extLst>
-              <a:ext uri="{FF2B5EF4-FFF2-40B4-BE49-F238E27FC236}">
-                <a16:creationId xmlns:a16="http://schemas.microsoft.com/office/drawing/2014/main" id="{FDAE47D6-4D84-7AC5-04EA-F74F0580CBC2}"/>
-              </a:ext>
-            </a:extLst>
-          </p:cNvPr>
-          <p:cNvPicPr>
-            <a:picLocks noChangeAspect="1"/>
-          </p:cNvPicPr>
-          <p:nvPr/>
-        </p:nvPicPr>
-        <p:blipFill>
-          <a:blip r:embed="rId4"/>
-          <a:stretch>
-            <a:fillRect/>
-          </a:stretch>
-        </p:blipFill>
-        <p:spPr>
-          <a:xfrm>
-            <a:off x="3284141" y="1714400"/>
-            <a:ext cx="2534164" cy="2420418"/>
-          </a:xfrm>
-          <a:prstGeom prst="rect">
-            <a:avLst/>
-          </a:prstGeom>
-          <a:ln w="28575">
-            <a:solidFill>
-              <a:schemeClr val="tx1"/>
-            </a:solidFill>
-          </a:ln>
-        </p:spPr>
-      </p:pic>
-      <p:pic>
-        <p:nvPicPr>
-          <p:cNvPr id="30" name="Afbeelding 29">
-            <a:extLst>
-              <a:ext uri="{FF2B5EF4-FFF2-40B4-BE49-F238E27FC236}">
-                <a16:creationId xmlns:a16="http://schemas.microsoft.com/office/drawing/2014/main" id="{5ACB98AD-DF61-F169-376E-311211CCA5A2}"/>
-              </a:ext>
-            </a:extLst>
-          </p:cNvPr>
-          <p:cNvPicPr>
-            <a:picLocks noChangeAspect="1"/>
-          </p:cNvPicPr>
-          <p:nvPr/>
-        </p:nvPicPr>
-        <p:blipFill>
-          <a:blip r:embed="rId5"/>
-          <a:stretch>
-            <a:fillRect/>
-          </a:stretch>
-        </p:blipFill>
-        <p:spPr>
-          <a:xfrm>
-            <a:off x="8783926" y="3789237"/>
-            <a:ext cx="2547948" cy="2420418"/>
-          </a:xfrm>
-          <a:prstGeom prst="rect">
-            <a:avLst/>
-          </a:prstGeom>
-          <a:ln w="28575">
-            <a:solidFill>
-              <a:schemeClr val="tx1"/>
-            </a:solidFill>
-          </a:ln>
-        </p:spPr>
-      </p:pic>
-      <p:pic>
-        <p:nvPicPr>
-          <p:cNvPr id="26" name="Afbeelding 25">
-            <a:extLst>
-              <a:ext uri="{FF2B5EF4-FFF2-40B4-BE49-F238E27FC236}">
-                <a16:creationId xmlns:a16="http://schemas.microsoft.com/office/drawing/2014/main" id="{39A2A588-D1A0-B1D5-885C-B131B230C2A9}"/>
-              </a:ext>
-            </a:extLst>
-          </p:cNvPr>
-          <p:cNvPicPr>
-            <a:picLocks noChangeAspect="1"/>
-          </p:cNvPicPr>
-          <p:nvPr/>
-        </p:nvPicPr>
-        <p:blipFill>
-          <a:blip r:embed="rId6"/>
-          <a:stretch>
-            <a:fillRect/>
-          </a:stretch>
-        </p:blipFill>
-        <p:spPr>
-          <a:xfrm>
-            <a:off x="5129541" y="3789237"/>
-            <a:ext cx="2527793" cy="2398770"/>
-          </a:xfrm>
-          <a:prstGeom prst="rect">
-            <a:avLst/>
-          </a:prstGeom>
-          <a:ln w="28575">
-            <a:solidFill>
-              <a:schemeClr val="tx1"/>
-            </a:solidFill>
-          </a:ln>
-        </p:spPr>
-      </p:pic>
-    </p:spTree>
-    <p:extLst>
-      <p:ext uri="{BB962C8B-B14F-4D97-AF65-F5344CB8AC3E}">
-        <p14:creationId xmlns:p14="http://schemas.microsoft.com/office/powerpoint/2010/main" val="2069393026"/>
-      </p:ext>
-    </p:extLst>
-  </p:cSld>
-  <p:clrMapOvr>
-    <a:masterClrMapping/>
-  </p:clrMapOvr>
-</p:sld>
-</file>
-
-<file path=ppt/slides/slide7.xml><?xml version="1.0" encoding="utf-8"?>
-<p:sld xmlns:a="http://schemas.openxmlformats.org/drawingml/2006/main" xmlns:r="http://schemas.openxmlformats.org/officeDocument/2006/relationships" xmlns:p="http://schemas.openxmlformats.org/presentationml/2006/main">
-  <p:cSld>
-    <p:spTree>
-      <p:nvGrpSpPr>
-        <p:cNvPr id="1" name=""/>
-        <p:cNvGrpSpPr/>
-        <p:nvPr/>
-      </p:nvGrpSpPr>
-      <p:grpSpPr>
-        <a:xfrm>
-          <a:off x="0" y="0"/>
-          <a:ext cx="0" cy="0"/>
-          <a:chOff x="0" y="0"/>
-          <a:chExt cx="0" cy="0"/>
-        </a:xfrm>
-      </p:grpSpPr>
-      <p:pic>
-        <p:nvPicPr>
-          <p:cNvPr id="10" name="Afbeelding 9">
-            <a:extLst>
-              <a:ext uri="{FF2B5EF4-FFF2-40B4-BE49-F238E27FC236}">
-                <a16:creationId xmlns:a16="http://schemas.microsoft.com/office/drawing/2014/main" id="{4164F6FB-5CE1-EB6B-E416-5557C6B0B504}"/>
-              </a:ext>
-            </a:extLst>
-          </p:cNvPr>
-          <p:cNvPicPr>
-            <a:picLocks noChangeAspect="1"/>
-          </p:cNvPicPr>
-          <p:nvPr/>
-        </p:nvPicPr>
-        <p:blipFill>
-          <a:blip r:embed="rId3"/>
-          <a:stretch>
-            <a:fillRect/>
-          </a:stretch>
-        </p:blipFill>
-        <p:spPr>
-          <a:xfrm>
-            <a:off x="5484915" y="1325243"/>
-            <a:ext cx="3596992" cy="2833846"/>
-          </a:xfrm>
-          <a:prstGeom prst="rect">
-            <a:avLst/>
-          </a:prstGeom>
-          <a:ln w="28575">
-            <a:solidFill>
-              <a:schemeClr val="bg1"/>
-            </a:solidFill>
-          </a:ln>
-        </p:spPr>
-      </p:pic>
-      <p:pic>
-        <p:nvPicPr>
-          <p:cNvPr id="8" name="Afbeelding 7">
-            <a:extLst>
-              <a:ext uri="{FF2B5EF4-FFF2-40B4-BE49-F238E27FC236}">
-                <a16:creationId xmlns:a16="http://schemas.microsoft.com/office/drawing/2014/main" id="{C35D74DA-2272-73FF-6064-BE4FF01EFD38}"/>
-              </a:ext>
-            </a:extLst>
-          </p:cNvPr>
-          <p:cNvPicPr>
-            <a:picLocks noChangeAspect="1"/>
-          </p:cNvPicPr>
-          <p:nvPr/>
-        </p:nvPicPr>
-        <p:blipFill rotWithShape="1">
-          <a:blip r:embed="rId4"/>
-          <a:srcRect t="17736" r="9074" b="12533"/>
-          <a:stretch/>
-        </p:blipFill>
-        <p:spPr>
-          <a:xfrm>
-            <a:off x="3264607" y="3029436"/>
-            <a:ext cx="2065032" cy="3326914"/>
-          </a:xfrm>
-          <a:prstGeom prst="rect">
-            <a:avLst/>
-          </a:prstGeom>
-          <a:ln w="28575">
-            <a:solidFill>
-              <a:schemeClr val="tx1"/>
-            </a:solidFill>
-          </a:ln>
-        </p:spPr>
-      </p:pic>
-      <p:sp>
-        <p:nvSpPr>
-          <p:cNvPr id="2" name="Titre 1">
-            <a:extLst>
-              <a:ext uri="{FF2B5EF4-FFF2-40B4-BE49-F238E27FC236}">
-                <a16:creationId xmlns:a16="http://schemas.microsoft.com/office/drawing/2014/main" id="{8A4E0A63-A388-49B1-A04E-27CE9BD622EF}"/>
-              </a:ext>
-            </a:extLst>
-          </p:cNvPr>
-          <p:cNvSpPr>
-            <a:spLocks noGrp="1"/>
-          </p:cNvSpPr>
-          <p:nvPr>
-            <p:ph type="title"/>
-          </p:nvPr>
-        </p:nvSpPr>
-        <p:spPr>
-          <a:xfrm>
-            <a:off x="5919680" y="859474"/>
-            <a:ext cx="5431971" cy="846301"/>
-          </a:xfrm>
-        </p:spPr>
-        <p:txBody>
-          <a:bodyPr rtlCol="0"/>
-          <a:lstStyle/>
-          <a:p>
-            <a:pPr rtl="0"/>
-            <a:r>
-              <a:rPr lang="fr-FR" dirty="0" err="1"/>
-              <a:t>Back-end</a:t>
-            </a:r>
-            <a:r>
-              <a:rPr lang="fr-FR" dirty="0"/>
-              <a:t> en </a:t>
-            </a:r>
-            <a:r>
-              <a:rPr lang="fr-FR" dirty="0" err="1"/>
-              <a:t>Databank</a:t>
-            </a:r>
-            <a:endParaRPr lang="fr-FR" dirty="0"/>
-          </a:p>
-        </p:txBody>
-      </p:sp>
-      <p:sp>
-        <p:nvSpPr>
-          <p:cNvPr id="32" name="Espace réservé de la date 31">
-            <a:extLst>
-              <a:ext uri="{FF2B5EF4-FFF2-40B4-BE49-F238E27FC236}">
-                <a16:creationId xmlns:a16="http://schemas.microsoft.com/office/drawing/2014/main" id="{D5DB19F8-B538-4965-BA90-ED372B99F5DC}"/>
-              </a:ext>
-            </a:extLst>
-          </p:cNvPr>
-          <p:cNvSpPr>
-            <a:spLocks noGrp="1"/>
-          </p:cNvSpPr>
-          <p:nvPr>
-            <p:ph type="dt" sz="half" idx="20"/>
-          </p:nvPr>
-        </p:nvSpPr>
-        <p:spPr>
-          <a:xfrm>
-            <a:off x="5919680" y="6356350"/>
-            <a:ext cx="947516" cy="365125"/>
-          </a:xfrm>
-        </p:spPr>
-        <p:txBody>
-          <a:bodyPr rtlCol="0"/>
-          <a:lstStyle/>
-          <a:p>
-            <a:pPr rtl="0"/>
-            <a:r>
-              <a:rPr lang="fr-FR" dirty="0"/>
-              <a:t>2023</a:t>
-            </a:r>
-          </a:p>
-        </p:txBody>
-      </p:sp>
-      <p:sp>
-        <p:nvSpPr>
-          <p:cNvPr id="3" name="Espace réservé du pied de page 2">
-            <a:extLst>
-              <a:ext uri="{FF2B5EF4-FFF2-40B4-BE49-F238E27FC236}">
-                <a16:creationId xmlns:a16="http://schemas.microsoft.com/office/drawing/2014/main" id="{005C44B1-BA82-483C-BD91-F89067442F9E}"/>
-              </a:ext>
-            </a:extLst>
-          </p:cNvPr>
-          <p:cNvSpPr>
-            <a:spLocks noGrp="1"/>
-          </p:cNvSpPr>
-          <p:nvPr>
-            <p:ph type="ftr" sz="quarter" idx="21"/>
-          </p:nvPr>
-        </p:nvSpPr>
-        <p:spPr>
-          <a:xfrm>
-            <a:off x="7161955" y="6356350"/>
-            <a:ext cx="3243942" cy="365125"/>
-          </a:xfrm>
-        </p:spPr>
-        <p:txBody>
-          <a:bodyPr rtlCol="0"/>
-          <a:lstStyle/>
-          <a:p>
-            <a:pPr rtl="0"/>
-            <a:r>
-              <a:rPr lang="fr-FR" noProof="0" dirty="0" err="1"/>
-              <a:t>Fleetmanager</a:t>
-            </a:r>
-            <a:r>
-              <a:rPr lang="fr-FR" noProof="0" dirty="0"/>
-              <a:t> </a:t>
-            </a:r>
-            <a:r>
-              <a:rPr lang="fr-FR" noProof="0" dirty="0" err="1"/>
-              <a:t>Allphi</a:t>
-            </a:r>
-            <a:endParaRPr lang="fr-FR" noProof="0" dirty="0"/>
-          </a:p>
-        </p:txBody>
-      </p:sp>
-      <p:sp>
-        <p:nvSpPr>
-          <p:cNvPr id="4" name="Espace réservé du numéro de diapositive 3">
-            <a:extLst>
-              <a:ext uri="{FF2B5EF4-FFF2-40B4-BE49-F238E27FC236}">
-                <a16:creationId xmlns:a16="http://schemas.microsoft.com/office/drawing/2014/main" id="{79ED4A67-3A46-4F54-A12A-EAE1B53E6457}"/>
-              </a:ext>
-            </a:extLst>
-          </p:cNvPr>
-          <p:cNvSpPr>
-            <a:spLocks noGrp="1"/>
-          </p:cNvSpPr>
-          <p:nvPr>
-            <p:ph type="sldNum" sz="quarter" idx="22"/>
-          </p:nvPr>
-        </p:nvSpPr>
-        <p:spPr>
-          <a:xfrm>
-            <a:off x="10700656" y="6356350"/>
-            <a:ext cx="653143" cy="365125"/>
-          </a:xfrm>
-        </p:spPr>
-        <p:txBody>
-          <a:bodyPr rtlCol="0"/>
-          <a:lstStyle/>
-          <a:p>
-            <a:pPr rtl="0"/>
-            <a:fld id="{19B51A1E-902D-48AF-9020-955120F399B6}" type="slidenum">
-              <a:rPr lang="fr-FR" smtClean="0"/>
-              <a:pPr rtl="0"/>
-              <a:t>7</a:t>
-            </a:fld>
-            <a:endParaRPr lang="fr-FR" dirty="0"/>
-          </a:p>
-        </p:txBody>
-      </p:sp>
-      <p:pic>
-        <p:nvPicPr>
-          <p:cNvPr id="6" name="Afbeelding 5">
-            <a:extLst>
-              <a:ext uri="{FF2B5EF4-FFF2-40B4-BE49-F238E27FC236}">
-                <a16:creationId xmlns:a16="http://schemas.microsoft.com/office/drawing/2014/main" id="{0608A728-313C-078D-45F3-F5984CCF7188}"/>
-              </a:ext>
-            </a:extLst>
-          </p:cNvPr>
-          <p:cNvPicPr>
-            <a:picLocks noChangeAspect="1"/>
-          </p:cNvPicPr>
-          <p:nvPr/>
-        </p:nvPicPr>
-        <p:blipFill rotWithShape="1">
-          <a:blip r:embed="rId5"/>
-          <a:srcRect t="17103" r="3249" b="13079"/>
-          <a:stretch/>
-        </p:blipFill>
-        <p:spPr>
-          <a:xfrm>
-            <a:off x="1394149" y="1325243"/>
-            <a:ext cx="2065032" cy="3326914"/>
-          </a:xfrm>
-          <a:prstGeom prst="rect">
-            <a:avLst/>
-          </a:prstGeom>
-          <a:ln w="28575">
-            <a:solidFill>
-              <a:schemeClr val="tx1"/>
-            </a:solidFill>
-          </a:ln>
-        </p:spPr>
-      </p:pic>
-      <p:pic>
-        <p:nvPicPr>
-          <p:cNvPr id="7" name="Afbeelding 6">
-            <a:extLst>
-              <a:ext uri="{FF2B5EF4-FFF2-40B4-BE49-F238E27FC236}">
-                <a16:creationId xmlns:a16="http://schemas.microsoft.com/office/drawing/2014/main" id="{3EC9C497-A7AD-15BA-287A-A45A8B83A840}"/>
-              </a:ext>
-            </a:extLst>
-          </p:cNvPr>
-          <p:cNvPicPr>
-            <a:picLocks noChangeAspect="1"/>
-          </p:cNvPicPr>
-          <p:nvPr/>
-        </p:nvPicPr>
-        <p:blipFill>
-          <a:blip r:embed="rId6"/>
-          <a:stretch>
-            <a:fillRect/>
-          </a:stretch>
-        </p:blipFill>
-        <p:spPr>
-          <a:xfrm>
-            <a:off x="7578170" y="3318476"/>
-            <a:ext cx="3596992" cy="3037874"/>
-          </a:xfrm>
-          <a:prstGeom prst="rect">
-            <a:avLst/>
-          </a:prstGeom>
-          <a:ln w="28575">
-            <a:solidFill>
-              <a:schemeClr val="bg1"/>
-            </a:solidFill>
-          </a:ln>
-        </p:spPr>
-      </p:pic>
-    </p:spTree>
-    <p:extLst>
-      <p:ext uri="{BB962C8B-B14F-4D97-AF65-F5344CB8AC3E}">
-        <p14:creationId xmlns:p14="http://schemas.microsoft.com/office/powerpoint/2010/main" val="3902976026"/>
-      </p:ext>
-    </p:extLst>
-  </p:cSld>
-  <p:clrMapOvr>
-    <a:masterClrMapping/>
-  </p:clrMapOvr>
-</p:sld>
-</file>
-
-<file path=ppt/slides/slide8.xml><?xml version="1.0" encoding="utf-8"?>
-<p:sld xmlns:a="http://schemas.openxmlformats.org/drawingml/2006/main" xmlns:r="http://schemas.openxmlformats.org/officeDocument/2006/relationships" xmlns:p="http://schemas.openxmlformats.org/presentationml/2006/main">
-  <p:cSld>
-    <p:spTree>
-      <p:nvGrpSpPr>
-        <p:cNvPr id="1" name=""/>
-        <p:cNvGrpSpPr/>
-        <p:nvPr/>
-      </p:nvGrpSpPr>
-      <p:grpSpPr>
-        <a:xfrm>
-          <a:off x="0" y="0"/>
-          <a:ext cx="0" cy="0"/>
-          <a:chOff x="0" y="0"/>
-          <a:chExt cx="0" cy="0"/>
-        </a:xfrm>
-      </p:grpSpPr>
-      <p:sp>
-        <p:nvSpPr>
-          <p:cNvPr id="2" name="Titre 1">
-            <a:extLst>
-              <a:ext uri="{FF2B5EF4-FFF2-40B4-BE49-F238E27FC236}">
-                <a16:creationId xmlns:a16="http://schemas.microsoft.com/office/drawing/2014/main" id="{BCCAEE93-8585-46D4-A7EC-F184E317CB2E}"/>
-              </a:ext>
-            </a:extLst>
-          </p:cNvPr>
-          <p:cNvSpPr>
-            <a:spLocks noGrp="1"/>
-          </p:cNvSpPr>
-          <p:nvPr>
-            <p:ph type="ctrTitle"/>
-          </p:nvPr>
-        </p:nvSpPr>
-        <p:spPr>
-          <a:xfrm>
-            <a:off x="6287043" y="1991752"/>
-            <a:ext cx="4179570" cy="1524735"/>
-          </a:xfrm>
-        </p:spPr>
-        <p:txBody>
-          <a:bodyPr rtlCol="0"/>
-          <a:lstStyle/>
-          <a:p>
-            <a:pPr rtl="0"/>
-            <a:r>
-              <a:rPr lang="fr-FR" sz="4800" dirty="0" err="1"/>
-              <a:t>Demo</a:t>
-            </a:r>
-            <a:endParaRPr lang="fr-FR" sz="4800" dirty="0"/>
-          </a:p>
-        </p:txBody>
-      </p:sp>
-      <p:sp>
-        <p:nvSpPr>
-          <p:cNvPr id="4" name="Espace réservé de la date 3">
-            <a:extLst>
-              <a:ext uri="{FF2B5EF4-FFF2-40B4-BE49-F238E27FC236}">
-                <a16:creationId xmlns:a16="http://schemas.microsoft.com/office/drawing/2014/main" id="{72DA7980-C870-4C9A-84FA-4120D8AF5DE8}"/>
-              </a:ext>
-            </a:extLst>
-          </p:cNvPr>
-          <p:cNvSpPr>
-            <a:spLocks noGrp="1"/>
-          </p:cNvSpPr>
-          <p:nvPr>
-            <p:ph type="dt" sz="half" idx="10"/>
-          </p:nvPr>
-        </p:nvSpPr>
-        <p:spPr>
-          <a:xfrm>
-            <a:off x="4267200" y="6356350"/>
-            <a:ext cx="1774371" cy="365125"/>
-          </a:xfrm>
-        </p:spPr>
-        <p:txBody>
-          <a:bodyPr rtlCol="0"/>
-          <a:lstStyle/>
-          <a:p>
-            <a:pPr rtl="0"/>
-            <a:r>
-              <a:rPr lang="fr-FR" dirty="0"/>
-              <a:t>2023</a:t>
-            </a:r>
-          </a:p>
-        </p:txBody>
-      </p:sp>
-      <p:sp>
-        <p:nvSpPr>
-          <p:cNvPr id="5" name="Espace réservé du pied de page 4">
-            <a:extLst>
-              <a:ext uri="{FF2B5EF4-FFF2-40B4-BE49-F238E27FC236}">
-                <a16:creationId xmlns:a16="http://schemas.microsoft.com/office/drawing/2014/main" id="{0DFADE42-1A3F-40C8-A071-E57644F3D843}"/>
-              </a:ext>
-            </a:extLst>
-          </p:cNvPr>
-          <p:cNvSpPr>
-            <a:spLocks noGrp="1"/>
-          </p:cNvSpPr>
-          <p:nvPr>
-            <p:ph type="ftr" sz="quarter" idx="11"/>
-          </p:nvPr>
-        </p:nvSpPr>
-        <p:spPr>
-          <a:xfrm>
-            <a:off x="6479721" y="6356350"/>
-            <a:ext cx="2661557" cy="365125"/>
-          </a:xfrm>
-        </p:spPr>
-        <p:txBody>
-          <a:bodyPr rtlCol="0"/>
-          <a:lstStyle/>
-          <a:p>
-            <a:pPr rtl="0"/>
-            <a:r>
-              <a:rPr lang="fr-FR" noProof="0" dirty="0" err="1"/>
-              <a:t>Fleetmanager</a:t>
-            </a:r>
-            <a:r>
-              <a:rPr lang="fr-FR" noProof="0" dirty="0"/>
-              <a:t> </a:t>
-            </a:r>
-            <a:r>
-              <a:rPr lang="fr-FR" noProof="0" dirty="0" err="1"/>
-              <a:t>Allphi</a:t>
-            </a:r>
-            <a:endParaRPr lang="fr-FR" noProof="0" dirty="0"/>
-          </a:p>
-        </p:txBody>
-      </p:sp>
-      <p:sp>
-        <p:nvSpPr>
-          <p:cNvPr id="6" name="Espace réservé du numéro de diapositive 5">
-            <a:extLst>
-              <a:ext uri="{FF2B5EF4-FFF2-40B4-BE49-F238E27FC236}">
-                <a16:creationId xmlns:a16="http://schemas.microsoft.com/office/drawing/2014/main" id="{5EDCFF82-B70F-4971-9182-7C3AEA3CFD26}"/>
-              </a:ext>
-            </a:extLst>
-          </p:cNvPr>
-          <p:cNvSpPr>
-            <a:spLocks noGrp="1"/>
-          </p:cNvSpPr>
-          <p:nvPr>
-            <p:ph type="sldNum" sz="quarter" idx="12"/>
-          </p:nvPr>
-        </p:nvSpPr>
-        <p:spPr>
-          <a:xfrm>
-            <a:off x="9579428" y="6356350"/>
-            <a:ext cx="1774371" cy="365125"/>
-          </a:xfrm>
-        </p:spPr>
-        <p:txBody>
-          <a:bodyPr rtlCol="0"/>
-          <a:lstStyle/>
-          <a:p>
-            <a:pPr rtl="0"/>
-            <a:fld id="{B5CEABB6-07DC-46E8-9B57-56EC44A396E5}" type="slidenum">
-              <a:rPr lang="fr-FR" smtClean="0"/>
-              <a:pPr rtl="0"/>
-              <a:t>8</a:t>
-            </a:fld>
-            <a:endParaRPr lang="fr-FR"/>
-          </a:p>
-        </p:txBody>
-      </p:sp>
-    </p:spTree>
-    <p:extLst>
-      <p:ext uri="{BB962C8B-B14F-4D97-AF65-F5344CB8AC3E}">
-        <p14:creationId xmlns:p14="http://schemas.microsoft.com/office/powerpoint/2010/main" val="2436493926"/>
-      </p:ext>
-    </p:extLst>
-  </p:cSld>
-  <p:clrMapOvr>
-    <a:masterClrMapping/>
-  </p:clrMapOvr>
-</p:sld>
-</file>
-
-<file path=ppt/slides/slide9.xml><?xml version="1.0" encoding="utf-8"?>
+<file path=ppt/slides/slide10.xml><?xml version="1.0" encoding="utf-8"?>
 <p:sld xmlns:a="http://schemas.openxmlformats.org/drawingml/2006/main" xmlns:r="http://schemas.openxmlformats.org/officeDocument/2006/relationships" xmlns:p="http://schemas.openxmlformats.org/presentationml/2006/main">
   <p:cSld>
     <p:spTree>
@@ -19678,6 +16814,3137 @@
     <p:extLst>
       <p:ext uri="{BB962C8B-B14F-4D97-AF65-F5344CB8AC3E}">
         <p14:creationId xmlns:p14="http://schemas.microsoft.com/office/powerpoint/2010/main" val="821941399"/>
+      </p:ext>
+    </p:extLst>
+  </p:cSld>
+  <p:clrMapOvr>
+    <a:masterClrMapping/>
+  </p:clrMapOvr>
+</p:sld>
+</file>
+
+<file path=ppt/slides/slide2.xml><?xml version="1.0" encoding="utf-8"?>
+<p:sld xmlns:a="http://schemas.openxmlformats.org/drawingml/2006/main" xmlns:r="http://schemas.openxmlformats.org/officeDocument/2006/relationships" xmlns:p="http://schemas.openxmlformats.org/presentationml/2006/main">
+  <p:cSld>
+    <p:spTree>
+      <p:nvGrpSpPr>
+        <p:cNvPr id="1" name=""/>
+        <p:cNvGrpSpPr/>
+        <p:nvPr/>
+      </p:nvGrpSpPr>
+      <p:grpSpPr>
+        <a:xfrm>
+          <a:off x="0" y="0"/>
+          <a:ext cx="0" cy="0"/>
+          <a:chOff x="0" y="0"/>
+          <a:chExt cx="0" cy="0"/>
+        </a:xfrm>
+      </p:grpSpPr>
+      <p:sp>
+        <p:nvSpPr>
+          <p:cNvPr id="2" name="Titel 1">
+            <a:extLst>
+              <a:ext uri="{FF2B5EF4-FFF2-40B4-BE49-F238E27FC236}">
+                <a16:creationId xmlns:a16="http://schemas.microsoft.com/office/drawing/2014/main" id="{F7D4DE62-5124-24BA-A1EE-9EEB335288D3}"/>
+              </a:ext>
+            </a:extLst>
+          </p:cNvPr>
+          <p:cNvSpPr>
+            <a:spLocks noGrp="1"/>
+          </p:cNvSpPr>
+          <p:nvPr>
+            <p:ph type="title"/>
+          </p:nvPr>
+        </p:nvSpPr>
+        <p:spPr>
+          <a:xfrm>
+            <a:off x="1333499" y="1020446"/>
+            <a:ext cx="3171825" cy="666114"/>
+          </a:xfrm>
+        </p:spPr>
+        <p:txBody>
+          <a:bodyPr>
+            <a:normAutofit/>
+          </a:bodyPr>
+          <a:lstStyle/>
+          <a:p>
+            <a:r>
+              <a:rPr lang="nl-BE" dirty="0"/>
+              <a:t>Het project</a:t>
+            </a:r>
+          </a:p>
+        </p:txBody>
+      </p:sp>
+      <p:sp>
+        <p:nvSpPr>
+          <p:cNvPr id="3" name="Tijdelijke aanduiding voor inhoud 2">
+            <a:extLst>
+              <a:ext uri="{FF2B5EF4-FFF2-40B4-BE49-F238E27FC236}">
+                <a16:creationId xmlns:a16="http://schemas.microsoft.com/office/drawing/2014/main" id="{C9CC1EF5-8A35-1047-CF72-32580F3C359E}"/>
+              </a:ext>
+            </a:extLst>
+          </p:cNvPr>
+          <p:cNvSpPr>
+            <a:spLocks noGrp="1"/>
+          </p:cNvSpPr>
+          <p:nvPr>
+            <p:ph idx="1"/>
+          </p:nvPr>
+        </p:nvSpPr>
+        <p:spPr>
+          <a:xfrm>
+            <a:off x="1333499" y="1950720"/>
+            <a:ext cx="3583941" cy="3749040"/>
+          </a:xfrm>
+        </p:spPr>
+        <p:txBody>
+          <a:bodyPr/>
+          <a:lstStyle/>
+          <a:p>
+            <a:pPr marL="285750" indent="-285750">
+              <a:buFont typeface="Arial" panose="020B0604020202020204" pitchFamily="34" charset="0"/>
+              <a:buChar char="•"/>
+            </a:pPr>
+            <a:r>
+              <a:rPr lang="nl-BE" dirty="0"/>
+              <a:t>Beheren van voertuigen, tankkaarten en bestuurders</a:t>
+            </a:r>
+          </a:p>
+          <a:p>
+            <a:pPr marL="742950" lvl="1" indent="-285750">
+              <a:buFont typeface="Arial" panose="020B0604020202020204" pitchFamily="34" charset="0"/>
+              <a:buChar char="•"/>
+            </a:pPr>
+            <a:r>
+              <a:rPr lang="nl-BE" dirty="0"/>
+              <a:t>Nieuwe items kunnen toevoegen</a:t>
+            </a:r>
+          </a:p>
+          <a:p>
+            <a:pPr marL="742950" lvl="1" indent="-285750">
+              <a:buFont typeface="Arial" panose="020B0604020202020204" pitchFamily="34" charset="0"/>
+              <a:buChar char="•"/>
+            </a:pPr>
+            <a:r>
+              <a:rPr lang="nl-BE" dirty="0"/>
+              <a:t>Detailweergave openen</a:t>
+            </a:r>
+          </a:p>
+          <a:p>
+            <a:pPr marL="742950" lvl="1" indent="-285750">
+              <a:buFont typeface="Arial" panose="020B0604020202020204" pitchFamily="34" charset="0"/>
+              <a:buChar char="•"/>
+            </a:pPr>
+            <a:r>
+              <a:rPr lang="nl-BE" dirty="0"/>
+              <a:t>Bewerk weergave openen</a:t>
+            </a:r>
+          </a:p>
+          <a:p>
+            <a:pPr marL="742950" lvl="1" indent="-285750">
+              <a:buFont typeface="Arial" panose="020B0604020202020204" pitchFamily="34" charset="0"/>
+              <a:buChar char="•"/>
+            </a:pPr>
+            <a:r>
+              <a:rPr lang="nl-BE" dirty="0"/>
+              <a:t>Verwijderen van een item</a:t>
+            </a:r>
+          </a:p>
+          <a:p>
+            <a:pPr marL="285750" indent="-285750">
+              <a:buFont typeface="Arial" panose="020B0604020202020204" pitchFamily="34" charset="0"/>
+              <a:buChar char="•"/>
+            </a:pPr>
+            <a:r>
+              <a:rPr lang="nl-BE" dirty="0"/>
+              <a:t>Restricties op gegevens</a:t>
+            </a:r>
+          </a:p>
+        </p:txBody>
+      </p:sp>
+      <p:sp>
+        <p:nvSpPr>
+          <p:cNvPr id="4" name="Tijdelijke aanduiding voor datum 3">
+            <a:extLst>
+              <a:ext uri="{FF2B5EF4-FFF2-40B4-BE49-F238E27FC236}">
+                <a16:creationId xmlns:a16="http://schemas.microsoft.com/office/drawing/2014/main" id="{913874A0-D37A-3DA3-BE24-83B9D5865E74}"/>
+              </a:ext>
+            </a:extLst>
+          </p:cNvPr>
+          <p:cNvSpPr>
+            <a:spLocks noGrp="1"/>
+          </p:cNvSpPr>
+          <p:nvPr>
+            <p:ph type="dt" sz="half" idx="10"/>
+          </p:nvPr>
+        </p:nvSpPr>
+        <p:spPr/>
+        <p:txBody>
+          <a:bodyPr/>
+          <a:lstStyle/>
+          <a:p>
+            <a:pPr rtl="0"/>
+            <a:r>
+              <a:rPr lang="fr-FR" noProof="0" dirty="0"/>
+              <a:t>2023</a:t>
+            </a:r>
+          </a:p>
+        </p:txBody>
+      </p:sp>
+      <p:sp>
+        <p:nvSpPr>
+          <p:cNvPr id="5" name="Tijdelijke aanduiding voor voettekst 4">
+            <a:extLst>
+              <a:ext uri="{FF2B5EF4-FFF2-40B4-BE49-F238E27FC236}">
+                <a16:creationId xmlns:a16="http://schemas.microsoft.com/office/drawing/2014/main" id="{E6CFE0BC-8974-7494-3034-88305B05A2E3}"/>
+              </a:ext>
+            </a:extLst>
+          </p:cNvPr>
+          <p:cNvSpPr>
+            <a:spLocks noGrp="1"/>
+          </p:cNvSpPr>
+          <p:nvPr>
+            <p:ph type="ftr" sz="quarter" idx="11"/>
+          </p:nvPr>
+        </p:nvSpPr>
+        <p:spPr/>
+        <p:txBody>
+          <a:bodyPr/>
+          <a:lstStyle/>
+          <a:p>
+            <a:pPr rtl="0"/>
+            <a:r>
+              <a:rPr lang="fr-FR" noProof="0" dirty="0" err="1"/>
+              <a:t>Fleetmanager</a:t>
+            </a:r>
+            <a:r>
+              <a:rPr lang="fr-FR" noProof="0" dirty="0"/>
+              <a:t> </a:t>
+            </a:r>
+            <a:r>
+              <a:rPr lang="fr-FR" noProof="0" dirty="0" err="1"/>
+              <a:t>Allphi</a:t>
+            </a:r>
+            <a:endParaRPr lang="fr-FR" noProof="0" dirty="0"/>
+          </a:p>
+        </p:txBody>
+      </p:sp>
+      <p:sp>
+        <p:nvSpPr>
+          <p:cNvPr id="6" name="Tijdelijke aanduiding voor dianummer 5">
+            <a:extLst>
+              <a:ext uri="{FF2B5EF4-FFF2-40B4-BE49-F238E27FC236}">
+                <a16:creationId xmlns:a16="http://schemas.microsoft.com/office/drawing/2014/main" id="{836007E6-6492-A392-C148-B671D972D987}"/>
+              </a:ext>
+            </a:extLst>
+          </p:cNvPr>
+          <p:cNvSpPr>
+            <a:spLocks noGrp="1"/>
+          </p:cNvSpPr>
+          <p:nvPr>
+            <p:ph type="sldNum" sz="quarter" idx="12"/>
+          </p:nvPr>
+        </p:nvSpPr>
+        <p:spPr/>
+        <p:txBody>
+          <a:bodyPr/>
+          <a:lstStyle/>
+          <a:p>
+            <a:pPr rtl="0"/>
+            <a:fld id="{B5CEABB6-07DC-46E8-9B57-56EC44A396E5}" type="slidenum">
+              <a:rPr lang="fr-FR" noProof="0" smtClean="0"/>
+              <a:t>2</a:t>
+            </a:fld>
+            <a:endParaRPr lang="fr-FR" noProof="0"/>
+          </a:p>
+        </p:txBody>
+      </p:sp>
+    </p:spTree>
+    <p:extLst>
+      <p:ext uri="{BB962C8B-B14F-4D97-AF65-F5344CB8AC3E}">
+        <p14:creationId xmlns:p14="http://schemas.microsoft.com/office/powerpoint/2010/main" val="386849723"/>
+      </p:ext>
+    </p:extLst>
+  </p:cSld>
+  <p:clrMapOvr>
+    <a:masterClrMapping/>
+  </p:clrMapOvr>
+</p:sld>
+</file>
+
+<file path=ppt/slides/slide3.xml><?xml version="1.0" encoding="utf-8"?>
+<p:sld xmlns:a="http://schemas.openxmlformats.org/drawingml/2006/main" xmlns:r="http://schemas.openxmlformats.org/officeDocument/2006/relationships" xmlns:p="http://schemas.openxmlformats.org/presentationml/2006/main">
+  <p:cSld>
+    <p:spTree>
+      <p:nvGrpSpPr>
+        <p:cNvPr id="1" name=""/>
+        <p:cNvGrpSpPr/>
+        <p:nvPr/>
+      </p:nvGrpSpPr>
+      <p:grpSpPr>
+        <a:xfrm>
+          <a:off x="0" y="0"/>
+          <a:ext cx="0" cy="0"/>
+          <a:chOff x="0" y="0"/>
+          <a:chExt cx="0" cy="0"/>
+        </a:xfrm>
+      </p:grpSpPr>
+      <p:sp>
+        <p:nvSpPr>
+          <p:cNvPr id="2" name="Titre 1">
+            <a:extLst>
+              <a:ext uri="{FF2B5EF4-FFF2-40B4-BE49-F238E27FC236}">
+                <a16:creationId xmlns:a16="http://schemas.microsoft.com/office/drawing/2014/main" id="{75031FE9-9059-4FE8-B4AC-9771F23A1B89}"/>
+              </a:ext>
+            </a:extLst>
+          </p:cNvPr>
+          <p:cNvSpPr>
+            <a:spLocks noGrp="1"/>
+          </p:cNvSpPr>
+          <p:nvPr>
+            <p:ph type="title"/>
+          </p:nvPr>
+        </p:nvSpPr>
+        <p:spPr>
+          <a:xfrm>
+            <a:off x="1885156" y="892177"/>
+            <a:ext cx="8421688" cy="1325563"/>
+          </a:xfrm>
+        </p:spPr>
+        <p:txBody>
+          <a:bodyPr rtlCol="0"/>
+          <a:lstStyle/>
+          <a:p>
+            <a:pPr rtl="0"/>
+            <a:r>
+              <a:rPr lang="fr-FR" dirty="0"/>
+              <a:t>Onze </a:t>
+            </a:r>
+            <a:r>
+              <a:rPr lang="fr-FR" dirty="0" err="1"/>
+              <a:t>visie</a:t>
+            </a:r>
+            <a:endParaRPr lang="fr-FR" dirty="0"/>
+          </a:p>
+        </p:txBody>
+      </p:sp>
+      <p:sp>
+        <p:nvSpPr>
+          <p:cNvPr id="3" name="Espace réservé du contenu 2">
+            <a:extLst>
+              <a:ext uri="{FF2B5EF4-FFF2-40B4-BE49-F238E27FC236}">
+                <a16:creationId xmlns:a16="http://schemas.microsoft.com/office/drawing/2014/main" id="{D4A2EB3F-4D60-451F-8F45-7D6654D2FCD9}"/>
+              </a:ext>
+            </a:extLst>
+          </p:cNvPr>
+          <p:cNvSpPr>
+            <a:spLocks noGrp="1"/>
+          </p:cNvSpPr>
+          <p:nvPr>
+            <p:ph type="body" sz="quarter" idx="13"/>
+          </p:nvPr>
+        </p:nvSpPr>
+        <p:spPr>
+          <a:xfrm>
+            <a:off x="1485900" y="2563123"/>
+            <a:ext cx="4031945" cy="365125"/>
+          </a:xfrm>
+        </p:spPr>
+        <p:txBody>
+          <a:bodyPr vert="horz" lIns="91440" tIns="45720" rIns="91440" bIns="45720" rtlCol="0" anchor="t">
+            <a:normAutofit lnSpcReduction="10000"/>
+          </a:bodyPr>
+          <a:lstStyle/>
+          <a:p>
+            <a:pPr rtl="0"/>
+            <a:r>
+              <a:rPr lang="fr-FR" dirty="0"/>
+              <a:t>Login</a:t>
+            </a:r>
+          </a:p>
+        </p:txBody>
+      </p:sp>
+      <p:sp>
+        <p:nvSpPr>
+          <p:cNvPr id="4" name="Espace réservé du texte 3">
+            <a:extLst>
+              <a:ext uri="{FF2B5EF4-FFF2-40B4-BE49-F238E27FC236}">
+                <a16:creationId xmlns:a16="http://schemas.microsoft.com/office/drawing/2014/main" id="{AC1C80FB-53F9-42EE-B1E6-D0F998EC5DFA}"/>
+              </a:ext>
+            </a:extLst>
+          </p:cNvPr>
+          <p:cNvSpPr>
+            <a:spLocks noGrp="1"/>
+          </p:cNvSpPr>
+          <p:nvPr>
+            <p:ph type="body" sz="quarter" idx="15"/>
+          </p:nvPr>
+        </p:nvSpPr>
+        <p:spPr>
+          <a:xfrm>
+            <a:off x="1485664" y="3070348"/>
+            <a:ext cx="4031030" cy="1057308"/>
+          </a:xfrm>
+        </p:spPr>
+        <p:txBody>
+          <a:bodyPr rtlCol="0"/>
+          <a:lstStyle/>
+          <a:p>
+            <a:pPr rtl="0"/>
+            <a:r>
+              <a:rPr lang="fr-FR" dirty="0" err="1"/>
+              <a:t>Meerdere</a:t>
+            </a:r>
+            <a:r>
+              <a:rPr lang="fr-FR" dirty="0"/>
+              <a:t> managers </a:t>
+            </a:r>
+            <a:r>
+              <a:rPr lang="fr-FR" dirty="0" err="1"/>
+              <a:t>kunnen</a:t>
+            </a:r>
+            <a:r>
+              <a:rPr lang="fr-FR" dirty="0"/>
+              <a:t> </a:t>
+            </a:r>
+            <a:r>
+              <a:rPr lang="fr-FR" dirty="0" err="1"/>
+              <a:t>werken</a:t>
+            </a:r>
+            <a:r>
+              <a:rPr lang="fr-FR" dirty="0"/>
+              <a:t> op onze </a:t>
+            </a:r>
+            <a:r>
+              <a:rPr lang="fr-FR" dirty="0" err="1"/>
+              <a:t>applicatie</a:t>
+            </a:r>
+            <a:endParaRPr lang="fr-FR" dirty="0"/>
+          </a:p>
+        </p:txBody>
+      </p:sp>
+      <p:sp>
+        <p:nvSpPr>
+          <p:cNvPr id="5" name="Espace réservé du texte 4">
+            <a:extLst>
+              <a:ext uri="{FF2B5EF4-FFF2-40B4-BE49-F238E27FC236}">
+                <a16:creationId xmlns:a16="http://schemas.microsoft.com/office/drawing/2014/main" id="{E81BA2B5-6A90-4204-ABDD-7183FBB03A02}"/>
+              </a:ext>
+            </a:extLst>
+          </p:cNvPr>
+          <p:cNvSpPr>
+            <a:spLocks noGrp="1"/>
+          </p:cNvSpPr>
+          <p:nvPr>
+            <p:ph type="body" sz="quarter" idx="16"/>
+          </p:nvPr>
+        </p:nvSpPr>
+        <p:spPr>
+          <a:xfrm>
+            <a:off x="6673004" y="2563123"/>
+            <a:ext cx="4031945" cy="365125"/>
+          </a:xfrm>
+        </p:spPr>
+        <p:txBody>
+          <a:bodyPr rtlCol="0">
+            <a:normAutofit lnSpcReduction="10000"/>
+          </a:bodyPr>
+          <a:lstStyle/>
+          <a:p>
+            <a:pPr rtl="0"/>
+            <a:r>
+              <a:rPr lang="fr-FR" dirty="0"/>
+              <a:t>Interfaces</a:t>
+            </a:r>
+          </a:p>
+        </p:txBody>
+      </p:sp>
+      <p:sp>
+        <p:nvSpPr>
+          <p:cNvPr id="6" name="Espace réservé du texte 5">
+            <a:extLst>
+              <a:ext uri="{FF2B5EF4-FFF2-40B4-BE49-F238E27FC236}">
+                <a16:creationId xmlns:a16="http://schemas.microsoft.com/office/drawing/2014/main" id="{7E7D4C34-22A0-4D54-A07D-E1E9A11463E5}"/>
+              </a:ext>
+            </a:extLst>
+          </p:cNvPr>
+          <p:cNvSpPr>
+            <a:spLocks noGrp="1"/>
+          </p:cNvSpPr>
+          <p:nvPr>
+            <p:ph type="body" sz="quarter" idx="17"/>
+          </p:nvPr>
+        </p:nvSpPr>
+        <p:spPr>
+          <a:xfrm>
+            <a:off x="6673143" y="3070348"/>
+            <a:ext cx="4031030" cy="1057308"/>
+          </a:xfrm>
+        </p:spPr>
+        <p:txBody>
+          <a:bodyPr rtlCol="0"/>
+          <a:lstStyle/>
+          <a:p>
+            <a:pPr rtl="0"/>
+            <a:r>
+              <a:rPr lang="fr-FR" dirty="0"/>
+              <a:t>In </a:t>
+            </a:r>
+            <a:r>
+              <a:rPr lang="fr-FR" dirty="0" err="1"/>
+              <a:t>één</a:t>
+            </a:r>
+            <a:r>
+              <a:rPr lang="fr-FR" dirty="0"/>
+              <a:t> </a:t>
+            </a:r>
+            <a:r>
+              <a:rPr lang="fr-FR" dirty="0" err="1"/>
+              <a:t>oogopslag</a:t>
+            </a:r>
+            <a:r>
+              <a:rPr lang="fr-FR" dirty="0"/>
+              <a:t> </a:t>
+            </a:r>
+            <a:r>
+              <a:rPr lang="fr-FR" dirty="0" err="1"/>
+              <a:t>alle</a:t>
+            </a:r>
+            <a:r>
+              <a:rPr lang="fr-FR" dirty="0"/>
+              <a:t> </a:t>
+            </a:r>
+            <a:r>
+              <a:rPr lang="fr-FR" dirty="0" err="1"/>
+              <a:t>informatie</a:t>
+            </a:r>
+            <a:r>
+              <a:rPr lang="fr-FR" dirty="0"/>
+              <a:t> </a:t>
+            </a:r>
+            <a:r>
+              <a:rPr lang="fr-FR" dirty="0" err="1"/>
+              <a:t>zichtbaar</a:t>
+            </a:r>
+            <a:r>
+              <a:rPr lang="fr-FR" dirty="0"/>
+              <a:t> en </a:t>
+            </a:r>
+            <a:r>
+              <a:rPr lang="fr-FR" dirty="0" err="1"/>
+              <a:t>ook</a:t>
+            </a:r>
+            <a:r>
+              <a:rPr lang="fr-FR" dirty="0"/>
+              <a:t> </a:t>
+            </a:r>
+            <a:r>
+              <a:rPr lang="fr-FR" dirty="0" err="1"/>
+              <a:t>aanpasbaar</a:t>
+            </a:r>
+            <a:r>
+              <a:rPr lang="fr-FR" dirty="0"/>
+              <a:t>.</a:t>
+            </a:r>
+          </a:p>
+          <a:p>
+            <a:pPr rtl="0"/>
+            <a:r>
+              <a:rPr lang="fr-FR" dirty="0" err="1"/>
+              <a:t>Makkelijk</a:t>
+            </a:r>
+            <a:r>
+              <a:rPr lang="fr-FR" dirty="0"/>
+              <a:t> </a:t>
+            </a:r>
+            <a:r>
+              <a:rPr lang="fr-FR" dirty="0" err="1"/>
+              <a:t>overschakelen</a:t>
+            </a:r>
+            <a:r>
+              <a:rPr lang="fr-FR" dirty="0"/>
+              <a:t> </a:t>
+            </a:r>
+            <a:r>
+              <a:rPr lang="fr-FR" dirty="0" err="1"/>
+              <a:t>tussen</a:t>
+            </a:r>
+            <a:r>
+              <a:rPr lang="fr-FR" dirty="0"/>
+              <a:t> </a:t>
+            </a:r>
+            <a:r>
+              <a:rPr lang="fr-FR" dirty="0" err="1"/>
+              <a:t>schermen</a:t>
+            </a:r>
+            <a:endParaRPr lang="fr-FR" dirty="0"/>
+          </a:p>
+          <a:p>
+            <a:pPr rtl="0"/>
+            <a:endParaRPr lang="fr-FR" dirty="0"/>
+          </a:p>
+        </p:txBody>
+      </p:sp>
+      <p:sp>
+        <p:nvSpPr>
+          <p:cNvPr id="7" name="Espace réservé du texte 6">
+            <a:extLst>
+              <a:ext uri="{FF2B5EF4-FFF2-40B4-BE49-F238E27FC236}">
+                <a16:creationId xmlns:a16="http://schemas.microsoft.com/office/drawing/2014/main" id="{301D392D-FB66-47A0-B628-5ADE822A2CFF}"/>
+              </a:ext>
+            </a:extLst>
+          </p:cNvPr>
+          <p:cNvSpPr>
+            <a:spLocks noGrp="1"/>
+          </p:cNvSpPr>
+          <p:nvPr>
+            <p:ph type="body" sz="quarter" idx="18"/>
+          </p:nvPr>
+        </p:nvSpPr>
+        <p:spPr>
+          <a:xfrm>
+            <a:off x="1485899" y="4319431"/>
+            <a:ext cx="4031945" cy="365125"/>
+          </a:xfrm>
+        </p:spPr>
+        <p:txBody>
+          <a:bodyPr rtlCol="0">
+            <a:normAutofit lnSpcReduction="10000"/>
+          </a:bodyPr>
+          <a:lstStyle/>
+          <a:p>
+            <a:pPr rtl="0"/>
+            <a:r>
+              <a:rPr lang="fr-FR" dirty="0" err="1"/>
+              <a:t>Relaties</a:t>
+            </a:r>
+            <a:endParaRPr lang="fr-FR" dirty="0"/>
+          </a:p>
+        </p:txBody>
+      </p:sp>
+      <p:sp>
+        <p:nvSpPr>
+          <p:cNvPr id="8" name="Espace réservé du texte 7">
+            <a:extLst>
+              <a:ext uri="{FF2B5EF4-FFF2-40B4-BE49-F238E27FC236}">
+                <a16:creationId xmlns:a16="http://schemas.microsoft.com/office/drawing/2014/main" id="{51C26CE0-2506-4B44-A26F-C12BFA5B18B5}"/>
+              </a:ext>
+            </a:extLst>
+          </p:cNvPr>
+          <p:cNvSpPr>
+            <a:spLocks noGrp="1"/>
+          </p:cNvSpPr>
+          <p:nvPr>
+            <p:ph type="body" sz="quarter" idx="19"/>
+          </p:nvPr>
+        </p:nvSpPr>
+        <p:spPr>
+          <a:xfrm>
+            <a:off x="1486412" y="4826656"/>
+            <a:ext cx="4031030" cy="1057308"/>
+          </a:xfrm>
+        </p:spPr>
+        <p:txBody>
+          <a:bodyPr rtlCol="0"/>
+          <a:lstStyle/>
+          <a:p>
+            <a:pPr rtl="0"/>
+            <a:r>
+              <a:rPr lang="fr-FR" dirty="0"/>
+              <a:t>Het </a:t>
+            </a:r>
+            <a:r>
+              <a:rPr lang="fr-FR" dirty="0" err="1"/>
+              <a:t>zichtbaar</a:t>
+            </a:r>
+            <a:r>
+              <a:rPr lang="fr-FR" dirty="0"/>
+              <a:t> </a:t>
+            </a:r>
+            <a:r>
+              <a:rPr lang="fr-FR" dirty="0" err="1"/>
+              <a:t>maken</a:t>
+            </a:r>
+            <a:r>
+              <a:rPr lang="fr-FR" dirty="0"/>
+              <a:t> van de </a:t>
+            </a:r>
+            <a:r>
+              <a:rPr lang="fr-FR" dirty="0" err="1"/>
+              <a:t>relatie</a:t>
+            </a:r>
+            <a:r>
+              <a:rPr lang="fr-FR" dirty="0"/>
+              <a:t> </a:t>
+            </a:r>
+            <a:r>
+              <a:rPr lang="fr-FR" dirty="0" err="1"/>
+              <a:t>tussen</a:t>
+            </a:r>
+            <a:r>
+              <a:rPr lang="fr-FR" dirty="0"/>
+              <a:t> </a:t>
+            </a:r>
+            <a:r>
+              <a:rPr lang="fr-FR" dirty="0" err="1"/>
+              <a:t>bepaalde</a:t>
+            </a:r>
+            <a:r>
+              <a:rPr lang="fr-FR" dirty="0"/>
+              <a:t> </a:t>
+            </a:r>
+            <a:r>
+              <a:rPr lang="fr-FR" dirty="0" err="1"/>
+              <a:t>tankkaarten</a:t>
+            </a:r>
+            <a:r>
+              <a:rPr lang="fr-FR" dirty="0"/>
+              <a:t>, </a:t>
+            </a:r>
+            <a:r>
+              <a:rPr lang="fr-FR" dirty="0" err="1"/>
+              <a:t>bestuurders</a:t>
+            </a:r>
+            <a:r>
+              <a:rPr lang="fr-FR" dirty="0"/>
+              <a:t> en </a:t>
+            </a:r>
+            <a:r>
+              <a:rPr lang="fr-FR" dirty="0" err="1"/>
+              <a:t>voertuigen</a:t>
+            </a:r>
+            <a:endParaRPr lang="fr-FR" dirty="0"/>
+          </a:p>
+          <a:p>
+            <a:pPr rtl="0"/>
+            <a:endParaRPr lang="fr-FR" dirty="0"/>
+          </a:p>
+        </p:txBody>
+      </p:sp>
+      <p:sp>
+        <p:nvSpPr>
+          <p:cNvPr id="9" name="Espace réservé du texte 8">
+            <a:extLst>
+              <a:ext uri="{FF2B5EF4-FFF2-40B4-BE49-F238E27FC236}">
+                <a16:creationId xmlns:a16="http://schemas.microsoft.com/office/drawing/2014/main" id="{868F40F8-BF35-45E9-B3DD-5436362D746E}"/>
+              </a:ext>
+            </a:extLst>
+          </p:cNvPr>
+          <p:cNvSpPr>
+            <a:spLocks noGrp="1"/>
+          </p:cNvSpPr>
+          <p:nvPr>
+            <p:ph type="body" sz="quarter" idx="23"/>
+          </p:nvPr>
+        </p:nvSpPr>
+        <p:spPr>
+          <a:xfrm>
+            <a:off x="6672630" y="4319431"/>
+            <a:ext cx="4031945" cy="365125"/>
+          </a:xfrm>
+        </p:spPr>
+        <p:txBody>
+          <a:bodyPr rtlCol="0">
+            <a:normAutofit lnSpcReduction="10000"/>
+          </a:bodyPr>
+          <a:lstStyle/>
+          <a:p>
+            <a:pPr rtl="0"/>
+            <a:r>
+              <a:rPr lang="fr-FR" dirty="0" err="1"/>
+              <a:t>Efficiëntie</a:t>
+            </a:r>
+            <a:endParaRPr lang="fr-FR" dirty="0"/>
+          </a:p>
+        </p:txBody>
+      </p:sp>
+      <p:sp>
+        <p:nvSpPr>
+          <p:cNvPr id="10" name="Espace réservé du texte 9">
+            <a:extLst>
+              <a:ext uri="{FF2B5EF4-FFF2-40B4-BE49-F238E27FC236}">
+                <a16:creationId xmlns:a16="http://schemas.microsoft.com/office/drawing/2014/main" id="{7F39C97C-2DDC-4706-B96C-B02FAE53A426}"/>
+              </a:ext>
+            </a:extLst>
+          </p:cNvPr>
+          <p:cNvSpPr>
+            <a:spLocks noGrp="1"/>
+          </p:cNvSpPr>
+          <p:nvPr>
+            <p:ph type="body" sz="quarter" idx="24"/>
+          </p:nvPr>
+        </p:nvSpPr>
+        <p:spPr>
+          <a:xfrm>
+            <a:off x="6673143" y="4826656"/>
+            <a:ext cx="4031030" cy="1057308"/>
+          </a:xfrm>
+        </p:spPr>
+        <p:txBody>
+          <a:bodyPr rtlCol="0"/>
+          <a:lstStyle/>
+          <a:p>
+            <a:pPr rtl="0"/>
+            <a:r>
+              <a:rPr lang="fr-FR" dirty="0" err="1"/>
+              <a:t>Simpele</a:t>
+            </a:r>
+            <a:r>
+              <a:rPr lang="fr-FR" dirty="0"/>
+              <a:t> interfaces </a:t>
+            </a:r>
+            <a:r>
+              <a:rPr lang="fr-FR" dirty="0" err="1"/>
+              <a:t>zorgen</a:t>
+            </a:r>
+            <a:r>
+              <a:rPr lang="fr-FR" dirty="0"/>
+              <a:t> </a:t>
+            </a:r>
+            <a:r>
+              <a:rPr lang="fr-FR" dirty="0" err="1"/>
+              <a:t>voor</a:t>
+            </a:r>
+            <a:r>
+              <a:rPr lang="fr-FR" dirty="0"/>
+              <a:t> </a:t>
+            </a:r>
+            <a:r>
+              <a:rPr lang="fr-FR" dirty="0" err="1"/>
+              <a:t>gebruiksvriendelijk</a:t>
+            </a:r>
+            <a:r>
+              <a:rPr lang="fr-FR" dirty="0"/>
+              <a:t> en </a:t>
+            </a:r>
+            <a:r>
+              <a:rPr lang="fr-FR" dirty="0" err="1"/>
+              <a:t>efficiënt</a:t>
+            </a:r>
+            <a:r>
+              <a:rPr lang="fr-FR" dirty="0"/>
+              <a:t> </a:t>
+            </a:r>
+            <a:r>
+              <a:rPr lang="fr-FR" dirty="0" err="1"/>
+              <a:t>gebruik</a:t>
+            </a:r>
+            <a:r>
+              <a:rPr lang="fr-FR" dirty="0"/>
+              <a:t> </a:t>
+            </a:r>
+          </a:p>
+        </p:txBody>
+      </p:sp>
+      <p:sp>
+        <p:nvSpPr>
+          <p:cNvPr id="80" name="Espace réservé de la date 79">
+            <a:extLst>
+              <a:ext uri="{FF2B5EF4-FFF2-40B4-BE49-F238E27FC236}">
+                <a16:creationId xmlns:a16="http://schemas.microsoft.com/office/drawing/2014/main" id="{BC1F9D86-85D8-4FD0-B0D3-47D778722782}"/>
+              </a:ext>
+            </a:extLst>
+          </p:cNvPr>
+          <p:cNvSpPr>
+            <a:spLocks noGrp="1"/>
+          </p:cNvSpPr>
+          <p:nvPr>
+            <p:ph type="dt" sz="half" idx="20"/>
+          </p:nvPr>
+        </p:nvSpPr>
+        <p:spPr>
+          <a:xfrm>
+            <a:off x="838200" y="6356350"/>
+            <a:ext cx="2743200" cy="365125"/>
+          </a:xfrm>
+        </p:spPr>
+        <p:txBody>
+          <a:bodyPr rtlCol="0"/>
+          <a:lstStyle/>
+          <a:p>
+            <a:pPr rtl="0"/>
+            <a:r>
+              <a:rPr lang="fr-FR" dirty="0"/>
+              <a:t>2023</a:t>
+            </a:r>
+          </a:p>
+        </p:txBody>
+      </p:sp>
+      <p:sp>
+        <p:nvSpPr>
+          <p:cNvPr id="81" name="Espace réservé du pied de page 80">
+            <a:extLst>
+              <a:ext uri="{FF2B5EF4-FFF2-40B4-BE49-F238E27FC236}">
+                <a16:creationId xmlns:a16="http://schemas.microsoft.com/office/drawing/2014/main" id="{E94F1D24-E4A1-4B59-B57E-A28453963B88}"/>
+              </a:ext>
+            </a:extLst>
+          </p:cNvPr>
+          <p:cNvSpPr>
+            <a:spLocks noGrp="1"/>
+          </p:cNvSpPr>
+          <p:nvPr>
+            <p:ph type="ftr" sz="quarter" idx="21"/>
+          </p:nvPr>
+        </p:nvSpPr>
+        <p:spPr>
+          <a:xfrm>
+            <a:off x="4038600" y="6356350"/>
+            <a:ext cx="4114800" cy="365125"/>
+          </a:xfrm>
+        </p:spPr>
+        <p:txBody>
+          <a:bodyPr rtlCol="0"/>
+          <a:lstStyle/>
+          <a:p>
+            <a:pPr rtl="0"/>
+            <a:r>
+              <a:rPr lang="fr-FR" noProof="0" dirty="0" err="1"/>
+              <a:t>Fleetmanager</a:t>
+            </a:r>
+            <a:r>
+              <a:rPr lang="fr-FR" noProof="0" dirty="0"/>
+              <a:t> </a:t>
+            </a:r>
+            <a:r>
+              <a:rPr lang="fr-FR" noProof="0" dirty="0" err="1"/>
+              <a:t>Allphi</a:t>
+            </a:r>
+            <a:endParaRPr lang="fr-FR" noProof="0" dirty="0"/>
+          </a:p>
+        </p:txBody>
+      </p:sp>
+      <p:sp>
+        <p:nvSpPr>
+          <p:cNvPr id="82" name="Espace réservé du numéro de diapositive 81">
+            <a:extLst>
+              <a:ext uri="{FF2B5EF4-FFF2-40B4-BE49-F238E27FC236}">
+                <a16:creationId xmlns:a16="http://schemas.microsoft.com/office/drawing/2014/main" id="{CE36A058-BEC2-4BC5-A467-F2EB2A365051}"/>
+              </a:ext>
+            </a:extLst>
+          </p:cNvPr>
+          <p:cNvSpPr>
+            <a:spLocks noGrp="1"/>
+          </p:cNvSpPr>
+          <p:nvPr>
+            <p:ph type="sldNum" sz="quarter" idx="22"/>
+          </p:nvPr>
+        </p:nvSpPr>
+        <p:spPr>
+          <a:xfrm>
+            <a:off x="8610600" y="6356350"/>
+            <a:ext cx="2743200" cy="365125"/>
+          </a:xfrm>
+        </p:spPr>
+        <p:txBody>
+          <a:bodyPr rtlCol="0"/>
+          <a:lstStyle/>
+          <a:p>
+            <a:pPr rtl="0"/>
+            <a:fld id="{B5CEABB6-07DC-46E8-9B57-56EC44A396E5}" type="slidenum">
+              <a:rPr lang="fr-FR" smtClean="0"/>
+              <a:pPr rtl="0"/>
+              <a:t>3</a:t>
+            </a:fld>
+            <a:endParaRPr lang="fr-FR"/>
+          </a:p>
+        </p:txBody>
+      </p:sp>
+    </p:spTree>
+    <p:extLst>
+      <p:ext uri="{BB962C8B-B14F-4D97-AF65-F5344CB8AC3E}">
+        <p14:creationId xmlns:p14="http://schemas.microsoft.com/office/powerpoint/2010/main" val="1593920805"/>
+      </p:ext>
+    </p:extLst>
+  </p:cSld>
+  <p:clrMapOvr>
+    <a:masterClrMapping/>
+  </p:clrMapOvr>
+</p:sld>
+</file>
+
+<file path=ppt/slides/slide4.xml><?xml version="1.0" encoding="utf-8"?>
+<p:sld xmlns:a="http://schemas.openxmlformats.org/drawingml/2006/main" xmlns:r="http://schemas.openxmlformats.org/officeDocument/2006/relationships" xmlns:p="http://schemas.openxmlformats.org/presentationml/2006/main">
+  <p:cSld>
+    <p:spTree>
+      <p:nvGrpSpPr>
+        <p:cNvPr id="1" name=""/>
+        <p:cNvGrpSpPr/>
+        <p:nvPr/>
+      </p:nvGrpSpPr>
+      <p:grpSpPr>
+        <a:xfrm>
+          <a:off x="0" y="0"/>
+          <a:ext cx="0" cy="0"/>
+          <a:chOff x="0" y="0"/>
+          <a:chExt cx="0" cy="0"/>
+        </a:xfrm>
+      </p:grpSpPr>
+      <p:pic>
+        <p:nvPicPr>
+          <p:cNvPr id="28" name="Graphic 27">
+            <a:extLst>
+              <a:ext uri="{FF2B5EF4-FFF2-40B4-BE49-F238E27FC236}">
+                <a16:creationId xmlns:a16="http://schemas.microsoft.com/office/drawing/2014/main" id="{5EF2D944-6AB1-B2B4-3A4F-2FFD45946C1F}"/>
+              </a:ext>
+            </a:extLst>
+          </p:cNvPr>
+          <p:cNvPicPr>
+            <a:picLocks noChangeAspect="1"/>
+          </p:cNvPicPr>
+          <p:nvPr/>
+        </p:nvPicPr>
+        <p:blipFill>
+          <a:blip r:embed="rId3">
+            <a:extLst>
+              <a:ext uri="{96DAC541-7B7A-43D3-8B79-37D633B846F1}">
+                <asvg:svgBlip xmlns:asvg="http://schemas.microsoft.com/office/drawing/2016/SVG/main" r:embed="rId4"/>
+              </a:ext>
+            </a:extLst>
+          </a:blip>
+          <a:stretch>
+            <a:fillRect/>
+          </a:stretch>
+        </p:blipFill>
+        <p:spPr>
+          <a:xfrm>
+            <a:off x="5375128" y="4950699"/>
+            <a:ext cx="1836413" cy="1154170"/>
+          </a:xfrm>
+          <a:prstGeom prst="rect">
+            <a:avLst/>
+          </a:prstGeom>
+        </p:spPr>
+      </p:pic>
+      <p:sp>
+        <p:nvSpPr>
+          <p:cNvPr id="2" name="Titre 1">
+            <a:extLst>
+              <a:ext uri="{FF2B5EF4-FFF2-40B4-BE49-F238E27FC236}">
+                <a16:creationId xmlns:a16="http://schemas.microsoft.com/office/drawing/2014/main" id="{5CE54ABB-4929-4810-950B-2DAEA0A5BAB4}"/>
+              </a:ext>
+            </a:extLst>
+          </p:cNvPr>
+          <p:cNvSpPr>
+            <a:spLocks noGrp="1"/>
+          </p:cNvSpPr>
+          <p:nvPr>
+            <p:ph type="title"/>
+          </p:nvPr>
+        </p:nvSpPr>
+        <p:spPr>
+          <a:xfrm>
+            <a:off x="1885156" y="892177"/>
+            <a:ext cx="8421688" cy="1325563"/>
+          </a:xfrm>
+        </p:spPr>
+        <p:txBody>
+          <a:bodyPr rtlCol="0"/>
+          <a:lstStyle/>
+          <a:p>
+            <a:pPr rtl="0"/>
+            <a:r>
+              <a:rPr lang="nl-BE" dirty="0"/>
+              <a:t>Omgeving, talen en extensies</a:t>
+            </a:r>
+            <a:endParaRPr lang="fr-FR" dirty="0"/>
+          </a:p>
+        </p:txBody>
+      </p:sp>
+      <p:sp>
+        <p:nvSpPr>
+          <p:cNvPr id="4" name="Espace réservé du texte 3">
+            <a:extLst>
+              <a:ext uri="{FF2B5EF4-FFF2-40B4-BE49-F238E27FC236}">
+                <a16:creationId xmlns:a16="http://schemas.microsoft.com/office/drawing/2014/main" id="{A112B089-A8F9-45B1-BE6E-EAC10163F082}"/>
+              </a:ext>
+            </a:extLst>
+          </p:cNvPr>
+          <p:cNvSpPr>
+            <a:spLocks noGrp="1"/>
+          </p:cNvSpPr>
+          <p:nvPr>
+            <p:ph type="body" idx="1"/>
+          </p:nvPr>
+        </p:nvSpPr>
+        <p:spPr>
+          <a:xfrm>
+            <a:off x="1243104" y="2776936"/>
+            <a:ext cx="2882475" cy="823912"/>
+          </a:xfrm>
+        </p:spPr>
+        <p:txBody>
+          <a:bodyPr rtlCol="0"/>
+          <a:lstStyle/>
+          <a:p>
+            <a:pPr rtl="0"/>
+            <a:r>
+              <a:rPr lang="fr-FR" dirty="0"/>
+              <a:t>Visual studio code</a:t>
+            </a:r>
+          </a:p>
+        </p:txBody>
+      </p:sp>
+      <p:sp>
+        <p:nvSpPr>
+          <p:cNvPr id="6" name="Espace réservé du texte 5">
+            <a:extLst>
+              <a:ext uri="{FF2B5EF4-FFF2-40B4-BE49-F238E27FC236}">
+                <a16:creationId xmlns:a16="http://schemas.microsoft.com/office/drawing/2014/main" id="{0FE22F9B-4BF8-41DC-8F1C-836B546E59AD}"/>
+              </a:ext>
+            </a:extLst>
+          </p:cNvPr>
+          <p:cNvSpPr>
+            <a:spLocks noGrp="1"/>
+          </p:cNvSpPr>
+          <p:nvPr>
+            <p:ph type="body" sz="quarter" idx="3"/>
+          </p:nvPr>
+        </p:nvSpPr>
+        <p:spPr>
+          <a:xfrm>
+            <a:off x="4647665" y="2776936"/>
+            <a:ext cx="2896671" cy="823912"/>
+          </a:xfrm>
+        </p:spPr>
+        <p:txBody>
+          <a:bodyPr rtlCol="0"/>
+          <a:lstStyle/>
+          <a:p>
+            <a:pPr rtl="0"/>
+            <a:r>
+              <a:rPr lang="fr-FR" dirty="0"/>
+              <a:t>C#, </a:t>
+            </a:r>
+            <a:r>
+              <a:rPr lang="fr-FR" dirty="0" err="1"/>
+              <a:t>react</a:t>
+            </a:r>
+            <a:r>
+              <a:rPr lang="fr-FR" dirty="0"/>
+              <a:t>, html, </a:t>
+            </a:r>
+            <a:r>
+              <a:rPr lang="fr-FR" dirty="0" err="1"/>
+              <a:t>css</a:t>
+            </a:r>
+            <a:endParaRPr lang="fr-FR" dirty="0"/>
+          </a:p>
+        </p:txBody>
+      </p:sp>
+      <p:pic>
+        <p:nvPicPr>
+          <p:cNvPr id="21" name="Tijdelijke aanduiding voor inhoud 20">
+            <a:extLst>
+              <a:ext uri="{FF2B5EF4-FFF2-40B4-BE49-F238E27FC236}">
+                <a16:creationId xmlns:a16="http://schemas.microsoft.com/office/drawing/2014/main" id="{F903969F-5C45-C2F4-66A6-05477F512072}"/>
+              </a:ext>
+            </a:extLst>
+          </p:cNvPr>
+          <p:cNvPicPr>
+            <a:picLocks noGrp="1" noChangeAspect="1"/>
+          </p:cNvPicPr>
+          <p:nvPr>
+            <p:ph sz="quarter" idx="4"/>
+          </p:nvPr>
+        </p:nvPicPr>
+        <p:blipFill>
+          <a:blip r:embed="rId5">
+            <a:extLst>
+              <a:ext uri="{96DAC541-7B7A-43D3-8B79-37D633B846F1}">
+                <asvg:svgBlip xmlns:asvg="http://schemas.microsoft.com/office/drawing/2016/SVG/main" r:embed="rId6"/>
+              </a:ext>
+            </a:extLst>
+          </a:blip>
+          <a:stretch>
+            <a:fillRect/>
+          </a:stretch>
+        </p:blipFill>
+        <p:spPr>
+          <a:xfrm>
+            <a:off x="4756167" y="3822497"/>
+            <a:ext cx="711130" cy="1003300"/>
+          </a:xfrm>
+        </p:spPr>
+      </p:pic>
+      <p:sp>
+        <p:nvSpPr>
+          <p:cNvPr id="5" name="Espace réservé du contenu 4">
+            <a:extLst>
+              <a:ext uri="{FF2B5EF4-FFF2-40B4-BE49-F238E27FC236}">
+                <a16:creationId xmlns:a16="http://schemas.microsoft.com/office/drawing/2014/main" id="{CF515C5D-2CDB-4E66-B2B8-1451BC44247F}"/>
+              </a:ext>
+            </a:extLst>
+          </p:cNvPr>
+          <p:cNvSpPr>
+            <a:spLocks noGrp="1"/>
+          </p:cNvSpPr>
+          <p:nvPr>
+            <p:ph type="body" idx="13"/>
+          </p:nvPr>
+        </p:nvSpPr>
+        <p:spPr>
+          <a:xfrm>
+            <a:off x="8066421" y="2776936"/>
+            <a:ext cx="2882475" cy="823912"/>
+          </a:xfrm>
+        </p:spPr>
+        <p:txBody>
+          <a:bodyPr vert="horz" lIns="91440" tIns="45720" rIns="91440" bIns="45720" rtlCol="0" anchor="b">
+            <a:normAutofit/>
+          </a:bodyPr>
+          <a:lstStyle/>
+          <a:p>
+            <a:pPr rtl="0"/>
+            <a:r>
+              <a:rPr lang="fr-FR" dirty="0"/>
+              <a:t>Axios, </a:t>
+            </a:r>
+            <a:r>
+              <a:rPr lang="fr-FR" dirty="0" err="1"/>
+              <a:t>material</a:t>
+            </a:r>
+            <a:r>
+              <a:rPr lang="fr-FR" dirty="0"/>
+              <a:t> </a:t>
+            </a:r>
+            <a:r>
+              <a:rPr lang="fr-FR" dirty="0" err="1"/>
+              <a:t>ui</a:t>
+            </a:r>
+            <a:r>
+              <a:rPr lang="fr-FR" dirty="0"/>
+              <a:t>, </a:t>
+            </a:r>
+            <a:r>
+              <a:rPr lang="fr-FR" dirty="0" err="1"/>
+              <a:t>swagger</a:t>
+            </a:r>
+            <a:r>
+              <a:rPr lang="fr-FR" dirty="0"/>
+              <a:t>, … </a:t>
+            </a:r>
+          </a:p>
+        </p:txBody>
+      </p:sp>
+      <p:pic>
+        <p:nvPicPr>
+          <p:cNvPr id="30" name="Tijdelijke aanduiding voor inhoud 29" descr="Afbeelding met Graphics, schermopname, Lettertype, logo&#10;&#10;Automatisch gegenereerde beschrijving">
+            <a:extLst>
+              <a:ext uri="{FF2B5EF4-FFF2-40B4-BE49-F238E27FC236}">
+                <a16:creationId xmlns:a16="http://schemas.microsoft.com/office/drawing/2014/main" id="{FE93AFF4-B700-8F7D-49AC-4F692665BAE0}"/>
+              </a:ext>
+            </a:extLst>
+          </p:cNvPr>
+          <p:cNvPicPr>
+            <a:picLocks noGrp="1" noChangeAspect="1"/>
+          </p:cNvPicPr>
+          <p:nvPr>
+            <p:ph sz="half" idx="14"/>
+          </p:nvPr>
+        </p:nvPicPr>
+        <p:blipFill>
+          <a:blip r:embed="rId7"/>
+          <a:stretch>
+            <a:fillRect/>
+          </a:stretch>
+        </p:blipFill>
+        <p:spPr>
+          <a:xfrm>
+            <a:off x="8404952" y="3786870"/>
+            <a:ext cx="2396736" cy="1074551"/>
+          </a:xfrm>
+        </p:spPr>
+      </p:pic>
+      <p:sp>
+        <p:nvSpPr>
+          <p:cNvPr id="9" name="Espace réservé de la date 8">
+            <a:extLst>
+              <a:ext uri="{FF2B5EF4-FFF2-40B4-BE49-F238E27FC236}">
+                <a16:creationId xmlns:a16="http://schemas.microsoft.com/office/drawing/2014/main" id="{7B78F7A0-88C5-4940-B21C-099F472F39F9}"/>
+              </a:ext>
+            </a:extLst>
+          </p:cNvPr>
+          <p:cNvSpPr>
+            <a:spLocks noGrp="1"/>
+          </p:cNvSpPr>
+          <p:nvPr>
+            <p:ph type="dt" sz="half" idx="10"/>
+          </p:nvPr>
+        </p:nvSpPr>
+        <p:spPr>
+          <a:xfrm>
+            <a:off x="838200" y="6356350"/>
+            <a:ext cx="2743200" cy="365125"/>
+          </a:xfrm>
+        </p:spPr>
+        <p:txBody>
+          <a:bodyPr rtlCol="0"/>
+          <a:lstStyle/>
+          <a:p>
+            <a:pPr rtl="0"/>
+            <a:r>
+              <a:rPr lang="fr-FR" dirty="0"/>
+              <a:t>2023</a:t>
+            </a:r>
+          </a:p>
+        </p:txBody>
+      </p:sp>
+      <p:sp>
+        <p:nvSpPr>
+          <p:cNvPr id="10" name="Espace réservé du pied de page 9">
+            <a:extLst>
+              <a:ext uri="{FF2B5EF4-FFF2-40B4-BE49-F238E27FC236}">
+                <a16:creationId xmlns:a16="http://schemas.microsoft.com/office/drawing/2014/main" id="{D2186069-FC8E-433D-9BB4-942220CE8CFB}"/>
+              </a:ext>
+            </a:extLst>
+          </p:cNvPr>
+          <p:cNvSpPr>
+            <a:spLocks noGrp="1"/>
+          </p:cNvSpPr>
+          <p:nvPr>
+            <p:ph type="ftr" sz="quarter" idx="11"/>
+          </p:nvPr>
+        </p:nvSpPr>
+        <p:spPr>
+          <a:xfrm>
+            <a:off x="4038600" y="6356350"/>
+            <a:ext cx="4114800" cy="365125"/>
+          </a:xfrm>
+        </p:spPr>
+        <p:txBody>
+          <a:bodyPr rtlCol="0"/>
+          <a:lstStyle/>
+          <a:p>
+            <a:pPr rtl="0"/>
+            <a:r>
+              <a:rPr lang="fr-FR" noProof="0" dirty="0" err="1"/>
+              <a:t>Fleetmanager</a:t>
+            </a:r>
+            <a:r>
+              <a:rPr lang="fr-FR" noProof="0" dirty="0"/>
+              <a:t> </a:t>
+            </a:r>
+            <a:r>
+              <a:rPr lang="fr-FR" noProof="0" dirty="0" err="1"/>
+              <a:t>Allphi</a:t>
+            </a:r>
+            <a:endParaRPr lang="fr-FR" noProof="0" dirty="0"/>
+          </a:p>
+        </p:txBody>
+      </p:sp>
+      <p:sp>
+        <p:nvSpPr>
+          <p:cNvPr id="11" name="Espace réservé du numéro de diapositive 10">
+            <a:extLst>
+              <a:ext uri="{FF2B5EF4-FFF2-40B4-BE49-F238E27FC236}">
+                <a16:creationId xmlns:a16="http://schemas.microsoft.com/office/drawing/2014/main" id="{BAD5B6F4-0A90-447A-A1AE-D75C934B6B29}"/>
+              </a:ext>
+            </a:extLst>
+          </p:cNvPr>
+          <p:cNvSpPr>
+            <a:spLocks noGrp="1"/>
+          </p:cNvSpPr>
+          <p:nvPr>
+            <p:ph type="sldNum" sz="quarter" idx="12"/>
+          </p:nvPr>
+        </p:nvSpPr>
+        <p:spPr>
+          <a:xfrm>
+            <a:off x="8610600" y="6356350"/>
+            <a:ext cx="2743200" cy="365125"/>
+          </a:xfrm>
+        </p:spPr>
+        <p:txBody>
+          <a:bodyPr rtlCol="0"/>
+          <a:lstStyle/>
+          <a:p>
+            <a:pPr rtl="0"/>
+            <a:fld id="{B5CEABB6-07DC-46E8-9B57-56EC44A396E5}" type="slidenum">
+              <a:rPr lang="fr-FR" smtClean="0"/>
+              <a:pPr rtl="0"/>
+              <a:t>4</a:t>
+            </a:fld>
+            <a:endParaRPr lang="fr-FR" dirty="0"/>
+          </a:p>
+        </p:txBody>
+      </p:sp>
+      <p:pic>
+        <p:nvPicPr>
+          <p:cNvPr id="1026" name="Picture 2" descr="Visual Studio Code - Wikipedia">
+            <a:extLst>
+              <a:ext uri="{FF2B5EF4-FFF2-40B4-BE49-F238E27FC236}">
+                <a16:creationId xmlns:a16="http://schemas.microsoft.com/office/drawing/2014/main" id="{9961A1BF-8DD4-0D4B-CCA3-E39B71EB05E0}"/>
+              </a:ext>
+            </a:extLst>
+          </p:cNvPr>
+          <p:cNvPicPr>
+            <a:picLocks noGrp="1" noChangeAspect="1" noChangeArrowheads="1"/>
+          </p:cNvPicPr>
+          <p:nvPr>
+            <p:ph sz="half" idx="2"/>
+          </p:nvPr>
+        </p:nvPicPr>
+        <p:blipFill>
+          <a:blip r:embed="rId8">
+            <a:extLst>
+              <a:ext uri="{28A0092B-C50C-407E-A947-70E740481C1C}">
+                <a14:useLocalDpi xmlns:a14="http://schemas.microsoft.com/office/drawing/2010/main" val="0"/>
+              </a:ext>
+            </a:extLst>
+          </a:blip>
+          <a:srcRect/>
+          <a:stretch>
+            <a:fillRect/>
+          </a:stretch>
+        </p:blipFill>
+        <p:spPr bwMode="auto">
+          <a:xfrm>
+            <a:off x="1514421" y="3965229"/>
+            <a:ext cx="1763682" cy="1763682"/>
+          </a:xfrm>
+          <a:prstGeom prst="rect">
+            <a:avLst/>
+          </a:prstGeom>
+          <a:noFill/>
+          <a:extLst>
+            <a:ext uri="{909E8E84-426E-40DD-AFC4-6F175D3DCCD1}">
+              <a14:hiddenFill xmlns:a14="http://schemas.microsoft.com/office/drawing/2010/main">
+                <a:solidFill>
+                  <a:srgbClr val="FFFFFF"/>
+                </a:solidFill>
+              </a14:hiddenFill>
+            </a:ext>
+          </a:extLst>
+        </p:spPr>
+      </p:pic>
+      <p:pic>
+        <p:nvPicPr>
+          <p:cNvPr id="24" name="Afbeelding 23" descr="Afbeelding met logo, Graphics, ontwerp, Lettertype&#10;&#10;Automatisch gegenereerde beschrijving">
+            <a:extLst>
+              <a:ext uri="{FF2B5EF4-FFF2-40B4-BE49-F238E27FC236}">
+                <a16:creationId xmlns:a16="http://schemas.microsoft.com/office/drawing/2014/main" id="{3237ACC7-BAAC-5D32-6749-19E18285EA66}"/>
+              </a:ext>
+            </a:extLst>
+          </p:cNvPr>
+          <p:cNvPicPr>
+            <a:picLocks noChangeAspect="1"/>
+          </p:cNvPicPr>
+          <p:nvPr/>
+        </p:nvPicPr>
+        <p:blipFill>
+          <a:blip r:embed="rId9"/>
+          <a:stretch>
+            <a:fillRect/>
+          </a:stretch>
+        </p:blipFill>
+        <p:spPr>
+          <a:xfrm>
+            <a:off x="5786633" y="3817444"/>
+            <a:ext cx="1013405" cy="1013405"/>
+          </a:xfrm>
+          <a:prstGeom prst="rect">
+            <a:avLst/>
+          </a:prstGeom>
+        </p:spPr>
+      </p:pic>
+      <p:pic>
+        <p:nvPicPr>
+          <p:cNvPr id="26" name="Afbeelding 25">
+            <a:extLst>
+              <a:ext uri="{FF2B5EF4-FFF2-40B4-BE49-F238E27FC236}">
+                <a16:creationId xmlns:a16="http://schemas.microsoft.com/office/drawing/2014/main" id="{AEB00C2D-A0D3-5D59-F939-2560B5FEA494}"/>
+              </a:ext>
+            </a:extLst>
+          </p:cNvPr>
+          <p:cNvPicPr>
+            <a:picLocks noChangeAspect="1"/>
+          </p:cNvPicPr>
+          <p:nvPr/>
+        </p:nvPicPr>
+        <p:blipFill>
+          <a:blip r:embed="rId10"/>
+          <a:srcRect/>
+          <a:stretch/>
+        </p:blipFill>
+        <p:spPr>
+          <a:xfrm>
+            <a:off x="4647665" y="5092476"/>
+            <a:ext cx="928007" cy="839846"/>
+          </a:xfrm>
+          <a:prstGeom prst="rect">
+            <a:avLst/>
+          </a:prstGeom>
+        </p:spPr>
+      </p:pic>
+      <p:pic>
+        <p:nvPicPr>
+          <p:cNvPr id="32" name="Afbeelding 31" descr="Afbeelding met logo, Graphics, symbool, Lettertype&#10;&#10;Automatisch gegenereerde beschrijving">
+            <a:extLst>
+              <a:ext uri="{FF2B5EF4-FFF2-40B4-BE49-F238E27FC236}">
+                <a16:creationId xmlns:a16="http://schemas.microsoft.com/office/drawing/2014/main" id="{94B8842D-277E-08C6-19F6-7F360568178E}"/>
+              </a:ext>
+            </a:extLst>
+          </p:cNvPr>
+          <p:cNvPicPr>
+            <a:picLocks noChangeAspect="1"/>
+          </p:cNvPicPr>
+          <p:nvPr/>
+        </p:nvPicPr>
+        <p:blipFill>
+          <a:blip r:embed="rId11"/>
+          <a:stretch>
+            <a:fillRect/>
+          </a:stretch>
+        </p:blipFill>
+        <p:spPr>
+          <a:xfrm>
+            <a:off x="7939004" y="4764073"/>
+            <a:ext cx="1601184" cy="1601184"/>
+          </a:xfrm>
+          <a:prstGeom prst="rect">
+            <a:avLst/>
+          </a:prstGeom>
+        </p:spPr>
+      </p:pic>
+      <p:pic>
+        <p:nvPicPr>
+          <p:cNvPr id="34" name="Afbeelding 33" descr="Afbeelding met tekenfilm, clipart, Graphics, cirkel&#10;&#10;Automatisch gegenereerde beschrijving">
+            <a:extLst>
+              <a:ext uri="{FF2B5EF4-FFF2-40B4-BE49-F238E27FC236}">
+                <a16:creationId xmlns:a16="http://schemas.microsoft.com/office/drawing/2014/main" id="{849B7704-42F5-F6D3-FE54-78D7D767FB1C}"/>
+              </a:ext>
+            </a:extLst>
+          </p:cNvPr>
+          <p:cNvPicPr>
+            <a:picLocks noChangeAspect="1"/>
+          </p:cNvPicPr>
+          <p:nvPr/>
+        </p:nvPicPr>
+        <p:blipFill>
+          <a:blip r:embed="rId12"/>
+          <a:stretch>
+            <a:fillRect/>
+          </a:stretch>
+        </p:blipFill>
+        <p:spPr>
+          <a:xfrm>
+            <a:off x="9906208" y="4847070"/>
+            <a:ext cx="1361428" cy="1361428"/>
+          </a:xfrm>
+          <a:prstGeom prst="rect">
+            <a:avLst/>
+          </a:prstGeom>
+        </p:spPr>
+      </p:pic>
+    </p:spTree>
+    <p:extLst>
+      <p:ext uri="{BB962C8B-B14F-4D97-AF65-F5344CB8AC3E}">
+        <p14:creationId xmlns:p14="http://schemas.microsoft.com/office/powerpoint/2010/main" val="2121178069"/>
+      </p:ext>
+    </p:extLst>
+  </p:cSld>
+  <p:clrMapOvr>
+    <a:masterClrMapping/>
+  </p:clrMapOvr>
+</p:sld>
+</file>
+
+<file path=ppt/slides/slide5.xml><?xml version="1.0" encoding="utf-8"?>
+<p:sld xmlns:a="http://schemas.openxmlformats.org/drawingml/2006/main" xmlns:r="http://schemas.openxmlformats.org/officeDocument/2006/relationships" xmlns:p="http://schemas.openxmlformats.org/presentationml/2006/main">
+  <p:cSld>
+    <p:spTree>
+      <p:nvGrpSpPr>
+        <p:cNvPr id="1" name=""/>
+        <p:cNvGrpSpPr/>
+        <p:nvPr/>
+      </p:nvGrpSpPr>
+      <p:grpSpPr>
+        <a:xfrm>
+          <a:off x="0" y="0"/>
+          <a:ext cx="0" cy="0"/>
+          <a:chOff x="0" y="0"/>
+          <a:chExt cx="0" cy="0"/>
+        </a:xfrm>
+      </p:grpSpPr>
+      <p:sp>
+        <p:nvSpPr>
+          <p:cNvPr id="2" name="Titre 1">
+            <a:extLst>
+              <a:ext uri="{FF2B5EF4-FFF2-40B4-BE49-F238E27FC236}">
+                <a16:creationId xmlns:a16="http://schemas.microsoft.com/office/drawing/2014/main" id="{75031FE9-9059-4FE8-B4AC-9771F23A1B89}"/>
+              </a:ext>
+            </a:extLst>
+          </p:cNvPr>
+          <p:cNvSpPr>
+            <a:spLocks noGrp="1"/>
+          </p:cNvSpPr>
+          <p:nvPr>
+            <p:ph type="title"/>
+          </p:nvPr>
+        </p:nvSpPr>
+        <p:spPr>
+          <a:xfrm>
+            <a:off x="1508760" y="4156405"/>
+            <a:ext cx="3139440" cy="1325563"/>
+          </a:xfrm>
+        </p:spPr>
+        <p:txBody>
+          <a:bodyPr rtlCol="0"/>
+          <a:lstStyle/>
+          <a:p>
+            <a:pPr rtl="0"/>
+            <a:r>
+              <a:rPr lang="fr-FR" dirty="0" err="1"/>
+              <a:t>Moeilijkheden</a:t>
+            </a:r>
+            <a:endParaRPr lang="fr-FR" dirty="0"/>
+          </a:p>
+        </p:txBody>
+      </p:sp>
+      <p:sp>
+        <p:nvSpPr>
+          <p:cNvPr id="3" name="Espace réservé du contenu 2">
+            <a:extLst>
+              <a:ext uri="{FF2B5EF4-FFF2-40B4-BE49-F238E27FC236}">
+                <a16:creationId xmlns:a16="http://schemas.microsoft.com/office/drawing/2014/main" id="{D4A2EB3F-4D60-451F-8F45-7D6654D2FCD9}"/>
+              </a:ext>
+            </a:extLst>
+          </p:cNvPr>
+          <p:cNvSpPr>
+            <a:spLocks noGrp="1"/>
+          </p:cNvSpPr>
+          <p:nvPr>
+            <p:ph type="body" sz="quarter" idx="13"/>
+          </p:nvPr>
+        </p:nvSpPr>
+        <p:spPr>
+          <a:xfrm>
+            <a:off x="5922254" y="1530635"/>
+            <a:ext cx="5433204" cy="365125"/>
+          </a:xfrm>
+        </p:spPr>
+        <p:txBody>
+          <a:bodyPr vert="horz" lIns="91440" tIns="45720" rIns="91440" bIns="45720" rtlCol="0" anchor="t">
+            <a:normAutofit lnSpcReduction="10000"/>
+          </a:bodyPr>
+          <a:lstStyle/>
+          <a:p>
+            <a:pPr rtl="0"/>
+            <a:r>
+              <a:rPr lang="fr-FR" dirty="0" err="1"/>
+              <a:t>Connectie</a:t>
+            </a:r>
+            <a:r>
+              <a:rPr lang="fr-FR" dirty="0"/>
+              <a:t> </a:t>
+            </a:r>
+            <a:r>
+              <a:rPr lang="fr-FR" dirty="0" err="1"/>
+              <a:t>front-end</a:t>
+            </a:r>
+            <a:r>
+              <a:rPr lang="fr-FR" dirty="0"/>
+              <a:t> met </a:t>
+            </a:r>
+            <a:r>
+              <a:rPr lang="fr-FR" dirty="0" err="1"/>
+              <a:t>back-end</a:t>
+            </a:r>
+            <a:endParaRPr lang="fr-FR" dirty="0"/>
+          </a:p>
+        </p:txBody>
+      </p:sp>
+      <p:sp>
+        <p:nvSpPr>
+          <p:cNvPr id="4" name="Espace réservé du texte 3">
+            <a:extLst>
+              <a:ext uri="{FF2B5EF4-FFF2-40B4-BE49-F238E27FC236}">
+                <a16:creationId xmlns:a16="http://schemas.microsoft.com/office/drawing/2014/main" id="{AC1C80FB-53F9-42EE-B1E6-D0F998EC5DFA}"/>
+              </a:ext>
+            </a:extLst>
+          </p:cNvPr>
+          <p:cNvSpPr>
+            <a:spLocks noGrp="1"/>
+          </p:cNvSpPr>
+          <p:nvPr>
+            <p:ph type="body" sz="quarter" idx="15"/>
+          </p:nvPr>
+        </p:nvSpPr>
+        <p:spPr>
+          <a:xfrm>
+            <a:off x="5921828" y="1860060"/>
+            <a:ext cx="5431971" cy="557950"/>
+          </a:xfrm>
+        </p:spPr>
+        <p:txBody>
+          <a:bodyPr rtlCol="0">
+            <a:normAutofit/>
+          </a:bodyPr>
+          <a:lstStyle/>
+          <a:p>
+            <a:pPr rtl="0"/>
+            <a:r>
+              <a:rPr lang="fr-FR" dirty="0"/>
+              <a:t>Post </a:t>
+            </a:r>
+            <a:r>
+              <a:rPr lang="fr-FR" dirty="0" err="1"/>
+              <a:t>creëren</a:t>
+            </a:r>
+            <a:r>
+              <a:rPr lang="fr-FR" dirty="0"/>
+              <a:t>, Patch </a:t>
+            </a:r>
+            <a:r>
+              <a:rPr lang="fr-FR" dirty="0" err="1"/>
+              <a:t>creëren</a:t>
+            </a:r>
+            <a:endParaRPr lang="fr-FR" dirty="0"/>
+          </a:p>
+        </p:txBody>
+      </p:sp>
+      <p:sp>
+        <p:nvSpPr>
+          <p:cNvPr id="5" name="Espace réservé du texte 4">
+            <a:extLst>
+              <a:ext uri="{FF2B5EF4-FFF2-40B4-BE49-F238E27FC236}">
+                <a16:creationId xmlns:a16="http://schemas.microsoft.com/office/drawing/2014/main" id="{E81BA2B5-6A90-4204-ABDD-7183FBB03A02}"/>
+              </a:ext>
+            </a:extLst>
+          </p:cNvPr>
+          <p:cNvSpPr>
+            <a:spLocks noGrp="1"/>
+          </p:cNvSpPr>
+          <p:nvPr>
+            <p:ph type="body" sz="quarter" idx="23"/>
+          </p:nvPr>
+        </p:nvSpPr>
+        <p:spPr>
+          <a:xfrm>
+            <a:off x="5922254" y="2630431"/>
+            <a:ext cx="5433204" cy="365125"/>
+          </a:xfrm>
+        </p:spPr>
+        <p:txBody>
+          <a:bodyPr rtlCol="0">
+            <a:normAutofit lnSpcReduction="10000"/>
+          </a:bodyPr>
+          <a:lstStyle/>
+          <a:p>
+            <a:pPr rtl="0"/>
+            <a:r>
+              <a:rPr lang="fr-FR" dirty="0" err="1"/>
+              <a:t>Stijlen</a:t>
+            </a:r>
+            <a:r>
+              <a:rPr lang="fr-FR" dirty="0"/>
+              <a:t> van de </a:t>
+            </a:r>
+            <a:r>
+              <a:rPr lang="fr-FR" dirty="0" err="1"/>
+              <a:t>pagina’s</a:t>
+            </a:r>
+            <a:endParaRPr lang="fr-FR" dirty="0"/>
+          </a:p>
+        </p:txBody>
+      </p:sp>
+      <p:sp>
+        <p:nvSpPr>
+          <p:cNvPr id="6" name="Espace réservé du texte 5">
+            <a:extLst>
+              <a:ext uri="{FF2B5EF4-FFF2-40B4-BE49-F238E27FC236}">
+                <a16:creationId xmlns:a16="http://schemas.microsoft.com/office/drawing/2014/main" id="{7E7D4C34-22A0-4D54-A07D-E1E9A11463E5}"/>
+              </a:ext>
+            </a:extLst>
+          </p:cNvPr>
+          <p:cNvSpPr>
+            <a:spLocks noGrp="1"/>
+          </p:cNvSpPr>
+          <p:nvPr>
+            <p:ph type="body" sz="quarter" idx="24"/>
+          </p:nvPr>
+        </p:nvSpPr>
+        <p:spPr>
+          <a:xfrm>
+            <a:off x="5921828" y="2959856"/>
+            <a:ext cx="5431971" cy="557950"/>
+          </a:xfrm>
+        </p:spPr>
+        <p:txBody>
+          <a:bodyPr rtlCol="0"/>
+          <a:lstStyle/>
+          <a:p>
+            <a:pPr rtl="0"/>
+            <a:r>
+              <a:rPr lang="fr-FR" dirty="0" err="1"/>
+              <a:t>Juiste</a:t>
+            </a:r>
+            <a:r>
+              <a:rPr lang="fr-FR" dirty="0"/>
+              <a:t> </a:t>
+            </a:r>
+            <a:r>
+              <a:rPr lang="fr-FR" dirty="0" err="1"/>
+              <a:t>plek</a:t>
+            </a:r>
+            <a:r>
+              <a:rPr lang="fr-FR" dirty="0"/>
+              <a:t>, </a:t>
+            </a:r>
+            <a:r>
+              <a:rPr lang="fr-FR" dirty="0" err="1"/>
+              <a:t>scrolbar</a:t>
+            </a:r>
+            <a:r>
+              <a:rPr lang="fr-FR" dirty="0"/>
+              <a:t>, …</a:t>
+            </a:r>
+          </a:p>
+        </p:txBody>
+      </p:sp>
+      <p:sp>
+        <p:nvSpPr>
+          <p:cNvPr id="7" name="Espace réservé du texte 6">
+            <a:extLst>
+              <a:ext uri="{FF2B5EF4-FFF2-40B4-BE49-F238E27FC236}">
+                <a16:creationId xmlns:a16="http://schemas.microsoft.com/office/drawing/2014/main" id="{301D392D-FB66-47A0-B628-5ADE822A2CFF}"/>
+              </a:ext>
+            </a:extLst>
+          </p:cNvPr>
+          <p:cNvSpPr>
+            <a:spLocks noGrp="1"/>
+          </p:cNvSpPr>
+          <p:nvPr>
+            <p:ph type="body" sz="quarter" idx="25"/>
+          </p:nvPr>
+        </p:nvSpPr>
+        <p:spPr>
+          <a:xfrm>
+            <a:off x="5922254" y="3730227"/>
+            <a:ext cx="5433204" cy="365125"/>
+          </a:xfrm>
+        </p:spPr>
+        <p:txBody>
+          <a:bodyPr rtlCol="0">
+            <a:normAutofit lnSpcReduction="10000"/>
+          </a:bodyPr>
+          <a:lstStyle/>
+          <a:p>
+            <a:pPr rtl="0"/>
+            <a:r>
+              <a:rPr lang="fr-FR" dirty="0"/>
+              <a:t>… </a:t>
+            </a:r>
+          </a:p>
+        </p:txBody>
+      </p:sp>
+      <p:sp>
+        <p:nvSpPr>
+          <p:cNvPr id="8" name="Espace réservé du texte 7">
+            <a:extLst>
+              <a:ext uri="{FF2B5EF4-FFF2-40B4-BE49-F238E27FC236}">
+                <a16:creationId xmlns:a16="http://schemas.microsoft.com/office/drawing/2014/main" id="{51C26CE0-2506-4B44-A26F-C12BFA5B18B5}"/>
+              </a:ext>
+            </a:extLst>
+          </p:cNvPr>
+          <p:cNvSpPr>
+            <a:spLocks noGrp="1"/>
+          </p:cNvSpPr>
+          <p:nvPr>
+            <p:ph type="body" sz="quarter" idx="26"/>
+          </p:nvPr>
+        </p:nvSpPr>
+        <p:spPr>
+          <a:xfrm>
+            <a:off x="5921828" y="4059652"/>
+            <a:ext cx="5431971" cy="557950"/>
+          </a:xfrm>
+        </p:spPr>
+        <p:txBody>
+          <a:bodyPr rtlCol="0"/>
+          <a:lstStyle/>
+          <a:p>
+            <a:pPr rtl="0"/>
+            <a:r>
+              <a:rPr lang="fr-FR" dirty="0"/>
+              <a:t>…</a:t>
+            </a:r>
+          </a:p>
+        </p:txBody>
+      </p:sp>
+      <p:sp>
+        <p:nvSpPr>
+          <p:cNvPr id="9" name="Espace réservé du texte 8">
+            <a:extLst>
+              <a:ext uri="{FF2B5EF4-FFF2-40B4-BE49-F238E27FC236}">
+                <a16:creationId xmlns:a16="http://schemas.microsoft.com/office/drawing/2014/main" id="{868F40F8-BF35-45E9-B3DD-5436362D746E}"/>
+              </a:ext>
+            </a:extLst>
+          </p:cNvPr>
+          <p:cNvSpPr>
+            <a:spLocks noGrp="1"/>
+          </p:cNvSpPr>
+          <p:nvPr>
+            <p:ph type="body" sz="quarter" idx="27"/>
+          </p:nvPr>
+        </p:nvSpPr>
+        <p:spPr>
+          <a:xfrm>
+            <a:off x="5920106" y="4830024"/>
+            <a:ext cx="5433204" cy="365125"/>
+          </a:xfrm>
+        </p:spPr>
+        <p:txBody>
+          <a:bodyPr rtlCol="0">
+            <a:normAutofit lnSpcReduction="10000"/>
+          </a:bodyPr>
+          <a:lstStyle/>
+          <a:p>
+            <a:pPr rtl="0"/>
+            <a:r>
+              <a:rPr lang="fr-FR" dirty="0"/>
+              <a:t>…</a:t>
+            </a:r>
+          </a:p>
+        </p:txBody>
+      </p:sp>
+      <p:sp>
+        <p:nvSpPr>
+          <p:cNvPr id="10" name="Espace réservé du texte 9">
+            <a:extLst>
+              <a:ext uri="{FF2B5EF4-FFF2-40B4-BE49-F238E27FC236}">
+                <a16:creationId xmlns:a16="http://schemas.microsoft.com/office/drawing/2014/main" id="{7F39C97C-2DDC-4706-B96C-B02FAE53A426}"/>
+              </a:ext>
+            </a:extLst>
+          </p:cNvPr>
+          <p:cNvSpPr>
+            <a:spLocks noGrp="1"/>
+          </p:cNvSpPr>
+          <p:nvPr>
+            <p:ph type="body" sz="quarter" idx="28"/>
+          </p:nvPr>
+        </p:nvSpPr>
+        <p:spPr>
+          <a:xfrm>
+            <a:off x="5919680" y="5159449"/>
+            <a:ext cx="5431971" cy="557950"/>
+          </a:xfrm>
+        </p:spPr>
+        <p:txBody>
+          <a:bodyPr rtlCol="0"/>
+          <a:lstStyle/>
+          <a:p>
+            <a:pPr rtl="0"/>
+            <a:r>
+              <a:rPr lang="fr-FR" dirty="0"/>
+              <a:t>…</a:t>
+            </a:r>
+          </a:p>
+        </p:txBody>
+      </p:sp>
+      <p:sp>
+        <p:nvSpPr>
+          <p:cNvPr id="20" name="Espace réservé de la date 19">
+            <a:extLst>
+              <a:ext uri="{FF2B5EF4-FFF2-40B4-BE49-F238E27FC236}">
+                <a16:creationId xmlns:a16="http://schemas.microsoft.com/office/drawing/2014/main" id="{A74D661B-510C-4CF2-BF77-3EAFB649883D}"/>
+              </a:ext>
+            </a:extLst>
+          </p:cNvPr>
+          <p:cNvSpPr>
+            <a:spLocks noGrp="1"/>
+          </p:cNvSpPr>
+          <p:nvPr>
+            <p:ph type="dt" sz="half" idx="20"/>
+          </p:nvPr>
+        </p:nvSpPr>
+        <p:spPr>
+          <a:xfrm>
+            <a:off x="5919680" y="6356350"/>
+            <a:ext cx="947516" cy="365125"/>
+          </a:xfrm>
+        </p:spPr>
+        <p:txBody>
+          <a:bodyPr rtlCol="0"/>
+          <a:lstStyle/>
+          <a:p>
+            <a:pPr rtl="0"/>
+            <a:r>
+              <a:rPr lang="fr-FR" dirty="0"/>
+              <a:t>2023</a:t>
+            </a:r>
+          </a:p>
+        </p:txBody>
+      </p:sp>
+      <p:sp>
+        <p:nvSpPr>
+          <p:cNvPr id="21" name="Espace réservé du pied de page 20">
+            <a:extLst>
+              <a:ext uri="{FF2B5EF4-FFF2-40B4-BE49-F238E27FC236}">
+                <a16:creationId xmlns:a16="http://schemas.microsoft.com/office/drawing/2014/main" id="{7E44CAC0-3B5A-49F6-A2CB-0BC80D111A87}"/>
+              </a:ext>
+            </a:extLst>
+          </p:cNvPr>
+          <p:cNvSpPr>
+            <a:spLocks noGrp="1"/>
+          </p:cNvSpPr>
+          <p:nvPr>
+            <p:ph type="ftr" sz="quarter" idx="21"/>
+          </p:nvPr>
+        </p:nvSpPr>
+        <p:spPr>
+          <a:xfrm>
+            <a:off x="7161955" y="6356350"/>
+            <a:ext cx="3243942" cy="365125"/>
+          </a:xfrm>
+        </p:spPr>
+        <p:txBody>
+          <a:bodyPr rtlCol="0"/>
+          <a:lstStyle/>
+          <a:p>
+            <a:pPr rtl="0"/>
+            <a:r>
+              <a:rPr lang="fr-FR" noProof="0" dirty="0" err="1"/>
+              <a:t>Fleetmanager</a:t>
+            </a:r>
+            <a:r>
+              <a:rPr lang="fr-FR" noProof="0" dirty="0"/>
+              <a:t> </a:t>
+            </a:r>
+            <a:r>
+              <a:rPr lang="fr-FR" noProof="0" dirty="0" err="1"/>
+              <a:t>Allphi</a:t>
+            </a:r>
+            <a:endParaRPr lang="fr-FR" noProof="0" dirty="0"/>
+          </a:p>
+        </p:txBody>
+      </p:sp>
+      <p:sp>
+        <p:nvSpPr>
+          <p:cNvPr id="22" name="Espace réservé du numéro de diapositive 21">
+            <a:extLst>
+              <a:ext uri="{FF2B5EF4-FFF2-40B4-BE49-F238E27FC236}">
+                <a16:creationId xmlns:a16="http://schemas.microsoft.com/office/drawing/2014/main" id="{5D1BD041-3428-4D62-934F-F3FF6D36F90F}"/>
+              </a:ext>
+            </a:extLst>
+          </p:cNvPr>
+          <p:cNvSpPr>
+            <a:spLocks noGrp="1"/>
+          </p:cNvSpPr>
+          <p:nvPr>
+            <p:ph type="sldNum" sz="quarter" idx="22"/>
+          </p:nvPr>
+        </p:nvSpPr>
+        <p:spPr>
+          <a:xfrm>
+            <a:off x="10700656" y="6356350"/>
+            <a:ext cx="653143" cy="365125"/>
+          </a:xfrm>
+        </p:spPr>
+        <p:txBody>
+          <a:bodyPr rtlCol="0"/>
+          <a:lstStyle/>
+          <a:p>
+            <a:pPr rtl="0"/>
+            <a:fld id="{B5CEABB6-07DC-46E8-9B57-56EC44A396E5}" type="slidenum">
+              <a:rPr lang="fr-FR" smtClean="0"/>
+              <a:pPr rtl="0"/>
+              <a:t>5</a:t>
+            </a:fld>
+            <a:endParaRPr lang="fr-FR"/>
+          </a:p>
+        </p:txBody>
+      </p:sp>
+    </p:spTree>
+    <p:extLst>
+      <p:ext uri="{BB962C8B-B14F-4D97-AF65-F5344CB8AC3E}">
+        <p14:creationId xmlns:p14="http://schemas.microsoft.com/office/powerpoint/2010/main" val="1844941827"/>
+      </p:ext>
+    </p:extLst>
+  </p:cSld>
+  <p:clrMapOvr>
+    <a:masterClrMapping/>
+  </p:clrMapOvr>
+</p:sld>
+</file>
+
+<file path=ppt/slides/slide6.xml><?xml version="1.0" encoding="utf-8"?>
+<p:sld xmlns:a="http://schemas.openxmlformats.org/drawingml/2006/main" xmlns:r="http://schemas.openxmlformats.org/officeDocument/2006/relationships" xmlns:p="http://schemas.openxmlformats.org/presentationml/2006/main">
+  <p:cSld>
+    <p:spTree>
+      <p:nvGrpSpPr>
+        <p:cNvPr id="1" name=""/>
+        <p:cNvGrpSpPr/>
+        <p:nvPr/>
+      </p:nvGrpSpPr>
+      <p:grpSpPr>
+        <a:xfrm>
+          <a:off x="0" y="0"/>
+          <a:ext cx="0" cy="0"/>
+          <a:chOff x="0" y="0"/>
+          <a:chExt cx="0" cy="0"/>
+        </a:xfrm>
+      </p:grpSpPr>
+      <p:pic>
+        <p:nvPicPr>
+          <p:cNvPr id="28" name="Afbeelding 27">
+            <a:extLst>
+              <a:ext uri="{FF2B5EF4-FFF2-40B4-BE49-F238E27FC236}">
+                <a16:creationId xmlns:a16="http://schemas.microsoft.com/office/drawing/2014/main" id="{2487D7EF-2234-73EA-7432-979E8BB95317}"/>
+              </a:ext>
+            </a:extLst>
+          </p:cNvPr>
+          <p:cNvPicPr>
+            <a:picLocks noChangeAspect="1"/>
+          </p:cNvPicPr>
+          <p:nvPr/>
+        </p:nvPicPr>
+        <p:blipFill>
+          <a:blip r:embed="rId3"/>
+          <a:stretch>
+            <a:fillRect/>
+          </a:stretch>
+        </p:blipFill>
+        <p:spPr>
+          <a:xfrm>
+            <a:off x="6944897" y="1714400"/>
+            <a:ext cx="2528993" cy="2420418"/>
+          </a:xfrm>
+          <a:prstGeom prst="rect">
+            <a:avLst/>
+          </a:prstGeom>
+          <a:ln w="28575">
+            <a:solidFill>
+              <a:schemeClr val="tx1"/>
+            </a:solidFill>
+          </a:ln>
+        </p:spPr>
+      </p:pic>
+      <p:sp>
+        <p:nvSpPr>
+          <p:cNvPr id="2" name="Titre 1">
+            <a:extLst>
+              <a:ext uri="{FF2B5EF4-FFF2-40B4-BE49-F238E27FC236}">
+                <a16:creationId xmlns:a16="http://schemas.microsoft.com/office/drawing/2014/main" id="{8A4E0A63-A388-49B1-A04E-27CE9BD622EF}"/>
+              </a:ext>
+            </a:extLst>
+          </p:cNvPr>
+          <p:cNvSpPr>
+            <a:spLocks noGrp="1"/>
+          </p:cNvSpPr>
+          <p:nvPr>
+            <p:ph type="title"/>
+          </p:nvPr>
+        </p:nvSpPr>
+        <p:spPr>
+          <a:xfrm>
+            <a:off x="5921828" y="868099"/>
+            <a:ext cx="5431971" cy="846301"/>
+          </a:xfrm>
+        </p:spPr>
+        <p:txBody>
+          <a:bodyPr rtlCol="0"/>
+          <a:lstStyle/>
+          <a:p>
+            <a:pPr rtl="0"/>
+            <a:r>
+              <a:rPr lang="fr-FR" dirty="0" err="1"/>
+              <a:t>Front-end</a:t>
+            </a:r>
+            <a:endParaRPr lang="fr-FR" dirty="0"/>
+          </a:p>
+        </p:txBody>
+      </p:sp>
+      <p:sp>
+        <p:nvSpPr>
+          <p:cNvPr id="32" name="Espace réservé de la date 31">
+            <a:extLst>
+              <a:ext uri="{FF2B5EF4-FFF2-40B4-BE49-F238E27FC236}">
+                <a16:creationId xmlns:a16="http://schemas.microsoft.com/office/drawing/2014/main" id="{D5DB19F8-B538-4965-BA90-ED372B99F5DC}"/>
+              </a:ext>
+            </a:extLst>
+          </p:cNvPr>
+          <p:cNvSpPr>
+            <a:spLocks noGrp="1"/>
+          </p:cNvSpPr>
+          <p:nvPr>
+            <p:ph type="dt" sz="half" idx="20"/>
+          </p:nvPr>
+        </p:nvSpPr>
+        <p:spPr>
+          <a:xfrm>
+            <a:off x="5919680" y="6356350"/>
+            <a:ext cx="947516" cy="365125"/>
+          </a:xfrm>
+        </p:spPr>
+        <p:txBody>
+          <a:bodyPr rtlCol="0"/>
+          <a:lstStyle/>
+          <a:p>
+            <a:pPr rtl="0"/>
+            <a:r>
+              <a:rPr lang="fr-FR" dirty="0"/>
+              <a:t>2023</a:t>
+            </a:r>
+          </a:p>
+        </p:txBody>
+      </p:sp>
+      <p:sp>
+        <p:nvSpPr>
+          <p:cNvPr id="3" name="Espace réservé du pied de page 2">
+            <a:extLst>
+              <a:ext uri="{FF2B5EF4-FFF2-40B4-BE49-F238E27FC236}">
+                <a16:creationId xmlns:a16="http://schemas.microsoft.com/office/drawing/2014/main" id="{005C44B1-BA82-483C-BD91-F89067442F9E}"/>
+              </a:ext>
+            </a:extLst>
+          </p:cNvPr>
+          <p:cNvSpPr>
+            <a:spLocks noGrp="1"/>
+          </p:cNvSpPr>
+          <p:nvPr>
+            <p:ph type="ftr" sz="quarter" idx="21"/>
+          </p:nvPr>
+        </p:nvSpPr>
+        <p:spPr>
+          <a:xfrm>
+            <a:off x="7161955" y="6356350"/>
+            <a:ext cx="3243942" cy="365125"/>
+          </a:xfrm>
+        </p:spPr>
+        <p:txBody>
+          <a:bodyPr rtlCol="0"/>
+          <a:lstStyle/>
+          <a:p>
+            <a:pPr rtl="0"/>
+            <a:r>
+              <a:rPr lang="fr-FR" noProof="0" dirty="0" err="1"/>
+              <a:t>Fleetmanager</a:t>
+            </a:r>
+            <a:r>
+              <a:rPr lang="fr-FR" noProof="0" dirty="0"/>
+              <a:t> </a:t>
+            </a:r>
+            <a:r>
+              <a:rPr lang="fr-FR" noProof="0" dirty="0" err="1"/>
+              <a:t>Allphi</a:t>
+            </a:r>
+            <a:endParaRPr lang="fr-FR" noProof="0" dirty="0"/>
+          </a:p>
+        </p:txBody>
+      </p:sp>
+      <p:sp>
+        <p:nvSpPr>
+          <p:cNvPr id="4" name="Espace réservé du numéro de diapositive 3">
+            <a:extLst>
+              <a:ext uri="{FF2B5EF4-FFF2-40B4-BE49-F238E27FC236}">
+                <a16:creationId xmlns:a16="http://schemas.microsoft.com/office/drawing/2014/main" id="{79ED4A67-3A46-4F54-A12A-EAE1B53E6457}"/>
+              </a:ext>
+            </a:extLst>
+          </p:cNvPr>
+          <p:cNvSpPr>
+            <a:spLocks noGrp="1"/>
+          </p:cNvSpPr>
+          <p:nvPr>
+            <p:ph type="sldNum" sz="quarter" idx="22"/>
+          </p:nvPr>
+        </p:nvSpPr>
+        <p:spPr>
+          <a:xfrm>
+            <a:off x="10700656" y="6356350"/>
+            <a:ext cx="653143" cy="365125"/>
+          </a:xfrm>
+        </p:spPr>
+        <p:txBody>
+          <a:bodyPr rtlCol="0"/>
+          <a:lstStyle/>
+          <a:p>
+            <a:pPr rtl="0"/>
+            <a:fld id="{19B51A1E-902D-48AF-9020-955120F399B6}" type="slidenum">
+              <a:rPr lang="fr-FR" smtClean="0"/>
+              <a:pPr rtl="0"/>
+              <a:t>6</a:t>
+            </a:fld>
+            <a:endParaRPr lang="fr-FR" dirty="0"/>
+          </a:p>
+        </p:txBody>
+      </p:sp>
+      <p:pic>
+        <p:nvPicPr>
+          <p:cNvPr id="24" name="Afbeelding 23">
+            <a:extLst>
+              <a:ext uri="{FF2B5EF4-FFF2-40B4-BE49-F238E27FC236}">
+                <a16:creationId xmlns:a16="http://schemas.microsoft.com/office/drawing/2014/main" id="{FDAE47D6-4D84-7AC5-04EA-F74F0580CBC2}"/>
+              </a:ext>
+            </a:extLst>
+          </p:cNvPr>
+          <p:cNvPicPr>
+            <a:picLocks noChangeAspect="1"/>
+          </p:cNvPicPr>
+          <p:nvPr/>
+        </p:nvPicPr>
+        <p:blipFill>
+          <a:blip r:embed="rId4"/>
+          <a:stretch>
+            <a:fillRect/>
+          </a:stretch>
+        </p:blipFill>
+        <p:spPr>
+          <a:xfrm>
+            <a:off x="3284141" y="1714400"/>
+            <a:ext cx="2534164" cy="2420418"/>
+          </a:xfrm>
+          <a:prstGeom prst="rect">
+            <a:avLst/>
+          </a:prstGeom>
+          <a:ln w="28575">
+            <a:solidFill>
+              <a:schemeClr val="tx1"/>
+            </a:solidFill>
+          </a:ln>
+        </p:spPr>
+      </p:pic>
+      <p:pic>
+        <p:nvPicPr>
+          <p:cNvPr id="30" name="Afbeelding 29">
+            <a:extLst>
+              <a:ext uri="{FF2B5EF4-FFF2-40B4-BE49-F238E27FC236}">
+                <a16:creationId xmlns:a16="http://schemas.microsoft.com/office/drawing/2014/main" id="{5ACB98AD-DF61-F169-376E-311211CCA5A2}"/>
+              </a:ext>
+            </a:extLst>
+          </p:cNvPr>
+          <p:cNvPicPr>
+            <a:picLocks noChangeAspect="1"/>
+          </p:cNvPicPr>
+          <p:nvPr/>
+        </p:nvPicPr>
+        <p:blipFill>
+          <a:blip r:embed="rId5"/>
+          <a:stretch>
+            <a:fillRect/>
+          </a:stretch>
+        </p:blipFill>
+        <p:spPr>
+          <a:xfrm>
+            <a:off x="8783926" y="3789237"/>
+            <a:ext cx="2547948" cy="2420418"/>
+          </a:xfrm>
+          <a:prstGeom prst="rect">
+            <a:avLst/>
+          </a:prstGeom>
+          <a:ln w="28575">
+            <a:solidFill>
+              <a:schemeClr val="tx1"/>
+            </a:solidFill>
+          </a:ln>
+        </p:spPr>
+      </p:pic>
+      <p:pic>
+        <p:nvPicPr>
+          <p:cNvPr id="26" name="Afbeelding 25">
+            <a:extLst>
+              <a:ext uri="{FF2B5EF4-FFF2-40B4-BE49-F238E27FC236}">
+                <a16:creationId xmlns:a16="http://schemas.microsoft.com/office/drawing/2014/main" id="{39A2A588-D1A0-B1D5-885C-B131B230C2A9}"/>
+              </a:ext>
+            </a:extLst>
+          </p:cNvPr>
+          <p:cNvPicPr>
+            <a:picLocks noChangeAspect="1"/>
+          </p:cNvPicPr>
+          <p:nvPr/>
+        </p:nvPicPr>
+        <p:blipFill>
+          <a:blip r:embed="rId6"/>
+          <a:stretch>
+            <a:fillRect/>
+          </a:stretch>
+        </p:blipFill>
+        <p:spPr>
+          <a:xfrm>
+            <a:off x="5129541" y="3789237"/>
+            <a:ext cx="2527793" cy="2398770"/>
+          </a:xfrm>
+          <a:prstGeom prst="rect">
+            <a:avLst/>
+          </a:prstGeom>
+          <a:ln w="28575">
+            <a:solidFill>
+              <a:schemeClr val="tx1"/>
+            </a:solidFill>
+          </a:ln>
+        </p:spPr>
+      </p:pic>
+    </p:spTree>
+    <p:extLst>
+      <p:ext uri="{BB962C8B-B14F-4D97-AF65-F5344CB8AC3E}">
+        <p14:creationId xmlns:p14="http://schemas.microsoft.com/office/powerpoint/2010/main" val="2069393026"/>
+      </p:ext>
+    </p:extLst>
+  </p:cSld>
+  <p:clrMapOvr>
+    <a:masterClrMapping/>
+  </p:clrMapOvr>
+</p:sld>
+</file>
+
+<file path=ppt/slides/slide7.xml><?xml version="1.0" encoding="utf-8"?>
+<p:sld xmlns:a="http://schemas.openxmlformats.org/drawingml/2006/main" xmlns:r="http://schemas.openxmlformats.org/officeDocument/2006/relationships" xmlns:p="http://schemas.openxmlformats.org/presentationml/2006/main">
+  <p:cSld>
+    <p:spTree>
+      <p:nvGrpSpPr>
+        <p:cNvPr id="1" name=""/>
+        <p:cNvGrpSpPr/>
+        <p:nvPr/>
+      </p:nvGrpSpPr>
+      <p:grpSpPr>
+        <a:xfrm>
+          <a:off x="0" y="0"/>
+          <a:ext cx="0" cy="0"/>
+          <a:chOff x="0" y="0"/>
+          <a:chExt cx="0" cy="0"/>
+        </a:xfrm>
+      </p:grpSpPr>
+      <p:pic>
+        <p:nvPicPr>
+          <p:cNvPr id="10" name="Afbeelding 9">
+            <a:extLst>
+              <a:ext uri="{FF2B5EF4-FFF2-40B4-BE49-F238E27FC236}">
+                <a16:creationId xmlns:a16="http://schemas.microsoft.com/office/drawing/2014/main" id="{4164F6FB-5CE1-EB6B-E416-5557C6B0B504}"/>
+              </a:ext>
+            </a:extLst>
+          </p:cNvPr>
+          <p:cNvPicPr>
+            <a:picLocks noChangeAspect="1"/>
+          </p:cNvPicPr>
+          <p:nvPr/>
+        </p:nvPicPr>
+        <p:blipFill>
+          <a:blip r:embed="rId3"/>
+          <a:stretch>
+            <a:fillRect/>
+          </a:stretch>
+        </p:blipFill>
+        <p:spPr>
+          <a:xfrm>
+            <a:off x="5484915" y="1325243"/>
+            <a:ext cx="3596992" cy="2833846"/>
+          </a:xfrm>
+          <a:prstGeom prst="rect">
+            <a:avLst/>
+          </a:prstGeom>
+          <a:ln w="28575">
+            <a:solidFill>
+              <a:schemeClr val="bg1"/>
+            </a:solidFill>
+          </a:ln>
+        </p:spPr>
+      </p:pic>
+      <p:pic>
+        <p:nvPicPr>
+          <p:cNvPr id="8" name="Afbeelding 7">
+            <a:extLst>
+              <a:ext uri="{FF2B5EF4-FFF2-40B4-BE49-F238E27FC236}">
+                <a16:creationId xmlns:a16="http://schemas.microsoft.com/office/drawing/2014/main" id="{C35D74DA-2272-73FF-6064-BE4FF01EFD38}"/>
+              </a:ext>
+            </a:extLst>
+          </p:cNvPr>
+          <p:cNvPicPr>
+            <a:picLocks noChangeAspect="1"/>
+          </p:cNvPicPr>
+          <p:nvPr/>
+        </p:nvPicPr>
+        <p:blipFill rotWithShape="1">
+          <a:blip r:embed="rId4"/>
+          <a:srcRect t="17736" r="9074" b="12533"/>
+          <a:stretch/>
+        </p:blipFill>
+        <p:spPr>
+          <a:xfrm>
+            <a:off x="3264607" y="3029436"/>
+            <a:ext cx="2065032" cy="3326914"/>
+          </a:xfrm>
+          <a:prstGeom prst="rect">
+            <a:avLst/>
+          </a:prstGeom>
+          <a:ln w="28575">
+            <a:solidFill>
+              <a:schemeClr val="tx1"/>
+            </a:solidFill>
+          </a:ln>
+        </p:spPr>
+      </p:pic>
+      <p:sp>
+        <p:nvSpPr>
+          <p:cNvPr id="2" name="Titre 1">
+            <a:extLst>
+              <a:ext uri="{FF2B5EF4-FFF2-40B4-BE49-F238E27FC236}">
+                <a16:creationId xmlns:a16="http://schemas.microsoft.com/office/drawing/2014/main" id="{8A4E0A63-A388-49B1-A04E-27CE9BD622EF}"/>
+              </a:ext>
+            </a:extLst>
+          </p:cNvPr>
+          <p:cNvSpPr>
+            <a:spLocks noGrp="1"/>
+          </p:cNvSpPr>
+          <p:nvPr>
+            <p:ph type="title"/>
+          </p:nvPr>
+        </p:nvSpPr>
+        <p:spPr>
+          <a:xfrm>
+            <a:off x="5919680" y="859474"/>
+            <a:ext cx="5431971" cy="846301"/>
+          </a:xfrm>
+        </p:spPr>
+        <p:txBody>
+          <a:bodyPr rtlCol="0"/>
+          <a:lstStyle/>
+          <a:p>
+            <a:pPr rtl="0"/>
+            <a:r>
+              <a:rPr lang="fr-FR" dirty="0" err="1"/>
+              <a:t>Back-end</a:t>
+            </a:r>
+            <a:r>
+              <a:rPr lang="fr-FR" dirty="0"/>
+              <a:t> en </a:t>
+            </a:r>
+            <a:r>
+              <a:rPr lang="fr-FR" dirty="0" err="1"/>
+              <a:t>Databank</a:t>
+            </a:r>
+            <a:endParaRPr lang="fr-FR" dirty="0"/>
+          </a:p>
+        </p:txBody>
+      </p:sp>
+      <p:sp>
+        <p:nvSpPr>
+          <p:cNvPr id="32" name="Espace réservé de la date 31">
+            <a:extLst>
+              <a:ext uri="{FF2B5EF4-FFF2-40B4-BE49-F238E27FC236}">
+                <a16:creationId xmlns:a16="http://schemas.microsoft.com/office/drawing/2014/main" id="{D5DB19F8-B538-4965-BA90-ED372B99F5DC}"/>
+              </a:ext>
+            </a:extLst>
+          </p:cNvPr>
+          <p:cNvSpPr>
+            <a:spLocks noGrp="1"/>
+          </p:cNvSpPr>
+          <p:nvPr>
+            <p:ph type="dt" sz="half" idx="20"/>
+          </p:nvPr>
+        </p:nvSpPr>
+        <p:spPr>
+          <a:xfrm>
+            <a:off x="5919680" y="6356350"/>
+            <a:ext cx="947516" cy="365125"/>
+          </a:xfrm>
+        </p:spPr>
+        <p:txBody>
+          <a:bodyPr rtlCol="0"/>
+          <a:lstStyle/>
+          <a:p>
+            <a:pPr rtl="0"/>
+            <a:r>
+              <a:rPr lang="fr-FR" dirty="0"/>
+              <a:t>2023</a:t>
+            </a:r>
+          </a:p>
+        </p:txBody>
+      </p:sp>
+      <p:sp>
+        <p:nvSpPr>
+          <p:cNvPr id="3" name="Espace réservé du pied de page 2">
+            <a:extLst>
+              <a:ext uri="{FF2B5EF4-FFF2-40B4-BE49-F238E27FC236}">
+                <a16:creationId xmlns:a16="http://schemas.microsoft.com/office/drawing/2014/main" id="{005C44B1-BA82-483C-BD91-F89067442F9E}"/>
+              </a:ext>
+            </a:extLst>
+          </p:cNvPr>
+          <p:cNvSpPr>
+            <a:spLocks noGrp="1"/>
+          </p:cNvSpPr>
+          <p:nvPr>
+            <p:ph type="ftr" sz="quarter" idx="21"/>
+          </p:nvPr>
+        </p:nvSpPr>
+        <p:spPr>
+          <a:xfrm>
+            <a:off x="7161955" y="6356350"/>
+            <a:ext cx="3243942" cy="365125"/>
+          </a:xfrm>
+        </p:spPr>
+        <p:txBody>
+          <a:bodyPr rtlCol="0"/>
+          <a:lstStyle/>
+          <a:p>
+            <a:pPr rtl="0"/>
+            <a:r>
+              <a:rPr lang="fr-FR" noProof="0" dirty="0" err="1"/>
+              <a:t>Fleetmanager</a:t>
+            </a:r>
+            <a:r>
+              <a:rPr lang="fr-FR" noProof="0" dirty="0"/>
+              <a:t> </a:t>
+            </a:r>
+            <a:r>
+              <a:rPr lang="fr-FR" noProof="0" dirty="0" err="1"/>
+              <a:t>Allphi</a:t>
+            </a:r>
+            <a:endParaRPr lang="fr-FR" noProof="0" dirty="0"/>
+          </a:p>
+        </p:txBody>
+      </p:sp>
+      <p:sp>
+        <p:nvSpPr>
+          <p:cNvPr id="4" name="Espace réservé du numéro de diapositive 3">
+            <a:extLst>
+              <a:ext uri="{FF2B5EF4-FFF2-40B4-BE49-F238E27FC236}">
+                <a16:creationId xmlns:a16="http://schemas.microsoft.com/office/drawing/2014/main" id="{79ED4A67-3A46-4F54-A12A-EAE1B53E6457}"/>
+              </a:ext>
+            </a:extLst>
+          </p:cNvPr>
+          <p:cNvSpPr>
+            <a:spLocks noGrp="1"/>
+          </p:cNvSpPr>
+          <p:nvPr>
+            <p:ph type="sldNum" sz="quarter" idx="22"/>
+          </p:nvPr>
+        </p:nvSpPr>
+        <p:spPr>
+          <a:xfrm>
+            <a:off x="10700656" y="6356350"/>
+            <a:ext cx="653143" cy="365125"/>
+          </a:xfrm>
+        </p:spPr>
+        <p:txBody>
+          <a:bodyPr rtlCol="0"/>
+          <a:lstStyle/>
+          <a:p>
+            <a:pPr rtl="0"/>
+            <a:fld id="{19B51A1E-902D-48AF-9020-955120F399B6}" type="slidenum">
+              <a:rPr lang="fr-FR" smtClean="0"/>
+              <a:pPr rtl="0"/>
+              <a:t>7</a:t>
+            </a:fld>
+            <a:endParaRPr lang="fr-FR" dirty="0"/>
+          </a:p>
+        </p:txBody>
+      </p:sp>
+      <p:pic>
+        <p:nvPicPr>
+          <p:cNvPr id="6" name="Afbeelding 5">
+            <a:extLst>
+              <a:ext uri="{FF2B5EF4-FFF2-40B4-BE49-F238E27FC236}">
+                <a16:creationId xmlns:a16="http://schemas.microsoft.com/office/drawing/2014/main" id="{0608A728-313C-078D-45F3-F5984CCF7188}"/>
+              </a:ext>
+            </a:extLst>
+          </p:cNvPr>
+          <p:cNvPicPr>
+            <a:picLocks noChangeAspect="1"/>
+          </p:cNvPicPr>
+          <p:nvPr/>
+        </p:nvPicPr>
+        <p:blipFill rotWithShape="1">
+          <a:blip r:embed="rId5"/>
+          <a:srcRect t="17103" r="3249" b="13079"/>
+          <a:stretch/>
+        </p:blipFill>
+        <p:spPr>
+          <a:xfrm>
+            <a:off x="1394149" y="1325243"/>
+            <a:ext cx="2065032" cy="3326914"/>
+          </a:xfrm>
+          <a:prstGeom prst="rect">
+            <a:avLst/>
+          </a:prstGeom>
+          <a:ln w="28575">
+            <a:solidFill>
+              <a:schemeClr val="tx1"/>
+            </a:solidFill>
+          </a:ln>
+        </p:spPr>
+      </p:pic>
+      <p:pic>
+        <p:nvPicPr>
+          <p:cNvPr id="7" name="Afbeelding 6">
+            <a:extLst>
+              <a:ext uri="{FF2B5EF4-FFF2-40B4-BE49-F238E27FC236}">
+                <a16:creationId xmlns:a16="http://schemas.microsoft.com/office/drawing/2014/main" id="{3EC9C497-A7AD-15BA-287A-A45A8B83A840}"/>
+              </a:ext>
+            </a:extLst>
+          </p:cNvPr>
+          <p:cNvPicPr>
+            <a:picLocks noChangeAspect="1"/>
+          </p:cNvPicPr>
+          <p:nvPr/>
+        </p:nvPicPr>
+        <p:blipFill>
+          <a:blip r:embed="rId6"/>
+          <a:stretch>
+            <a:fillRect/>
+          </a:stretch>
+        </p:blipFill>
+        <p:spPr>
+          <a:xfrm>
+            <a:off x="7578170" y="3318476"/>
+            <a:ext cx="3596992" cy="3037874"/>
+          </a:xfrm>
+          <a:prstGeom prst="rect">
+            <a:avLst/>
+          </a:prstGeom>
+          <a:ln w="28575">
+            <a:solidFill>
+              <a:schemeClr val="bg1"/>
+            </a:solidFill>
+          </a:ln>
+        </p:spPr>
+      </p:pic>
+    </p:spTree>
+    <p:extLst>
+      <p:ext uri="{BB962C8B-B14F-4D97-AF65-F5344CB8AC3E}">
+        <p14:creationId xmlns:p14="http://schemas.microsoft.com/office/powerpoint/2010/main" val="3902976026"/>
+      </p:ext>
+    </p:extLst>
+  </p:cSld>
+  <p:clrMapOvr>
+    <a:masterClrMapping/>
+  </p:clrMapOvr>
+</p:sld>
+</file>
+
+<file path=ppt/slides/slide8.xml><?xml version="1.0" encoding="utf-8"?>
+<p:sld xmlns:a="http://schemas.openxmlformats.org/drawingml/2006/main" xmlns:r="http://schemas.openxmlformats.org/officeDocument/2006/relationships" xmlns:p="http://schemas.openxmlformats.org/presentationml/2006/main">
+  <p:cSld>
+    <p:spTree>
+      <p:nvGrpSpPr>
+        <p:cNvPr id="1" name=""/>
+        <p:cNvGrpSpPr/>
+        <p:nvPr/>
+      </p:nvGrpSpPr>
+      <p:grpSpPr>
+        <a:xfrm>
+          <a:off x="0" y="0"/>
+          <a:ext cx="0" cy="0"/>
+          <a:chOff x="0" y="0"/>
+          <a:chExt cx="0" cy="0"/>
+        </a:xfrm>
+      </p:grpSpPr>
+      <p:sp>
+        <p:nvSpPr>
+          <p:cNvPr id="2" name="Titre 1">
+            <a:extLst>
+              <a:ext uri="{FF2B5EF4-FFF2-40B4-BE49-F238E27FC236}">
+                <a16:creationId xmlns:a16="http://schemas.microsoft.com/office/drawing/2014/main" id="{BCCAEE93-8585-46D4-A7EC-F184E317CB2E}"/>
+              </a:ext>
+            </a:extLst>
+          </p:cNvPr>
+          <p:cNvSpPr>
+            <a:spLocks noGrp="1"/>
+          </p:cNvSpPr>
+          <p:nvPr>
+            <p:ph type="ctrTitle"/>
+          </p:nvPr>
+        </p:nvSpPr>
+        <p:spPr>
+          <a:xfrm>
+            <a:off x="6287043" y="1991752"/>
+            <a:ext cx="4179570" cy="1524735"/>
+          </a:xfrm>
+        </p:spPr>
+        <p:txBody>
+          <a:bodyPr rtlCol="0"/>
+          <a:lstStyle/>
+          <a:p>
+            <a:pPr rtl="0"/>
+            <a:r>
+              <a:rPr lang="fr-FR" sz="4800" dirty="0" err="1"/>
+              <a:t>Demo</a:t>
+            </a:r>
+            <a:endParaRPr lang="fr-FR" sz="4800" dirty="0"/>
+          </a:p>
+        </p:txBody>
+      </p:sp>
+      <p:sp>
+        <p:nvSpPr>
+          <p:cNvPr id="4" name="Espace réservé de la date 3">
+            <a:extLst>
+              <a:ext uri="{FF2B5EF4-FFF2-40B4-BE49-F238E27FC236}">
+                <a16:creationId xmlns:a16="http://schemas.microsoft.com/office/drawing/2014/main" id="{72DA7980-C870-4C9A-84FA-4120D8AF5DE8}"/>
+              </a:ext>
+            </a:extLst>
+          </p:cNvPr>
+          <p:cNvSpPr>
+            <a:spLocks noGrp="1"/>
+          </p:cNvSpPr>
+          <p:nvPr>
+            <p:ph type="dt" sz="half" idx="10"/>
+          </p:nvPr>
+        </p:nvSpPr>
+        <p:spPr>
+          <a:xfrm>
+            <a:off x="4267200" y="6356350"/>
+            <a:ext cx="1774371" cy="365125"/>
+          </a:xfrm>
+        </p:spPr>
+        <p:txBody>
+          <a:bodyPr rtlCol="0"/>
+          <a:lstStyle/>
+          <a:p>
+            <a:pPr rtl="0"/>
+            <a:r>
+              <a:rPr lang="fr-FR" dirty="0"/>
+              <a:t>2023</a:t>
+            </a:r>
+          </a:p>
+        </p:txBody>
+      </p:sp>
+      <p:sp>
+        <p:nvSpPr>
+          <p:cNvPr id="5" name="Espace réservé du pied de page 4">
+            <a:extLst>
+              <a:ext uri="{FF2B5EF4-FFF2-40B4-BE49-F238E27FC236}">
+                <a16:creationId xmlns:a16="http://schemas.microsoft.com/office/drawing/2014/main" id="{0DFADE42-1A3F-40C8-A071-E57644F3D843}"/>
+              </a:ext>
+            </a:extLst>
+          </p:cNvPr>
+          <p:cNvSpPr>
+            <a:spLocks noGrp="1"/>
+          </p:cNvSpPr>
+          <p:nvPr>
+            <p:ph type="ftr" sz="quarter" idx="11"/>
+          </p:nvPr>
+        </p:nvSpPr>
+        <p:spPr>
+          <a:xfrm>
+            <a:off x="6479721" y="6356350"/>
+            <a:ext cx="2661557" cy="365125"/>
+          </a:xfrm>
+        </p:spPr>
+        <p:txBody>
+          <a:bodyPr rtlCol="0"/>
+          <a:lstStyle/>
+          <a:p>
+            <a:pPr rtl="0"/>
+            <a:r>
+              <a:rPr lang="fr-FR" noProof="0" dirty="0" err="1"/>
+              <a:t>Fleetmanager</a:t>
+            </a:r>
+            <a:r>
+              <a:rPr lang="fr-FR" noProof="0" dirty="0"/>
+              <a:t> </a:t>
+            </a:r>
+            <a:r>
+              <a:rPr lang="fr-FR" noProof="0" dirty="0" err="1"/>
+              <a:t>Allphi</a:t>
+            </a:r>
+            <a:endParaRPr lang="fr-FR" noProof="0" dirty="0"/>
+          </a:p>
+        </p:txBody>
+      </p:sp>
+      <p:sp>
+        <p:nvSpPr>
+          <p:cNvPr id="6" name="Espace réservé du numéro de diapositive 5">
+            <a:extLst>
+              <a:ext uri="{FF2B5EF4-FFF2-40B4-BE49-F238E27FC236}">
+                <a16:creationId xmlns:a16="http://schemas.microsoft.com/office/drawing/2014/main" id="{5EDCFF82-B70F-4971-9182-7C3AEA3CFD26}"/>
+              </a:ext>
+            </a:extLst>
+          </p:cNvPr>
+          <p:cNvSpPr>
+            <a:spLocks noGrp="1"/>
+          </p:cNvSpPr>
+          <p:nvPr>
+            <p:ph type="sldNum" sz="quarter" idx="12"/>
+          </p:nvPr>
+        </p:nvSpPr>
+        <p:spPr>
+          <a:xfrm>
+            <a:off x="9579428" y="6356350"/>
+            <a:ext cx="1774371" cy="365125"/>
+          </a:xfrm>
+        </p:spPr>
+        <p:txBody>
+          <a:bodyPr rtlCol="0"/>
+          <a:lstStyle/>
+          <a:p>
+            <a:pPr rtl="0"/>
+            <a:fld id="{B5CEABB6-07DC-46E8-9B57-56EC44A396E5}" type="slidenum">
+              <a:rPr lang="fr-FR" smtClean="0"/>
+              <a:pPr rtl="0"/>
+              <a:t>8</a:t>
+            </a:fld>
+            <a:endParaRPr lang="fr-FR"/>
+          </a:p>
+        </p:txBody>
+      </p:sp>
+    </p:spTree>
+    <p:extLst>
+      <p:ext uri="{BB962C8B-B14F-4D97-AF65-F5344CB8AC3E}">
+        <p14:creationId xmlns:p14="http://schemas.microsoft.com/office/powerpoint/2010/main" val="2436493926"/>
+      </p:ext>
+    </p:extLst>
+  </p:cSld>
+  <p:clrMapOvr>
+    <a:masterClrMapping/>
+  </p:clrMapOvr>
+</p:sld>
+</file>
+
+<file path=ppt/slides/slide9.xml><?xml version="1.0" encoding="utf-8"?>
+<p:sld xmlns:a="http://schemas.openxmlformats.org/drawingml/2006/main" xmlns:r="http://schemas.openxmlformats.org/officeDocument/2006/relationships" xmlns:p="http://schemas.openxmlformats.org/presentationml/2006/main">
+  <p:cSld>
+    <p:spTree>
+      <p:nvGrpSpPr>
+        <p:cNvPr id="1" name=""/>
+        <p:cNvGrpSpPr/>
+        <p:nvPr/>
+      </p:nvGrpSpPr>
+      <p:grpSpPr>
+        <a:xfrm>
+          <a:off x="0" y="0"/>
+          <a:ext cx="0" cy="0"/>
+          <a:chOff x="0" y="0"/>
+          <a:chExt cx="0" cy="0"/>
+        </a:xfrm>
+      </p:grpSpPr>
+      <p:sp>
+        <p:nvSpPr>
+          <p:cNvPr id="2" name="Titel 1">
+            <a:extLst>
+              <a:ext uri="{FF2B5EF4-FFF2-40B4-BE49-F238E27FC236}">
+                <a16:creationId xmlns:a16="http://schemas.microsoft.com/office/drawing/2014/main" id="{D2BC05BC-4C50-F1E6-84A5-87D58296B9B9}"/>
+              </a:ext>
+            </a:extLst>
+          </p:cNvPr>
+          <p:cNvSpPr>
+            <a:spLocks noGrp="1"/>
+          </p:cNvSpPr>
+          <p:nvPr>
+            <p:ph type="title"/>
+          </p:nvPr>
+        </p:nvSpPr>
+        <p:spPr/>
+        <p:txBody>
+          <a:bodyPr/>
+          <a:lstStyle/>
+          <a:p>
+            <a:r>
+              <a:rPr lang="nl-BE" dirty="0"/>
+              <a:t>Toekomst</a:t>
+            </a:r>
+          </a:p>
+        </p:txBody>
+      </p:sp>
+      <p:sp>
+        <p:nvSpPr>
+          <p:cNvPr id="3" name="Tijdelijke aanduiding voor tekst 2">
+            <a:extLst>
+              <a:ext uri="{FF2B5EF4-FFF2-40B4-BE49-F238E27FC236}">
+                <a16:creationId xmlns:a16="http://schemas.microsoft.com/office/drawing/2014/main" id="{B7568AE7-7DE0-8D2A-AE69-6D6C786CBF13}"/>
+              </a:ext>
+            </a:extLst>
+          </p:cNvPr>
+          <p:cNvSpPr>
+            <a:spLocks noGrp="1"/>
+          </p:cNvSpPr>
+          <p:nvPr>
+            <p:ph type="body" sz="quarter" idx="13"/>
+          </p:nvPr>
+        </p:nvSpPr>
+        <p:spPr>
+          <a:xfrm>
+            <a:off x="5919680" y="1577109"/>
+            <a:ext cx="5433204" cy="3703782"/>
+          </a:xfrm>
+        </p:spPr>
+        <p:txBody>
+          <a:bodyPr>
+            <a:normAutofit/>
+          </a:bodyPr>
+          <a:lstStyle/>
+          <a:p>
+            <a:pPr marL="342900" indent="-342900">
+              <a:lnSpc>
+                <a:spcPct val="200000"/>
+              </a:lnSpc>
+              <a:buFont typeface="Arial" panose="020B0604020202020204" pitchFamily="34" charset="0"/>
+              <a:buChar char="•"/>
+            </a:pPr>
+            <a:r>
+              <a:rPr lang="nl-BE" dirty="0"/>
+              <a:t>Data tabellen</a:t>
+            </a:r>
+          </a:p>
+          <a:p>
+            <a:pPr marL="342900" indent="-342900">
+              <a:lnSpc>
+                <a:spcPct val="200000"/>
+              </a:lnSpc>
+              <a:buFont typeface="Arial" panose="020B0604020202020204" pitchFamily="34" charset="0"/>
+              <a:buChar char="•"/>
+            </a:pPr>
+            <a:r>
+              <a:rPr lang="nl-BE" dirty="0"/>
+              <a:t>Gebruikers (login)</a:t>
+            </a:r>
+          </a:p>
+          <a:p>
+            <a:pPr marL="342900" indent="-342900">
+              <a:lnSpc>
+                <a:spcPct val="200000"/>
+              </a:lnSpc>
+              <a:buFont typeface="Arial" panose="020B0604020202020204" pitchFamily="34" charset="0"/>
+              <a:buChar char="•"/>
+            </a:pPr>
+            <a:r>
+              <a:rPr lang="nl-BE" dirty="0"/>
+              <a:t>Invoer nieuwe gegevens</a:t>
+            </a:r>
+          </a:p>
+          <a:p>
+            <a:pPr marL="342900" indent="-342900">
+              <a:lnSpc>
+                <a:spcPct val="200000"/>
+              </a:lnSpc>
+              <a:buFont typeface="Arial" panose="020B0604020202020204" pitchFamily="34" charset="0"/>
+              <a:buChar char="•"/>
+            </a:pPr>
+            <a:r>
+              <a:rPr lang="nl-BE" dirty="0" err="1"/>
+              <a:t>Responsive</a:t>
+            </a:r>
+            <a:r>
+              <a:rPr lang="nl-BE" dirty="0"/>
+              <a:t> design</a:t>
+            </a:r>
+          </a:p>
+          <a:p>
+            <a:pPr marL="342900" indent="-342900">
+              <a:lnSpc>
+                <a:spcPct val="200000"/>
+              </a:lnSpc>
+              <a:buFont typeface="Arial" panose="020B0604020202020204" pitchFamily="34" charset="0"/>
+              <a:buChar char="•"/>
+            </a:pPr>
+            <a:r>
+              <a:rPr lang="nl-BE" dirty="0"/>
+              <a:t>Dark </a:t>
+            </a:r>
+            <a:r>
+              <a:rPr lang="nl-BE" dirty="0" err="1"/>
+              <a:t>theme</a:t>
+            </a:r>
+            <a:endParaRPr lang="nl-BE" dirty="0"/>
+          </a:p>
+          <a:p>
+            <a:pPr marL="342900" indent="-342900">
+              <a:buFont typeface="Arial" panose="020B0604020202020204" pitchFamily="34" charset="0"/>
+              <a:buChar char="•"/>
+            </a:pPr>
+            <a:endParaRPr lang="nl-BE" dirty="0"/>
+          </a:p>
+        </p:txBody>
+      </p:sp>
+      <p:sp>
+        <p:nvSpPr>
+          <p:cNvPr id="11" name="Tijdelijke aanduiding voor datum 10">
+            <a:extLst>
+              <a:ext uri="{FF2B5EF4-FFF2-40B4-BE49-F238E27FC236}">
+                <a16:creationId xmlns:a16="http://schemas.microsoft.com/office/drawing/2014/main" id="{0BC06DD5-397D-C094-EBFC-07D3B4F99360}"/>
+              </a:ext>
+            </a:extLst>
+          </p:cNvPr>
+          <p:cNvSpPr>
+            <a:spLocks noGrp="1"/>
+          </p:cNvSpPr>
+          <p:nvPr>
+            <p:ph type="dt" sz="half" idx="20"/>
+          </p:nvPr>
+        </p:nvSpPr>
+        <p:spPr/>
+        <p:txBody>
+          <a:bodyPr/>
+          <a:lstStyle/>
+          <a:p>
+            <a:pPr rtl="0"/>
+            <a:r>
+              <a:rPr lang="fr-FR" noProof="0" dirty="0"/>
+              <a:t>2023</a:t>
+            </a:r>
+          </a:p>
+        </p:txBody>
+      </p:sp>
+      <p:sp>
+        <p:nvSpPr>
+          <p:cNvPr id="12" name="Tijdelijke aanduiding voor voettekst 11">
+            <a:extLst>
+              <a:ext uri="{FF2B5EF4-FFF2-40B4-BE49-F238E27FC236}">
+                <a16:creationId xmlns:a16="http://schemas.microsoft.com/office/drawing/2014/main" id="{F43D161D-28B5-1CD6-C9C8-411C798A7579}"/>
+              </a:ext>
+            </a:extLst>
+          </p:cNvPr>
+          <p:cNvSpPr>
+            <a:spLocks noGrp="1"/>
+          </p:cNvSpPr>
+          <p:nvPr>
+            <p:ph type="ftr" sz="quarter" idx="21"/>
+          </p:nvPr>
+        </p:nvSpPr>
+        <p:spPr/>
+        <p:txBody>
+          <a:bodyPr/>
+          <a:lstStyle/>
+          <a:p>
+            <a:pPr rtl="0"/>
+            <a:r>
+              <a:rPr lang="fr-FR" noProof="0" dirty="0" err="1"/>
+              <a:t>Fleetmanager</a:t>
+            </a:r>
+            <a:r>
+              <a:rPr lang="fr-FR" noProof="0" dirty="0"/>
+              <a:t> </a:t>
+            </a:r>
+            <a:r>
+              <a:rPr lang="fr-FR" noProof="0" dirty="0" err="1"/>
+              <a:t>Allphi</a:t>
+            </a:r>
+            <a:endParaRPr lang="fr-FR" noProof="0" dirty="0"/>
+          </a:p>
+        </p:txBody>
+      </p:sp>
+      <p:sp>
+        <p:nvSpPr>
+          <p:cNvPr id="13" name="Tijdelijke aanduiding voor dianummer 12">
+            <a:extLst>
+              <a:ext uri="{FF2B5EF4-FFF2-40B4-BE49-F238E27FC236}">
+                <a16:creationId xmlns:a16="http://schemas.microsoft.com/office/drawing/2014/main" id="{9D9484ED-2AAC-5077-F7D6-4BFD04D75700}"/>
+              </a:ext>
+            </a:extLst>
+          </p:cNvPr>
+          <p:cNvSpPr>
+            <a:spLocks noGrp="1"/>
+          </p:cNvSpPr>
+          <p:nvPr>
+            <p:ph type="sldNum" sz="quarter" idx="22"/>
+          </p:nvPr>
+        </p:nvSpPr>
+        <p:spPr/>
+        <p:txBody>
+          <a:bodyPr/>
+          <a:lstStyle/>
+          <a:p>
+            <a:pPr rtl="0"/>
+            <a:fld id="{B5CEABB6-07DC-46E8-9B57-56EC44A396E5}" type="slidenum">
+              <a:rPr lang="fr-FR" noProof="0" smtClean="0"/>
+              <a:pPr rtl="0"/>
+              <a:t>9</a:t>
+            </a:fld>
+            <a:endParaRPr lang="fr-FR" noProof="0"/>
+          </a:p>
+        </p:txBody>
+      </p:sp>
+    </p:spTree>
+    <p:extLst>
+      <p:ext uri="{BB962C8B-B14F-4D97-AF65-F5344CB8AC3E}">
+        <p14:creationId xmlns:p14="http://schemas.microsoft.com/office/powerpoint/2010/main" val="4169162614"/>
       </p:ext>
     </p:extLst>
   </p:cSld>
@@ -20479,6 +20746,15 @@
 </file>
 
 <file path=customXml/item1.xml><?xml version="1.0" encoding="utf-8"?>
+<?mso-contentType ?>
+<FormTemplates xmlns="http://schemas.microsoft.com/sharepoint/v3/contenttype/forms">
+  <Display>DocumentLibraryForm</Display>
+  <Edit>DocumentLibraryForm</Edit>
+  <New>DocumentLibraryForm</New>
+</FormTemplates>
+</file>
+
+<file path=customXml/item2.xml><?xml version="1.0" encoding="utf-8"?>
 <p:properties xmlns:p="http://schemas.microsoft.com/office/2006/metadata/properties" xmlns:xsi="http://www.w3.org/2001/XMLSchema-instance" xmlns:pc="http://schemas.microsoft.com/office/infopath/2007/PartnerControls">
   <documentManagement>
     <_ip_UnifiedCompliancePolicyUIAction xmlns="http://schemas.microsoft.com/sharepoint/v3" xsi:nil="true"/>
@@ -20495,15 +20771,6 @@
     <MediaServiceKeyPoints xmlns="71af3243-3dd4-4a8d-8c0d-dd76da1f02a5" xsi:nil="true"/>
   </documentManagement>
 </p:properties>
-</file>
-
-<file path=customXml/item2.xml><?xml version="1.0" encoding="utf-8"?>
-<?mso-contentType ?>
-<FormTemplates xmlns="http://schemas.microsoft.com/sharepoint/v3/contenttype/forms">
-  <Display>DocumentLibraryForm</Display>
-  <Edit>DocumentLibraryForm</Edit>
-  <New>DocumentLibraryForm</New>
-</FormTemplates>
 </file>
 
 <file path=customXml/item3.xml><?xml version="1.0" encoding="utf-8"?>
@@ -20783,6 +21050,14 @@
 </file>
 
 <file path=customXml/itemProps1.xml><?xml version="1.0" encoding="utf-8"?>
+<ds:datastoreItem xmlns:ds="http://schemas.openxmlformats.org/officeDocument/2006/customXml" ds:itemID="{2D446390-8521-40A2-A462-EA068123BED9}">
+  <ds:schemaRefs>
+    <ds:schemaRef ds:uri="http://schemas.microsoft.com/sharepoint/v3/contenttype/forms"/>
+  </ds:schemaRefs>
+</ds:datastoreItem>
+</file>
+
+<file path=customXml/itemProps2.xml><?xml version="1.0" encoding="utf-8"?>
 <ds:datastoreItem xmlns:ds="http://schemas.openxmlformats.org/officeDocument/2006/customXml" ds:itemID="{B5BA3906-9696-4247-AC0D-DD5C26B2A70A}">
   <ds:schemaRefs>
     <ds:schemaRef ds:uri="http://schemas.microsoft.com/office/2006/metadata/properties"/>
@@ -20790,14 +21065,6 @@
     <ds:schemaRef ds:uri="http://schemas.microsoft.com/sharepoint/v3"/>
     <ds:schemaRef ds:uri="71af3243-3dd4-4a8d-8c0d-dd76da1f02a5"/>
     <ds:schemaRef ds:uri="230e9df3-be65-4c73-a93b-d1236ebd677e"/>
-  </ds:schemaRefs>
-</ds:datastoreItem>
-</file>
-
-<file path=customXml/itemProps2.xml><?xml version="1.0" encoding="utf-8"?>
-<ds:datastoreItem xmlns:ds="http://schemas.openxmlformats.org/officeDocument/2006/customXml" ds:itemID="{2D446390-8521-40A2-A462-EA068123BED9}">
-  <ds:schemaRefs>
-    <ds:schemaRef ds:uri="http://schemas.microsoft.com/sharepoint/v3/contenttype/forms"/>
   </ds:schemaRefs>
 </ds:datastoreItem>
 </file>

--- a/Fleetmanager.pptx
+++ b/Fleetmanager.pptx
@@ -18419,7 +18419,7 @@
         </p:nvSpPr>
         <p:spPr>
           <a:xfrm>
-            <a:off x="5922254" y="1530635"/>
+            <a:off x="5919680" y="1650708"/>
             <a:ext cx="5433204" cy="365125"/>
           </a:xfrm>
         </p:spPr>
@@ -18472,7 +18472,7 @@
         </p:nvSpPr>
         <p:spPr>
           <a:xfrm>
-            <a:off x="5921828" y="1860060"/>
+            <a:off x="5919254" y="1980133"/>
             <a:ext cx="5431971" cy="557950"/>
           </a:xfrm>
         </p:spPr>
@@ -18521,7 +18521,7 @@
         </p:nvSpPr>
         <p:spPr>
           <a:xfrm>
-            <a:off x="5922254" y="2630431"/>
+            <a:off x="5919680" y="2750504"/>
             <a:ext cx="5433204" cy="365125"/>
           </a:xfrm>
         </p:spPr>
@@ -18566,7 +18566,7 @@
         </p:nvSpPr>
         <p:spPr>
           <a:xfrm>
-            <a:off x="5921828" y="2959856"/>
+            <a:off x="5919254" y="3079929"/>
             <a:ext cx="5431971" cy="557950"/>
           </a:xfrm>
         </p:spPr>
@@ -18620,7 +18620,7 @@
         </p:nvSpPr>
         <p:spPr>
           <a:xfrm>
-            <a:off x="5922254" y="3730227"/>
+            <a:off x="5919680" y="3850300"/>
             <a:ext cx="5433204" cy="365125"/>
           </a:xfrm>
         </p:spPr>
@@ -18656,77 +18656,7 @@
         </p:nvSpPr>
         <p:spPr>
           <a:xfrm>
-            <a:off x="5921828" y="4059652"/>
-            <a:ext cx="5431971" cy="557950"/>
-          </a:xfrm>
-        </p:spPr>
-        <p:txBody>
-          <a:bodyPr rtlCol="0"/>
-          <a:lstStyle/>
-          <a:p>
-            <a:pPr rtl="0"/>
-            <a:r>
-              <a:rPr lang="fr-FR" dirty="0"/>
-              <a:t>…</a:t>
-            </a:r>
-          </a:p>
-        </p:txBody>
-      </p:sp>
-      <p:sp>
-        <p:nvSpPr>
-          <p:cNvPr id="9" name="Espace réservé du texte 8">
-            <a:extLst>
-              <a:ext uri="{FF2B5EF4-FFF2-40B4-BE49-F238E27FC236}">
-                <a16:creationId xmlns:a16="http://schemas.microsoft.com/office/drawing/2014/main" id="{868F40F8-BF35-45E9-B3DD-5436362D746E}"/>
-              </a:ext>
-            </a:extLst>
-          </p:cNvPr>
-          <p:cNvSpPr>
-            <a:spLocks noGrp="1"/>
-          </p:cNvSpPr>
-          <p:nvPr>
-            <p:ph type="body" sz="quarter" idx="27"/>
-          </p:nvPr>
-        </p:nvSpPr>
-        <p:spPr>
-          <a:xfrm>
-            <a:off x="5920106" y="4830024"/>
-            <a:ext cx="5433204" cy="365125"/>
-          </a:xfrm>
-        </p:spPr>
-        <p:txBody>
-          <a:bodyPr rtlCol="0">
-            <a:normAutofit lnSpcReduction="10000"/>
-          </a:bodyPr>
-          <a:lstStyle/>
-          <a:p>
-            <a:pPr rtl="0"/>
-            <a:r>
-              <a:rPr lang="fr-FR" dirty="0"/>
-              <a:t>…</a:t>
-            </a:r>
-          </a:p>
-        </p:txBody>
-      </p:sp>
-      <p:sp>
-        <p:nvSpPr>
-          <p:cNvPr id="10" name="Espace réservé du texte 9">
-            <a:extLst>
-              <a:ext uri="{FF2B5EF4-FFF2-40B4-BE49-F238E27FC236}">
-                <a16:creationId xmlns:a16="http://schemas.microsoft.com/office/drawing/2014/main" id="{7F39C97C-2DDC-4706-B96C-B02FAE53A426}"/>
-              </a:ext>
-            </a:extLst>
-          </p:cNvPr>
-          <p:cNvSpPr>
-            <a:spLocks noGrp="1"/>
-          </p:cNvSpPr>
-          <p:nvPr>
-            <p:ph type="body" sz="quarter" idx="28"/>
-          </p:nvPr>
-        </p:nvSpPr>
-        <p:spPr>
-          <a:xfrm>
-            <a:off x="5919680" y="5159449"/>
+            <a:off x="5919254" y="4179725"/>
             <a:ext cx="5431971" cy="557950"/>
           </a:xfrm>
         </p:spPr>
@@ -20746,15 +20676,6 @@
 </file>
 
 <file path=customXml/item1.xml><?xml version="1.0" encoding="utf-8"?>
-<?mso-contentType ?>
-<FormTemplates xmlns="http://schemas.microsoft.com/sharepoint/v3/contenttype/forms">
-  <Display>DocumentLibraryForm</Display>
-  <Edit>DocumentLibraryForm</Edit>
-  <New>DocumentLibraryForm</New>
-</FormTemplates>
-</file>
-
-<file path=customXml/item2.xml><?xml version="1.0" encoding="utf-8"?>
 <p:properties xmlns:p="http://schemas.microsoft.com/office/2006/metadata/properties" xmlns:xsi="http://www.w3.org/2001/XMLSchema-instance" xmlns:pc="http://schemas.microsoft.com/office/infopath/2007/PartnerControls">
   <documentManagement>
     <_ip_UnifiedCompliancePolicyUIAction xmlns="http://schemas.microsoft.com/sharepoint/v3" xsi:nil="true"/>
@@ -20771,6 +20692,15 @@
     <MediaServiceKeyPoints xmlns="71af3243-3dd4-4a8d-8c0d-dd76da1f02a5" xsi:nil="true"/>
   </documentManagement>
 </p:properties>
+</file>
+
+<file path=customXml/item2.xml><?xml version="1.0" encoding="utf-8"?>
+<?mso-contentType ?>
+<FormTemplates xmlns="http://schemas.microsoft.com/sharepoint/v3/contenttype/forms">
+  <Display>DocumentLibraryForm</Display>
+  <Edit>DocumentLibraryForm</Edit>
+  <New>DocumentLibraryForm</New>
+</FormTemplates>
 </file>
 
 <file path=customXml/item3.xml><?xml version="1.0" encoding="utf-8"?>
@@ -21050,14 +20980,6 @@
 </file>
 
 <file path=customXml/itemProps1.xml><?xml version="1.0" encoding="utf-8"?>
-<ds:datastoreItem xmlns:ds="http://schemas.openxmlformats.org/officeDocument/2006/customXml" ds:itemID="{2D446390-8521-40A2-A462-EA068123BED9}">
-  <ds:schemaRefs>
-    <ds:schemaRef ds:uri="http://schemas.microsoft.com/sharepoint/v3/contenttype/forms"/>
-  </ds:schemaRefs>
-</ds:datastoreItem>
-</file>
-
-<file path=customXml/itemProps2.xml><?xml version="1.0" encoding="utf-8"?>
 <ds:datastoreItem xmlns:ds="http://schemas.openxmlformats.org/officeDocument/2006/customXml" ds:itemID="{B5BA3906-9696-4247-AC0D-DD5C26B2A70A}">
   <ds:schemaRefs>
     <ds:schemaRef ds:uri="http://schemas.microsoft.com/office/2006/metadata/properties"/>
@@ -21065,6 +20987,14 @@
     <ds:schemaRef ds:uri="http://schemas.microsoft.com/sharepoint/v3"/>
     <ds:schemaRef ds:uri="71af3243-3dd4-4a8d-8c0d-dd76da1f02a5"/>
     <ds:schemaRef ds:uri="230e9df3-be65-4c73-a93b-d1236ebd677e"/>
+  </ds:schemaRefs>
+</ds:datastoreItem>
+</file>
+
+<file path=customXml/itemProps2.xml><?xml version="1.0" encoding="utf-8"?>
+<ds:datastoreItem xmlns:ds="http://schemas.openxmlformats.org/officeDocument/2006/customXml" ds:itemID="{2D446390-8521-40A2-A462-EA068123BED9}">
+  <ds:schemaRefs>
+    <ds:schemaRef ds:uri="http://schemas.microsoft.com/sharepoint/v3/contenttype/forms"/>
   </ds:schemaRefs>
 </ds:datastoreItem>
 </file>

--- a/Fleetmanager.pptx
+++ b/Fleetmanager.pptx
@@ -468,7 +468,7 @@
             <a:pPr rtl="0"/>
             <a:fld id="{6BC4ED84-6EAE-4BB9-A239-A4541838CFBF}" type="datetime1">
               <a:rPr lang="fr-FR" smtClean="0"/>
-              <a:t>22/11/2023</a:t>
+              <a:t>23/11/2023</a:t>
             </a:fld>
             <a:endParaRPr lang="fr-FR"/>
           </a:p>
@@ -650,7 +650,7 @@
             <a:fld id="{30AA49DA-9B4C-4C11-AFC5-1C9CC1D3D925}" type="datetime1">
               <a:rPr lang="fr-FR" smtClean="0"/>
               <a:pPr/>
-              <a:t>22/11/2023</a:t>
+              <a:t>23/11/2023</a:t>
             </a:fld>
             <a:endParaRPr lang="fr-FR" dirty="0"/>
           </a:p>
@@ -19699,9 +19699,10 @@
               <a:buChar char="•"/>
             </a:pPr>
             <a:r>
-              <a:rPr lang="nl-BE" dirty="0"/>
-              <a:t>Data tabellen</a:t>
-            </a:r>
+              <a:rPr lang="nl-BE"/>
+              <a:t>CRUD toepassingen</a:t>
+            </a:r>
+            <a:endParaRPr lang="nl-BE" dirty="0"/>
           </a:p>
           <a:p>
             <a:pPr marL="342900" indent="-342900">
@@ -20676,6 +20677,15 @@
 </file>
 
 <file path=customXml/item1.xml><?xml version="1.0" encoding="utf-8"?>
+<?mso-contentType ?>
+<FormTemplates xmlns="http://schemas.microsoft.com/sharepoint/v3/contenttype/forms">
+  <Display>DocumentLibraryForm</Display>
+  <Edit>DocumentLibraryForm</Edit>
+  <New>DocumentLibraryForm</New>
+</FormTemplates>
+</file>
+
+<file path=customXml/item2.xml><?xml version="1.0" encoding="utf-8"?>
 <p:properties xmlns:p="http://schemas.microsoft.com/office/2006/metadata/properties" xmlns:xsi="http://www.w3.org/2001/XMLSchema-instance" xmlns:pc="http://schemas.microsoft.com/office/infopath/2007/PartnerControls">
   <documentManagement>
     <_ip_UnifiedCompliancePolicyUIAction xmlns="http://schemas.microsoft.com/sharepoint/v3" xsi:nil="true"/>
@@ -20692,15 +20702,6 @@
     <MediaServiceKeyPoints xmlns="71af3243-3dd4-4a8d-8c0d-dd76da1f02a5" xsi:nil="true"/>
   </documentManagement>
 </p:properties>
-</file>
-
-<file path=customXml/item2.xml><?xml version="1.0" encoding="utf-8"?>
-<?mso-contentType ?>
-<FormTemplates xmlns="http://schemas.microsoft.com/sharepoint/v3/contenttype/forms">
-  <Display>DocumentLibraryForm</Display>
-  <Edit>DocumentLibraryForm</Edit>
-  <New>DocumentLibraryForm</New>
-</FormTemplates>
 </file>
 
 <file path=customXml/item3.xml><?xml version="1.0" encoding="utf-8"?>
@@ -20980,6 +20981,14 @@
 </file>
 
 <file path=customXml/itemProps1.xml><?xml version="1.0" encoding="utf-8"?>
+<ds:datastoreItem xmlns:ds="http://schemas.openxmlformats.org/officeDocument/2006/customXml" ds:itemID="{2D446390-8521-40A2-A462-EA068123BED9}">
+  <ds:schemaRefs>
+    <ds:schemaRef ds:uri="http://schemas.microsoft.com/sharepoint/v3/contenttype/forms"/>
+  </ds:schemaRefs>
+</ds:datastoreItem>
+</file>
+
+<file path=customXml/itemProps2.xml><?xml version="1.0" encoding="utf-8"?>
 <ds:datastoreItem xmlns:ds="http://schemas.openxmlformats.org/officeDocument/2006/customXml" ds:itemID="{B5BA3906-9696-4247-AC0D-DD5C26B2A70A}">
   <ds:schemaRefs>
     <ds:schemaRef ds:uri="http://schemas.microsoft.com/office/2006/metadata/properties"/>
@@ -20987,14 +20996,6 @@
     <ds:schemaRef ds:uri="http://schemas.microsoft.com/sharepoint/v3"/>
     <ds:schemaRef ds:uri="71af3243-3dd4-4a8d-8c0d-dd76da1f02a5"/>
     <ds:schemaRef ds:uri="230e9df3-be65-4c73-a93b-d1236ebd677e"/>
-  </ds:schemaRefs>
-</ds:datastoreItem>
-</file>
-
-<file path=customXml/itemProps2.xml><?xml version="1.0" encoding="utf-8"?>
-<ds:datastoreItem xmlns:ds="http://schemas.openxmlformats.org/officeDocument/2006/customXml" ds:itemID="{2D446390-8521-40A2-A462-EA068123BED9}">
-  <ds:schemaRefs>
-    <ds:schemaRef ds:uri="http://schemas.microsoft.com/sharepoint/v3/contenttype/forms"/>
   </ds:schemaRefs>
 </ds:datastoreItem>
 </file>

--- a/Fleetmanager.pptx
+++ b/Fleetmanager.pptx
@@ -5,10 +5,10 @@
     <p:sldMasterId id="2147483666" r:id="rId4"/>
   </p:sldMasterIdLst>
   <p:notesMasterIdLst>
-    <p:notesMasterId r:id="rId14"/>
+    <p:notesMasterId r:id="rId15"/>
   </p:notesMasterIdLst>
   <p:handoutMasterIdLst>
-    <p:handoutMasterId r:id="rId15"/>
+    <p:handoutMasterId r:id="rId16"/>
   </p:handoutMasterIdLst>
   <p:sldIdLst>
     <p:sldId id="256" r:id="rId5"/>
@@ -19,7 +19,8 @@
     <p:sldId id="278" r:id="rId10"/>
     <p:sldId id="296" r:id="rId11"/>
     <p:sldId id="276" r:id="rId12"/>
-    <p:sldId id="295" r:id="rId13"/>
+    <p:sldId id="297" r:id="rId13"/>
+    <p:sldId id="295" r:id="rId14"/>
   </p:sldIdLst>
   <p:sldSz cx="12192000" cy="6858000"/>
   <p:notesSz cx="6858000" cy="9144000"/>
@@ -467,7 +468,7 @@
             <a:pPr rtl="0"/>
             <a:fld id="{6BC4ED84-6EAE-4BB9-A239-A4541838CFBF}" type="datetime1">
               <a:rPr lang="fr-FR" smtClean="0"/>
-              <a:t>21/11/2023</a:t>
+              <a:t>23/11/2023</a:t>
             </a:fld>
             <a:endParaRPr lang="fr-FR"/>
           </a:p>
@@ -649,7 +650,7 @@
             <a:fld id="{30AA49DA-9B4C-4C11-AFC5-1C9CC1D3D925}" type="datetime1">
               <a:rPr lang="fr-FR" smtClean="0"/>
               <a:pPr/>
-              <a:t>21/11/2023</a:t>
+              <a:t>23/11/2023</a:t>
             </a:fld>
             <a:endParaRPr lang="fr-FR" dirty="0"/>
           </a:p>
@@ -16475,2872 +16476,7 @@
 </p:sld>
 </file>
 
-<file path=ppt/slides/slide2.xml><?xml version="1.0" encoding="utf-8"?>
-<p:sld xmlns:a="http://schemas.openxmlformats.org/drawingml/2006/main" xmlns:r="http://schemas.openxmlformats.org/officeDocument/2006/relationships" xmlns:p="http://schemas.openxmlformats.org/presentationml/2006/main">
-  <p:cSld>
-    <p:spTree>
-      <p:nvGrpSpPr>
-        <p:cNvPr id="1" name=""/>
-        <p:cNvGrpSpPr/>
-        <p:nvPr/>
-      </p:nvGrpSpPr>
-      <p:grpSpPr>
-        <a:xfrm>
-          <a:off x="0" y="0"/>
-          <a:ext cx="0" cy="0"/>
-          <a:chOff x="0" y="0"/>
-          <a:chExt cx="0" cy="0"/>
-        </a:xfrm>
-      </p:grpSpPr>
-      <p:sp>
-        <p:nvSpPr>
-          <p:cNvPr id="2" name="Titel 1">
-            <a:extLst>
-              <a:ext uri="{FF2B5EF4-FFF2-40B4-BE49-F238E27FC236}">
-                <a16:creationId xmlns:a16="http://schemas.microsoft.com/office/drawing/2014/main" id="{F7D4DE62-5124-24BA-A1EE-9EEB335288D3}"/>
-              </a:ext>
-            </a:extLst>
-          </p:cNvPr>
-          <p:cNvSpPr>
-            <a:spLocks noGrp="1"/>
-          </p:cNvSpPr>
-          <p:nvPr>
-            <p:ph type="title"/>
-          </p:nvPr>
-        </p:nvSpPr>
-        <p:spPr>
-          <a:xfrm>
-            <a:off x="1333499" y="1020446"/>
-            <a:ext cx="3171825" cy="666114"/>
-          </a:xfrm>
-        </p:spPr>
-        <p:txBody>
-          <a:bodyPr>
-            <a:normAutofit/>
-          </a:bodyPr>
-          <a:lstStyle/>
-          <a:p>
-            <a:r>
-              <a:rPr lang="nl-BE" dirty="0"/>
-              <a:t>Het project</a:t>
-            </a:r>
-          </a:p>
-        </p:txBody>
-      </p:sp>
-      <p:sp>
-        <p:nvSpPr>
-          <p:cNvPr id="3" name="Tijdelijke aanduiding voor inhoud 2">
-            <a:extLst>
-              <a:ext uri="{FF2B5EF4-FFF2-40B4-BE49-F238E27FC236}">
-                <a16:creationId xmlns:a16="http://schemas.microsoft.com/office/drawing/2014/main" id="{C9CC1EF5-8A35-1047-CF72-32580F3C359E}"/>
-              </a:ext>
-            </a:extLst>
-          </p:cNvPr>
-          <p:cNvSpPr>
-            <a:spLocks noGrp="1"/>
-          </p:cNvSpPr>
-          <p:nvPr>
-            <p:ph idx="1"/>
-          </p:nvPr>
-        </p:nvSpPr>
-        <p:spPr>
-          <a:xfrm>
-            <a:off x="1333499" y="1950720"/>
-            <a:ext cx="3583941" cy="3749040"/>
-          </a:xfrm>
-        </p:spPr>
-        <p:txBody>
-          <a:bodyPr/>
-          <a:lstStyle/>
-          <a:p>
-            <a:pPr marL="285750" indent="-285750">
-              <a:buFont typeface="Arial" panose="020B0604020202020204" pitchFamily="34" charset="0"/>
-              <a:buChar char="•"/>
-            </a:pPr>
-            <a:r>
-              <a:rPr lang="nl-BE" dirty="0"/>
-              <a:t>Beheren van voertuigen, tankkaarten en bestuurders</a:t>
-            </a:r>
-          </a:p>
-          <a:p>
-            <a:pPr marL="742950" lvl="1" indent="-285750">
-              <a:buFont typeface="Arial" panose="020B0604020202020204" pitchFamily="34" charset="0"/>
-              <a:buChar char="•"/>
-            </a:pPr>
-            <a:r>
-              <a:rPr lang="nl-BE" dirty="0"/>
-              <a:t>Nieuwe items kunnen toevoegen</a:t>
-            </a:r>
-          </a:p>
-          <a:p>
-            <a:pPr marL="742950" lvl="1" indent="-285750">
-              <a:buFont typeface="Arial" panose="020B0604020202020204" pitchFamily="34" charset="0"/>
-              <a:buChar char="•"/>
-            </a:pPr>
-            <a:r>
-              <a:rPr lang="nl-BE" dirty="0"/>
-              <a:t>Detailweergave openen</a:t>
-            </a:r>
-          </a:p>
-          <a:p>
-            <a:pPr marL="742950" lvl="1" indent="-285750">
-              <a:buFont typeface="Arial" panose="020B0604020202020204" pitchFamily="34" charset="0"/>
-              <a:buChar char="•"/>
-            </a:pPr>
-            <a:r>
-              <a:rPr lang="nl-BE" dirty="0"/>
-              <a:t>Bewerk weergave openen</a:t>
-            </a:r>
-          </a:p>
-          <a:p>
-            <a:pPr marL="742950" lvl="1" indent="-285750">
-              <a:buFont typeface="Arial" panose="020B0604020202020204" pitchFamily="34" charset="0"/>
-              <a:buChar char="•"/>
-            </a:pPr>
-            <a:r>
-              <a:rPr lang="nl-BE" dirty="0"/>
-              <a:t>Verwijderen van een item</a:t>
-            </a:r>
-          </a:p>
-          <a:p>
-            <a:pPr marL="285750" indent="-285750">
-              <a:buFont typeface="Arial" panose="020B0604020202020204" pitchFamily="34" charset="0"/>
-              <a:buChar char="•"/>
-            </a:pPr>
-            <a:r>
-              <a:rPr lang="nl-BE" dirty="0"/>
-              <a:t>Restricties op gegevens</a:t>
-            </a:r>
-          </a:p>
-        </p:txBody>
-      </p:sp>
-      <p:sp>
-        <p:nvSpPr>
-          <p:cNvPr id="4" name="Tijdelijke aanduiding voor datum 3">
-            <a:extLst>
-              <a:ext uri="{FF2B5EF4-FFF2-40B4-BE49-F238E27FC236}">
-                <a16:creationId xmlns:a16="http://schemas.microsoft.com/office/drawing/2014/main" id="{913874A0-D37A-3DA3-BE24-83B9D5865E74}"/>
-              </a:ext>
-            </a:extLst>
-          </p:cNvPr>
-          <p:cNvSpPr>
-            <a:spLocks noGrp="1"/>
-          </p:cNvSpPr>
-          <p:nvPr>
-            <p:ph type="dt" sz="half" idx="10"/>
-          </p:nvPr>
-        </p:nvSpPr>
-        <p:spPr/>
-        <p:txBody>
-          <a:bodyPr/>
-          <a:lstStyle/>
-          <a:p>
-            <a:pPr rtl="0"/>
-            <a:r>
-              <a:rPr lang="fr-FR" noProof="0" dirty="0"/>
-              <a:t>2023</a:t>
-            </a:r>
-          </a:p>
-        </p:txBody>
-      </p:sp>
-      <p:sp>
-        <p:nvSpPr>
-          <p:cNvPr id="5" name="Tijdelijke aanduiding voor voettekst 4">
-            <a:extLst>
-              <a:ext uri="{FF2B5EF4-FFF2-40B4-BE49-F238E27FC236}">
-                <a16:creationId xmlns:a16="http://schemas.microsoft.com/office/drawing/2014/main" id="{E6CFE0BC-8974-7494-3034-88305B05A2E3}"/>
-              </a:ext>
-            </a:extLst>
-          </p:cNvPr>
-          <p:cNvSpPr>
-            <a:spLocks noGrp="1"/>
-          </p:cNvSpPr>
-          <p:nvPr>
-            <p:ph type="ftr" sz="quarter" idx="11"/>
-          </p:nvPr>
-        </p:nvSpPr>
-        <p:spPr/>
-        <p:txBody>
-          <a:bodyPr/>
-          <a:lstStyle/>
-          <a:p>
-            <a:pPr rtl="0"/>
-            <a:r>
-              <a:rPr lang="fr-FR" noProof="0" dirty="0" err="1"/>
-              <a:t>Fleetmanager</a:t>
-            </a:r>
-            <a:r>
-              <a:rPr lang="fr-FR" noProof="0" dirty="0"/>
-              <a:t> </a:t>
-            </a:r>
-            <a:r>
-              <a:rPr lang="fr-FR" noProof="0" dirty="0" err="1"/>
-              <a:t>Allphi</a:t>
-            </a:r>
-            <a:endParaRPr lang="fr-FR" noProof="0" dirty="0"/>
-          </a:p>
-        </p:txBody>
-      </p:sp>
-      <p:sp>
-        <p:nvSpPr>
-          <p:cNvPr id="6" name="Tijdelijke aanduiding voor dianummer 5">
-            <a:extLst>
-              <a:ext uri="{FF2B5EF4-FFF2-40B4-BE49-F238E27FC236}">
-                <a16:creationId xmlns:a16="http://schemas.microsoft.com/office/drawing/2014/main" id="{836007E6-6492-A392-C148-B671D972D987}"/>
-              </a:ext>
-            </a:extLst>
-          </p:cNvPr>
-          <p:cNvSpPr>
-            <a:spLocks noGrp="1"/>
-          </p:cNvSpPr>
-          <p:nvPr>
-            <p:ph type="sldNum" sz="quarter" idx="12"/>
-          </p:nvPr>
-        </p:nvSpPr>
-        <p:spPr/>
-        <p:txBody>
-          <a:bodyPr/>
-          <a:lstStyle/>
-          <a:p>
-            <a:pPr rtl="0"/>
-            <a:fld id="{B5CEABB6-07DC-46E8-9B57-56EC44A396E5}" type="slidenum">
-              <a:rPr lang="fr-FR" noProof="0" smtClean="0"/>
-              <a:t>2</a:t>
-            </a:fld>
-            <a:endParaRPr lang="fr-FR" noProof="0"/>
-          </a:p>
-        </p:txBody>
-      </p:sp>
-    </p:spTree>
-    <p:extLst>
-      <p:ext uri="{BB962C8B-B14F-4D97-AF65-F5344CB8AC3E}">
-        <p14:creationId xmlns:p14="http://schemas.microsoft.com/office/powerpoint/2010/main" val="386849723"/>
-      </p:ext>
-    </p:extLst>
-  </p:cSld>
-  <p:clrMapOvr>
-    <a:masterClrMapping/>
-  </p:clrMapOvr>
-</p:sld>
-</file>
-
-<file path=ppt/slides/slide3.xml><?xml version="1.0" encoding="utf-8"?>
-<p:sld xmlns:a="http://schemas.openxmlformats.org/drawingml/2006/main" xmlns:r="http://schemas.openxmlformats.org/officeDocument/2006/relationships" xmlns:p="http://schemas.openxmlformats.org/presentationml/2006/main">
-  <p:cSld>
-    <p:spTree>
-      <p:nvGrpSpPr>
-        <p:cNvPr id="1" name=""/>
-        <p:cNvGrpSpPr/>
-        <p:nvPr/>
-      </p:nvGrpSpPr>
-      <p:grpSpPr>
-        <a:xfrm>
-          <a:off x="0" y="0"/>
-          <a:ext cx="0" cy="0"/>
-          <a:chOff x="0" y="0"/>
-          <a:chExt cx="0" cy="0"/>
-        </a:xfrm>
-      </p:grpSpPr>
-      <p:sp>
-        <p:nvSpPr>
-          <p:cNvPr id="2" name="Titre 1">
-            <a:extLst>
-              <a:ext uri="{FF2B5EF4-FFF2-40B4-BE49-F238E27FC236}">
-                <a16:creationId xmlns:a16="http://schemas.microsoft.com/office/drawing/2014/main" id="{75031FE9-9059-4FE8-B4AC-9771F23A1B89}"/>
-              </a:ext>
-            </a:extLst>
-          </p:cNvPr>
-          <p:cNvSpPr>
-            <a:spLocks noGrp="1"/>
-          </p:cNvSpPr>
-          <p:nvPr>
-            <p:ph type="title"/>
-          </p:nvPr>
-        </p:nvSpPr>
-        <p:spPr>
-          <a:xfrm>
-            <a:off x="1885156" y="892177"/>
-            <a:ext cx="8421688" cy="1325563"/>
-          </a:xfrm>
-        </p:spPr>
-        <p:txBody>
-          <a:bodyPr rtlCol="0"/>
-          <a:lstStyle/>
-          <a:p>
-            <a:pPr rtl="0"/>
-            <a:r>
-              <a:rPr lang="fr-FR" dirty="0"/>
-              <a:t>Onze </a:t>
-            </a:r>
-            <a:r>
-              <a:rPr lang="fr-FR" dirty="0" err="1"/>
-              <a:t>visie</a:t>
-            </a:r>
-            <a:endParaRPr lang="fr-FR" dirty="0"/>
-          </a:p>
-        </p:txBody>
-      </p:sp>
-      <p:sp>
-        <p:nvSpPr>
-          <p:cNvPr id="3" name="Espace réservé du contenu 2">
-            <a:extLst>
-              <a:ext uri="{FF2B5EF4-FFF2-40B4-BE49-F238E27FC236}">
-                <a16:creationId xmlns:a16="http://schemas.microsoft.com/office/drawing/2014/main" id="{D4A2EB3F-4D60-451F-8F45-7D6654D2FCD9}"/>
-              </a:ext>
-            </a:extLst>
-          </p:cNvPr>
-          <p:cNvSpPr>
-            <a:spLocks noGrp="1"/>
-          </p:cNvSpPr>
-          <p:nvPr>
-            <p:ph type="body" sz="quarter" idx="13"/>
-          </p:nvPr>
-        </p:nvSpPr>
-        <p:spPr>
-          <a:xfrm>
-            <a:off x="1485900" y="2563123"/>
-            <a:ext cx="4031945" cy="365125"/>
-          </a:xfrm>
-        </p:spPr>
-        <p:txBody>
-          <a:bodyPr vert="horz" lIns="91440" tIns="45720" rIns="91440" bIns="45720" rtlCol="0" anchor="t">
-            <a:normAutofit lnSpcReduction="10000"/>
-          </a:bodyPr>
-          <a:lstStyle/>
-          <a:p>
-            <a:pPr rtl="0"/>
-            <a:r>
-              <a:rPr lang="fr-FR" dirty="0"/>
-              <a:t>Login</a:t>
-            </a:r>
-          </a:p>
-        </p:txBody>
-      </p:sp>
-      <p:sp>
-        <p:nvSpPr>
-          <p:cNvPr id="4" name="Espace réservé du texte 3">
-            <a:extLst>
-              <a:ext uri="{FF2B5EF4-FFF2-40B4-BE49-F238E27FC236}">
-                <a16:creationId xmlns:a16="http://schemas.microsoft.com/office/drawing/2014/main" id="{AC1C80FB-53F9-42EE-B1E6-D0F998EC5DFA}"/>
-              </a:ext>
-            </a:extLst>
-          </p:cNvPr>
-          <p:cNvSpPr>
-            <a:spLocks noGrp="1"/>
-          </p:cNvSpPr>
-          <p:nvPr>
-            <p:ph type="body" sz="quarter" idx="15"/>
-          </p:nvPr>
-        </p:nvSpPr>
-        <p:spPr>
-          <a:xfrm>
-            <a:off x="1485664" y="3070348"/>
-            <a:ext cx="4031030" cy="1057308"/>
-          </a:xfrm>
-        </p:spPr>
-        <p:txBody>
-          <a:bodyPr rtlCol="0"/>
-          <a:lstStyle/>
-          <a:p>
-            <a:pPr rtl="0"/>
-            <a:r>
-              <a:rPr lang="fr-FR" dirty="0" err="1"/>
-              <a:t>Meerdere</a:t>
-            </a:r>
-            <a:r>
-              <a:rPr lang="fr-FR" dirty="0"/>
-              <a:t> managers </a:t>
-            </a:r>
-            <a:r>
-              <a:rPr lang="fr-FR" dirty="0" err="1"/>
-              <a:t>kunnen</a:t>
-            </a:r>
-            <a:r>
-              <a:rPr lang="fr-FR" dirty="0"/>
-              <a:t> </a:t>
-            </a:r>
-            <a:r>
-              <a:rPr lang="fr-FR" dirty="0" err="1"/>
-              <a:t>werken</a:t>
-            </a:r>
-            <a:r>
-              <a:rPr lang="fr-FR" dirty="0"/>
-              <a:t> op onze </a:t>
-            </a:r>
-            <a:r>
-              <a:rPr lang="fr-FR" dirty="0" err="1"/>
-              <a:t>applicatie</a:t>
-            </a:r>
-            <a:endParaRPr lang="fr-FR" dirty="0"/>
-          </a:p>
-        </p:txBody>
-      </p:sp>
-      <p:sp>
-        <p:nvSpPr>
-          <p:cNvPr id="5" name="Espace réservé du texte 4">
-            <a:extLst>
-              <a:ext uri="{FF2B5EF4-FFF2-40B4-BE49-F238E27FC236}">
-                <a16:creationId xmlns:a16="http://schemas.microsoft.com/office/drawing/2014/main" id="{E81BA2B5-6A90-4204-ABDD-7183FBB03A02}"/>
-              </a:ext>
-            </a:extLst>
-          </p:cNvPr>
-          <p:cNvSpPr>
-            <a:spLocks noGrp="1"/>
-          </p:cNvSpPr>
-          <p:nvPr>
-            <p:ph type="body" sz="quarter" idx="16"/>
-          </p:nvPr>
-        </p:nvSpPr>
-        <p:spPr>
-          <a:xfrm>
-            <a:off x="6673004" y="2563123"/>
-            <a:ext cx="4031945" cy="365125"/>
-          </a:xfrm>
-        </p:spPr>
-        <p:txBody>
-          <a:bodyPr rtlCol="0">
-            <a:normAutofit lnSpcReduction="10000"/>
-          </a:bodyPr>
-          <a:lstStyle/>
-          <a:p>
-            <a:pPr rtl="0"/>
-            <a:r>
-              <a:rPr lang="fr-FR" dirty="0"/>
-              <a:t>Interfaces</a:t>
-            </a:r>
-          </a:p>
-        </p:txBody>
-      </p:sp>
-      <p:sp>
-        <p:nvSpPr>
-          <p:cNvPr id="6" name="Espace réservé du texte 5">
-            <a:extLst>
-              <a:ext uri="{FF2B5EF4-FFF2-40B4-BE49-F238E27FC236}">
-                <a16:creationId xmlns:a16="http://schemas.microsoft.com/office/drawing/2014/main" id="{7E7D4C34-22A0-4D54-A07D-E1E9A11463E5}"/>
-              </a:ext>
-            </a:extLst>
-          </p:cNvPr>
-          <p:cNvSpPr>
-            <a:spLocks noGrp="1"/>
-          </p:cNvSpPr>
-          <p:nvPr>
-            <p:ph type="body" sz="quarter" idx="17"/>
-          </p:nvPr>
-        </p:nvSpPr>
-        <p:spPr>
-          <a:xfrm>
-            <a:off x="6673143" y="3070348"/>
-            <a:ext cx="4031030" cy="1057308"/>
-          </a:xfrm>
-        </p:spPr>
-        <p:txBody>
-          <a:bodyPr rtlCol="0"/>
-          <a:lstStyle/>
-          <a:p>
-            <a:pPr rtl="0"/>
-            <a:r>
-              <a:rPr lang="fr-FR" dirty="0"/>
-              <a:t>In </a:t>
-            </a:r>
-            <a:r>
-              <a:rPr lang="fr-FR" dirty="0" err="1"/>
-              <a:t>één</a:t>
-            </a:r>
-            <a:r>
-              <a:rPr lang="fr-FR" dirty="0"/>
-              <a:t> </a:t>
-            </a:r>
-            <a:r>
-              <a:rPr lang="fr-FR" dirty="0" err="1"/>
-              <a:t>oogopslag</a:t>
-            </a:r>
-            <a:r>
-              <a:rPr lang="fr-FR" dirty="0"/>
-              <a:t> </a:t>
-            </a:r>
-            <a:r>
-              <a:rPr lang="fr-FR" dirty="0" err="1"/>
-              <a:t>alle</a:t>
-            </a:r>
-            <a:r>
-              <a:rPr lang="fr-FR" dirty="0"/>
-              <a:t> </a:t>
-            </a:r>
-            <a:r>
-              <a:rPr lang="fr-FR" dirty="0" err="1"/>
-              <a:t>informatie</a:t>
-            </a:r>
-            <a:r>
-              <a:rPr lang="fr-FR" dirty="0"/>
-              <a:t> </a:t>
-            </a:r>
-            <a:r>
-              <a:rPr lang="fr-FR" dirty="0" err="1"/>
-              <a:t>zichtbaar</a:t>
-            </a:r>
-            <a:r>
-              <a:rPr lang="fr-FR" dirty="0"/>
-              <a:t> en </a:t>
-            </a:r>
-            <a:r>
-              <a:rPr lang="fr-FR" dirty="0" err="1"/>
-              <a:t>ook</a:t>
-            </a:r>
-            <a:r>
-              <a:rPr lang="fr-FR" dirty="0"/>
-              <a:t> </a:t>
-            </a:r>
-            <a:r>
-              <a:rPr lang="fr-FR" dirty="0" err="1"/>
-              <a:t>aanpasbaar</a:t>
-            </a:r>
-            <a:r>
-              <a:rPr lang="fr-FR" dirty="0"/>
-              <a:t>.</a:t>
-            </a:r>
-          </a:p>
-          <a:p>
-            <a:pPr rtl="0"/>
-            <a:r>
-              <a:rPr lang="fr-FR" dirty="0" err="1"/>
-              <a:t>Makkelijk</a:t>
-            </a:r>
-            <a:r>
-              <a:rPr lang="fr-FR" dirty="0"/>
-              <a:t> </a:t>
-            </a:r>
-            <a:r>
-              <a:rPr lang="fr-FR" dirty="0" err="1"/>
-              <a:t>overschakelen</a:t>
-            </a:r>
-            <a:r>
-              <a:rPr lang="fr-FR" dirty="0"/>
-              <a:t> </a:t>
-            </a:r>
-            <a:r>
-              <a:rPr lang="fr-FR" dirty="0" err="1"/>
-              <a:t>tussen</a:t>
-            </a:r>
-            <a:r>
-              <a:rPr lang="fr-FR" dirty="0"/>
-              <a:t> </a:t>
-            </a:r>
-            <a:r>
-              <a:rPr lang="fr-FR" dirty="0" err="1"/>
-              <a:t>schermen</a:t>
-            </a:r>
-            <a:endParaRPr lang="fr-FR" dirty="0"/>
-          </a:p>
-          <a:p>
-            <a:pPr rtl="0"/>
-            <a:endParaRPr lang="fr-FR" dirty="0"/>
-          </a:p>
-        </p:txBody>
-      </p:sp>
-      <p:sp>
-        <p:nvSpPr>
-          <p:cNvPr id="7" name="Espace réservé du texte 6">
-            <a:extLst>
-              <a:ext uri="{FF2B5EF4-FFF2-40B4-BE49-F238E27FC236}">
-                <a16:creationId xmlns:a16="http://schemas.microsoft.com/office/drawing/2014/main" id="{301D392D-FB66-47A0-B628-5ADE822A2CFF}"/>
-              </a:ext>
-            </a:extLst>
-          </p:cNvPr>
-          <p:cNvSpPr>
-            <a:spLocks noGrp="1"/>
-          </p:cNvSpPr>
-          <p:nvPr>
-            <p:ph type="body" sz="quarter" idx="18"/>
-          </p:nvPr>
-        </p:nvSpPr>
-        <p:spPr>
-          <a:xfrm>
-            <a:off x="1485899" y="4319431"/>
-            <a:ext cx="4031945" cy="365125"/>
-          </a:xfrm>
-        </p:spPr>
-        <p:txBody>
-          <a:bodyPr rtlCol="0">
-            <a:normAutofit lnSpcReduction="10000"/>
-          </a:bodyPr>
-          <a:lstStyle/>
-          <a:p>
-            <a:pPr rtl="0"/>
-            <a:r>
-              <a:rPr lang="fr-FR" dirty="0" err="1"/>
-              <a:t>Relaties</a:t>
-            </a:r>
-            <a:endParaRPr lang="fr-FR" dirty="0"/>
-          </a:p>
-        </p:txBody>
-      </p:sp>
-      <p:sp>
-        <p:nvSpPr>
-          <p:cNvPr id="8" name="Espace réservé du texte 7">
-            <a:extLst>
-              <a:ext uri="{FF2B5EF4-FFF2-40B4-BE49-F238E27FC236}">
-                <a16:creationId xmlns:a16="http://schemas.microsoft.com/office/drawing/2014/main" id="{51C26CE0-2506-4B44-A26F-C12BFA5B18B5}"/>
-              </a:ext>
-            </a:extLst>
-          </p:cNvPr>
-          <p:cNvSpPr>
-            <a:spLocks noGrp="1"/>
-          </p:cNvSpPr>
-          <p:nvPr>
-            <p:ph type="body" sz="quarter" idx="19"/>
-          </p:nvPr>
-        </p:nvSpPr>
-        <p:spPr>
-          <a:xfrm>
-            <a:off x="1486412" y="4826656"/>
-            <a:ext cx="4031030" cy="1057308"/>
-          </a:xfrm>
-        </p:spPr>
-        <p:txBody>
-          <a:bodyPr rtlCol="0"/>
-          <a:lstStyle/>
-          <a:p>
-            <a:pPr rtl="0"/>
-            <a:r>
-              <a:rPr lang="fr-FR" dirty="0"/>
-              <a:t>Het </a:t>
-            </a:r>
-            <a:r>
-              <a:rPr lang="fr-FR" dirty="0" err="1"/>
-              <a:t>zichtbaar</a:t>
-            </a:r>
-            <a:r>
-              <a:rPr lang="fr-FR" dirty="0"/>
-              <a:t> </a:t>
-            </a:r>
-            <a:r>
-              <a:rPr lang="fr-FR" dirty="0" err="1"/>
-              <a:t>maken</a:t>
-            </a:r>
-            <a:r>
-              <a:rPr lang="fr-FR" dirty="0"/>
-              <a:t> van de </a:t>
-            </a:r>
-            <a:r>
-              <a:rPr lang="fr-FR" dirty="0" err="1"/>
-              <a:t>relatie</a:t>
-            </a:r>
-            <a:r>
-              <a:rPr lang="fr-FR" dirty="0"/>
-              <a:t> </a:t>
-            </a:r>
-            <a:r>
-              <a:rPr lang="fr-FR" dirty="0" err="1"/>
-              <a:t>tussen</a:t>
-            </a:r>
-            <a:r>
-              <a:rPr lang="fr-FR" dirty="0"/>
-              <a:t> </a:t>
-            </a:r>
-            <a:r>
-              <a:rPr lang="fr-FR" dirty="0" err="1"/>
-              <a:t>bepaalde</a:t>
-            </a:r>
-            <a:r>
-              <a:rPr lang="fr-FR" dirty="0"/>
-              <a:t> </a:t>
-            </a:r>
-            <a:r>
-              <a:rPr lang="fr-FR" dirty="0" err="1"/>
-              <a:t>tankkaarten</a:t>
-            </a:r>
-            <a:r>
-              <a:rPr lang="fr-FR" dirty="0"/>
-              <a:t>, </a:t>
-            </a:r>
-            <a:r>
-              <a:rPr lang="fr-FR" dirty="0" err="1"/>
-              <a:t>bestuurders</a:t>
-            </a:r>
-            <a:r>
-              <a:rPr lang="fr-FR" dirty="0"/>
-              <a:t> en </a:t>
-            </a:r>
-            <a:r>
-              <a:rPr lang="fr-FR" dirty="0" err="1"/>
-              <a:t>voertuigen</a:t>
-            </a:r>
-            <a:endParaRPr lang="fr-FR" dirty="0"/>
-          </a:p>
-          <a:p>
-            <a:pPr rtl="0"/>
-            <a:endParaRPr lang="fr-FR" dirty="0"/>
-          </a:p>
-        </p:txBody>
-      </p:sp>
-      <p:sp>
-        <p:nvSpPr>
-          <p:cNvPr id="9" name="Espace réservé du texte 8">
-            <a:extLst>
-              <a:ext uri="{FF2B5EF4-FFF2-40B4-BE49-F238E27FC236}">
-                <a16:creationId xmlns:a16="http://schemas.microsoft.com/office/drawing/2014/main" id="{868F40F8-BF35-45E9-B3DD-5436362D746E}"/>
-              </a:ext>
-            </a:extLst>
-          </p:cNvPr>
-          <p:cNvSpPr>
-            <a:spLocks noGrp="1"/>
-          </p:cNvSpPr>
-          <p:nvPr>
-            <p:ph type="body" sz="quarter" idx="23"/>
-          </p:nvPr>
-        </p:nvSpPr>
-        <p:spPr>
-          <a:xfrm>
-            <a:off x="6672630" y="4319431"/>
-            <a:ext cx="4031945" cy="365125"/>
-          </a:xfrm>
-        </p:spPr>
-        <p:txBody>
-          <a:bodyPr rtlCol="0">
-            <a:normAutofit lnSpcReduction="10000"/>
-          </a:bodyPr>
-          <a:lstStyle/>
-          <a:p>
-            <a:pPr rtl="0"/>
-            <a:r>
-              <a:rPr lang="fr-FR" dirty="0" err="1"/>
-              <a:t>Efficiëntie</a:t>
-            </a:r>
-            <a:endParaRPr lang="fr-FR" dirty="0"/>
-          </a:p>
-        </p:txBody>
-      </p:sp>
-      <p:sp>
-        <p:nvSpPr>
-          <p:cNvPr id="10" name="Espace réservé du texte 9">
-            <a:extLst>
-              <a:ext uri="{FF2B5EF4-FFF2-40B4-BE49-F238E27FC236}">
-                <a16:creationId xmlns:a16="http://schemas.microsoft.com/office/drawing/2014/main" id="{7F39C97C-2DDC-4706-B96C-B02FAE53A426}"/>
-              </a:ext>
-            </a:extLst>
-          </p:cNvPr>
-          <p:cNvSpPr>
-            <a:spLocks noGrp="1"/>
-          </p:cNvSpPr>
-          <p:nvPr>
-            <p:ph type="body" sz="quarter" idx="24"/>
-          </p:nvPr>
-        </p:nvSpPr>
-        <p:spPr>
-          <a:xfrm>
-            <a:off x="6673143" y="4826656"/>
-            <a:ext cx="4031030" cy="1057308"/>
-          </a:xfrm>
-        </p:spPr>
-        <p:txBody>
-          <a:bodyPr rtlCol="0"/>
-          <a:lstStyle/>
-          <a:p>
-            <a:pPr rtl="0"/>
-            <a:r>
-              <a:rPr lang="fr-FR" dirty="0" err="1"/>
-              <a:t>Simpele</a:t>
-            </a:r>
-            <a:r>
-              <a:rPr lang="fr-FR" dirty="0"/>
-              <a:t> interfaces </a:t>
-            </a:r>
-            <a:r>
-              <a:rPr lang="fr-FR" dirty="0" err="1"/>
-              <a:t>zorgen</a:t>
-            </a:r>
-            <a:r>
-              <a:rPr lang="fr-FR" dirty="0"/>
-              <a:t> </a:t>
-            </a:r>
-            <a:r>
-              <a:rPr lang="fr-FR" dirty="0" err="1"/>
-              <a:t>voor</a:t>
-            </a:r>
-            <a:r>
-              <a:rPr lang="fr-FR" dirty="0"/>
-              <a:t> </a:t>
-            </a:r>
-            <a:r>
-              <a:rPr lang="fr-FR" dirty="0" err="1"/>
-              <a:t>gebruiksvriendelijk</a:t>
-            </a:r>
-            <a:r>
-              <a:rPr lang="fr-FR" dirty="0"/>
-              <a:t> en </a:t>
-            </a:r>
-            <a:r>
-              <a:rPr lang="fr-FR" dirty="0" err="1"/>
-              <a:t>efficiënt</a:t>
-            </a:r>
-            <a:r>
-              <a:rPr lang="fr-FR" dirty="0"/>
-              <a:t> </a:t>
-            </a:r>
-            <a:r>
-              <a:rPr lang="fr-FR" dirty="0" err="1"/>
-              <a:t>gebruik</a:t>
-            </a:r>
-            <a:r>
-              <a:rPr lang="fr-FR" dirty="0"/>
-              <a:t> </a:t>
-            </a:r>
-          </a:p>
-        </p:txBody>
-      </p:sp>
-      <p:sp>
-        <p:nvSpPr>
-          <p:cNvPr id="80" name="Espace réservé de la date 79">
-            <a:extLst>
-              <a:ext uri="{FF2B5EF4-FFF2-40B4-BE49-F238E27FC236}">
-                <a16:creationId xmlns:a16="http://schemas.microsoft.com/office/drawing/2014/main" id="{BC1F9D86-85D8-4FD0-B0D3-47D778722782}"/>
-              </a:ext>
-            </a:extLst>
-          </p:cNvPr>
-          <p:cNvSpPr>
-            <a:spLocks noGrp="1"/>
-          </p:cNvSpPr>
-          <p:nvPr>
-            <p:ph type="dt" sz="half" idx="20"/>
-          </p:nvPr>
-        </p:nvSpPr>
-        <p:spPr>
-          <a:xfrm>
-            <a:off x="838200" y="6356350"/>
-            <a:ext cx="2743200" cy="365125"/>
-          </a:xfrm>
-        </p:spPr>
-        <p:txBody>
-          <a:bodyPr rtlCol="0"/>
-          <a:lstStyle/>
-          <a:p>
-            <a:pPr rtl="0"/>
-            <a:r>
-              <a:rPr lang="fr-FR" dirty="0"/>
-              <a:t>2023</a:t>
-            </a:r>
-          </a:p>
-        </p:txBody>
-      </p:sp>
-      <p:sp>
-        <p:nvSpPr>
-          <p:cNvPr id="81" name="Espace réservé du pied de page 80">
-            <a:extLst>
-              <a:ext uri="{FF2B5EF4-FFF2-40B4-BE49-F238E27FC236}">
-                <a16:creationId xmlns:a16="http://schemas.microsoft.com/office/drawing/2014/main" id="{E94F1D24-E4A1-4B59-B57E-A28453963B88}"/>
-              </a:ext>
-            </a:extLst>
-          </p:cNvPr>
-          <p:cNvSpPr>
-            <a:spLocks noGrp="1"/>
-          </p:cNvSpPr>
-          <p:nvPr>
-            <p:ph type="ftr" sz="quarter" idx="21"/>
-          </p:nvPr>
-        </p:nvSpPr>
-        <p:spPr>
-          <a:xfrm>
-            <a:off x="4038600" y="6356350"/>
-            <a:ext cx="4114800" cy="365125"/>
-          </a:xfrm>
-        </p:spPr>
-        <p:txBody>
-          <a:bodyPr rtlCol="0"/>
-          <a:lstStyle/>
-          <a:p>
-            <a:pPr rtl="0"/>
-            <a:r>
-              <a:rPr lang="fr-FR" noProof="0" dirty="0" err="1"/>
-              <a:t>Fleetmanager</a:t>
-            </a:r>
-            <a:r>
-              <a:rPr lang="fr-FR" noProof="0" dirty="0"/>
-              <a:t> </a:t>
-            </a:r>
-            <a:r>
-              <a:rPr lang="fr-FR" noProof="0" dirty="0" err="1"/>
-              <a:t>Allphi</a:t>
-            </a:r>
-            <a:endParaRPr lang="fr-FR" noProof="0" dirty="0"/>
-          </a:p>
-        </p:txBody>
-      </p:sp>
-      <p:sp>
-        <p:nvSpPr>
-          <p:cNvPr id="82" name="Espace réservé du numéro de diapositive 81">
-            <a:extLst>
-              <a:ext uri="{FF2B5EF4-FFF2-40B4-BE49-F238E27FC236}">
-                <a16:creationId xmlns:a16="http://schemas.microsoft.com/office/drawing/2014/main" id="{CE36A058-BEC2-4BC5-A467-F2EB2A365051}"/>
-              </a:ext>
-            </a:extLst>
-          </p:cNvPr>
-          <p:cNvSpPr>
-            <a:spLocks noGrp="1"/>
-          </p:cNvSpPr>
-          <p:nvPr>
-            <p:ph type="sldNum" sz="quarter" idx="22"/>
-          </p:nvPr>
-        </p:nvSpPr>
-        <p:spPr>
-          <a:xfrm>
-            <a:off x="8610600" y="6356350"/>
-            <a:ext cx="2743200" cy="365125"/>
-          </a:xfrm>
-        </p:spPr>
-        <p:txBody>
-          <a:bodyPr rtlCol="0"/>
-          <a:lstStyle/>
-          <a:p>
-            <a:pPr rtl="0"/>
-            <a:fld id="{B5CEABB6-07DC-46E8-9B57-56EC44A396E5}" type="slidenum">
-              <a:rPr lang="fr-FR" smtClean="0"/>
-              <a:pPr rtl="0"/>
-              <a:t>3</a:t>
-            </a:fld>
-            <a:endParaRPr lang="fr-FR"/>
-          </a:p>
-        </p:txBody>
-      </p:sp>
-    </p:spTree>
-    <p:extLst>
-      <p:ext uri="{BB962C8B-B14F-4D97-AF65-F5344CB8AC3E}">
-        <p14:creationId xmlns:p14="http://schemas.microsoft.com/office/powerpoint/2010/main" val="1593920805"/>
-      </p:ext>
-    </p:extLst>
-  </p:cSld>
-  <p:clrMapOvr>
-    <a:masterClrMapping/>
-  </p:clrMapOvr>
-</p:sld>
-</file>
-
-<file path=ppt/slides/slide4.xml><?xml version="1.0" encoding="utf-8"?>
-<p:sld xmlns:a="http://schemas.openxmlformats.org/drawingml/2006/main" xmlns:r="http://schemas.openxmlformats.org/officeDocument/2006/relationships" xmlns:p="http://schemas.openxmlformats.org/presentationml/2006/main">
-  <p:cSld>
-    <p:spTree>
-      <p:nvGrpSpPr>
-        <p:cNvPr id="1" name=""/>
-        <p:cNvGrpSpPr/>
-        <p:nvPr/>
-      </p:nvGrpSpPr>
-      <p:grpSpPr>
-        <a:xfrm>
-          <a:off x="0" y="0"/>
-          <a:ext cx="0" cy="0"/>
-          <a:chOff x="0" y="0"/>
-          <a:chExt cx="0" cy="0"/>
-        </a:xfrm>
-      </p:grpSpPr>
-      <p:pic>
-        <p:nvPicPr>
-          <p:cNvPr id="28" name="Graphic 27">
-            <a:extLst>
-              <a:ext uri="{FF2B5EF4-FFF2-40B4-BE49-F238E27FC236}">
-                <a16:creationId xmlns:a16="http://schemas.microsoft.com/office/drawing/2014/main" id="{5EF2D944-6AB1-B2B4-3A4F-2FFD45946C1F}"/>
-              </a:ext>
-            </a:extLst>
-          </p:cNvPr>
-          <p:cNvPicPr>
-            <a:picLocks noChangeAspect="1"/>
-          </p:cNvPicPr>
-          <p:nvPr/>
-        </p:nvPicPr>
-        <p:blipFill>
-          <a:blip r:embed="rId3">
-            <a:extLst>
-              <a:ext uri="{96DAC541-7B7A-43D3-8B79-37D633B846F1}">
-                <asvg:svgBlip xmlns:asvg="http://schemas.microsoft.com/office/drawing/2016/SVG/main" r:embed="rId4"/>
-              </a:ext>
-            </a:extLst>
-          </a:blip>
-          <a:stretch>
-            <a:fillRect/>
-          </a:stretch>
-        </p:blipFill>
-        <p:spPr>
-          <a:xfrm>
-            <a:off x="5375128" y="4950699"/>
-            <a:ext cx="1836413" cy="1154170"/>
-          </a:xfrm>
-          <a:prstGeom prst="rect">
-            <a:avLst/>
-          </a:prstGeom>
-        </p:spPr>
-      </p:pic>
-      <p:sp>
-        <p:nvSpPr>
-          <p:cNvPr id="2" name="Titre 1">
-            <a:extLst>
-              <a:ext uri="{FF2B5EF4-FFF2-40B4-BE49-F238E27FC236}">
-                <a16:creationId xmlns:a16="http://schemas.microsoft.com/office/drawing/2014/main" id="{5CE54ABB-4929-4810-950B-2DAEA0A5BAB4}"/>
-              </a:ext>
-            </a:extLst>
-          </p:cNvPr>
-          <p:cNvSpPr>
-            <a:spLocks noGrp="1"/>
-          </p:cNvSpPr>
-          <p:nvPr>
-            <p:ph type="title"/>
-          </p:nvPr>
-        </p:nvSpPr>
-        <p:spPr>
-          <a:xfrm>
-            <a:off x="1885156" y="892177"/>
-            <a:ext cx="8421688" cy="1325563"/>
-          </a:xfrm>
-        </p:spPr>
-        <p:txBody>
-          <a:bodyPr rtlCol="0"/>
-          <a:lstStyle/>
-          <a:p>
-            <a:pPr rtl="0"/>
-            <a:r>
-              <a:rPr lang="nl-BE" dirty="0"/>
-              <a:t>Omgeving, talen en extensies</a:t>
-            </a:r>
-            <a:endParaRPr lang="fr-FR" dirty="0"/>
-          </a:p>
-        </p:txBody>
-      </p:sp>
-      <p:sp>
-        <p:nvSpPr>
-          <p:cNvPr id="4" name="Espace réservé du texte 3">
-            <a:extLst>
-              <a:ext uri="{FF2B5EF4-FFF2-40B4-BE49-F238E27FC236}">
-                <a16:creationId xmlns:a16="http://schemas.microsoft.com/office/drawing/2014/main" id="{A112B089-A8F9-45B1-BE6E-EAC10163F082}"/>
-              </a:ext>
-            </a:extLst>
-          </p:cNvPr>
-          <p:cNvSpPr>
-            <a:spLocks noGrp="1"/>
-          </p:cNvSpPr>
-          <p:nvPr>
-            <p:ph type="body" idx="1"/>
-          </p:nvPr>
-        </p:nvSpPr>
-        <p:spPr>
-          <a:xfrm>
-            <a:off x="1243104" y="2776936"/>
-            <a:ext cx="2882475" cy="823912"/>
-          </a:xfrm>
-        </p:spPr>
-        <p:txBody>
-          <a:bodyPr rtlCol="0"/>
-          <a:lstStyle/>
-          <a:p>
-            <a:pPr rtl="0"/>
-            <a:r>
-              <a:rPr lang="fr-FR" dirty="0"/>
-              <a:t>Visual studio code</a:t>
-            </a:r>
-          </a:p>
-        </p:txBody>
-      </p:sp>
-      <p:sp>
-        <p:nvSpPr>
-          <p:cNvPr id="6" name="Espace réservé du texte 5">
-            <a:extLst>
-              <a:ext uri="{FF2B5EF4-FFF2-40B4-BE49-F238E27FC236}">
-                <a16:creationId xmlns:a16="http://schemas.microsoft.com/office/drawing/2014/main" id="{0FE22F9B-4BF8-41DC-8F1C-836B546E59AD}"/>
-              </a:ext>
-            </a:extLst>
-          </p:cNvPr>
-          <p:cNvSpPr>
-            <a:spLocks noGrp="1"/>
-          </p:cNvSpPr>
-          <p:nvPr>
-            <p:ph type="body" sz="quarter" idx="3"/>
-          </p:nvPr>
-        </p:nvSpPr>
-        <p:spPr>
-          <a:xfrm>
-            <a:off x="4647665" y="2776936"/>
-            <a:ext cx="2896671" cy="823912"/>
-          </a:xfrm>
-        </p:spPr>
-        <p:txBody>
-          <a:bodyPr rtlCol="0"/>
-          <a:lstStyle/>
-          <a:p>
-            <a:pPr rtl="0"/>
-            <a:r>
-              <a:rPr lang="fr-FR" dirty="0"/>
-              <a:t>C#, </a:t>
-            </a:r>
-            <a:r>
-              <a:rPr lang="fr-FR" dirty="0" err="1"/>
-              <a:t>react</a:t>
-            </a:r>
-            <a:r>
-              <a:rPr lang="fr-FR" dirty="0"/>
-              <a:t>, html, </a:t>
-            </a:r>
-            <a:r>
-              <a:rPr lang="fr-FR" dirty="0" err="1"/>
-              <a:t>css</a:t>
-            </a:r>
-            <a:endParaRPr lang="fr-FR" dirty="0"/>
-          </a:p>
-        </p:txBody>
-      </p:sp>
-      <p:pic>
-        <p:nvPicPr>
-          <p:cNvPr id="21" name="Tijdelijke aanduiding voor inhoud 20">
-            <a:extLst>
-              <a:ext uri="{FF2B5EF4-FFF2-40B4-BE49-F238E27FC236}">
-                <a16:creationId xmlns:a16="http://schemas.microsoft.com/office/drawing/2014/main" id="{F903969F-5C45-C2F4-66A6-05477F512072}"/>
-              </a:ext>
-            </a:extLst>
-          </p:cNvPr>
-          <p:cNvPicPr>
-            <a:picLocks noGrp="1" noChangeAspect="1"/>
-          </p:cNvPicPr>
-          <p:nvPr>
-            <p:ph sz="quarter" idx="4"/>
-          </p:nvPr>
-        </p:nvPicPr>
-        <p:blipFill>
-          <a:blip r:embed="rId5">
-            <a:extLst>
-              <a:ext uri="{96DAC541-7B7A-43D3-8B79-37D633B846F1}">
-                <asvg:svgBlip xmlns:asvg="http://schemas.microsoft.com/office/drawing/2016/SVG/main" r:embed="rId6"/>
-              </a:ext>
-            </a:extLst>
-          </a:blip>
-          <a:stretch>
-            <a:fillRect/>
-          </a:stretch>
-        </p:blipFill>
-        <p:spPr>
-          <a:xfrm>
-            <a:off x="4756167" y="3822497"/>
-            <a:ext cx="711130" cy="1003300"/>
-          </a:xfrm>
-        </p:spPr>
-      </p:pic>
-      <p:sp>
-        <p:nvSpPr>
-          <p:cNvPr id="5" name="Espace réservé du contenu 4">
-            <a:extLst>
-              <a:ext uri="{FF2B5EF4-FFF2-40B4-BE49-F238E27FC236}">
-                <a16:creationId xmlns:a16="http://schemas.microsoft.com/office/drawing/2014/main" id="{CF515C5D-2CDB-4E66-B2B8-1451BC44247F}"/>
-              </a:ext>
-            </a:extLst>
-          </p:cNvPr>
-          <p:cNvSpPr>
-            <a:spLocks noGrp="1"/>
-          </p:cNvSpPr>
-          <p:nvPr>
-            <p:ph type="body" idx="13"/>
-          </p:nvPr>
-        </p:nvSpPr>
-        <p:spPr>
-          <a:xfrm>
-            <a:off x="8066421" y="2776936"/>
-            <a:ext cx="2882475" cy="823912"/>
-          </a:xfrm>
-        </p:spPr>
-        <p:txBody>
-          <a:bodyPr vert="horz" lIns="91440" tIns="45720" rIns="91440" bIns="45720" rtlCol="0" anchor="b">
-            <a:normAutofit/>
-          </a:bodyPr>
-          <a:lstStyle/>
-          <a:p>
-            <a:pPr rtl="0"/>
-            <a:r>
-              <a:rPr lang="fr-FR" dirty="0"/>
-              <a:t>Axios, </a:t>
-            </a:r>
-            <a:r>
-              <a:rPr lang="fr-FR" dirty="0" err="1"/>
-              <a:t>material</a:t>
-            </a:r>
-            <a:r>
-              <a:rPr lang="fr-FR" dirty="0"/>
-              <a:t> </a:t>
-            </a:r>
-            <a:r>
-              <a:rPr lang="fr-FR" dirty="0" err="1"/>
-              <a:t>ui</a:t>
-            </a:r>
-            <a:r>
-              <a:rPr lang="fr-FR" dirty="0"/>
-              <a:t>, </a:t>
-            </a:r>
-            <a:r>
-              <a:rPr lang="fr-FR" dirty="0" err="1"/>
-              <a:t>swagger</a:t>
-            </a:r>
-            <a:r>
-              <a:rPr lang="fr-FR" dirty="0"/>
-              <a:t>, … </a:t>
-            </a:r>
-          </a:p>
-        </p:txBody>
-      </p:sp>
-      <p:pic>
-        <p:nvPicPr>
-          <p:cNvPr id="30" name="Tijdelijke aanduiding voor inhoud 29" descr="Afbeelding met Graphics, schermopname, Lettertype, logo&#10;&#10;Automatisch gegenereerde beschrijving">
-            <a:extLst>
-              <a:ext uri="{FF2B5EF4-FFF2-40B4-BE49-F238E27FC236}">
-                <a16:creationId xmlns:a16="http://schemas.microsoft.com/office/drawing/2014/main" id="{FE93AFF4-B700-8F7D-49AC-4F692665BAE0}"/>
-              </a:ext>
-            </a:extLst>
-          </p:cNvPr>
-          <p:cNvPicPr>
-            <a:picLocks noGrp="1" noChangeAspect="1"/>
-          </p:cNvPicPr>
-          <p:nvPr>
-            <p:ph sz="half" idx="14"/>
-          </p:nvPr>
-        </p:nvPicPr>
-        <p:blipFill>
-          <a:blip r:embed="rId7"/>
-          <a:stretch>
-            <a:fillRect/>
-          </a:stretch>
-        </p:blipFill>
-        <p:spPr>
-          <a:xfrm>
-            <a:off x="8404952" y="3786870"/>
-            <a:ext cx="2396736" cy="1074551"/>
-          </a:xfrm>
-        </p:spPr>
-      </p:pic>
-      <p:sp>
-        <p:nvSpPr>
-          <p:cNvPr id="9" name="Espace réservé de la date 8">
-            <a:extLst>
-              <a:ext uri="{FF2B5EF4-FFF2-40B4-BE49-F238E27FC236}">
-                <a16:creationId xmlns:a16="http://schemas.microsoft.com/office/drawing/2014/main" id="{7B78F7A0-88C5-4940-B21C-099F472F39F9}"/>
-              </a:ext>
-            </a:extLst>
-          </p:cNvPr>
-          <p:cNvSpPr>
-            <a:spLocks noGrp="1"/>
-          </p:cNvSpPr>
-          <p:nvPr>
-            <p:ph type="dt" sz="half" idx="10"/>
-          </p:nvPr>
-        </p:nvSpPr>
-        <p:spPr>
-          <a:xfrm>
-            <a:off x="838200" y="6356350"/>
-            <a:ext cx="2743200" cy="365125"/>
-          </a:xfrm>
-        </p:spPr>
-        <p:txBody>
-          <a:bodyPr rtlCol="0"/>
-          <a:lstStyle/>
-          <a:p>
-            <a:pPr rtl="0"/>
-            <a:r>
-              <a:rPr lang="fr-FR" dirty="0"/>
-              <a:t>2023</a:t>
-            </a:r>
-          </a:p>
-        </p:txBody>
-      </p:sp>
-      <p:sp>
-        <p:nvSpPr>
-          <p:cNvPr id="10" name="Espace réservé du pied de page 9">
-            <a:extLst>
-              <a:ext uri="{FF2B5EF4-FFF2-40B4-BE49-F238E27FC236}">
-                <a16:creationId xmlns:a16="http://schemas.microsoft.com/office/drawing/2014/main" id="{D2186069-FC8E-433D-9BB4-942220CE8CFB}"/>
-              </a:ext>
-            </a:extLst>
-          </p:cNvPr>
-          <p:cNvSpPr>
-            <a:spLocks noGrp="1"/>
-          </p:cNvSpPr>
-          <p:nvPr>
-            <p:ph type="ftr" sz="quarter" idx="11"/>
-          </p:nvPr>
-        </p:nvSpPr>
-        <p:spPr>
-          <a:xfrm>
-            <a:off x="4038600" y="6356350"/>
-            <a:ext cx="4114800" cy="365125"/>
-          </a:xfrm>
-        </p:spPr>
-        <p:txBody>
-          <a:bodyPr rtlCol="0"/>
-          <a:lstStyle/>
-          <a:p>
-            <a:pPr rtl="0"/>
-            <a:r>
-              <a:rPr lang="fr-FR" noProof="0" dirty="0" err="1"/>
-              <a:t>Fleetmanager</a:t>
-            </a:r>
-            <a:r>
-              <a:rPr lang="fr-FR" noProof="0" dirty="0"/>
-              <a:t> </a:t>
-            </a:r>
-            <a:r>
-              <a:rPr lang="fr-FR" noProof="0" dirty="0" err="1"/>
-              <a:t>Allphi</a:t>
-            </a:r>
-            <a:endParaRPr lang="fr-FR" noProof="0" dirty="0"/>
-          </a:p>
-        </p:txBody>
-      </p:sp>
-      <p:sp>
-        <p:nvSpPr>
-          <p:cNvPr id="11" name="Espace réservé du numéro de diapositive 10">
-            <a:extLst>
-              <a:ext uri="{FF2B5EF4-FFF2-40B4-BE49-F238E27FC236}">
-                <a16:creationId xmlns:a16="http://schemas.microsoft.com/office/drawing/2014/main" id="{BAD5B6F4-0A90-447A-A1AE-D75C934B6B29}"/>
-              </a:ext>
-            </a:extLst>
-          </p:cNvPr>
-          <p:cNvSpPr>
-            <a:spLocks noGrp="1"/>
-          </p:cNvSpPr>
-          <p:nvPr>
-            <p:ph type="sldNum" sz="quarter" idx="12"/>
-          </p:nvPr>
-        </p:nvSpPr>
-        <p:spPr>
-          <a:xfrm>
-            <a:off x="8610600" y="6356350"/>
-            <a:ext cx="2743200" cy="365125"/>
-          </a:xfrm>
-        </p:spPr>
-        <p:txBody>
-          <a:bodyPr rtlCol="0"/>
-          <a:lstStyle/>
-          <a:p>
-            <a:pPr rtl="0"/>
-            <a:fld id="{B5CEABB6-07DC-46E8-9B57-56EC44A396E5}" type="slidenum">
-              <a:rPr lang="fr-FR" smtClean="0"/>
-              <a:pPr rtl="0"/>
-              <a:t>4</a:t>
-            </a:fld>
-            <a:endParaRPr lang="fr-FR" dirty="0"/>
-          </a:p>
-        </p:txBody>
-      </p:sp>
-      <p:pic>
-        <p:nvPicPr>
-          <p:cNvPr id="1026" name="Picture 2" descr="Visual Studio Code - Wikipedia">
-            <a:extLst>
-              <a:ext uri="{FF2B5EF4-FFF2-40B4-BE49-F238E27FC236}">
-                <a16:creationId xmlns:a16="http://schemas.microsoft.com/office/drawing/2014/main" id="{9961A1BF-8DD4-0D4B-CCA3-E39B71EB05E0}"/>
-              </a:ext>
-            </a:extLst>
-          </p:cNvPr>
-          <p:cNvPicPr>
-            <a:picLocks noGrp="1" noChangeAspect="1" noChangeArrowheads="1"/>
-          </p:cNvPicPr>
-          <p:nvPr>
-            <p:ph sz="half" idx="2"/>
-          </p:nvPr>
-        </p:nvPicPr>
-        <p:blipFill>
-          <a:blip r:embed="rId8">
-            <a:extLst>
-              <a:ext uri="{28A0092B-C50C-407E-A947-70E740481C1C}">
-                <a14:useLocalDpi xmlns:a14="http://schemas.microsoft.com/office/drawing/2010/main" val="0"/>
-              </a:ext>
-            </a:extLst>
-          </a:blip>
-          <a:srcRect/>
-          <a:stretch>
-            <a:fillRect/>
-          </a:stretch>
-        </p:blipFill>
-        <p:spPr bwMode="auto">
-          <a:xfrm>
-            <a:off x="1514421" y="3965229"/>
-            <a:ext cx="1763682" cy="1763682"/>
-          </a:xfrm>
-          <a:prstGeom prst="rect">
-            <a:avLst/>
-          </a:prstGeom>
-          <a:noFill/>
-          <a:extLst>
-            <a:ext uri="{909E8E84-426E-40DD-AFC4-6F175D3DCCD1}">
-              <a14:hiddenFill xmlns:a14="http://schemas.microsoft.com/office/drawing/2010/main">
-                <a:solidFill>
-                  <a:srgbClr val="FFFFFF"/>
-                </a:solidFill>
-              </a14:hiddenFill>
-            </a:ext>
-          </a:extLst>
-        </p:spPr>
-      </p:pic>
-      <p:pic>
-        <p:nvPicPr>
-          <p:cNvPr id="24" name="Afbeelding 23" descr="Afbeelding met logo, Graphics, ontwerp, Lettertype&#10;&#10;Automatisch gegenereerde beschrijving">
-            <a:extLst>
-              <a:ext uri="{FF2B5EF4-FFF2-40B4-BE49-F238E27FC236}">
-                <a16:creationId xmlns:a16="http://schemas.microsoft.com/office/drawing/2014/main" id="{3237ACC7-BAAC-5D32-6749-19E18285EA66}"/>
-              </a:ext>
-            </a:extLst>
-          </p:cNvPr>
-          <p:cNvPicPr>
-            <a:picLocks noChangeAspect="1"/>
-          </p:cNvPicPr>
-          <p:nvPr/>
-        </p:nvPicPr>
-        <p:blipFill>
-          <a:blip r:embed="rId9"/>
-          <a:stretch>
-            <a:fillRect/>
-          </a:stretch>
-        </p:blipFill>
-        <p:spPr>
-          <a:xfrm>
-            <a:off x="5786633" y="3817444"/>
-            <a:ext cx="1013405" cy="1013405"/>
-          </a:xfrm>
-          <a:prstGeom prst="rect">
-            <a:avLst/>
-          </a:prstGeom>
-        </p:spPr>
-      </p:pic>
-      <p:pic>
-        <p:nvPicPr>
-          <p:cNvPr id="26" name="Afbeelding 25">
-            <a:extLst>
-              <a:ext uri="{FF2B5EF4-FFF2-40B4-BE49-F238E27FC236}">
-                <a16:creationId xmlns:a16="http://schemas.microsoft.com/office/drawing/2014/main" id="{AEB00C2D-A0D3-5D59-F939-2560B5FEA494}"/>
-              </a:ext>
-            </a:extLst>
-          </p:cNvPr>
-          <p:cNvPicPr>
-            <a:picLocks noChangeAspect="1"/>
-          </p:cNvPicPr>
-          <p:nvPr/>
-        </p:nvPicPr>
-        <p:blipFill>
-          <a:blip r:embed="rId10"/>
-          <a:srcRect/>
-          <a:stretch/>
-        </p:blipFill>
-        <p:spPr>
-          <a:xfrm>
-            <a:off x="4647665" y="5092476"/>
-            <a:ext cx="928007" cy="839846"/>
-          </a:xfrm>
-          <a:prstGeom prst="rect">
-            <a:avLst/>
-          </a:prstGeom>
-        </p:spPr>
-      </p:pic>
-      <p:pic>
-        <p:nvPicPr>
-          <p:cNvPr id="32" name="Afbeelding 31" descr="Afbeelding met logo, Graphics, symbool, Lettertype&#10;&#10;Automatisch gegenereerde beschrijving">
-            <a:extLst>
-              <a:ext uri="{FF2B5EF4-FFF2-40B4-BE49-F238E27FC236}">
-                <a16:creationId xmlns:a16="http://schemas.microsoft.com/office/drawing/2014/main" id="{94B8842D-277E-08C6-19F6-7F360568178E}"/>
-              </a:ext>
-            </a:extLst>
-          </p:cNvPr>
-          <p:cNvPicPr>
-            <a:picLocks noChangeAspect="1"/>
-          </p:cNvPicPr>
-          <p:nvPr/>
-        </p:nvPicPr>
-        <p:blipFill>
-          <a:blip r:embed="rId11"/>
-          <a:stretch>
-            <a:fillRect/>
-          </a:stretch>
-        </p:blipFill>
-        <p:spPr>
-          <a:xfrm>
-            <a:off x="7939004" y="4764073"/>
-            <a:ext cx="1601184" cy="1601184"/>
-          </a:xfrm>
-          <a:prstGeom prst="rect">
-            <a:avLst/>
-          </a:prstGeom>
-        </p:spPr>
-      </p:pic>
-      <p:pic>
-        <p:nvPicPr>
-          <p:cNvPr id="34" name="Afbeelding 33" descr="Afbeelding met tekenfilm, clipart, Graphics, cirkel&#10;&#10;Automatisch gegenereerde beschrijving">
-            <a:extLst>
-              <a:ext uri="{FF2B5EF4-FFF2-40B4-BE49-F238E27FC236}">
-                <a16:creationId xmlns:a16="http://schemas.microsoft.com/office/drawing/2014/main" id="{849B7704-42F5-F6D3-FE54-78D7D767FB1C}"/>
-              </a:ext>
-            </a:extLst>
-          </p:cNvPr>
-          <p:cNvPicPr>
-            <a:picLocks noChangeAspect="1"/>
-          </p:cNvPicPr>
-          <p:nvPr/>
-        </p:nvPicPr>
-        <p:blipFill>
-          <a:blip r:embed="rId12"/>
-          <a:stretch>
-            <a:fillRect/>
-          </a:stretch>
-        </p:blipFill>
-        <p:spPr>
-          <a:xfrm>
-            <a:off x="9906208" y="4847070"/>
-            <a:ext cx="1361428" cy="1361428"/>
-          </a:xfrm>
-          <a:prstGeom prst="rect">
-            <a:avLst/>
-          </a:prstGeom>
-        </p:spPr>
-      </p:pic>
-    </p:spTree>
-    <p:extLst>
-      <p:ext uri="{BB962C8B-B14F-4D97-AF65-F5344CB8AC3E}">
-        <p14:creationId xmlns:p14="http://schemas.microsoft.com/office/powerpoint/2010/main" val="2121178069"/>
-      </p:ext>
-    </p:extLst>
-  </p:cSld>
-  <p:clrMapOvr>
-    <a:masterClrMapping/>
-  </p:clrMapOvr>
-</p:sld>
-</file>
-
-<file path=ppt/slides/slide5.xml><?xml version="1.0" encoding="utf-8"?>
-<p:sld xmlns:a="http://schemas.openxmlformats.org/drawingml/2006/main" xmlns:r="http://schemas.openxmlformats.org/officeDocument/2006/relationships" xmlns:p="http://schemas.openxmlformats.org/presentationml/2006/main">
-  <p:cSld>
-    <p:spTree>
-      <p:nvGrpSpPr>
-        <p:cNvPr id="1" name=""/>
-        <p:cNvGrpSpPr/>
-        <p:nvPr/>
-      </p:nvGrpSpPr>
-      <p:grpSpPr>
-        <a:xfrm>
-          <a:off x="0" y="0"/>
-          <a:ext cx="0" cy="0"/>
-          <a:chOff x="0" y="0"/>
-          <a:chExt cx="0" cy="0"/>
-        </a:xfrm>
-      </p:grpSpPr>
-      <p:sp>
-        <p:nvSpPr>
-          <p:cNvPr id="2" name="Titre 1">
-            <a:extLst>
-              <a:ext uri="{FF2B5EF4-FFF2-40B4-BE49-F238E27FC236}">
-                <a16:creationId xmlns:a16="http://schemas.microsoft.com/office/drawing/2014/main" id="{75031FE9-9059-4FE8-B4AC-9771F23A1B89}"/>
-              </a:ext>
-            </a:extLst>
-          </p:cNvPr>
-          <p:cNvSpPr>
-            <a:spLocks noGrp="1"/>
-          </p:cNvSpPr>
-          <p:nvPr>
-            <p:ph type="title"/>
-          </p:nvPr>
-        </p:nvSpPr>
-        <p:spPr>
-          <a:xfrm>
-            <a:off x="1508760" y="4156405"/>
-            <a:ext cx="3139440" cy="1325563"/>
-          </a:xfrm>
-        </p:spPr>
-        <p:txBody>
-          <a:bodyPr rtlCol="0"/>
-          <a:lstStyle/>
-          <a:p>
-            <a:pPr rtl="0"/>
-            <a:r>
-              <a:rPr lang="fr-FR" dirty="0" err="1"/>
-              <a:t>Moeilijkheden</a:t>
-            </a:r>
-            <a:endParaRPr lang="fr-FR" dirty="0"/>
-          </a:p>
-        </p:txBody>
-      </p:sp>
-      <p:sp>
-        <p:nvSpPr>
-          <p:cNvPr id="3" name="Espace réservé du contenu 2">
-            <a:extLst>
-              <a:ext uri="{FF2B5EF4-FFF2-40B4-BE49-F238E27FC236}">
-                <a16:creationId xmlns:a16="http://schemas.microsoft.com/office/drawing/2014/main" id="{D4A2EB3F-4D60-451F-8F45-7D6654D2FCD9}"/>
-              </a:ext>
-            </a:extLst>
-          </p:cNvPr>
-          <p:cNvSpPr>
-            <a:spLocks noGrp="1"/>
-          </p:cNvSpPr>
-          <p:nvPr>
-            <p:ph type="body" sz="quarter" idx="13"/>
-          </p:nvPr>
-        </p:nvSpPr>
-        <p:spPr>
-          <a:xfrm>
-            <a:off x="5922254" y="1530635"/>
-            <a:ext cx="5433204" cy="365125"/>
-          </a:xfrm>
-        </p:spPr>
-        <p:txBody>
-          <a:bodyPr vert="horz" lIns="91440" tIns="45720" rIns="91440" bIns="45720" rtlCol="0" anchor="t">
-            <a:normAutofit lnSpcReduction="10000"/>
-          </a:bodyPr>
-          <a:lstStyle/>
-          <a:p>
-            <a:pPr rtl="0"/>
-            <a:r>
-              <a:rPr lang="fr-FR" dirty="0" err="1"/>
-              <a:t>Connectie</a:t>
-            </a:r>
-            <a:r>
-              <a:rPr lang="fr-FR" dirty="0"/>
-              <a:t> </a:t>
-            </a:r>
-            <a:r>
-              <a:rPr lang="fr-FR" dirty="0" err="1"/>
-              <a:t>front-end</a:t>
-            </a:r>
-            <a:r>
-              <a:rPr lang="fr-FR" dirty="0"/>
-              <a:t> met </a:t>
-            </a:r>
-            <a:r>
-              <a:rPr lang="fr-FR" dirty="0" err="1"/>
-              <a:t>back-end</a:t>
-            </a:r>
-            <a:endParaRPr lang="fr-FR" dirty="0"/>
-          </a:p>
-        </p:txBody>
-      </p:sp>
-      <p:sp>
-        <p:nvSpPr>
-          <p:cNvPr id="4" name="Espace réservé du texte 3">
-            <a:extLst>
-              <a:ext uri="{FF2B5EF4-FFF2-40B4-BE49-F238E27FC236}">
-                <a16:creationId xmlns:a16="http://schemas.microsoft.com/office/drawing/2014/main" id="{AC1C80FB-53F9-42EE-B1E6-D0F998EC5DFA}"/>
-              </a:ext>
-            </a:extLst>
-          </p:cNvPr>
-          <p:cNvSpPr>
-            <a:spLocks noGrp="1"/>
-          </p:cNvSpPr>
-          <p:nvPr>
-            <p:ph type="body" sz="quarter" idx="15"/>
-          </p:nvPr>
-        </p:nvSpPr>
-        <p:spPr>
-          <a:xfrm>
-            <a:off x="5921828" y="1860060"/>
-            <a:ext cx="5431971" cy="557950"/>
-          </a:xfrm>
-        </p:spPr>
-        <p:txBody>
-          <a:bodyPr rtlCol="0">
-            <a:normAutofit/>
-          </a:bodyPr>
-          <a:lstStyle/>
-          <a:p>
-            <a:pPr rtl="0"/>
-            <a:r>
-              <a:rPr lang="fr-FR" dirty="0"/>
-              <a:t>Post </a:t>
-            </a:r>
-            <a:r>
-              <a:rPr lang="fr-FR" dirty="0" err="1"/>
-              <a:t>creëren</a:t>
-            </a:r>
-            <a:r>
-              <a:rPr lang="fr-FR" dirty="0"/>
-              <a:t>, Patch </a:t>
-            </a:r>
-            <a:r>
-              <a:rPr lang="fr-FR" dirty="0" err="1"/>
-              <a:t>creëren</a:t>
-            </a:r>
-            <a:endParaRPr lang="fr-FR" dirty="0"/>
-          </a:p>
-        </p:txBody>
-      </p:sp>
-      <p:sp>
-        <p:nvSpPr>
-          <p:cNvPr id="5" name="Espace réservé du texte 4">
-            <a:extLst>
-              <a:ext uri="{FF2B5EF4-FFF2-40B4-BE49-F238E27FC236}">
-                <a16:creationId xmlns:a16="http://schemas.microsoft.com/office/drawing/2014/main" id="{E81BA2B5-6A90-4204-ABDD-7183FBB03A02}"/>
-              </a:ext>
-            </a:extLst>
-          </p:cNvPr>
-          <p:cNvSpPr>
-            <a:spLocks noGrp="1"/>
-          </p:cNvSpPr>
-          <p:nvPr>
-            <p:ph type="body" sz="quarter" idx="23"/>
-          </p:nvPr>
-        </p:nvSpPr>
-        <p:spPr>
-          <a:xfrm>
-            <a:off x="5922254" y="2630431"/>
-            <a:ext cx="5433204" cy="365125"/>
-          </a:xfrm>
-        </p:spPr>
-        <p:txBody>
-          <a:bodyPr rtlCol="0">
-            <a:normAutofit lnSpcReduction="10000"/>
-          </a:bodyPr>
-          <a:lstStyle/>
-          <a:p>
-            <a:pPr rtl="0"/>
-            <a:r>
-              <a:rPr lang="fr-FR" dirty="0" err="1"/>
-              <a:t>Stijlen</a:t>
-            </a:r>
-            <a:r>
-              <a:rPr lang="fr-FR" dirty="0"/>
-              <a:t> van de </a:t>
-            </a:r>
-            <a:r>
-              <a:rPr lang="fr-FR" dirty="0" err="1"/>
-              <a:t>pagina’s</a:t>
-            </a:r>
-            <a:endParaRPr lang="fr-FR" dirty="0"/>
-          </a:p>
-        </p:txBody>
-      </p:sp>
-      <p:sp>
-        <p:nvSpPr>
-          <p:cNvPr id="6" name="Espace réservé du texte 5">
-            <a:extLst>
-              <a:ext uri="{FF2B5EF4-FFF2-40B4-BE49-F238E27FC236}">
-                <a16:creationId xmlns:a16="http://schemas.microsoft.com/office/drawing/2014/main" id="{7E7D4C34-22A0-4D54-A07D-E1E9A11463E5}"/>
-              </a:ext>
-            </a:extLst>
-          </p:cNvPr>
-          <p:cNvSpPr>
-            <a:spLocks noGrp="1"/>
-          </p:cNvSpPr>
-          <p:nvPr>
-            <p:ph type="body" sz="quarter" idx="24"/>
-          </p:nvPr>
-        </p:nvSpPr>
-        <p:spPr>
-          <a:xfrm>
-            <a:off x="5921828" y="2959856"/>
-            <a:ext cx="5431971" cy="557950"/>
-          </a:xfrm>
-        </p:spPr>
-        <p:txBody>
-          <a:bodyPr rtlCol="0"/>
-          <a:lstStyle/>
-          <a:p>
-            <a:pPr rtl="0"/>
-            <a:r>
-              <a:rPr lang="fr-FR" dirty="0" err="1"/>
-              <a:t>Juiste</a:t>
-            </a:r>
-            <a:r>
-              <a:rPr lang="fr-FR" dirty="0"/>
-              <a:t> </a:t>
-            </a:r>
-            <a:r>
-              <a:rPr lang="fr-FR" dirty="0" err="1"/>
-              <a:t>plek</a:t>
-            </a:r>
-            <a:r>
-              <a:rPr lang="fr-FR" dirty="0"/>
-              <a:t>, </a:t>
-            </a:r>
-            <a:r>
-              <a:rPr lang="fr-FR" dirty="0" err="1"/>
-              <a:t>scrolbar</a:t>
-            </a:r>
-            <a:r>
-              <a:rPr lang="fr-FR" dirty="0"/>
-              <a:t>, …</a:t>
-            </a:r>
-          </a:p>
-        </p:txBody>
-      </p:sp>
-      <p:sp>
-        <p:nvSpPr>
-          <p:cNvPr id="7" name="Espace réservé du texte 6">
-            <a:extLst>
-              <a:ext uri="{FF2B5EF4-FFF2-40B4-BE49-F238E27FC236}">
-                <a16:creationId xmlns:a16="http://schemas.microsoft.com/office/drawing/2014/main" id="{301D392D-FB66-47A0-B628-5ADE822A2CFF}"/>
-              </a:ext>
-            </a:extLst>
-          </p:cNvPr>
-          <p:cNvSpPr>
-            <a:spLocks noGrp="1"/>
-          </p:cNvSpPr>
-          <p:nvPr>
-            <p:ph type="body" sz="quarter" idx="25"/>
-          </p:nvPr>
-        </p:nvSpPr>
-        <p:spPr>
-          <a:xfrm>
-            <a:off x="5922254" y="3730227"/>
-            <a:ext cx="5433204" cy="365125"/>
-          </a:xfrm>
-        </p:spPr>
-        <p:txBody>
-          <a:bodyPr rtlCol="0">
-            <a:normAutofit lnSpcReduction="10000"/>
-          </a:bodyPr>
-          <a:lstStyle/>
-          <a:p>
-            <a:pPr rtl="0"/>
-            <a:r>
-              <a:rPr lang="fr-FR" dirty="0"/>
-              <a:t>… </a:t>
-            </a:r>
-          </a:p>
-        </p:txBody>
-      </p:sp>
-      <p:sp>
-        <p:nvSpPr>
-          <p:cNvPr id="8" name="Espace réservé du texte 7">
-            <a:extLst>
-              <a:ext uri="{FF2B5EF4-FFF2-40B4-BE49-F238E27FC236}">
-                <a16:creationId xmlns:a16="http://schemas.microsoft.com/office/drawing/2014/main" id="{51C26CE0-2506-4B44-A26F-C12BFA5B18B5}"/>
-              </a:ext>
-            </a:extLst>
-          </p:cNvPr>
-          <p:cNvSpPr>
-            <a:spLocks noGrp="1"/>
-          </p:cNvSpPr>
-          <p:nvPr>
-            <p:ph type="body" sz="quarter" idx="26"/>
-          </p:nvPr>
-        </p:nvSpPr>
-        <p:spPr>
-          <a:xfrm>
-            <a:off x="5921828" y="4059652"/>
-            <a:ext cx="5431971" cy="557950"/>
-          </a:xfrm>
-        </p:spPr>
-        <p:txBody>
-          <a:bodyPr rtlCol="0"/>
-          <a:lstStyle/>
-          <a:p>
-            <a:pPr rtl="0"/>
-            <a:r>
-              <a:rPr lang="fr-FR" dirty="0"/>
-              <a:t>…</a:t>
-            </a:r>
-          </a:p>
-        </p:txBody>
-      </p:sp>
-      <p:sp>
-        <p:nvSpPr>
-          <p:cNvPr id="9" name="Espace réservé du texte 8">
-            <a:extLst>
-              <a:ext uri="{FF2B5EF4-FFF2-40B4-BE49-F238E27FC236}">
-                <a16:creationId xmlns:a16="http://schemas.microsoft.com/office/drawing/2014/main" id="{868F40F8-BF35-45E9-B3DD-5436362D746E}"/>
-              </a:ext>
-            </a:extLst>
-          </p:cNvPr>
-          <p:cNvSpPr>
-            <a:spLocks noGrp="1"/>
-          </p:cNvSpPr>
-          <p:nvPr>
-            <p:ph type="body" sz="quarter" idx="27"/>
-          </p:nvPr>
-        </p:nvSpPr>
-        <p:spPr>
-          <a:xfrm>
-            <a:off x="5920106" y="4830024"/>
-            <a:ext cx="5433204" cy="365125"/>
-          </a:xfrm>
-        </p:spPr>
-        <p:txBody>
-          <a:bodyPr rtlCol="0">
-            <a:normAutofit lnSpcReduction="10000"/>
-          </a:bodyPr>
-          <a:lstStyle/>
-          <a:p>
-            <a:pPr rtl="0"/>
-            <a:r>
-              <a:rPr lang="fr-FR" dirty="0"/>
-              <a:t>…</a:t>
-            </a:r>
-          </a:p>
-        </p:txBody>
-      </p:sp>
-      <p:sp>
-        <p:nvSpPr>
-          <p:cNvPr id="10" name="Espace réservé du texte 9">
-            <a:extLst>
-              <a:ext uri="{FF2B5EF4-FFF2-40B4-BE49-F238E27FC236}">
-                <a16:creationId xmlns:a16="http://schemas.microsoft.com/office/drawing/2014/main" id="{7F39C97C-2DDC-4706-B96C-B02FAE53A426}"/>
-              </a:ext>
-            </a:extLst>
-          </p:cNvPr>
-          <p:cNvSpPr>
-            <a:spLocks noGrp="1"/>
-          </p:cNvSpPr>
-          <p:nvPr>
-            <p:ph type="body" sz="quarter" idx="28"/>
-          </p:nvPr>
-        </p:nvSpPr>
-        <p:spPr>
-          <a:xfrm>
-            <a:off x="5919680" y="5159449"/>
-            <a:ext cx="5431971" cy="557950"/>
-          </a:xfrm>
-        </p:spPr>
-        <p:txBody>
-          <a:bodyPr rtlCol="0"/>
-          <a:lstStyle/>
-          <a:p>
-            <a:pPr rtl="0"/>
-            <a:r>
-              <a:rPr lang="fr-FR" dirty="0"/>
-              <a:t>…</a:t>
-            </a:r>
-          </a:p>
-        </p:txBody>
-      </p:sp>
-      <p:sp>
-        <p:nvSpPr>
-          <p:cNvPr id="20" name="Espace réservé de la date 19">
-            <a:extLst>
-              <a:ext uri="{FF2B5EF4-FFF2-40B4-BE49-F238E27FC236}">
-                <a16:creationId xmlns:a16="http://schemas.microsoft.com/office/drawing/2014/main" id="{A74D661B-510C-4CF2-BF77-3EAFB649883D}"/>
-              </a:ext>
-            </a:extLst>
-          </p:cNvPr>
-          <p:cNvSpPr>
-            <a:spLocks noGrp="1"/>
-          </p:cNvSpPr>
-          <p:nvPr>
-            <p:ph type="dt" sz="half" idx="20"/>
-          </p:nvPr>
-        </p:nvSpPr>
-        <p:spPr>
-          <a:xfrm>
-            <a:off x="5919680" y="6356350"/>
-            <a:ext cx="947516" cy="365125"/>
-          </a:xfrm>
-        </p:spPr>
-        <p:txBody>
-          <a:bodyPr rtlCol="0"/>
-          <a:lstStyle/>
-          <a:p>
-            <a:pPr rtl="0"/>
-            <a:r>
-              <a:rPr lang="fr-FR" dirty="0"/>
-              <a:t>2023</a:t>
-            </a:r>
-          </a:p>
-        </p:txBody>
-      </p:sp>
-      <p:sp>
-        <p:nvSpPr>
-          <p:cNvPr id="21" name="Espace réservé du pied de page 20">
-            <a:extLst>
-              <a:ext uri="{FF2B5EF4-FFF2-40B4-BE49-F238E27FC236}">
-                <a16:creationId xmlns:a16="http://schemas.microsoft.com/office/drawing/2014/main" id="{7E44CAC0-3B5A-49F6-A2CB-0BC80D111A87}"/>
-              </a:ext>
-            </a:extLst>
-          </p:cNvPr>
-          <p:cNvSpPr>
-            <a:spLocks noGrp="1"/>
-          </p:cNvSpPr>
-          <p:nvPr>
-            <p:ph type="ftr" sz="quarter" idx="21"/>
-          </p:nvPr>
-        </p:nvSpPr>
-        <p:spPr>
-          <a:xfrm>
-            <a:off x="7161955" y="6356350"/>
-            <a:ext cx="3243942" cy="365125"/>
-          </a:xfrm>
-        </p:spPr>
-        <p:txBody>
-          <a:bodyPr rtlCol="0"/>
-          <a:lstStyle/>
-          <a:p>
-            <a:pPr rtl="0"/>
-            <a:r>
-              <a:rPr lang="fr-FR" noProof="0" dirty="0" err="1"/>
-              <a:t>Fleetmanager</a:t>
-            </a:r>
-            <a:r>
-              <a:rPr lang="fr-FR" noProof="0" dirty="0"/>
-              <a:t> </a:t>
-            </a:r>
-            <a:r>
-              <a:rPr lang="fr-FR" noProof="0" dirty="0" err="1"/>
-              <a:t>Allphi</a:t>
-            </a:r>
-            <a:endParaRPr lang="fr-FR" noProof="0" dirty="0"/>
-          </a:p>
-        </p:txBody>
-      </p:sp>
-      <p:sp>
-        <p:nvSpPr>
-          <p:cNvPr id="22" name="Espace réservé du numéro de diapositive 21">
-            <a:extLst>
-              <a:ext uri="{FF2B5EF4-FFF2-40B4-BE49-F238E27FC236}">
-                <a16:creationId xmlns:a16="http://schemas.microsoft.com/office/drawing/2014/main" id="{5D1BD041-3428-4D62-934F-F3FF6D36F90F}"/>
-              </a:ext>
-            </a:extLst>
-          </p:cNvPr>
-          <p:cNvSpPr>
-            <a:spLocks noGrp="1"/>
-          </p:cNvSpPr>
-          <p:nvPr>
-            <p:ph type="sldNum" sz="quarter" idx="22"/>
-          </p:nvPr>
-        </p:nvSpPr>
-        <p:spPr>
-          <a:xfrm>
-            <a:off x="10700656" y="6356350"/>
-            <a:ext cx="653143" cy="365125"/>
-          </a:xfrm>
-        </p:spPr>
-        <p:txBody>
-          <a:bodyPr rtlCol="0"/>
-          <a:lstStyle/>
-          <a:p>
-            <a:pPr rtl="0"/>
-            <a:fld id="{B5CEABB6-07DC-46E8-9B57-56EC44A396E5}" type="slidenum">
-              <a:rPr lang="fr-FR" smtClean="0"/>
-              <a:pPr rtl="0"/>
-              <a:t>5</a:t>
-            </a:fld>
-            <a:endParaRPr lang="fr-FR"/>
-          </a:p>
-        </p:txBody>
-      </p:sp>
-    </p:spTree>
-    <p:extLst>
-      <p:ext uri="{BB962C8B-B14F-4D97-AF65-F5344CB8AC3E}">
-        <p14:creationId xmlns:p14="http://schemas.microsoft.com/office/powerpoint/2010/main" val="1844941827"/>
-      </p:ext>
-    </p:extLst>
-  </p:cSld>
-  <p:clrMapOvr>
-    <a:masterClrMapping/>
-  </p:clrMapOvr>
-</p:sld>
-</file>
-
-<file path=ppt/slides/slide6.xml><?xml version="1.0" encoding="utf-8"?>
-<p:sld xmlns:a="http://schemas.openxmlformats.org/drawingml/2006/main" xmlns:r="http://schemas.openxmlformats.org/officeDocument/2006/relationships" xmlns:p="http://schemas.openxmlformats.org/presentationml/2006/main">
-  <p:cSld>
-    <p:spTree>
-      <p:nvGrpSpPr>
-        <p:cNvPr id="1" name=""/>
-        <p:cNvGrpSpPr/>
-        <p:nvPr/>
-      </p:nvGrpSpPr>
-      <p:grpSpPr>
-        <a:xfrm>
-          <a:off x="0" y="0"/>
-          <a:ext cx="0" cy="0"/>
-          <a:chOff x="0" y="0"/>
-          <a:chExt cx="0" cy="0"/>
-        </a:xfrm>
-      </p:grpSpPr>
-      <p:pic>
-        <p:nvPicPr>
-          <p:cNvPr id="28" name="Afbeelding 27">
-            <a:extLst>
-              <a:ext uri="{FF2B5EF4-FFF2-40B4-BE49-F238E27FC236}">
-                <a16:creationId xmlns:a16="http://schemas.microsoft.com/office/drawing/2014/main" id="{2487D7EF-2234-73EA-7432-979E8BB95317}"/>
-              </a:ext>
-            </a:extLst>
-          </p:cNvPr>
-          <p:cNvPicPr>
-            <a:picLocks noChangeAspect="1"/>
-          </p:cNvPicPr>
-          <p:nvPr/>
-        </p:nvPicPr>
-        <p:blipFill>
-          <a:blip r:embed="rId3"/>
-          <a:stretch>
-            <a:fillRect/>
-          </a:stretch>
-        </p:blipFill>
-        <p:spPr>
-          <a:xfrm>
-            <a:off x="6944897" y="1714400"/>
-            <a:ext cx="2528993" cy="2420418"/>
-          </a:xfrm>
-          <a:prstGeom prst="rect">
-            <a:avLst/>
-          </a:prstGeom>
-          <a:ln w="28575">
-            <a:solidFill>
-              <a:schemeClr val="tx1"/>
-            </a:solidFill>
-          </a:ln>
-        </p:spPr>
-      </p:pic>
-      <p:sp>
-        <p:nvSpPr>
-          <p:cNvPr id="2" name="Titre 1">
-            <a:extLst>
-              <a:ext uri="{FF2B5EF4-FFF2-40B4-BE49-F238E27FC236}">
-                <a16:creationId xmlns:a16="http://schemas.microsoft.com/office/drawing/2014/main" id="{8A4E0A63-A388-49B1-A04E-27CE9BD622EF}"/>
-              </a:ext>
-            </a:extLst>
-          </p:cNvPr>
-          <p:cNvSpPr>
-            <a:spLocks noGrp="1"/>
-          </p:cNvSpPr>
-          <p:nvPr>
-            <p:ph type="title"/>
-          </p:nvPr>
-        </p:nvSpPr>
-        <p:spPr>
-          <a:xfrm>
-            <a:off x="5921828" y="868099"/>
-            <a:ext cx="5431971" cy="846301"/>
-          </a:xfrm>
-        </p:spPr>
-        <p:txBody>
-          <a:bodyPr rtlCol="0"/>
-          <a:lstStyle/>
-          <a:p>
-            <a:pPr rtl="0"/>
-            <a:r>
-              <a:rPr lang="fr-FR" dirty="0" err="1"/>
-              <a:t>Front-end</a:t>
-            </a:r>
-            <a:endParaRPr lang="fr-FR" dirty="0"/>
-          </a:p>
-        </p:txBody>
-      </p:sp>
-      <p:sp>
-        <p:nvSpPr>
-          <p:cNvPr id="32" name="Espace réservé de la date 31">
-            <a:extLst>
-              <a:ext uri="{FF2B5EF4-FFF2-40B4-BE49-F238E27FC236}">
-                <a16:creationId xmlns:a16="http://schemas.microsoft.com/office/drawing/2014/main" id="{D5DB19F8-B538-4965-BA90-ED372B99F5DC}"/>
-              </a:ext>
-            </a:extLst>
-          </p:cNvPr>
-          <p:cNvSpPr>
-            <a:spLocks noGrp="1"/>
-          </p:cNvSpPr>
-          <p:nvPr>
-            <p:ph type="dt" sz="half" idx="20"/>
-          </p:nvPr>
-        </p:nvSpPr>
-        <p:spPr>
-          <a:xfrm>
-            <a:off x="5919680" y="6356350"/>
-            <a:ext cx="947516" cy="365125"/>
-          </a:xfrm>
-        </p:spPr>
-        <p:txBody>
-          <a:bodyPr rtlCol="0"/>
-          <a:lstStyle/>
-          <a:p>
-            <a:pPr rtl="0"/>
-            <a:r>
-              <a:rPr lang="fr-FR" dirty="0"/>
-              <a:t>2023</a:t>
-            </a:r>
-          </a:p>
-        </p:txBody>
-      </p:sp>
-      <p:sp>
-        <p:nvSpPr>
-          <p:cNvPr id="3" name="Espace réservé du pied de page 2">
-            <a:extLst>
-              <a:ext uri="{FF2B5EF4-FFF2-40B4-BE49-F238E27FC236}">
-                <a16:creationId xmlns:a16="http://schemas.microsoft.com/office/drawing/2014/main" id="{005C44B1-BA82-483C-BD91-F89067442F9E}"/>
-              </a:ext>
-            </a:extLst>
-          </p:cNvPr>
-          <p:cNvSpPr>
-            <a:spLocks noGrp="1"/>
-          </p:cNvSpPr>
-          <p:nvPr>
-            <p:ph type="ftr" sz="quarter" idx="21"/>
-          </p:nvPr>
-        </p:nvSpPr>
-        <p:spPr>
-          <a:xfrm>
-            <a:off x="7161955" y="6356350"/>
-            <a:ext cx="3243942" cy="365125"/>
-          </a:xfrm>
-        </p:spPr>
-        <p:txBody>
-          <a:bodyPr rtlCol="0"/>
-          <a:lstStyle/>
-          <a:p>
-            <a:pPr rtl="0"/>
-            <a:r>
-              <a:rPr lang="fr-FR" noProof="0" dirty="0" err="1"/>
-              <a:t>Fleetmanager</a:t>
-            </a:r>
-            <a:r>
-              <a:rPr lang="fr-FR" noProof="0" dirty="0"/>
-              <a:t> </a:t>
-            </a:r>
-            <a:r>
-              <a:rPr lang="fr-FR" noProof="0" dirty="0" err="1"/>
-              <a:t>Allphi</a:t>
-            </a:r>
-            <a:endParaRPr lang="fr-FR" noProof="0" dirty="0"/>
-          </a:p>
-        </p:txBody>
-      </p:sp>
-      <p:sp>
-        <p:nvSpPr>
-          <p:cNvPr id="4" name="Espace réservé du numéro de diapositive 3">
-            <a:extLst>
-              <a:ext uri="{FF2B5EF4-FFF2-40B4-BE49-F238E27FC236}">
-                <a16:creationId xmlns:a16="http://schemas.microsoft.com/office/drawing/2014/main" id="{79ED4A67-3A46-4F54-A12A-EAE1B53E6457}"/>
-              </a:ext>
-            </a:extLst>
-          </p:cNvPr>
-          <p:cNvSpPr>
-            <a:spLocks noGrp="1"/>
-          </p:cNvSpPr>
-          <p:nvPr>
-            <p:ph type="sldNum" sz="quarter" idx="22"/>
-          </p:nvPr>
-        </p:nvSpPr>
-        <p:spPr>
-          <a:xfrm>
-            <a:off x="10700656" y="6356350"/>
-            <a:ext cx="653143" cy="365125"/>
-          </a:xfrm>
-        </p:spPr>
-        <p:txBody>
-          <a:bodyPr rtlCol="0"/>
-          <a:lstStyle/>
-          <a:p>
-            <a:pPr rtl="0"/>
-            <a:fld id="{19B51A1E-902D-48AF-9020-955120F399B6}" type="slidenum">
-              <a:rPr lang="fr-FR" smtClean="0"/>
-              <a:pPr rtl="0"/>
-              <a:t>6</a:t>
-            </a:fld>
-            <a:endParaRPr lang="fr-FR" dirty="0"/>
-          </a:p>
-        </p:txBody>
-      </p:sp>
-      <p:pic>
-        <p:nvPicPr>
-          <p:cNvPr id="24" name="Afbeelding 23">
-            <a:extLst>
-              <a:ext uri="{FF2B5EF4-FFF2-40B4-BE49-F238E27FC236}">
-                <a16:creationId xmlns:a16="http://schemas.microsoft.com/office/drawing/2014/main" id="{FDAE47D6-4D84-7AC5-04EA-F74F0580CBC2}"/>
-              </a:ext>
-            </a:extLst>
-          </p:cNvPr>
-          <p:cNvPicPr>
-            <a:picLocks noChangeAspect="1"/>
-          </p:cNvPicPr>
-          <p:nvPr/>
-        </p:nvPicPr>
-        <p:blipFill>
-          <a:blip r:embed="rId4"/>
-          <a:stretch>
-            <a:fillRect/>
-          </a:stretch>
-        </p:blipFill>
-        <p:spPr>
-          <a:xfrm>
-            <a:off x="3284141" y="1714400"/>
-            <a:ext cx="2534164" cy="2420418"/>
-          </a:xfrm>
-          <a:prstGeom prst="rect">
-            <a:avLst/>
-          </a:prstGeom>
-          <a:ln w="28575">
-            <a:solidFill>
-              <a:schemeClr val="tx1"/>
-            </a:solidFill>
-          </a:ln>
-        </p:spPr>
-      </p:pic>
-      <p:pic>
-        <p:nvPicPr>
-          <p:cNvPr id="30" name="Afbeelding 29">
-            <a:extLst>
-              <a:ext uri="{FF2B5EF4-FFF2-40B4-BE49-F238E27FC236}">
-                <a16:creationId xmlns:a16="http://schemas.microsoft.com/office/drawing/2014/main" id="{5ACB98AD-DF61-F169-376E-311211CCA5A2}"/>
-              </a:ext>
-            </a:extLst>
-          </p:cNvPr>
-          <p:cNvPicPr>
-            <a:picLocks noChangeAspect="1"/>
-          </p:cNvPicPr>
-          <p:nvPr/>
-        </p:nvPicPr>
-        <p:blipFill>
-          <a:blip r:embed="rId5"/>
-          <a:stretch>
-            <a:fillRect/>
-          </a:stretch>
-        </p:blipFill>
-        <p:spPr>
-          <a:xfrm>
-            <a:off x="8783926" y="3789237"/>
-            <a:ext cx="2547948" cy="2420418"/>
-          </a:xfrm>
-          <a:prstGeom prst="rect">
-            <a:avLst/>
-          </a:prstGeom>
-          <a:ln w="28575">
-            <a:solidFill>
-              <a:schemeClr val="tx1"/>
-            </a:solidFill>
-          </a:ln>
-        </p:spPr>
-      </p:pic>
-      <p:pic>
-        <p:nvPicPr>
-          <p:cNvPr id="26" name="Afbeelding 25">
-            <a:extLst>
-              <a:ext uri="{FF2B5EF4-FFF2-40B4-BE49-F238E27FC236}">
-                <a16:creationId xmlns:a16="http://schemas.microsoft.com/office/drawing/2014/main" id="{39A2A588-D1A0-B1D5-885C-B131B230C2A9}"/>
-              </a:ext>
-            </a:extLst>
-          </p:cNvPr>
-          <p:cNvPicPr>
-            <a:picLocks noChangeAspect="1"/>
-          </p:cNvPicPr>
-          <p:nvPr/>
-        </p:nvPicPr>
-        <p:blipFill>
-          <a:blip r:embed="rId6"/>
-          <a:stretch>
-            <a:fillRect/>
-          </a:stretch>
-        </p:blipFill>
-        <p:spPr>
-          <a:xfrm>
-            <a:off x="5129541" y="3789237"/>
-            <a:ext cx="2527793" cy="2398770"/>
-          </a:xfrm>
-          <a:prstGeom prst="rect">
-            <a:avLst/>
-          </a:prstGeom>
-          <a:ln w="28575">
-            <a:solidFill>
-              <a:schemeClr val="tx1"/>
-            </a:solidFill>
-          </a:ln>
-        </p:spPr>
-      </p:pic>
-    </p:spTree>
-    <p:extLst>
-      <p:ext uri="{BB962C8B-B14F-4D97-AF65-F5344CB8AC3E}">
-        <p14:creationId xmlns:p14="http://schemas.microsoft.com/office/powerpoint/2010/main" val="2069393026"/>
-      </p:ext>
-    </p:extLst>
-  </p:cSld>
-  <p:clrMapOvr>
-    <a:masterClrMapping/>
-  </p:clrMapOvr>
-</p:sld>
-</file>
-
-<file path=ppt/slides/slide7.xml><?xml version="1.0" encoding="utf-8"?>
-<p:sld xmlns:a="http://schemas.openxmlformats.org/drawingml/2006/main" xmlns:r="http://schemas.openxmlformats.org/officeDocument/2006/relationships" xmlns:p="http://schemas.openxmlformats.org/presentationml/2006/main">
-  <p:cSld>
-    <p:spTree>
-      <p:nvGrpSpPr>
-        <p:cNvPr id="1" name=""/>
-        <p:cNvGrpSpPr/>
-        <p:nvPr/>
-      </p:nvGrpSpPr>
-      <p:grpSpPr>
-        <a:xfrm>
-          <a:off x="0" y="0"/>
-          <a:ext cx="0" cy="0"/>
-          <a:chOff x="0" y="0"/>
-          <a:chExt cx="0" cy="0"/>
-        </a:xfrm>
-      </p:grpSpPr>
-      <p:pic>
-        <p:nvPicPr>
-          <p:cNvPr id="10" name="Afbeelding 9">
-            <a:extLst>
-              <a:ext uri="{FF2B5EF4-FFF2-40B4-BE49-F238E27FC236}">
-                <a16:creationId xmlns:a16="http://schemas.microsoft.com/office/drawing/2014/main" id="{4164F6FB-5CE1-EB6B-E416-5557C6B0B504}"/>
-              </a:ext>
-            </a:extLst>
-          </p:cNvPr>
-          <p:cNvPicPr>
-            <a:picLocks noChangeAspect="1"/>
-          </p:cNvPicPr>
-          <p:nvPr/>
-        </p:nvPicPr>
-        <p:blipFill>
-          <a:blip r:embed="rId3"/>
-          <a:stretch>
-            <a:fillRect/>
-          </a:stretch>
-        </p:blipFill>
-        <p:spPr>
-          <a:xfrm>
-            <a:off x="5484915" y="1325243"/>
-            <a:ext cx="3596992" cy="2833846"/>
-          </a:xfrm>
-          <a:prstGeom prst="rect">
-            <a:avLst/>
-          </a:prstGeom>
-          <a:ln w="28575">
-            <a:solidFill>
-              <a:schemeClr val="bg1"/>
-            </a:solidFill>
-          </a:ln>
-        </p:spPr>
-      </p:pic>
-      <p:pic>
-        <p:nvPicPr>
-          <p:cNvPr id="8" name="Afbeelding 7">
-            <a:extLst>
-              <a:ext uri="{FF2B5EF4-FFF2-40B4-BE49-F238E27FC236}">
-                <a16:creationId xmlns:a16="http://schemas.microsoft.com/office/drawing/2014/main" id="{C35D74DA-2272-73FF-6064-BE4FF01EFD38}"/>
-              </a:ext>
-            </a:extLst>
-          </p:cNvPr>
-          <p:cNvPicPr>
-            <a:picLocks noChangeAspect="1"/>
-          </p:cNvPicPr>
-          <p:nvPr/>
-        </p:nvPicPr>
-        <p:blipFill rotWithShape="1">
-          <a:blip r:embed="rId4"/>
-          <a:srcRect t="17736" r="9074" b="12533"/>
-          <a:stretch/>
-        </p:blipFill>
-        <p:spPr>
-          <a:xfrm>
-            <a:off x="3264607" y="3029436"/>
-            <a:ext cx="2065032" cy="3326914"/>
-          </a:xfrm>
-          <a:prstGeom prst="rect">
-            <a:avLst/>
-          </a:prstGeom>
-          <a:ln w="28575">
-            <a:solidFill>
-              <a:schemeClr val="tx1"/>
-            </a:solidFill>
-          </a:ln>
-        </p:spPr>
-      </p:pic>
-      <p:sp>
-        <p:nvSpPr>
-          <p:cNvPr id="2" name="Titre 1">
-            <a:extLst>
-              <a:ext uri="{FF2B5EF4-FFF2-40B4-BE49-F238E27FC236}">
-                <a16:creationId xmlns:a16="http://schemas.microsoft.com/office/drawing/2014/main" id="{8A4E0A63-A388-49B1-A04E-27CE9BD622EF}"/>
-              </a:ext>
-            </a:extLst>
-          </p:cNvPr>
-          <p:cNvSpPr>
-            <a:spLocks noGrp="1"/>
-          </p:cNvSpPr>
-          <p:nvPr>
-            <p:ph type="title"/>
-          </p:nvPr>
-        </p:nvSpPr>
-        <p:spPr>
-          <a:xfrm>
-            <a:off x="5919680" y="859474"/>
-            <a:ext cx="5431971" cy="846301"/>
-          </a:xfrm>
-        </p:spPr>
-        <p:txBody>
-          <a:bodyPr rtlCol="0"/>
-          <a:lstStyle/>
-          <a:p>
-            <a:pPr rtl="0"/>
-            <a:r>
-              <a:rPr lang="fr-FR" dirty="0" err="1"/>
-              <a:t>Back-end</a:t>
-            </a:r>
-            <a:r>
-              <a:rPr lang="fr-FR" dirty="0"/>
-              <a:t> en </a:t>
-            </a:r>
-            <a:r>
-              <a:rPr lang="fr-FR" dirty="0" err="1"/>
-              <a:t>Databank</a:t>
-            </a:r>
-            <a:endParaRPr lang="fr-FR" dirty="0"/>
-          </a:p>
-        </p:txBody>
-      </p:sp>
-      <p:sp>
-        <p:nvSpPr>
-          <p:cNvPr id="32" name="Espace réservé de la date 31">
-            <a:extLst>
-              <a:ext uri="{FF2B5EF4-FFF2-40B4-BE49-F238E27FC236}">
-                <a16:creationId xmlns:a16="http://schemas.microsoft.com/office/drawing/2014/main" id="{D5DB19F8-B538-4965-BA90-ED372B99F5DC}"/>
-              </a:ext>
-            </a:extLst>
-          </p:cNvPr>
-          <p:cNvSpPr>
-            <a:spLocks noGrp="1"/>
-          </p:cNvSpPr>
-          <p:nvPr>
-            <p:ph type="dt" sz="half" idx="20"/>
-          </p:nvPr>
-        </p:nvSpPr>
-        <p:spPr>
-          <a:xfrm>
-            <a:off x="5919680" y="6356350"/>
-            <a:ext cx="947516" cy="365125"/>
-          </a:xfrm>
-        </p:spPr>
-        <p:txBody>
-          <a:bodyPr rtlCol="0"/>
-          <a:lstStyle/>
-          <a:p>
-            <a:pPr rtl="0"/>
-            <a:r>
-              <a:rPr lang="fr-FR" dirty="0"/>
-              <a:t>2023</a:t>
-            </a:r>
-          </a:p>
-        </p:txBody>
-      </p:sp>
-      <p:sp>
-        <p:nvSpPr>
-          <p:cNvPr id="3" name="Espace réservé du pied de page 2">
-            <a:extLst>
-              <a:ext uri="{FF2B5EF4-FFF2-40B4-BE49-F238E27FC236}">
-                <a16:creationId xmlns:a16="http://schemas.microsoft.com/office/drawing/2014/main" id="{005C44B1-BA82-483C-BD91-F89067442F9E}"/>
-              </a:ext>
-            </a:extLst>
-          </p:cNvPr>
-          <p:cNvSpPr>
-            <a:spLocks noGrp="1"/>
-          </p:cNvSpPr>
-          <p:nvPr>
-            <p:ph type="ftr" sz="quarter" idx="21"/>
-          </p:nvPr>
-        </p:nvSpPr>
-        <p:spPr>
-          <a:xfrm>
-            <a:off x="7161955" y="6356350"/>
-            <a:ext cx="3243942" cy="365125"/>
-          </a:xfrm>
-        </p:spPr>
-        <p:txBody>
-          <a:bodyPr rtlCol="0"/>
-          <a:lstStyle/>
-          <a:p>
-            <a:pPr rtl="0"/>
-            <a:r>
-              <a:rPr lang="fr-FR" noProof="0" dirty="0" err="1"/>
-              <a:t>Fleetmanager</a:t>
-            </a:r>
-            <a:r>
-              <a:rPr lang="fr-FR" noProof="0" dirty="0"/>
-              <a:t> </a:t>
-            </a:r>
-            <a:r>
-              <a:rPr lang="fr-FR" noProof="0" dirty="0" err="1"/>
-              <a:t>Allphi</a:t>
-            </a:r>
-            <a:endParaRPr lang="fr-FR" noProof="0" dirty="0"/>
-          </a:p>
-        </p:txBody>
-      </p:sp>
-      <p:sp>
-        <p:nvSpPr>
-          <p:cNvPr id="4" name="Espace réservé du numéro de diapositive 3">
-            <a:extLst>
-              <a:ext uri="{FF2B5EF4-FFF2-40B4-BE49-F238E27FC236}">
-                <a16:creationId xmlns:a16="http://schemas.microsoft.com/office/drawing/2014/main" id="{79ED4A67-3A46-4F54-A12A-EAE1B53E6457}"/>
-              </a:ext>
-            </a:extLst>
-          </p:cNvPr>
-          <p:cNvSpPr>
-            <a:spLocks noGrp="1"/>
-          </p:cNvSpPr>
-          <p:nvPr>
-            <p:ph type="sldNum" sz="quarter" idx="22"/>
-          </p:nvPr>
-        </p:nvSpPr>
-        <p:spPr>
-          <a:xfrm>
-            <a:off x="10700656" y="6356350"/>
-            <a:ext cx="653143" cy="365125"/>
-          </a:xfrm>
-        </p:spPr>
-        <p:txBody>
-          <a:bodyPr rtlCol="0"/>
-          <a:lstStyle/>
-          <a:p>
-            <a:pPr rtl="0"/>
-            <a:fld id="{19B51A1E-902D-48AF-9020-955120F399B6}" type="slidenum">
-              <a:rPr lang="fr-FR" smtClean="0"/>
-              <a:pPr rtl="0"/>
-              <a:t>7</a:t>
-            </a:fld>
-            <a:endParaRPr lang="fr-FR" dirty="0"/>
-          </a:p>
-        </p:txBody>
-      </p:sp>
-      <p:pic>
-        <p:nvPicPr>
-          <p:cNvPr id="6" name="Afbeelding 5">
-            <a:extLst>
-              <a:ext uri="{FF2B5EF4-FFF2-40B4-BE49-F238E27FC236}">
-                <a16:creationId xmlns:a16="http://schemas.microsoft.com/office/drawing/2014/main" id="{0608A728-313C-078D-45F3-F5984CCF7188}"/>
-              </a:ext>
-            </a:extLst>
-          </p:cNvPr>
-          <p:cNvPicPr>
-            <a:picLocks noChangeAspect="1"/>
-          </p:cNvPicPr>
-          <p:nvPr/>
-        </p:nvPicPr>
-        <p:blipFill rotWithShape="1">
-          <a:blip r:embed="rId5"/>
-          <a:srcRect t="17103" r="3249" b="13079"/>
-          <a:stretch/>
-        </p:blipFill>
-        <p:spPr>
-          <a:xfrm>
-            <a:off x="1394149" y="1325243"/>
-            <a:ext cx="2065032" cy="3326914"/>
-          </a:xfrm>
-          <a:prstGeom prst="rect">
-            <a:avLst/>
-          </a:prstGeom>
-          <a:ln w="28575">
-            <a:solidFill>
-              <a:schemeClr val="tx1"/>
-            </a:solidFill>
-          </a:ln>
-        </p:spPr>
-      </p:pic>
-      <p:pic>
-        <p:nvPicPr>
-          <p:cNvPr id="7" name="Afbeelding 6">
-            <a:extLst>
-              <a:ext uri="{FF2B5EF4-FFF2-40B4-BE49-F238E27FC236}">
-                <a16:creationId xmlns:a16="http://schemas.microsoft.com/office/drawing/2014/main" id="{3EC9C497-A7AD-15BA-287A-A45A8B83A840}"/>
-              </a:ext>
-            </a:extLst>
-          </p:cNvPr>
-          <p:cNvPicPr>
-            <a:picLocks noChangeAspect="1"/>
-          </p:cNvPicPr>
-          <p:nvPr/>
-        </p:nvPicPr>
-        <p:blipFill>
-          <a:blip r:embed="rId6"/>
-          <a:stretch>
-            <a:fillRect/>
-          </a:stretch>
-        </p:blipFill>
-        <p:spPr>
-          <a:xfrm>
-            <a:off x="7578170" y="3318476"/>
-            <a:ext cx="3596992" cy="3037874"/>
-          </a:xfrm>
-          <a:prstGeom prst="rect">
-            <a:avLst/>
-          </a:prstGeom>
-          <a:ln w="28575">
-            <a:solidFill>
-              <a:schemeClr val="bg1"/>
-            </a:solidFill>
-          </a:ln>
-        </p:spPr>
-      </p:pic>
-    </p:spTree>
-    <p:extLst>
-      <p:ext uri="{BB962C8B-B14F-4D97-AF65-F5344CB8AC3E}">
-        <p14:creationId xmlns:p14="http://schemas.microsoft.com/office/powerpoint/2010/main" val="3902976026"/>
-      </p:ext>
-    </p:extLst>
-  </p:cSld>
-  <p:clrMapOvr>
-    <a:masterClrMapping/>
-  </p:clrMapOvr>
-</p:sld>
-</file>
-
-<file path=ppt/slides/slide8.xml><?xml version="1.0" encoding="utf-8"?>
-<p:sld xmlns:a="http://schemas.openxmlformats.org/drawingml/2006/main" xmlns:r="http://schemas.openxmlformats.org/officeDocument/2006/relationships" xmlns:p="http://schemas.openxmlformats.org/presentationml/2006/main">
-  <p:cSld>
-    <p:spTree>
-      <p:nvGrpSpPr>
-        <p:cNvPr id="1" name=""/>
-        <p:cNvGrpSpPr/>
-        <p:nvPr/>
-      </p:nvGrpSpPr>
-      <p:grpSpPr>
-        <a:xfrm>
-          <a:off x="0" y="0"/>
-          <a:ext cx="0" cy="0"/>
-          <a:chOff x="0" y="0"/>
-          <a:chExt cx="0" cy="0"/>
-        </a:xfrm>
-      </p:grpSpPr>
-      <p:sp>
-        <p:nvSpPr>
-          <p:cNvPr id="2" name="Titre 1">
-            <a:extLst>
-              <a:ext uri="{FF2B5EF4-FFF2-40B4-BE49-F238E27FC236}">
-                <a16:creationId xmlns:a16="http://schemas.microsoft.com/office/drawing/2014/main" id="{BCCAEE93-8585-46D4-A7EC-F184E317CB2E}"/>
-              </a:ext>
-            </a:extLst>
-          </p:cNvPr>
-          <p:cNvSpPr>
-            <a:spLocks noGrp="1"/>
-          </p:cNvSpPr>
-          <p:nvPr>
-            <p:ph type="ctrTitle"/>
-          </p:nvPr>
-        </p:nvSpPr>
-        <p:spPr>
-          <a:xfrm>
-            <a:off x="6287043" y="1991752"/>
-            <a:ext cx="4179570" cy="1524735"/>
-          </a:xfrm>
-        </p:spPr>
-        <p:txBody>
-          <a:bodyPr rtlCol="0"/>
-          <a:lstStyle/>
-          <a:p>
-            <a:pPr rtl="0"/>
-            <a:r>
-              <a:rPr lang="fr-FR" sz="4800" dirty="0" err="1"/>
-              <a:t>Demo</a:t>
-            </a:r>
-            <a:endParaRPr lang="fr-FR" sz="4800" dirty="0"/>
-          </a:p>
-        </p:txBody>
-      </p:sp>
-      <p:sp>
-        <p:nvSpPr>
-          <p:cNvPr id="4" name="Espace réservé de la date 3">
-            <a:extLst>
-              <a:ext uri="{FF2B5EF4-FFF2-40B4-BE49-F238E27FC236}">
-                <a16:creationId xmlns:a16="http://schemas.microsoft.com/office/drawing/2014/main" id="{72DA7980-C870-4C9A-84FA-4120D8AF5DE8}"/>
-              </a:ext>
-            </a:extLst>
-          </p:cNvPr>
-          <p:cNvSpPr>
-            <a:spLocks noGrp="1"/>
-          </p:cNvSpPr>
-          <p:nvPr>
-            <p:ph type="dt" sz="half" idx="10"/>
-          </p:nvPr>
-        </p:nvSpPr>
-        <p:spPr>
-          <a:xfrm>
-            <a:off x="4267200" y="6356350"/>
-            <a:ext cx="1774371" cy="365125"/>
-          </a:xfrm>
-        </p:spPr>
-        <p:txBody>
-          <a:bodyPr rtlCol="0"/>
-          <a:lstStyle/>
-          <a:p>
-            <a:pPr rtl="0"/>
-            <a:r>
-              <a:rPr lang="fr-FR" dirty="0"/>
-              <a:t>2023</a:t>
-            </a:r>
-          </a:p>
-        </p:txBody>
-      </p:sp>
-      <p:sp>
-        <p:nvSpPr>
-          <p:cNvPr id="5" name="Espace réservé du pied de page 4">
-            <a:extLst>
-              <a:ext uri="{FF2B5EF4-FFF2-40B4-BE49-F238E27FC236}">
-                <a16:creationId xmlns:a16="http://schemas.microsoft.com/office/drawing/2014/main" id="{0DFADE42-1A3F-40C8-A071-E57644F3D843}"/>
-              </a:ext>
-            </a:extLst>
-          </p:cNvPr>
-          <p:cNvSpPr>
-            <a:spLocks noGrp="1"/>
-          </p:cNvSpPr>
-          <p:nvPr>
-            <p:ph type="ftr" sz="quarter" idx="11"/>
-          </p:nvPr>
-        </p:nvSpPr>
-        <p:spPr>
-          <a:xfrm>
-            <a:off x="6479721" y="6356350"/>
-            <a:ext cx="2661557" cy="365125"/>
-          </a:xfrm>
-        </p:spPr>
-        <p:txBody>
-          <a:bodyPr rtlCol="0"/>
-          <a:lstStyle/>
-          <a:p>
-            <a:pPr rtl="0"/>
-            <a:r>
-              <a:rPr lang="fr-FR" noProof="0" dirty="0" err="1"/>
-              <a:t>Fleetmanager</a:t>
-            </a:r>
-            <a:r>
-              <a:rPr lang="fr-FR" noProof="0" dirty="0"/>
-              <a:t> </a:t>
-            </a:r>
-            <a:r>
-              <a:rPr lang="fr-FR" noProof="0" dirty="0" err="1"/>
-              <a:t>Allphi</a:t>
-            </a:r>
-            <a:endParaRPr lang="fr-FR" noProof="0" dirty="0"/>
-          </a:p>
-        </p:txBody>
-      </p:sp>
-      <p:sp>
-        <p:nvSpPr>
-          <p:cNvPr id="6" name="Espace réservé du numéro de diapositive 5">
-            <a:extLst>
-              <a:ext uri="{FF2B5EF4-FFF2-40B4-BE49-F238E27FC236}">
-                <a16:creationId xmlns:a16="http://schemas.microsoft.com/office/drawing/2014/main" id="{5EDCFF82-B70F-4971-9182-7C3AEA3CFD26}"/>
-              </a:ext>
-            </a:extLst>
-          </p:cNvPr>
-          <p:cNvSpPr>
-            <a:spLocks noGrp="1"/>
-          </p:cNvSpPr>
-          <p:nvPr>
-            <p:ph type="sldNum" sz="quarter" idx="12"/>
-          </p:nvPr>
-        </p:nvSpPr>
-        <p:spPr>
-          <a:xfrm>
-            <a:off x="9579428" y="6356350"/>
-            <a:ext cx="1774371" cy="365125"/>
-          </a:xfrm>
-        </p:spPr>
-        <p:txBody>
-          <a:bodyPr rtlCol="0"/>
-          <a:lstStyle/>
-          <a:p>
-            <a:pPr rtl="0"/>
-            <a:fld id="{B5CEABB6-07DC-46E8-9B57-56EC44A396E5}" type="slidenum">
-              <a:rPr lang="fr-FR" smtClean="0"/>
-              <a:pPr rtl="0"/>
-              <a:t>8</a:t>
-            </a:fld>
-            <a:endParaRPr lang="fr-FR"/>
-          </a:p>
-        </p:txBody>
-      </p:sp>
-    </p:spTree>
-    <p:extLst>
-      <p:ext uri="{BB962C8B-B14F-4D97-AF65-F5344CB8AC3E}">
-        <p14:creationId xmlns:p14="http://schemas.microsoft.com/office/powerpoint/2010/main" val="2436493926"/>
-      </p:ext>
-    </p:extLst>
-  </p:cSld>
-  <p:clrMapOvr>
-    <a:masterClrMapping/>
-  </p:clrMapOvr>
-</p:sld>
-</file>
-
-<file path=ppt/slides/slide9.xml><?xml version="1.0" encoding="utf-8"?>
+<file path=ppt/slides/slide10.xml><?xml version="1.0" encoding="utf-8"?>
 <p:sld xmlns:a="http://schemas.openxmlformats.org/drawingml/2006/main" xmlns:r="http://schemas.openxmlformats.org/officeDocument/2006/relationships" xmlns:p="http://schemas.openxmlformats.org/presentationml/2006/main">
   <p:cSld>
     <p:spTree>
@@ -19678,6 +16814,3080 @@
     <p:extLst>
       <p:ext uri="{BB962C8B-B14F-4D97-AF65-F5344CB8AC3E}">
         <p14:creationId xmlns:p14="http://schemas.microsoft.com/office/powerpoint/2010/main" val="821941399"/>
+      </p:ext>
+    </p:extLst>
+  </p:cSld>
+  <p:clrMapOvr>
+    <a:masterClrMapping/>
+  </p:clrMapOvr>
+</p:sld>
+</file>
+
+<file path=ppt/slides/slide2.xml><?xml version="1.0" encoding="utf-8"?>
+<p:sld xmlns:a="http://schemas.openxmlformats.org/drawingml/2006/main" xmlns:r="http://schemas.openxmlformats.org/officeDocument/2006/relationships" xmlns:p="http://schemas.openxmlformats.org/presentationml/2006/main">
+  <p:cSld>
+    <p:spTree>
+      <p:nvGrpSpPr>
+        <p:cNvPr id="1" name=""/>
+        <p:cNvGrpSpPr/>
+        <p:nvPr/>
+      </p:nvGrpSpPr>
+      <p:grpSpPr>
+        <a:xfrm>
+          <a:off x="0" y="0"/>
+          <a:ext cx="0" cy="0"/>
+          <a:chOff x="0" y="0"/>
+          <a:chExt cx="0" cy="0"/>
+        </a:xfrm>
+      </p:grpSpPr>
+      <p:sp>
+        <p:nvSpPr>
+          <p:cNvPr id="2" name="Titel 1">
+            <a:extLst>
+              <a:ext uri="{FF2B5EF4-FFF2-40B4-BE49-F238E27FC236}">
+                <a16:creationId xmlns:a16="http://schemas.microsoft.com/office/drawing/2014/main" id="{F7D4DE62-5124-24BA-A1EE-9EEB335288D3}"/>
+              </a:ext>
+            </a:extLst>
+          </p:cNvPr>
+          <p:cNvSpPr>
+            <a:spLocks noGrp="1"/>
+          </p:cNvSpPr>
+          <p:nvPr>
+            <p:ph type="title"/>
+          </p:nvPr>
+        </p:nvSpPr>
+        <p:spPr>
+          <a:xfrm>
+            <a:off x="1333499" y="1020446"/>
+            <a:ext cx="3171825" cy="666114"/>
+          </a:xfrm>
+        </p:spPr>
+        <p:txBody>
+          <a:bodyPr>
+            <a:normAutofit/>
+          </a:bodyPr>
+          <a:lstStyle/>
+          <a:p>
+            <a:r>
+              <a:rPr lang="nl-BE" dirty="0"/>
+              <a:t>Het project</a:t>
+            </a:r>
+          </a:p>
+        </p:txBody>
+      </p:sp>
+      <p:sp>
+        <p:nvSpPr>
+          <p:cNvPr id="3" name="Tijdelijke aanduiding voor inhoud 2">
+            <a:extLst>
+              <a:ext uri="{FF2B5EF4-FFF2-40B4-BE49-F238E27FC236}">
+                <a16:creationId xmlns:a16="http://schemas.microsoft.com/office/drawing/2014/main" id="{C9CC1EF5-8A35-1047-CF72-32580F3C359E}"/>
+              </a:ext>
+            </a:extLst>
+          </p:cNvPr>
+          <p:cNvSpPr>
+            <a:spLocks noGrp="1"/>
+          </p:cNvSpPr>
+          <p:nvPr>
+            <p:ph idx="1"/>
+          </p:nvPr>
+        </p:nvSpPr>
+        <p:spPr>
+          <a:xfrm>
+            <a:off x="1333499" y="1950720"/>
+            <a:ext cx="3583941" cy="3749040"/>
+          </a:xfrm>
+        </p:spPr>
+        <p:txBody>
+          <a:bodyPr/>
+          <a:lstStyle/>
+          <a:p>
+            <a:pPr marL="285750" indent="-285750">
+              <a:buFont typeface="Arial" panose="020B0604020202020204" pitchFamily="34" charset="0"/>
+              <a:buChar char="•"/>
+            </a:pPr>
+            <a:r>
+              <a:rPr lang="nl-BE" dirty="0"/>
+              <a:t>Beheren van voertuigen, tankkaarten en bestuurders</a:t>
+            </a:r>
+          </a:p>
+          <a:p>
+            <a:pPr marL="742950" lvl="1" indent="-285750">
+              <a:buFont typeface="Arial" panose="020B0604020202020204" pitchFamily="34" charset="0"/>
+              <a:buChar char="•"/>
+            </a:pPr>
+            <a:r>
+              <a:rPr lang="nl-BE" dirty="0"/>
+              <a:t>Nieuwe items kunnen toevoegen</a:t>
+            </a:r>
+          </a:p>
+          <a:p>
+            <a:pPr marL="742950" lvl="1" indent="-285750">
+              <a:buFont typeface="Arial" panose="020B0604020202020204" pitchFamily="34" charset="0"/>
+              <a:buChar char="•"/>
+            </a:pPr>
+            <a:r>
+              <a:rPr lang="nl-BE" dirty="0"/>
+              <a:t>Detailweergave openen</a:t>
+            </a:r>
+          </a:p>
+          <a:p>
+            <a:pPr marL="742950" lvl="1" indent="-285750">
+              <a:buFont typeface="Arial" panose="020B0604020202020204" pitchFamily="34" charset="0"/>
+              <a:buChar char="•"/>
+            </a:pPr>
+            <a:r>
+              <a:rPr lang="nl-BE" dirty="0"/>
+              <a:t>Bewerk weergave openen</a:t>
+            </a:r>
+          </a:p>
+          <a:p>
+            <a:pPr marL="742950" lvl="1" indent="-285750">
+              <a:buFont typeface="Arial" panose="020B0604020202020204" pitchFamily="34" charset="0"/>
+              <a:buChar char="•"/>
+            </a:pPr>
+            <a:r>
+              <a:rPr lang="nl-BE" dirty="0"/>
+              <a:t>Verwijderen van een item</a:t>
+            </a:r>
+          </a:p>
+          <a:p>
+            <a:pPr marL="285750" indent="-285750">
+              <a:buFont typeface="Arial" panose="020B0604020202020204" pitchFamily="34" charset="0"/>
+              <a:buChar char="•"/>
+            </a:pPr>
+            <a:r>
+              <a:rPr lang="nl-BE" dirty="0"/>
+              <a:t>Restricties op gegevens</a:t>
+            </a:r>
+          </a:p>
+        </p:txBody>
+      </p:sp>
+      <p:sp>
+        <p:nvSpPr>
+          <p:cNvPr id="4" name="Tijdelijke aanduiding voor datum 3">
+            <a:extLst>
+              <a:ext uri="{FF2B5EF4-FFF2-40B4-BE49-F238E27FC236}">
+                <a16:creationId xmlns:a16="http://schemas.microsoft.com/office/drawing/2014/main" id="{913874A0-D37A-3DA3-BE24-83B9D5865E74}"/>
+              </a:ext>
+            </a:extLst>
+          </p:cNvPr>
+          <p:cNvSpPr>
+            <a:spLocks noGrp="1"/>
+          </p:cNvSpPr>
+          <p:nvPr>
+            <p:ph type="dt" sz="half" idx="10"/>
+          </p:nvPr>
+        </p:nvSpPr>
+        <p:spPr/>
+        <p:txBody>
+          <a:bodyPr/>
+          <a:lstStyle/>
+          <a:p>
+            <a:pPr rtl="0"/>
+            <a:r>
+              <a:rPr lang="fr-FR" noProof="0" dirty="0"/>
+              <a:t>2023</a:t>
+            </a:r>
+          </a:p>
+        </p:txBody>
+      </p:sp>
+      <p:sp>
+        <p:nvSpPr>
+          <p:cNvPr id="5" name="Tijdelijke aanduiding voor voettekst 4">
+            <a:extLst>
+              <a:ext uri="{FF2B5EF4-FFF2-40B4-BE49-F238E27FC236}">
+                <a16:creationId xmlns:a16="http://schemas.microsoft.com/office/drawing/2014/main" id="{E6CFE0BC-8974-7494-3034-88305B05A2E3}"/>
+              </a:ext>
+            </a:extLst>
+          </p:cNvPr>
+          <p:cNvSpPr>
+            <a:spLocks noGrp="1"/>
+          </p:cNvSpPr>
+          <p:nvPr>
+            <p:ph type="ftr" sz="quarter" idx="11"/>
+          </p:nvPr>
+        </p:nvSpPr>
+        <p:spPr/>
+        <p:txBody>
+          <a:bodyPr/>
+          <a:lstStyle/>
+          <a:p>
+            <a:pPr rtl="0"/>
+            <a:r>
+              <a:rPr lang="fr-FR" noProof="0" dirty="0" err="1"/>
+              <a:t>Fleetmanager</a:t>
+            </a:r>
+            <a:r>
+              <a:rPr lang="fr-FR" noProof="0" dirty="0"/>
+              <a:t> </a:t>
+            </a:r>
+            <a:r>
+              <a:rPr lang="fr-FR" noProof="0" dirty="0" err="1"/>
+              <a:t>Allphi</a:t>
+            </a:r>
+            <a:endParaRPr lang="fr-FR" noProof="0" dirty="0"/>
+          </a:p>
+        </p:txBody>
+      </p:sp>
+      <p:sp>
+        <p:nvSpPr>
+          <p:cNvPr id="6" name="Tijdelijke aanduiding voor dianummer 5">
+            <a:extLst>
+              <a:ext uri="{FF2B5EF4-FFF2-40B4-BE49-F238E27FC236}">
+                <a16:creationId xmlns:a16="http://schemas.microsoft.com/office/drawing/2014/main" id="{836007E6-6492-A392-C148-B671D972D987}"/>
+              </a:ext>
+            </a:extLst>
+          </p:cNvPr>
+          <p:cNvSpPr>
+            <a:spLocks noGrp="1"/>
+          </p:cNvSpPr>
+          <p:nvPr>
+            <p:ph type="sldNum" sz="quarter" idx="12"/>
+          </p:nvPr>
+        </p:nvSpPr>
+        <p:spPr/>
+        <p:txBody>
+          <a:bodyPr/>
+          <a:lstStyle/>
+          <a:p>
+            <a:pPr rtl="0"/>
+            <a:fld id="{B5CEABB6-07DC-46E8-9B57-56EC44A396E5}" type="slidenum">
+              <a:rPr lang="fr-FR" noProof="0" smtClean="0"/>
+              <a:t>2</a:t>
+            </a:fld>
+            <a:endParaRPr lang="fr-FR" noProof="0"/>
+          </a:p>
+        </p:txBody>
+      </p:sp>
+    </p:spTree>
+    <p:extLst>
+      <p:ext uri="{BB962C8B-B14F-4D97-AF65-F5344CB8AC3E}">
+        <p14:creationId xmlns:p14="http://schemas.microsoft.com/office/powerpoint/2010/main" val="386849723"/>
+      </p:ext>
+    </p:extLst>
+  </p:cSld>
+  <p:clrMapOvr>
+    <a:masterClrMapping/>
+  </p:clrMapOvr>
+</p:sld>
+</file>
+
+<file path=ppt/slides/slide3.xml><?xml version="1.0" encoding="utf-8"?>
+<p:sld xmlns:a="http://schemas.openxmlformats.org/drawingml/2006/main" xmlns:r="http://schemas.openxmlformats.org/officeDocument/2006/relationships" xmlns:p="http://schemas.openxmlformats.org/presentationml/2006/main">
+  <p:cSld>
+    <p:spTree>
+      <p:nvGrpSpPr>
+        <p:cNvPr id="1" name=""/>
+        <p:cNvGrpSpPr/>
+        <p:nvPr/>
+      </p:nvGrpSpPr>
+      <p:grpSpPr>
+        <a:xfrm>
+          <a:off x="0" y="0"/>
+          <a:ext cx="0" cy="0"/>
+          <a:chOff x="0" y="0"/>
+          <a:chExt cx="0" cy="0"/>
+        </a:xfrm>
+      </p:grpSpPr>
+      <p:sp>
+        <p:nvSpPr>
+          <p:cNvPr id="2" name="Titre 1">
+            <a:extLst>
+              <a:ext uri="{FF2B5EF4-FFF2-40B4-BE49-F238E27FC236}">
+                <a16:creationId xmlns:a16="http://schemas.microsoft.com/office/drawing/2014/main" id="{75031FE9-9059-4FE8-B4AC-9771F23A1B89}"/>
+              </a:ext>
+            </a:extLst>
+          </p:cNvPr>
+          <p:cNvSpPr>
+            <a:spLocks noGrp="1"/>
+          </p:cNvSpPr>
+          <p:nvPr>
+            <p:ph type="title"/>
+          </p:nvPr>
+        </p:nvSpPr>
+        <p:spPr>
+          <a:xfrm>
+            <a:off x="1885156" y="892177"/>
+            <a:ext cx="8421688" cy="1325563"/>
+          </a:xfrm>
+        </p:spPr>
+        <p:txBody>
+          <a:bodyPr rtlCol="0"/>
+          <a:lstStyle/>
+          <a:p>
+            <a:pPr rtl="0"/>
+            <a:r>
+              <a:rPr lang="fr-FR" dirty="0"/>
+              <a:t>Onze </a:t>
+            </a:r>
+            <a:r>
+              <a:rPr lang="fr-FR" dirty="0" err="1"/>
+              <a:t>visie</a:t>
+            </a:r>
+            <a:endParaRPr lang="fr-FR" dirty="0"/>
+          </a:p>
+        </p:txBody>
+      </p:sp>
+      <p:sp>
+        <p:nvSpPr>
+          <p:cNvPr id="3" name="Espace réservé du contenu 2">
+            <a:extLst>
+              <a:ext uri="{FF2B5EF4-FFF2-40B4-BE49-F238E27FC236}">
+                <a16:creationId xmlns:a16="http://schemas.microsoft.com/office/drawing/2014/main" id="{D4A2EB3F-4D60-451F-8F45-7D6654D2FCD9}"/>
+              </a:ext>
+            </a:extLst>
+          </p:cNvPr>
+          <p:cNvSpPr>
+            <a:spLocks noGrp="1"/>
+          </p:cNvSpPr>
+          <p:nvPr>
+            <p:ph type="body" sz="quarter" idx="13"/>
+          </p:nvPr>
+        </p:nvSpPr>
+        <p:spPr>
+          <a:xfrm>
+            <a:off x="1485900" y="2563123"/>
+            <a:ext cx="4031945" cy="365125"/>
+          </a:xfrm>
+        </p:spPr>
+        <p:txBody>
+          <a:bodyPr vert="horz" lIns="91440" tIns="45720" rIns="91440" bIns="45720" rtlCol="0" anchor="t">
+            <a:normAutofit lnSpcReduction="10000"/>
+          </a:bodyPr>
+          <a:lstStyle/>
+          <a:p>
+            <a:pPr rtl="0"/>
+            <a:r>
+              <a:rPr lang="fr-FR" dirty="0"/>
+              <a:t>Login</a:t>
+            </a:r>
+          </a:p>
+        </p:txBody>
+      </p:sp>
+      <p:sp>
+        <p:nvSpPr>
+          <p:cNvPr id="4" name="Espace réservé du texte 3">
+            <a:extLst>
+              <a:ext uri="{FF2B5EF4-FFF2-40B4-BE49-F238E27FC236}">
+                <a16:creationId xmlns:a16="http://schemas.microsoft.com/office/drawing/2014/main" id="{AC1C80FB-53F9-42EE-B1E6-D0F998EC5DFA}"/>
+              </a:ext>
+            </a:extLst>
+          </p:cNvPr>
+          <p:cNvSpPr>
+            <a:spLocks noGrp="1"/>
+          </p:cNvSpPr>
+          <p:nvPr>
+            <p:ph type="body" sz="quarter" idx="15"/>
+          </p:nvPr>
+        </p:nvSpPr>
+        <p:spPr>
+          <a:xfrm>
+            <a:off x="1485664" y="3070348"/>
+            <a:ext cx="4031030" cy="1057308"/>
+          </a:xfrm>
+        </p:spPr>
+        <p:txBody>
+          <a:bodyPr rtlCol="0"/>
+          <a:lstStyle/>
+          <a:p>
+            <a:pPr rtl="0"/>
+            <a:r>
+              <a:rPr lang="fr-FR" dirty="0" err="1"/>
+              <a:t>Meerdere</a:t>
+            </a:r>
+            <a:r>
+              <a:rPr lang="fr-FR" dirty="0"/>
+              <a:t> managers </a:t>
+            </a:r>
+            <a:r>
+              <a:rPr lang="fr-FR" dirty="0" err="1"/>
+              <a:t>kunnen</a:t>
+            </a:r>
+            <a:r>
+              <a:rPr lang="fr-FR" dirty="0"/>
+              <a:t> </a:t>
+            </a:r>
+            <a:r>
+              <a:rPr lang="fr-FR" dirty="0" err="1"/>
+              <a:t>werken</a:t>
+            </a:r>
+            <a:r>
+              <a:rPr lang="fr-FR" dirty="0"/>
+              <a:t> op onze </a:t>
+            </a:r>
+            <a:r>
+              <a:rPr lang="fr-FR" dirty="0" err="1"/>
+              <a:t>applicatie</a:t>
+            </a:r>
+            <a:endParaRPr lang="fr-FR" dirty="0"/>
+          </a:p>
+        </p:txBody>
+      </p:sp>
+      <p:sp>
+        <p:nvSpPr>
+          <p:cNvPr id="5" name="Espace réservé du texte 4">
+            <a:extLst>
+              <a:ext uri="{FF2B5EF4-FFF2-40B4-BE49-F238E27FC236}">
+                <a16:creationId xmlns:a16="http://schemas.microsoft.com/office/drawing/2014/main" id="{E81BA2B5-6A90-4204-ABDD-7183FBB03A02}"/>
+              </a:ext>
+            </a:extLst>
+          </p:cNvPr>
+          <p:cNvSpPr>
+            <a:spLocks noGrp="1"/>
+          </p:cNvSpPr>
+          <p:nvPr>
+            <p:ph type="body" sz="quarter" idx="16"/>
+          </p:nvPr>
+        </p:nvSpPr>
+        <p:spPr>
+          <a:xfrm>
+            <a:off x="6673004" y="2563123"/>
+            <a:ext cx="4031945" cy="365125"/>
+          </a:xfrm>
+        </p:spPr>
+        <p:txBody>
+          <a:bodyPr rtlCol="0">
+            <a:normAutofit lnSpcReduction="10000"/>
+          </a:bodyPr>
+          <a:lstStyle/>
+          <a:p>
+            <a:pPr rtl="0"/>
+            <a:r>
+              <a:rPr lang="fr-FR" dirty="0"/>
+              <a:t>Interfaces</a:t>
+            </a:r>
+          </a:p>
+        </p:txBody>
+      </p:sp>
+      <p:sp>
+        <p:nvSpPr>
+          <p:cNvPr id="6" name="Espace réservé du texte 5">
+            <a:extLst>
+              <a:ext uri="{FF2B5EF4-FFF2-40B4-BE49-F238E27FC236}">
+                <a16:creationId xmlns:a16="http://schemas.microsoft.com/office/drawing/2014/main" id="{7E7D4C34-22A0-4D54-A07D-E1E9A11463E5}"/>
+              </a:ext>
+            </a:extLst>
+          </p:cNvPr>
+          <p:cNvSpPr>
+            <a:spLocks noGrp="1"/>
+          </p:cNvSpPr>
+          <p:nvPr>
+            <p:ph type="body" sz="quarter" idx="17"/>
+          </p:nvPr>
+        </p:nvSpPr>
+        <p:spPr>
+          <a:xfrm>
+            <a:off x="6673143" y="3070348"/>
+            <a:ext cx="4031030" cy="1057308"/>
+          </a:xfrm>
+        </p:spPr>
+        <p:txBody>
+          <a:bodyPr rtlCol="0"/>
+          <a:lstStyle/>
+          <a:p>
+            <a:pPr rtl="0"/>
+            <a:r>
+              <a:rPr lang="fr-FR" dirty="0"/>
+              <a:t>In </a:t>
+            </a:r>
+            <a:r>
+              <a:rPr lang="fr-FR" dirty="0" err="1"/>
+              <a:t>één</a:t>
+            </a:r>
+            <a:r>
+              <a:rPr lang="fr-FR" dirty="0"/>
+              <a:t> </a:t>
+            </a:r>
+            <a:r>
+              <a:rPr lang="fr-FR" dirty="0" err="1"/>
+              <a:t>oogopslag</a:t>
+            </a:r>
+            <a:r>
+              <a:rPr lang="fr-FR" dirty="0"/>
+              <a:t> </a:t>
+            </a:r>
+            <a:r>
+              <a:rPr lang="fr-FR" dirty="0" err="1"/>
+              <a:t>alle</a:t>
+            </a:r>
+            <a:r>
+              <a:rPr lang="fr-FR" dirty="0"/>
+              <a:t> </a:t>
+            </a:r>
+            <a:r>
+              <a:rPr lang="fr-FR" dirty="0" err="1"/>
+              <a:t>informatie</a:t>
+            </a:r>
+            <a:r>
+              <a:rPr lang="fr-FR" dirty="0"/>
+              <a:t> </a:t>
+            </a:r>
+            <a:r>
+              <a:rPr lang="fr-FR" dirty="0" err="1"/>
+              <a:t>zichtbaar</a:t>
+            </a:r>
+            <a:r>
+              <a:rPr lang="fr-FR" dirty="0"/>
+              <a:t> en </a:t>
+            </a:r>
+            <a:r>
+              <a:rPr lang="fr-FR" dirty="0" err="1"/>
+              <a:t>ook</a:t>
+            </a:r>
+            <a:r>
+              <a:rPr lang="fr-FR" dirty="0"/>
+              <a:t> </a:t>
+            </a:r>
+            <a:r>
+              <a:rPr lang="fr-FR" dirty="0" err="1"/>
+              <a:t>aanpasbaar</a:t>
+            </a:r>
+            <a:r>
+              <a:rPr lang="fr-FR" dirty="0"/>
+              <a:t>.</a:t>
+            </a:r>
+          </a:p>
+          <a:p>
+            <a:pPr rtl="0"/>
+            <a:r>
+              <a:rPr lang="fr-FR" dirty="0" err="1"/>
+              <a:t>Makkelijk</a:t>
+            </a:r>
+            <a:r>
+              <a:rPr lang="fr-FR" dirty="0"/>
+              <a:t> </a:t>
+            </a:r>
+            <a:r>
+              <a:rPr lang="fr-FR" dirty="0" err="1"/>
+              <a:t>overschakelen</a:t>
+            </a:r>
+            <a:r>
+              <a:rPr lang="fr-FR" dirty="0"/>
+              <a:t> </a:t>
+            </a:r>
+            <a:r>
+              <a:rPr lang="fr-FR" dirty="0" err="1"/>
+              <a:t>tussen</a:t>
+            </a:r>
+            <a:r>
+              <a:rPr lang="fr-FR" dirty="0"/>
+              <a:t> </a:t>
+            </a:r>
+            <a:r>
+              <a:rPr lang="fr-FR" dirty="0" err="1"/>
+              <a:t>schermen</a:t>
+            </a:r>
+            <a:endParaRPr lang="fr-FR" dirty="0"/>
+          </a:p>
+          <a:p>
+            <a:pPr rtl="0"/>
+            <a:endParaRPr lang="fr-FR" dirty="0"/>
+          </a:p>
+        </p:txBody>
+      </p:sp>
+      <p:sp>
+        <p:nvSpPr>
+          <p:cNvPr id="7" name="Espace réservé du texte 6">
+            <a:extLst>
+              <a:ext uri="{FF2B5EF4-FFF2-40B4-BE49-F238E27FC236}">
+                <a16:creationId xmlns:a16="http://schemas.microsoft.com/office/drawing/2014/main" id="{301D392D-FB66-47A0-B628-5ADE822A2CFF}"/>
+              </a:ext>
+            </a:extLst>
+          </p:cNvPr>
+          <p:cNvSpPr>
+            <a:spLocks noGrp="1"/>
+          </p:cNvSpPr>
+          <p:nvPr>
+            <p:ph type="body" sz="quarter" idx="18"/>
+          </p:nvPr>
+        </p:nvSpPr>
+        <p:spPr>
+          <a:xfrm>
+            <a:off x="1485899" y="4319431"/>
+            <a:ext cx="4031945" cy="365125"/>
+          </a:xfrm>
+        </p:spPr>
+        <p:txBody>
+          <a:bodyPr rtlCol="0">
+            <a:normAutofit lnSpcReduction="10000"/>
+          </a:bodyPr>
+          <a:lstStyle/>
+          <a:p>
+            <a:pPr rtl="0"/>
+            <a:r>
+              <a:rPr lang="fr-FR" dirty="0" err="1"/>
+              <a:t>Relaties</a:t>
+            </a:r>
+            <a:endParaRPr lang="fr-FR" dirty="0"/>
+          </a:p>
+        </p:txBody>
+      </p:sp>
+      <p:sp>
+        <p:nvSpPr>
+          <p:cNvPr id="8" name="Espace réservé du texte 7">
+            <a:extLst>
+              <a:ext uri="{FF2B5EF4-FFF2-40B4-BE49-F238E27FC236}">
+                <a16:creationId xmlns:a16="http://schemas.microsoft.com/office/drawing/2014/main" id="{51C26CE0-2506-4B44-A26F-C12BFA5B18B5}"/>
+              </a:ext>
+            </a:extLst>
+          </p:cNvPr>
+          <p:cNvSpPr>
+            <a:spLocks noGrp="1"/>
+          </p:cNvSpPr>
+          <p:nvPr>
+            <p:ph type="body" sz="quarter" idx="19"/>
+          </p:nvPr>
+        </p:nvSpPr>
+        <p:spPr>
+          <a:xfrm>
+            <a:off x="1486412" y="4826656"/>
+            <a:ext cx="4031030" cy="1057308"/>
+          </a:xfrm>
+        </p:spPr>
+        <p:txBody>
+          <a:bodyPr rtlCol="0"/>
+          <a:lstStyle/>
+          <a:p>
+            <a:pPr rtl="0"/>
+            <a:r>
+              <a:rPr lang="fr-FR" dirty="0"/>
+              <a:t>Het </a:t>
+            </a:r>
+            <a:r>
+              <a:rPr lang="fr-FR" dirty="0" err="1"/>
+              <a:t>zichtbaar</a:t>
+            </a:r>
+            <a:r>
+              <a:rPr lang="fr-FR" dirty="0"/>
+              <a:t> </a:t>
+            </a:r>
+            <a:r>
+              <a:rPr lang="fr-FR" dirty="0" err="1"/>
+              <a:t>maken</a:t>
+            </a:r>
+            <a:r>
+              <a:rPr lang="fr-FR" dirty="0"/>
+              <a:t> van de </a:t>
+            </a:r>
+            <a:r>
+              <a:rPr lang="fr-FR" dirty="0" err="1"/>
+              <a:t>relatie</a:t>
+            </a:r>
+            <a:r>
+              <a:rPr lang="fr-FR" dirty="0"/>
+              <a:t> </a:t>
+            </a:r>
+            <a:r>
+              <a:rPr lang="fr-FR" dirty="0" err="1"/>
+              <a:t>tussen</a:t>
+            </a:r>
+            <a:r>
+              <a:rPr lang="fr-FR" dirty="0"/>
+              <a:t> </a:t>
+            </a:r>
+            <a:r>
+              <a:rPr lang="fr-FR" dirty="0" err="1"/>
+              <a:t>bepaalde</a:t>
+            </a:r>
+            <a:r>
+              <a:rPr lang="fr-FR" dirty="0"/>
+              <a:t> </a:t>
+            </a:r>
+            <a:r>
+              <a:rPr lang="fr-FR" dirty="0" err="1"/>
+              <a:t>tankkaarten</a:t>
+            </a:r>
+            <a:r>
+              <a:rPr lang="fr-FR" dirty="0"/>
+              <a:t>, </a:t>
+            </a:r>
+            <a:r>
+              <a:rPr lang="fr-FR" dirty="0" err="1"/>
+              <a:t>bestuurders</a:t>
+            </a:r>
+            <a:r>
+              <a:rPr lang="fr-FR" dirty="0"/>
+              <a:t> en </a:t>
+            </a:r>
+            <a:r>
+              <a:rPr lang="fr-FR" dirty="0" err="1"/>
+              <a:t>voertuigen</a:t>
+            </a:r>
+            <a:endParaRPr lang="fr-FR" dirty="0"/>
+          </a:p>
+          <a:p>
+            <a:pPr rtl="0"/>
+            <a:endParaRPr lang="fr-FR" dirty="0"/>
+          </a:p>
+        </p:txBody>
+      </p:sp>
+      <p:sp>
+        <p:nvSpPr>
+          <p:cNvPr id="9" name="Espace réservé du texte 8">
+            <a:extLst>
+              <a:ext uri="{FF2B5EF4-FFF2-40B4-BE49-F238E27FC236}">
+                <a16:creationId xmlns:a16="http://schemas.microsoft.com/office/drawing/2014/main" id="{868F40F8-BF35-45E9-B3DD-5436362D746E}"/>
+              </a:ext>
+            </a:extLst>
+          </p:cNvPr>
+          <p:cNvSpPr>
+            <a:spLocks noGrp="1"/>
+          </p:cNvSpPr>
+          <p:nvPr>
+            <p:ph type="body" sz="quarter" idx="23"/>
+          </p:nvPr>
+        </p:nvSpPr>
+        <p:spPr>
+          <a:xfrm>
+            <a:off x="6672630" y="4319431"/>
+            <a:ext cx="4031945" cy="365125"/>
+          </a:xfrm>
+        </p:spPr>
+        <p:txBody>
+          <a:bodyPr rtlCol="0">
+            <a:normAutofit lnSpcReduction="10000"/>
+          </a:bodyPr>
+          <a:lstStyle/>
+          <a:p>
+            <a:pPr rtl="0"/>
+            <a:r>
+              <a:rPr lang="fr-FR" dirty="0" err="1"/>
+              <a:t>Efficiëntie</a:t>
+            </a:r>
+            <a:endParaRPr lang="fr-FR" dirty="0"/>
+          </a:p>
+        </p:txBody>
+      </p:sp>
+      <p:sp>
+        <p:nvSpPr>
+          <p:cNvPr id="10" name="Espace réservé du texte 9">
+            <a:extLst>
+              <a:ext uri="{FF2B5EF4-FFF2-40B4-BE49-F238E27FC236}">
+                <a16:creationId xmlns:a16="http://schemas.microsoft.com/office/drawing/2014/main" id="{7F39C97C-2DDC-4706-B96C-B02FAE53A426}"/>
+              </a:ext>
+            </a:extLst>
+          </p:cNvPr>
+          <p:cNvSpPr>
+            <a:spLocks noGrp="1"/>
+          </p:cNvSpPr>
+          <p:nvPr>
+            <p:ph type="body" sz="quarter" idx="24"/>
+          </p:nvPr>
+        </p:nvSpPr>
+        <p:spPr>
+          <a:xfrm>
+            <a:off x="6673143" y="4826656"/>
+            <a:ext cx="4031030" cy="1057308"/>
+          </a:xfrm>
+        </p:spPr>
+        <p:txBody>
+          <a:bodyPr rtlCol="0"/>
+          <a:lstStyle/>
+          <a:p>
+            <a:pPr rtl="0"/>
+            <a:r>
+              <a:rPr lang="fr-FR" dirty="0" err="1"/>
+              <a:t>Simpele</a:t>
+            </a:r>
+            <a:r>
+              <a:rPr lang="fr-FR" dirty="0"/>
+              <a:t> interfaces </a:t>
+            </a:r>
+            <a:r>
+              <a:rPr lang="fr-FR" dirty="0" err="1"/>
+              <a:t>zorgen</a:t>
+            </a:r>
+            <a:r>
+              <a:rPr lang="fr-FR" dirty="0"/>
+              <a:t> </a:t>
+            </a:r>
+            <a:r>
+              <a:rPr lang="fr-FR" dirty="0" err="1"/>
+              <a:t>voor</a:t>
+            </a:r>
+            <a:r>
+              <a:rPr lang="fr-FR" dirty="0"/>
+              <a:t> </a:t>
+            </a:r>
+            <a:r>
+              <a:rPr lang="fr-FR" dirty="0" err="1"/>
+              <a:t>gebruiksvriendelijk</a:t>
+            </a:r>
+            <a:r>
+              <a:rPr lang="fr-FR" dirty="0"/>
+              <a:t> en </a:t>
+            </a:r>
+            <a:r>
+              <a:rPr lang="fr-FR" dirty="0" err="1"/>
+              <a:t>efficiënt</a:t>
+            </a:r>
+            <a:r>
+              <a:rPr lang="fr-FR" dirty="0"/>
+              <a:t> </a:t>
+            </a:r>
+            <a:r>
+              <a:rPr lang="fr-FR" dirty="0" err="1"/>
+              <a:t>gebruik</a:t>
+            </a:r>
+            <a:r>
+              <a:rPr lang="fr-FR" dirty="0"/>
+              <a:t> </a:t>
+            </a:r>
+          </a:p>
+        </p:txBody>
+      </p:sp>
+      <p:sp>
+        <p:nvSpPr>
+          <p:cNvPr id="80" name="Espace réservé de la date 79">
+            <a:extLst>
+              <a:ext uri="{FF2B5EF4-FFF2-40B4-BE49-F238E27FC236}">
+                <a16:creationId xmlns:a16="http://schemas.microsoft.com/office/drawing/2014/main" id="{BC1F9D86-85D8-4FD0-B0D3-47D778722782}"/>
+              </a:ext>
+            </a:extLst>
+          </p:cNvPr>
+          <p:cNvSpPr>
+            <a:spLocks noGrp="1"/>
+          </p:cNvSpPr>
+          <p:nvPr>
+            <p:ph type="dt" sz="half" idx="20"/>
+          </p:nvPr>
+        </p:nvSpPr>
+        <p:spPr>
+          <a:xfrm>
+            <a:off x="838200" y="6356350"/>
+            <a:ext cx="2743200" cy="365125"/>
+          </a:xfrm>
+        </p:spPr>
+        <p:txBody>
+          <a:bodyPr rtlCol="0"/>
+          <a:lstStyle/>
+          <a:p>
+            <a:pPr rtl="0"/>
+            <a:r>
+              <a:rPr lang="fr-FR" dirty="0"/>
+              <a:t>2023</a:t>
+            </a:r>
+          </a:p>
+        </p:txBody>
+      </p:sp>
+      <p:sp>
+        <p:nvSpPr>
+          <p:cNvPr id="81" name="Espace réservé du pied de page 80">
+            <a:extLst>
+              <a:ext uri="{FF2B5EF4-FFF2-40B4-BE49-F238E27FC236}">
+                <a16:creationId xmlns:a16="http://schemas.microsoft.com/office/drawing/2014/main" id="{E94F1D24-E4A1-4B59-B57E-A28453963B88}"/>
+              </a:ext>
+            </a:extLst>
+          </p:cNvPr>
+          <p:cNvSpPr>
+            <a:spLocks noGrp="1"/>
+          </p:cNvSpPr>
+          <p:nvPr>
+            <p:ph type="ftr" sz="quarter" idx="21"/>
+          </p:nvPr>
+        </p:nvSpPr>
+        <p:spPr>
+          <a:xfrm>
+            <a:off x="4038600" y="6356350"/>
+            <a:ext cx="4114800" cy="365125"/>
+          </a:xfrm>
+        </p:spPr>
+        <p:txBody>
+          <a:bodyPr rtlCol="0"/>
+          <a:lstStyle/>
+          <a:p>
+            <a:pPr rtl="0"/>
+            <a:r>
+              <a:rPr lang="fr-FR" noProof="0" dirty="0" err="1"/>
+              <a:t>Fleetmanager</a:t>
+            </a:r>
+            <a:r>
+              <a:rPr lang="fr-FR" noProof="0" dirty="0"/>
+              <a:t> </a:t>
+            </a:r>
+            <a:r>
+              <a:rPr lang="fr-FR" noProof="0" dirty="0" err="1"/>
+              <a:t>Allphi</a:t>
+            </a:r>
+            <a:endParaRPr lang="fr-FR" noProof="0" dirty="0"/>
+          </a:p>
+        </p:txBody>
+      </p:sp>
+      <p:sp>
+        <p:nvSpPr>
+          <p:cNvPr id="82" name="Espace réservé du numéro de diapositive 81">
+            <a:extLst>
+              <a:ext uri="{FF2B5EF4-FFF2-40B4-BE49-F238E27FC236}">
+                <a16:creationId xmlns:a16="http://schemas.microsoft.com/office/drawing/2014/main" id="{CE36A058-BEC2-4BC5-A467-F2EB2A365051}"/>
+              </a:ext>
+            </a:extLst>
+          </p:cNvPr>
+          <p:cNvSpPr>
+            <a:spLocks noGrp="1"/>
+          </p:cNvSpPr>
+          <p:nvPr>
+            <p:ph type="sldNum" sz="quarter" idx="22"/>
+          </p:nvPr>
+        </p:nvSpPr>
+        <p:spPr>
+          <a:xfrm>
+            <a:off x="8610600" y="6356350"/>
+            <a:ext cx="2743200" cy="365125"/>
+          </a:xfrm>
+        </p:spPr>
+        <p:txBody>
+          <a:bodyPr rtlCol="0"/>
+          <a:lstStyle/>
+          <a:p>
+            <a:pPr rtl="0"/>
+            <a:fld id="{B5CEABB6-07DC-46E8-9B57-56EC44A396E5}" type="slidenum">
+              <a:rPr lang="fr-FR" smtClean="0"/>
+              <a:pPr rtl="0"/>
+              <a:t>3</a:t>
+            </a:fld>
+            <a:endParaRPr lang="fr-FR"/>
+          </a:p>
+        </p:txBody>
+      </p:sp>
+    </p:spTree>
+    <p:extLst>
+      <p:ext uri="{BB962C8B-B14F-4D97-AF65-F5344CB8AC3E}">
+        <p14:creationId xmlns:p14="http://schemas.microsoft.com/office/powerpoint/2010/main" val="1593920805"/>
+      </p:ext>
+    </p:extLst>
+  </p:cSld>
+  <p:clrMapOvr>
+    <a:masterClrMapping/>
+  </p:clrMapOvr>
+</p:sld>
+</file>
+
+<file path=ppt/slides/slide4.xml><?xml version="1.0" encoding="utf-8"?>
+<p:sld xmlns:a="http://schemas.openxmlformats.org/drawingml/2006/main" xmlns:r="http://schemas.openxmlformats.org/officeDocument/2006/relationships" xmlns:p="http://schemas.openxmlformats.org/presentationml/2006/main">
+  <p:cSld>
+    <p:spTree>
+      <p:nvGrpSpPr>
+        <p:cNvPr id="1" name=""/>
+        <p:cNvGrpSpPr/>
+        <p:nvPr/>
+      </p:nvGrpSpPr>
+      <p:grpSpPr>
+        <a:xfrm>
+          <a:off x="0" y="0"/>
+          <a:ext cx="0" cy="0"/>
+          <a:chOff x="0" y="0"/>
+          <a:chExt cx="0" cy="0"/>
+        </a:xfrm>
+      </p:grpSpPr>
+      <p:pic>
+        <p:nvPicPr>
+          <p:cNvPr id="28" name="Graphic 27">
+            <a:extLst>
+              <a:ext uri="{FF2B5EF4-FFF2-40B4-BE49-F238E27FC236}">
+                <a16:creationId xmlns:a16="http://schemas.microsoft.com/office/drawing/2014/main" id="{5EF2D944-6AB1-B2B4-3A4F-2FFD45946C1F}"/>
+              </a:ext>
+            </a:extLst>
+          </p:cNvPr>
+          <p:cNvPicPr>
+            <a:picLocks noChangeAspect="1"/>
+          </p:cNvPicPr>
+          <p:nvPr/>
+        </p:nvPicPr>
+        <p:blipFill>
+          <a:blip r:embed="rId3">
+            <a:extLst>
+              <a:ext uri="{96DAC541-7B7A-43D3-8B79-37D633B846F1}">
+                <asvg:svgBlip xmlns:asvg="http://schemas.microsoft.com/office/drawing/2016/SVG/main" r:embed="rId4"/>
+              </a:ext>
+            </a:extLst>
+          </a:blip>
+          <a:stretch>
+            <a:fillRect/>
+          </a:stretch>
+        </p:blipFill>
+        <p:spPr>
+          <a:xfrm>
+            <a:off x="5375128" y="4950699"/>
+            <a:ext cx="1836413" cy="1154170"/>
+          </a:xfrm>
+          <a:prstGeom prst="rect">
+            <a:avLst/>
+          </a:prstGeom>
+        </p:spPr>
+      </p:pic>
+      <p:sp>
+        <p:nvSpPr>
+          <p:cNvPr id="2" name="Titre 1">
+            <a:extLst>
+              <a:ext uri="{FF2B5EF4-FFF2-40B4-BE49-F238E27FC236}">
+                <a16:creationId xmlns:a16="http://schemas.microsoft.com/office/drawing/2014/main" id="{5CE54ABB-4929-4810-950B-2DAEA0A5BAB4}"/>
+              </a:ext>
+            </a:extLst>
+          </p:cNvPr>
+          <p:cNvSpPr>
+            <a:spLocks noGrp="1"/>
+          </p:cNvSpPr>
+          <p:nvPr>
+            <p:ph type="title"/>
+          </p:nvPr>
+        </p:nvSpPr>
+        <p:spPr>
+          <a:xfrm>
+            <a:off x="1885156" y="892177"/>
+            <a:ext cx="8421688" cy="1325563"/>
+          </a:xfrm>
+        </p:spPr>
+        <p:txBody>
+          <a:bodyPr rtlCol="0"/>
+          <a:lstStyle/>
+          <a:p>
+            <a:pPr rtl="0"/>
+            <a:r>
+              <a:rPr lang="nl-BE" dirty="0"/>
+              <a:t>Omgeving, talen en extensies</a:t>
+            </a:r>
+            <a:endParaRPr lang="fr-FR" dirty="0"/>
+          </a:p>
+        </p:txBody>
+      </p:sp>
+      <p:sp>
+        <p:nvSpPr>
+          <p:cNvPr id="4" name="Espace réservé du texte 3">
+            <a:extLst>
+              <a:ext uri="{FF2B5EF4-FFF2-40B4-BE49-F238E27FC236}">
+                <a16:creationId xmlns:a16="http://schemas.microsoft.com/office/drawing/2014/main" id="{A112B089-A8F9-45B1-BE6E-EAC10163F082}"/>
+              </a:ext>
+            </a:extLst>
+          </p:cNvPr>
+          <p:cNvSpPr>
+            <a:spLocks noGrp="1"/>
+          </p:cNvSpPr>
+          <p:nvPr>
+            <p:ph type="body" idx="1"/>
+          </p:nvPr>
+        </p:nvSpPr>
+        <p:spPr>
+          <a:xfrm>
+            <a:off x="1243104" y="2776936"/>
+            <a:ext cx="2882475" cy="823912"/>
+          </a:xfrm>
+        </p:spPr>
+        <p:txBody>
+          <a:bodyPr rtlCol="0"/>
+          <a:lstStyle/>
+          <a:p>
+            <a:pPr rtl="0"/>
+            <a:r>
+              <a:rPr lang="fr-FR" dirty="0"/>
+              <a:t>Visual studio code</a:t>
+            </a:r>
+          </a:p>
+        </p:txBody>
+      </p:sp>
+      <p:sp>
+        <p:nvSpPr>
+          <p:cNvPr id="6" name="Espace réservé du texte 5">
+            <a:extLst>
+              <a:ext uri="{FF2B5EF4-FFF2-40B4-BE49-F238E27FC236}">
+                <a16:creationId xmlns:a16="http://schemas.microsoft.com/office/drawing/2014/main" id="{0FE22F9B-4BF8-41DC-8F1C-836B546E59AD}"/>
+              </a:ext>
+            </a:extLst>
+          </p:cNvPr>
+          <p:cNvSpPr>
+            <a:spLocks noGrp="1"/>
+          </p:cNvSpPr>
+          <p:nvPr>
+            <p:ph type="body" sz="quarter" idx="3"/>
+          </p:nvPr>
+        </p:nvSpPr>
+        <p:spPr>
+          <a:xfrm>
+            <a:off x="4647665" y="2776936"/>
+            <a:ext cx="2896671" cy="823912"/>
+          </a:xfrm>
+        </p:spPr>
+        <p:txBody>
+          <a:bodyPr rtlCol="0"/>
+          <a:lstStyle/>
+          <a:p>
+            <a:pPr rtl="0"/>
+            <a:r>
+              <a:rPr lang="fr-FR" dirty="0"/>
+              <a:t>C#, </a:t>
+            </a:r>
+            <a:r>
+              <a:rPr lang="fr-FR" dirty="0" err="1"/>
+              <a:t>react</a:t>
+            </a:r>
+            <a:r>
+              <a:rPr lang="fr-FR" dirty="0"/>
+              <a:t>, html, </a:t>
+            </a:r>
+            <a:r>
+              <a:rPr lang="fr-FR" dirty="0" err="1"/>
+              <a:t>css</a:t>
+            </a:r>
+            <a:endParaRPr lang="fr-FR" dirty="0"/>
+          </a:p>
+        </p:txBody>
+      </p:sp>
+      <p:pic>
+        <p:nvPicPr>
+          <p:cNvPr id="21" name="Tijdelijke aanduiding voor inhoud 20">
+            <a:extLst>
+              <a:ext uri="{FF2B5EF4-FFF2-40B4-BE49-F238E27FC236}">
+                <a16:creationId xmlns:a16="http://schemas.microsoft.com/office/drawing/2014/main" id="{F903969F-5C45-C2F4-66A6-05477F512072}"/>
+              </a:ext>
+            </a:extLst>
+          </p:cNvPr>
+          <p:cNvPicPr>
+            <a:picLocks noGrp="1" noChangeAspect="1"/>
+          </p:cNvPicPr>
+          <p:nvPr>
+            <p:ph sz="quarter" idx="4"/>
+          </p:nvPr>
+        </p:nvPicPr>
+        <p:blipFill>
+          <a:blip r:embed="rId5">
+            <a:extLst>
+              <a:ext uri="{96DAC541-7B7A-43D3-8B79-37D633B846F1}">
+                <asvg:svgBlip xmlns:asvg="http://schemas.microsoft.com/office/drawing/2016/SVG/main" r:embed="rId6"/>
+              </a:ext>
+            </a:extLst>
+          </a:blip>
+          <a:stretch>
+            <a:fillRect/>
+          </a:stretch>
+        </p:blipFill>
+        <p:spPr>
+          <a:xfrm>
+            <a:off x="4756167" y="3822497"/>
+            <a:ext cx="711130" cy="1003300"/>
+          </a:xfrm>
+        </p:spPr>
+      </p:pic>
+      <p:sp>
+        <p:nvSpPr>
+          <p:cNvPr id="5" name="Espace réservé du contenu 4">
+            <a:extLst>
+              <a:ext uri="{FF2B5EF4-FFF2-40B4-BE49-F238E27FC236}">
+                <a16:creationId xmlns:a16="http://schemas.microsoft.com/office/drawing/2014/main" id="{CF515C5D-2CDB-4E66-B2B8-1451BC44247F}"/>
+              </a:ext>
+            </a:extLst>
+          </p:cNvPr>
+          <p:cNvSpPr>
+            <a:spLocks noGrp="1"/>
+          </p:cNvSpPr>
+          <p:nvPr>
+            <p:ph type="body" idx="13"/>
+          </p:nvPr>
+        </p:nvSpPr>
+        <p:spPr>
+          <a:xfrm>
+            <a:off x="8066421" y="2776936"/>
+            <a:ext cx="2882475" cy="823912"/>
+          </a:xfrm>
+        </p:spPr>
+        <p:txBody>
+          <a:bodyPr vert="horz" lIns="91440" tIns="45720" rIns="91440" bIns="45720" rtlCol="0" anchor="b">
+            <a:normAutofit/>
+          </a:bodyPr>
+          <a:lstStyle/>
+          <a:p>
+            <a:pPr rtl="0"/>
+            <a:r>
+              <a:rPr lang="fr-FR" dirty="0"/>
+              <a:t>Axios, </a:t>
+            </a:r>
+            <a:r>
+              <a:rPr lang="fr-FR" dirty="0" err="1"/>
+              <a:t>material</a:t>
+            </a:r>
+            <a:r>
+              <a:rPr lang="fr-FR" dirty="0"/>
+              <a:t> </a:t>
+            </a:r>
+            <a:r>
+              <a:rPr lang="fr-FR" dirty="0" err="1"/>
+              <a:t>ui</a:t>
+            </a:r>
+            <a:r>
+              <a:rPr lang="fr-FR" dirty="0"/>
+              <a:t>, </a:t>
+            </a:r>
+            <a:r>
+              <a:rPr lang="fr-FR" dirty="0" err="1"/>
+              <a:t>swagger</a:t>
+            </a:r>
+            <a:r>
+              <a:rPr lang="fr-FR" dirty="0"/>
+              <a:t>, … </a:t>
+            </a:r>
+          </a:p>
+        </p:txBody>
+      </p:sp>
+      <p:pic>
+        <p:nvPicPr>
+          <p:cNvPr id="30" name="Tijdelijke aanduiding voor inhoud 29" descr="Afbeelding met Graphics, schermopname, Lettertype, logo&#10;&#10;Automatisch gegenereerde beschrijving">
+            <a:extLst>
+              <a:ext uri="{FF2B5EF4-FFF2-40B4-BE49-F238E27FC236}">
+                <a16:creationId xmlns:a16="http://schemas.microsoft.com/office/drawing/2014/main" id="{FE93AFF4-B700-8F7D-49AC-4F692665BAE0}"/>
+              </a:ext>
+            </a:extLst>
+          </p:cNvPr>
+          <p:cNvPicPr>
+            <a:picLocks noGrp="1" noChangeAspect="1"/>
+          </p:cNvPicPr>
+          <p:nvPr>
+            <p:ph sz="half" idx="14"/>
+          </p:nvPr>
+        </p:nvPicPr>
+        <p:blipFill>
+          <a:blip r:embed="rId7"/>
+          <a:stretch>
+            <a:fillRect/>
+          </a:stretch>
+        </p:blipFill>
+        <p:spPr>
+          <a:xfrm>
+            <a:off x="8404952" y="3786870"/>
+            <a:ext cx="2396736" cy="1074551"/>
+          </a:xfrm>
+        </p:spPr>
+      </p:pic>
+      <p:sp>
+        <p:nvSpPr>
+          <p:cNvPr id="9" name="Espace réservé de la date 8">
+            <a:extLst>
+              <a:ext uri="{FF2B5EF4-FFF2-40B4-BE49-F238E27FC236}">
+                <a16:creationId xmlns:a16="http://schemas.microsoft.com/office/drawing/2014/main" id="{7B78F7A0-88C5-4940-B21C-099F472F39F9}"/>
+              </a:ext>
+            </a:extLst>
+          </p:cNvPr>
+          <p:cNvSpPr>
+            <a:spLocks noGrp="1"/>
+          </p:cNvSpPr>
+          <p:nvPr>
+            <p:ph type="dt" sz="half" idx="10"/>
+          </p:nvPr>
+        </p:nvSpPr>
+        <p:spPr>
+          <a:xfrm>
+            <a:off x="838200" y="6356350"/>
+            <a:ext cx="2743200" cy="365125"/>
+          </a:xfrm>
+        </p:spPr>
+        <p:txBody>
+          <a:bodyPr rtlCol="0"/>
+          <a:lstStyle/>
+          <a:p>
+            <a:pPr rtl="0"/>
+            <a:r>
+              <a:rPr lang="fr-FR" dirty="0"/>
+              <a:t>2023</a:t>
+            </a:r>
+          </a:p>
+        </p:txBody>
+      </p:sp>
+      <p:sp>
+        <p:nvSpPr>
+          <p:cNvPr id="10" name="Espace réservé du pied de page 9">
+            <a:extLst>
+              <a:ext uri="{FF2B5EF4-FFF2-40B4-BE49-F238E27FC236}">
+                <a16:creationId xmlns:a16="http://schemas.microsoft.com/office/drawing/2014/main" id="{D2186069-FC8E-433D-9BB4-942220CE8CFB}"/>
+              </a:ext>
+            </a:extLst>
+          </p:cNvPr>
+          <p:cNvSpPr>
+            <a:spLocks noGrp="1"/>
+          </p:cNvSpPr>
+          <p:nvPr>
+            <p:ph type="ftr" sz="quarter" idx="11"/>
+          </p:nvPr>
+        </p:nvSpPr>
+        <p:spPr>
+          <a:xfrm>
+            <a:off x="4038600" y="6356350"/>
+            <a:ext cx="4114800" cy="365125"/>
+          </a:xfrm>
+        </p:spPr>
+        <p:txBody>
+          <a:bodyPr rtlCol="0"/>
+          <a:lstStyle/>
+          <a:p>
+            <a:pPr rtl="0"/>
+            <a:r>
+              <a:rPr lang="fr-FR" noProof="0" dirty="0" err="1"/>
+              <a:t>Fleetmanager</a:t>
+            </a:r>
+            <a:r>
+              <a:rPr lang="fr-FR" noProof="0" dirty="0"/>
+              <a:t> </a:t>
+            </a:r>
+            <a:r>
+              <a:rPr lang="fr-FR" noProof="0" dirty="0" err="1"/>
+              <a:t>Allphi</a:t>
+            </a:r>
+            <a:endParaRPr lang="fr-FR" noProof="0" dirty="0"/>
+          </a:p>
+        </p:txBody>
+      </p:sp>
+      <p:sp>
+        <p:nvSpPr>
+          <p:cNvPr id="11" name="Espace réservé du numéro de diapositive 10">
+            <a:extLst>
+              <a:ext uri="{FF2B5EF4-FFF2-40B4-BE49-F238E27FC236}">
+                <a16:creationId xmlns:a16="http://schemas.microsoft.com/office/drawing/2014/main" id="{BAD5B6F4-0A90-447A-A1AE-D75C934B6B29}"/>
+              </a:ext>
+            </a:extLst>
+          </p:cNvPr>
+          <p:cNvSpPr>
+            <a:spLocks noGrp="1"/>
+          </p:cNvSpPr>
+          <p:nvPr>
+            <p:ph type="sldNum" sz="quarter" idx="12"/>
+          </p:nvPr>
+        </p:nvSpPr>
+        <p:spPr>
+          <a:xfrm>
+            <a:off x="8610600" y="6356350"/>
+            <a:ext cx="2743200" cy="365125"/>
+          </a:xfrm>
+        </p:spPr>
+        <p:txBody>
+          <a:bodyPr rtlCol="0"/>
+          <a:lstStyle/>
+          <a:p>
+            <a:pPr rtl="0"/>
+            <a:fld id="{B5CEABB6-07DC-46E8-9B57-56EC44A396E5}" type="slidenum">
+              <a:rPr lang="fr-FR" smtClean="0"/>
+              <a:pPr rtl="0"/>
+              <a:t>4</a:t>
+            </a:fld>
+            <a:endParaRPr lang="fr-FR" dirty="0"/>
+          </a:p>
+        </p:txBody>
+      </p:sp>
+      <p:pic>
+        <p:nvPicPr>
+          <p:cNvPr id="1026" name="Picture 2" descr="Visual Studio Code - Wikipedia">
+            <a:extLst>
+              <a:ext uri="{FF2B5EF4-FFF2-40B4-BE49-F238E27FC236}">
+                <a16:creationId xmlns:a16="http://schemas.microsoft.com/office/drawing/2014/main" id="{9961A1BF-8DD4-0D4B-CCA3-E39B71EB05E0}"/>
+              </a:ext>
+            </a:extLst>
+          </p:cNvPr>
+          <p:cNvPicPr>
+            <a:picLocks noGrp="1" noChangeAspect="1" noChangeArrowheads="1"/>
+          </p:cNvPicPr>
+          <p:nvPr>
+            <p:ph sz="half" idx="2"/>
+          </p:nvPr>
+        </p:nvPicPr>
+        <p:blipFill>
+          <a:blip r:embed="rId8">
+            <a:extLst>
+              <a:ext uri="{28A0092B-C50C-407E-A947-70E740481C1C}">
+                <a14:useLocalDpi xmlns:a14="http://schemas.microsoft.com/office/drawing/2010/main" val="0"/>
+              </a:ext>
+            </a:extLst>
+          </a:blip>
+          <a:srcRect/>
+          <a:stretch>
+            <a:fillRect/>
+          </a:stretch>
+        </p:blipFill>
+        <p:spPr bwMode="auto">
+          <a:xfrm>
+            <a:off x="1514421" y="3965229"/>
+            <a:ext cx="1763682" cy="1763682"/>
+          </a:xfrm>
+          <a:prstGeom prst="rect">
+            <a:avLst/>
+          </a:prstGeom>
+          <a:noFill/>
+          <a:extLst>
+            <a:ext uri="{909E8E84-426E-40DD-AFC4-6F175D3DCCD1}">
+              <a14:hiddenFill xmlns:a14="http://schemas.microsoft.com/office/drawing/2010/main">
+                <a:solidFill>
+                  <a:srgbClr val="FFFFFF"/>
+                </a:solidFill>
+              </a14:hiddenFill>
+            </a:ext>
+          </a:extLst>
+        </p:spPr>
+      </p:pic>
+      <p:pic>
+        <p:nvPicPr>
+          <p:cNvPr id="24" name="Afbeelding 23" descr="Afbeelding met logo, Graphics, ontwerp, Lettertype&#10;&#10;Automatisch gegenereerde beschrijving">
+            <a:extLst>
+              <a:ext uri="{FF2B5EF4-FFF2-40B4-BE49-F238E27FC236}">
+                <a16:creationId xmlns:a16="http://schemas.microsoft.com/office/drawing/2014/main" id="{3237ACC7-BAAC-5D32-6749-19E18285EA66}"/>
+              </a:ext>
+            </a:extLst>
+          </p:cNvPr>
+          <p:cNvPicPr>
+            <a:picLocks noChangeAspect="1"/>
+          </p:cNvPicPr>
+          <p:nvPr/>
+        </p:nvPicPr>
+        <p:blipFill>
+          <a:blip r:embed="rId9"/>
+          <a:stretch>
+            <a:fillRect/>
+          </a:stretch>
+        </p:blipFill>
+        <p:spPr>
+          <a:xfrm>
+            <a:off x="5786633" y="3817444"/>
+            <a:ext cx="1013405" cy="1013405"/>
+          </a:xfrm>
+          <a:prstGeom prst="rect">
+            <a:avLst/>
+          </a:prstGeom>
+        </p:spPr>
+      </p:pic>
+      <p:pic>
+        <p:nvPicPr>
+          <p:cNvPr id="26" name="Afbeelding 25">
+            <a:extLst>
+              <a:ext uri="{FF2B5EF4-FFF2-40B4-BE49-F238E27FC236}">
+                <a16:creationId xmlns:a16="http://schemas.microsoft.com/office/drawing/2014/main" id="{AEB00C2D-A0D3-5D59-F939-2560B5FEA494}"/>
+              </a:ext>
+            </a:extLst>
+          </p:cNvPr>
+          <p:cNvPicPr>
+            <a:picLocks noChangeAspect="1"/>
+          </p:cNvPicPr>
+          <p:nvPr/>
+        </p:nvPicPr>
+        <p:blipFill>
+          <a:blip r:embed="rId10"/>
+          <a:srcRect/>
+          <a:stretch/>
+        </p:blipFill>
+        <p:spPr>
+          <a:xfrm>
+            <a:off x="4647665" y="5092476"/>
+            <a:ext cx="928007" cy="839846"/>
+          </a:xfrm>
+          <a:prstGeom prst="rect">
+            <a:avLst/>
+          </a:prstGeom>
+        </p:spPr>
+      </p:pic>
+      <p:pic>
+        <p:nvPicPr>
+          <p:cNvPr id="32" name="Afbeelding 31" descr="Afbeelding met logo, Graphics, symbool, Lettertype&#10;&#10;Automatisch gegenereerde beschrijving">
+            <a:extLst>
+              <a:ext uri="{FF2B5EF4-FFF2-40B4-BE49-F238E27FC236}">
+                <a16:creationId xmlns:a16="http://schemas.microsoft.com/office/drawing/2014/main" id="{94B8842D-277E-08C6-19F6-7F360568178E}"/>
+              </a:ext>
+            </a:extLst>
+          </p:cNvPr>
+          <p:cNvPicPr>
+            <a:picLocks noChangeAspect="1"/>
+          </p:cNvPicPr>
+          <p:nvPr/>
+        </p:nvPicPr>
+        <p:blipFill>
+          <a:blip r:embed="rId11"/>
+          <a:stretch>
+            <a:fillRect/>
+          </a:stretch>
+        </p:blipFill>
+        <p:spPr>
+          <a:xfrm>
+            <a:off x="7939004" y="4764073"/>
+            <a:ext cx="1601184" cy="1601184"/>
+          </a:xfrm>
+          <a:prstGeom prst="rect">
+            <a:avLst/>
+          </a:prstGeom>
+        </p:spPr>
+      </p:pic>
+      <p:pic>
+        <p:nvPicPr>
+          <p:cNvPr id="34" name="Afbeelding 33" descr="Afbeelding met tekenfilm, clipart, Graphics, cirkel&#10;&#10;Automatisch gegenereerde beschrijving">
+            <a:extLst>
+              <a:ext uri="{FF2B5EF4-FFF2-40B4-BE49-F238E27FC236}">
+                <a16:creationId xmlns:a16="http://schemas.microsoft.com/office/drawing/2014/main" id="{849B7704-42F5-F6D3-FE54-78D7D767FB1C}"/>
+              </a:ext>
+            </a:extLst>
+          </p:cNvPr>
+          <p:cNvPicPr>
+            <a:picLocks noChangeAspect="1"/>
+          </p:cNvPicPr>
+          <p:nvPr/>
+        </p:nvPicPr>
+        <p:blipFill>
+          <a:blip r:embed="rId12"/>
+          <a:stretch>
+            <a:fillRect/>
+          </a:stretch>
+        </p:blipFill>
+        <p:spPr>
+          <a:xfrm>
+            <a:off x="9906208" y="4847070"/>
+            <a:ext cx="1361428" cy="1361428"/>
+          </a:xfrm>
+          <a:prstGeom prst="rect">
+            <a:avLst/>
+          </a:prstGeom>
+        </p:spPr>
+      </p:pic>
+    </p:spTree>
+    <p:extLst>
+      <p:ext uri="{BB962C8B-B14F-4D97-AF65-F5344CB8AC3E}">
+        <p14:creationId xmlns:p14="http://schemas.microsoft.com/office/powerpoint/2010/main" val="2121178069"/>
+      </p:ext>
+    </p:extLst>
+  </p:cSld>
+  <p:clrMapOvr>
+    <a:masterClrMapping/>
+  </p:clrMapOvr>
+</p:sld>
+</file>
+
+<file path=ppt/slides/slide5.xml><?xml version="1.0" encoding="utf-8"?>
+<p:sld xmlns:a="http://schemas.openxmlformats.org/drawingml/2006/main" xmlns:r="http://schemas.openxmlformats.org/officeDocument/2006/relationships" xmlns:p="http://schemas.openxmlformats.org/presentationml/2006/main">
+  <p:cSld>
+    <p:spTree>
+      <p:nvGrpSpPr>
+        <p:cNvPr id="1" name=""/>
+        <p:cNvGrpSpPr/>
+        <p:nvPr/>
+      </p:nvGrpSpPr>
+      <p:grpSpPr>
+        <a:xfrm>
+          <a:off x="0" y="0"/>
+          <a:ext cx="0" cy="0"/>
+          <a:chOff x="0" y="0"/>
+          <a:chExt cx="0" cy="0"/>
+        </a:xfrm>
+      </p:grpSpPr>
+      <p:sp>
+        <p:nvSpPr>
+          <p:cNvPr id="2" name="Titre 1">
+            <a:extLst>
+              <a:ext uri="{FF2B5EF4-FFF2-40B4-BE49-F238E27FC236}">
+                <a16:creationId xmlns:a16="http://schemas.microsoft.com/office/drawing/2014/main" id="{75031FE9-9059-4FE8-B4AC-9771F23A1B89}"/>
+              </a:ext>
+            </a:extLst>
+          </p:cNvPr>
+          <p:cNvSpPr>
+            <a:spLocks noGrp="1"/>
+          </p:cNvSpPr>
+          <p:nvPr>
+            <p:ph type="title"/>
+          </p:nvPr>
+        </p:nvSpPr>
+        <p:spPr>
+          <a:xfrm>
+            <a:off x="1508760" y="4156405"/>
+            <a:ext cx="3139440" cy="1325563"/>
+          </a:xfrm>
+        </p:spPr>
+        <p:txBody>
+          <a:bodyPr rtlCol="0"/>
+          <a:lstStyle/>
+          <a:p>
+            <a:pPr rtl="0"/>
+            <a:r>
+              <a:rPr lang="fr-FR" dirty="0" err="1"/>
+              <a:t>Moeilijkheden</a:t>
+            </a:r>
+            <a:endParaRPr lang="fr-FR" dirty="0"/>
+          </a:p>
+        </p:txBody>
+      </p:sp>
+      <p:sp>
+        <p:nvSpPr>
+          <p:cNvPr id="3" name="Espace réservé du contenu 2">
+            <a:extLst>
+              <a:ext uri="{FF2B5EF4-FFF2-40B4-BE49-F238E27FC236}">
+                <a16:creationId xmlns:a16="http://schemas.microsoft.com/office/drawing/2014/main" id="{D4A2EB3F-4D60-451F-8F45-7D6654D2FCD9}"/>
+              </a:ext>
+            </a:extLst>
+          </p:cNvPr>
+          <p:cNvSpPr>
+            <a:spLocks noGrp="1"/>
+          </p:cNvSpPr>
+          <p:nvPr>
+            <p:ph type="body" sz="quarter" idx="13"/>
+          </p:nvPr>
+        </p:nvSpPr>
+        <p:spPr>
+          <a:xfrm>
+            <a:off x="5919680" y="1650708"/>
+            <a:ext cx="5433204" cy="365125"/>
+          </a:xfrm>
+        </p:spPr>
+        <p:txBody>
+          <a:bodyPr vert="horz" lIns="91440" tIns="45720" rIns="91440" bIns="45720" rtlCol="0" anchor="t">
+            <a:normAutofit lnSpcReduction="10000"/>
+          </a:bodyPr>
+          <a:lstStyle/>
+          <a:p>
+            <a:pPr rtl="0"/>
+            <a:r>
+              <a:rPr lang="fr-FR" dirty="0" err="1"/>
+              <a:t>Connectie</a:t>
+            </a:r>
+            <a:r>
+              <a:rPr lang="fr-FR" dirty="0"/>
+              <a:t> </a:t>
+            </a:r>
+            <a:r>
+              <a:rPr lang="fr-FR" dirty="0" err="1"/>
+              <a:t>front-end</a:t>
+            </a:r>
+            <a:r>
+              <a:rPr lang="fr-FR" dirty="0"/>
+              <a:t> met </a:t>
+            </a:r>
+            <a:r>
+              <a:rPr lang="fr-FR" dirty="0" err="1"/>
+              <a:t>back-end</a:t>
+            </a:r>
+            <a:endParaRPr lang="fr-FR" dirty="0"/>
+          </a:p>
+        </p:txBody>
+      </p:sp>
+      <p:sp>
+        <p:nvSpPr>
+          <p:cNvPr id="4" name="Espace réservé du texte 3">
+            <a:extLst>
+              <a:ext uri="{FF2B5EF4-FFF2-40B4-BE49-F238E27FC236}">
+                <a16:creationId xmlns:a16="http://schemas.microsoft.com/office/drawing/2014/main" id="{AC1C80FB-53F9-42EE-B1E6-D0F998EC5DFA}"/>
+              </a:ext>
+            </a:extLst>
+          </p:cNvPr>
+          <p:cNvSpPr>
+            <a:spLocks noGrp="1"/>
+          </p:cNvSpPr>
+          <p:nvPr>
+            <p:ph type="body" sz="quarter" idx="15"/>
+          </p:nvPr>
+        </p:nvSpPr>
+        <p:spPr>
+          <a:xfrm>
+            <a:off x="5919254" y="1980133"/>
+            <a:ext cx="5431971" cy="557950"/>
+          </a:xfrm>
+        </p:spPr>
+        <p:txBody>
+          <a:bodyPr rtlCol="0">
+            <a:normAutofit/>
+          </a:bodyPr>
+          <a:lstStyle/>
+          <a:p>
+            <a:pPr rtl="0"/>
+            <a:r>
+              <a:rPr lang="fr-FR" dirty="0"/>
+              <a:t>Post </a:t>
+            </a:r>
+            <a:r>
+              <a:rPr lang="fr-FR" dirty="0" err="1"/>
+              <a:t>creëren</a:t>
+            </a:r>
+            <a:r>
+              <a:rPr lang="fr-FR" dirty="0"/>
+              <a:t>, Patch </a:t>
+            </a:r>
+            <a:r>
+              <a:rPr lang="fr-FR" dirty="0" err="1"/>
+              <a:t>creëren</a:t>
+            </a:r>
+            <a:endParaRPr lang="fr-FR" dirty="0"/>
+          </a:p>
+        </p:txBody>
+      </p:sp>
+      <p:sp>
+        <p:nvSpPr>
+          <p:cNvPr id="5" name="Espace réservé du texte 4">
+            <a:extLst>
+              <a:ext uri="{FF2B5EF4-FFF2-40B4-BE49-F238E27FC236}">
+                <a16:creationId xmlns:a16="http://schemas.microsoft.com/office/drawing/2014/main" id="{E81BA2B5-6A90-4204-ABDD-7183FBB03A02}"/>
+              </a:ext>
+            </a:extLst>
+          </p:cNvPr>
+          <p:cNvSpPr>
+            <a:spLocks noGrp="1"/>
+          </p:cNvSpPr>
+          <p:nvPr>
+            <p:ph type="body" sz="quarter" idx="23"/>
+          </p:nvPr>
+        </p:nvSpPr>
+        <p:spPr>
+          <a:xfrm>
+            <a:off x="5919680" y="2750504"/>
+            <a:ext cx="5433204" cy="365125"/>
+          </a:xfrm>
+        </p:spPr>
+        <p:txBody>
+          <a:bodyPr rtlCol="0">
+            <a:normAutofit lnSpcReduction="10000"/>
+          </a:bodyPr>
+          <a:lstStyle/>
+          <a:p>
+            <a:pPr rtl="0"/>
+            <a:r>
+              <a:rPr lang="fr-FR" dirty="0" err="1"/>
+              <a:t>Stijlen</a:t>
+            </a:r>
+            <a:r>
+              <a:rPr lang="fr-FR" dirty="0"/>
+              <a:t> van de </a:t>
+            </a:r>
+            <a:r>
+              <a:rPr lang="fr-FR" dirty="0" err="1"/>
+              <a:t>pagina’s</a:t>
+            </a:r>
+            <a:endParaRPr lang="fr-FR" dirty="0"/>
+          </a:p>
+        </p:txBody>
+      </p:sp>
+      <p:sp>
+        <p:nvSpPr>
+          <p:cNvPr id="6" name="Espace réservé du texte 5">
+            <a:extLst>
+              <a:ext uri="{FF2B5EF4-FFF2-40B4-BE49-F238E27FC236}">
+                <a16:creationId xmlns:a16="http://schemas.microsoft.com/office/drawing/2014/main" id="{7E7D4C34-22A0-4D54-A07D-E1E9A11463E5}"/>
+              </a:ext>
+            </a:extLst>
+          </p:cNvPr>
+          <p:cNvSpPr>
+            <a:spLocks noGrp="1"/>
+          </p:cNvSpPr>
+          <p:nvPr>
+            <p:ph type="body" sz="quarter" idx="24"/>
+          </p:nvPr>
+        </p:nvSpPr>
+        <p:spPr>
+          <a:xfrm>
+            <a:off x="5919254" y="3079929"/>
+            <a:ext cx="5431971" cy="557950"/>
+          </a:xfrm>
+        </p:spPr>
+        <p:txBody>
+          <a:bodyPr rtlCol="0"/>
+          <a:lstStyle/>
+          <a:p>
+            <a:pPr rtl="0"/>
+            <a:r>
+              <a:rPr lang="fr-FR" dirty="0" err="1"/>
+              <a:t>Juiste</a:t>
+            </a:r>
+            <a:r>
+              <a:rPr lang="fr-FR" dirty="0"/>
+              <a:t> </a:t>
+            </a:r>
+            <a:r>
+              <a:rPr lang="fr-FR" dirty="0" err="1"/>
+              <a:t>plek</a:t>
+            </a:r>
+            <a:r>
+              <a:rPr lang="fr-FR" dirty="0"/>
+              <a:t>, </a:t>
+            </a:r>
+            <a:r>
+              <a:rPr lang="fr-FR" dirty="0" err="1"/>
+              <a:t>scrolbar</a:t>
+            </a:r>
+            <a:r>
+              <a:rPr lang="fr-FR" dirty="0"/>
+              <a:t>, …</a:t>
+            </a:r>
+          </a:p>
+        </p:txBody>
+      </p:sp>
+      <p:sp>
+        <p:nvSpPr>
+          <p:cNvPr id="7" name="Espace réservé du texte 6">
+            <a:extLst>
+              <a:ext uri="{FF2B5EF4-FFF2-40B4-BE49-F238E27FC236}">
+                <a16:creationId xmlns:a16="http://schemas.microsoft.com/office/drawing/2014/main" id="{301D392D-FB66-47A0-B628-5ADE822A2CFF}"/>
+              </a:ext>
+            </a:extLst>
+          </p:cNvPr>
+          <p:cNvSpPr>
+            <a:spLocks noGrp="1"/>
+          </p:cNvSpPr>
+          <p:nvPr>
+            <p:ph type="body" sz="quarter" idx="25"/>
+          </p:nvPr>
+        </p:nvSpPr>
+        <p:spPr>
+          <a:xfrm>
+            <a:off x="5919680" y="3850300"/>
+            <a:ext cx="5433204" cy="365125"/>
+          </a:xfrm>
+        </p:spPr>
+        <p:txBody>
+          <a:bodyPr rtlCol="0">
+            <a:normAutofit lnSpcReduction="10000"/>
+          </a:bodyPr>
+          <a:lstStyle/>
+          <a:p>
+            <a:pPr rtl="0"/>
+            <a:r>
+              <a:rPr lang="fr-FR" dirty="0"/>
+              <a:t>… </a:t>
+            </a:r>
+          </a:p>
+        </p:txBody>
+      </p:sp>
+      <p:sp>
+        <p:nvSpPr>
+          <p:cNvPr id="8" name="Espace réservé du texte 7">
+            <a:extLst>
+              <a:ext uri="{FF2B5EF4-FFF2-40B4-BE49-F238E27FC236}">
+                <a16:creationId xmlns:a16="http://schemas.microsoft.com/office/drawing/2014/main" id="{51C26CE0-2506-4B44-A26F-C12BFA5B18B5}"/>
+              </a:ext>
+            </a:extLst>
+          </p:cNvPr>
+          <p:cNvSpPr>
+            <a:spLocks noGrp="1"/>
+          </p:cNvSpPr>
+          <p:nvPr>
+            <p:ph type="body" sz="quarter" idx="26"/>
+          </p:nvPr>
+        </p:nvSpPr>
+        <p:spPr>
+          <a:xfrm>
+            <a:off x="5919254" y="4179725"/>
+            <a:ext cx="5431971" cy="557950"/>
+          </a:xfrm>
+        </p:spPr>
+        <p:txBody>
+          <a:bodyPr rtlCol="0"/>
+          <a:lstStyle/>
+          <a:p>
+            <a:pPr rtl="0"/>
+            <a:r>
+              <a:rPr lang="fr-FR" dirty="0"/>
+              <a:t>…</a:t>
+            </a:r>
+          </a:p>
+        </p:txBody>
+      </p:sp>
+      <p:sp>
+        <p:nvSpPr>
+          <p:cNvPr id="20" name="Espace réservé de la date 19">
+            <a:extLst>
+              <a:ext uri="{FF2B5EF4-FFF2-40B4-BE49-F238E27FC236}">
+                <a16:creationId xmlns:a16="http://schemas.microsoft.com/office/drawing/2014/main" id="{A74D661B-510C-4CF2-BF77-3EAFB649883D}"/>
+              </a:ext>
+            </a:extLst>
+          </p:cNvPr>
+          <p:cNvSpPr>
+            <a:spLocks noGrp="1"/>
+          </p:cNvSpPr>
+          <p:nvPr>
+            <p:ph type="dt" sz="half" idx="20"/>
+          </p:nvPr>
+        </p:nvSpPr>
+        <p:spPr>
+          <a:xfrm>
+            <a:off x="5919680" y="6356350"/>
+            <a:ext cx="947516" cy="365125"/>
+          </a:xfrm>
+        </p:spPr>
+        <p:txBody>
+          <a:bodyPr rtlCol="0"/>
+          <a:lstStyle/>
+          <a:p>
+            <a:pPr rtl="0"/>
+            <a:r>
+              <a:rPr lang="fr-FR" dirty="0"/>
+              <a:t>2023</a:t>
+            </a:r>
+          </a:p>
+        </p:txBody>
+      </p:sp>
+      <p:sp>
+        <p:nvSpPr>
+          <p:cNvPr id="21" name="Espace réservé du pied de page 20">
+            <a:extLst>
+              <a:ext uri="{FF2B5EF4-FFF2-40B4-BE49-F238E27FC236}">
+                <a16:creationId xmlns:a16="http://schemas.microsoft.com/office/drawing/2014/main" id="{7E44CAC0-3B5A-49F6-A2CB-0BC80D111A87}"/>
+              </a:ext>
+            </a:extLst>
+          </p:cNvPr>
+          <p:cNvSpPr>
+            <a:spLocks noGrp="1"/>
+          </p:cNvSpPr>
+          <p:nvPr>
+            <p:ph type="ftr" sz="quarter" idx="21"/>
+          </p:nvPr>
+        </p:nvSpPr>
+        <p:spPr>
+          <a:xfrm>
+            <a:off x="7161955" y="6356350"/>
+            <a:ext cx="3243942" cy="365125"/>
+          </a:xfrm>
+        </p:spPr>
+        <p:txBody>
+          <a:bodyPr rtlCol="0"/>
+          <a:lstStyle/>
+          <a:p>
+            <a:pPr rtl="0"/>
+            <a:r>
+              <a:rPr lang="fr-FR" noProof="0" dirty="0" err="1"/>
+              <a:t>Fleetmanager</a:t>
+            </a:r>
+            <a:r>
+              <a:rPr lang="fr-FR" noProof="0" dirty="0"/>
+              <a:t> </a:t>
+            </a:r>
+            <a:r>
+              <a:rPr lang="fr-FR" noProof="0" dirty="0" err="1"/>
+              <a:t>Allphi</a:t>
+            </a:r>
+            <a:endParaRPr lang="fr-FR" noProof="0" dirty="0"/>
+          </a:p>
+        </p:txBody>
+      </p:sp>
+      <p:sp>
+        <p:nvSpPr>
+          <p:cNvPr id="22" name="Espace réservé du numéro de diapositive 21">
+            <a:extLst>
+              <a:ext uri="{FF2B5EF4-FFF2-40B4-BE49-F238E27FC236}">
+                <a16:creationId xmlns:a16="http://schemas.microsoft.com/office/drawing/2014/main" id="{5D1BD041-3428-4D62-934F-F3FF6D36F90F}"/>
+              </a:ext>
+            </a:extLst>
+          </p:cNvPr>
+          <p:cNvSpPr>
+            <a:spLocks noGrp="1"/>
+          </p:cNvSpPr>
+          <p:nvPr>
+            <p:ph type="sldNum" sz="quarter" idx="22"/>
+          </p:nvPr>
+        </p:nvSpPr>
+        <p:spPr>
+          <a:xfrm>
+            <a:off x="10700656" y="6356350"/>
+            <a:ext cx="653143" cy="365125"/>
+          </a:xfrm>
+        </p:spPr>
+        <p:txBody>
+          <a:bodyPr rtlCol="0"/>
+          <a:lstStyle/>
+          <a:p>
+            <a:pPr rtl="0"/>
+            <a:fld id="{B5CEABB6-07DC-46E8-9B57-56EC44A396E5}" type="slidenum">
+              <a:rPr lang="fr-FR" smtClean="0"/>
+              <a:pPr rtl="0"/>
+              <a:t>5</a:t>
+            </a:fld>
+            <a:endParaRPr lang="fr-FR"/>
+          </a:p>
+        </p:txBody>
+      </p:sp>
+    </p:spTree>
+    <p:extLst>
+      <p:ext uri="{BB962C8B-B14F-4D97-AF65-F5344CB8AC3E}">
+        <p14:creationId xmlns:p14="http://schemas.microsoft.com/office/powerpoint/2010/main" val="1844941827"/>
+      </p:ext>
+    </p:extLst>
+  </p:cSld>
+  <p:clrMapOvr>
+    <a:masterClrMapping/>
+  </p:clrMapOvr>
+</p:sld>
+</file>
+
+<file path=ppt/slides/slide6.xml><?xml version="1.0" encoding="utf-8"?>
+<p:sld xmlns:a="http://schemas.openxmlformats.org/drawingml/2006/main" xmlns:r="http://schemas.openxmlformats.org/officeDocument/2006/relationships" xmlns:p="http://schemas.openxmlformats.org/presentationml/2006/main">
+  <p:cSld>
+    <p:spTree>
+      <p:nvGrpSpPr>
+        <p:cNvPr id="1" name=""/>
+        <p:cNvGrpSpPr/>
+        <p:nvPr/>
+      </p:nvGrpSpPr>
+      <p:grpSpPr>
+        <a:xfrm>
+          <a:off x="0" y="0"/>
+          <a:ext cx="0" cy="0"/>
+          <a:chOff x="0" y="0"/>
+          <a:chExt cx="0" cy="0"/>
+        </a:xfrm>
+      </p:grpSpPr>
+      <p:pic>
+        <p:nvPicPr>
+          <p:cNvPr id="28" name="Afbeelding 27">
+            <a:extLst>
+              <a:ext uri="{FF2B5EF4-FFF2-40B4-BE49-F238E27FC236}">
+                <a16:creationId xmlns:a16="http://schemas.microsoft.com/office/drawing/2014/main" id="{2487D7EF-2234-73EA-7432-979E8BB95317}"/>
+              </a:ext>
+            </a:extLst>
+          </p:cNvPr>
+          <p:cNvPicPr>
+            <a:picLocks noChangeAspect="1"/>
+          </p:cNvPicPr>
+          <p:nvPr/>
+        </p:nvPicPr>
+        <p:blipFill>
+          <a:blip r:embed="rId3"/>
+          <a:stretch>
+            <a:fillRect/>
+          </a:stretch>
+        </p:blipFill>
+        <p:spPr>
+          <a:xfrm>
+            <a:off x="6944897" y="1714400"/>
+            <a:ext cx="2528993" cy="2420418"/>
+          </a:xfrm>
+          <a:prstGeom prst="rect">
+            <a:avLst/>
+          </a:prstGeom>
+          <a:ln w="28575">
+            <a:solidFill>
+              <a:schemeClr val="tx1"/>
+            </a:solidFill>
+          </a:ln>
+        </p:spPr>
+      </p:pic>
+      <p:sp>
+        <p:nvSpPr>
+          <p:cNvPr id="2" name="Titre 1">
+            <a:extLst>
+              <a:ext uri="{FF2B5EF4-FFF2-40B4-BE49-F238E27FC236}">
+                <a16:creationId xmlns:a16="http://schemas.microsoft.com/office/drawing/2014/main" id="{8A4E0A63-A388-49B1-A04E-27CE9BD622EF}"/>
+              </a:ext>
+            </a:extLst>
+          </p:cNvPr>
+          <p:cNvSpPr>
+            <a:spLocks noGrp="1"/>
+          </p:cNvSpPr>
+          <p:nvPr>
+            <p:ph type="title"/>
+          </p:nvPr>
+        </p:nvSpPr>
+        <p:spPr>
+          <a:xfrm>
+            <a:off x="5921828" y="868099"/>
+            <a:ext cx="5431971" cy="846301"/>
+          </a:xfrm>
+        </p:spPr>
+        <p:txBody>
+          <a:bodyPr rtlCol="0"/>
+          <a:lstStyle/>
+          <a:p>
+            <a:pPr rtl="0"/>
+            <a:r>
+              <a:rPr lang="fr-FR" dirty="0" err="1"/>
+              <a:t>Front-end</a:t>
+            </a:r>
+            <a:endParaRPr lang="fr-FR" dirty="0"/>
+          </a:p>
+        </p:txBody>
+      </p:sp>
+      <p:sp>
+        <p:nvSpPr>
+          <p:cNvPr id="32" name="Espace réservé de la date 31">
+            <a:extLst>
+              <a:ext uri="{FF2B5EF4-FFF2-40B4-BE49-F238E27FC236}">
+                <a16:creationId xmlns:a16="http://schemas.microsoft.com/office/drawing/2014/main" id="{D5DB19F8-B538-4965-BA90-ED372B99F5DC}"/>
+              </a:ext>
+            </a:extLst>
+          </p:cNvPr>
+          <p:cNvSpPr>
+            <a:spLocks noGrp="1"/>
+          </p:cNvSpPr>
+          <p:nvPr>
+            <p:ph type="dt" sz="half" idx="20"/>
+          </p:nvPr>
+        </p:nvSpPr>
+        <p:spPr>
+          <a:xfrm>
+            <a:off x="5919680" y="6356350"/>
+            <a:ext cx="947516" cy="365125"/>
+          </a:xfrm>
+        </p:spPr>
+        <p:txBody>
+          <a:bodyPr rtlCol="0"/>
+          <a:lstStyle/>
+          <a:p>
+            <a:pPr rtl="0"/>
+            <a:r>
+              <a:rPr lang="fr-FR" dirty="0"/>
+              <a:t>2023</a:t>
+            </a:r>
+          </a:p>
+        </p:txBody>
+      </p:sp>
+      <p:sp>
+        <p:nvSpPr>
+          <p:cNvPr id="3" name="Espace réservé du pied de page 2">
+            <a:extLst>
+              <a:ext uri="{FF2B5EF4-FFF2-40B4-BE49-F238E27FC236}">
+                <a16:creationId xmlns:a16="http://schemas.microsoft.com/office/drawing/2014/main" id="{005C44B1-BA82-483C-BD91-F89067442F9E}"/>
+              </a:ext>
+            </a:extLst>
+          </p:cNvPr>
+          <p:cNvSpPr>
+            <a:spLocks noGrp="1"/>
+          </p:cNvSpPr>
+          <p:nvPr>
+            <p:ph type="ftr" sz="quarter" idx="21"/>
+          </p:nvPr>
+        </p:nvSpPr>
+        <p:spPr>
+          <a:xfrm>
+            <a:off x="7161955" y="6356350"/>
+            <a:ext cx="3243942" cy="365125"/>
+          </a:xfrm>
+        </p:spPr>
+        <p:txBody>
+          <a:bodyPr rtlCol="0"/>
+          <a:lstStyle/>
+          <a:p>
+            <a:pPr rtl="0"/>
+            <a:r>
+              <a:rPr lang="fr-FR" noProof="0" dirty="0" err="1"/>
+              <a:t>Fleetmanager</a:t>
+            </a:r>
+            <a:r>
+              <a:rPr lang="fr-FR" noProof="0" dirty="0"/>
+              <a:t> </a:t>
+            </a:r>
+            <a:r>
+              <a:rPr lang="fr-FR" noProof="0" dirty="0" err="1"/>
+              <a:t>Allphi</a:t>
+            </a:r>
+            <a:endParaRPr lang="fr-FR" noProof="0" dirty="0"/>
+          </a:p>
+        </p:txBody>
+      </p:sp>
+      <p:sp>
+        <p:nvSpPr>
+          <p:cNvPr id="4" name="Espace réservé du numéro de diapositive 3">
+            <a:extLst>
+              <a:ext uri="{FF2B5EF4-FFF2-40B4-BE49-F238E27FC236}">
+                <a16:creationId xmlns:a16="http://schemas.microsoft.com/office/drawing/2014/main" id="{79ED4A67-3A46-4F54-A12A-EAE1B53E6457}"/>
+              </a:ext>
+            </a:extLst>
+          </p:cNvPr>
+          <p:cNvSpPr>
+            <a:spLocks noGrp="1"/>
+          </p:cNvSpPr>
+          <p:nvPr>
+            <p:ph type="sldNum" sz="quarter" idx="22"/>
+          </p:nvPr>
+        </p:nvSpPr>
+        <p:spPr>
+          <a:xfrm>
+            <a:off x="10700656" y="6356350"/>
+            <a:ext cx="653143" cy="365125"/>
+          </a:xfrm>
+        </p:spPr>
+        <p:txBody>
+          <a:bodyPr rtlCol="0"/>
+          <a:lstStyle/>
+          <a:p>
+            <a:pPr rtl="0"/>
+            <a:fld id="{19B51A1E-902D-48AF-9020-955120F399B6}" type="slidenum">
+              <a:rPr lang="fr-FR" smtClean="0"/>
+              <a:pPr rtl="0"/>
+              <a:t>6</a:t>
+            </a:fld>
+            <a:endParaRPr lang="fr-FR" dirty="0"/>
+          </a:p>
+        </p:txBody>
+      </p:sp>
+      <p:pic>
+        <p:nvPicPr>
+          <p:cNvPr id="24" name="Afbeelding 23">
+            <a:extLst>
+              <a:ext uri="{FF2B5EF4-FFF2-40B4-BE49-F238E27FC236}">
+                <a16:creationId xmlns:a16="http://schemas.microsoft.com/office/drawing/2014/main" id="{FDAE47D6-4D84-7AC5-04EA-F74F0580CBC2}"/>
+              </a:ext>
+            </a:extLst>
+          </p:cNvPr>
+          <p:cNvPicPr>
+            <a:picLocks noChangeAspect="1"/>
+          </p:cNvPicPr>
+          <p:nvPr/>
+        </p:nvPicPr>
+        <p:blipFill>
+          <a:blip r:embed="rId4"/>
+          <a:stretch>
+            <a:fillRect/>
+          </a:stretch>
+        </p:blipFill>
+        <p:spPr>
+          <a:xfrm>
+            <a:off x="3284141" y="1714400"/>
+            <a:ext cx="2534164" cy="2420418"/>
+          </a:xfrm>
+          <a:prstGeom prst="rect">
+            <a:avLst/>
+          </a:prstGeom>
+          <a:ln w="28575">
+            <a:solidFill>
+              <a:schemeClr val="tx1"/>
+            </a:solidFill>
+          </a:ln>
+        </p:spPr>
+      </p:pic>
+      <p:pic>
+        <p:nvPicPr>
+          <p:cNvPr id="30" name="Afbeelding 29">
+            <a:extLst>
+              <a:ext uri="{FF2B5EF4-FFF2-40B4-BE49-F238E27FC236}">
+                <a16:creationId xmlns:a16="http://schemas.microsoft.com/office/drawing/2014/main" id="{5ACB98AD-DF61-F169-376E-311211CCA5A2}"/>
+              </a:ext>
+            </a:extLst>
+          </p:cNvPr>
+          <p:cNvPicPr>
+            <a:picLocks noChangeAspect="1"/>
+          </p:cNvPicPr>
+          <p:nvPr/>
+        </p:nvPicPr>
+        <p:blipFill>
+          <a:blip r:embed="rId5"/>
+          <a:stretch>
+            <a:fillRect/>
+          </a:stretch>
+        </p:blipFill>
+        <p:spPr>
+          <a:xfrm>
+            <a:off x="8783926" y="3789237"/>
+            <a:ext cx="2547948" cy="2420418"/>
+          </a:xfrm>
+          <a:prstGeom prst="rect">
+            <a:avLst/>
+          </a:prstGeom>
+          <a:ln w="28575">
+            <a:solidFill>
+              <a:schemeClr val="tx1"/>
+            </a:solidFill>
+          </a:ln>
+        </p:spPr>
+      </p:pic>
+      <p:pic>
+        <p:nvPicPr>
+          <p:cNvPr id="26" name="Afbeelding 25">
+            <a:extLst>
+              <a:ext uri="{FF2B5EF4-FFF2-40B4-BE49-F238E27FC236}">
+                <a16:creationId xmlns:a16="http://schemas.microsoft.com/office/drawing/2014/main" id="{39A2A588-D1A0-B1D5-885C-B131B230C2A9}"/>
+              </a:ext>
+            </a:extLst>
+          </p:cNvPr>
+          <p:cNvPicPr>
+            <a:picLocks noChangeAspect="1"/>
+          </p:cNvPicPr>
+          <p:nvPr/>
+        </p:nvPicPr>
+        <p:blipFill>
+          <a:blip r:embed="rId6"/>
+          <a:stretch>
+            <a:fillRect/>
+          </a:stretch>
+        </p:blipFill>
+        <p:spPr>
+          <a:xfrm>
+            <a:off x="5129541" y="3789237"/>
+            <a:ext cx="2527793" cy="2398770"/>
+          </a:xfrm>
+          <a:prstGeom prst="rect">
+            <a:avLst/>
+          </a:prstGeom>
+          <a:ln w="28575">
+            <a:solidFill>
+              <a:schemeClr val="tx1"/>
+            </a:solidFill>
+          </a:ln>
+        </p:spPr>
+      </p:pic>
+    </p:spTree>
+    <p:extLst>
+      <p:ext uri="{BB962C8B-B14F-4D97-AF65-F5344CB8AC3E}">
+        <p14:creationId xmlns:p14="http://schemas.microsoft.com/office/powerpoint/2010/main" val="2069393026"/>
+      </p:ext>
+    </p:extLst>
+  </p:cSld>
+  <p:clrMapOvr>
+    <a:masterClrMapping/>
+  </p:clrMapOvr>
+</p:sld>
+</file>
+
+<file path=ppt/slides/slide7.xml><?xml version="1.0" encoding="utf-8"?>
+<p:sld xmlns:a="http://schemas.openxmlformats.org/drawingml/2006/main" xmlns:r="http://schemas.openxmlformats.org/officeDocument/2006/relationships" xmlns:p="http://schemas.openxmlformats.org/presentationml/2006/main">
+  <p:cSld>
+    <p:spTree>
+      <p:nvGrpSpPr>
+        <p:cNvPr id="1" name=""/>
+        <p:cNvGrpSpPr/>
+        <p:nvPr/>
+      </p:nvGrpSpPr>
+      <p:grpSpPr>
+        <a:xfrm>
+          <a:off x="0" y="0"/>
+          <a:ext cx="0" cy="0"/>
+          <a:chOff x="0" y="0"/>
+          <a:chExt cx="0" cy="0"/>
+        </a:xfrm>
+      </p:grpSpPr>
+      <p:pic>
+        <p:nvPicPr>
+          <p:cNvPr id="10" name="Afbeelding 9">
+            <a:extLst>
+              <a:ext uri="{FF2B5EF4-FFF2-40B4-BE49-F238E27FC236}">
+                <a16:creationId xmlns:a16="http://schemas.microsoft.com/office/drawing/2014/main" id="{4164F6FB-5CE1-EB6B-E416-5557C6B0B504}"/>
+              </a:ext>
+            </a:extLst>
+          </p:cNvPr>
+          <p:cNvPicPr>
+            <a:picLocks noChangeAspect="1"/>
+          </p:cNvPicPr>
+          <p:nvPr/>
+        </p:nvPicPr>
+        <p:blipFill>
+          <a:blip r:embed="rId3"/>
+          <a:stretch>
+            <a:fillRect/>
+          </a:stretch>
+        </p:blipFill>
+        <p:spPr>
+          <a:xfrm>
+            <a:off x="5484915" y="1325243"/>
+            <a:ext cx="3596992" cy="2833846"/>
+          </a:xfrm>
+          <a:prstGeom prst="rect">
+            <a:avLst/>
+          </a:prstGeom>
+          <a:ln w="28575">
+            <a:solidFill>
+              <a:schemeClr val="bg1"/>
+            </a:solidFill>
+          </a:ln>
+        </p:spPr>
+      </p:pic>
+      <p:pic>
+        <p:nvPicPr>
+          <p:cNvPr id="8" name="Afbeelding 7">
+            <a:extLst>
+              <a:ext uri="{FF2B5EF4-FFF2-40B4-BE49-F238E27FC236}">
+                <a16:creationId xmlns:a16="http://schemas.microsoft.com/office/drawing/2014/main" id="{C35D74DA-2272-73FF-6064-BE4FF01EFD38}"/>
+              </a:ext>
+            </a:extLst>
+          </p:cNvPr>
+          <p:cNvPicPr>
+            <a:picLocks noChangeAspect="1"/>
+          </p:cNvPicPr>
+          <p:nvPr/>
+        </p:nvPicPr>
+        <p:blipFill rotWithShape="1">
+          <a:blip r:embed="rId4"/>
+          <a:srcRect t="17736" r="9074" b="12533"/>
+          <a:stretch/>
+        </p:blipFill>
+        <p:spPr>
+          <a:xfrm>
+            <a:off x="3264607" y="3029436"/>
+            <a:ext cx="2065032" cy="3326914"/>
+          </a:xfrm>
+          <a:prstGeom prst="rect">
+            <a:avLst/>
+          </a:prstGeom>
+          <a:ln w="28575">
+            <a:solidFill>
+              <a:schemeClr val="tx1"/>
+            </a:solidFill>
+          </a:ln>
+        </p:spPr>
+      </p:pic>
+      <p:sp>
+        <p:nvSpPr>
+          <p:cNvPr id="2" name="Titre 1">
+            <a:extLst>
+              <a:ext uri="{FF2B5EF4-FFF2-40B4-BE49-F238E27FC236}">
+                <a16:creationId xmlns:a16="http://schemas.microsoft.com/office/drawing/2014/main" id="{8A4E0A63-A388-49B1-A04E-27CE9BD622EF}"/>
+              </a:ext>
+            </a:extLst>
+          </p:cNvPr>
+          <p:cNvSpPr>
+            <a:spLocks noGrp="1"/>
+          </p:cNvSpPr>
+          <p:nvPr>
+            <p:ph type="title"/>
+          </p:nvPr>
+        </p:nvSpPr>
+        <p:spPr>
+          <a:xfrm>
+            <a:off x="5919680" y="859474"/>
+            <a:ext cx="5431971" cy="846301"/>
+          </a:xfrm>
+        </p:spPr>
+        <p:txBody>
+          <a:bodyPr rtlCol="0"/>
+          <a:lstStyle/>
+          <a:p>
+            <a:pPr rtl="0"/>
+            <a:r>
+              <a:rPr lang="fr-FR" dirty="0" err="1"/>
+              <a:t>Back-end</a:t>
+            </a:r>
+            <a:r>
+              <a:rPr lang="fr-FR" dirty="0"/>
+              <a:t> en </a:t>
+            </a:r>
+            <a:r>
+              <a:rPr lang="fr-FR" dirty="0" err="1"/>
+              <a:t>Databank</a:t>
+            </a:r>
+            <a:endParaRPr lang="fr-FR" dirty="0"/>
+          </a:p>
+        </p:txBody>
+      </p:sp>
+      <p:sp>
+        <p:nvSpPr>
+          <p:cNvPr id="32" name="Espace réservé de la date 31">
+            <a:extLst>
+              <a:ext uri="{FF2B5EF4-FFF2-40B4-BE49-F238E27FC236}">
+                <a16:creationId xmlns:a16="http://schemas.microsoft.com/office/drawing/2014/main" id="{D5DB19F8-B538-4965-BA90-ED372B99F5DC}"/>
+              </a:ext>
+            </a:extLst>
+          </p:cNvPr>
+          <p:cNvSpPr>
+            <a:spLocks noGrp="1"/>
+          </p:cNvSpPr>
+          <p:nvPr>
+            <p:ph type="dt" sz="half" idx="20"/>
+          </p:nvPr>
+        </p:nvSpPr>
+        <p:spPr>
+          <a:xfrm>
+            <a:off x="5919680" y="6356350"/>
+            <a:ext cx="947516" cy="365125"/>
+          </a:xfrm>
+        </p:spPr>
+        <p:txBody>
+          <a:bodyPr rtlCol="0"/>
+          <a:lstStyle/>
+          <a:p>
+            <a:pPr rtl="0"/>
+            <a:r>
+              <a:rPr lang="fr-FR" dirty="0"/>
+              <a:t>2023</a:t>
+            </a:r>
+          </a:p>
+        </p:txBody>
+      </p:sp>
+      <p:sp>
+        <p:nvSpPr>
+          <p:cNvPr id="3" name="Espace réservé du pied de page 2">
+            <a:extLst>
+              <a:ext uri="{FF2B5EF4-FFF2-40B4-BE49-F238E27FC236}">
+                <a16:creationId xmlns:a16="http://schemas.microsoft.com/office/drawing/2014/main" id="{005C44B1-BA82-483C-BD91-F89067442F9E}"/>
+              </a:ext>
+            </a:extLst>
+          </p:cNvPr>
+          <p:cNvSpPr>
+            <a:spLocks noGrp="1"/>
+          </p:cNvSpPr>
+          <p:nvPr>
+            <p:ph type="ftr" sz="quarter" idx="21"/>
+          </p:nvPr>
+        </p:nvSpPr>
+        <p:spPr>
+          <a:xfrm>
+            <a:off x="7161955" y="6356350"/>
+            <a:ext cx="3243942" cy="365125"/>
+          </a:xfrm>
+        </p:spPr>
+        <p:txBody>
+          <a:bodyPr rtlCol="0"/>
+          <a:lstStyle/>
+          <a:p>
+            <a:pPr rtl="0"/>
+            <a:r>
+              <a:rPr lang="fr-FR" noProof="0" dirty="0" err="1"/>
+              <a:t>Fleetmanager</a:t>
+            </a:r>
+            <a:r>
+              <a:rPr lang="fr-FR" noProof="0" dirty="0"/>
+              <a:t> </a:t>
+            </a:r>
+            <a:r>
+              <a:rPr lang="fr-FR" noProof="0" dirty="0" err="1"/>
+              <a:t>Allphi</a:t>
+            </a:r>
+            <a:endParaRPr lang="fr-FR" noProof="0" dirty="0"/>
+          </a:p>
+        </p:txBody>
+      </p:sp>
+      <p:sp>
+        <p:nvSpPr>
+          <p:cNvPr id="4" name="Espace réservé du numéro de diapositive 3">
+            <a:extLst>
+              <a:ext uri="{FF2B5EF4-FFF2-40B4-BE49-F238E27FC236}">
+                <a16:creationId xmlns:a16="http://schemas.microsoft.com/office/drawing/2014/main" id="{79ED4A67-3A46-4F54-A12A-EAE1B53E6457}"/>
+              </a:ext>
+            </a:extLst>
+          </p:cNvPr>
+          <p:cNvSpPr>
+            <a:spLocks noGrp="1"/>
+          </p:cNvSpPr>
+          <p:nvPr>
+            <p:ph type="sldNum" sz="quarter" idx="22"/>
+          </p:nvPr>
+        </p:nvSpPr>
+        <p:spPr>
+          <a:xfrm>
+            <a:off x="10700656" y="6356350"/>
+            <a:ext cx="653143" cy="365125"/>
+          </a:xfrm>
+        </p:spPr>
+        <p:txBody>
+          <a:bodyPr rtlCol="0"/>
+          <a:lstStyle/>
+          <a:p>
+            <a:pPr rtl="0"/>
+            <a:fld id="{19B51A1E-902D-48AF-9020-955120F399B6}" type="slidenum">
+              <a:rPr lang="fr-FR" smtClean="0"/>
+              <a:pPr rtl="0"/>
+              <a:t>7</a:t>
+            </a:fld>
+            <a:endParaRPr lang="fr-FR" dirty="0"/>
+          </a:p>
+        </p:txBody>
+      </p:sp>
+      <p:pic>
+        <p:nvPicPr>
+          <p:cNvPr id="6" name="Afbeelding 5">
+            <a:extLst>
+              <a:ext uri="{FF2B5EF4-FFF2-40B4-BE49-F238E27FC236}">
+                <a16:creationId xmlns:a16="http://schemas.microsoft.com/office/drawing/2014/main" id="{0608A728-313C-078D-45F3-F5984CCF7188}"/>
+              </a:ext>
+            </a:extLst>
+          </p:cNvPr>
+          <p:cNvPicPr>
+            <a:picLocks noChangeAspect="1"/>
+          </p:cNvPicPr>
+          <p:nvPr/>
+        </p:nvPicPr>
+        <p:blipFill rotWithShape="1">
+          <a:blip r:embed="rId5"/>
+          <a:srcRect t="17103" r="3249" b="13079"/>
+          <a:stretch/>
+        </p:blipFill>
+        <p:spPr>
+          <a:xfrm>
+            <a:off x="1394149" y="1325243"/>
+            <a:ext cx="2065032" cy="3326914"/>
+          </a:xfrm>
+          <a:prstGeom prst="rect">
+            <a:avLst/>
+          </a:prstGeom>
+          <a:ln w="28575">
+            <a:solidFill>
+              <a:schemeClr val="tx1"/>
+            </a:solidFill>
+          </a:ln>
+        </p:spPr>
+      </p:pic>
+      <p:pic>
+        <p:nvPicPr>
+          <p:cNvPr id="7" name="Afbeelding 6">
+            <a:extLst>
+              <a:ext uri="{FF2B5EF4-FFF2-40B4-BE49-F238E27FC236}">
+                <a16:creationId xmlns:a16="http://schemas.microsoft.com/office/drawing/2014/main" id="{3EC9C497-A7AD-15BA-287A-A45A8B83A840}"/>
+              </a:ext>
+            </a:extLst>
+          </p:cNvPr>
+          <p:cNvPicPr>
+            <a:picLocks noChangeAspect="1"/>
+          </p:cNvPicPr>
+          <p:nvPr/>
+        </p:nvPicPr>
+        <p:blipFill>
+          <a:blip r:embed="rId6"/>
+          <a:stretch>
+            <a:fillRect/>
+          </a:stretch>
+        </p:blipFill>
+        <p:spPr>
+          <a:xfrm>
+            <a:off x="7578170" y="3318476"/>
+            <a:ext cx="3596992" cy="3037874"/>
+          </a:xfrm>
+          <a:prstGeom prst="rect">
+            <a:avLst/>
+          </a:prstGeom>
+          <a:ln w="28575">
+            <a:solidFill>
+              <a:schemeClr val="bg1"/>
+            </a:solidFill>
+          </a:ln>
+        </p:spPr>
+      </p:pic>
+    </p:spTree>
+    <p:extLst>
+      <p:ext uri="{BB962C8B-B14F-4D97-AF65-F5344CB8AC3E}">
+        <p14:creationId xmlns:p14="http://schemas.microsoft.com/office/powerpoint/2010/main" val="3902976026"/>
+      </p:ext>
+    </p:extLst>
+  </p:cSld>
+  <p:clrMapOvr>
+    <a:masterClrMapping/>
+  </p:clrMapOvr>
+</p:sld>
+</file>
+
+<file path=ppt/slides/slide8.xml><?xml version="1.0" encoding="utf-8"?>
+<p:sld xmlns:a="http://schemas.openxmlformats.org/drawingml/2006/main" xmlns:r="http://schemas.openxmlformats.org/officeDocument/2006/relationships" xmlns:p="http://schemas.openxmlformats.org/presentationml/2006/main">
+  <p:cSld>
+    <p:spTree>
+      <p:nvGrpSpPr>
+        <p:cNvPr id="1" name=""/>
+        <p:cNvGrpSpPr/>
+        <p:nvPr/>
+      </p:nvGrpSpPr>
+      <p:grpSpPr>
+        <a:xfrm>
+          <a:off x="0" y="0"/>
+          <a:ext cx="0" cy="0"/>
+          <a:chOff x="0" y="0"/>
+          <a:chExt cx="0" cy="0"/>
+        </a:xfrm>
+      </p:grpSpPr>
+      <p:sp>
+        <p:nvSpPr>
+          <p:cNvPr id="2" name="Titre 1">
+            <a:extLst>
+              <a:ext uri="{FF2B5EF4-FFF2-40B4-BE49-F238E27FC236}">
+                <a16:creationId xmlns:a16="http://schemas.microsoft.com/office/drawing/2014/main" id="{BCCAEE93-8585-46D4-A7EC-F184E317CB2E}"/>
+              </a:ext>
+            </a:extLst>
+          </p:cNvPr>
+          <p:cNvSpPr>
+            <a:spLocks noGrp="1"/>
+          </p:cNvSpPr>
+          <p:nvPr>
+            <p:ph type="ctrTitle"/>
+          </p:nvPr>
+        </p:nvSpPr>
+        <p:spPr>
+          <a:xfrm>
+            <a:off x="6287043" y="1991752"/>
+            <a:ext cx="4179570" cy="1524735"/>
+          </a:xfrm>
+        </p:spPr>
+        <p:txBody>
+          <a:bodyPr rtlCol="0"/>
+          <a:lstStyle/>
+          <a:p>
+            <a:pPr rtl="0"/>
+            <a:r>
+              <a:rPr lang="fr-FR" sz="4800" dirty="0" err="1"/>
+              <a:t>Demo</a:t>
+            </a:r>
+            <a:endParaRPr lang="fr-FR" sz="4800" dirty="0"/>
+          </a:p>
+        </p:txBody>
+      </p:sp>
+      <p:sp>
+        <p:nvSpPr>
+          <p:cNvPr id="4" name="Espace réservé de la date 3">
+            <a:extLst>
+              <a:ext uri="{FF2B5EF4-FFF2-40B4-BE49-F238E27FC236}">
+                <a16:creationId xmlns:a16="http://schemas.microsoft.com/office/drawing/2014/main" id="{72DA7980-C870-4C9A-84FA-4120D8AF5DE8}"/>
+              </a:ext>
+            </a:extLst>
+          </p:cNvPr>
+          <p:cNvSpPr>
+            <a:spLocks noGrp="1"/>
+          </p:cNvSpPr>
+          <p:nvPr>
+            <p:ph type="dt" sz="half" idx="10"/>
+          </p:nvPr>
+        </p:nvSpPr>
+        <p:spPr>
+          <a:xfrm>
+            <a:off x="4267200" y="6356350"/>
+            <a:ext cx="1774371" cy="365125"/>
+          </a:xfrm>
+        </p:spPr>
+        <p:txBody>
+          <a:bodyPr rtlCol="0"/>
+          <a:lstStyle/>
+          <a:p>
+            <a:pPr rtl="0"/>
+            <a:r>
+              <a:rPr lang="fr-FR" dirty="0"/>
+              <a:t>2023</a:t>
+            </a:r>
+          </a:p>
+        </p:txBody>
+      </p:sp>
+      <p:sp>
+        <p:nvSpPr>
+          <p:cNvPr id="5" name="Espace réservé du pied de page 4">
+            <a:extLst>
+              <a:ext uri="{FF2B5EF4-FFF2-40B4-BE49-F238E27FC236}">
+                <a16:creationId xmlns:a16="http://schemas.microsoft.com/office/drawing/2014/main" id="{0DFADE42-1A3F-40C8-A071-E57644F3D843}"/>
+              </a:ext>
+            </a:extLst>
+          </p:cNvPr>
+          <p:cNvSpPr>
+            <a:spLocks noGrp="1"/>
+          </p:cNvSpPr>
+          <p:nvPr>
+            <p:ph type="ftr" sz="quarter" idx="11"/>
+          </p:nvPr>
+        </p:nvSpPr>
+        <p:spPr>
+          <a:xfrm>
+            <a:off x="6479721" y="6356350"/>
+            <a:ext cx="2661557" cy="365125"/>
+          </a:xfrm>
+        </p:spPr>
+        <p:txBody>
+          <a:bodyPr rtlCol="0"/>
+          <a:lstStyle/>
+          <a:p>
+            <a:pPr rtl="0"/>
+            <a:r>
+              <a:rPr lang="fr-FR" noProof="0" dirty="0" err="1"/>
+              <a:t>Fleetmanager</a:t>
+            </a:r>
+            <a:r>
+              <a:rPr lang="fr-FR" noProof="0" dirty="0"/>
+              <a:t> </a:t>
+            </a:r>
+            <a:r>
+              <a:rPr lang="fr-FR" noProof="0" dirty="0" err="1"/>
+              <a:t>Allphi</a:t>
+            </a:r>
+            <a:endParaRPr lang="fr-FR" noProof="0" dirty="0"/>
+          </a:p>
+        </p:txBody>
+      </p:sp>
+      <p:sp>
+        <p:nvSpPr>
+          <p:cNvPr id="6" name="Espace réservé du numéro de diapositive 5">
+            <a:extLst>
+              <a:ext uri="{FF2B5EF4-FFF2-40B4-BE49-F238E27FC236}">
+                <a16:creationId xmlns:a16="http://schemas.microsoft.com/office/drawing/2014/main" id="{5EDCFF82-B70F-4971-9182-7C3AEA3CFD26}"/>
+              </a:ext>
+            </a:extLst>
+          </p:cNvPr>
+          <p:cNvSpPr>
+            <a:spLocks noGrp="1"/>
+          </p:cNvSpPr>
+          <p:nvPr>
+            <p:ph type="sldNum" sz="quarter" idx="12"/>
+          </p:nvPr>
+        </p:nvSpPr>
+        <p:spPr>
+          <a:xfrm>
+            <a:off x="9579428" y="6356350"/>
+            <a:ext cx="1774371" cy="365125"/>
+          </a:xfrm>
+        </p:spPr>
+        <p:txBody>
+          <a:bodyPr rtlCol="0"/>
+          <a:lstStyle/>
+          <a:p>
+            <a:pPr rtl="0"/>
+            <a:fld id="{B5CEABB6-07DC-46E8-9B57-56EC44A396E5}" type="slidenum">
+              <a:rPr lang="fr-FR" smtClean="0"/>
+              <a:pPr rtl="0"/>
+              <a:t>8</a:t>
+            </a:fld>
+            <a:endParaRPr lang="fr-FR"/>
+          </a:p>
+        </p:txBody>
+      </p:sp>
+    </p:spTree>
+    <p:extLst>
+      <p:ext uri="{BB962C8B-B14F-4D97-AF65-F5344CB8AC3E}">
+        <p14:creationId xmlns:p14="http://schemas.microsoft.com/office/powerpoint/2010/main" val="2436493926"/>
+      </p:ext>
+    </p:extLst>
+  </p:cSld>
+  <p:clrMapOvr>
+    <a:masterClrMapping/>
+  </p:clrMapOvr>
+</p:sld>
+</file>
+
+<file path=ppt/slides/slide9.xml><?xml version="1.0" encoding="utf-8"?>
+<p:sld xmlns:a="http://schemas.openxmlformats.org/drawingml/2006/main" xmlns:r="http://schemas.openxmlformats.org/officeDocument/2006/relationships" xmlns:p="http://schemas.openxmlformats.org/presentationml/2006/main">
+  <p:cSld>
+    <p:spTree>
+      <p:nvGrpSpPr>
+        <p:cNvPr id="1" name=""/>
+        <p:cNvGrpSpPr/>
+        <p:nvPr/>
+      </p:nvGrpSpPr>
+      <p:grpSpPr>
+        <a:xfrm>
+          <a:off x="0" y="0"/>
+          <a:ext cx="0" cy="0"/>
+          <a:chOff x="0" y="0"/>
+          <a:chExt cx="0" cy="0"/>
+        </a:xfrm>
+      </p:grpSpPr>
+      <p:sp>
+        <p:nvSpPr>
+          <p:cNvPr id="2" name="Titel 1">
+            <a:extLst>
+              <a:ext uri="{FF2B5EF4-FFF2-40B4-BE49-F238E27FC236}">
+                <a16:creationId xmlns:a16="http://schemas.microsoft.com/office/drawing/2014/main" id="{D2BC05BC-4C50-F1E6-84A5-87D58296B9B9}"/>
+              </a:ext>
+            </a:extLst>
+          </p:cNvPr>
+          <p:cNvSpPr>
+            <a:spLocks noGrp="1"/>
+          </p:cNvSpPr>
+          <p:nvPr>
+            <p:ph type="title"/>
+          </p:nvPr>
+        </p:nvSpPr>
+        <p:spPr/>
+        <p:txBody>
+          <a:bodyPr/>
+          <a:lstStyle/>
+          <a:p>
+            <a:r>
+              <a:rPr lang="nl-BE" dirty="0"/>
+              <a:t>Toekomst</a:t>
+            </a:r>
+          </a:p>
+        </p:txBody>
+      </p:sp>
+      <p:sp>
+        <p:nvSpPr>
+          <p:cNvPr id="3" name="Tijdelijke aanduiding voor tekst 2">
+            <a:extLst>
+              <a:ext uri="{FF2B5EF4-FFF2-40B4-BE49-F238E27FC236}">
+                <a16:creationId xmlns:a16="http://schemas.microsoft.com/office/drawing/2014/main" id="{B7568AE7-7DE0-8D2A-AE69-6D6C786CBF13}"/>
+              </a:ext>
+            </a:extLst>
+          </p:cNvPr>
+          <p:cNvSpPr>
+            <a:spLocks noGrp="1"/>
+          </p:cNvSpPr>
+          <p:nvPr>
+            <p:ph type="body" sz="quarter" idx="13"/>
+          </p:nvPr>
+        </p:nvSpPr>
+        <p:spPr>
+          <a:xfrm>
+            <a:off x="5919680" y="1577109"/>
+            <a:ext cx="5433204" cy="3703782"/>
+          </a:xfrm>
+        </p:spPr>
+        <p:txBody>
+          <a:bodyPr>
+            <a:normAutofit fontScale="85000" lnSpcReduction="10000"/>
+          </a:bodyPr>
+          <a:lstStyle/>
+          <a:p>
+            <a:pPr marL="342900" indent="-342900">
+              <a:lnSpc>
+                <a:spcPct val="200000"/>
+              </a:lnSpc>
+              <a:buFont typeface="Arial" panose="020B0604020202020204" pitchFamily="34" charset="0"/>
+              <a:buChar char="•"/>
+            </a:pPr>
+            <a:r>
+              <a:rPr lang="nl-BE" dirty="0"/>
+              <a:t>CRUD toepassingen</a:t>
+            </a:r>
+          </a:p>
+          <a:p>
+            <a:pPr marL="342900" indent="-342900">
+              <a:lnSpc>
+                <a:spcPct val="200000"/>
+              </a:lnSpc>
+              <a:buFont typeface="Arial" panose="020B0604020202020204" pitchFamily="34" charset="0"/>
+              <a:buChar char="•"/>
+            </a:pPr>
+            <a:r>
+              <a:rPr lang="nl-BE" dirty="0"/>
+              <a:t>Gebruikers (login)</a:t>
+            </a:r>
+          </a:p>
+          <a:p>
+            <a:pPr marL="342900" indent="-342900">
+              <a:lnSpc>
+                <a:spcPct val="200000"/>
+              </a:lnSpc>
+              <a:buFont typeface="Arial" panose="020B0604020202020204" pitchFamily="34" charset="0"/>
+              <a:buChar char="•"/>
+            </a:pPr>
+            <a:r>
+              <a:rPr lang="nl-BE" dirty="0"/>
+              <a:t>Invoer nieuwe gegevens (extra scherm)</a:t>
+            </a:r>
+          </a:p>
+          <a:p>
+            <a:pPr marL="342900" indent="-342900">
+              <a:lnSpc>
+                <a:spcPct val="200000"/>
+              </a:lnSpc>
+              <a:buFont typeface="Arial" panose="020B0604020202020204" pitchFamily="34" charset="0"/>
+              <a:buChar char="•"/>
+            </a:pPr>
+            <a:r>
+              <a:rPr lang="nl-BE" dirty="0" err="1"/>
+              <a:t>Responsive</a:t>
+            </a:r>
+            <a:r>
+              <a:rPr lang="nl-BE" dirty="0"/>
+              <a:t> design</a:t>
+            </a:r>
+          </a:p>
+          <a:p>
+            <a:pPr marL="342900" indent="-342900">
+              <a:lnSpc>
+                <a:spcPct val="200000"/>
+              </a:lnSpc>
+              <a:buFont typeface="Arial" panose="020B0604020202020204" pitchFamily="34" charset="0"/>
+              <a:buChar char="•"/>
+            </a:pPr>
+            <a:r>
+              <a:rPr lang="nl-BE" dirty="0"/>
+              <a:t>Dark </a:t>
+            </a:r>
+            <a:r>
+              <a:rPr lang="nl-BE" dirty="0" err="1"/>
+              <a:t>theme</a:t>
+            </a:r>
+            <a:endParaRPr lang="nl-BE" dirty="0"/>
+          </a:p>
+          <a:p>
+            <a:pPr marL="342900" indent="-342900">
+              <a:lnSpc>
+                <a:spcPct val="200000"/>
+              </a:lnSpc>
+              <a:buFont typeface="Arial" panose="020B0604020202020204" pitchFamily="34" charset="0"/>
+              <a:buChar char="•"/>
+            </a:pPr>
+            <a:r>
+              <a:rPr lang="nl-BE" dirty="0"/>
+              <a:t>Zoekfunctie</a:t>
+            </a:r>
+          </a:p>
+          <a:p>
+            <a:pPr marL="342900" indent="-342900">
+              <a:buFont typeface="Arial" panose="020B0604020202020204" pitchFamily="34" charset="0"/>
+              <a:buChar char="•"/>
+            </a:pPr>
+            <a:endParaRPr lang="nl-BE" dirty="0"/>
+          </a:p>
+        </p:txBody>
+      </p:sp>
+      <p:sp>
+        <p:nvSpPr>
+          <p:cNvPr id="11" name="Tijdelijke aanduiding voor datum 10">
+            <a:extLst>
+              <a:ext uri="{FF2B5EF4-FFF2-40B4-BE49-F238E27FC236}">
+                <a16:creationId xmlns:a16="http://schemas.microsoft.com/office/drawing/2014/main" id="{0BC06DD5-397D-C094-EBFC-07D3B4F99360}"/>
+              </a:ext>
+            </a:extLst>
+          </p:cNvPr>
+          <p:cNvSpPr>
+            <a:spLocks noGrp="1"/>
+          </p:cNvSpPr>
+          <p:nvPr>
+            <p:ph type="dt" sz="half" idx="20"/>
+          </p:nvPr>
+        </p:nvSpPr>
+        <p:spPr/>
+        <p:txBody>
+          <a:bodyPr/>
+          <a:lstStyle/>
+          <a:p>
+            <a:pPr rtl="0"/>
+            <a:r>
+              <a:rPr lang="fr-FR" noProof="0" dirty="0"/>
+              <a:t>2023</a:t>
+            </a:r>
+          </a:p>
+        </p:txBody>
+      </p:sp>
+      <p:sp>
+        <p:nvSpPr>
+          <p:cNvPr id="12" name="Tijdelijke aanduiding voor voettekst 11">
+            <a:extLst>
+              <a:ext uri="{FF2B5EF4-FFF2-40B4-BE49-F238E27FC236}">
+                <a16:creationId xmlns:a16="http://schemas.microsoft.com/office/drawing/2014/main" id="{F43D161D-28B5-1CD6-C9C8-411C798A7579}"/>
+              </a:ext>
+            </a:extLst>
+          </p:cNvPr>
+          <p:cNvSpPr>
+            <a:spLocks noGrp="1"/>
+          </p:cNvSpPr>
+          <p:nvPr>
+            <p:ph type="ftr" sz="quarter" idx="21"/>
+          </p:nvPr>
+        </p:nvSpPr>
+        <p:spPr/>
+        <p:txBody>
+          <a:bodyPr/>
+          <a:lstStyle/>
+          <a:p>
+            <a:pPr rtl="0"/>
+            <a:r>
+              <a:rPr lang="fr-FR" noProof="0" dirty="0" err="1"/>
+              <a:t>Fleetmanager</a:t>
+            </a:r>
+            <a:r>
+              <a:rPr lang="fr-FR" noProof="0" dirty="0"/>
+              <a:t> </a:t>
+            </a:r>
+            <a:r>
+              <a:rPr lang="fr-FR" noProof="0" dirty="0" err="1"/>
+              <a:t>Allphi</a:t>
+            </a:r>
+            <a:endParaRPr lang="fr-FR" noProof="0" dirty="0"/>
+          </a:p>
+        </p:txBody>
+      </p:sp>
+      <p:sp>
+        <p:nvSpPr>
+          <p:cNvPr id="13" name="Tijdelijke aanduiding voor dianummer 12">
+            <a:extLst>
+              <a:ext uri="{FF2B5EF4-FFF2-40B4-BE49-F238E27FC236}">
+                <a16:creationId xmlns:a16="http://schemas.microsoft.com/office/drawing/2014/main" id="{9D9484ED-2AAC-5077-F7D6-4BFD04D75700}"/>
+              </a:ext>
+            </a:extLst>
+          </p:cNvPr>
+          <p:cNvSpPr>
+            <a:spLocks noGrp="1"/>
+          </p:cNvSpPr>
+          <p:nvPr>
+            <p:ph type="sldNum" sz="quarter" idx="22"/>
+          </p:nvPr>
+        </p:nvSpPr>
+        <p:spPr/>
+        <p:txBody>
+          <a:bodyPr/>
+          <a:lstStyle/>
+          <a:p>
+            <a:pPr rtl="0"/>
+            <a:fld id="{B5CEABB6-07DC-46E8-9B57-56EC44A396E5}" type="slidenum">
+              <a:rPr lang="fr-FR" noProof="0" smtClean="0"/>
+              <a:pPr rtl="0"/>
+              <a:t>9</a:t>
+            </a:fld>
+            <a:endParaRPr lang="fr-FR" noProof="0"/>
+          </a:p>
+        </p:txBody>
+      </p:sp>
+    </p:spTree>
+    <p:extLst>
+      <p:ext uri="{BB962C8B-B14F-4D97-AF65-F5344CB8AC3E}">
+        <p14:creationId xmlns:p14="http://schemas.microsoft.com/office/powerpoint/2010/main" val="4169162614"/>
       </p:ext>
     </p:extLst>
   </p:cSld>
@@ -20479,25 +20689,6 @@
 </file>
 
 <file path=customXml/item1.xml><?xml version="1.0" encoding="utf-8"?>
-<p:properties xmlns:p="http://schemas.microsoft.com/office/2006/metadata/properties" xmlns:xsi="http://www.w3.org/2001/XMLSchema-instance" xmlns:pc="http://schemas.microsoft.com/office/infopath/2007/PartnerControls">
-  <documentManagement>
-    <_ip_UnifiedCompliancePolicyUIAction xmlns="http://schemas.microsoft.com/sharepoint/v3" xsi:nil="true"/>
-    <Image xmlns="71af3243-3dd4-4a8d-8c0d-dd76da1f02a5">
-      <Url xsi:nil="true"/>
-      <Description xsi:nil="true"/>
-    </Image>
-    <Status xmlns="71af3243-3dd4-4a8d-8c0d-dd76da1f02a5">Not started</Status>
-    <_ip_UnifiedCompliancePolicyProperties xmlns="http://schemas.microsoft.com/sharepoint/v3" xsi:nil="true"/>
-    <ImageTagsTaxHTField xmlns="71af3243-3dd4-4a8d-8c0d-dd76da1f02a5">
-      <Terms xmlns="http://schemas.microsoft.com/office/infopath/2007/PartnerControls"/>
-    </ImageTagsTaxHTField>
-    <TaxCatchAll xmlns="230e9df3-be65-4c73-a93b-d1236ebd677e"/>
-    <MediaServiceKeyPoints xmlns="71af3243-3dd4-4a8d-8c0d-dd76da1f02a5" xsi:nil="true"/>
-  </documentManagement>
-</p:properties>
-</file>
-
-<file path=customXml/item2.xml><?xml version="1.0" encoding="utf-8"?>
 <?mso-contentType ?>
 <FormTemplates xmlns="http://schemas.microsoft.com/sharepoint/v3/contenttype/forms">
   <Display>DocumentLibraryForm</Display>
@@ -20506,7 +20697,7 @@
 </FormTemplates>
 </file>
 
-<file path=customXml/item3.xml><?xml version="1.0" encoding="utf-8"?>
+<file path=customXml/item2.xml><?xml version="1.0" encoding="utf-8"?>
 <ct:contentTypeSchema xmlns:ct="http://schemas.microsoft.com/office/2006/metadata/contentType" xmlns:ma="http://schemas.microsoft.com/office/2006/metadata/properties/metaAttributes" ct:_="" ma:_="" ma:contentTypeName="Document" ma:contentTypeID="0x01010079F111ED35F8CC479449609E8A0923A6" ma:contentTypeVersion="20" ma:contentTypeDescription="Create a new document." ma:contentTypeScope="" ma:versionID="1267097ee5f5874adfcc408041ae252e">
   <xsd:schema xmlns:xsd="http://www.w3.org/2001/XMLSchema" xmlns:xs="http://www.w3.org/2001/XMLSchema" xmlns:p="http://schemas.microsoft.com/office/2006/metadata/properties" xmlns:ns1="http://schemas.microsoft.com/sharepoint/v3" xmlns:ns2="71af3243-3dd4-4a8d-8c0d-dd76da1f02a5" xmlns:ns3="16c05727-aa75-4e4a-9b5f-8a80a1165891" xmlns:ns4="230e9df3-be65-4c73-a93b-d1236ebd677e" targetNamespace="http://schemas.microsoft.com/office/2006/metadata/properties" ma:root="true" ma:fieldsID="395891a93df65b14727750f2c06c306c" ns1:_="" ns2:_="" ns3:_="" ns4:_="">
     <xsd:import namespace="http://schemas.microsoft.com/sharepoint/v3"/>
@@ -20782,19 +20973,26 @@
 </ct:contentTypeSchema>
 </file>
 
-<file path=customXml/itemProps1.xml><?xml version="1.0" encoding="utf-8"?>
-<ds:datastoreItem xmlns:ds="http://schemas.openxmlformats.org/officeDocument/2006/customXml" ds:itemID="{B5BA3906-9696-4247-AC0D-DD5C26B2A70A}">
-  <ds:schemaRefs>
-    <ds:schemaRef ds:uri="http://schemas.microsoft.com/office/2006/metadata/properties"/>
-    <ds:schemaRef ds:uri="http://schemas.microsoft.com/office/infopath/2007/PartnerControls"/>
-    <ds:schemaRef ds:uri="http://schemas.microsoft.com/sharepoint/v3"/>
-    <ds:schemaRef ds:uri="71af3243-3dd4-4a8d-8c0d-dd76da1f02a5"/>
-    <ds:schemaRef ds:uri="230e9df3-be65-4c73-a93b-d1236ebd677e"/>
-  </ds:schemaRefs>
-</ds:datastoreItem>
+<file path=customXml/item3.xml><?xml version="1.0" encoding="utf-8"?>
+<p:properties xmlns:p="http://schemas.microsoft.com/office/2006/metadata/properties" xmlns:xsi="http://www.w3.org/2001/XMLSchema-instance" xmlns:pc="http://schemas.microsoft.com/office/infopath/2007/PartnerControls">
+  <documentManagement>
+    <_ip_UnifiedCompliancePolicyUIAction xmlns="http://schemas.microsoft.com/sharepoint/v3" xsi:nil="true"/>
+    <Image xmlns="71af3243-3dd4-4a8d-8c0d-dd76da1f02a5">
+      <Url xsi:nil="true"/>
+      <Description xsi:nil="true"/>
+    </Image>
+    <Status xmlns="71af3243-3dd4-4a8d-8c0d-dd76da1f02a5">Not started</Status>
+    <_ip_UnifiedCompliancePolicyProperties xmlns="http://schemas.microsoft.com/sharepoint/v3" xsi:nil="true"/>
+    <ImageTagsTaxHTField xmlns="71af3243-3dd4-4a8d-8c0d-dd76da1f02a5">
+      <Terms xmlns="http://schemas.microsoft.com/office/infopath/2007/PartnerControls"/>
+    </ImageTagsTaxHTField>
+    <TaxCatchAll xmlns="230e9df3-be65-4c73-a93b-d1236ebd677e"/>
+    <MediaServiceKeyPoints xmlns="71af3243-3dd4-4a8d-8c0d-dd76da1f02a5" xsi:nil="true"/>
+  </documentManagement>
+</p:properties>
 </file>
 
-<file path=customXml/itemProps2.xml><?xml version="1.0" encoding="utf-8"?>
+<file path=customXml/itemProps1.xml><?xml version="1.0" encoding="utf-8"?>
 <ds:datastoreItem xmlns:ds="http://schemas.openxmlformats.org/officeDocument/2006/customXml" ds:itemID="{2D446390-8521-40A2-A462-EA068123BED9}">
   <ds:schemaRefs>
     <ds:schemaRef ds:uri="http://schemas.microsoft.com/sharepoint/v3/contenttype/forms"/>
@@ -20802,7 +21000,7 @@
 </ds:datastoreItem>
 </file>
 
-<file path=customXml/itemProps3.xml><?xml version="1.0" encoding="utf-8"?>
+<file path=customXml/itemProps2.xml><?xml version="1.0" encoding="utf-8"?>
 <ds:datastoreItem xmlns:ds="http://schemas.openxmlformats.org/officeDocument/2006/customXml" ds:itemID="{01E84A1C-2814-43A7-9448-348326113A45}">
   <ds:schemaRefs>
     <ds:schemaRef ds:uri="http://schemas.microsoft.com/office/2006/metadata/contentType"/>
@@ -20823,6 +21021,18 @@
 </ds:datastoreItem>
 </file>
 
+<file path=customXml/itemProps3.xml><?xml version="1.0" encoding="utf-8"?>
+<ds:datastoreItem xmlns:ds="http://schemas.openxmlformats.org/officeDocument/2006/customXml" ds:itemID="{B5BA3906-9696-4247-AC0D-DD5C26B2A70A}">
+  <ds:schemaRefs>
+    <ds:schemaRef ds:uri="http://schemas.microsoft.com/office/2006/metadata/properties"/>
+    <ds:schemaRef ds:uri="http://schemas.microsoft.com/office/infopath/2007/PartnerControls"/>
+    <ds:schemaRef ds:uri="http://schemas.microsoft.com/sharepoint/v3"/>
+    <ds:schemaRef ds:uri="71af3243-3dd4-4a8d-8c0d-dd76da1f02a5"/>
+    <ds:schemaRef ds:uri="230e9df3-be65-4c73-a93b-d1236ebd677e"/>
+  </ds:schemaRefs>
+</ds:datastoreItem>
+</file>
+
 <file path=docMetadata/LabelInfo.xml><?xml version="1.0" encoding="utf-8"?>
 <clbl:labelList xmlns:clbl="http://schemas.microsoft.com/office/2020/mipLabelMetadata">
   <clbl:label id="{f42aa342-8706-4288-bd11-ebb85995028c}" enabled="1" method="Standard" siteId="{72f988bf-86f1-41af-91ab-2d7cd011db47}" removed="0"/>

--- a/Fleetmanager.pptx
+++ b/Fleetmanager.pptx
@@ -5,10 +5,10 @@
     <p:sldMasterId id="2147483666" r:id="rId4"/>
   </p:sldMasterIdLst>
   <p:notesMasterIdLst>
-    <p:notesMasterId r:id="rId15"/>
+    <p:notesMasterId r:id="rId17"/>
   </p:notesMasterIdLst>
   <p:handoutMasterIdLst>
-    <p:handoutMasterId r:id="rId16"/>
+    <p:handoutMasterId r:id="rId18"/>
   </p:handoutMasterIdLst>
   <p:sldIdLst>
     <p:sldId id="256" r:id="rId5"/>
@@ -17,10 +17,12 @@
     <p:sldId id="266" r:id="rId8"/>
     <p:sldId id="289" r:id="rId9"/>
     <p:sldId id="278" r:id="rId10"/>
-    <p:sldId id="296" r:id="rId11"/>
-    <p:sldId id="276" r:id="rId12"/>
-    <p:sldId id="297" r:id="rId13"/>
-    <p:sldId id="295" r:id="rId14"/>
+    <p:sldId id="298" r:id="rId11"/>
+    <p:sldId id="299" r:id="rId12"/>
+    <p:sldId id="296" r:id="rId13"/>
+    <p:sldId id="276" r:id="rId14"/>
+    <p:sldId id="297" r:id="rId15"/>
+    <p:sldId id="295" r:id="rId16"/>
   </p:sldIdLst>
   <p:sldSz cx="12192000" cy="6858000"/>
   <p:notesSz cx="6858000" cy="9144000"/>
@@ -153,225 +155,6 @@
 </p:cmAuthorLst>
 </file>
 
-<file path=ppt/changesInfos/changesInfo1.xml><?xml version="1.0" encoding="utf-8"?>
-<pc:chgInfo xmlns:a="http://schemas.openxmlformats.org/drawingml/2006/main" xmlns:r="http://schemas.openxmlformats.org/officeDocument/2006/relationships" xmlns:ac="http://schemas.microsoft.com/office/drawing/2013/main/command" xmlns:pc="http://schemas.microsoft.com/office/powerpoint/2013/main/command">
-  <pc:docChgLst>
-    <pc:chgData name="Andy Lauwers" userId="7be6688b-968b-49c4-9bdf-941ba38dd5c5" providerId="ADAL" clId="{7CABCE64-8FF2-47BE-BDED-1FEAD6D05DA6}"/>
-    <pc:docChg chg="undo custSel addSld modSld">
-      <pc:chgData name="Andy Lauwers" userId="7be6688b-968b-49c4-9bdf-941ba38dd5c5" providerId="ADAL" clId="{7CABCE64-8FF2-47BE-BDED-1FEAD6D05DA6}" dt="2023-11-21T20:20:27.336" v="401"/>
-      <pc:docMkLst>
-        <pc:docMk/>
-      </pc:docMkLst>
-      <pc:sldChg chg="addSp delSp modSp mod">
-        <pc:chgData name="Andy Lauwers" userId="7be6688b-968b-49c4-9bdf-941ba38dd5c5" providerId="ADAL" clId="{7CABCE64-8FF2-47BE-BDED-1FEAD6D05DA6}" dt="2023-11-21T16:31:57.810" v="139" actId="1076"/>
-        <pc:sldMkLst>
-          <pc:docMk/>
-          <pc:sldMk cId="2069393026" sldId="278"/>
-        </pc:sldMkLst>
-        <pc:spChg chg="mod">
-          <ac:chgData name="Andy Lauwers" userId="7be6688b-968b-49c4-9bdf-941ba38dd5c5" providerId="ADAL" clId="{7CABCE64-8FF2-47BE-BDED-1FEAD6D05DA6}" dt="2023-11-21T16:27:01.920" v="70" actId="1076"/>
-          <ac:spMkLst>
-            <pc:docMk/>
-            <pc:sldMk cId="2069393026" sldId="278"/>
-            <ac:spMk id="2" creationId="{8A4E0A63-A388-49B1-A04E-27CE9BD622EF}"/>
-          </ac:spMkLst>
-        </pc:spChg>
-        <pc:spChg chg="del">
-          <ac:chgData name="Andy Lauwers" userId="7be6688b-968b-49c4-9bdf-941ba38dd5c5" providerId="ADAL" clId="{7CABCE64-8FF2-47BE-BDED-1FEAD6D05DA6}" dt="2023-11-21T16:21:28.437" v="0" actId="478"/>
-          <ac:spMkLst>
-            <pc:docMk/>
-            <pc:sldMk cId="2069393026" sldId="278"/>
-            <ac:spMk id="5" creationId="{06E82690-B145-4D4F-B2D1-0B2A8C50FD71}"/>
-          </ac:spMkLst>
-        </pc:spChg>
-        <pc:spChg chg="del">
-          <ac:chgData name="Andy Lauwers" userId="7be6688b-968b-49c4-9bdf-941ba38dd5c5" providerId="ADAL" clId="{7CABCE64-8FF2-47BE-BDED-1FEAD6D05DA6}" dt="2023-11-21T16:21:28.437" v="0" actId="478"/>
-          <ac:spMkLst>
-            <pc:docMk/>
-            <pc:sldMk cId="2069393026" sldId="278"/>
-            <ac:spMk id="6" creationId="{7640DF9D-0C9E-4C5D-9635-6B4DE10CCEE5}"/>
-          </ac:spMkLst>
-        </pc:spChg>
-        <pc:spChg chg="del">
-          <ac:chgData name="Andy Lauwers" userId="7be6688b-968b-49c4-9bdf-941ba38dd5c5" providerId="ADAL" clId="{7CABCE64-8FF2-47BE-BDED-1FEAD6D05DA6}" dt="2023-11-21T16:21:28.437" v="0" actId="478"/>
-          <ac:spMkLst>
-            <pc:docMk/>
-            <pc:sldMk cId="2069393026" sldId="278"/>
-            <ac:spMk id="7" creationId="{40297407-CE4E-4284-879D-AEC395713625}"/>
-          </ac:spMkLst>
-        </pc:spChg>
-        <pc:spChg chg="del">
-          <ac:chgData name="Andy Lauwers" userId="7be6688b-968b-49c4-9bdf-941ba38dd5c5" providerId="ADAL" clId="{7CABCE64-8FF2-47BE-BDED-1FEAD6D05DA6}" dt="2023-11-21T16:21:28.437" v="0" actId="478"/>
-          <ac:spMkLst>
-            <pc:docMk/>
-            <pc:sldMk cId="2069393026" sldId="278"/>
-            <ac:spMk id="8" creationId="{F5C3A7BE-F7FC-4942-A31A-491A8A806103}"/>
-          </ac:spMkLst>
-        </pc:spChg>
-        <pc:spChg chg="del">
-          <ac:chgData name="Andy Lauwers" userId="7be6688b-968b-49c4-9bdf-941ba38dd5c5" providerId="ADAL" clId="{7CABCE64-8FF2-47BE-BDED-1FEAD6D05DA6}" dt="2023-11-21T16:21:28.437" v="0" actId="478"/>
-          <ac:spMkLst>
-            <pc:docMk/>
-            <pc:sldMk cId="2069393026" sldId="278"/>
-            <ac:spMk id="9" creationId="{95CCE699-03D1-4642-B46A-B14EF17DA183}"/>
-          </ac:spMkLst>
-        </pc:spChg>
-        <pc:spChg chg="del">
-          <ac:chgData name="Andy Lauwers" userId="7be6688b-968b-49c4-9bdf-941ba38dd5c5" providerId="ADAL" clId="{7CABCE64-8FF2-47BE-BDED-1FEAD6D05DA6}" dt="2023-11-21T16:21:28.437" v="0" actId="478"/>
-          <ac:spMkLst>
-            <pc:docMk/>
-            <pc:sldMk cId="2069393026" sldId="278"/>
-            <ac:spMk id="10" creationId="{BC1DF189-6F2F-4C21-88CC-C82D3D0D147B}"/>
-          </ac:spMkLst>
-        </pc:spChg>
-        <pc:spChg chg="add del mod">
-          <ac:chgData name="Andy Lauwers" userId="7be6688b-968b-49c4-9bdf-941ba38dd5c5" providerId="ADAL" clId="{7CABCE64-8FF2-47BE-BDED-1FEAD6D05DA6}" dt="2023-11-21T16:21:30.873" v="4" actId="478"/>
-          <ac:spMkLst>
-            <pc:docMk/>
-            <pc:sldMk cId="2069393026" sldId="278"/>
-            <ac:spMk id="12" creationId="{8DF4E706-1731-8285-0DB7-EC7A8BED0BB2}"/>
-          </ac:spMkLst>
-        </pc:spChg>
-        <pc:spChg chg="add del mod">
-          <ac:chgData name="Andy Lauwers" userId="7be6688b-968b-49c4-9bdf-941ba38dd5c5" providerId="ADAL" clId="{7CABCE64-8FF2-47BE-BDED-1FEAD6D05DA6}" dt="2023-11-21T16:21:30.873" v="4" actId="478"/>
-          <ac:spMkLst>
-            <pc:docMk/>
-            <pc:sldMk cId="2069393026" sldId="278"/>
-            <ac:spMk id="14" creationId="{A487A0DE-2072-140F-0D60-19A1B9A601CE}"/>
-          </ac:spMkLst>
-        </pc:spChg>
-        <pc:spChg chg="add del mod">
-          <ac:chgData name="Andy Lauwers" userId="7be6688b-968b-49c4-9bdf-941ba38dd5c5" providerId="ADAL" clId="{7CABCE64-8FF2-47BE-BDED-1FEAD6D05DA6}" dt="2023-11-21T16:21:30.873" v="4" actId="478"/>
-          <ac:spMkLst>
-            <pc:docMk/>
-            <pc:sldMk cId="2069393026" sldId="278"/>
-            <ac:spMk id="16" creationId="{D58CC6B7-211E-1F03-8BEB-E3CE3D24E535}"/>
-          </ac:spMkLst>
-        </pc:spChg>
-        <pc:spChg chg="add del mod">
-          <ac:chgData name="Andy Lauwers" userId="7be6688b-968b-49c4-9bdf-941ba38dd5c5" providerId="ADAL" clId="{7CABCE64-8FF2-47BE-BDED-1FEAD6D05DA6}" dt="2023-11-21T16:21:30.873" v="4" actId="478"/>
-          <ac:spMkLst>
-            <pc:docMk/>
-            <pc:sldMk cId="2069393026" sldId="278"/>
-            <ac:spMk id="18" creationId="{0B4142E3-5F7A-D161-0D7E-2A0808DCF2E7}"/>
-          </ac:spMkLst>
-        </pc:spChg>
-        <pc:spChg chg="add del mod">
-          <ac:chgData name="Andy Lauwers" userId="7be6688b-968b-49c4-9bdf-941ba38dd5c5" providerId="ADAL" clId="{7CABCE64-8FF2-47BE-BDED-1FEAD6D05DA6}" dt="2023-11-21T16:21:30.873" v="4" actId="478"/>
-          <ac:spMkLst>
-            <pc:docMk/>
-            <pc:sldMk cId="2069393026" sldId="278"/>
-            <ac:spMk id="20" creationId="{6C587DE5-444E-CC57-0BD2-6553D5743AE4}"/>
-          </ac:spMkLst>
-        </pc:spChg>
-        <pc:spChg chg="add del mod">
-          <ac:chgData name="Andy Lauwers" userId="7be6688b-968b-49c4-9bdf-941ba38dd5c5" providerId="ADAL" clId="{7CABCE64-8FF2-47BE-BDED-1FEAD6D05DA6}" dt="2023-11-21T16:21:30.873" v="4" actId="478"/>
-          <ac:spMkLst>
-            <pc:docMk/>
-            <pc:sldMk cId="2069393026" sldId="278"/>
-            <ac:spMk id="22" creationId="{30573A7F-F08F-B873-F066-E455C7FEA44F}"/>
-          </ac:spMkLst>
-        </pc:spChg>
-        <pc:picChg chg="add mod">
-          <ac:chgData name="Andy Lauwers" userId="7be6688b-968b-49c4-9bdf-941ba38dd5c5" providerId="ADAL" clId="{7CABCE64-8FF2-47BE-BDED-1FEAD6D05DA6}" dt="2023-11-21T16:31:41.262" v="138" actId="1076"/>
-          <ac:picMkLst>
-            <pc:docMk/>
-            <pc:sldMk cId="2069393026" sldId="278"/>
-            <ac:picMk id="24" creationId="{FDAE47D6-4D84-7AC5-04EA-F74F0580CBC2}"/>
-          </ac:picMkLst>
-        </pc:picChg>
-        <pc:picChg chg="add mod ord">
-          <ac:chgData name="Andy Lauwers" userId="7be6688b-968b-49c4-9bdf-941ba38dd5c5" providerId="ADAL" clId="{7CABCE64-8FF2-47BE-BDED-1FEAD6D05DA6}" dt="2023-11-21T16:31:28.687" v="136" actId="1076"/>
-          <ac:picMkLst>
-            <pc:docMk/>
-            <pc:sldMk cId="2069393026" sldId="278"/>
-            <ac:picMk id="26" creationId="{39A2A588-D1A0-B1D5-885C-B131B230C2A9}"/>
-          </ac:picMkLst>
-        </pc:picChg>
-        <pc:picChg chg="add mod ord">
-          <ac:chgData name="Andy Lauwers" userId="7be6688b-968b-49c4-9bdf-941ba38dd5c5" providerId="ADAL" clId="{7CABCE64-8FF2-47BE-BDED-1FEAD6D05DA6}" dt="2023-11-21T16:30:20.512" v="129" actId="1037"/>
-          <ac:picMkLst>
-            <pc:docMk/>
-            <pc:sldMk cId="2069393026" sldId="278"/>
-            <ac:picMk id="28" creationId="{2487D7EF-2234-73EA-7432-979E8BB95317}"/>
-          </ac:picMkLst>
-        </pc:picChg>
-        <pc:picChg chg="add mod">
-          <ac:chgData name="Andy Lauwers" userId="7be6688b-968b-49c4-9bdf-941ba38dd5c5" providerId="ADAL" clId="{7CABCE64-8FF2-47BE-BDED-1FEAD6D05DA6}" dt="2023-11-21T16:31:57.810" v="139" actId="1076"/>
-          <ac:picMkLst>
-            <pc:docMk/>
-            <pc:sldMk cId="2069393026" sldId="278"/>
-            <ac:picMk id="30" creationId="{5ACB98AD-DF61-F169-376E-311211CCA5A2}"/>
-          </ac:picMkLst>
-        </pc:picChg>
-      </pc:sldChg>
-      <pc:sldChg chg="modSp mod">
-        <pc:chgData name="Andy Lauwers" userId="7be6688b-968b-49c4-9bdf-941ba38dd5c5" providerId="ADAL" clId="{7CABCE64-8FF2-47BE-BDED-1FEAD6D05DA6}" dt="2023-11-21T20:20:27.336" v="401"/>
-        <pc:sldMkLst>
-          <pc:docMk/>
-          <pc:sldMk cId="1844941827" sldId="289"/>
-        </pc:sldMkLst>
-        <pc:spChg chg="mod">
-          <ac:chgData name="Andy Lauwers" userId="7be6688b-968b-49c4-9bdf-941ba38dd5c5" providerId="ADAL" clId="{7CABCE64-8FF2-47BE-BDED-1FEAD6D05DA6}" dt="2023-11-21T20:20:27.336" v="401"/>
-          <ac:spMkLst>
-            <pc:docMk/>
-            <pc:sldMk cId="1844941827" sldId="289"/>
-            <ac:spMk id="4" creationId="{AC1C80FB-53F9-42EE-B1E6-D0F998EC5DFA}"/>
-          </ac:spMkLst>
-        </pc:spChg>
-      </pc:sldChg>
-      <pc:sldChg chg="addSp modSp add mod">
-        <pc:chgData name="Andy Lauwers" userId="7be6688b-968b-49c4-9bdf-941ba38dd5c5" providerId="ADAL" clId="{7CABCE64-8FF2-47BE-BDED-1FEAD6D05DA6}" dt="2023-11-21T20:14:39.033" v="249" actId="208"/>
-        <pc:sldMkLst>
-          <pc:docMk/>
-          <pc:sldMk cId="3902976026" sldId="296"/>
-        </pc:sldMkLst>
-        <pc:spChg chg="mod">
-          <ac:chgData name="Andy Lauwers" userId="7be6688b-968b-49c4-9bdf-941ba38dd5c5" providerId="ADAL" clId="{7CABCE64-8FF2-47BE-BDED-1FEAD6D05DA6}" dt="2023-11-21T16:27:21.474" v="72" actId="1076"/>
-          <ac:spMkLst>
-            <pc:docMk/>
-            <pc:sldMk cId="3902976026" sldId="296"/>
-            <ac:spMk id="2" creationId="{8A4E0A63-A388-49B1-A04E-27CE9BD622EF}"/>
-          </ac:spMkLst>
-        </pc:spChg>
-        <pc:picChg chg="add mod modCrop">
-          <ac:chgData name="Andy Lauwers" userId="7be6688b-968b-49c4-9bdf-941ba38dd5c5" providerId="ADAL" clId="{7CABCE64-8FF2-47BE-BDED-1FEAD6D05DA6}" dt="2023-11-21T18:35:58.540" v="229" actId="1076"/>
-          <ac:picMkLst>
-            <pc:docMk/>
-            <pc:sldMk cId="3902976026" sldId="296"/>
-            <ac:picMk id="6" creationId="{0608A728-313C-078D-45F3-F5984CCF7188}"/>
-          </ac:picMkLst>
-        </pc:picChg>
-        <pc:picChg chg="add mod">
-          <ac:chgData name="Andy Lauwers" userId="7be6688b-968b-49c4-9bdf-941ba38dd5c5" providerId="ADAL" clId="{7CABCE64-8FF2-47BE-BDED-1FEAD6D05DA6}" dt="2023-11-21T20:14:39.033" v="249" actId="208"/>
-          <ac:picMkLst>
-            <pc:docMk/>
-            <pc:sldMk cId="3902976026" sldId="296"/>
-            <ac:picMk id="7" creationId="{3EC9C497-A7AD-15BA-287A-A45A8B83A840}"/>
-          </ac:picMkLst>
-        </pc:picChg>
-        <pc:picChg chg="add mod ord modCrop">
-          <ac:chgData name="Andy Lauwers" userId="7be6688b-968b-49c4-9bdf-941ba38dd5c5" providerId="ADAL" clId="{7CABCE64-8FF2-47BE-BDED-1FEAD6D05DA6}" dt="2023-11-21T18:36:02.555" v="230" actId="1076"/>
-          <ac:picMkLst>
-            <pc:docMk/>
-            <pc:sldMk cId="3902976026" sldId="296"/>
-            <ac:picMk id="8" creationId="{C35D74DA-2272-73FF-6064-BE4FF01EFD38}"/>
-          </ac:picMkLst>
-        </pc:picChg>
-        <pc:picChg chg="add mod ord">
-          <ac:chgData name="Andy Lauwers" userId="7be6688b-968b-49c4-9bdf-941ba38dd5c5" providerId="ADAL" clId="{7CABCE64-8FF2-47BE-BDED-1FEAD6D05DA6}" dt="2023-11-21T20:14:33.301" v="247" actId="1582"/>
-          <ac:picMkLst>
-            <pc:docMk/>
-            <pc:sldMk cId="3902976026" sldId="296"/>
-            <ac:picMk id="10" creationId="{4164F6FB-5CE1-EB6B-E416-5557C6B0B504}"/>
-          </ac:picMkLst>
-        </pc:picChg>
-      </pc:sldChg>
-    </pc:docChg>
-  </pc:docChgLst>
-</pc:chgInfo>
-</file>
-
 <file path=ppt/handoutMasters/handoutMaster1.xml><?xml version="1.0" encoding="utf-8"?>
 <p:handoutMaster xmlns:a="http://schemas.openxmlformats.org/drawingml/2006/main" xmlns:r="http://schemas.openxmlformats.org/officeDocument/2006/relationships" xmlns:p="http://schemas.openxmlformats.org/presentationml/2006/main">
   <p:cSld>
@@ -468,7 +251,7 @@
             <a:pPr rtl="0"/>
             <a:fld id="{6BC4ED84-6EAE-4BB9-A239-A4541838CFBF}" type="datetime1">
               <a:rPr lang="fr-FR" smtClean="0"/>
-              <a:t>23/11/2023</a:t>
+              <a:t>18/01/2024</a:t>
             </a:fld>
             <a:endParaRPr lang="fr-FR"/>
           </a:p>
@@ -650,7 +433,7 @@
             <a:fld id="{30AA49DA-9B4C-4C11-AFC5-1C9CC1D3D925}" type="datetime1">
               <a:rPr lang="fr-FR" smtClean="0"/>
               <a:pPr/>
-              <a:t>23/11/2023</a:t>
+              <a:t>18/01/2024</a:t>
             </a:fld>
             <a:endParaRPr lang="fr-FR" dirty="0"/>
           </a:p>
@@ -1006,6 +789,261 @@
 </p:notes>
 </file>
 
+<file path=ppt/notesSlides/notesSlide10.xml><?xml version="1.0" encoding="utf-8"?>
+<p:notes xmlns:a="http://schemas.openxmlformats.org/drawingml/2006/main" xmlns:r="http://schemas.openxmlformats.org/officeDocument/2006/relationships" xmlns:p="http://schemas.openxmlformats.org/presentationml/2006/main">
+  <p:cSld>
+    <p:spTree>
+      <p:nvGrpSpPr>
+        <p:cNvPr id="1" name=""/>
+        <p:cNvGrpSpPr/>
+        <p:nvPr/>
+      </p:nvGrpSpPr>
+      <p:grpSpPr>
+        <a:xfrm>
+          <a:off x="0" y="0"/>
+          <a:ext cx="0" cy="0"/>
+          <a:chOff x="0" y="0"/>
+          <a:chExt cx="0" cy="0"/>
+        </a:xfrm>
+      </p:grpSpPr>
+      <p:sp>
+        <p:nvSpPr>
+          <p:cNvPr id="2" name="Espace réservé de l'image des diapositives 1"/>
+          <p:cNvSpPr>
+            <a:spLocks noGrp="1" noRot="1" noChangeAspect="1"/>
+          </p:cNvSpPr>
+          <p:nvPr>
+            <p:ph type="sldImg"/>
+          </p:nvPr>
+        </p:nvSpPr>
+        <p:spPr/>
+      </p:sp>
+      <p:sp>
+        <p:nvSpPr>
+          <p:cNvPr id="3" name="Espace réservé des notes 2"/>
+          <p:cNvSpPr>
+            <a:spLocks noGrp="1"/>
+          </p:cNvSpPr>
+          <p:nvPr>
+            <p:ph type="body" idx="1"/>
+          </p:nvPr>
+        </p:nvSpPr>
+        <p:spPr/>
+        <p:txBody>
+          <a:bodyPr/>
+          <a:lstStyle/>
+          <a:p>
+            <a:endParaRPr lang="fr-FR"/>
+          </a:p>
+        </p:txBody>
+      </p:sp>
+      <p:sp>
+        <p:nvSpPr>
+          <p:cNvPr id="4" name="Espace réservé du numéro de diapositive 3"/>
+          <p:cNvSpPr>
+            <a:spLocks noGrp="1"/>
+          </p:cNvSpPr>
+          <p:nvPr>
+            <p:ph type="sldNum" sz="quarter" idx="5"/>
+          </p:nvPr>
+        </p:nvSpPr>
+        <p:spPr/>
+        <p:txBody>
+          <a:bodyPr/>
+          <a:lstStyle/>
+          <a:p>
+            <a:pPr rtl="0"/>
+            <a:fld id="{D4B9A9E5-4F7F-4A7D-9DE1-899232329269}" type="slidenum">
+              <a:rPr lang="fr-FR" smtClean="0"/>
+              <a:t>10</a:t>
+            </a:fld>
+            <a:endParaRPr lang="fr-FR"/>
+          </a:p>
+        </p:txBody>
+      </p:sp>
+    </p:spTree>
+    <p:extLst>
+      <p:ext uri="{BB962C8B-B14F-4D97-AF65-F5344CB8AC3E}">
+        <p14:creationId xmlns:p14="http://schemas.microsoft.com/office/powerpoint/2010/main" val="2205105665"/>
+      </p:ext>
+    </p:extLst>
+  </p:cSld>
+  <p:clrMapOvr>
+    <a:masterClrMapping/>
+  </p:clrMapOvr>
+</p:notes>
+</file>
+
+<file path=ppt/notesSlides/notesSlide11.xml><?xml version="1.0" encoding="utf-8"?>
+<p:notes xmlns:a="http://schemas.openxmlformats.org/drawingml/2006/main" xmlns:r="http://schemas.openxmlformats.org/officeDocument/2006/relationships" xmlns:p="http://schemas.openxmlformats.org/presentationml/2006/main">
+  <p:cSld>
+    <p:spTree>
+      <p:nvGrpSpPr>
+        <p:cNvPr id="1" name=""/>
+        <p:cNvGrpSpPr/>
+        <p:nvPr/>
+      </p:nvGrpSpPr>
+      <p:grpSpPr>
+        <a:xfrm>
+          <a:off x="0" y="0"/>
+          <a:ext cx="0" cy="0"/>
+          <a:chOff x="0" y="0"/>
+          <a:chExt cx="0" cy="0"/>
+        </a:xfrm>
+      </p:grpSpPr>
+      <p:sp>
+        <p:nvSpPr>
+          <p:cNvPr id="2" name="Tijdelijke aanduiding voor dia-afbeelding 1"/>
+          <p:cNvSpPr>
+            <a:spLocks noGrp="1" noRot="1" noChangeAspect="1"/>
+          </p:cNvSpPr>
+          <p:nvPr>
+            <p:ph type="sldImg"/>
+          </p:nvPr>
+        </p:nvSpPr>
+        <p:spPr/>
+      </p:sp>
+      <p:sp>
+        <p:nvSpPr>
+          <p:cNvPr id="3" name="Tijdelijke aanduiding voor notities 2"/>
+          <p:cNvSpPr>
+            <a:spLocks noGrp="1"/>
+          </p:cNvSpPr>
+          <p:nvPr>
+            <p:ph type="body" idx="1"/>
+          </p:nvPr>
+        </p:nvSpPr>
+        <p:spPr/>
+        <p:txBody>
+          <a:bodyPr/>
+          <a:lstStyle/>
+          <a:p>
+            <a:endParaRPr lang="nl-BE"/>
+          </a:p>
+        </p:txBody>
+      </p:sp>
+      <p:sp>
+        <p:nvSpPr>
+          <p:cNvPr id="4" name="Tijdelijke aanduiding voor dianummer 3"/>
+          <p:cNvSpPr>
+            <a:spLocks noGrp="1"/>
+          </p:cNvSpPr>
+          <p:nvPr>
+            <p:ph type="sldNum" sz="quarter" idx="5"/>
+          </p:nvPr>
+        </p:nvSpPr>
+        <p:spPr/>
+        <p:txBody>
+          <a:bodyPr/>
+          <a:lstStyle/>
+          <a:p>
+            <a:pPr rtl="0"/>
+            <a:fld id="{D4B9A9E5-4F7F-4A7D-9DE1-899232329269}" type="slidenum">
+              <a:rPr lang="fr-FR" noProof="0" smtClean="0"/>
+              <a:t>11</a:t>
+            </a:fld>
+            <a:endParaRPr lang="fr-FR" noProof="0"/>
+          </a:p>
+        </p:txBody>
+      </p:sp>
+    </p:spTree>
+    <p:extLst>
+      <p:ext uri="{BB962C8B-B14F-4D97-AF65-F5344CB8AC3E}">
+        <p14:creationId xmlns:p14="http://schemas.microsoft.com/office/powerpoint/2010/main" val="1719477131"/>
+      </p:ext>
+    </p:extLst>
+  </p:cSld>
+  <p:clrMapOvr>
+    <a:masterClrMapping/>
+  </p:clrMapOvr>
+</p:notes>
+</file>
+
+<file path=ppt/notesSlides/notesSlide12.xml><?xml version="1.0" encoding="utf-8"?>
+<p:notes xmlns:a="http://schemas.openxmlformats.org/drawingml/2006/main" xmlns:r="http://schemas.openxmlformats.org/officeDocument/2006/relationships" xmlns:p="http://schemas.openxmlformats.org/presentationml/2006/main">
+  <p:cSld>
+    <p:spTree>
+      <p:nvGrpSpPr>
+        <p:cNvPr id="1" name=""/>
+        <p:cNvGrpSpPr/>
+        <p:nvPr/>
+      </p:nvGrpSpPr>
+      <p:grpSpPr>
+        <a:xfrm>
+          <a:off x="0" y="0"/>
+          <a:ext cx="0" cy="0"/>
+          <a:chOff x="0" y="0"/>
+          <a:chExt cx="0" cy="0"/>
+        </a:xfrm>
+      </p:grpSpPr>
+      <p:sp>
+        <p:nvSpPr>
+          <p:cNvPr id="2" name="Tijdelijke aanduiding voor dia-afbeelding 1"/>
+          <p:cNvSpPr>
+            <a:spLocks noGrp="1" noRot="1" noChangeAspect="1"/>
+          </p:cNvSpPr>
+          <p:nvPr>
+            <p:ph type="sldImg"/>
+          </p:nvPr>
+        </p:nvSpPr>
+        <p:spPr/>
+      </p:sp>
+      <p:sp>
+        <p:nvSpPr>
+          <p:cNvPr id="3" name="Tijdelijke aanduiding voor notities 2"/>
+          <p:cNvSpPr>
+            <a:spLocks noGrp="1"/>
+          </p:cNvSpPr>
+          <p:nvPr>
+            <p:ph type="body" idx="1"/>
+          </p:nvPr>
+        </p:nvSpPr>
+        <p:spPr/>
+        <p:txBody>
+          <a:bodyPr/>
+          <a:lstStyle/>
+          <a:p>
+            <a:endParaRPr lang="nl-BE"/>
+          </a:p>
+        </p:txBody>
+      </p:sp>
+      <p:sp>
+        <p:nvSpPr>
+          <p:cNvPr id="4" name="Tijdelijke aanduiding voor dianummer 3"/>
+          <p:cNvSpPr>
+            <a:spLocks noGrp="1"/>
+          </p:cNvSpPr>
+          <p:nvPr>
+            <p:ph type="sldNum" sz="quarter" idx="5"/>
+          </p:nvPr>
+        </p:nvSpPr>
+        <p:spPr/>
+        <p:txBody>
+          <a:bodyPr/>
+          <a:lstStyle/>
+          <a:p>
+            <a:pPr rtl="0"/>
+            <a:fld id="{D4B9A9E5-4F7F-4A7D-9DE1-899232329269}" type="slidenum">
+              <a:rPr lang="fr-FR" noProof="0" smtClean="0"/>
+              <a:t>12</a:t>
+            </a:fld>
+            <a:endParaRPr lang="fr-FR" noProof="0"/>
+          </a:p>
+        </p:txBody>
+      </p:sp>
+    </p:spTree>
+    <p:extLst>
+      <p:ext uri="{BB962C8B-B14F-4D97-AF65-F5344CB8AC3E}">
+        <p14:creationId xmlns:p14="http://schemas.microsoft.com/office/powerpoint/2010/main" val="1720787705"/>
+      </p:ext>
+    </p:extLst>
+  </p:cSld>
+  <p:clrMapOvr>
+    <a:masterClrMapping/>
+  </p:clrMapOvr>
+</p:notes>
+</file>
+
 <file path=ppt/notesSlides/notesSlide2.xml><?xml version="1.0" encoding="utf-8"?>
 <p:notes xmlns:a="http://schemas.openxmlformats.org/drawingml/2006/main" xmlns:r="http://schemas.openxmlformats.org/officeDocument/2006/relationships" xmlns:p="http://schemas.openxmlformats.org/presentationml/2006/main">
   <p:cSld>
@@ -1025,7 +1063,7 @@
       </p:grpSpPr>
       <p:sp>
         <p:nvSpPr>
-          <p:cNvPr id="2" name="Espace réservé de l’image des diapositives 1"/>
+          <p:cNvPr id="2" name="Tijdelijke aanduiding voor dia-afbeelding 1"/>
           <p:cNvSpPr>
             <a:spLocks noGrp="1" noRot="1" noChangeAspect="1"/>
           </p:cNvSpPr>
@@ -1037,7 +1075,7 @@
       </p:sp>
       <p:sp>
         <p:nvSpPr>
-          <p:cNvPr id="3" name="Espace réservé des commentaires 2"/>
+          <p:cNvPr id="3" name="Tijdelijke aanduiding voor notities 2"/>
           <p:cNvSpPr>
             <a:spLocks noGrp="1"/>
           </p:cNvSpPr>
@@ -1047,17 +1085,16 @@
         </p:nvSpPr>
         <p:spPr/>
         <p:txBody>
-          <a:bodyPr rtlCol="0"/>
+          <a:bodyPr/>
           <a:lstStyle/>
           <a:p>
-            <a:pPr rtl="0"/>
-            <a:endParaRPr lang="fr-FR"/>
-          </a:p>
-        </p:txBody>
-      </p:sp>
-      <p:sp>
-        <p:nvSpPr>
-          <p:cNvPr id="4" name="Espace réservé du numéro de diapositive 3"/>
+            <a:endParaRPr lang="nl-BE"/>
+          </a:p>
+        </p:txBody>
+      </p:sp>
+      <p:sp>
+        <p:nvSpPr>
+          <p:cNvPr id="4" name="Tijdelijke aanduiding voor dianummer 3"/>
           <p:cNvSpPr>
             <a:spLocks noGrp="1"/>
           </p:cNvSpPr>
@@ -1067,22 +1104,22 @@
         </p:nvSpPr>
         <p:spPr/>
         <p:txBody>
-          <a:bodyPr rtlCol="0"/>
+          <a:bodyPr/>
           <a:lstStyle/>
           <a:p>
             <a:pPr rtl="0"/>
             <a:fld id="{D4B9A9E5-4F7F-4A7D-9DE1-899232329269}" type="slidenum">
-              <a:rPr lang="fr-FR" smtClean="0"/>
-              <a:t>3</a:t>
+              <a:rPr lang="fr-FR" noProof="0" smtClean="0"/>
+              <a:t>2</a:t>
             </a:fld>
-            <a:endParaRPr lang="fr-FR"/>
+            <a:endParaRPr lang="fr-FR" noProof="0"/>
           </a:p>
         </p:txBody>
       </p:sp>
     </p:spTree>
     <p:extLst>
       <p:ext uri="{BB962C8B-B14F-4D97-AF65-F5344CB8AC3E}">
-        <p14:creationId xmlns:p14="http://schemas.microsoft.com/office/powerpoint/2010/main" val="3886065320"/>
+        <p14:creationId xmlns:p14="http://schemas.microsoft.com/office/powerpoint/2010/main" val="2418643742"/>
       </p:ext>
     </p:extLst>
   </p:cSld>
@@ -1111,7 +1148,7 @@
       </p:grpSpPr>
       <p:sp>
         <p:nvSpPr>
-          <p:cNvPr id="2" name="Espace réservé de l'image des diapositives 1"/>
+          <p:cNvPr id="2" name="Espace réservé de l’image des diapositives 1"/>
           <p:cNvSpPr>
             <a:spLocks noGrp="1" noRot="1" noChangeAspect="1"/>
           </p:cNvSpPr>
@@ -1123,7 +1160,7 @@
       </p:sp>
       <p:sp>
         <p:nvSpPr>
-          <p:cNvPr id="3" name="Espace réservé des notes 2"/>
+          <p:cNvPr id="3" name="Espace réservé des commentaires 2"/>
           <p:cNvSpPr>
             <a:spLocks noGrp="1"/>
           </p:cNvSpPr>
@@ -1133,9 +1170,10 @@
         </p:nvSpPr>
         <p:spPr/>
         <p:txBody>
-          <a:bodyPr/>
+          <a:bodyPr rtlCol="0"/>
           <a:lstStyle/>
           <a:p>
+            <a:pPr rtl="0"/>
             <a:endParaRPr lang="fr-FR"/>
           </a:p>
         </p:txBody>
@@ -1152,13 +1190,13 @@
         </p:nvSpPr>
         <p:spPr/>
         <p:txBody>
-          <a:bodyPr/>
+          <a:bodyPr rtlCol="0"/>
           <a:lstStyle/>
           <a:p>
             <a:pPr rtl="0"/>
             <a:fld id="{D4B9A9E5-4F7F-4A7D-9DE1-899232329269}" type="slidenum">
               <a:rPr lang="fr-FR" smtClean="0"/>
-              <a:t>4</a:t>
+              <a:t>3</a:t>
             </a:fld>
             <a:endParaRPr lang="fr-FR"/>
           </a:p>
@@ -1167,7 +1205,7 @@
     </p:spTree>
     <p:extLst>
       <p:ext uri="{BB962C8B-B14F-4D97-AF65-F5344CB8AC3E}">
-        <p14:creationId xmlns:p14="http://schemas.microsoft.com/office/powerpoint/2010/main" val="818436568"/>
+        <p14:creationId xmlns:p14="http://schemas.microsoft.com/office/powerpoint/2010/main" val="3886065320"/>
       </p:ext>
     </p:extLst>
   </p:cSld>
@@ -1243,7 +1281,7 @@
             <a:pPr rtl="0"/>
             <a:fld id="{D4B9A9E5-4F7F-4A7D-9DE1-899232329269}" type="slidenum">
               <a:rPr lang="fr-FR" smtClean="0"/>
-              <a:t>5</a:t>
+              <a:t>4</a:t>
             </a:fld>
             <a:endParaRPr lang="fr-FR"/>
           </a:p>
@@ -1252,7 +1290,7 @@
     </p:spTree>
     <p:extLst>
       <p:ext uri="{BB962C8B-B14F-4D97-AF65-F5344CB8AC3E}">
-        <p14:creationId xmlns:p14="http://schemas.microsoft.com/office/powerpoint/2010/main" val="472816966"/>
+        <p14:creationId xmlns:p14="http://schemas.microsoft.com/office/powerpoint/2010/main" val="818436568"/>
       </p:ext>
     </p:extLst>
   </p:cSld>
@@ -1328,7 +1366,7 @@
             <a:pPr rtl="0"/>
             <a:fld id="{D4B9A9E5-4F7F-4A7D-9DE1-899232329269}" type="slidenum">
               <a:rPr lang="fr-FR" smtClean="0"/>
-              <a:t>6</a:t>
+              <a:t>5</a:t>
             </a:fld>
             <a:endParaRPr lang="fr-FR"/>
           </a:p>
@@ -1337,7 +1375,7 @@
     </p:spTree>
     <p:extLst>
       <p:ext uri="{BB962C8B-B14F-4D97-AF65-F5344CB8AC3E}">
-        <p14:creationId xmlns:p14="http://schemas.microsoft.com/office/powerpoint/2010/main" val="3172109094"/>
+        <p14:creationId xmlns:p14="http://schemas.microsoft.com/office/powerpoint/2010/main" val="472816966"/>
       </p:ext>
     </p:extLst>
   </p:cSld>
@@ -1413,7 +1451,7 @@
             <a:pPr rtl="0"/>
             <a:fld id="{D4B9A9E5-4F7F-4A7D-9DE1-899232329269}" type="slidenum">
               <a:rPr lang="fr-FR" smtClean="0"/>
-              <a:t>7</a:t>
+              <a:t>6</a:t>
             </a:fld>
             <a:endParaRPr lang="fr-FR"/>
           </a:p>
@@ -1422,7 +1460,7 @@
     </p:spTree>
     <p:extLst>
       <p:ext uri="{BB962C8B-B14F-4D97-AF65-F5344CB8AC3E}">
-        <p14:creationId xmlns:p14="http://schemas.microsoft.com/office/powerpoint/2010/main" val="1981810197"/>
+        <p14:creationId xmlns:p14="http://schemas.microsoft.com/office/powerpoint/2010/main" val="3172109094"/>
       </p:ext>
     </p:extLst>
   </p:cSld>
@@ -1498,7 +1536,7 @@
             <a:pPr rtl="0"/>
             <a:fld id="{D4B9A9E5-4F7F-4A7D-9DE1-899232329269}" type="slidenum">
               <a:rPr lang="fr-FR" smtClean="0"/>
-              <a:t>8</a:t>
+              <a:t>7</a:t>
             </a:fld>
             <a:endParaRPr lang="fr-FR"/>
           </a:p>
@@ -1507,7 +1545,177 @@
     </p:spTree>
     <p:extLst>
       <p:ext uri="{BB962C8B-B14F-4D97-AF65-F5344CB8AC3E}">
-        <p14:creationId xmlns:p14="http://schemas.microsoft.com/office/powerpoint/2010/main" val="2205105665"/>
+        <p14:creationId xmlns:p14="http://schemas.microsoft.com/office/powerpoint/2010/main" val="1526848265"/>
+      </p:ext>
+    </p:extLst>
+  </p:cSld>
+  <p:clrMapOvr>
+    <a:masterClrMapping/>
+  </p:clrMapOvr>
+</p:notes>
+</file>
+
+<file path=ppt/notesSlides/notesSlide8.xml><?xml version="1.0" encoding="utf-8"?>
+<p:notes xmlns:a="http://schemas.openxmlformats.org/drawingml/2006/main" xmlns:r="http://schemas.openxmlformats.org/officeDocument/2006/relationships" xmlns:p="http://schemas.openxmlformats.org/presentationml/2006/main">
+  <p:cSld>
+    <p:spTree>
+      <p:nvGrpSpPr>
+        <p:cNvPr id="1" name=""/>
+        <p:cNvGrpSpPr/>
+        <p:nvPr/>
+      </p:nvGrpSpPr>
+      <p:grpSpPr>
+        <a:xfrm>
+          <a:off x="0" y="0"/>
+          <a:ext cx="0" cy="0"/>
+          <a:chOff x="0" y="0"/>
+          <a:chExt cx="0" cy="0"/>
+        </a:xfrm>
+      </p:grpSpPr>
+      <p:sp>
+        <p:nvSpPr>
+          <p:cNvPr id="2" name="Tijdelijke aanduiding voor dia-afbeelding 1"/>
+          <p:cNvSpPr>
+            <a:spLocks noGrp="1" noRot="1" noChangeAspect="1"/>
+          </p:cNvSpPr>
+          <p:nvPr>
+            <p:ph type="sldImg"/>
+          </p:nvPr>
+        </p:nvSpPr>
+        <p:spPr/>
+      </p:sp>
+      <p:sp>
+        <p:nvSpPr>
+          <p:cNvPr id="3" name="Tijdelijke aanduiding voor notities 2"/>
+          <p:cNvSpPr>
+            <a:spLocks noGrp="1"/>
+          </p:cNvSpPr>
+          <p:nvPr>
+            <p:ph type="body" idx="1"/>
+          </p:nvPr>
+        </p:nvSpPr>
+        <p:spPr/>
+        <p:txBody>
+          <a:bodyPr/>
+          <a:lstStyle/>
+          <a:p>
+            <a:endParaRPr lang="nl-BE"/>
+          </a:p>
+        </p:txBody>
+      </p:sp>
+      <p:sp>
+        <p:nvSpPr>
+          <p:cNvPr id="4" name="Tijdelijke aanduiding voor dianummer 3"/>
+          <p:cNvSpPr>
+            <a:spLocks noGrp="1"/>
+          </p:cNvSpPr>
+          <p:nvPr>
+            <p:ph type="sldNum" sz="quarter" idx="5"/>
+          </p:nvPr>
+        </p:nvSpPr>
+        <p:spPr/>
+        <p:txBody>
+          <a:bodyPr/>
+          <a:lstStyle/>
+          <a:p>
+            <a:pPr rtl="0"/>
+            <a:fld id="{D4B9A9E5-4F7F-4A7D-9DE1-899232329269}" type="slidenum">
+              <a:rPr lang="fr-FR" noProof="0" smtClean="0"/>
+              <a:t>8</a:t>
+            </a:fld>
+            <a:endParaRPr lang="fr-FR" noProof="0"/>
+          </a:p>
+        </p:txBody>
+      </p:sp>
+    </p:spTree>
+    <p:extLst>
+      <p:ext uri="{BB962C8B-B14F-4D97-AF65-F5344CB8AC3E}">
+        <p14:creationId xmlns:p14="http://schemas.microsoft.com/office/powerpoint/2010/main" val="2040736720"/>
+      </p:ext>
+    </p:extLst>
+  </p:cSld>
+  <p:clrMapOvr>
+    <a:masterClrMapping/>
+  </p:clrMapOvr>
+</p:notes>
+</file>
+
+<file path=ppt/notesSlides/notesSlide9.xml><?xml version="1.0" encoding="utf-8"?>
+<p:notes xmlns:a="http://schemas.openxmlformats.org/drawingml/2006/main" xmlns:r="http://schemas.openxmlformats.org/officeDocument/2006/relationships" xmlns:p="http://schemas.openxmlformats.org/presentationml/2006/main">
+  <p:cSld>
+    <p:spTree>
+      <p:nvGrpSpPr>
+        <p:cNvPr id="1" name=""/>
+        <p:cNvGrpSpPr/>
+        <p:nvPr/>
+      </p:nvGrpSpPr>
+      <p:grpSpPr>
+        <a:xfrm>
+          <a:off x="0" y="0"/>
+          <a:ext cx="0" cy="0"/>
+          <a:chOff x="0" y="0"/>
+          <a:chExt cx="0" cy="0"/>
+        </a:xfrm>
+      </p:grpSpPr>
+      <p:sp>
+        <p:nvSpPr>
+          <p:cNvPr id="2" name="Espace réservé de l'image des diapositives 1"/>
+          <p:cNvSpPr>
+            <a:spLocks noGrp="1" noRot="1" noChangeAspect="1"/>
+          </p:cNvSpPr>
+          <p:nvPr>
+            <p:ph type="sldImg"/>
+          </p:nvPr>
+        </p:nvSpPr>
+        <p:spPr/>
+      </p:sp>
+      <p:sp>
+        <p:nvSpPr>
+          <p:cNvPr id="3" name="Espace réservé des notes 2"/>
+          <p:cNvSpPr>
+            <a:spLocks noGrp="1"/>
+          </p:cNvSpPr>
+          <p:nvPr>
+            <p:ph type="body" idx="1"/>
+          </p:nvPr>
+        </p:nvSpPr>
+        <p:spPr/>
+        <p:txBody>
+          <a:bodyPr/>
+          <a:lstStyle/>
+          <a:p>
+            <a:endParaRPr lang="fr-FR"/>
+          </a:p>
+        </p:txBody>
+      </p:sp>
+      <p:sp>
+        <p:nvSpPr>
+          <p:cNvPr id="4" name="Espace réservé du numéro de diapositive 3"/>
+          <p:cNvSpPr>
+            <a:spLocks noGrp="1"/>
+          </p:cNvSpPr>
+          <p:nvPr>
+            <p:ph type="sldNum" sz="quarter" idx="5"/>
+          </p:nvPr>
+        </p:nvSpPr>
+        <p:spPr/>
+        <p:txBody>
+          <a:bodyPr/>
+          <a:lstStyle/>
+          <a:p>
+            <a:pPr rtl="0"/>
+            <a:fld id="{D4B9A9E5-4F7F-4A7D-9DE1-899232329269}" type="slidenum">
+              <a:rPr lang="fr-FR" smtClean="0"/>
+              <a:t>9</a:t>
+            </a:fld>
+            <a:endParaRPr lang="fr-FR"/>
+          </a:p>
+        </p:txBody>
+      </p:sp>
+    </p:spTree>
+    <p:extLst>
+      <p:ext uri="{BB962C8B-B14F-4D97-AF65-F5344CB8AC3E}">
+        <p14:creationId xmlns:p14="http://schemas.microsoft.com/office/powerpoint/2010/main" val="1981810197"/>
       </p:ext>
     </p:extLst>
   </p:cSld>
@@ -16450,15 +16658,7 @@
             <a:pPr rtl="0"/>
             <a:r>
               <a:rPr lang="fr-FR" dirty="0"/>
-              <a:t>Andy L - </a:t>
-            </a:r>
-            <a:r>
-              <a:rPr lang="fr-FR" dirty="0" err="1"/>
-              <a:t>Jari</a:t>
-            </a:r>
-            <a:r>
-              <a:rPr lang="fr-FR" dirty="0"/>
-              <a:t> G – Lars VM</a:t>
+              <a:t>Andy L - Jari G</a:t>
             </a:r>
           </a:p>
         </p:txBody>
@@ -16495,6 +16695,914 @@
       </p:grpSpPr>
       <p:sp>
         <p:nvSpPr>
+          <p:cNvPr id="2" name="Titre 1">
+            <a:extLst>
+              <a:ext uri="{FF2B5EF4-FFF2-40B4-BE49-F238E27FC236}">
+                <a16:creationId xmlns:a16="http://schemas.microsoft.com/office/drawing/2014/main" id="{BCCAEE93-8585-46D4-A7EC-F184E317CB2E}"/>
+              </a:ext>
+            </a:extLst>
+          </p:cNvPr>
+          <p:cNvSpPr>
+            <a:spLocks noGrp="1"/>
+          </p:cNvSpPr>
+          <p:nvPr>
+            <p:ph type="ctrTitle"/>
+          </p:nvPr>
+        </p:nvSpPr>
+        <p:spPr>
+          <a:xfrm>
+            <a:off x="6287043" y="1991752"/>
+            <a:ext cx="4179570" cy="1524735"/>
+          </a:xfrm>
+        </p:spPr>
+        <p:txBody>
+          <a:bodyPr rtlCol="0"/>
+          <a:lstStyle/>
+          <a:p>
+            <a:pPr rtl="0"/>
+            <a:r>
+              <a:rPr lang="fr-FR" sz="4800" dirty="0" err="1"/>
+              <a:t>Demo</a:t>
+            </a:r>
+            <a:endParaRPr lang="fr-FR" sz="4800" dirty="0"/>
+          </a:p>
+        </p:txBody>
+      </p:sp>
+      <p:sp>
+        <p:nvSpPr>
+          <p:cNvPr id="4" name="Espace réservé de la date 3">
+            <a:extLst>
+              <a:ext uri="{FF2B5EF4-FFF2-40B4-BE49-F238E27FC236}">
+                <a16:creationId xmlns:a16="http://schemas.microsoft.com/office/drawing/2014/main" id="{72DA7980-C870-4C9A-84FA-4120D8AF5DE8}"/>
+              </a:ext>
+            </a:extLst>
+          </p:cNvPr>
+          <p:cNvSpPr>
+            <a:spLocks noGrp="1"/>
+          </p:cNvSpPr>
+          <p:nvPr>
+            <p:ph type="dt" sz="half" idx="10"/>
+          </p:nvPr>
+        </p:nvSpPr>
+        <p:spPr>
+          <a:xfrm>
+            <a:off x="4267200" y="6356350"/>
+            <a:ext cx="1774371" cy="365125"/>
+          </a:xfrm>
+        </p:spPr>
+        <p:txBody>
+          <a:bodyPr rtlCol="0"/>
+          <a:lstStyle/>
+          <a:p>
+            <a:pPr rtl="0"/>
+            <a:r>
+              <a:rPr lang="fr-FR" dirty="0"/>
+              <a:t>2024</a:t>
+            </a:r>
+          </a:p>
+        </p:txBody>
+      </p:sp>
+      <p:sp>
+        <p:nvSpPr>
+          <p:cNvPr id="5" name="Espace réservé du pied de page 4">
+            <a:extLst>
+              <a:ext uri="{FF2B5EF4-FFF2-40B4-BE49-F238E27FC236}">
+                <a16:creationId xmlns:a16="http://schemas.microsoft.com/office/drawing/2014/main" id="{0DFADE42-1A3F-40C8-A071-E57644F3D843}"/>
+              </a:ext>
+            </a:extLst>
+          </p:cNvPr>
+          <p:cNvSpPr>
+            <a:spLocks noGrp="1"/>
+          </p:cNvSpPr>
+          <p:nvPr>
+            <p:ph type="ftr" sz="quarter" idx="11"/>
+          </p:nvPr>
+        </p:nvSpPr>
+        <p:spPr>
+          <a:xfrm>
+            <a:off x="6479721" y="6356350"/>
+            <a:ext cx="2661557" cy="365125"/>
+          </a:xfrm>
+        </p:spPr>
+        <p:txBody>
+          <a:bodyPr rtlCol="0"/>
+          <a:lstStyle/>
+          <a:p>
+            <a:pPr rtl="0"/>
+            <a:r>
+              <a:rPr lang="fr-FR" noProof="0" dirty="0" err="1"/>
+              <a:t>Fleetmanager</a:t>
+            </a:r>
+            <a:r>
+              <a:rPr lang="fr-FR" noProof="0" dirty="0"/>
+              <a:t> </a:t>
+            </a:r>
+            <a:r>
+              <a:rPr lang="fr-FR" noProof="0" dirty="0" err="1"/>
+              <a:t>Allphi</a:t>
+            </a:r>
+            <a:endParaRPr lang="fr-FR" noProof="0" dirty="0"/>
+          </a:p>
+        </p:txBody>
+      </p:sp>
+      <p:sp>
+        <p:nvSpPr>
+          <p:cNvPr id="6" name="Espace réservé du numéro de diapositive 5">
+            <a:extLst>
+              <a:ext uri="{FF2B5EF4-FFF2-40B4-BE49-F238E27FC236}">
+                <a16:creationId xmlns:a16="http://schemas.microsoft.com/office/drawing/2014/main" id="{5EDCFF82-B70F-4971-9182-7C3AEA3CFD26}"/>
+              </a:ext>
+            </a:extLst>
+          </p:cNvPr>
+          <p:cNvSpPr>
+            <a:spLocks noGrp="1"/>
+          </p:cNvSpPr>
+          <p:nvPr>
+            <p:ph type="sldNum" sz="quarter" idx="12"/>
+          </p:nvPr>
+        </p:nvSpPr>
+        <p:spPr>
+          <a:xfrm>
+            <a:off x="9579428" y="6356350"/>
+            <a:ext cx="1774371" cy="365125"/>
+          </a:xfrm>
+        </p:spPr>
+        <p:txBody>
+          <a:bodyPr rtlCol="0"/>
+          <a:lstStyle/>
+          <a:p>
+            <a:pPr rtl="0"/>
+            <a:fld id="{B5CEABB6-07DC-46E8-9B57-56EC44A396E5}" type="slidenum">
+              <a:rPr lang="fr-FR" smtClean="0"/>
+              <a:pPr rtl="0"/>
+              <a:t>10</a:t>
+            </a:fld>
+            <a:endParaRPr lang="fr-FR"/>
+          </a:p>
+        </p:txBody>
+      </p:sp>
+    </p:spTree>
+    <p:extLst>
+      <p:ext uri="{BB962C8B-B14F-4D97-AF65-F5344CB8AC3E}">
+        <p14:creationId xmlns:p14="http://schemas.microsoft.com/office/powerpoint/2010/main" val="2436493926"/>
+      </p:ext>
+    </p:extLst>
+  </p:cSld>
+  <p:clrMapOvr>
+    <a:masterClrMapping/>
+  </p:clrMapOvr>
+</p:sld>
+</file>
+
+<file path=ppt/slides/slide11.xml><?xml version="1.0" encoding="utf-8"?>
+<p:sld xmlns:a="http://schemas.openxmlformats.org/drawingml/2006/main" xmlns:r="http://schemas.openxmlformats.org/officeDocument/2006/relationships" xmlns:p="http://schemas.openxmlformats.org/presentationml/2006/main">
+  <p:cSld>
+    <p:spTree>
+      <p:nvGrpSpPr>
+        <p:cNvPr id="1" name=""/>
+        <p:cNvGrpSpPr/>
+        <p:nvPr/>
+      </p:nvGrpSpPr>
+      <p:grpSpPr>
+        <a:xfrm>
+          <a:off x="0" y="0"/>
+          <a:ext cx="0" cy="0"/>
+          <a:chOff x="0" y="0"/>
+          <a:chExt cx="0" cy="0"/>
+        </a:xfrm>
+      </p:grpSpPr>
+      <p:sp>
+        <p:nvSpPr>
+          <p:cNvPr id="2" name="Titel 1">
+            <a:extLst>
+              <a:ext uri="{FF2B5EF4-FFF2-40B4-BE49-F238E27FC236}">
+                <a16:creationId xmlns:a16="http://schemas.microsoft.com/office/drawing/2014/main" id="{D2BC05BC-4C50-F1E6-84A5-87D58296B9B9}"/>
+              </a:ext>
+            </a:extLst>
+          </p:cNvPr>
+          <p:cNvSpPr>
+            <a:spLocks noGrp="1"/>
+          </p:cNvSpPr>
+          <p:nvPr>
+            <p:ph type="title"/>
+          </p:nvPr>
+        </p:nvSpPr>
+        <p:spPr/>
+        <p:txBody>
+          <a:bodyPr/>
+          <a:lstStyle/>
+          <a:p>
+            <a:r>
+              <a:rPr lang="nl-BE" dirty="0"/>
+              <a:t>Toekomst</a:t>
+            </a:r>
+          </a:p>
+        </p:txBody>
+      </p:sp>
+      <p:sp>
+        <p:nvSpPr>
+          <p:cNvPr id="3" name="Tijdelijke aanduiding voor tekst 2">
+            <a:extLst>
+              <a:ext uri="{FF2B5EF4-FFF2-40B4-BE49-F238E27FC236}">
+                <a16:creationId xmlns:a16="http://schemas.microsoft.com/office/drawing/2014/main" id="{B7568AE7-7DE0-8D2A-AE69-6D6C786CBF13}"/>
+              </a:ext>
+            </a:extLst>
+          </p:cNvPr>
+          <p:cNvSpPr>
+            <a:spLocks noGrp="1"/>
+          </p:cNvSpPr>
+          <p:nvPr>
+            <p:ph type="body" sz="quarter" idx="13"/>
+          </p:nvPr>
+        </p:nvSpPr>
+        <p:spPr>
+          <a:xfrm>
+            <a:off x="5919680" y="1577111"/>
+            <a:ext cx="5433204" cy="4468090"/>
+          </a:xfrm>
+        </p:spPr>
+        <p:txBody>
+          <a:bodyPr>
+            <a:normAutofit fontScale="85000" lnSpcReduction="10000"/>
+          </a:bodyPr>
+          <a:lstStyle/>
+          <a:p>
+            <a:pPr marL="342900" indent="-342900">
+              <a:lnSpc>
+                <a:spcPct val="200000"/>
+              </a:lnSpc>
+              <a:buFont typeface="Arial" panose="020B0604020202020204" pitchFamily="34" charset="0"/>
+              <a:buChar char="•"/>
+            </a:pPr>
+            <a:r>
+              <a:rPr lang="nl-BE" dirty="0"/>
+              <a:t>Data tabellen </a:t>
+            </a:r>
+          </a:p>
+          <a:p>
+            <a:pPr marL="342900" indent="-342900">
+              <a:lnSpc>
+                <a:spcPct val="200000"/>
+              </a:lnSpc>
+              <a:buFont typeface="Arial" panose="020B0604020202020204" pitchFamily="34" charset="0"/>
+              <a:buChar char="•"/>
+            </a:pPr>
+            <a:r>
+              <a:rPr lang="nl-BE" dirty="0"/>
+              <a:t>Gebruikers (login)</a:t>
+            </a:r>
+          </a:p>
+          <a:p>
+            <a:pPr marL="342900" indent="-342900">
+              <a:lnSpc>
+                <a:spcPct val="200000"/>
+              </a:lnSpc>
+              <a:buFont typeface="Arial" panose="020B0604020202020204" pitchFamily="34" charset="0"/>
+              <a:buChar char="•"/>
+            </a:pPr>
+            <a:r>
+              <a:rPr lang="nl-BE" dirty="0"/>
+              <a:t>Invoer nieuwe gegevens</a:t>
+            </a:r>
+          </a:p>
+          <a:p>
+            <a:pPr marL="342900" indent="-342900">
+              <a:lnSpc>
+                <a:spcPct val="200000"/>
+              </a:lnSpc>
+              <a:buFont typeface="Arial" panose="020B0604020202020204" pitchFamily="34" charset="0"/>
+              <a:buChar char="•"/>
+            </a:pPr>
+            <a:r>
+              <a:rPr lang="nl-BE" dirty="0" err="1"/>
+              <a:t>Responsive</a:t>
+            </a:r>
+            <a:r>
+              <a:rPr lang="nl-BE" dirty="0"/>
+              <a:t> design</a:t>
+            </a:r>
+          </a:p>
+          <a:p>
+            <a:pPr marL="342900" indent="-342900">
+              <a:lnSpc>
+                <a:spcPct val="200000"/>
+              </a:lnSpc>
+              <a:buFont typeface="Arial" panose="020B0604020202020204" pitchFamily="34" charset="0"/>
+              <a:buChar char="•"/>
+            </a:pPr>
+            <a:r>
+              <a:rPr lang="nl-BE" dirty="0"/>
+              <a:t>Wachtwoorden encryptie</a:t>
+            </a:r>
+          </a:p>
+          <a:p>
+            <a:pPr marL="342900" indent="-342900">
+              <a:lnSpc>
+                <a:spcPct val="200000"/>
+              </a:lnSpc>
+              <a:buFont typeface="Arial" panose="020B0604020202020204" pitchFamily="34" charset="0"/>
+              <a:buChar char="•"/>
+            </a:pPr>
+            <a:r>
+              <a:rPr lang="nl-BE" dirty="0"/>
+              <a:t>Dark </a:t>
+            </a:r>
+            <a:r>
+              <a:rPr lang="nl-BE" dirty="0" err="1"/>
+              <a:t>theme</a:t>
+            </a:r>
+            <a:endParaRPr lang="nl-BE" dirty="0"/>
+          </a:p>
+          <a:p>
+            <a:pPr marL="342900" indent="-342900">
+              <a:lnSpc>
+                <a:spcPct val="200000"/>
+              </a:lnSpc>
+              <a:buFont typeface="Arial" panose="020B0604020202020204" pitchFamily="34" charset="0"/>
+              <a:buChar char="•"/>
+            </a:pPr>
+            <a:r>
+              <a:rPr lang="nl-BE" dirty="0"/>
+              <a:t>Docker container</a:t>
+            </a:r>
+          </a:p>
+          <a:p>
+            <a:pPr marL="342900" indent="-342900">
+              <a:buFont typeface="Arial" panose="020B0604020202020204" pitchFamily="34" charset="0"/>
+              <a:buChar char="•"/>
+            </a:pPr>
+            <a:endParaRPr lang="nl-BE" dirty="0"/>
+          </a:p>
+        </p:txBody>
+      </p:sp>
+      <p:sp>
+        <p:nvSpPr>
+          <p:cNvPr id="11" name="Tijdelijke aanduiding voor datum 10">
+            <a:extLst>
+              <a:ext uri="{FF2B5EF4-FFF2-40B4-BE49-F238E27FC236}">
+                <a16:creationId xmlns:a16="http://schemas.microsoft.com/office/drawing/2014/main" id="{0BC06DD5-397D-C094-EBFC-07D3B4F99360}"/>
+              </a:ext>
+            </a:extLst>
+          </p:cNvPr>
+          <p:cNvSpPr>
+            <a:spLocks noGrp="1"/>
+          </p:cNvSpPr>
+          <p:nvPr>
+            <p:ph type="dt" sz="half" idx="20"/>
+          </p:nvPr>
+        </p:nvSpPr>
+        <p:spPr/>
+        <p:txBody>
+          <a:bodyPr/>
+          <a:lstStyle/>
+          <a:p>
+            <a:pPr rtl="0"/>
+            <a:r>
+              <a:rPr lang="fr-FR" noProof="0" dirty="0"/>
+              <a:t>2024</a:t>
+            </a:r>
+          </a:p>
+        </p:txBody>
+      </p:sp>
+      <p:sp>
+        <p:nvSpPr>
+          <p:cNvPr id="12" name="Tijdelijke aanduiding voor voettekst 11">
+            <a:extLst>
+              <a:ext uri="{FF2B5EF4-FFF2-40B4-BE49-F238E27FC236}">
+                <a16:creationId xmlns:a16="http://schemas.microsoft.com/office/drawing/2014/main" id="{F43D161D-28B5-1CD6-C9C8-411C798A7579}"/>
+              </a:ext>
+            </a:extLst>
+          </p:cNvPr>
+          <p:cNvSpPr>
+            <a:spLocks noGrp="1"/>
+          </p:cNvSpPr>
+          <p:nvPr>
+            <p:ph type="ftr" sz="quarter" idx="21"/>
+          </p:nvPr>
+        </p:nvSpPr>
+        <p:spPr/>
+        <p:txBody>
+          <a:bodyPr/>
+          <a:lstStyle/>
+          <a:p>
+            <a:pPr rtl="0"/>
+            <a:r>
+              <a:rPr lang="fr-FR" noProof="0" dirty="0" err="1"/>
+              <a:t>Fleetmanager</a:t>
+            </a:r>
+            <a:r>
+              <a:rPr lang="fr-FR" noProof="0" dirty="0"/>
+              <a:t> </a:t>
+            </a:r>
+            <a:r>
+              <a:rPr lang="fr-FR" noProof="0" dirty="0" err="1"/>
+              <a:t>Allphi</a:t>
+            </a:r>
+            <a:endParaRPr lang="fr-FR" noProof="0" dirty="0"/>
+          </a:p>
+        </p:txBody>
+      </p:sp>
+      <p:sp>
+        <p:nvSpPr>
+          <p:cNvPr id="13" name="Tijdelijke aanduiding voor dianummer 12">
+            <a:extLst>
+              <a:ext uri="{FF2B5EF4-FFF2-40B4-BE49-F238E27FC236}">
+                <a16:creationId xmlns:a16="http://schemas.microsoft.com/office/drawing/2014/main" id="{9D9484ED-2AAC-5077-F7D6-4BFD04D75700}"/>
+              </a:ext>
+            </a:extLst>
+          </p:cNvPr>
+          <p:cNvSpPr>
+            <a:spLocks noGrp="1"/>
+          </p:cNvSpPr>
+          <p:nvPr>
+            <p:ph type="sldNum" sz="quarter" idx="22"/>
+          </p:nvPr>
+        </p:nvSpPr>
+        <p:spPr/>
+        <p:txBody>
+          <a:bodyPr/>
+          <a:lstStyle/>
+          <a:p>
+            <a:pPr rtl="0"/>
+            <a:fld id="{B5CEABB6-07DC-46E8-9B57-56EC44A396E5}" type="slidenum">
+              <a:rPr lang="fr-FR" noProof="0" smtClean="0"/>
+              <a:pPr rtl="0"/>
+              <a:t>11</a:t>
+            </a:fld>
+            <a:endParaRPr lang="fr-FR" noProof="0"/>
+          </a:p>
+        </p:txBody>
+      </p:sp>
+      <p:pic>
+        <p:nvPicPr>
+          <p:cNvPr id="15" name="Afbeelding 14" descr="Afbeelding met zwart, duisternis&#10;&#10;Automatisch gegenereerde beschrijving">
+            <a:extLst>
+              <a:ext uri="{FF2B5EF4-FFF2-40B4-BE49-F238E27FC236}">
+                <a16:creationId xmlns:a16="http://schemas.microsoft.com/office/drawing/2014/main" id="{AC66EAB5-E46C-7C52-5492-FB2AA25E483F}"/>
+              </a:ext>
+            </a:extLst>
+          </p:cNvPr>
+          <p:cNvPicPr>
+            <a:picLocks noChangeAspect="1"/>
+          </p:cNvPicPr>
+          <p:nvPr/>
+        </p:nvPicPr>
+        <p:blipFill>
+          <a:blip r:embed="rId3"/>
+          <a:stretch>
+            <a:fillRect/>
+          </a:stretch>
+        </p:blipFill>
+        <p:spPr>
+          <a:xfrm>
+            <a:off x="9314155" y="1562616"/>
+            <a:ext cx="436917" cy="436917"/>
+          </a:xfrm>
+          <a:prstGeom prst="rect">
+            <a:avLst/>
+          </a:prstGeom>
+        </p:spPr>
+      </p:pic>
+      <p:pic>
+        <p:nvPicPr>
+          <p:cNvPr id="16" name="Afbeelding 15" descr="Afbeelding met zwart, duisternis&#10;&#10;Automatisch gegenereerde beschrijving">
+            <a:extLst>
+              <a:ext uri="{FF2B5EF4-FFF2-40B4-BE49-F238E27FC236}">
+                <a16:creationId xmlns:a16="http://schemas.microsoft.com/office/drawing/2014/main" id="{B6CD2BE2-5910-0368-0FC4-A09F00AEA57F}"/>
+              </a:ext>
+            </a:extLst>
+          </p:cNvPr>
+          <p:cNvPicPr>
+            <a:picLocks noChangeAspect="1"/>
+          </p:cNvPicPr>
+          <p:nvPr/>
+        </p:nvPicPr>
+        <p:blipFill>
+          <a:blip r:embed="rId3"/>
+          <a:stretch>
+            <a:fillRect/>
+          </a:stretch>
+        </p:blipFill>
+        <p:spPr>
+          <a:xfrm>
+            <a:off x="9314153" y="2206299"/>
+            <a:ext cx="436917" cy="436917"/>
+          </a:xfrm>
+          <a:prstGeom prst="rect">
+            <a:avLst/>
+          </a:prstGeom>
+        </p:spPr>
+      </p:pic>
+      <p:pic>
+        <p:nvPicPr>
+          <p:cNvPr id="17" name="Afbeelding 16" descr="Afbeelding met zwart, duisternis&#10;&#10;Automatisch gegenereerde beschrijving">
+            <a:extLst>
+              <a:ext uri="{FF2B5EF4-FFF2-40B4-BE49-F238E27FC236}">
+                <a16:creationId xmlns:a16="http://schemas.microsoft.com/office/drawing/2014/main" id="{92FEB842-BEC0-D6F5-2663-833F96692812}"/>
+              </a:ext>
+            </a:extLst>
+          </p:cNvPr>
+          <p:cNvPicPr>
+            <a:picLocks noChangeAspect="1"/>
+          </p:cNvPicPr>
+          <p:nvPr/>
+        </p:nvPicPr>
+        <p:blipFill>
+          <a:blip r:embed="rId3"/>
+          <a:stretch>
+            <a:fillRect/>
+          </a:stretch>
+        </p:blipFill>
+        <p:spPr>
+          <a:xfrm>
+            <a:off x="9314153" y="2849983"/>
+            <a:ext cx="436917" cy="436917"/>
+          </a:xfrm>
+          <a:prstGeom prst="rect">
+            <a:avLst/>
+          </a:prstGeom>
+        </p:spPr>
+      </p:pic>
+      <p:pic>
+        <p:nvPicPr>
+          <p:cNvPr id="18" name="Afbeelding 17" descr="Afbeelding met zwart, duisternis&#10;&#10;Automatisch gegenereerde beschrijving">
+            <a:extLst>
+              <a:ext uri="{FF2B5EF4-FFF2-40B4-BE49-F238E27FC236}">
+                <a16:creationId xmlns:a16="http://schemas.microsoft.com/office/drawing/2014/main" id="{1EF9AF02-3E91-4C38-B106-A4956536CF57}"/>
+              </a:ext>
+            </a:extLst>
+          </p:cNvPr>
+          <p:cNvPicPr>
+            <a:picLocks noChangeAspect="1"/>
+          </p:cNvPicPr>
+          <p:nvPr/>
+        </p:nvPicPr>
+        <p:blipFill>
+          <a:blip r:embed="rId3"/>
+          <a:stretch>
+            <a:fillRect/>
+          </a:stretch>
+        </p:blipFill>
+        <p:spPr>
+          <a:xfrm>
+            <a:off x="9314153" y="3493667"/>
+            <a:ext cx="436917" cy="436917"/>
+          </a:xfrm>
+          <a:prstGeom prst="rect">
+            <a:avLst/>
+          </a:prstGeom>
+        </p:spPr>
+      </p:pic>
+      <p:pic>
+        <p:nvPicPr>
+          <p:cNvPr id="19" name="Afbeelding 18" descr="Afbeelding met zwart, duisternis&#10;&#10;Automatisch gegenereerde beschrijving">
+            <a:extLst>
+              <a:ext uri="{FF2B5EF4-FFF2-40B4-BE49-F238E27FC236}">
+                <a16:creationId xmlns:a16="http://schemas.microsoft.com/office/drawing/2014/main" id="{3B4FD5AC-9241-6146-018B-F0167212EA1F}"/>
+              </a:ext>
+            </a:extLst>
+          </p:cNvPr>
+          <p:cNvPicPr>
+            <a:picLocks noChangeAspect="1"/>
+          </p:cNvPicPr>
+          <p:nvPr/>
+        </p:nvPicPr>
+        <p:blipFill>
+          <a:blip r:embed="rId3"/>
+          <a:stretch>
+            <a:fillRect/>
+          </a:stretch>
+        </p:blipFill>
+        <p:spPr>
+          <a:xfrm>
+            <a:off x="9314153" y="4141117"/>
+            <a:ext cx="436917" cy="436917"/>
+          </a:xfrm>
+          <a:prstGeom prst="rect">
+            <a:avLst/>
+          </a:prstGeom>
+        </p:spPr>
+      </p:pic>
+      <p:pic>
+        <p:nvPicPr>
+          <p:cNvPr id="4" name="Afbeelding 3" descr="Afbeelding met zwart, duisternis&#10;&#10;Automatisch gegenereerde beschrijving">
+            <a:extLst>
+              <a:ext uri="{FF2B5EF4-FFF2-40B4-BE49-F238E27FC236}">
+                <a16:creationId xmlns:a16="http://schemas.microsoft.com/office/drawing/2014/main" id="{2C1BD0F2-448D-DA95-79D5-E7AD2E610972}"/>
+              </a:ext>
+            </a:extLst>
+          </p:cNvPr>
+          <p:cNvPicPr>
+            <a:picLocks noChangeAspect="1"/>
+          </p:cNvPicPr>
+          <p:nvPr/>
+        </p:nvPicPr>
+        <p:blipFill>
+          <a:blip r:embed="rId3"/>
+          <a:stretch>
+            <a:fillRect/>
+          </a:stretch>
+        </p:blipFill>
+        <p:spPr>
+          <a:xfrm>
+            <a:off x="9328556" y="5385717"/>
+            <a:ext cx="436917" cy="436917"/>
+          </a:xfrm>
+          <a:prstGeom prst="rect">
+            <a:avLst/>
+          </a:prstGeom>
+        </p:spPr>
+      </p:pic>
+    </p:spTree>
+    <p:extLst>
+      <p:ext uri="{BB962C8B-B14F-4D97-AF65-F5344CB8AC3E}">
+        <p14:creationId xmlns:p14="http://schemas.microsoft.com/office/powerpoint/2010/main" val="4169162614"/>
+      </p:ext>
+    </p:extLst>
+  </p:cSld>
+  <p:clrMapOvr>
+    <a:masterClrMapping/>
+  </p:clrMapOvr>
+  <p:timing>
+    <p:tnLst>
+      <p:par>
+        <p:cTn id="1" dur="indefinite" restart="never" nodeType="tmRoot">
+          <p:childTnLst>
+            <p:seq concurrent="1" nextAc="seek">
+              <p:cTn id="2" dur="indefinite" nodeType="mainSeq">
+                <p:childTnLst>
+                  <p:par>
+                    <p:cTn id="3" fill="hold">
+                      <p:stCondLst>
+                        <p:cond delay="indefinite"/>
+                      </p:stCondLst>
+                      <p:childTnLst>
+                        <p:par>
+                          <p:cTn id="4" fill="hold">
+                            <p:stCondLst>
+                              <p:cond delay="0"/>
+                            </p:stCondLst>
+                            <p:childTnLst>
+                              <p:par>
+                                <p:cTn id="5" presetID="10" presetClass="entr" presetSubtype="0" fill="hold" nodeType="clickEffect">
+                                  <p:stCondLst>
+                                    <p:cond delay="0"/>
+                                  </p:stCondLst>
+                                  <p:childTnLst>
+                                    <p:set>
+                                      <p:cBhvr>
+                                        <p:cTn id="6" dur="1" fill="hold">
+                                          <p:stCondLst>
+                                            <p:cond delay="0"/>
+                                          </p:stCondLst>
+                                        </p:cTn>
+                                        <p:tgtEl>
+                                          <p:spTgt spid="15"/>
+                                        </p:tgtEl>
+                                        <p:attrNameLst>
+                                          <p:attrName>style.visibility</p:attrName>
+                                        </p:attrNameLst>
+                                      </p:cBhvr>
+                                      <p:to>
+                                        <p:strVal val="visible"/>
+                                      </p:to>
+                                    </p:set>
+                                    <p:animEffect transition="in" filter="fade">
+                                      <p:cBhvr>
+                                        <p:cTn id="7" dur="500"/>
+                                        <p:tgtEl>
+                                          <p:spTgt spid="15"/>
+                                        </p:tgtEl>
+                                      </p:cBhvr>
+                                    </p:animEffect>
+                                  </p:childTnLst>
+                                </p:cTn>
+                              </p:par>
+                              <p:par>
+                                <p:cTn id="8" presetID="10" presetClass="entr" presetSubtype="0" fill="hold" nodeType="withEffect">
+                                  <p:stCondLst>
+                                    <p:cond delay="0"/>
+                                  </p:stCondLst>
+                                  <p:childTnLst>
+                                    <p:set>
+                                      <p:cBhvr>
+                                        <p:cTn id="9" dur="1" fill="hold">
+                                          <p:stCondLst>
+                                            <p:cond delay="0"/>
+                                          </p:stCondLst>
+                                        </p:cTn>
+                                        <p:tgtEl>
+                                          <p:spTgt spid="16"/>
+                                        </p:tgtEl>
+                                        <p:attrNameLst>
+                                          <p:attrName>style.visibility</p:attrName>
+                                        </p:attrNameLst>
+                                      </p:cBhvr>
+                                      <p:to>
+                                        <p:strVal val="visible"/>
+                                      </p:to>
+                                    </p:set>
+                                    <p:animEffect transition="in" filter="fade">
+                                      <p:cBhvr>
+                                        <p:cTn id="10" dur="500"/>
+                                        <p:tgtEl>
+                                          <p:spTgt spid="16"/>
+                                        </p:tgtEl>
+                                      </p:cBhvr>
+                                    </p:animEffect>
+                                  </p:childTnLst>
+                                </p:cTn>
+                              </p:par>
+                              <p:par>
+                                <p:cTn id="11" presetID="10" presetClass="entr" presetSubtype="0" fill="hold" nodeType="withEffect">
+                                  <p:stCondLst>
+                                    <p:cond delay="0"/>
+                                  </p:stCondLst>
+                                  <p:childTnLst>
+                                    <p:set>
+                                      <p:cBhvr>
+                                        <p:cTn id="12" dur="1" fill="hold">
+                                          <p:stCondLst>
+                                            <p:cond delay="0"/>
+                                          </p:stCondLst>
+                                        </p:cTn>
+                                        <p:tgtEl>
+                                          <p:spTgt spid="17"/>
+                                        </p:tgtEl>
+                                        <p:attrNameLst>
+                                          <p:attrName>style.visibility</p:attrName>
+                                        </p:attrNameLst>
+                                      </p:cBhvr>
+                                      <p:to>
+                                        <p:strVal val="visible"/>
+                                      </p:to>
+                                    </p:set>
+                                    <p:animEffect transition="in" filter="fade">
+                                      <p:cBhvr>
+                                        <p:cTn id="13" dur="500"/>
+                                        <p:tgtEl>
+                                          <p:spTgt spid="17"/>
+                                        </p:tgtEl>
+                                      </p:cBhvr>
+                                    </p:animEffect>
+                                  </p:childTnLst>
+                                </p:cTn>
+                              </p:par>
+                              <p:par>
+                                <p:cTn id="14" presetID="10" presetClass="entr" presetSubtype="0" fill="hold" nodeType="withEffect">
+                                  <p:stCondLst>
+                                    <p:cond delay="0"/>
+                                  </p:stCondLst>
+                                  <p:childTnLst>
+                                    <p:set>
+                                      <p:cBhvr>
+                                        <p:cTn id="15" dur="1" fill="hold">
+                                          <p:stCondLst>
+                                            <p:cond delay="0"/>
+                                          </p:stCondLst>
+                                        </p:cTn>
+                                        <p:tgtEl>
+                                          <p:spTgt spid="18"/>
+                                        </p:tgtEl>
+                                        <p:attrNameLst>
+                                          <p:attrName>style.visibility</p:attrName>
+                                        </p:attrNameLst>
+                                      </p:cBhvr>
+                                      <p:to>
+                                        <p:strVal val="visible"/>
+                                      </p:to>
+                                    </p:set>
+                                    <p:animEffect transition="in" filter="fade">
+                                      <p:cBhvr>
+                                        <p:cTn id="16" dur="500"/>
+                                        <p:tgtEl>
+                                          <p:spTgt spid="18"/>
+                                        </p:tgtEl>
+                                      </p:cBhvr>
+                                    </p:animEffect>
+                                  </p:childTnLst>
+                                </p:cTn>
+                              </p:par>
+                              <p:par>
+                                <p:cTn id="17" presetID="10" presetClass="entr" presetSubtype="0" fill="hold" nodeType="withEffect">
+                                  <p:stCondLst>
+                                    <p:cond delay="0"/>
+                                  </p:stCondLst>
+                                  <p:childTnLst>
+                                    <p:set>
+                                      <p:cBhvr>
+                                        <p:cTn id="18" dur="1" fill="hold">
+                                          <p:stCondLst>
+                                            <p:cond delay="0"/>
+                                          </p:stCondLst>
+                                        </p:cTn>
+                                        <p:tgtEl>
+                                          <p:spTgt spid="19"/>
+                                        </p:tgtEl>
+                                        <p:attrNameLst>
+                                          <p:attrName>style.visibility</p:attrName>
+                                        </p:attrNameLst>
+                                      </p:cBhvr>
+                                      <p:to>
+                                        <p:strVal val="visible"/>
+                                      </p:to>
+                                    </p:set>
+                                    <p:animEffect transition="in" filter="fade">
+                                      <p:cBhvr>
+                                        <p:cTn id="19" dur="500"/>
+                                        <p:tgtEl>
+                                          <p:spTgt spid="19"/>
+                                        </p:tgtEl>
+                                      </p:cBhvr>
+                                    </p:animEffect>
+                                  </p:childTnLst>
+                                </p:cTn>
+                              </p:par>
+                              <p:par>
+                                <p:cTn id="20" presetID="10" presetClass="entr" presetSubtype="0" fill="hold" nodeType="withEffect">
+                                  <p:stCondLst>
+                                    <p:cond delay="0"/>
+                                  </p:stCondLst>
+                                  <p:childTnLst>
+                                    <p:set>
+                                      <p:cBhvr>
+                                        <p:cTn id="21" dur="1" fill="hold">
+                                          <p:stCondLst>
+                                            <p:cond delay="0"/>
+                                          </p:stCondLst>
+                                        </p:cTn>
+                                        <p:tgtEl>
+                                          <p:spTgt spid="4"/>
+                                        </p:tgtEl>
+                                        <p:attrNameLst>
+                                          <p:attrName>style.visibility</p:attrName>
+                                        </p:attrNameLst>
+                                      </p:cBhvr>
+                                      <p:to>
+                                        <p:strVal val="visible"/>
+                                      </p:to>
+                                    </p:set>
+                                    <p:animEffect transition="in" filter="fade">
+                                      <p:cBhvr>
+                                        <p:cTn id="22" dur="500"/>
+                                        <p:tgtEl>
+                                          <p:spTgt spid="4"/>
+                                        </p:tgtEl>
+                                      </p:cBhvr>
+                                    </p:animEffect>
+                                  </p:childTnLst>
+                                </p:cTn>
+                              </p:par>
+                            </p:childTnLst>
+                          </p:cTn>
+                        </p:par>
+                      </p:childTnLst>
+                    </p:cTn>
+                  </p:par>
+                </p:childTnLst>
+              </p:cTn>
+              <p:prevCondLst>
+                <p:cond evt="onPrev" delay="0">
+                  <p:tgtEl>
+                    <p:sldTgt/>
+                  </p:tgtEl>
+                </p:cond>
+              </p:prevCondLst>
+              <p:nextCondLst>
+                <p:cond evt="onNext" delay="0">
+                  <p:tgtEl>
+                    <p:sldTgt/>
+                  </p:tgtEl>
+                </p:cond>
+              </p:nextCondLst>
+            </p:seq>
+          </p:childTnLst>
+        </p:cTn>
+      </p:par>
+    </p:tnLst>
+  </p:timing>
+</p:sld>
+</file>
+
+<file path=ppt/slides/slide12.xml><?xml version="1.0" encoding="utf-8"?>
+<p:sld xmlns:a="http://schemas.openxmlformats.org/drawingml/2006/main" xmlns:r="http://schemas.openxmlformats.org/officeDocument/2006/relationships" xmlns:p="http://schemas.openxmlformats.org/presentationml/2006/main">
+  <p:cSld>
+    <p:spTree>
+      <p:nvGrpSpPr>
+        <p:cNvPr id="1" name=""/>
+        <p:cNvGrpSpPr/>
+        <p:nvPr/>
+      </p:nvGrpSpPr>
+      <p:grpSpPr>
+        <a:xfrm>
+          <a:off x="0" y="0"/>
+          <a:ext cx="0" cy="0"/>
+          <a:chOff x="0" y="0"/>
+          <a:chExt cx="0" cy="0"/>
+        </a:xfrm>
+      </p:grpSpPr>
+      <p:sp>
+        <p:nvSpPr>
           <p:cNvPr id="3" name="Titre 1">
             <a:extLst>
               <a:ext uri="{FF2B5EF4-FFF2-40B4-BE49-F238E27FC236}">
@@ -16951,13 +18059,31 @@
             </a:r>
           </a:p>
           <a:p>
-            <a:pPr marL="285750" indent="-285750">
+            <a:pPr marL="742950" lvl="1" indent="-285750">
               <a:buFont typeface="Arial" panose="020B0604020202020204" pitchFamily="34" charset="0"/>
               <a:buChar char="•"/>
             </a:pPr>
             <a:r>
               <a:rPr lang="nl-BE" dirty="0"/>
-              <a:t>Restricties op gegevens</a:t>
+              <a:t>Relaties hiertussen</a:t>
+            </a:r>
+          </a:p>
+          <a:p>
+            <a:pPr marL="742950" lvl="1" indent="-285750">
+              <a:buFont typeface="Arial" panose="020B0604020202020204" pitchFamily="34" charset="0"/>
+              <a:buChar char="•"/>
+            </a:pPr>
+            <a:r>
+              <a:rPr lang="nl-BE" dirty="0"/>
+              <a:t>Gebruikers beheren (</a:t>
+            </a:r>
+            <a:r>
+              <a:rPr lang="nl-BE" dirty="0" err="1"/>
+              <a:t>admin</a:t>
+            </a:r>
+            <a:r>
+              <a:rPr lang="nl-BE" dirty="0"/>
+              <a:t>)</a:t>
             </a:r>
           </a:p>
         </p:txBody>
@@ -16986,7 +18112,7 @@
             <a:pPr rtl="0"/>
             <a:r>
               <a:rPr lang="fr-FR" noProof="0" dirty="0"/>
-              <a:t>2023</a:t>
+              <a:t>2024</a:t>
             </a:r>
           </a:p>
         </p:txBody>
@@ -17665,7 +18791,7 @@
             <a:pPr rtl="0"/>
             <a:r>
               <a:rPr lang="fr-FR" dirty="0"/>
-              <a:t>2023</a:t>
+              <a:t>2024</a:t>
             </a:r>
           </a:p>
         </p:txBody>
@@ -18084,7 +19210,7 @@
             <a:pPr rtl="0"/>
             <a:r>
               <a:rPr lang="fr-FR" dirty="0"/>
-              <a:t>2023</a:t>
+              <a:t>2024</a:t>
             </a:r>
           </a:p>
         </p:txBody>
@@ -18633,7 +19759,7 @@
             <a:pPr rtl="0"/>
             <a:r>
               <a:rPr lang="fr-FR" dirty="0"/>
-              <a:t>… </a:t>
+              <a:t>Docker </a:t>
             </a:r>
           </a:p>
         </p:txBody>
@@ -18661,47 +19787,69 @@
           </a:xfrm>
         </p:spPr>
         <p:txBody>
+          <a:bodyPr rtlCol="0">
+            <a:normAutofit fontScale="92500" lnSpcReduction="20000"/>
+          </a:bodyPr>
+          <a:lstStyle/>
+          <a:p>
+            <a:pPr rtl="0"/>
+            <a:r>
+              <a:rPr lang="fr-FR" dirty="0" err="1"/>
+              <a:t>Front-end</a:t>
+            </a:r>
+            <a:r>
+              <a:rPr lang="fr-FR" dirty="0"/>
+              <a:t> </a:t>
+            </a:r>
+            <a:r>
+              <a:rPr lang="fr-FR" dirty="0" err="1"/>
+              <a:t>gelukt</a:t>
+            </a:r>
+            <a:endParaRPr lang="fr-FR" dirty="0"/>
+          </a:p>
+          <a:p>
+            <a:pPr rtl="0"/>
+            <a:r>
+              <a:rPr lang="fr-FR" dirty="0" err="1"/>
+              <a:t>Back-end</a:t>
+            </a:r>
+            <a:r>
+              <a:rPr lang="fr-FR" dirty="0"/>
+              <a:t> niet</a:t>
+            </a:r>
+          </a:p>
+        </p:txBody>
+      </p:sp>
+      <p:sp>
+        <p:nvSpPr>
+          <p:cNvPr id="20" name="Espace réservé de la date 19">
+            <a:extLst>
+              <a:ext uri="{FF2B5EF4-FFF2-40B4-BE49-F238E27FC236}">
+                <a16:creationId xmlns:a16="http://schemas.microsoft.com/office/drawing/2014/main" id="{A74D661B-510C-4CF2-BF77-3EAFB649883D}"/>
+              </a:ext>
+            </a:extLst>
+          </p:cNvPr>
+          <p:cNvSpPr>
+            <a:spLocks noGrp="1"/>
+          </p:cNvSpPr>
+          <p:nvPr>
+            <p:ph type="dt" sz="half" idx="20"/>
+          </p:nvPr>
+        </p:nvSpPr>
+        <p:spPr>
+          <a:xfrm>
+            <a:off x="5919680" y="6356350"/>
+            <a:ext cx="947516" cy="365125"/>
+          </a:xfrm>
+        </p:spPr>
+        <p:txBody>
           <a:bodyPr rtlCol="0"/>
           <a:lstStyle/>
           <a:p>
             <a:pPr rtl="0"/>
             <a:r>
               <a:rPr lang="fr-FR" dirty="0"/>
-              <a:t>…</a:t>
-            </a:r>
-          </a:p>
-        </p:txBody>
-      </p:sp>
-      <p:sp>
-        <p:nvSpPr>
-          <p:cNvPr id="20" name="Espace réservé de la date 19">
-            <a:extLst>
-              <a:ext uri="{FF2B5EF4-FFF2-40B4-BE49-F238E27FC236}">
-                <a16:creationId xmlns:a16="http://schemas.microsoft.com/office/drawing/2014/main" id="{A74D661B-510C-4CF2-BF77-3EAFB649883D}"/>
-              </a:ext>
-            </a:extLst>
-          </p:cNvPr>
-          <p:cNvSpPr>
-            <a:spLocks noGrp="1"/>
-          </p:cNvSpPr>
-          <p:nvPr>
-            <p:ph type="dt" sz="half" idx="20"/>
-          </p:nvPr>
-        </p:nvSpPr>
-        <p:spPr>
-          <a:xfrm>
-            <a:off x="5919680" y="6356350"/>
-            <a:ext cx="947516" cy="365125"/>
-          </a:xfrm>
-        </p:spPr>
-        <p:txBody>
-          <a:bodyPr rtlCol="0"/>
-          <a:lstStyle/>
-          <a:p>
-            <a:pPr rtl="0"/>
-            <a:r>
-              <a:rPr lang="fr-FR" dirty="0"/>
-              <a:t>2023</a:t>
+              <a:t>2024</a:t>
             </a:r>
           </a:p>
         </p:txBody>
@@ -18782,6 +19930,413 @@
               <a:t>5</a:t>
             </a:fld>
             <a:endParaRPr lang="fr-FR"/>
+          </a:p>
+        </p:txBody>
+      </p:sp>
+      <p:sp>
+        <p:nvSpPr>
+          <p:cNvPr id="9" name="Espace réservé du texte 6">
+            <a:extLst>
+              <a:ext uri="{FF2B5EF4-FFF2-40B4-BE49-F238E27FC236}">
+                <a16:creationId xmlns:a16="http://schemas.microsoft.com/office/drawing/2014/main" id="{A434E393-F033-4F97-6F32-16039D266D86}"/>
+              </a:ext>
+            </a:extLst>
+          </p:cNvPr>
+          <p:cNvSpPr txBox="1">
+            <a:spLocks/>
+          </p:cNvSpPr>
+          <p:nvPr/>
+        </p:nvSpPr>
+        <p:spPr>
+          <a:xfrm>
+            <a:off x="5918021" y="4842168"/>
+            <a:ext cx="5433204" cy="365125"/>
+          </a:xfrm>
+          <a:prstGeom prst="rect">
+            <a:avLst/>
+          </a:prstGeom>
+        </p:spPr>
+        <p:txBody>
+          <a:bodyPr vert="horz" lIns="91440" tIns="45720" rIns="91440" bIns="45720" rtlCol="0">
+            <a:normAutofit lnSpcReduction="10000"/>
+          </a:bodyPr>
+          <a:lstStyle>
+            <a:lvl1pPr marL="0" indent="0" algn="l" defTabSz="914400" rtl="0" eaLnBrk="1" latinLnBrk="0" hangingPunct="1">
+              <a:lnSpc>
+                <a:spcPct val="90000"/>
+              </a:lnSpc>
+              <a:spcBef>
+                <a:spcPts val="1000"/>
+              </a:spcBef>
+              <a:buFont typeface="Arial" panose="020B0604020202020204" pitchFamily="34" charset="0"/>
+              <a:buNone/>
+              <a:defRPr lang="en-US" sz="2000" kern="1200" spc="150" baseline="0" dirty="0">
+                <a:solidFill>
+                  <a:schemeClr val="tx1"/>
+                </a:solidFill>
+                <a:latin typeface="+mj-lt"/>
+                <a:ea typeface="+mj-ea"/>
+                <a:cs typeface="+mj-cs"/>
+              </a:defRPr>
+            </a:lvl1pPr>
+            <a:lvl2pPr marL="685800" indent="-228600" algn="l" defTabSz="914400" rtl="0" eaLnBrk="1" latinLnBrk="0" hangingPunct="1">
+              <a:lnSpc>
+                <a:spcPct val="90000"/>
+              </a:lnSpc>
+              <a:spcBef>
+                <a:spcPts val="500"/>
+              </a:spcBef>
+              <a:buFont typeface="Arial" panose="020B0604020202020204" pitchFamily="34" charset="0"/>
+              <a:buChar char="•"/>
+              <a:defRPr sz="2400" kern="1200">
+                <a:solidFill>
+                  <a:schemeClr val="tx1"/>
+                </a:solidFill>
+                <a:latin typeface="+mn-lt"/>
+                <a:ea typeface="+mn-ea"/>
+                <a:cs typeface="+mn-cs"/>
+              </a:defRPr>
+            </a:lvl2pPr>
+            <a:lvl3pPr marL="1143000" indent="-228600" algn="l" defTabSz="914400" rtl="0" eaLnBrk="1" latinLnBrk="0" hangingPunct="1">
+              <a:lnSpc>
+                <a:spcPct val="90000"/>
+              </a:lnSpc>
+              <a:spcBef>
+                <a:spcPts val="500"/>
+              </a:spcBef>
+              <a:buFont typeface="Arial" panose="020B0604020202020204" pitchFamily="34" charset="0"/>
+              <a:buChar char="•"/>
+              <a:defRPr sz="2000" kern="1200">
+                <a:solidFill>
+                  <a:schemeClr val="tx1"/>
+                </a:solidFill>
+                <a:latin typeface="+mn-lt"/>
+                <a:ea typeface="+mn-ea"/>
+                <a:cs typeface="+mn-cs"/>
+              </a:defRPr>
+            </a:lvl3pPr>
+            <a:lvl4pPr marL="1600200" indent="-228600" algn="l" defTabSz="914400" rtl="0" eaLnBrk="1" latinLnBrk="0" hangingPunct="1">
+              <a:lnSpc>
+                <a:spcPct val="90000"/>
+              </a:lnSpc>
+              <a:spcBef>
+                <a:spcPts val="500"/>
+              </a:spcBef>
+              <a:buFont typeface="Arial" panose="020B0604020202020204" pitchFamily="34" charset="0"/>
+              <a:buChar char="•"/>
+              <a:defRPr sz="1800" kern="1200">
+                <a:solidFill>
+                  <a:schemeClr val="tx1"/>
+                </a:solidFill>
+                <a:latin typeface="+mn-lt"/>
+                <a:ea typeface="+mn-ea"/>
+                <a:cs typeface="+mn-cs"/>
+              </a:defRPr>
+            </a:lvl4pPr>
+            <a:lvl5pPr marL="2057400" indent="-228600" algn="l" defTabSz="914400" rtl="0" eaLnBrk="1" latinLnBrk="0" hangingPunct="1">
+              <a:lnSpc>
+                <a:spcPct val="90000"/>
+              </a:lnSpc>
+              <a:spcBef>
+                <a:spcPts val="500"/>
+              </a:spcBef>
+              <a:buFont typeface="Arial" panose="020B0604020202020204" pitchFamily="34" charset="0"/>
+              <a:buChar char="•"/>
+              <a:defRPr sz="1800" kern="1200">
+                <a:solidFill>
+                  <a:schemeClr val="tx1"/>
+                </a:solidFill>
+                <a:latin typeface="+mn-lt"/>
+                <a:ea typeface="+mn-ea"/>
+                <a:cs typeface="+mn-cs"/>
+              </a:defRPr>
+            </a:lvl5pPr>
+            <a:lvl6pPr marL="2514600" indent="-228600" algn="l" defTabSz="914400" rtl="0" eaLnBrk="1" latinLnBrk="0" hangingPunct="1">
+              <a:lnSpc>
+                <a:spcPct val="90000"/>
+              </a:lnSpc>
+              <a:spcBef>
+                <a:spcPts val="500"/>
+              </a:spcBef>
+              <a:buFont typeface="Arial" panose="020B0604020202020204" pitchFamily="34" charset="0"/>
+              <a:buChar char="•"/>
+              <a:defRPr sz="1800" kern="1200">
+                <a:solidFill>
+                  <a:schemeClr val="tx1"/>
+                </a:solidFill>
+                <a:latin typeface="+mn-lt"/>
+                <a:ea typeface="+mn-ea"/>
+                <a:cs typeface="+mn-cs"/>
+              </a:defRPr>
+            </a:lvl6pPr>
+            <a:lvl7pPr marL="2971800" indent="-228600" algn="l" defTabSz="914400" rtl="0" eaLnBrk="1" latinLnBrk="0" hangingPunct="1">
+              <a:lnSpc>
+                <a:spcPct val="90000"/>
+              </a:lnSpc>
+              <a:spcBef>
+                <a:spcPts val="500"/>
+              </a:spcBef>
+              <a:buFont typeface="Arial" panose="020B0604020202020204" pitchFamily="34" charset="0"/>
+              <a:buChar char="•"/>
+              <a:defRPr sz="1800" kern="1200">
+                <a:solidFill>
+                  <a:schemeClr val="tx1"/>
+                </a:solidFill>
+                <a:latin typeface="+mn-lt"/>
+                <a:ea typeface="+mn-ea"/>
+                <a:cs typeface="+mn-cs"/>
+              </a:defRPr>
+            </a:lvl7pPr>
+            <a:lvl8pPr marL="3429000" indent="-228600" algn="l" defTabSz="914400" rtl="0" eaLnBrk="1" latinLnBrk="0" hangingPunct="1">
+              <a:lnSpc>
+                <a:spcPct val="90000"/>
+              </a:lnSpc>
+              <a:spcBef>
+                <a:spcPts val="500"/>
+              </a:spcBef>
+              <a:buFont typeface="Arial" panose="020B0604020202020204" pitchFamily="34" charset="0"/>
+              <a:buChar char="•"/>
+              <a:defRPr sz="1800" kern="1200">
+                <a:solidFill>
+                  <a:schemeClr val="tx1"/>
+                </a:solidFill>
+                <a:latin typeface="+mn-lt"/>
+                <a:ea typeface="+mn-ea"/>
+                <a:cs typeface="+mn-cs"/>
+              </a:defRPr>
+            </a:lvl8pPr>
+            <a:lvl9pPr marL="3886200" indent="-228600" algn="l" defTabSz="914400" rtl="0" eaLnBrk="1" latinLnBrk="0" hangingPunct="1">
+              <a:lnSpc>
+                <a:spcPct val="90000"/>
+              </a:lnSpc>
+              <a:spcBef>
+                <a:spcPts val="500"/>
+              </a:spcBef>
+              <a:buFont typeface="Arial" panose="020B0604020202020204" pitchFamily="34" charset="0"/>
+              <a:buChar char="•"/>
+              <a:defRPr sz="1800" kern="1200">
+                <a:solidFill>
+                  <a:schemeClr val="tx1"/>
+                </a:solidFill>
+                <a:latin typeface="+mn-lt"/>
+                <a:ea typeface="+mn-ea"/>
+                <a:cs typeface="+mn-cs"/>
+              </a:defRPr>
+            </a:lvl9pPr>
+          </a:lstStyle>
+          <a:p>
+            <a:r>
+              <a:rPr lang="fr-FR" dirty="0" err="1"/>
+              <a:t>Wachtwoorden</a:t>
+            </a:r>
+            <a:endParaRPr lang="fr-FR" dirty="0"/>
+          </a:p>
+        </p:txBody>
+      </p:sp>
+      <p:sp>
+        <p:nvSpPr>
+          <p:cNvPr id="10" name="Espace réservé du texte 7">
+            <a:extLst>
+              <a:ext uri="{FF2B5EF4-FFF2-40B4-BE49-F238E27FC236}">
+                <a16:creationId xmlns:a16="http://schemas.microsoft.com/office/drawing/2014/main" id="{3E03FA3F-B691-72C2-C004-F4388BE21412}"/>
+              </a:ext>
+            </a:extLst>
+          </p:cNvPr>
+          <p:cNvSpPr txBox="1">
+            <a:spLocks/>
+          </p:cNvSpPr>
+          <p:nvPr/>
+        </p:nvSpPr>
+        <p:spPr>
+          <a:xfrm>
+            <a:off x="5917595" y="5171593"/>
+            <a:ext cx="5431971" cy="557950"/>
+          </a:xfrm>
+          <a:prstGeom prst="rect">
+            <a:avLst/>
+          </a:prstGeom>
+        </p:spPr>
+        <p:txBody>
+          <a:bodyPr vert="horz" lIns="91440" tIns="45720" rIns="91440" bIns="45720" rtlCol="0">
+            <a:normAutofit/>
+          </a:bodyPr>
+          <a:lstStyle>
+            <a:lvl1pPr marL="0" indent="0" algn="l" defTabSz="914400" rtl="0" eaLnBrk="1" latinLnBrk="0" hangingPunct="1">
+              <a:lnSpc>
+                <a:spcPct val="100000"/>
+              </a:lnSpc>
+              <a:spcBef>
+                <a:spcPts val="1000"/>
+              </a:spcBef>
+              <a:buFont typeface="Arial" panose="020B0604020202020204" pitchFamily="34" charset="0"/>
+              <a:buNone/>
+              <a:defRPr sz="1400" kern="1200">
+                <a:solidFill>
+                  <a:schemeClr val="tx1"/>
+                </a:solidFill>
+                <a:latin typeface="+mn-lt"/>
+                <a:ea typeface="+mn-ea"/>
+                <a:cs typeface="+mn-cs"/>
+              </a:defRPr>
+            </a:lvl1pPr>
+            <a:lvl2pPr marL="685800" indent="-228600" algn="l" defTabSz="914400" rtl="0" eaLnBrk="1" latinLnBrk="0" hangingPunct="1">
+              <a:lnSpc>
+                <a:spcPct val="90000"/>
+              </a:lnSpc>
+              <a:spcBef>
+                <a:spcPts val="500"/>
+              </a:spcBef>
+              <a:buFont typeface="Arial" panose="020B0604020202020204" pitchFamily="34" charset="0"/>
+              <a:buChar char="•"/>
+              <a:defRPr sz="2400" kern="1200">
+                <a:solidFill>
+                  <a:schemeClr val="tx1"/>
+                </a:solidFill>
+                <a:latin typeface="+mn-lt"/>
+                <a:ea typeface="+mn-ea"/>
+                <a:cs typeface="+mn-cs"/>
+              </a:defRPr>
+            </a:lvl2pPr>
+            <a:lvl3pPr marL="1143000" indent="-228600" algn="l" defTabSz="914400" rtl="0" eaLnBrk="1" latinLnBrk="0" hangingPunct="1">
+              <a:lnSpc>
+                <a:spcPct val="90000"/>
+              </a:lnSpc>
+              <a:spcBef>
+                <a:spcPts val="500"/>
+              </a:spcBef>
+              <a:buFont typeface="Arial" panose="020B0604020202020204" pitchFamily="34" charset="0"/>
+              <a:buChar char="•"/>
+              <a:defRPr sz="2000" kern="1200">
+                <a:solidFill>
+                  <a:schemeClr val="tx1"/>
+                </a:solidFill>
+                <a:latin typeface="+mn-lt"/>
+                <a:ea typeface="+mn-ea"/>
+                <a:cs typeface="+mn-cs"/>
+              </a:defRPr>
+            </a:lvl3pPr>
+            <a:lvl4pPr marL="1600200" indent="-228600" algn="l" defTabSz="914400" rtl="0" eaLnBrk="1" latinLnBrk="0" hangingPunct="1">
+              <a:lnSpc>
+                <a:spcPct val="90000"/>
+              </a:lnSpc>
+              <a:spcBef>
+                <a:spcPts val="500"/>
+              </a:spcBef>
+              <a:buFont typeface="Arial" panose="020B0604020202020204" pitchFamily="34" charset="0"/>
+              <a:buChar char="•"/>
+              <a:defRPr sz="1800" kern="1200">
+                <a:solidFill>
+                  <a:schemeClr val="tx1"/>
+                </a:solidFill>
+                <a:latin typeface="+mn-lt"/>
+                <a:ea typeface="+mn-ea"/>
+                <a:cs typeface="+mn-cs"/>
+              </a:defRPr>
+            </a:lvl4pPr>
+            <a:lvl5pPr marL="2057400" indent="-228600" algn="l" defTabSz="914400" rtl="0" eaLnBrk="1" latinLnBrk="0" hangingPunct="1">
+              <a:lnSpc>
+                <a:spcPct val="90000"/>
+              </a:lnSpc>
+              <a:spcBef>
+                <a:spcPts val="500"/>
+              </a:spcBef>
+              <a:buFont typeface="Arial" panose="020B0604020202020204" pitchFamily="34" charset="0"/>
+              <a:buChar char="•"/>
+              <a:defRPr sz="1800" kern="1200">
+                <a:solidFill>
+                  <a:schemeClr val="tx1"/>
+                </a:solidFill>
+                <a:latin typeface="+mn-lt"/>
+                <a:ea typeface="+mn-ea"/>
+                <a:cs typeface="+mn-cs"/>
+              </a:defRPr>
+            </a:lvl5pPr>
+            <a:lvl6pPr marL="2514600" indent="-228600" algn="l" defTabSz="914400" rtl="0" eaLnBrk="1" latinLnBrk="0" hangingPunct="1">
+              <a:lnSpc>
+                <a:spcPct val="90000"/>
+              </a:lnSpc>
+              <a:spcBef>
+                <a:spcPts val="500"/>
+              </a:spcBef>
+              <a:buFont typeface="Arial" panose="020B0604020202020204" pitchFamily="34" charset="0"/>
+              <a:buChar char="•"/>
+              <a:defRPr sz="1800" kern="1200">
+                <a:solidFill>
+                  <a:schemeClr val="tx1"/>
+                </a:solidFill>
+                <a:latin typeface="+mn-lt"/>
+                <a:ea typeface="+mn-ea"/>
+                <a:cs typeface="+mn-cs"/>
+              </a:defRPr>
+            </a:lvl6pPr>
+            <a:lvl7pPr marL="2971800" indent="-228600" algn="l" defTabSz="914400" rtl="0" eaLnBrk="1" latinLnBrk="0" hangingPunct="1">
+              <a:lnSpc>
+                <a:spcPct val="90000"/>
+              </a:lnSpc>
+              <a:spcBef>
+                <a:spcPts val="500"/>
+              </a:spcBef>
+              <a:buFont typeface="Arial" panose="020B0604020202020204" pitchFamily="34" charset="0"/>
+              <a:buChar char="•"/>
+              <a:defRPr sz="1800" kern="1200">
+                <a:solidFill>
+                  <a:schemeClr val="tx1"/>
+                </a:solidFill>
+                <a:latin typeface="+mn-lt"/>
+                <a:ea typeface="+mn-ea"/>
+                <a:cs typeface="+mn-cs"/>
+              </a:defRPr>
+            </a:lvl7pPr>
+            <a:lvl8pPr marL="3429000" indent="-228600" algn="l" defTabSz="914400" rtl="0" eaLnBrk="1" latinLnBrk="0" hangingPunct="1">
+              <a:lnSpc>
+                <a:spcPct val="90000"/>
+              </a:lnSpc>
+              <a:spcBef>
+                <a:spcPts val="500"/>
+              </a:spcBef>
+              <a:buFont typeface="Arial" panose="020B0604020202020204" pitchFamily="34" charset="0"/>
+              <a:buChar char="•"/>
+              <a:defRPr sz="1800" kern="1200">
+                <a:solidFill>
+                  <a:schemeClr val="tx1"/>
+                </a:solidFill>
+                <a:latin typeface="+mn-lt"/>
+                <a:ea typeface="+mn-ea"/>
+                <a:cs typeface="+mn-cs"/>
+              </a:defRPr>
+            </a:lvl8pPr>
+            <a:lvl9pPr marL="3886200" indent="-228600" algn="l" defTabSz="914400" rtl="0" eaLnBrk="1" latinLnBrk="0" hangingPunct="1">
+              <a:lnSpc>
+                <a:spcPct val="90000"/>
+              </a:lnSpc>
+              <a:spcBef>
+                <a:spcPts val="500"/>
+              </a:spcBef>
+              <a:buFont typeface="Arial" panose="020B0604020202020204" pitchFamily="34" charset="0"/>
+              <a:buChar char="•"/>
+              <a:defRPr sz="1800" kern="1200">
+                <a:solidFill>
+                  <a:schemeClr val="tx1"/>
+                </a:solidFill>
+                <a:latin typeface="+mn-lt"/>
+                <a:ea typeface="+mn-ea"/>
+                <a:cs typeface="+mn-cs"/>
+              </a:defRPr>
+            </a:lvl9pPr>
+          </a:lstStyle>
+          <a:p>
+            <a:r>
+              <a:rPr lang="fr-FR" dirty="0"/>
+              <a:t> </a:t>
+            </a:r>
+            <a:r>
+              <a:rPr lang="fr-FR" dirty="0" err="1"/>
+              <a:t>Encryptie</a:t>
+            </a:r>
+            <a:r>
+              <a:rPr lang="fr-FR" dirty="0"/>
+              <a:t> </a:t>
+            </a:r>
           </a:p>
         </p:txBody>
       </p:sp>
@@ -18815,12 +20370,160 @@
           <a:chExt cx="0" cy="0"/>
         </a:xfrm>
       </p:grpSpPr>
+      <p:sp>
+        <p:nvSpPr>
+          <p:cNvPr id="2" name="Titre 1">
+            <a:extLst>
+              <a:ext uri="{FF2B5EF4-FFF2-40B4-BE49-F238E27FC236}">
+                <a16:creationId xmlns:a16="http://schemas.microsoft.com/office/drawing/2014/main" id="{8A4E0A63-A388-49B1-A04E-27CE9BD622EF}"/>
+              </a:ext>
+            </a:extLst>
+          </p:cNvPr>
+          <p:cNvSpPr>
+            <a:spLocks noGrp="1"/>
+          </p:cNvSpPr>
+          <p:nvPr>
+            <p:ph type="title"/>
+          </p:nvPr>
+        </p:nvSpPr>
+        <p:spPr>
+          <a:xfrm>
+            <a:off x="5921828" y="868099"/>
+            <a:ext cx="5431971" cy="846301"/>
+          </a:xfrm>
+        </p:spPr>
+        <p:txBody>
+          <a:bodyPr rtlCol="0"/>
+          <a:lstStyle/>
+          <a:p>
+            <a:pPr rtl="0"/>
+            <a:r>
+              <a:rPr lang="fr-FR" dirty="0" err="1"/>
+              <a:t>Front-end</a:t>
+            </a:r>
+            <a:endParaRPr lang="fr-FR" dirty="0"/>
+          </a:p>
+        </p:txBody>
+      </p:sp>
+      <p:sp>
+        <p:nvSpPr>
+          <p:cNvPr id="32" name="Espace réservé de la date 31">
+            <a:extLst>
+              <a:ext uri="{FF2B5EF4-FFF2-40B4-BE49-F238E27FC236}">
+                <a16:creationId xmlns:a16="http://schemas.microsoft.com/office/drawing/2014/main" id="{D5DB19F8-B538-4965-BA90-ED372B99F5DC}"/>
+              </a:ext>
+            </a:extLst>
+          </p:cNvPr>
+          <p:cNvSpPr>
+            <a:spLocks noGrp="1"/>
+          </p:cNvSpPr>
+          <p:nvPr>
+            <p:ph type="dt" sz="half" idx="20"/>
+          </p:nvPr>
+        </p:nvSpPr>
+        <p:spPr>
+          <a:xfrm>
+            <a:off x="5919680" y="6356350"/>
+            <a:ext cx="947516" cy="365125"/>
+          </a:xfrm>
+        </p:spPr>
+        <p:txBody>
+          <a:bodyPr rtlCol="0"/>
+          <a:lstStyle/>
+          <a:p>
+            <a:pPr rtl="0"/>
+            <a:r>
+              <a:rPr lang="fr-FR" dirty="0"/>
+              <a:t>2024</a:t>
+            </a:r>
+          </a:p>
+        </p:txBody>
+      </p:sp>
+      <p:sp>
+        <p:nvSpPr>
+          <p:cNvPr id="3" name="Espace réservé du pied de page 2">
+            <a:extLst>
+              <a:ext uri="{FF2B5EF4-FFF2-40B4-BE49-F238E27FC236}">
+                <a16:creationId xmlns:a16="http://schemas.microsoft.com/office/drawing/2014/main" id="{005C44B1-BA82-483C-BD91-F89067442F9E}"/>
+              </a:ext>
+            </a:extLst>
+          </p:cNvPr>
+          <p:cNvSpPr>
+            <a:spLocks noGrp="1"/>
+          </p:cNvSpPr>
+          <p:nvPr>
+            <p:ph type="ftr" sz="quarter" idx="21"/>
+          </p:nvPr>
+        </p:nvSpPr>
+        <p:spPr>
+          <a:xfrm>
+            <a:off x="7161955" y="6356350"/>
+            <a:ext cx="3243942" cy="365125"/>
+          </a:xfrm>
+        </p:spPr>
+        <p:txBody>
+          <a:bodyPr rtlCol="0"/>
+          <a:lstStyle/>
+          <a:p>
+            <a:pPr rtl="0"/>
+            <a:r>
+              <a:rPr lang="fr-FR" noProof="0" dirty="0" err="1"/>
+              <a:t>Fleetmanager</a:t>
+            </a:r>
+            <a:r>
+              <a:rPr lang="fr-FR" noProof="0" dirty="0"/>
+              <a:t> </a:t>
+            </a:r>
+            <a:r>
+              <a:rPr lang="fr-FR" noProof="0" dirty="0" err="1"/>
+              <a:t>Allphi</a:t>
+            </a:r>
+            <a:endParaRPr lang="fr-FR" noProof="0" dirty="0"/>
+          </a:p>
+        </p:txBody>
+      </p:sp>
+      <p:sp>
+        <p:nvSpPr>
+          <p:cNvPr id="4" name="Espace réservé du numéro de diapositive 3">
+            <a:extLst>
+              <a:ext uri="{FF2B5EF4-FFF2-40B4-BE49-F238E27FC236}">
+                <a16:creationId xmlns:a16="http://schemas.microsoft.com/office/drawing/2014/main" id="{79ED4A67-3A46-4F54-A12A-EAE1B53E6457}"/>
+              </a:ext>
+            </a:extLst>
+          </p:cNvPr>
+          <p:cNvSpPr>
+            <a:spLocks noGrp="1"/>
+          </p:cNvSpPr>
+          <p:nvPr>
+            <p:ph type="sldNum" sz="quarter" idx="22"/>
+          </p:nvPr>
+        </p:nvSpPr>
+        <p:spPr>
+          <a:xfrm>
+            <a:off x="10700656" y="6356350"/>
+            <a:ext cx="653143" cy="365125"/>
+          </a:xfrm>
+        </p:spPr>
+        <p:txBody>
+          <a:bodyPr rtlCol="0"/>
+          <a:lstStyle/>
+          <a:p>
+            <a:pPr rtl="0"/>
+            <a:fld id="{19B51A1E-902D-48AF-9020-955120F399B6}" type="slidenum">
+              <a:rPr lang="fr-FR" smtClean="0"/>
+              <a:pPr rtl="0"/>
+              <a:t>6</a:t>
+            </a:fld>
+            <a:endParaRPr lang="fr-FR" dirty="0"/>
+          </a:p>
+        </p:txBody>
+      </p:sp>
       <p:pic>
         <p:nvPicPr>
-          <p:cNvPr id="28" name="Afbeelding 27">
-            <a:extLst>
-              <a:ext uri="{FF2B5EF4-FFF2-40B4-BE49-F238E27FC236}">
-                <a16:creationId xmlns:a16="http://schemas.microsoft.com/office/drawing/2014/main" id="{2487D7EF-2234-73EA-7432-979E8BB95317}"/>
+          <p:cNvPr id="24" name="Afbeelding 23">
+            <a:extLst>
+              <a:ext uri="{FF2B5EF4-FFF2-40B4-BE49-F238E27FC236}">
+                <a16:creationId xmlns:a16="http://schemas.microsoft.com/office/drawing/2014/main" id="{FDAE47D6-4D84-7AC5-04EA-F74F0580CBC2}"/>
               </a:ext>
             </a:extLst>
           </p:cNvPr>
@@ -18837,8 +20540,8 @@
         </p:blipFill>
         <p:spPr>
           <a:xfrm>
-            <a:off x="6944897" y="1714400"/>
-            <a:ext cx="2528993" cy="2420418"/>
+            <a:off x="1857032" y="1714400"/>
+            <a:ext cx="2534164" cy="2420418"/>
           </a:xfrm>
           <a:prstGeom prst="rect">
             <a:avLst/>
@@ -18850,257 +20553,108 @@
           </a:ln>
         </p:spPr>
       </p:pic>
-      <p:sp>
-        <p:nvSpPr>
-          <p:cNvPr id="2" name="Titre 1">
-            <a:extLst>
-              <a:ext uri="{FF2B5EF4-FFF2-40B4-BE49-F238E27FC236}">
-                <a16:creationId xmlns:a16="http://schemas.microsoft.com/office/drawing/2014/main" id="{8A4E0A63-A388-49B1-A04E-27CE9BD622EF}"/>
-              </a:ext>
-            </a:extLst>
-          </p:cNvPr>
-          <p:cNvSpPr>
-            <a:spLocks noGrp="1"/>
-          </p:cNvSpPr>
-          <p:nvPr>
-            <p:ph type="title"/>
-          </p:nvPr>
-        </p:nvSpPr>
-        <p:spPr>
-          <a:xfrm>
-            <a:off x="5921828" y="868099"/>
-            <a:ext cx="5431971" cy="846301"/>
-          </a:xfrm>
-        </p:spPr>
-        <p:txBody>
-          <a:bodyPr rtlCol="0"/>
-          <a:lstStyle/>
-          <a:p>
-            <a:pPr rtl="0"/>
-            <a:r>
-              <a:rPr lang="fr-FR" dirty="0" err="1"/>
-              <a:t>Front-end</a:t>
-            </a:r>
-            <a:endParaRPr lang="fr-FR" dirty="0"/>
-          </a:p>
-        </p:txBody>
-      </p:sp>
-      <p:sp>
-        <p:nvSpPr>
-          <p:cNvPr id="32" name="Espace réservé de la date 31">
-            <a:extLst>
-              <a:ext uri="{FF2B5EF4-FFF2-40B4-BE49-F238E27FC236}">
-                <a16:creationId xmlns:a16="http://schemas.microsoft.com/office/drawing/2014/main" id="{D5DB19F8-B538-4965-BA90-ED372B99F5DC}"/>
-              </a:ext>
-            </a:extLst>
-          </p:cNvPr>
-          <p:cNvSpPr>
-            <a:spLocks noGrp="1"/>
-          </p:cNvSpPr>
-          <p:nvPr>
-            <p:ph type="dt" sz="half" idx="20"/>
-          </p:nvPr>
-        </p:nvSpPr>
-        <p:spPr>
-          <a:xfrm>
-            <a:off x="5919680" y="6356350"/>
-            <a:ext cx="947516" cy="365125"/>
-          </a:xfrm>
-        </p:spPr>
-        <p:txBody>
-          <a:bodyPr rtlCol="0"/>
-          <a:lstStyle/>
-          <a:p>
-            <a:pPr rtl="0"/>
-            <a:r>
-              <a:rPr lang="fr-FR" dirty="0"/>
-              <a:t>2023</a:t>
-            </a:r>
-          </a:p>
-        </p:txBody>
-      </p:sp>
-      <p:sp>
-        <p:nvSpPr>
-          <p:cNvPr id="3" name="Espace réservé du pied de page 2">
-            <a:extLst>
-              <a:ext uri="{FF2B5EF4-FFF2-40B4-BE49-F238E27FC236}">
-                <a16:creationId xmlns:a16="http://schemas.microsoft.com/office/drawing/2014/main" id="{005C44B1-BA82-483C-BD91-F89067442F9E}"/>
-              </a:ext>
-            </a:extLst>
-          </p:cNvPr>
-          <p:cNvSpPr>
-            <a:spLocks noGrp="1"/>
-          </p:cNvSpPr>
-          <p:nvPr>
-            <p:ph type="ftr" sz="quarter" idx="21"/>
-          </p:nvPr>
-        </p:nvSpPr>
-        <p:spPr>
-          <a:xfrm>
-            <a:off x="7161955" y="6356350"/>
-            <a:ext cx="3243942" cy="365125"/>
-          </a:xfrm>
-        </p:spPr>
-        <p:txBody>
-          <a:bodyPr rtlCol="0"/>
-          <a:lstStyle/>
-          <a:p>
-            <a:pPr rtl="0"/>
-            <a:r>
-              <a:rPr lang="fr-FR" noProof="0" dirty="0" err="1"/>
-              <a:t>Fleetmanager</a:t>
-            </a:r>
-            <a:r>
-              <a:rPr lang="fr-FR" noProof="0" dirty="0"/>
-              <a:t> </a:t>
-            </a:r>
-            <a:r>
-              <a:rPr lang="fr-FR" noProof="0" dirty="0" err="1"/>
-              <a:t>Allphi</a:t>
-            </a:r>
-            <a:endParaRPr lang="fr-FR" noProof="0" dirty="0"/>
-          </a:p>
-        </p:txBody>
-      </p:sp>
-      <p:sp>
-        <p:nvSpPr>
-          <p:cNvPr id="4" name="Espace réservé du numéro de diapositive 3">
-            <a:extLst>
-              <a:ext uri="{FF2B5EF4-FFF2-40B4-BE49-F238E27FC236}">
-                <a16:creationId xmlns:a16="http://schemas.microsoft.com/office/drawing/2014/main" id="{79ED4A67-3A46-4F54-A12A-EAE1B53E6457}"/>
-              </a:ext>
-            </a:extLst>
-          </p:cNvPr>
-          <p:cNvSpPr>
-            <a:spLocks noGrp="1"/>
-          </p:cNvSpPr>
-          <p:nvPr>
-            <p:ph type="sldNum" sz="quarter" idx="22"/>
-          </p:nvPr>
-        </p:nvSpPr>
-        <p:spPr>
-          <a:xfrm>
-            <a:off x="10700656" y="6356350"/>
-            <a:ext cx="653143" cy="365125"/>
-          </a:xfrm>
-        </p:spPr>
-        <p:txBody>
-          <a:bodyPr rtlCol="0"/>
-          <a:lstStyle/>
-          <a:p>
-            <a:pPr rtl="0"/>
-            <a:fld id="{19B51A1E-902D-48AF-9020-955120F399B6}" type="slidenum">
-              <a:rPr lang="fr-FR" smtClean="0"/>
-              <a:pPr rtl="0"/>
-              <a:t>6</a:t>
-            </a:fld>
-            <a:endParaRPr lang="fr-FR" dirty="0"/>
-          </a:p>
-        </p:txBody>
-      </p:sp>
       <p:pic>
         <p:nvPicPr>
-          <p:cNvPr id="24" name="Afbeelding 23">
-            <a:extLst>
-              <a:ext uri="{FF2B5EF4-FFF2-40B4-BE49-F238E27FC236}">
-                <a16:creationId xmlns:a16="http://schemas.microsoft.com/office/drawing/2014/main" id="{FDAE47D6-4D84-7AC5-04EA-F74F0580CBC2}"/>
+          <p:cNvPr id="2052" name="Picture 4" descr="afbeelding">
+            <a:extLst>
+              <a:ext uri="{FF2B5EF4-FFF2-40B4-BE49-F238E27FC236}">
+                <a16:creationId xmlns:a16="http://schemas.microsoft.com/office/drawing/2014/main" id="{F39DF3E1-6E09-8D7C-F3A5-BA3D30F3203D}"/>
               </a:ext>
             </a:extLst>
           </p:cNvPr>
           <p:cNvPicPr>
-            <a:picLocks noChangeAspect="1"/>
+            <a:picLocks noChangeAspect="1" noChangeArrowheads="1"/>
           </p:cNvPicPr>
           <p:nvPr/>
         </p:nvPicPr>
         <p:blipFill>
-          <a:blip r:embed="rId4"/>
+          <a:blip r:embed="rId4">
+            <a:extLst>
+              <a:ext uri="{28A0092B-C50C-407E-A947-70E740481C1C}">
+                <a14:useLocalDpi xmlns:a14="http://schemas.microsoft.com/office/drawing/2010/main" val="0"/>
+              </a:ext>
+            </a:extLst>
+          </a:blip>
+          <a:srcRect/>
           <a:stretch>
             <a:fillRect/>
           </a:stretch>
         </p:blipFill>
-        <p:spPr>
-          <a:xfrm>
-            <a:off x="3284141" y="1714400"/>
-            <a:ext cx="2534164" cy="2420418"/>
+        <p:spPr bwMode="auto">
+          <a:xfrm>
+            <a:off x="3543355" y="3770910"/>
+            <a:ext cx="2552645" cy="2420418"/>
           </a:xfrm>
           <a:prstGeom prst="rect">
             <a:avLst/>
           </a:prstGeom>
+          <a:noFill/>
           <a:ln w="28575">
             <a:solidFill>
               <a:schemeClr val="tx1"/>
             </a:solidFill>
           </a:ln>
+          <a:extLst>
+            <a:ext uri="{909E8E84-426E-40DD-AFC4-6F175D3DCCD1}">
+              <a14:hiddenFill xmlns:a14="http://schemas.microsoft.com/office/drawing/2010/main">
+                <a:solidFill>
+                  <a:srgbClr val="FFFFFF"/>
+                </a:solidFill>
+              </a14:hiddenFill>
+            </a:ext>
+          </a:extLst>
         </p:spPr>
       </p:pic>
       <p:pic>
         <p:nvPicPr>
-          <p:cNvPr id="30" name="Afbeelding 29">
-            <a:extLst>
-              <a:ext uri="{FF2B5EF4-FFF2-40B4-BE49-F238E27FC236}">
-                <a16:creationId xmlns:a16="http://schemas.microsoft.com/office/drawing/2014/main" id="{5ACB98AD-DF61-F169-376E-311211CCA5A2}"/>
+          <p:cNvPr id="2050" name="Picture 2" descr="afbeelding">
+            <a:extLst>
+              <a:ext uri="{FF2B5EF4-FFF2-40B4-BE49-F238E27FC236}">
+                <a16:creationId xmlns:a16="http://schemas.microsoft.com/office/drawing/2014/main" id="{6479532A-C2F5-BEF0-6F3F-F1C47FB63822}"/>
               </a:ext>
             </a:extLst>
           </p:cNvPr>
           <p:cNvPicPr>
-            <a:picLocks noChangeAspect="1"/>
+            <a:picLocks noChangeAspect="1" noChangeArrowheads="1"/>
           </p:cNvPicPr>
           <p:nvPr/>
         </p:nvPicPr>
         <p:blipFill>
-          <a:blip r:embed="rId5"/>
+          <a:blip r:embed="rId5">
+            <a:extLst>
+              <a:ext uri="{28A0092B-C50C-407E-A947-70E740481C1C}">
+                <a14:useLocalDpi xmlns:a14="http://schemas.microsoft.com/office/drawing/2010/main" val="0"/>
+              </a:ext>
+            </a:extLst>
+          </a:blip>
+          <a:srcRect/>
           <a:stretch>
             <a:fillRect/>
           </a:stretch>
         </p:blipFill>
-        <p:spPr>
-          <a:xfrm>
-            <a:off x="8783926" y="3789237"/>
-            <a:ext cx="2547948" cy="2420418"/>
+        <p:spPr bwMode="auto">
+          <a:xfrm>
+            <a:off x="5075807" y="1714400"/>
+            <a:ext cx="5431971" cy="2435192"/>
           </a:xfrm>
           <a:prstGeom prst="rect">
             <a:avLst/>
           </a:prstGeom>
+          <a:noFill/>
           <a:ln w="28575">
             <a:solidFill>
               <a:schemeClr val="tx1"/>
             </a:solidFill>
           </a:ln>
-        </p:spPr>
-      </p:pic>
-      <p:pic>
-        <p:nvPicPr>
-          <p:cNvPr id="26" name="Afbeelding 25">
-            <a:extLst>
-              <a:ext uri="{FF2B5EF4-FFF2-40B4-BE49-F238E27FC236}">
-                <a16:creationId xmlns:a16="http://schemas.microsoft.com/office/drawing/2014/main" id="{39A2A588-D1A0-B1D5-885C-B131B230C2A9}"/>
-              </a:ext>
-            </a:extLst>
-          </p:cNvPr>
-          <p:cNvPicPr>
-            <a:picLocks noChangeAspect="1"/>
-          </p:cNvPicPr>
-          <p:nvPr/>
-        </p:nvPicPr>
-        <p:blipFill>
-          <a:blip r:embed="rId6"/>
-          <a:stretch>
-            <a:fillRect/>
-          </a:stretch>
-        </p:blipFill>
-        <p:spPr>
-          <a:xfrm>
-            <a:off x="5129541" y="3789237"/>
-            <a:ext cx="2527793" cy="2398770"/>
-          </a:xfrm>
-          <a:prstGeom prst="rect">
-            <a:avLst/>
-          </a:prstGeom>
-          <a:ln w="28575">
-            <a:solidFill>
-              <a:schemeClr val="tx1"/>
-            </a:solidFill>
-          </a:ln>
+          <a:extLst>
+            <a:ext uri="{909E8E84-426E-40DD-AFC4-6F175D3DCCD1}">
+              <a14:hiddenFill xmlns:a14="http://schemas.microsoft.com/office/drawing/2010/main">
+                <a:solidFill>
+                  <a:srgbClr val="FFFFFF"/>
+                </a:solidFill>
+              </a14:hiddenFill>
+            </a:ext>
+          </a:extLst>
         </p:spPr>
       </p:pic>
     </p:spTree>
@@ -19133,12 +20687,163 @@
           <a:chExt cx="0" cy="0"/>
         </a:xfrm>
       </p:grpSpPr>
+      <p:sp>
+        <p:nvSpPr>
+          <p:cNvPr id="2" name="Titre 1">
+            <a:extLst>
+              <a:ext uri="{FF2B5EF4-FFF2-40B4-BE49-F238E27FC236}">
+                <a16:creationId xmlns:a16="http://schemas.microsoft.com/office/drawing/2014/main" id="{8A4E0A63-A388-49B1-A04E-27CE9BD622EF}"/>
+              </a:ext>
+            </a:extLst>
+          </p:cNvPr>
+          <p:cNvSpPr>
+            <a:spLocks noGrp="1"/>
+          </p:cNvSpPr>
+          <p:nvPr>
+            <p:ph type="title"/>
+          </p:nvPr>
+        </p:nvSpPr>
+        <p:spPr>
+          <a:xfrm>
+            <a:off x="5921828" y="868099"/>
+            <a:ext cx="5431971" cy="846301"/>
+          </a:xfrm>
+        </p:spPr>
+        <p:txBody>
+          <a:bodyPr rtlCol="0"/>
+          <a:lstStyle/>
+          <a:p>
+            <a:pPr rtl="0"/>
+            <a:r>
+              <a:rPr lang="fr-FR" dirty="0" err="1"/>
+              <a:t>Front-end</a:t>
+            </a:r>
+            <a:r>
+              <a:rPr lang="fr-FR" dirty="0"/>
+              <a:t> - Admin</a:t>
+            </a:r>
+          </a:p>
+        </p:txBody>
+      </p:sp>
+      <p:sp>
+        <p:nvSpPr>
+          <p:cNvPr id="32" name="Espace réservé de la date 31">
+            <a:extLst>
+              <a:ext uri="{FF2B5EF4-FFF2-40B4-BE49-F238E27FC236}">
+                <a16:creationId xmlns:a16="http://schemas.microsoft.com/office/drawing/2014/main" id="{D5DB19F8-B538-4965-BA90-ED372B99F5DC}"/>
+              </a:ext>
+            </a:extLst>
+          </p:cNvPr>
+          <p:cNvSpPr>
+            <a:spLocks noGrp="1"/>
+          </p:cNvSpPr>
+          <p:nvPr>
+            <p:ph type="dt" sz="half" idx="20"/>
+          </p:nvPr>
+        </p:nvSpPr>
+        <p:spPr>
+          <a:xfrm>
+            <a:off x="5919680" y="6356350"/>
+            <a:ext cx="947516" cy="365125"/>
+          </a:xfrm>
+        </p:spPr>
+        <p:txBody>
+          <a:bodyPr rtlCol="0"/>
+          <a:lstStyle/>
+          <a:p>
+            <a:pPr rtl="0"/>
+            <a:r>
+              <a:rPr lang="fr-FR" dirty="0"/>
+              <a:t>2024</a:t>
+            </a:r>
+          </a:p>
+        </p:txBody>
+      </p:sp>
+      <p:sp>
+        <p:nvSpPr>
+          <p:cNvPr id="3" name="Espace réservé du pied de page 2">
+            <a:extLst>
+              <a:ext uri="{FF2B5EF4-FFF2-40B4-BE49-F238E27FC236}">
+                <a16:creationId xmlns:a16="http://schemas.microsoft.com/office/drawing/2014/main" id="{005C44B1-BA82-483C-BD91-F89067442F9E}"/>
+              </a:ext>
+            </a:extLst>
+          </p:cNvPr>
+          <p:cNvSpPr>
+            <a:spLocks noGrp="1"/>
+          </p:cNvSpPr>
+          <p:nvPr>
+            <p:ph type="ftr" sz="quarter" idx="21"/>
+          </p:nvPr>
+        </p:nvSpPr>
+        <p:spPr>
+          <a:xfrm>
+            <a:off x="7161955" y="6356350"/>
+            <a:ext cx="3243942" cy="365125"/>
+          </a:xfrm>
+        </p:spPr>
+        <p:txBody>
+          <a:bodyPr rtlCol="0"/>
+          <a:lstStyle/>
+          <a:p>
+            <a:pPr rtl="0"/>
+            <a:r>
+              <a:rPr lang="fr-FR" noProof="0" dirty="0" err="1"/>
+              <a:t>Fleetmanager</a:t>
+            </a:r>
+            <a:r>
+              <a:rPr lang="fr-FR" noProof="0" dirty="0"/>
+              <a:t> </a:t>
+            </a:r>
+            <a:r>
+              <a:rPr lang="fr-FR" noProof="0" dirty="0" err="1"/>
+              <a:t>Allphi</a:t>
+            </a:r>
+            <a:endParaRPr lang="fr-FR" noProof="0" dirty="0"/>
+          </a:p>
+        </p:txBody>
+      </p:sp>
+      <p:sp>
+        <p:nvSpPr>
+          <p:cNvPr id="4" name="Espace réservé du numéro de diapositive 3">
+            <a:extLst>
+              <a:ext uri="{FF2B5EF4-FFF2-40B4-BE49-F238E27FC236}">
+                <a16:creationId xmlns:a16="http://schemas.microsoft.com/office/drawing/2014/main" id="{79ED4A67-3A46-4F54-A12A-EAE1B53E6457}"/>
+              </a:ext>
+            </a:extLst>
+          </p:cNvPr>
+          <p:cNvSpPr>
+            <a:spLocks noGrp="1"/>
+          </p:cNvSpPr>
+          <p:nvPr>
+            <p:ph type="sldNum" sz="quarter" idx="22"/>
+          </p:nvPr>
+        </p:nvSpPr>
+        <p:spPr>
+          <a:xfrm>
+            <a:off x="10700656" y="6356350"/>
+            <a:ext cx="653143" cy="365125"/>
+          </a:xfrm>
+        </p:spPr>
+        <p:txBody>
+          <a:bodyPr rtlCol="0"/>
+          <a:lstStyle/>
+          <a:p>
+            <a:pPr rtl="0"/>
+            <a:fld id="{19B51A1E-902D-48AF-9020-955120F399B6}" type="slidenum">
+              <a:rPr lang="fr-FR" smtClean="0"/>
+              <a:pPr rtl="0"/>
+              <a:t>7</a:t>
+            </a:fld>
+            <a:endParaRPr lang="fr-FR" dirty="0"/>
+          </a:p>
+        </p:txBody>
+      </p:sp>
       <p:pic>
         <p:nvPicPr>
-          <p:cNvPr id="10" name="Afbeelding 9">
-            <a:extLst>
-              <a:ext uri="{FF2B5EF4-FFF2-40B4-BE49-F238E27FC236}">
-                <a16:creationId xmlns:a16="http://schemas.microsoft.com/office/drawing/2014/main" id="{4164F6FB-5CE1-EB6B-E416-5557C6B0B504}"/>
+          <p:cNvPr id="24" name="Afbeelding 23">
+            <a:extLst>
+              <a:ext uri="{FF2B5EF4-FFF2-40B4-BE49-F238E27FC236}">
+                <a16:creationId xmlns:a16="http://schemas.microsoft.com/office/drawing/2014/main" id="{FDAE47D6-4D84-7AC5-04EA-F74F0580CBC2}"/>
               </a:ext>
             </a:extLst>
           </p:cNvPr>
@@ -19155,42 +20860,8 @@
         </p:blipFill>
         <p:spPr>
           <a:xfrm>
-            <a:off x="5484915" y="1325243"/>
-            <a:ext cx="3596992" cy="2833846"/>
-          </a:xfrm>
-          <a:prstGeom prst="rect">
-            <a:avLst/>
-          </a:prstGeom>
-          <a:ln w="28575">
-            <a:solidFill>
-              <a:schemeClr val="bg1"/>
-            </a:solidFill>
-          </a:ln>
-        </p:spPr>
-      </p:pic>
-      <p:pic>
-        <p:nvPicPr>
-          <p:cNvPr id="8" name="Afbeelding 7">
-            <a:extLst>
-              <a:ext uri="{FF2B5EF4-FFF2-40B4-BE49-F238E27FC236}">
-                <a16:creationId xmlns:a16="http://schemas.microsoft.com/office/drawing/2014/main" id="{C35D74DA-2272-73FF-6064-BE4FF01EFD38}"/>
-              </a:ext>
-            </a:extLst>
-          </p:cNvPr>
-          <p:cNvPicPr>
-            <a:picLocks noChangeAspect="1"/>
-          </p:cNvPicPr>
-          <p:nvPr/>
-        </p:nvPicPr>
-        <p:blipFill rotWithShape="1">
-          <a:blip r:embed="rId4"/>
-          <a:srcRect t="17736" r="9074" b="12533"/>
-          <a:stretch/>
-        </p:blipFill>
-        <p:spPr>
-          <a:xfrm>
-            <a:off x="3264607" y="3029436"/>
-            <a:ext cx="2065032" cy="3326914"/>
+            <a:off x="1848104" y="1714400"/>
+            <a:ext cx="2534164" cy="2420418"/>
           </a:xfrm>
           <a:prstGeom prst="rect">
             <a:avLst/>
@@ -19202,235 +20873,114 @@
           </a:ln>
         </p:spPr>
       </p:pic>
-      <p:sp>
-        <p:nvSpPr>
-          <p:cNvPr id="2" name="Titre 1">
-            <a:extLst>
-              <a:ext uri="{FF2B5EF4-FFF2-40B4-BE49-F238E27FC236}">
-                <a16:creationId xmlns:a16="http://schemas.microsoft.com/office/drawing/2014/main" id="{8A4E0A63-A388-49B1-A04E-27CE9BD622EF}"/>
-              </a:ext>
-            </a:extLst>
-          </p:cNvPr>
-          <p:cNvSpPr>
-            <a:spLocks noGrp="1"/>
-          </p:cNvSpPr>
-          <p:nvPr>
-            <p:ph type="title"/>
-          </p:nvPr>
-        </p:nvSpPr>
-        <p:spPr>
-          <a:xfrm>
-            <a:off x="5919680" y="859474"/>
-            <a:ext cx="5431971" cy="846301"/>
-          </a:xfrm>
-        </p:spPr>
-        <p:txBody>
-          <a:bodyPr rtlCol="0"/>
-          <a:lstStyle/>
-          <a:p>
-            <a:pPr rtl="0"/>
-            <a:r>
-              <a:rPr lang="fr-FR" dirty="0" err="1"/>
-              <a:t>Back-end</a:t>
-            </a:r>
-            <a:r>
-              <a:rPr lang="fr-FR" dirty="0"/>
-              <a:t> en </a:t>
-            </a:r>
-            <a:r>
-              <a:rPr lang="fr-FR" dirty="0" err="1"/>
-              <a:t>Databank</a:t>
-            </a:r>
-            <a:endParaRPr lang="fr-FR" dirty="0"/>
-          </a:p>
-        </p:txBody>
-      </p:sp>
-      <p:sp>
-        <p:nvSpPr>
-          <p:cNvPr id="32" name="Espace réservé de la date 31">
-            <a:extLst>
-              <a:ext uri="{FF2B5EF4-FFF2-40B4-BE49-F238E27FC236}">
-                <a16:creationId xmlns:a16="http://schemas.microsoft.com/office/drawing/2014/main" id="{D5DB19F8-B538-4965-BA90-ED372B99F5DC}"/>
-              </a:ext>
-            </a:extLst>
-          </p:cNvPr>
-          <p:cNvSpPr>
-            <a:spLocks noGrp="1"/>
-          </p:cNvSpPr>
-          <p:nvPr>
-            <p:ph type="dt" sz="half" idx="20"/>
-          </p:nvPr>
-        </p:nvSpPr>
-        <p:spPr>
-          <a:xfrm>
-            <a:off x="5919680" y="6356350"/>
-            <a:ext cx="947516" cy="365125"/>
-          </a:xfrm>
-        </p:spPr>
-        <p:txBody>
-          <a:bodyPr rtlCol="0"/>
-          <a:lstStyle/>
-          <a:p>
-            <a:pPr rtl="0"/>
-            <a:r>
-              <a:rPr lang="fr-FR" dirty="0"/>
-              <a:t>2023</a:t>
-            </a:r>
-          </a:p>
-        </p:txBody>
-      </p:sp>
-      <p:sp>
-        <p:nvSpPr>
-          <p:cNvPr id="3" name="Espace réservé du pied de page 2">
-            <a:extLst>
-              <a:ext uri="{FF2B5EF4-FFF2-40B4-BE49-F238E27FC236}">
-                <a16:creationId xmlns:a16="http://schemas.microsoft.com/office/drawing/2014/main" id="{005C44B1-BA82-483C-BD91-F89067442F9E}"/>
-              </a:ext>
-            </a:extLst>
-          </p:cNvPr>
-          <p:cNvSpPr>
-            <a:spLocks noGrp="1"/>
-          </p:cNvSpPr>
-          <p:nvPr>
-            <p:ph type="ftr" sz="quarter" idx="21"/>
-          </p:nvPr>
-        </p:nvSpPr>
-        <p:spPr>
-          <a:xfrm>
-            <a:off x="7161955" y="6356350"/>
-            <a:ext cx="3243942" cy="365125"/>
-          </a:xfrm>
-        </p:spPr>
-        <p:txBody>
-          <a:bodyPr rtlCol="0"/>
-          <a:lstStyle/>
-          <a:p>
-            <a:pPr rtl="0"/>
-            <a:r>
-              <a:rPr lang="fr-FR" noProof="0" dirty="0" err="1"/>
-              <a:t>Fleetmanager</a:t>
-            </a:r>
-            <a:r>
-              <a:rPr lang="fr-FR" noProof="0" dirty="0"/>
-              <a:t> </a:t>
-            </a:r>
-            <a:r>
-              <a:rPr lang="fr-FR" noProof="0" dirty="0" err="1"/>
-              <a:t>Allphi</a:t>
-            </a:r>
-            <a:endParaRPr lang="fr-FR" noProof="0" dirty="0"/>
-          </a:p>
-        </p:txBody>
-      </p:sp>
-      <p:sp>
-        <p:nvSpPr>
-          <p:cNvPr id="4" name="Espace réservé du numéro de diapositive 3">
-            <a:extLst>
-              <a:ext uri="{FF2B5EF4-FFF2-40B4-BE49-F238E27FC236}">
-                <a16:creationId xmlns:a16="http://schemas.microsoft.com/office/drawing/2014/main" id="{79ED4A67-3A46-4F54-A12A-EAE1B53E6457}"/>
-              </a:ext>
-            </a:extLst>
-          </p:cNvPr>
-          <p:cNvSpPr>
-            <a:spLocks noGrp="1"/>
-          </p:cNvSpPr>
-          <p:nvPr>
-            <p:ph type="sldNum" sz="quarter" idx="22"/>
-          </p:nvPr>
-        </p:nvSpPr>
-        <p:spPr>
-          <a:xfrm>
-            <a:off x="10700656" y="6356350"/>
-            <a:ext cx="653143" cy="365125"/>
-          </a:xfrm>
-        </p:spPr>
-        <p:txBody>
-          <a:bodyPr rtlCol="0"/>
-          <a:lstStyle/>
-          <a:p>
-            <a:pPr rtl="0"/>
-            <a:fld id="{19B51A1E-902D-48AF-9020-955120F399B6}" type="slidenum">
-              <a:rPr lang="fr-FR" smtClean="0"/>
-              <a:pPr rtl="0"/>
-              <a:t>7</a:t>
-            </a:fld>
-            <a:endParaRPr lang="fr-FR" dirty="0"/>
-          </a:p>
-        </p:txBody>
-      </p:sp>
       <p:pic>
         <p:nvPicPr>
-          <p:cNvPr id="6" name="Afbeelding 5">
-            <a:extLst>
-              <a:ext uri="{FF2B5EF4-FFF2-40B4-BE49-F238E27FC236}">
-                <a16:creationId xmlns:a16="http://schemas.microsoft.com/office/drawing/2014/main" id="{0608A728-313C-078D-45F3-F5984CCF7188}"/>
+          <p:cNvPr id="1026" name="Picture 2" descr="afbeelding">
+            <a:extLst>
+              <a:ext uri="{FF2B5EF4-FFF2-40B4-BE49-F238E27FC236}">
+                <a16:creationId xmlns:a16="http://schemas.microsoft.com/office/drawing/2014/main" id="{EB2F0E26-B920-8317-DCCE-B196FB346C79}"/>
               </a:ext>
             </a:extLst>
           </p:cNvPr>
           <p:cNvPicPr>
-            <a:picLocks noChangeAspect="1"/>
+            <a:picLocks noChangeAspect="1" noChangeArrowheads="1"/>
           </p:cNvPicPr>
           <p:nvPr/>
         </p:nvPicPr>
-        <p:blipFill rotWithShape="1">
-          <a:blip r:embed="rId5"/>
-          <a:srcRect t="17103" r="3249" b="13079"/>
-          <a:stretch/>
+        <p:blipFill>
+          <a:blip r:embed="rId4">
+            <a:extLst>
+              <a:ext uri="{28A0092B-C50C-407E-A947-70E740481C1C}">
+                <a14:useLocalDpi xmlns:a14="http://schemas.microsoft.com/office/drawing/2010/main" val="0"/>
+              </a:ext>
+            </a:extLst>
+          </a:blip>
+          <a:srcRect/>
+          <a:stretch>
+            <a:fillRect/>
+          </a:stretch>
         </p:blipFill>
-        <p:spPr>
-          <a:xfrm>
-            <a:off x="1394149" y="1325243"/>
-            <a:ext cx="2065032" cy="3326914"/>
+        <p:spPr bwMode="auto">
+          <a:xfrm>
+            <a:off x="3536427" y="3789237"/>
+            <a:ext cx="2684870" cy="2420418"/>
           </a:xfrm>
           <a:prstGeom prst="rect">
             <a:avLst/>
           </a:prstGeom>
+          <a:noFill/>
           <a:ln w="28575">
             <a:solidFill>
               <a:schemeClr val="tx1"/>
             </a:solidFill>
           </a:ln>
+          <a:extLst>
+            <a:ext uri="{909E8E84-426E-40DD-AFC4-6F175D3DCCD1}">
+              <a14:hiddenFill xmlns:a14="http://schemas.microsoft.com/office/drawing/2010/main">
+                <a:solidFill>
+                  <a:srgbClr val="FFFFFF"/>
+                </a:solidFill>
+              </a14:hiddenFill>
+            </a:ext>
+          </a:extLst>
         </p:spPr>
       </p:pic>
       <p:pic>
         <p:nvPicPr>
-          <p:cNvPr id="7" name="Afbeelding 6">
-            <a:extLst>
-              <a:ext uri="{FF2B5EF4-FFF2-40B4-BE49-F238E27FC236}">
-                <a16:creationId xmlns:a16="http://schemas.microsoft.com/office/drawing/2014/main" id="{3EC9C497-A7AD-15BA-287A-A45A8B83A840}"/>
+          <p:cNvPr id="1028" name="Picture 4">
+            <a:extLst>
+              <a:ext uri="{FF2B5EF4-FFF2-40B4-BE49-F238E27FC236}">
+                <a16:creationId xmlns:a16="http://schemas.microsoft.com/office/drawing/2014/main" id="{127467CB-86CD-1B99-3B45-6AE8CC5BB266}"/>
               </a:ext>
             </a:extLst>
           </p:cNvPr>
           <p:cNvPicPr>
-            <a:picLocks noChangeAspect="1"/>
+            <a:picLocks noChangeAspect="1" noChangeArrowheads="1"/>
           </p:cNvPicPr>
           <p:nvPr/>
         </p:nvPicPr>
         <p:blipFill>
-          <a:blip r:embed="rId6"/>
+          <a:blip r:embed="rId5">
+            <a:extLst>
+              <a:ext uri="{28A0092B-C50C-407E-A947-70E740481C1C}">
+                <a14:useLocalDpi xmlns:a14="http://schemas.microsoft.com/office/drawing/2010/main" val="0"/>
+              </a:ext>
+            </a:extLst>
+          </a:blip>
+          <a:srcRect/>
           <a:stretch>
             <a:fillRect/>
           </a:stretch>
         </p:blipFill>
-        <p:spPr>
-          <a:xfrm>
-            <a:off x="7578170" y="3318476"/>
-            <a:ext cx="3596992" cy="3037874"/>
+        <p:spPr bwMode="auto">
+          <a:xfrm>
+            <a:off x="5044871" y="1714400"/>
+            <a:ext cx="5431971" cy="2446509"/>
           </a:xfrm>
           <a:prstGeom prst="rect">
             <a:avLst/>
           </a:prstGeom>
+          <a:noFill/>
           <a:ln w="28575">
             <a:solidFill>
-              <a:schemeClr val="bg1"/>
+              <a:schemeClr val="tx1"/>
             </a:solidFill>
           </a:ln>
+          <a:extLst>
+            <a:ext uri="{909E8E84-426E-40DD-AFC4-6F175D3DCCD1}">
+              <a14:hiddenFill xmlns:a14="http://schemas.microsoft.com/office/drawing/2010/main">
+                <a:solidFill>
+                  <a:srgbClr val="FFFFFF"/>
+                </a:solidFill>
+              </a14:hiddenFill>
+            </a:ext>
+          </a:extLst>
         </p:spPr>
       </p:pic>
     </p:spTree>
     <p:extLst>
       <p:ext uri="{BB962C8B-B14F-4D97-AF65-F5344CB8AC3E}">
-        <p14:creationId xmlns:p14="http://schemas.microsoft.com/office/powerpoint/2010/main" val="3902976026"/>
+        <p14:creationId xmlns:p14="http://schemas.microsoft.com/office/powerpoint/2010/main" val="387858380"/>
       </p:ext>
     </p:extLst>
   </p:cSld>
@@ -19459,97 +21009,89 @@
       </p:grpSpPr>
       <p:sp>
         <p:nvSpPr>
-          <p:cNvPr id="2" name="Titre 1">
-            <a:extLst>
-              <a:ext uri="{FF2B5EF4-FFF2-40B4-BE49-F238E27FC236}">
-                <a16:creationId xmlns:a16="http://schemas.microsoft.com/office/drawing/2014/main" id="{BCCAEE93-8585-46D4-A7EC-F184E317CB2E}"/>
-              </a:ext>
-            </a:extLst>
-          </p:cNvPr>
-          <p:cNvSpPr>
-            <a:spLocks noGrp="1"/>
-          </p:cNvSpPr>
-          <p:nvPr>
-            <p:ph type="ctrTitle"/>
-          </p:nvPr>
-        </p:nvSpPr>
-        <p:spPr>
-          <a:xfrm>
-            <a:off x="6287043" y="1991752"/>
-            <a:ext cx="4179570" cy="1524735"/>
-          </a:xfrm>
-        </p:spPr>
-        <p:txBody>
-          <a:bodyPr rtlCol="0"/>
+          <p:cNvPr id="2" name="Titel 1">
+            <a:extLst>
+              <a:ext uri="{FF2B5EF4-FFF2-40B4-BE49-F238E27FC236}">
+                <a16:creationId xmlns:a16="http://schemas.microsoft.com/office/drawing/2014/main" id="{336BD976-C294-228A-FC7C-FC5E4B5929D3}"/>
+              </a:ext>
+            </a:extLst>
+          </p:cNvPr>
+          <p:cNvSpPr>
+            <a:spLocks noGrp="1"/>
+          </p:cNvSpPr>
+          <p:nvPr>
+            <p:ph type="title"/>
+          </p:nvPr>
+        </p:nvSpPr>
+        <p:spPr/>
+        <p:txBody>
+          <a:bodyPr/>
           <a:lstStyle/>
           <a:p>
+            <a:r>
+              <a:rPr lang="nl-BE" dirty="0" err="1"/>
+              <a:t>Azure</a:t>
+            </a:r>
+            <a:r>
+              <a:rPr lang="nl-BE" dirty="0"/>
+              <a:t> </a:t>
+            </a:r>
+            <a:r>
+              <a:rPr lang="nl-BE" dirty="0" err="1"/>
+              <a:t>devops</a:t>
+            </a:r>
+            <a:endParaRPr lang="nl-BE" dirty="0"/>
+          </a:p>
+        </p:txBody>
+      </p:sp>
+      <p:sp>
+        <p:nvSpPr>
+          <p:cNvPr id="9" name="Tijdelijke aanduiding voor datum 8">
+            <a:extLst>
+              <a:ext uri="{FF2B5EF4-FFF2-40B4-BE49-F238E27FC236}">
+                <a16:creationId xmlns:a16="http://schemas.microsoft.com/office/drawing/2014/main" id="{833DE589-01B4-0603-C498-5EA26ED0BD79}"/>
+              </a:ext>
+            </a:extLst>
+          </p:cNvPr>
+          <p:cNvSpPr>
+            <a:spLocks noGrp="1"/>
+          </p:cNvSpPr>
+          <p:nvPr>
+            <p:ph type="dt" sz="half" idx="20"/>
+          </p:nvPr>
+        </p:nvSpPr>
+        <p:spPr/>
+        <p:txBody>
+          <a:bodyPr/>
+          <a:lstStyle/>
+          <a:p>
             <a:pPr rtl="0"/>
             <a:r>
-              <a:rPr lang="fr-FR" sz="4800" dirty="0" err="1"/>
-              <a:t>Demo</a:t>
-            </a:r>
-            <a:endParaRPr lang="fr-FR" sz="4800" dirty="0"/>
-          </a:p>
-        </p:txBody>
-      </p:sp>
-      <p:sp>
-        <p:nvSpPr>
-          <p:cNvPr id="4" name="Espace réservé de la date 3">
-            <a:extLst>
-              <a:ext uri="{FF2B5EF4-FFF2-40B4-BE49-F238E27FC236}">
-                <a16:creationId xmlns:a16="http://schemas.microsoft.com/office/drawing/2014/main" id="{72DA7980-C870-4C9A-84FA-4120D8AF5DE8}"/>
-              </a:ext>
-            </a:extLst>
-          </p:cNvPr>
-          <p:cNvSpPr>
-            <a:spLocks noGrp="1"/>
-          </p:cNvSpPr>
-          <p:nvPr>
-            <p:ph type="dt" sz="half" idx="10"/>
-          </p:nvPr>
-        </p:nvSpPr>
-        <p:spPr>
-          <a:xfrm>
-            <a:off x="4267200" y="6356350"/>
-            <a:ext cx="1774371" cy="365125"/>
-          </a:xfrm>
-        </p:spPr>
-        <p:txBody>
-          <a:bodyPr rtlCol="0"/>
-          <a:lstStyle/>
-          <a:p>
-            <a:pPr rtl="0"/>
-            <a:r>
-              <a:rPr lang="fr-FR" dirty="0"/>
-              <a:t>2023</a:t>
-            </a:r>
-          </a:p>
-        </p:txBody>
-      </p:sp>
-      <p:sp>
-        <p:nvSpPr>
-          <p:cNvPr id="5" name="Espace réservé du pied de page 4">
-            <a:extLst>
-              <a:ext uri="{FF2B5EF4-FFF2-40B4-BE49-F238E27FC236}">
-                <a16:creationId xmlns:a16="http://schemas.microsoft.com/office/drawing/2014/main" id="{0DFADE42-1A3F-40C8-A071-E57644F3D843}"/>
-              </a:ext>
-            </a:extLst>
-          </p:cNvPr>
-          <p:cNvSpPr>
-            <a:spLocks noGrp="1"/>
-          </p:cNvSpPr>
-          <p:nvPr>
-            <p:ph type="ftr" sz="quarter" idx="11"/>
-          </p:nvPr>
-        </p:nvSpPr>
-        <p:spPr>
-          <a:xfrm>
-            <a:off x="6479721" y="6356350"/>
-            <a:ext cx="2661557" cy="365125"/>
-          </a:xfrm>
-        </p:spPr>
-        <p:txBody>
-          <a:bodyPr rtlCol="0"/>
+              <a:rPr lang="fr-FR" noProof="0" dirty="0"/>
+              <a:t>2024</a:t>
+            </a:r>
+          </a:p>
+        </p:txBody>
+      </p:sp>
+      <p:sp>
+        <p:nvSpPr>
+          <p:cNvPr id="10" name="Tijdelijke aanduiding voor voettekst 9">
+            <a:extLst>
+              <a:ext uri="{FF2B5EF4-FFF2-40B4-BE49-F238E27FC236}">
+                <a16:creationId xmlns:a16="http://schemas.microsoft.com/office/drawing/2014/main" id="{2766F0A4-61E0-DA3A-6544-21FE0E961D45}"/>
+              </a:ext>
+            </a:extLst>
+          </p:cNvPr>
+          <p:cNvSpPr>
+            <a:spLocks noGrp="1"/>
+          </p:cNvSpPr>
+          <p:nvPr>
+            <p:ph type="ftr" sz="quarter" idx="21"/>
+          </p:nvPr>
+        </p:nvSpPr>
+        <p:spPr/>
+        <p:txBody>
+          <a:bodyPr/>
           <a:lstStyle/>
           <a:p>
             <a:pPr rtl="0"/>
@@ -19571,44 +21113,109 @@
       </p:sp>
       <p:sp>
         <p:nvSpPr>
-          <p:cNvPr id="6" name="Espace réservé du numéro de diapositive 5">
-            <a:extLst>
-              <a:ext uri="{FF2B5EF4-FFF2-40B4-BE49-F238E27FC236}">
-                <a16:creationId xmlns:a16="http://schemas.microsoft.com/office/drawing/2014/main" id="{5EDCFF82-B70F-4971-9182-7C3AEA3CFD26}"/>
-              </a:ext>
-            </a:extLst>
-          </p:cNvPr>
-          <p:cNvSpPr>
-            <a:spLocks noGrp="1"/>
-          </p:cNvSpPr>
-          <p:nvPr>
-            <p:ph type="sldNum" sz="quarter" idx="12"/>
-          </p:nvPr>
-        </p:nvSpPr>
-        <p:spPr>
-          <a:xfrm>
-            <a:off x="9579428" y="6356350"/>
-            <a:ext cx="1774371" cy="365125"/>
-          </a:xfrm>
-        </p:spPr>
-        <p:txBody>
-          <a:bodyPr rtlCol="0"/>
+          <p:cNvPr id="11" name="Tijdelijke aanduiding voor dianummer 10">
+            <a:extLst>
+              <a:ext uri="{FF2B5EF4-FFF2-40B4-BE49-F238E27FC236}">
+                <a16:creationId xmlns:a16="http://schemas.microsoft.com/office/drawing/2014/main" id="{7982BA79-B5F6-1EEB-B0D7-85F671D0EAC8}"/>
+              </a:ext>
+            </a:extLst>
+          </p:cNvPr>
+          <p:cNvSpPr>
+            <a:spLocks noGrp="1"/>
+          </p:cNvSpPr>
+          <p:nvPr>
+            <p:ph type="sldNum" sz="quarter" idx="22"/>
+          </p:nvPr>
+        </p:nvSpPr>
+        <p:spPr/>
+        <p:txBody>
+          <a:bodyPr/>
           <a:lstStyle/>
           <a:p>
             <a:pPr rtl="0"/>
             <a:fld id="{B5CEABB6-07DC-46E8-9B57-56EC44A396E5}" type="slidenum">
-              <a:rPr lang="fr-FR" smtClean="0"/>
+              <a:rPr lang="fr-FR" noProof="0" smtClean="0"/>
               <a:pPr rtl="0"/>
               <a:t>8</a:t>
             </a:fld>
-            <a:endParaRPr lang="fr-FR"/>
-          </a:p>
-        </p:txBody>
-      </p:sp>
+            <a:endParaRPr lang="fr-FR" noProof="0"/>
+          </a:p>
+        </p:txBody>
+      </p:sp>
+      <p:pic>
+        <p:nvPicPr>
+          <p:cNvPr id="13" name="Afbeelding 12">
+            <a:extLst>
+              <a:ext uri="{FF2B5EF4-FFF2-40B4-BE49-F238E27FC236}">
+                <a16:creationId xmlns:a16="http://schemas.microsoft.com/office/drawing/2014/main" id="{1DCF62B7-6E59-718C-3A13-20C76340B22E}"/>
+              </a:ext>
+            </a:extLst>
+          </p:cNvPr>
+          <p:cNvPicPr>
+            <a:picLocks noChangeAspect="1"/>
+          </p:cNvPicPr>
+          <p:nvPr/>
+        </p:nvPicPr>
+        <p:blipFill>
+          <a:blip r:embed="rId3"/>
+          <a:stretch>
+            <a:fillRect/>
+          </a:stretch>
+        </p:blipFill>
+        <p:spPr>
+          <a:xfrm>
+            <a:off x="1153436" y="1282225"/>
+            <a:ext cx="4533924" cy="2471561"/>
+          </a:xfrm>
+          <a:prstGeom prst="rect">
+            <a:avLst/>
+          </a:prstGeom>
+          <a:ln w="28575">
+            <a:solidFill>
+              <a:schemeClr val="tx1"/>
+            </a:solidFill>
+          </a:ln>
+        </p:spPr>
+      </p:pic>
+      <p:pic>
+        <p:nvPicPr>
+          <p:cNvPr id="12" name="Afbeelding 11">
+            <a:extLst>
+              <a:ext uri="{FF2B5EF4-FFF2-40B4-BE49-F238E27FC236}">
+                <a16:creationId xmlns:a16="http://schemas.microsoft.com/office/drawing/2014/main" id="{4DA7CC96-57BE-F148-9867-C7D58E0413A9}"/>
+              </a:ext>
+            </a:extLst>
+          </p:cNvPr>
+          <p:cNvPicPr>
+            <a:picLocks noChangeAspect="1"/>
+          </p:cNvPicPr>
+          <p:nvPr/>
+        </p:nvPicPr>
+        <p:blipFill>
+          <a:blip r:embed="rId4"/>
+          <a:stretch>
+            <a:fillRect/>
+          </a:stretch>
+        </p:blipFill>
+        <p:spPr>
+          <a:xfrm>
+            <a:off x="5323293" y="2475482"/>
+            <a:ext cx="4533924" cy="3880868"/>
+          </a:xfrm>
+          <a:prstGeom prst="rect">
+            <a:avLst/>
+          </a:prstGeom>
+          <a:ln w="28575">
+            <a:solidFill>
+              <a:schemeClr val="tx1"/>
+            </a:solidFill>
+          </a:ln>
+        </p:spPr>
+      </p:pic>
     </p:spTree>
     <p:extLst>
       <p:ext uri="{BB962C8B-B14F-4D97-AF65-F5344CB8AC3E}">
-        <p14:creationId xmlns:p14="http://schemas.microsoft.com/office/powerpoint/2010/main" val="2436493926"/>
+        <p14:creationId xmlns:p14="http://schemas.microsoft.com/office/powerpoint/2010/main" val="3818381963"/>
       </p:ext>
     </p:extLst>
   </p:cSld>
@@ -19635,12 +21242,81 @@
           <a:chExt cx="0" cy="0"/>
         </a:xfrm>
       </p:grpSpPr>
-      <p:sp>
-        <p:nvSpPr>
-          <p:cNvPr id="2" name="Titel 1">
-            <a:extLst>
-              <a:ext uri="{FF2B5EF4-FFF2-40B4-BE49-F238E27FC236}">
-                <a16:creationId xmlns:a16="http://schemas.microsoft.com/office/drawing/2014/main" id="{D2BC05BC-4C50-F1E6-84A5-87D58296B9B9}"/>
+      <p:pic>
+        <p:nvPicPr>
+          <p:cNvPr id="10" name="Afbeelding 9">
+            <a:extLst>
+              <a:ext uri="{FF2B5EF4-FFF2-40B4-BE49-F238E27FC236}">
+                <a16:creationId xmlns:a16="http://schemas.microsoft.com/office/drawing/2014/main" id="{4164F6FB-5CE1-EB6B-E416-5557C6B0B504}"/>
+              </a:ext>
+            </a:extLst>
+          </p:cNvPr>
+          <p:cNvPicPr>
+            <a:picLocks noChangeAspect="1"/>
+          </p:cNvPicPr>
+          <p:nvPr/>
+        </p:nvPicPr>
+        <p:blipFill>
+          <a:blip r:embed="rId3"/>
+          <a:stretch>
+            <a:fillRect/>
+          </a:stretch>
+        </p:blipFill>
+        <p:spPr>
+          <a:xfrm>
+            <a:off x="5484915" y="1325243"/>
+            <a:ext cx="3596992" cy="2833846"/>
+          </a:xfrm>
+          <a:prstGeom prst="rect">
+            <a:avLst/>
+          </a:prstGeom>
+          <a:ln w="28575">
+            <a:solidFill>
+              <a:schemeClr val="bg1"/>
+            </a:solidFill>
+          </a:ln>
+        </p:spPr>
+      </p:pic>
+      <p:pic>
+        <p:nvPicPr>
+          <p:cNvPr id="8" name="Afbeelding 7">
+            <a:extLst>
+              <a:ext uri="{FF2B5EF4-FFF2-40B4-BE49-F238E27FC236}">
+                <a16:creationId xmlns:a16="http://schemas.microsoft.com/office/drawing/2014/main" id="{C35D74DA-2272-73FF-6064-BE4FF01EFD38}"/>
+              </a:ext>
+            </a:extLst>
+          </p:cNvPr>
+          <p:cNvPicPr>
+            <a:picLocks noChangeAspect="1"/>
+          </p:cNvPicPr>
+          <p:nvPr/>
+        </p:nvPicPr>
+        <p:blipFill rotWithShape="1">
+          <a:blip r:embed="rId4"/>
+          <a:srcRect t="17736" r="9074" b="12533"/>
+          <a:stretch/>
+        </p:blipFill>
+        <p:spPr>
+          <a:xfrm>
+            <a:off x="3290595" y="3029436"/>
+            <a:ext cx="2065032" cy="3326914"/>
+          </a:xfrm>
+          <a:prstGeom prst="rect">
+            <a:avLst/>
+          </a:prstGeom>
+          <a:ln w="28575">
+            <a:solidFill>
+              <a:schemeClr val="tx1"/>
+            </a:solidFill>
+          </a:ln>
+        </p:spPr>
+      </p:pic>
+      <p:sp>
+        <p:nvSpPr>
+          <p:cNvPr id="2" name="Titre 1">
+            <a:extLst>
+              <a:ext uri="{FF2B5EF4-FFF2-40B4-BE49-F238E27FC236}">
+                <a16:creationId xmlns:a16="http://schemas.microsoft.com/office/drawing/2014/main" id="{8A4E0A63-A388-49B1-A04E-27CE9BD622EF}"/>
               </a:ext>
             </a:extLst>
           </p:cNvPr>
@@ -19651,176 +21327,73 @@
             <p:ph type="title"/>
           </p:nvPr>
         </p:nvSpPr>
-        <p:spPr/>
-        <p:txBody>
-          <a:bodyPr/>
+        <p:spPr>
+          <a:xfrm>
+            <a:off x="5919680" y="859474"/>
+            <a:ext cx="5431971" cy="846301"/>
+          </a:xfrm>
+        </p:spPr>
+        <p:txBody>
+          <a:bodyPr rtlCol="0"/>
           <a:lstStyle/>
           <a:p>
-            <a:r>
-              <a:rPr lang="nl-BE" dirty="0"/>
-              <a:t>Toekomst</a:t>
-            </a:r>
-          </a:p>
-        </p:txBody>
-      </p:sp>
-      <p:sp>
-        <p:nvSpPr>
-          <p:cNvPr id="3" name="Tijdelijke aanduiding voor tekst 2">
-            <a:extLst>
-              <a:ext uri="{FF2B5EF4-FFF2-40B4-BE49-F238E27FC236}">
-                <a16:creationId xmlns:a16="http://schemas.microsoft.com/office/drawing/2014/main" id="{B7568AE7-7DE0-8D2A-AE69-6D6C786CBF13}"/>
-              </a:ext>
-            </a:extLst>
-          </p:cNvPr>
-          <p:cNvSpPr>
-            <a:spLocks noGrp="1"/>
-          </p:cNvSpPr>
-          <p:nvPr>
-            <p:ph type="body" sz="quarter" idx="13"/>
-          </p:nvPr>
-        </p:nvSpPr>
-        <p:spPr>
-          <a:xfrm>
-            <a:off x="5919680" y="1577109"/>
-            <a:ext cx="5433204" cy="3703782"/>
-          </a:xfrm>
-        </p:spPr>
-        <p:txBody>
-          <a:bodyPr>
-            <a:normAutofit fontScale="85000" lnSpcReduction="10000"/>
-          </a:bodyPr>
+            <a:pPr rtl="0"/>
+            <a:r>
+              <a:rPr lang="fr-FR" dirty="0" err="1"/>
+              <a:t>Back-end</a:t>
+            </a:r>
+            <a:r>
+              <a:rPr lang="fr-FR" dirty="0"/>
+              <a:t> en </a:t>
+            </a:r>
+            <a:r>
+              <a:rPr lang="fr-FR" dirty="0" err="1"/>
+              <a:t>Databank</a:t>
+            </a:r>
+            <a:endParaRPr lang="fr-FR" dirty="0"/>
+          </a:p>
+        </p:txBody>
+      </p:sp>
+      <p:sp>
+        <p:nvSpPr>
+          <p:cNvPr id="32" name="Espace réservé de la date 31">
+            <a:extLst>
+              <a:ext uri="{FF2B5EF4-FFF2-40B4-BE49-F238E27FC236}">
+                <a16:creationId xmlns:a16="http://schemas.microsoft.com/office/drawing/2014/main" id="{D5DB19F8-B538-4965-BA90-ED372B99F5DC}"/>
+              </a:ext>
+            </a:extLst>
+          </p:cNvPr>
+          <p:cNvSpPr>
+            <a:spLocks noGrp="1"/>
+          </p:cNvSpPr>
+          <p:nvPr>
+            <p:ph type="dt" sz="half" idx="20"/>
+          </p:nvPr>
+        </p:nvSpPr>
+        <p:spPr>
+          <a:xfrm>
+            <a:off x="5919680" y="6356350"/>
+            <a:ext cx="947516" cy="365125"/>
+          </a:xfrm>
+        </p:spPr>
+        <p:txBody>
+          <a:bodyPr rtlCol="0"/>
           <a:lstStyle/>
           <a:p>
-            <a:pPr marL="342900" indent="-342900">
-              <a:lnSpc>
-                <a:spcPct val="200000"/>
-              </a:lnSpc>
-              <a:buFont typeface="Arial" panose="020B0604020202020204" pitchFamily="34" charset="0"/>
-              <a:buChar char="•"/>
-            </a:pPr>
-            <a:r>
-              <a:rPr lang="nl-BE" dirty="0"/>
-              <a:t>CRUD toepassingen</a:t>
-            </a:r>
-          </a:p>
-          <a:p>
-            <a:pPr marL="342900" indent="-342900">
-              <a:lnSpc>
-                <a:spcPct val="200000"/>
-              </a:lnSpc>
-              <a:buFont typeface="Arial" panose="020B0604020202020204" pitchFamily="34" charset="0"/>
-              <a:buChar char="•"/>
-            </a:pPr>
-            <a:r>
-              <a:rPr lang="nl-BE" dirty="0"/>
-              <a:t>Gebruikers (login)</a:t>
-            </a:r>
-          </a:p>
-          <a:p>
-            <a:pPr marL="342900" indent="-342900">
-              <a:lnSpc>
-                <a:spcPct val="200000"/>
-              </a:lnSpc>
-              <a:buFont typeface="Arial" panose="020B0604020202020204" pitchFamily="34" charset="0"/>
-              <a:buChar char="•"/>
-            </a:pPr>
-            <a:r>
-              <a:rPr lang="nl-BE" dirty="0"/>
-              <a:t>Invoer nieuwe gegevens (extra scherm)</a:t>
-            </a:r>
-          </a:p>
-          <a:p>
-            <a:pPr marL="342900" indent="-342900">
-              <a:lnSpc>
-                <a:spcPct val="200000"/>
-              </a:lnSpc>
-              <a:buFont typeface="Arial" panose="020B0604020202020204" pitchFamily="34" charset="0"/>
-              <a:buChar char="•"/>
-            </a:pPr>
-            <a:r>
-              <a:rPr lang="nl-BE" dirty="0" err="1"/>
-              <a:t>Responsive</a:t>
-            </a:r>
-            <a:r>
-              <a:rPr lang="nl-BE" dirty="0"/>
-              <a:t> design</a:t>
-            </a:r>
-          </a:p>
-          <a:p>
-            <a:pPr marL="342900" indent="-342900">
-              <a:lnSpc>
-                <a:spcPct val="200000"/>
-              </a:lnSpc>
-              <a:buFont typeface="Arial" panose="020B0604020202020204" pitchFamily="34" charset="0"/>
-              <a:buChar char="•"/>
-            </a:pPr>
-            <a:r>
-              <a:rPr lang="nl-BE" dirty="0"/>
-              <a:t>Dark </a:t>
-            </a:r>
-            <a:r>
-              <a:rPr lang="nl-BE" dirty="0" err="1"/>
-              <a:t>theme</a:t>
-            </a:r>
-            <a:endParaRPr lang="nl-BE" dirty="0"/>
-          </a:p>
-          <a:p>
-            <a:pPr marL="342900" indent="-342900">
-              <a:lnSpc>
-                <a:spcPct val="200000"/>
-              </a:lnSpc>
-              <a:buFont typeface="Arial" panose="020B0604020202020204" pitchFamily="34" charset="0"/>
-              <a:buChar char="•"/>
-            </a:pPr>
-            <a:r>
-              <a:rPr lang="nl-BE" dirty="0"/>
-              <a:t>Zoekfunctie</a:t>
-            </a:r>
-          </a:p>
-          <a:p>
-            <a:pPr marL="342900" indent="-342900">
-              <a:buFont typeface="Arial" panose="020B0604020202020204" pitchFamily="34" charset="0"/>
-              <a:buChar char="•"/>
-            </a:pPr>
-            <a:endParaRPr lang="nl-BE" dirty="0"/>
-          </a:p>
-        </p:txBody>
-      </p:sp>
-      <p:sp>
-        <p:nvSpPr>
-          <p:cNvPr id="11" name="Tijdelijke aanduiding voor datum 10">
-            <a:extLst>
-              <a:ext uri="{FF2B5EF4-FFF2-40B4-BE49-F238E27FC236}">
-                <a16:creationId xmlns:a16="http://schemas.microsoft.com/office/drawing/2014/main" id="{0BC06DD5-397D-C094-EBFC-07D3B4F99360}"/>
-              </a:ext>
-            </a:extLst>
-          </p:cNvPr>
-          <p:cNvSpPr>
-            <a:spLocks noGrp="1"/>
-          </p:cNvSpPr>
-          <p:nvPr>
-            <p:ph type="dt" sz="half" idx="20"/>
-          </p:nvPr>
-        </p:nvSpPr>
-        <p:spPr/>
-        <p:txBody>
-          <a:bodyPr/>
-          <a:lstStyle/>
-          <a:p>
             <a:pPr rtl="0"/>
             <a:r>
-              <a:rPr lang="fr-FR" noProof="0" dirty="0"/>
-              <a:t>2023</a:t>
-            </a:r>
-          </a:p>
-        </p:txBody>
-      </p:sp>
-      <p:sp>
-        <p:nvSpPr>
-          <p:cNvPr id="12" name="Tijdelijke aanduiding voor voettekst 11">
-            <a:extLst>
-              <a:ext uri="{FF2B5EF4-FFF2-40B4-BE49-F238E27FC236}">
-                <a16:creationId xmlns:a16="http://schemas.microsoft.com/office/drawing/2014/main" id="{F43D161D-28B5-1CD6-C9C8-411C798A7579}"/>
+              <a:rPr lang="fr-FR" dirty="0"/>
+              <a:t>2024</a:t>
+            </a:r>
+          </a:p>
+        </p:txBody>
+      </p:sp>
+      <p:sp>
+        <p:nvSpPr>
+          <p:cNvPr id="3" name="Espace réservé du pied de page 2">
+            <a:extLst>
+              <a:ext uri="{FF2B5EF4-FFF2-40B4-BE49-F238E27FC236}">
+                <a16:creationId xmlns:a16="http://schemas.microsoft.com/office/drawing/2014/main" id="{005C44B1-BA82-483C-BD91-F89067442F9E}"/>
               </a:ext>
             </a:extLst>
           </p:cNvPr>
@@ -19831,9 +21404,14 @@
             <p:ph type="ftr" sz="quarter" idx="21"/>
           </p:nvPr>
         </p:nvSpPr>
-        <p:spPr/>
-        <p:txBody>
-          <a:bodyPr/>
+        <p:spPr>
+          <a:xfrm>
+            <a:off x="7161955" y="6356350"/>
+            <a:ext cx="3243942" cy="365125"/>
+          </a:xfrm>
+        </p:spPr>
+        <p:txBody>
+          <a:bodyPr rtlCol="0"/>
           <a:lstStyle/>
           <a:p>
             <a:pPr rtl="0"/>
@@ -19855,10 +21433,10 @@
       </p:sp>
       <p:sp>
         <p:nvSpPr>
-          <p:cNvPr id="13" name="Tijdelijke aanduiding voor dianummer 12">
-            <a:extLst>
-              <a:ext uri="{FF2B5EF4-FFF2-40B4-BE49-F238E27FC236}">
-                <a16:creationId xmlns:a16="http://schemas.microsoft.com/office/drawing/2014/main" id="{9D9484ED-2AAC-5077-F7D6-4BFD04D75700}"/>
+          <p:cNvPr id="4" name="Espace réservé du numéro de diapositive 3">
+            <a:extLst>
+              <a:ext uri="{FF2B5EF4-FFF2-40B4-BE49-F238E27FC236}">
+                <a16:creationId xmlns:a16="http://schemas.microsoft.com/office/drawing/2014/main" id="{79ED4A67-3A46-4F54-A12A-EAE1B53E6457}"/>
               </a:ext>
             </a:extLst>
           </p:cNvPr>
@@ -19869,25 +21447,99 @@
             <p:ph type="sldNum" sz="quarter" idx="22"/>
           </p:nvPr>
         </p:nvSpPr>
-        <p:spPr/>
-        <p:txBody>
-          <a:bodyPr/>
+        <p:spPr>
+          <a:xfrm>
+            <a:off x="10700656" y="6356350"/>
+            <a:ext cx="653143" cy="365125"/>
+          </a:xfrm>
+        </p:spPr>
+        <p:txBody>
+          <a:bodyPr rtlCol="0"/>
           <a:lstStyle/>
           <a:p>
             <a:pPr rtl="0"/>
-            <a:fld id="{B5CEABB6-07DC-46E8-9B57-56EC44A396E5}" type="slidenum">
-              <a:rPr lang="fr-FR" noProof="0" smtClean="0"/>
+            <a:fld id="{19B51A1E-902D-48AF-9020-955120F399B6}" type="slidenum">
+              <a:rPr lang="fr-FR" smtClean="0"/>
               <a:pPr rtl="0"/>
               <a:t>9</a:t>
             </a:fld>
-            <a:endParaRPr lang="fr-FR" noProof="0"/>
-          </a:p>
-        </p:txBody>
-      </p:sp>
+            <a:endParaRPr lang="fr-FR" dirty="0"/>
+          </a:p>
+        </p:txBody>
+      </p:sp>
+      <p:pic>
+        <p:nvPicPr>
+          <p:cNvPr id="6" name="Afbeelding 5">
+            <a:extLst>
+              <a:ext uri="{FF2B5EF4-FFF2-40B4-BE49-F238E27FC236}">
+                <a16:creationId xmlns:a16="http://schemas.microsoft.com/office/drawing/2014/main" id="{0608A728-313C-078D-45F3-F5984CCF7188}"/>
+              </a:ext>
+            </a:extLst>
+          </p:cNvPr>
+          <p:cNvPicPr>
+            <a:picLocks noChangeAspect="1"/>
+          </p:cNvPicPr>
+          <p:nvPr/>
+        </p:nvPicPr>
+        <p:blipFill rotWithShape="1">
+          <a:blip r:embed="rId5"/>
+          <a:srcRect t="17103" r="3249" b="13079"/>
+          <a:stretch/>
+        </p:blipFill>
+        <p:spPr>
+          <a:xfrm>
+            <a:off x="1394149" y="1325243"/>
+            <a:ext cx="2065032" cy="3326914"/>
+          </a:xfrm>
+          <a:prstGeom prst="rect">
+            <a:avLst/>
+          </a:prstGeom>
+          <a:ln w="28575">
+            <a:solidFill>
+              <a:schemeClr val="tx1"/>
+            </a:solidFill>
+          </a:ln>
+        </p:spPr>
+      </p:pic>
+      <p:pic>
+        <p:nvPicPr>
+          <p:cNvPr id="7" name="Afbeelding 6">
+            <a:extLst>
+              <a:ext uri="{FF2B5EF4-FFF2-40B4-BE49-F238E27FC236}">
+                <a16:creationId xmlns:a16="http://schemas.microsoft.com/office/drawing/2014/main" id="{3EC9C497-A7AD-15BA-287A-A45A8B83A840}"/>
+              </a:ext>
+            </a:extLst>
+          </p:cNvPr>
+          <p:cNvPicPr>
+            <a:picLocks noChangeAspect="1"/>
+          </p:cNvPicPr>
+          <p:nvPr/>
+        </p:nvPicPr>
+        <p:blipFill>
+          <a:blip r:embed="rId6"/>
+          <a:stretch>
+            <a:fillRect/>
+          </a:stretch>
+        </p:blipFill>
+        <p:spPr>
+          <a:xfrm>
+            <a:off x="7578170" y="3318476"/>
+            <a:ext cx="3596992" cy="3037874"/>
+          </a:xfrm>
+          <a:prstGeom prst="rect">
+            <a:avLst/>
+          </a:prstGeom>
+          <a:ln w="28575">
+            <a:solidFill>
+              <a:schemeClr val="bg1"/>
+            </a:solidFill>
+          </a:ln>
+        </p:spPr>
+      </p:pic>
     </p:spTree>
     <p:extLst>
       <p:ext uri="{BB962C8B-B14F-4D97-AF65-F5344CB8AC3E}">
-        <p14:creationId xmlns:p14="http://schemas.microsoft.com/office/powerpoint/2010/main" val="4169162614"/>
+        <p14:creationId xmlns:p14="http://schemas.microsoft.com/office/powerpoint/2010/main" val="3902976026"/>
       </p:ext>
     </p:extLst>
   </p:cSld>
@@ -20689,15 +22341,6 @@
 </file>
 
 <file path=customXml/item1.xml><?xml version="1.0" encoding="utf-8"?>
-<?mso-contentType ?>
-<FormTemplates xmlns="http://schemas.microsoft.com/sharepoint/v3/contenttype/forms">
-  <Display>DocumentLibraryForm</Display>
-  <Edit>DocumentLibraryForm</Edit>
-  <New>DocumentLibraryForm</New>
-</FormTemplates>
-</file>
-
-<file path=customXml/item2.xml><?xml version="1.0" encoding="utf-8"?>
 <ct:contentTypeSchema xmlns:ct="http://schemas.microsoft.com/office/2006/metadata/contentType" xmlns:ma="http://schemas.microsoft.com/office/2006/metadata/properties/metaAttributes" ct:_="" ma:_="" ma:contentTypeName="Document" ma:contentTypeID="0x01010079F111ED35F8CC479449609E8A0923A6" ma:contentTypeVersion="20" ma:contentTypeDescription="Create a new document." ma:contentTypeScope="" ma:versionID="1267097ee5f5874adfcc408041ae252e">
   <xsd:schema xmlns:xsd="http://www.w3.org/2001/XMLSchema" xmlns:xs="http://www.w3.org/2001/XMLSchema" xmlns:p="http://schemas.microsoft.com/office/2006/metadata/properties" xmlns:ns1="http://schemas.microsoft.com/sharepoint/v3" xmlns:ns2="71af3243-3dd4-4a8d-8c0d-dd76da1f02a5" xmlns:ns3="16c05727-aa75-4e4a-9b5f-8a80a1165891" xmlns:ns4="230e9df3-be65-4c73-a93b-d1236ebd677e" targetNamespace="http://schemas.microsoft.com/office/2006/metadata/properties" ma:root="true" ma:fieldsID="395891a93df65b14727750f2c06c306c" ns1:_="" ns2:_="" ns3:_="" ns4:_="">
     <xsd:import namespace="http://schemas.microsoft.com/sharepoint/v3"/>
@@ -20973,7 +22616,7 @@
 </ct:contentTypeSchema>
 </file>
 
-<file path=customXml/item3.xml><?xml version="1.0" encoding="utf-8"?>
+<file path=customXml/item2.xml><?xml version="1.0" encoding="utf-8"?>
 <p:properties xmlns:p="http://schemas.microsoft.com/office/2006/metadata/properties" xmlns:xsi="http://www.w3.org/2001/XMLSchema-instance" xmlns:pc="http://schemas.microsoft.com/office/infopath/2007/PartnerControls">
   <documentManagement>
     <_ip_UnifiedCompliancePolicyUIAction xmlns="http://schemas.microsoft.com/sharepoint/v3" xsi:nil="true"/>
@@ -20992,15 +22635,16 @@
 </p:properties>
 </file>
 
-<file path=customXml/itemProps1.xml><?xml version="1.0" encoding="utf-8"?>
-<ds:datastoreItem xmlns:ds="http://schemas.openxmlformats.org/officeDocument/2006/customXml" ds:itemID="{2D446390-8521-40A2-A462-EA068123BED9}">
-  <ds:schemaRefs>
-    <ds:schemaRef ds:uri="http://schemas.microsoft.com/sharepoint/v3/contenttype/forms"/>
-  </ds:schemaRefs>
-</ds:datastoreItem>
+<file path=customXml/item3.xml><?xml version="1.0" encoding="utf-8"?>
+<?mso-contentType ?>
+<FormTemplates xmlns="http://schemas.microsoft.com/sharepoint/v3/contenttype/forms">
+  <Display>DocumentLibraryForm</Display>
+  <Edit>DocumentLibraryForm</Edit>
+  <New>DocumentLibraryForm</New>
+</FormTemplates>
 </file>
 
-<file path=customXml/itemProps2.xml><?xml version="1.0" encoding="utf-8"?>
+<file path=customXml/itemProps1.xml><?xml version="1.0" encoding="utf-8"?>
 <ds:datastoreItem xmlns:ds="http://schemas.openxmlformats.org/officeDocument/2006/customXml" ds:itemID="{01E84A1C-2814-43A7-9448-348326113A45}">
   <ds:schemaRefs>
     <ds:schemaRef ds:uri="http://schemas.microsoft.com/office/2006/metadata/contentType"/>
@@ -21021,14 +22665,29 @@
 </ds:datastoreItem>
 </file>
 
-<file path=customXml/itemProps3.xml><?xml version="1.0" encoding="utf-8"?>
+<file path=customXml/itemProps2.xml><?xml version="1.0" encoding="utf-8"?>
 <ds:datastoreItem xmlns:ds="http://schemas.openxmlformats.org/officeDocument/2006/customXml" ds:itemID="{B5BA3906-9696-4247-AC0D-DD5C26B2A70A}">
   <ds:schemaRefs>
+    <ds:schemaRef ds:uri="http://www.w3.org/XML/1998/namespace"/>
     <ds:schemaRef ds:uri="http://schemas.microsoft.com/office/2006/metadata/properties"/>
+    <ds:schemaRef ds:uri="http://purl.org/dc/dcmitype/"/>
+    <ds:schemaRef ds:uri="http://schemas.openxmlformats.org/package/2006/metadata/core-properties"/>
+    <ds:schemaRef ds:uri="71af3243-3dd4-4a8d-8c0d-dd76da1f02a5"/>
+    <ds:schemaRef ds:uri="http://schemas.microsoft.com/office/2006/documentManagement/types"/>
+    <ds:schemaRef ds:uri="http://purl.org/dc/elements/1.1/"/>
+    <ds:schemaRef ds:uri="http://purl.org/dc/terms/"/>
     <ds:schemaRef ds:uri="http://schemas.microsoft.com/office/infopath/2007/PartnerControls"/>
+    <ds:schemaRef ds:uri="230e9df3-be65-4c73-a93b-d1236ebd677e"/>
+    <ds:schemaRef ds:uri="16c05727-aa75-4e4a-9b5f-8a80a1165891"/>
     <ds:schemaRef ds:uri="http://schemas.microsoft.com/sharepoint/v3"/>
-    <ds:schemaRef ds:uri="71af3243-3dd4-4a8d-8c0d-dd76da1f02a5"/>
-    <ds:schemaRef ds:uri="230e9df3-be65-4c73-a93b-d1236ebd677e"/>
+  </ds:schemaRefs>
+</ds:datastoreItem>
+</file>
+
+<file path=customXml/itemProps3.xml><?xml version="1.0" encoding="utf-8"?>
+<ds:datastoreItem xmlns:ds="http://schemas.openxmlformats.org/officeDocument/2006/customXml" ds:itemID="{2D446390-8521-40A2-A462-EA068123BED9}">
+  <ds:schemaRefs>
+    <ds:schemaRef ds:uri="http://schemas.microsoft.com/sharepoint/v3/contenttype/forms"/>
   </ds:schemaRefs>
 </ds:datastoreItem>
 </file>
